--- a/capstone project phase A.pptx
+++ b/capstone project phase A.pptx
@@ -11,6 +11,16 @@
     <p:sldId id="261" r:id="rId5"/>
     <p:sldId id="262" r:id="rId6"/>
     <p:sldId id="263" r:id="rId7"/>
+    <p:sldId id="264" r:id="rId8"/>
+    <p:sldId id="265" r:id="rId9"/>
+    <p:sldId id="267" r:id="rId10"/>
+    <p:sldId id="268" r:id="rId11"/>
+    <p:sldId id="272" r:id="rId12"/>
+    <p:sldId id="271" r:id="rId13"/>
+    <p:sldId id="276" r:id="rId14"/>
+    <p:sldId id="273" r:id="rId15"/>
+    <p:sldId id="274" r:id="rId16"/>
+    <p:sldId id="275" r:id="rId17"/>
   </p:sldIdLst>
   <p:sldSz cx="12192000" cy="6858000"/>
   <p:notesSz cx="6858000" cy="9144000"/>
@@ -109,6 +119,11 @@
       </a:defRPr>
     </a:lvl9pPr>
   </p:defaultTextStyle>
+  <p:extLst>
+    <p:ext uri="{EFAFB233-063F-42B5-8137-9DF3F51BA10A}">
+      <p15:sldGuideLst xmlns:p15="http://schemas.microsoft.com/office/powerpoint/2012/main"/>
+    </p:ext>
+  </p:extLst>
 </p:presentation>
 </file>
 
@@ -834,7 +849,7 @@
           <a:p>
             <a:fld id="{D3F75E5A-59E6-41C3-86BC-276BB8181AF7}" type="datetimeFigureOut">
               <a:rPr lang="he-IL" smtClean="0"/>
-              <a:t>ט'/טבת/תשפ"ג</a:t>
+              <a:t>י'/טבת/תשפ"ג</a:t>
             </a:fld>
             <a:endParaRPr lang="he-IL"/>
           </a:p>
@@ -1085,7 +1100,7 @@
           <a:p>
             <a:fld id="{D3F75E5A-59E6-41C3-86BC-276BB8181AF7}" type="datetimeFigureOut">
               <a:rPr lang="he-IL" smtClean="0"/>
-              <a:t>ט'/טבת/תשפ"ג</a:t>
+              <a:t>י'/טבת/תשפ"ג</a:t>
             </a:fld>
             <a:endParaRPr lang="he-IL"/>
           </a:p>
@@ -1399,7 +1414,7 @@
           <a:p>
             <a:fld id="{D3F75E5A-59E6-41C3-86BC-276BB8181AF7}" type="datetimeFigureOut">
               <a:rPr lang="he-IL" smtClean="0"/>
-              <a:t>ט'/טבת/תשפ"ג</a:t>
+              <a:t>י'/טבת/תשפ"ג</a:t>
             </a:fld>
             <a:endParaRPr lang="he-IL"/>
           </a:p>
@@ -1740,7 +1755,7 @@
           <a:p>
             <a:fld id="{D3F75E5A-59E6-41C3-86BC-276BB8181AF7}" type="datetimeFigureOut">
               <a:rPr lang="he-IL" smtClean="0"/>
-              <a:t>ט'/טבת/תשפ"ג</a:t>
+              <a:t>י'/טבת/תשפ"ג</a:t>
             </a:fld>
             <a:endParaRPr lang="he-IL"/>
           </a:p>
@@ -2054,7 +2069,7 @@
           <a:p>
             <a:fld id="{D3F75E5A-59E6-41C3-86BC-276BB8181AF7}" type="datetimeFigureOut">
               <a:rPr lang="he-IL" smtClean="0"/>
-              <a:t>ט'/טבת/תשפ"ג</a:t>
+              <a:t>י'/טבת/תשפ"ג</a:t>
             </a:fld>
             <a:endParaRPr lang="he-IL"/>
           </a:p>
@@ -2447,7 +2462,7 @@
           <a:p>
             <a:fld id="{D3F75E5A-59E6-41C3-86BC-276BB8181AF7}" type="datetimeFigureOut">
               <a:rPr lang="he-IL" smtClean="0"/>
-              <a:t>ט'/טבת/תשפ"ג</a:t>
+              <a:t>י'/טבת/תשפ"ג</a:t>
             </a:fld>
             <a:endParaRPr lang="he-IL"/>
           </a:p>
@@ -2617,7 +2632,7 @@
           <a:p>
             <a:fld id="{D3F75E5A-59E6-41C3-86BC-276BB8181AF7}" type="datetimeFigureOut">
               <a:rPr lang="he-IL" smtClean="0"/>
-              <a:t>ט'/טבת/תשפ"ג</a:t>
+              <a:t>י'/טבת/תשפ"ג</a:t>
             </a:fld>
             <a:endParaRPr lang="he-IL"/>
           </a:p>
@@ -2797,7 +2812,7 @@
           <a:p>
             <a:fld id="{D3F75E5A-59E6-41C3-86BC-276BB8181AF7}" type="datetimeFigureOut">
               <a:rPr lang="he-IL" smtClean="0"/>
-              <a:t>ט'/טבת/תשפ"ג</a:t>
+              <a:t>י'/טבת/תשפ"ג</a:t>
             </a:fld>
             <a:endParaRPr lang="he-IL"/>
           </a:p>
@@ -2973,7 +2988,7 @@
           <a:p>
             <a:fld id="{D3F75E5A-59E6-41C3-86BC-276BB8181AF7}" type="datetimeFigureOut">
               <a:rPr lang="he-IL" smtClean="0"/>
-              <a:t>ט'/טבת/תשפ"ג</a:t>
+              <a:t>י'/טבת/תשפ"ג</a:t>
             </a:fld>
             <a:endParaRPr lang="he-IL"/>
           </a:p>
@@ -3220,7 +3235,7 @@
           <a:p>
             <a:fld id="{D3F75E5A-59E6-41C3-86BC-276BB8181AF7}" type="datetimeFigureOut">
               <a:rPr lang="he-IL" smtClean="0"/>
-              <a:t>ט'/טבת/תשפ"ג</a:t>
+              <a:t>י'/טבת/תשפ"ג</a:t>
             </a:fld>
             <a:endParaRPr lang="he-IL"/>
           </a:p>
@@ -3452,7 +3467,7 @@
           <a:p>
             <a:fld id="{D3F75E5A-59E6-41C3-86BC-276BB8181AF7}" type="datetimeFigureOut">
               <a:rPr lang="he-IL" smtClean="0"/>
-              <a:t>ט'/טבת/תשפ"ג</a:t>
+              <a:t>י'/טבת/תשפ"ג</a:t>
             </a:fld>
             <a:endParaRPr lang="he-IL"/>
           </a:p>
@@ -3826,7 +3841,7 @@
           <a:p>
             <a:fld id="{D3F75E5A-59E6-41C3-86BC-276BB8181AF7}" type="datetimeFigureOut">
               <a:rPr lang="he-IL" smtClean="0"/>
-              <a:t>ט'/טבת/תשפ"ג</a:t>
+              <a:t>י'/טבת/תשפ"ג</a:t>
             </a:fld>
             <a:endParaRPr lang="he-IL"/>
           </a:p>
@@ -3949,7 +3964,7 @@
           <a:p>
             <a:fld id="{D3F75E5A-59E6-41C3-86BC-276BB8181AF7}" type="datetimeFigureOut">
               <a:rPr lang="he-IL" smtClean="0"/>
-              <a:t>ט'/טבת/תשפ"ג</a:t>
+              <a:t>י'/טבת/תשפ"ג</a:t>
             </a:fld>
             <a:endParaRPr lang="he-IL"/>
           </a:p>
@@ -4044,7 +4059,7 @@
           <a:p>
             <a:fld id="{D3F75E5A-59E6-41C3-86BC-276BB8181AF7}" type="datetimeFigureOut">
               <a:rPr lang="he-IL" smtClean="0"/>
-              <a:t>ט'/טבת/תשפ"ג</a:t>
+              <a:t>י'/טבת/תשפ"ג</a:t>
             </a:fld>
             <a:endParaRPr lang="he-IL"/>
           </a:p>
@@ -4299,7 +4314,7 @@
           <a:p>
             <a:fld id="{D3F75E5A-59E6-41C3-86BC-276BB8181AF7}" type="datetimeFigureOut">
               <a:rPr lang="he-IL" smtClean="0"/>
-              <a:t>ט'/טבת/תשפ"ג</a:t>
+              <a:t>י'/טבת/תשפ"ג</a:t>
             </a:fld>
             <a:endParaRPr lang="he-IL"/>
           </a:p>
@@ -4562,7 +4577,7 @@
           <a:p>
             <a:fld id="{D3F75E5A-59E6-41C3-86BC-276BB8181AF7}" type="datetimeFigureOut">
               <a:rPr lang="he-IL" smtClean="0"/>
-              <a:t>ט'/טבת/תשפ"ג</a:t>
+              <a:t>י'/טבת/תשפ"ג</a:t>
             </a:fld>
             <a:endParaRPr lang="he-IL"/>
           </a:p>
@@ -5305,7 +5320,7 @@
           <a:p>
             <a:fld id="{D3F75E5A-59E6-41C3-86BC-276BB8181AF7}" type="datetimeFigureOut">
               <a:rPr lang="he-IL" smtClean="0"/>
-              <a:t>ט'/טבת/תשפ"ג</a:t>
+              <a:t>י'/טבת/תשפ"ג</a:t>
             </a:fld>
             <a:endParaRPr lang="he-IL"/>
           </a:p>
@@ -6031,19 +6046,21 @@
         </p:nvSpPr>
         <p:spPr>
           <a:xfrm>
-            <a:off x="2408904" y="1071716"/>
+            <a:off x="2740724" y="698229"/>
             <a:ext cx="6865098" cy="858684"/>
           </a:xfrm>
         </p:spPr>
         <p:txBody>
-          <a:bodyPr/>
+          <a:bodyPr>
+            <a:normAutofit/>
+          </a:bodyPr>
           <a:lstStyle/>
           <a:p>
             <a:r>
-              <a:rPr lang="en-US" sz="3600" dirty="0"/>
+              <a:rPr lang="en-US" sz="4000" b="1" dirty="0"/>
               <a:t>Capstone Project Phase 1</a:t>
             </a:r>
-            <a:endParaRPr lang="he-IL" dirty="0"/>
+            <a:endParaRPr lang="he-IL" sz="4000" b="1" dirty="0"/>
           </a:p>
         </p:txBody>
       </p:sp>
@@ -6065,41 +6082,98 @@
         </p:nvSpPr>
         <p:spPr>
           <a:xfrm>
-            <a:off x="1333500" y="2160588"/>
-            <a:ext cx="8596313" cy="3881437"/>
+            <a:off x="1475972" y="2255142"/>
+            <a:ext cx="9240055" cy="4435779"/>
           </a:xfrm>
         </p:spPr>
         <p:txBody>
           <a:bodyPr>
-            <a:normAutofit fontScale="97500"/>
+            <a:normAutofit fontScale="97500" lnSpcReduction="10000"/>
           </a:bodyPr>
           <a:lstStyle/>
           <a:p>
             <a:pPr marL="0" indent="0" algn="ctr" rtl="0">
               <a:buNone/>
             </a:pPr>
-            <a:r>
-              <a:rPr lang="en-US" sz="3600" dirty="0"/>
+            <a:endParaRPr lang="en-US" sz="2900" b="1" dirty="0">
+              <a:latin typeface="Arial" panose="020B0604020202020204" pitchFamily="34" charset="0"/>
+              <a:cs typeface="Arial" panose="020B0604020202020204" pitchFamily="34" charset="0"/>
+            </a:endParaRPr>
+          </a:p>
+          <a:p>
+            <a:pPr marL="0" indent="0" algn="ctr" rtl="0">
+              <a:buNone/>
+            </a:pPr>
+            <a:r>
+              <a:rPr lang="en-US" sz="2900" b="1" dirty="0">
+                <a:latin typeface="Arial" panose="020B0604020202020204" pitchFamily="34" charset="0"/>
+                <a:cs typeface="Arial" panose="020B0604020202020204" pitchFamily="34" charset="0"/>
+              </a:rPr>
               <a:t>breast cancer cells classification using CNN on histopathology and mammography imaging</a:t>
             </a:r>
             <a:br>
-              <a:rPr lang="en-US" sz="3600" dirty="0"/>
+              <a:rPr lang="en-US" sz="3200" dirty="0">
+                <a:latin typeface="Arial" panose="020B0604020202020204" pitchFamily="34" charset="0"/>
+                <a:cs typeface="Arial" panose="020B0604020202020204" pitchFamily="34" charset="0"/>
+              </a:rPr>
             </a:br>
+            <a:endParaRPr lang="en-US" sz="3200" dirty="0">
+              <a:latin typeface="Arial" panose="020B0604020202020204" pitchFamily="34" charset="0"/>
+              <a:cs typeface="Arial" panose="020B0604020202020204" pitchFamily="34" charset="0"/>
+            </a:endParaRPr>
+          </a:p>
+          <a:p>
+            <a:pPr marL="0" indent="0" algn="ctr" rtl="0">
+              <a:buNone/>
+            </a:pPr>
+            <a:endParaRPr lang="en-US" sz="3200" dirty="0">
+              <a:latin typeface="Arial" panose="020B0604020202020204" pitchFamily="34" charset="0"/>
+              <a:cs typeface="Arial" panose="020B0604020202020204" pitchFamily="34" charset="0"/>
+            </a:endParaRPr>
+          </a:p>
+          <a:p>
+            <a:pPr marL="0" indent="0" algn="ctr" rtl="0">
+              <a:buNone/>
+            </a:pPr>
+            <a:endParaRPr lang="en-US" sz="3200" dirty="0">
+              <a:latin typeface="Arial" panose="020B0604020202020204" pitchFamily="34" charset="0"/>
+              <a:cs typeface="Arial" panose="020B0604020202020204" pitchFamily="34" charset="0"/>
+            </a:endParaRPr>
+          </a:p>
+          <a:p>
+            <a:pPr marL="0" indent="0" algn="ctr" rtl="0">
+              <a:buNone/>
+            </a:pPr>
             <a:br>
-              <a:rPr lang="en-US" sz="3600" dirty="0"/>
+              <a:rPr lang="en-US" sz="3200" dirty="0">
+                <a:latin typeface="Arial" panose="020B0604020202020204" pitchFamily="34" charset="0"/>
+                <a:cs typeface="Arial" panose="020B0604020202020204" pitchFamily="34" charset="0"/>
+              </a:rPr>
             </a:br>
             <a:r>
-              <a:rPr lang="en-US" sz="3300" dirty="0"/>
-              <a:t>supervisor: Ronen Zilber</a:t>
+              <a:rPr lang="en-US" sz="2900" dirty="0">
+                <a:latin typeface="Arial" panose="020B0604020202020204" pitchFamily="34" charset="0"/>
+                <a:cs typeface="Arial" panose="020B0604020202020204" pitchFamily="34" charset="0"/>
+              </a:rPr>
+              <a:t>Supervisor: Ronen Zilber</a:t>
             </a:r>
             <a:br>
-              <a:rPr lang="en-US" sz="3300" dirty="0"/>
+              <a:rPr lang="en-US" sz="2900" dirty="0">
+                <a:latin typeface="Arial" panose="020B0604020202020204" pitchFamily="34" charset="0"/>
+                <a:cs typeface="Arial" panose="020B0604020202020204" pitchFamily="34" charset="0"/>
+              </a:rPr>
             </a:br>
             <a:r>
-              <a:rPr lang="en-US" sz="3300" dirty="0"/>
-              <a:t>students: Shenhav Hezi, Tomer Boyanjo</a:t>
-            </a:r>
-            <a:endParaRPr lang="he-IL" sz="3300" dirty="0"/>
+              <a:rPr lang="en-US" sz="2900" dirty="0">
+                <a:latin typeface="Arial" panose="020B0604020202020204" pitchFamily="34" charset="0"/>
+                <a:cs typeface="Arial" panose="020B0604020202020204" pitchFamily="34" charset="0"/>
+              </a:rPr>
+              <a:t>Students: Shenhav Hezi, Tomer Boyanjo</a:t>
+            </a:r>
+            <a:endParaRPr lang="he-IL" sz="3200" dirty="0">
+              <a:latin typeface="Arial" panose="020B0604020202020204" pitchFamily="34" charset="0"/>
+              <a:cs typeface="Arial" panose="020B0604020202020204" pitchFamily="34" charset="0"/>
+            </a:endParaRPr>
           </a:p>
         </p:txBody>
       </p:sp>
@@ -6107,6 +6181,3977 @@
     <p:extLst>
       <p:ext uri="{BB962C8B-B14F-4D97-AF65-F5344CB8AC3E}">
         <p14:creationId xmlns:p14="http://schemas.microsoft.com/office/powerpoint/2010/main" val="3976309847"/>
+      </p:ext>
+    </p:extLst>
+  </p:cSld>
+  <p:clrMapOvr>
+    <a:masterClrMapping/>
+  </p:clrMapOvr>
+</p:sld>
+</file>
+
+<file path=ppt/slides/slide10.xml><?xml version="1.0" encoding="utf-8"?>
+<p:sld xmlns:a="http://schemas.openxmlformats.org/drawingml/2006/main" xmlns:r="http://schemas.openxmlformats.org/officeDocument/2006/relationships" xmlns:p="http://schemas.openxmlformats.org/presentationml/2006/main">
+  <p:cSld>
+    <p:bg>
+      <p:bgPr>
+        <a:solidFill>
+          <a:schemeClr val="bg1"/>
+        </a:solidFill>
+        <a:effectLst/>
+      </p:bgPr>
+    </p:bg>
+    <p:spTree>
+      <p:nvGrpSpPr>
+        <p:cNvPr id="1" name=""/>
+        <p:cNvGrpSpPr/>
+        <p:nvPr/>
+      </p:nvGrpSpPr>
+      <p:grpSpPr>
+        <a:xfrm>
+          <a:off x="0" y="0"/>
+          <a:ext cx="0" cy="0"/>
+          <a:chOff x="0" y="0"/>
+          <a:chExt cx="0" cy="0"/>
+        </a:xfrm>
+      </p:grpSpPr>
+      <p:sp useBgFill="1">
+        <p:nvSpPr>
+          <p:cNvPr id="33" name="Rectangle 32">
+            <a:extLst>
+              <a:ext uri="{FF2B5EF4-FFF2-40B4-BE49-F238E27FC236}">
+                <a16:creationId xmlns:a16="http://schemas.microsoft.com/office/drawing/2014/main" id="{E80B86A7-A1EC-475B-9166-88902B033A38}"/>
+              </a:ext>
+              <a:ext uri="{C183D7F6-B498-43B3-948B-1728B52AA6E4}">
+                <adec:decorative xmlns:adec="http://schemas.microsoft.com/office/drawing/2017/decorative" val="1"/>
+              </a:ext>
+            </a:extLst>
+          </p:cNvPr>
+          <p:cNvSpPr>
+            <a:spLocks noGrp="1" noRot="1" noChangeAspect="1" noMove="1" noResize="1" noEditPoints="1" noAdjustHandles="1" noChangeArrowheads="1" noChangeShapeType="1" noTextEdit="1"/>
+          </p:cNvSpPr>
+          <p:nvPr>
+            <p:extLst>
+              <p:ext uri="{386F3935-93C4-4BCD-93E2-E3B085C9AB24}">
+                <p16:designElem xmlns:p16="http://schemas.microsoft.com/office/powerpoint/2015/main" val="1"/>
+              </p:ext>
+            </p:extLst>
+          </p:nvPr>
+        </p:nvSpPr>
+        <p:spPr>
+          <a:xfrm>
+            <a:off x="0" y="0"/>
+            <a:ext cx="12192000" cy="6858000"/>
+          </a:xfrm>
+          <a:prstGeom prst="rect">
+            <a:avLst/>
+          </a:prstGeom>
+          <a:ln>
+            <a:noFill/>
+          </a:ln>
+        </p:spPr>
+        <p:style>
+          <a:lnRef idx="2">
+            <a:schemeClr val="accent1">
+              <a:shade val="50000"/>
+            </a:schemeClr>
+          </a:lnRef>
+          <a:fillRef idx="1">
+            <a:schemeClr val="accent1"/>
+          </a:fillRef>
+          <a:effectRef idx="0">
+            <a:schemeClr val="accent1"/>
+          </a:effectRef>
+          <a:fontRef idx="minor">
+            <a:schemeClr val="lt1"/>
+          </a:fontRef>
+        </p:style>
+        <p:txBody>
+          <a:bodyPr rtlCol="0" anchor="ctr"/>
+          <a:lstStyle/>
+          <a:p>
+            <a:pPr algn="ctr"/>
+            <a:endParaRPr lang="en-US"/>
+          </a:p>
+        </p:txBody>
+      </p:sp>
+      <p:sp>
+        <p:nvSpPr>
+          <p:cNvPr id="35" name="Isosceles Triangle 34">
+            <a:extLst>
+              <a:ext uri="{FF2B5EF4-FFF2-40B4-BE49-F238E27FC236}">
+                <a16:creationId xmlns:a16="http://schemas.microsoft.com/office/drawing/2014/main" id="{C2C29CB1-9F74-4879-A6AF-AEA67B6F1F4D}"/>
+              </a:ext>
+              <a:ext uri="{C183D7F6-B498-43B3-948B-1728B52AA6E4}">
+                <adec:decorative xmlns:adec="http://schemas.microsoft.com/office/drawing/2017/decorative" val="1"/>
+              </a:ext>
+            </a:extLst>
+          </p:cNvPr>
+          <p:cNvSpPr>
+            <a:spLocks noGrp="1" noRot="1" noChangeAspect="1" noMove="1" noResize="1" noEditPoints="1" noAdjustHandles="1" noChangeArrowheads="1" noChangeShapeType="1" noTextEdit="1"/>
+          </p:cNvSpPr>
+          <p:nvPr>
+            <p:extLst>
+              <p:ext uri="{386F3935-93C4-4BCD-93E2-E3B085C9AB24}">
+                <p16:designElem xmlns:p16="http://schemas.microsoft.com/office/powerpoint/2015/main" val="1"/>
+              </p:ext>
+            </p:extLst>
+          </p:nvPr>
+        </p:nvSpPr>
+        <p:spPr>
+          <a:xfrm rot="10800000">
+            <a:off x="0" y="0"/>
+            <a:ext cx="842596" cy="5666154"/>
+          </a:xfrm>
+          <a:prstGeom prst="triangle">
+            <a:avLst>
+              <a:gd name="adj" fmla="val 100000"/>
+            </a:avLst>
+          </a:prstGeom>
+          <a:solidFill>
+            <a:schemeClr val="accent1">
+              <a:alpha val="85000"/>
+            </a:schemeClr>
+          </a:solidFill>
+          <a:ln>
+            <a:noFill/>
+          </a:ln>
+          <a:effectLst/>
+        </p:spPr>
+        <p:style>
+          <a:lnRef idx="1">
+            <a:schemeClr val="accent1"/>
+          </a:lnRef>
+          <a:fillRef idx="3">
+            <a:schemeClr val="accent1"/>
+          </a:fillRef>
+          <a:effectRef idx="2">
+            <a:schemeClr val="accent1"/>
+          </a:effectRef>
+          <a:fontRef idx="minor">
+            <a:schemeClr val="lt1"/>
+          </a:fontRef>
+        </p:style>
+      </p:sp>
+      <p:sp>
+        <p:nvSpPr>
+          <p:cNvPr id="37" name="Isosceles Triangle 36">
+            <a:extLst>
+              <a:ext uri="{FF2B5EF4-FFF2-40B4-BE49-F238E27FC236}">
+                <a16:creationId xmlns:a16="http://schemas.microsoft.com/office/drawing/2014/main" id="{7E2C7115-5336-410C-AD71-0F0952A2E5A7}"/>
+              </a:ext>
+              <a:ext uri="{C183D7F6-B498-43B3-948B-1728B52AA6E4}">
+                <adec:decorative xmlns:adec="http://schemas.microsoft.com/office/drawing/2017/decorative" val="1"/>
+              </a:ext>
+            </a:extLst>
+          </p:cNvPr>
+          <p:cNvSpPr>
+            <a:spLocks noGrp="1" noRot="1" noChangeAspect="1" noMove="1" noResize="1" noEditPoints="1" noAdjustHandles="1" noChangeArrowheads="1" noChangeShapeType="1" noTextEdit="1"/>
+          </p:cNvSpPr>
+          <p:nvPr>
+            <p:extLst>
+              <p:ext uri="{386F3935-93C4-4BCD-93E2-E3B085C9AB24}">
+                <p16:designElem xmlns:p16="http://schemas.microsoft.com/office/powerpoint/2015/main" val="1"/>
+              </p:ext>
+            </p:extLst>
+          </p:nvPr>
+        </p:nvSpPr>
+        <p:spPr>
+          <a:xfrm flipH="1">
+            <a:off x="11743267" y="4013200"/>
+            <a:ext cx="448733" cy="2844800"/>
+          </a:xfrm>
+          <a:prstGeom prst="triangle">
+            <a:avLst>
+              <a:gd name="adj" fmla="val 0"/>
+            </a:avLst>
+          </a:prstGeom>
+          <a:solidFill>
+            <a:schemeClr val="accent1">
+              <a:alpha val="85000"/>
+            </a:schemeClr>
+          </a:solidFill>
+          <a:ln>
+            <a:noFill/>
+          </a:ln>
+          <a:effectLst/>
+        </p:spPr>
+        <p:style>
+          <a:lnRef idx="1">
+            <a:schemeClr val="accent1"/>
+          </a:lnRef>
+          <a:fillRef idx="3">
+            <a:schemeClr val="accent1"/>
+          </a:fillRef>
+          <a:effectRef idx="2">
+            <a:schemeClr val="accent1"/>
+          </a:effectRef>
+          <a:fontRef idx="minor">
+            <a:schemeClr val="lt1"/>
+          </a:fontRef>
+        </p:style>
+      </p:sp>
+      <p:sp>
+        <p:nvSpPr>
+          <p:cNvPr id="6" name="מציין מיקום תוכן 2">
+            <a:extLst>
+              <a:ext uri="{FF2B5EF4-FFF2-40B4-BE49-F238E27FC236}">
+                <a16:creationId xmlns:a16="http://schemas.microsoft.com/office/drawing/2014/main" id="{91E00044-A01A-C55E-CB95-201D0795360D}"/>
+              </a:ext>
+            </a:extLst>
+          </p:cNvPr>
+          <p:cNvSpPr txBox="1">
+            <a:spLocks/>
+          </p:cNvSpPr>
+          <p:nvPr/>
+        </p:nvSpPr>
+        <p:spPr>
+          <a:xfrm>
+            <a:off x="1092368" y="310979"/>
+            <a:ext cx="10333996" cy="3340181"/>
+          </a:xfrm>
+          <a:prstGeom prst="rect">
+            <a:avLst/>
+          </a:prstGeom>
+        </p:spPr>
+        <p:txBody>
+          <a:bodyPr vert="horz" lIns="91440" tIns="45720" rIns="91440" bIns="45720" rtlCol="0">
+            <a:normAutofit/>
+          </a:bodyPr>
+          <a:lstStyle>
+            <a:lvl1pPr marL="342900" indent="-342900" algn="r" defTabSz="457200" rtl="1" eaLnBrk="1" latinLnBrk="0" hangingPunct="1">
+              <a:spcBef>
+                <a:spcPts val="1000"/>
+              </a:spcBef>
+              <a:spcAft>
+                <a:spcPts val="0"/>
+              </a:spcAft>
+              <a:buClr>
+                <a:schemeClr val="accent1"/>
+              </a:buClr>
+              <a:buSzPct val="80000"/>
+              <a:buFont typeface="Wingdings 3" charset="2"/>
+              <a:buChar char=""/>
+              <a:defRPr sz="1800" kern="1200">
+                <a:solidFill>
+                  <a:schemeClr val="tx1">
+                    <a:lumMod val="75000"/>
+                    <a:lumOff val="25000"/>
+                  </a:schemeClr>
+                </a:solidFill>
+                <a:latin typeface="+mn-lt"/>
+                <a:ea typeface="+mn-ea"/>
+                <a:cs typeface="+mn-cs"/>
+              </a:defRPr>
+            </a:lvl1pPr>
+            <a:lvl2pPr marL="742950" indent="-285750" algn="r" defTabSz="457200" rtl="1" eaLnBrk="1" latinLnBrk="0" hangingPunct="1">
+              <a:spcBef>
+                <a:spcPts val="1000"/>
+              </a:spcBef>
+              <a:spcAft>
+                <a:spcPts val="0"/>
+              </a:spcAft>
+              <a:buClr>
+                <a:schemeClr val="accent1"/>
+              </a:buClr>
+              <a:buSzPct val="80000"/>
+              <a:buFont typeface="Wingdings 3" charset="2"/>
+              <a:buChar char=""/>
+              <a:defRPr sz="1600" kern="1200">
+                <a:solidFill>
+                  <a:schemeClr val="tx1">
+                    <a:lumMod val="75000"/>
+                    <a:lumOff val="25000"/>
+                  </a:schemeClr>
+                </a:solidFill>
+                <a:latin typeface="+mn-lt"/>
+                <a:ea typeface="+mn-ea"/>
+                <a:cs typeface="+mn-cs"/>
+              </a:defRPr>
+            </a:lvl2pPr>
+            <a:lvl3pPr marL="1143000" indent="-228600" algn="r" defTabSz="457200" rtl="1" eaLnBrk="1" latinLnBrk="0" hangingPunct="1">
+              <a:spcBef>
+                <a:spcPts val="1000"/>
+              </a:spcBef>
+              <a:spcAft>
+                <a:spcPts val="0"/>
+              </a:spcAft>
+              <a:buClr>
+                <a:schemeClr val="accent1"/>
+              </a:buClr>
+              <a:buSzPct val="80000"/>
+              <a:buFont typeface="Wingdings 3" charset="2"/>
+              <a:buChar char=""/>
+              <a:defRPr sz="1400" kern="1200">
+                <a:solidFill>
+                  <a:schemeClr val="tx1">
+                    <a:lumMod val="75000"/>
+                    <a:lumOff val="25000"/>
+                  </a:schemeClr>
+                </a:solidFill>
+                <a:latin typeface="+mn-lt"/>
+                <a:ea typeface="+mn-ea"/>
+                <a:cs typeface="+mn-cs"/>
+              </a:defRPr>
+            </a:lvl3pPr>
+            <a:lvl4pPr marL="1600200" indent="-228600" algn="r" defTabSz="457200" rtl="1" eaLnBrk="1" latinLnBrk="0" hangingPunct="1">
+              <a:spcBef>
+                <a:spcPts val="1000"/>
+              </a:spcBef>
+              <a:spcAft>
+                <a:spcPts val="0"/>
+              </a:spcAft>
+              <a:buClr>
+                <a:schemeClr val="accent1"/>
+              </a:buClr>
+              <a:buSzPct val="80000"/>
+              <a:buFont typeface="Wingdings 3" charset="2"/>
+              <a:buChar char=""/>
+              <a:defRPr sz="1200" kern="1200">
+                <a:solidFill>
+                  <a:schemeClr val="tx1">
+                    <a:lumMod val="75000"/>
+                    <a:lumOff val="25000"/>
+                  </a:schemeClr>
+                </a:solidFill>
+                <a:latin typeface="+mn-lt"/>
+                <a:ea typeface="+mn-ea"/>
+                <a:cs typeface="+mn-cs"/>
+              </a:defRPr>
+            </a:lvl4pPr>
+            <a:lvl5pPr marL="2057400" indent="-228600" algn="r" defTabSz="457200" rtl="1" eaLnBrk="1" latinLnBrk="0" hangingPunct="1">
+              <a:spcBef>
+                <a:spcPts val="1000"/>
+              </a:spcBef>
+              <a:spcAft>
+                <a:spcPts val="0"/>
+              </a:spcAft>
+              <a:buClr>
+                <a:schemeClr val="accent1"/>
+              </a:buClr>
+              <a:buSzPct val="80000"/>
+              <a:buFont typeface="Wingdings 3" charset="2"/>
+              <a:buChar char=""/>
+              <a:defRPr sz="1200" kern="1200">
+                <a:solidFill>
+                  <a:schemeClr val="tx1">
+                    <a:lumMod val="75000"/>
+                    <a:lumOff val="25000"/>
+                  </a:schemeClr>
+                </a:solidFill>
+                <a:latin typeface="+mn-lt"/>
+                <a:ea typeface="+mn-ea"/>
+                <a:cs typeface="+mn-cs"/>
+              </a:defRPr>
+            </a:lvl5pPr>
+            <a:lvl6pPr marL="2514600" indent="-228600" algn="r" defTabSz="457200" rtl="1" eaLnBrk="1" latinLnBrk="0" hangingPunct="1">
+              <a:spcBef>
+                <a:spcPts val="1000"/>
+              </a:spcBef>
+              <a:spcAft>
+                <a:spcPts val="0"/>
+              </a:spcAft>
+              <a:buClr>
+                <a:schemeClr val="accent1"/>
+              </a:buClr>
+              <a:buSzPct val="80000"/>
+              <a:buFont typeface="Wingdings 3" charset="2"/>
+              <a:buChar char=""/>
+              <a:defRPr sz="1200" kern="1200">
+                <a:solidFill>
+                  <a:schemeClr val="tx1">
+                    <a:lumMod val="75000"/>
+                    <a:lumOff val="25000"/>
+                  </a:schemeClr>
+                </a:solidFill>
+                <a:latin typeface="+mn-lt"/>
+                <a:ea typeface="+mn-ea"/>
+                <a:cs typeface="+mn-cs"/>
+              </a:defRPr>
+            </a:lvl6pPr>
+            <a:lvl7pPr marL="2971800" indent="-228600" algn="r" defTabSz="457200" rtl="1" eaLnBrk="1" latinLnBrk="0" hangingPunct="1">
+              <a:spcBef>
+                <a:spcPts val="1000"/>
+              </a:spcBef>
+              <a:spcAft>
+                <a:spcPts val="0"/>
+              </a:spcAft>
+              <a:buClr>
+                <a:schemeClr val="accent1"/>
+              </a:buClr>
+              <a:buSzPct val="80000"/>
+              <a:buFont typeface="Wingdings 3" charset="2"/>
+              <a:buChar char=""/>
+              <a:defRPr sz="1200" kern="1200">
+                <a:solidFill>
+                  <a:schemeClr val="tx1">
+                    <a:lumMod val="75000"/>
+                    <a:lumOff val="25000"/>
+                  </a:schemeClr>
+                </a:solidFill>
+                <a:latin typeface="+mn-lt"/>
+                <a:ea typeface="+mn-ea"/>
+                <a:cs typeface="+mn-cs"/>
+              </a:defRPr>
+            </a:lvl7pPr>
+            <a:lvl8pPr marL="3429000" indent="-228600" algn="r" defTabSz="457200" rtl="1" eaLnBrk="1" latinLnBrk="0" hangingPunct="1">
+              <a:spcBef>
+                <a:spcPts val="1000"/>
+              </a:spcBef>
+              <a:spcAft>
+                <a:spcPts val="0"/>
+              </a:spcAft>
+              <a:buClr>
+                <a:schemeClr val="accent1"/>
+              </a:buClr>
+              <a:buSzPct val="80000"/>
+              <a:buFont typeface="Wingdings 3" charset="2"/>
+              <a:buChar char=""/>
+              <a:defRPr sz="1200" kern="1200">
+                <a:solidFill>
+                  <a:schemeClr val="tx1">
+                    <a:lumMod val="75000"/>
+                    <a:lumOff val="25000"/>
+                  </a:schemeClr>
+                </a:solidFill>
+                <a:latin typeface="+mn-lt"/>
+                <a:ea typeface="+mn-ea"/>
+                <a:cs typeface="+mn-cs"/>
+              </a:defRPr>
+            </a:lvl8pPr>
+            <a:lvl9pPr marL="3886200" indent="-228600" algn="r" defTabSz="457200" rtl="1" eaLnBrk="1" latinLnBrk="0" hangingPunct="1">
+              <a:spcBef>
+                <a:spcPts val="1000"/>
+              </a:spcBef>
+              <a:spcAft>
+                <a:spcPts val="0"/>
+              </a:spcAft>
+              <a:buClr>
+                <a:schemeClr val="accent1"/>
+              </a:buClr>
+              <a:buSzPct val="80000"/>
+              <a:buFont typeface="Wingdings 3" charset="2"/>
+              <a:buChar char=""/>
+              <a:defRPr sz="1200" kern="1200">
+                <a:solidFill>
+                  <a:schemeClr val="tx1">
+                    <a:lumMod val="75000"/>
+                    <a:lumOff val="25000"/>
+                  </a:schemeClr>
+                </a:solidFill>
+                <a:latin typeface="+mn-lt"/>
+                <a:ea typeface="+mn-ea"/>
+                <a:cs typeface="+mn-cs"/>
+              </a:defRPr>
+            </a:lvl9pPr>
+          </a:lstStyle>
+          <a:p>
+            <a:pPr marL="0" indent="0" algn="l" rtl="0">
+              <a:buFont typeface="Wingdings 3" charset="2"/>
+              <a:buNone/>
+            </a:pPr>
+            <a:r>
+              <a:rPr lang="en-US" sz="2000" dirty="0">
+                <a:solidFill>
+                  <a:schemeClr val="tx1"/>
+                </a:solidFill>
+                <a:latin typeface="Arial" panose="020B0604020202020204" pitchFamily="34" charset="0"/>
+                <a:cs typeface="Arial" panose="020B0604020202020204" pitchFamily="34" charset="0"/>
+              </a:rPr>
+              <a:t>Inception v3 is also introduced in the same paper with v2 and is a variation of v2 with batch normalization on the auxiliary classifiers and not just on convolutions.</a:t>
+            </a:r>
+            <a:br>
+              <a:rPr lang="en-US" sz="2000" dirty="0">
+                <a:solidFill>
+                  <a:schemeClr val="tx1"/>
+                </a:solidFill>
+                <a:latin typeface="Arial" panose="020B0604020202020204" pitchFamily="34" charset="0"/>
+                <a:cs typeface="Arial" panose="020B0604020202020204" pitchFamily="34" charset="0"/>
+              </a:rPr>
+            </a:br>
+            <a:r>
+              <a:rPr lang="en-US" sz="2000" dirty="0">
+                <a:solidFill>
+                  <a:schemeClr val="tx1"/>
+                </a:solidFill>
+                <a:latin typeface="Arial" panose="020B0604020202020204" pitchFamily="34" charset="0"/>
+                <a:cs typeface="Arial" panose="020B0604020202020204" pitchFamily="34" charset="0"/>
+              </a:rPr>
+              <a:t>the Inception architecture is highly tunable, meaning that there are a lot of possible changes to the number of filters in the various layers that do not affect the quality of the fully trained network.</a:t>
+            </a:r>
+            <a:br>
+              <a:rPr lang="en-US" sz="2000" dirty="0">
+                <a:solidFill>
+                  <a:schemeClr val="tx1"/>
+                </a:solidFill>
+                <a:latin typeface="Arial" panose="020B0604020202020204" pitchFamily="34" charset="0"/>
+                <a:cs typeface="Arial" panose="020B0604020202020204" pitchFamily="34" charset="0"/>
+              </a:rPr>
+            </a:br>
+            <a:r>
+              <a:rPr lang="en-US" sz="2000" dirty="0">
+                <a:solidFill>
+                  <a:schemeClr val="tx1"/>
+                </a:solidFill>
+                <a:latin typeface="Arial" panose="020B0604020202020204" pitchFamily="34" charset="0"/>
+                <a:cs typeface="Arial" panose="020B0604020202020204" pitchFamily="34" charset="0"/>
+              </a:rPr>
+              <a:t>inception v4 is an updated version of inception which made use of advancements and newer tools from when v3 was published.</a:t>
+            </a:r>
+            <a:br>
+              <a:rPr lang="en-US" sz="2000" dirty="0">
+                <a:solidFill>
+                  <a:schemeClr val="tx1"/>
+                </a:solidFill>
+                <a:latin typeface="Arial" panose="020B0604020202020204" pitchFamily="34" charset="0"/>
+                <a:cs typeface="Arial" panose="020B0604020202020204" pitchFamily="34" charset="0"/>
+              </a:rPr>
+            </a:br>
+            <a:r>
+              <a:rPr lang="en-US" sz="2000" dirty="0">
+                <a:solidFill>
+                  <a:schemeClr val="tx1"/>
+                </a:solidFill>
+                <a:latin typeface="Arial" panose="020B0604020202020204" pitchFamily="34" charset="0"/>
+                <a:cs typeface="Arial" panose="020B0604020202020204" pitchFamily="34" charset="0"/>
+              </a:rPr>
+              <a:t>researchers note not simplifying earlier choices in the architecture resulted in networks that looked more complicated than they needed to be and made changes </a:t>
+            </a:r>
+          </a:p>
+          <a:p>
+            <a:pPr marL="0" indent="0" algn="l" rtl="0">
+              <a:buFont typeface="Wingdings 3" charset="2"/>
+              <a:buNone/>
+            </a:pPr>
+            <a:endParaRPr lang="en-US" sz="2000" dirty="0">
+              <a:solidFill>
+                <a:schemeClr val="tx1"/>
+              </a:solidFill>
+              <a:latin typeface="Arial" panose="020B0604020202020204" pitchFamily="34" charset="0"/>
+              <a:cs typeface="Arial" panose="020B0604020202020204" pitchFamily="34" charset="0"/>
+            </a:endParaRPr>
+          </a:p>
+        </p:txBody>
+      </p:sp>
+      <p:pic>
+        <p:nvPicPr>
+          <p:cNvPr id="3" name="מציין מיקום תוכן 3">
+            <a:extLst>
+              <a:ext uri="{FF2B5EF4-FFF2-40B4-BE49-F238E27FC236}">
+                <a16:creationId xmlns:a16="http://schemas.microsoft.com/office/drawing/2014/main" id="{5CA90DAF-8ECA-48B2-381C-3CE976BAACE4}"/>
+              </a:ext>
+            </a:extLst>
+          </p:cNvPr>
+          <p:cNvPicPr>
+            <a:picLocks noGrp="1" noChangeAspect="1"/>
+          </p:cNvPicPr>
+          <p:nvPr>
+            <p:ph idx="1"/>
+          </p:nvPr>
+        </p:nvPicPr>
+        <p:blipFill>
+          <a:blip r:embed="rId2"/>
+          <a:stretch>
+            <a:fillRect/>
+          </a:stretch>
+        </p:blipFill>
+        <p:spPr>
+          <a:xfrm>
+            <a:off x="4551340" y="3215048"/>
+            <a:ext cx="2544919" cy="3533548"/>
+          </a:xfrm>
+          <a:prstGeom prst="rect">
+            <a:avLst/>
+          </a:prstGeom>
+        </p:spPr>
+      </p:pic>
+    </p:spTree>
+    <p:extLst>
+      <p:ext uri="{BB962C8B-B14F-4D97-AF65-F5344CB8AC3E}">
+        <p14:creationId xmlns:p14="http://schemas.microsoft.com/office/powerpoint/2010/main" val="2466653760"/>
+      </p:ext>
+    </p:extLst>
+  </p:cSld>
+  <p:clrMapOvr>
+    <a:masterClrMapping/>
+  </p:clrMapOvr>
+</p:sld>
+</file>
+
+<file path=ppt/slides/slide11.xml><?xml version="1.0" encoding="utf-8"?>
+<p:sld xmlns:a="http://schemas.openxmlformats.org/drawingml/2006/main" xmlns:r="http://schemas.openxmlformats.org/officeDocument/2006/relationships" xmlns:p="http://schemas.openxmlformats.org/presentationml/2006/main">
+  <p:cSld>
+    <p:bg>
+      <p:bgPr>
+        <a:solidFill>
+          <a:schemeClr val="bg1"/>
+        </a:solidFill>
+        <a:effectLst/>
+      </p:bgPr>
+    </p:bg>
+    <p:spTree>
+      <p:nvGrpSpPr>
+        <p:cNvPr id="1" name=""/>
+        <p:cNvGrpSpPr/>
+        <p:nvPr/>
+      </p:nvGrpSpPr>
+      <p:grpSpPr>
+        <a:xfrm>
+          <a:off x="0" y="0"/>
+          <a:ext cx="0" cy="0"/>
+          <a:chOff x="0" y="0"/>
+          <a:chExt cx="0" cy="0"/>
+        </a:xfrm>
+      </p:grpSpPr>
+      <p:sp useBgFill="1">
+        <p:nvSpPr>
+          <p:cNvPr id="33" name="Rectangle 32">
+            <a:extLst>
+              <a:ext uri="{FF2B5EF4-FFF2-40B4-BE49-F238E27FC236}">
+                <a16:creationId xmlns:a16="http://schemas.microsoft.com/office/drawing/2014/main" id="{E80B86A7-A1EC-475B-9166-88902B033A38}"/>
+              </a:ext>
+              <a:ext uri="{C183D7F6-B498-43B3-948B-1728B52AA6E4}">
+                <adec:decorative xmlns:adec="http://schemas.microsoft.com/office/drawing/2017/decorative" val="1"/>
+              </a:ext>
+            </a:extLst>
+          </p:cNvPr>
+          <p:cNvSpPr>
+            <a:spLocks noGrp="1" noRot="1" noChangeAspect="1" noMove="1" noResize="1" noEditPoints="1" noAdjustHandles="1" noChangeArrowheads="1" noChangeShapeType="1" noTextEdit="1"/>
+          </p:cNvSpPr>
+          <p:nvPr>
+            <p:extLst>
+              <p:ext uri="{386F3935-93C4-4BCD-93E2-E3B085C9AB24}">
+                <p16:designElem xmlns:p16="http://schemas.microsoft.com/office/powerpoint/2015/main" val="1"/>
+              </p:ext>
+            </p:extLst>
+          </p:nvPr>
+        </p:nvSpPr>
+        <p:spPr>
+          <a:xfrm>
+            <a:off x="0" y="0"/>
+            <a:ext cx="12192000" cy="6858000"/>
+          </a:xfrm>
+          <a:prstGeom prst="rect">
+            <a:avLst/>
+          </a:prstGeom>
+          <a:ln>
+            <a:noFill/>
+          </a:ln>
+        </p:spPr>
+        <p:style>
+          <a:lnRef idx="2">
+            <a:schemeClr val="accent1">
+              <a:shade val="50000"/>
+            </a:schemeClr>
+          </a:lnRef>
+          <a:fillRef idx="1">
+            <a:schemeClr val="accent1"/>
+          </a:fillRef>
+          <a:effectRef idx="0">
+            <a:schemeClr val="accent1"/>
+          </a:effectRef>
+          <a:fontRef idx="minor">
+            <a:schemeClr val="lt1"/>
+          </a:fontRef>
+        </p:style>
+        <p:txBody>
+          <a:bodyPr rtlCol="0" anchor="ctr"/>
+          <a:lstStyle/>
+          <a:p>
+            <a:pPr marL="0" marR="0" lvl="0" indent="0" algn="ctr" defTabSz="457200" rtl="0" eaLnBrk="1" fontAlgn="auto" latinLnBrk="0" hangingPunct="1">
+              <a:lnSpc>
+                <a:spcPct val="100000"/>
+              </a:lnSpc>
+              <a:spcBef>
+                <a:spcPts val="0"/>
+              </a:spcBef>
+              <a:spcAft>
+                <a:spcPts val="0"/>
+              </a:spcAft>
+              <a:buClrTx/>
+              <a:buSzTx/>
+              <a:buFontTx/>
+              <a:buNone/>
+              <a:tabLst/>
+              <a:defRPr/>
+            </a:pPr>
+            <a:endParaRPr kumimoji="0" lang="en-US" sz="1800" b="0" i="0" u="none" strike="noStrike" kern="1200" cap="none" spc="0" normalizeH="0" baseline="0" noProof="0">
+              <a:ln>
+                <a:noFill/>
+              </a:ln>
+              <a:solidFill>
+                <a:prstClr val="white"/>
+              </a:solidFill>
+              <a:effectLst/>
+              <a:uLnTx/>
+              <a:uFillTx/>
+              <a:latin typeface="Trebuchet MS" panose="020B0603020202020204"/>
+              <a:ea typeface="+mn-ea"/>
+              <a:cs typeface="+mn-cs"/>
+            </a:endParaRPr>
+          </a:p>
+        </p:txBody>
+      </p:sp>
+      <p:sp>
+        <p:nvSpPr>
+          <p:cNvPr id="2" name="כותרת 1">
+            <a:extLst>
+              <a:ext uri="{FF2B5EF4-FFF2-40B4-BE49-F238E27FC236}">
+                <a16:creationId xmlns:a16="http://schemas.microsoft.com/office/drawing/2014/main" id="{1ACC9094-DF10-FE2C-933F-47FB37C8A6AB}"/>
+              </a:ext>
+            </a:extLst>
+          </p:cNvPr>
+          <p:cNvSpPr>
+            <a:spLocks noGrp="1"/>
+          </p:cNvSpPr>
+          <p:nvPr>
+            <p:ph type="title"/>
+          </p:nvPr>
+        </p:nvSpPr>
+        <p:spPr>
+          <a:xfrm>
+            <a:off x="1694111" y="316864"/>
+            <a:ext cx="8596668" cy="1320800"/>
+          </a:xfrm>
+        </p:spPr>
+        <p:txBody>
+          <a:bodyPr>
+            <a:normAutofit/>
+          </a:bodyPr>
+          <a:lstStyle/>
+          <a:p>
+            <a:pPr algn="ctr" rtl="0"/>
+            <a:r>
+              <a:rPr lang="en-US" sz="4000" dirty="0" err="1">
+                <a:latin typeface="Arial" panose="020B0604020202020204" pitchFamily="34" charset="0"/>
+                <a:cs typeface="Arial" panose="020B0604020202020204" pitchFamily="34" charset="0"/>
+              </a:rPr>
+              <a:t>BreakHis</a:t>
+            </a:r>
+            <a:endParaRPr lang="he-IL" sz="4000" dirty="0">
+              <a:latin typeface="Arial" panose="020B0604020202020204" pitchFamily="34" charset="0"/>
+              <a:cs typeface="Arial" panose="020B0604020202020204" pitchFamily="34" charset="0"/>
+            </a:endParaRPr>
+          </a:p>
+        </p:txBody>
+      </p:sp>
+      <p:sp>
+        <p:nvSpPr>
+          <p:cNvPr id="35" name="Isosceles Triangle 34">
+            <a:extLst>
+              <a:ext uri="{FF2B5EF4-FFF2-40B4-BE49-F238E27FC236}">
+                <a16:creationId xmlns:a16="http://schemas.microsoft.com/office/drawing/2014/main" id="{C2C29CB1-9F74-4879-A6AF-AEA67B6F1F4D}"/>
+              </a:ext>
+              <a:ext uri="{C183D7F6-B498-43B3-948B-1728B52AA6E4}">
+                <adec:decorative xmlns:adec="http://schemas.microsoft.com/office/drawing/2017/decorative" val="1"/>
+              </a:ext>
+            </a:extLst>
+          </p:cNvPr>
+          <p:cNvSpPr>
+            <a:spLocks noGrp="1" noRot="1" noChangeAspect="1" noMove="1" noResize="1" noEditPoints="1" noAdjustHandles="1" noChangeArrowheads="1" noChangeShapeType="1" noTextEdit="1"/>
+          </p:cNvSpPr>
+          <p:nvPr>
+            <p:extLst>
+              <p:ext uri="{386F3935-93C4-4BCD-93E2-E3B085C9AB24}">
+                <p16:designElem xmlns:p16="http://schemas.microsoft.com/office/powerpoint/2015/main" val="1"/>
+              </p:ext>
+            </p:extLst>
+          </p:nvPr>
+        </p:nvSpPr>
+        <p:spPr>
+          <a:xfrm rot="10800000">
+            <a:off x="0" y="0"/>
+            <a:ext cx="842596" cy="5666154"/>
+          </a:xfrm>
+          <a:prstGeom prst="triangle">
+            <a:avLst>
+              <a:gd name="adj" fmla="val 100000"/>
+            </a:avLst>
+          </a:prstGeom>
+          <a:solidFill>
+            <a:schemeClr val="accent1">
+              <a:alpha val="85000"/>
+            </a:schemeClr>
+          </a:solidFill>
+          <a:ln>
+            <a:noFill/>
+          </a:ln>
+          <a:effectLst/>
+        </p:spPr>
+        <p:style>
+          <a:lnRef idx="1">
+            <a:schemeClr val="accent1"/>
+          </a:lnRef>
+          <a:fillRef idx="3">
+            <a:schemeClr val="accent1"/>
+          </a:fillRef>
+          <a:effectRef idx="2">
+            <a:schemeClr val="accent1"/>
+          </a:effectRef>
+          <a:fontRef idx="minor">
+            <a:schemeClr val="lt1"/>
+          </a:fontRef>
+        </p:style>
+      </p:sp>
+      <p:sp>
+        <p:nvSpPr>
+          <p:cNvPr id="3" name="מציין מיקום תוכן 2">
+            <a:extLst>
+              <a:ext uri="{FF2B5EF4-FFF2-40B4-BE49-F238E27FC236}">
+                <a16:creationId xmlns:a16="http://schemas.microsoft.com/office/drawing/2014/main" id="{E63CB9F7-1BEA-5E29-A0FC-A93719833515}"/>
+              </a:ext>
+            </a:extLst>
+          </p:cNvPr>
+          <p:cNvSpPr>
+            <a:spLocks noGrp="1"/>
+          </p:cNvSpPr>
+          <p:nvPr>
+            <p:ph idx="1"/>
+          </p:nvPr>
+        </p:nvSpPr>
+        <p:spPr>
+          <a:xfrm>
+            <a:off x="1383130" y="1038210"/>
+            <a:ext cx="9819603" cy="4781579"/>
+          </a:xfrm>
+        </p:spPr>
+        <p:txBody>
+          <a:bodyPr>
+            <a:normAutofit/>
+          </a:bodyPr>
+          <a:lstStyle/>
+          <a:p>
+            <a:pPr marL="0" indent="0" algn="l" rtl="0">
+              <a:buNone/>
+            </a:pPr>
+            <a:r>
+              <a:rPr lang="en-US" sz="1800" dirty="0">
+                <a:solidFill>
+                  <a:srgbClr val="000000"/>
+                </a:solidFill>
+                <a:effectLst/>
+                <a:latin typeface="Arial" panose="020B0604020202020204" pitchFamily="34" charset="0"/>
+                <a:ea typeface="Calibri" panose="020F0502020204030204" pitchFamily="34" charset="0"/>
+              </a:rPr>
+              <a:t>The Breast Cancer Histopathological Image Classification (</a:t>
+            </a:r>
+            <a:r>
+              <a:rPr lang="en-US" sz="1800" dirty="0" err="1">
+                <a:solidFill>
+                  <a:srgbClr val="000000"/>
+                </a:solidFill>
+                <a:effectLst/>
+                <a:latin typeface="Arial" panose="020B0604020202020204" pitchFamily="34" charset="0"/>
+                <a:ea typeface="Calibri" panose="020F0502020204030204" pitchFamily="34" charset="0"/>
+              </a:rPr>
+              <a:t>BreakHis</a:t>
+            </a:r>
+            <a:r>
+              <a:rPr lang="en-US" sz="1800" dirty="0">
+                <a:solidFill>
+                  <a:srgbClr val="000000"/>
+                </a:solidFill>
+                <a:effectLst/>
+                <a:latin typeface="Arial" panose="020B0604020202020204" pitchFamily="34" charset="0"/>
+                <a:ea typeface="Calibri" panose="020F0502020204030204" pitchFamily="34" charset="0"/>
+              </a:rPr>
+              <a:t>) composed of:</a:t>
+            </a:r>
+          </a:p>
+          <a:p>
+            <a:pPr algn="l" rtl="0">
+              <a:buSzPct val="140000"/>
+              <a:buFont typeface="Arial" panose="020B0604020202020204" pitchFamily="34" charset="0"/>
+              <a:buChar char="•"/>
+            </a:pPr>
+            <a:r>
+              <a:rPr lang="en-US" sz="2000" dirty="0">
+                <a:solidFill>
+                  <a:schemeClr val="tx1"/>
+                </a:solidFill>
+                <a:latin typeface="Arial" panose="020B0604020202020204" pitchFamily="34" charset="0"/>
+                <a:cs typeface="Arial" panose="020B0604020202020204" pitchFamily="34" charset="0"/>
+              </a:rPr>
+              <a:t>7,909 microscopic images of breast tumor tissue collected from 82 patients using different magnifying factors (40X, 100X, 200X, and 400X).  </a:t>
+            </a:r>
+          </a:p>
+          <a:p>
+            <a:pPr algn="l" rtl="0">
+              <a:buSzPct val="140000"/>
+              <a:buFont typeface="Arial" panose="020B0604020202020204" pitchFamily="34" charset="0"/>
+              <a:buChar char="•"/>
+            </a:pPr>
+            <a:r>
+              <a:rPr lang="en-US" sz="2000" dirty="0">
+                <a:solidFill>
+                  <a:schemeClr val="tx1"/>
+                </a:solidFill>
+                <a:latin typeface="Arial" panose="020B0604020202020204" pitchFamily="34" charset="0"/>
+                <a:cs typeface="Arial" panose="020B0604020202020204" pitchFamily="34" charset="0"/>
+              </a:rPr>
+              <a:t>2,480 benign </a:t>
+            </a:r>
+          </a:p>
+          <a:p>
+            <a:pPr algn="l" rtl="0">
+              <a:buSzPct val="140000"/>
+              <a:buFont typeface="Arial" panose="020B0604020202020204" pitchFamily="34" charset="0"/>
+              <a:buChar char="•"/>
+            </a:pPr>
+            <a:r>
+              <a:rPr lang="en-US" sz="2000" dirty="0">
+                <a:solidFill>
+                  <a:schemeClr val="tx1"/>
+                </a:solidFill>
+                <a:latin typeface="Arial" panose="020B0604020202020204" pitchFamily="34" charset="0"/>
+                <a:cs typeface="Arial" panose="020B0604020202020204" pitchFamily="34" charset="0"/>
+              </a:rPr>
+              <a:t>5,429 malignant samples (700X460 pixels, 3-channel RGB, 8-bit depth in each channel, PNG format for both benign and malignant images). </a:t>
+            </a:r>
+          </a:p>
+          <a:p>
+            <a:pPr marL="0" indent="0" algn="l" rtl="0">
+              <a:buSzPct val="140000"/>
+              <a:buNone/>
+            </a:pPr>
+            <a:r>
+              <a:rPr lang="en-US" sz="2000" dirty="0">
+                <a:solidFill>
+                  <a:schemeClr val="tx1"/>
+                </a:solidFill>
+                <a:latin typeface="Arial" panose="020B0604020202020204" pitchFamily="34" charset="0"/>
+                <a:cs typeface="Arial" panose="020B0604020202020204" pitchFamily="34" charset="0"/>
+              </a:rPr>
+              <a:t>The </a:t>
+            </a:r>
+            <a:r>
+              <a:rPr lang="en-US" sz="2000" dirty="0" err="1">
+                <a:solidFill>
+                  <a:schemeClr val="tx1"/>
+                </a:solidFill>
+                <a:latin typeface="Arial" panose="020B0604020202020204" pitchFamily="34" charset="0"/>
+                <a:cs typeface="Arial" panose="020B0604020202020204" pitchFamily="34" charset="0"/>
+              </a:rPr>
+              <a:t>BreaKHis</a:t>
+            </a:r>
+            <a:r>
+              <a:rPr lang="en-US" sz="2000" dirty="0">
+                <a:solidFill>
+                  <a:schemeClr val="tx1"/>
+                </a:solidFill>
+                <a:latin typeface="Arial" panose="020B0604020202020204" pitchFamily="34" charset="0"/>
+                <a:cs typeface="Arial" panose="020B0604020202020204" pitchFamily="34" charset="0"/>
+              </a:rPr>
+              <a:t> is structured as follows:</a:t>
+            </a:r>
+          </a:p>
+        </p:txBody>
+      </p:sp>
+      <p:sp>
+        <p:nvSpPr>
+          <p:cNvPr id="37" name="Isosceles Triangle 36">
+            <a:extLst>
+              <a:ext uri="{FF2B5EF4-FFF2-40B4-BE49-F238E27FC236}">
+                <a16:creationId xmlns:a16="http://schemas.microsoft.com/office/drawing/2014/main" id="{7E2C7115-5336-410C-AD71-0F0952A2E5A7}"/>
+              </a:ext>
+              <a:ext uri="{C183D7F6-B498-43B3-948B-1728B52AA6E4}">
+                <adec:decorative xmlns:adec="http://schemas.microsoft.com/office/drawing/2017/decorative" val="1"/>
+              </a:ext>
+            </a:extLst>
+          </p:cNvPr>
+          <p:cNvSpPr>
+            <a:spLocks noGrp="1" noRot="1" noChangeAspect="1" noMove="1" noResize="1" noEditPoints="1" noAdjustHandles="1" noChangeArrowheads="1" noChangeShapeType="1" noTextEdit="1"/>
+          </p:cNvSpPr>
+          <p:nvPr>
+            <p:extLst>
+              <p:ext uri="{386F3935-93C4-4BCD-93E2-E3B085C9AB24}">
+                <p16:designElem xmlns:p16="http://schemas.microsoft.com/office/powerpoint/2015/main" val="1"/>
+              </p:ext>
+            </p:extLst>
+          </p:nvPr>
+        </p:nvSpPr>
+        <p:spPr>
+          <a:xfrm flipH="1">
+            <a:off x="11743267" y="4013200"/>
+            <a:ext cx="448733" cy="2844800"/>
+          </a:xfrm>
+          <a:prstGeom prst="triangle">
+            <a:avLst>
+              <a:gd name="adj" fmla="val 0"/>
+            </a:avLst>
+          </a:prstGeom>
+          <a:solidFill>
+            <a:schemeClr val="accent1">
+              <a:alpha val="85000"/>
+            </a:schemeClr>
+          </a:solidFill>
+          <a:ln>
+            <a:noFill/>
+          </a:ln>
+          <a:effectLst/>
+        </p:spPr>
+        <p:style>
+          <a:lnRef idx="1">
+            <a:schemeClr val="accent1"/>
+          </a:lnRef>
+          <a:fillRef idx="3">
+            <a:schemeClr val="accent1"/>
+          </a:fillRef>
+          <a:effectRef idx="2">
+            <a:schemeClr val="accent1"/>
+          </a:effectRef>
+          <a:fontRef idx="minor">
+            <a:schemeClr val="lt1"/>
+          </a:fontRef>
+        </p:style>
+      </p:sp>
+      <p:pic>
+        <p:nvPicPr>
+          <p:cNvPr id="5" name="Picture 4">
+            <a:extLst>
+              <a:ext uri="{FF2B5EF4-FFF2-40B4-BE49-F238E27FC236}">
+                <a16:creationId xmlns:a16="http://schemas.microsoft.com/office/drawing/2014/main" id="{42577583-DC8D-C895-24EE-3F57A59E92F4}"/>
+              </a:ext>
+            </a:extLst>
+          </p:cNvPr>
+          <p:cNvPicPr>
+            <a:picLocks noChangeAspect="1"/>
+          </p:cNvPicPr>
+          <p:nvPr/>
+        </p:nvPicPr>
+        <p:blipFill rotWithShape="1">
+          <a:blip r:embed="rId2"/>
+          <a:srcRect t="1953"/>
+          <a:stretch/>
+        </p:blipFill>
+        <p:spPr>
+          <a:xfrm>
+            <a:off x="627066" y="3798922"/>
+            <a:ext cx="10937868" cy="2463155"/>
+          </a:xfrm>
+          <a:prstGeom prst="rect">
+            <a:avLst/>
+          </a:prstGeom>
+        </p:spPr>
+      </p:pic>
+    </p:spTree>
+    <p:extLst>
+      <p:ext uri="{BB962C8B-B14F-4D97-AF65-F5344CB8AC3E}">
+        <p14:creationId xmlns:p14="http://schemas.microsoft.com/office/powerpoint/2010/main" val="2751241329"/>
+      </p:ext>
+    </p:extLst>
+  </p:cSld>
+  <p:clrMapOvr>
+    <a:masterClrMapping/>
+  </p:clrMapOvr>
+</p:sld>
+</file>
+
+<file path=ppt/slides/slide12.xml><?xml version="1.0" encoding="utf-8"?>
+<p:sld xmlns:a="http://schemas.openxmlformats.org/drawingml/2006/main" xmlns:r="http://schemas.openxmlformats.org/officeDocument/2006/relationships" xmlns:p="http://schemas.openxmlformats.org/presentationml/2006/main">
+  <p:cSld>
+    <p:bg>
+      <p:bgPr>
+        <a:solidFill>
+          <a:schemeClr val="bg1"/>
+        </a:solidFill>
+        <a:effectLst/>
+      </p:bgPr>
+    </p:bg>
+    <p:spTree>
+      <p:nvGrpSpPr>
+        <p:cNvPr id="1" name=""/>
+        <p:cNvGrpSpPr/>
+        <p:nvPr/>
+      </p:nvGrpSpPr>
+      <p:grpSpPr>
+        <a:xfrm>
+          <a:off x="0" y="0"/>
+          <a:ext cx="0" cy="0"/>
+          <a:chOff x="0" y="0"/>
+          <a:chExt cx="0" cy="0"/>
+        </a:xfrm>
+      </p:grpSpPr>
+      <p:sp useBgFill="1">
+        <p:nvSpPr>
+          <p:cNvPr id="33" name="Rectangle 32">
+            <a:extLst>
+              <a:ext uri="{FF2B5EF4-FFF2-40B4-BE49-F238E27FC236}">
+                <a16:creationId xmlns:a16="http://schemas.microsoft.com/office/drawing/2014/main" id="{E80B86A7-A1EC-475B-9166-88902B033A38}"/>
+              </a:ext>
+              <a:ext uri="{C183D7F6-B498-43B3-948B-1728B52AA6E4}">
+                <adec:decorative xmlns:adec="http://schemas.microsoft.com/office/drawing/2017/decorative" val="1"/>
+              </a:ext>
+            </a:extLst>
+          </p:cNvPr>
+          <p:cNvSpPr>
+            <a:spLocks noGrp="1" noRot="1" noChangeAspect="1" noMove="1" noResize="1" noEditPoints="1" noAdjustHandles="1" noChangeArrowheads="1" noChangeShapeType="1" noTextEdit="1"/>
+          </p:cNvSpPr>
+          <p:nvPr>
+            <p:extLst>
+              <p:ext uri="{386F3935-93C4-4BCD-93E2-E3B085C9AB24}">
+                <p16:designElem xmlns:p16="http://schemas.microsoft.com/office/powerpoint/2015/main" val="1"/>
+              </p:ext>
+            </p:extLst>
+          </p:nvPr>
+        </p:nvSpPr>
+        <p:spPr>
+          <a:xfrm>
+            <a:off x="0" y="0"/>
+            <a:ext cx="12192000" cy="6858000"/>
+          </a:xfrm>
+          <a:prstGeom prst="rect">
+            <a:avLst/>
+          </a:prstGeom>
+          <a:ln>
+            <a:noFill/>
+          </a:ln>
+        </p:spPr>
+        <p:style>
+          <a:lnRef idx="2">
+            <a:schemeClr val="accent1">
+              <a:shade val="50000"/>
+            </a:schemeClr>
+          </a:lnRef>
+          <a:fillRef idx="1">
+            <a:schemeClr val="accent1"/>
+          </a:fillRef>
+          <a:effectRef idx="0">
+            <a:schemeClr val="accent1"/>
+          </a:effectRef>
+          <a:fontRef idx="minor">
+            <a:schemeClr val="lt1"/>
+          </a:fontRef>
+        </p:style>
+        <p:txBody>
+          <a:bodyPr rtlCol="0" anchor="ctr"/>
+          <a:lstStyle/>
+          <a:p>
+            <a:pPr marL="0" marR="0" lvl="0" indent="0" algn="ctr" defTabSz="457200" rtl="0" eaLnBrk="1" fontAlgn="auto" latinLnBrk="0" hangingPunct="1">
+              <a:lnSpc>
+                <a:spcPct val="100000"/>
+              </a:lnSpc>
+              <a:spcBef>
+                <a:spcPts val="0"/>
+              </a:spcBef>
+              <a:spcAft>
+                <a:spcPts val="0"/>
+              </a:spcAft>
+              <a:buClrTx/>
+              <a:buSzTx/>
+              <a:buFontTx/>
+              <a:buNone/>
+              <a:tabLst/>
+              <a:defRPr/>
+            </a:pPr>
+            <a:endParaRPr kumimoji="0" lang="en-US" sz="1800" b="0" i="0" u="none" strike="noStrike" kern="1200" cap="none" spc="0" normalizeH="0" baseline="0" noProof="0">
+              <a:ln>
+                <a:noFill/>
+              </a:ln>
+              <a:solidFill>
+                <a:prstClr val="white"/>
+              </a:solidFill>
+              <a:effectLst/>
+              <a:uLnTx/>
+              <a:uFillTx/>
+              <a:latin typeface="Trebuchet MS" panose="020B0603020202020204"/>
+              <a:ea typeface="+mn-ea"/>
+              <a:cs typeface="+mn-cs"/>
+            </a:endParaRPr>
+          </a:p>
+        </p:txBody>
+      </p:sp>
+      <p:sp>
+        <p:nvSpPr>
+          <p:cNvPr id="2" name="כותרת 1">
+            <a:extLst>
+              <a:ext uri="{FF2B5EF4-FFF2-40B4-BE49-F238E27FC236}">
+                <a16:creationId xmlns:a16="http://schemas.microsoft.com/office/drawing/2014/main" id="{1ACC9094-DF10-FE2C-933F-47FB37C8A6AB}"/>
+              </a:ext>
+            </a:extLst>
+          </p:cNvPr>
+          <p:cNvSpPr>
+            <a:spLocks noGrp="1"/>
+          </p:cNvSpPr>
+          <p:nvPr>
+            <p:ph type="title"/>
+          </p:nvPr>
+        </p:nvSpPr>
+        <p:spPr>
+          <a:xfrm>
+            <a:off x="1694111" y="316864"/>
+            <a:ext cx="8596668" cy="1320800"/>
+          </a:xfrm>
+        </p:spPr>
+        <p:txBody>
+          <a:bodyPr>
+            <a:normAutofit/>
+          </a:bodyPr>
+          <a:lstStyle/>
+          <a:p>
+            <a:pPr algn="ctr" rtl="0"/>
+            <a:r>
+              <a:rPr lang="en-US" sz="4000" dirty="0">
+                <a:latin typeface="Arial" panose="020B0604020202020204" pitchFamily="34" charset="0"/>
+                <a:cs typeface="Arial" panose="020B0604020202020204" pitchFamily="34" charset="0"/>
+              </a:rPr>
+              <a:t>RSNA</a:t>
+            </a:r>
+            <a:endParaRPr lang="he-IL" sz="4000" dirty="0">
+              <a:latin typeface="Arial" panose="020B0604020202020204" pitchFamily="34" charset="0"/>
+              <a:cs typeface="Arial" panose="020B0604020202020204" pitchFamily="34" charset="0"/>
+            </a:endParaRPr>
+          </a:p>
+        </p:txBody>
+      </p:sp>
+      <p:sp>
+        <p:nvSpPr>
+          <p:cNvPr id="35" name="Isosceles Triangle 34">
+            <a:extLst>
+              <a:ext uri="{FF2B5EF4-FFF2-40B4-BE49-F238E27FC236}">
+                <a16:creationId xmlns:a16="http://schemas.microsoft.com/office/drawing/2014/main" id="{C2C29CB1-9F74-4879-A6AF-AEA67B6F1F4D}"/>
+              </a:ext>
+              <a:ext uri="{C183D7F6-B498-43B3-948B-1728B52AA6E4}">
+                <adec:decorative xmlns:adec="http://schemas.microsoft.com/office/drawing/2017/decorative" val="1"/>
+              </a:ext>
+            </a:extLst>
+          </p:cNvPr>
+          <p:cNvSpPr>
+            <a:spLocks noGrp="1" noRot="1" noChangeAspect="1" noMove="1" noResize="1" noEditPoints="1" noAdjustHandles="1" noChangeArrowheads="1" noChangeShapeType="1" noTextEdit="1"/>
+          </p:cNvSpPr>
+          <p:nvPr>
+            <p:extLst>
+              <p:ext uri="{386F3935-93C4-4BCD-93E2-E3B085C9AB24}">
+                <p16:designElem xmlns:p16="http://schemas.microsoft.com/office/powerpoint/2015/main" val="1"/>
+              </p:ext>
+            </p:extLst>
+          </p:nvPr>
+        </p:nvSpPr>
+        <p:spPr>
+          <a:xfrm rot="10800000">
+            <a:off x="0" y="0"/>
+            <a:ext cx="842596" cy="5666154"/>
+          </a:xfrm>
+          <a:prstGeom prst="triangle">
+            <a:avLst>
+              <a:gd name="adj" fmla="val 100000"/>
+            </a:avLst>
+          </a:prstGeom>
+          <a:solidFill>
+            <a:schemeClr val="accent1">
+              <a:alpha val="85000"/>
+            </a:schemeClr>
+          </a:solidFill>
+          <a:ln>
+            <a:noFill/>
+          </a:ln>
+          <a:effectLst/>
+        </p:spPr>
+        <p:style>
+          <a:lnRef idx="1">
+            <a:schemeClr val="accent1"/>
+          </a:lnRef>
+          <a:fillRef idx="3">
+            <a:schemeClr val="accent1"/>
+          </a:fillRef>
+          <a:effectRef idx="2">
+            <a:schemeClr val="accent1"/>
+          </a:effectRef>
+          <a:fontRef idx="minor">
+            <a:schemeClr val="lt1"/>
+          </a:fontRef>
+        </p:style>
+      </p:sp>
+      <p:sp>
+        <p:nvSpPr>
+          <p:cNvPr id="3" name="מציין מיקום תוכן 2">
+            <a:extLst>
+              <a:ext uri="{FF2B5EF4-FFF2-40B4-BE49-F238E27FC236}">
+                <a16:creationId xmlns:a16="http://schemas.microsoft.com/office/drawing/2014/main" id="{E63CB9F7-1BEA-5E29-A0FC-A93719833515}"/>
+              </a:ext>
+            </a:extLst>
+          </p:cNvPr>
+          <p:cNvSpPr>
+            <a:spLocks noGrp="1"/>
+          </p:cNvSpPr>
+          <p:nvPr>
+            <p:ph idx="1"/>
+          </p:nvPr>
+        </p:nvSpPr>
+        <p:spPr>
+          <a:xfrm>
+            <a:off x="1318735" y="1295786"/>
+            <a:ext cx="9819603" cy="4781579"/>
+          </a:xfrm>
+        </p:spPr>
+        <p:txBody>
+          <a:bodyPr>
+            <a:normAutofit fontScale="92500" lnSpcReduction="10000"/>
+          </a:bodyPr>
+          <a:lstStyle/>
+          <a:p>
+            <a:pPr marL="0" indent="0" algn="l" rtl="0">
+              <a:buNone/>
+            </a:pPr>
+            <a:r>
+              <a:rPr lang="en-US" sz="2000" dirty="0">
+                <a:solidFill>
+                  <a:schemeClr val="tx1"/>
+                </a:solidFill>
+                <a:latin typeface="Arial" panose="020B0604020202020204" pitchFamily="34" charset="0"/>
+                <a:cs typeface="Arial" panose="020B0604020202020204" pitchFamily="34" charset="0"/>
+              </a:rPr>
+              <a:t>Radiological Society of North America (RSNA)</a:t>
+            </a:r>
+            <a:r>
+              <a:rPr lang="en-US" sz="2000" dirty="0">
+                <a:effectLst/>
+                <a:latin typeface="Arial" panose="020B0604020202020204" pitchFamily="34" charset="0"/>
+                <a:ea typeface="Times New Roman" panose="02020603050405020304" pitchFamily="18" charset="0"/>
+              </a:rPr>
+              <a:t> </a:t>
+            </a:r>
+            <a:r>
+              <a:rPr lang="en-US" sz="2000" dirty="0">
+                <a:solidFill>
+                  <a:schemeClr val="tx1"/>
+                </a:solidFill>
+                <a:latin typeface="Arial" panose="020B0604020202020204" pitchFamily="34" charset="0"/>
+                <a:cs typeface="Arial" panose="020B0604020202020204" pitchFamily="34" charset="0"/>
+              </a:rPr>
+              <a:t>Screening mammography breast cancer detection dataset composed of: </a:t>
+            </a:r>
+          </a:p>
+          <a:p>
+            <a:pPr marL="742950" lvl="2" indent="-342900" algn="l" rtl="0">
+              <a:buSzPct val="160000"/>
+              <a:buFont typeface="Arial" panose="020B0604020202020204" pitchFamily="34" charset="0"/>
+              <a:buChar char="•"/>
+            </a:pPr>
+            <a:r>
+              <a:rPr lang="en-US" sz="2000" dirty="0">
+                <a:solidFill>
+                  <a:schemeClr val="tx1"/>
+                </a:solidFill>
+                <a:latin typeface="Arial" panose="020B0604020202020204" pitchFamily="34" charset="0"/>
+                <a:cs typeface="Arial" panose="020B0604020202020204" pitchFamily="34" charset="0"/>
+              </a:rPr>
+              <a:t>54713 files    </a:t>
+            </a:r>
+          </a:p>
+          <a:p>
+            <a:pPr marL="742950" lvl="2" indent="-342900" algn="l" rtl="0">
+              <a:buSzPct val="160000"/>
+              <a:buFont typeface="Arial" panose="020B0604020202020204" pitchFamily="34" charset="0"/>
+              <a:buChar char="•"/>
+            </a:pPr>
+            <a:r>
+              <a:rPr lang="en-US" sz="2000" dirty="0">
+                <a:solidFill>
+                  <a:schemeClr val="tx1"/>
+                </a:solidFill>
+                <a:latin typeface="Arial" panose="020B0604020202020204" pitchFamily="34" charset="0"/>
+                <a:cs typeface="Arial" panose="020B0604020202020204" pitchFamily="34" charset="0"/>
+              </a:rPr>
+              <a:t>size of 314.72gb </a:t>
+            </a:r>
+          </a:p>
+          <a:p>
+            <a:pPr marL="742950" lvl="2" indent="-342900" algn="l" rtl="0">
+              <a:buSzPct val="160000"/>
+              <a:buFont typeface="Arial" panose="020B0604020202020204" pitchFamily="34" charset="0"/>
+              <a:buChar char="•"/>
+            </a:pPr>
+            <a:r>
+              <a:rPr lang="en-US" sz="2000" dirty="0">
+                <a:solidFill>
+                  <a:schemeClr val="tx1"/>
+                </a:solidFill>
+                <a:latin typeface="Arial" panose="020B0604020202020204" pitchFamily="34" charset="0"/>
+                <a:cs typeface="Arial" panose="020B0604020202020204" pitchFamily="34" charset="0"/>
+              </a:rPr>
+              <a:t>roughly 8,000 patients in the hidden test set (there are usually but not always 4 images per patient).</a:t>
+            </a:r>
+          </a:p>
+          <a:p>
+            <a:pPr marL="742950" lvl="2" indent="-342900" algn="l" rtl="0">
+              <a:buSzPct val="160000"/>
+              <a:buFont typeface="Arial" panose="020B0604020202020204" pitchFamily="34" charset="0"/>
+              <a:buChar char="•"/>
+            </a:pPr>
+            <a:r>
+              <a:rPr lang="en-US" sz="2000" dirty="0">
+                <a:solidFill>
+                  <a:schemeClr val="tx1"/>
+                </a:solidFill>
+                <a:latin typeface="Arial" panose="020B0604020202020204" pitchFamily="34" charset="0"/>
+                <a:cs typeface="Arial" panose="020B0604020202020204" pitchFamily="34" charset="0"/>
+              </a:rPr>
+              <a:t>Contains the following labels:</a:t>
+            </a:r>
+          </a:p>
+          <a:p>
+            <a:pPr lvl="2" algn="l" rtl="0">
+              <a:buSzPct val="140000"/>
+              <a:buFont typeface="Arial" panose="020B0604020202020204" pitchFamily="34" charset="0"/>
+              <a:buChar char="•"/>
+            </a:pPr>
+            <a:r>
+              <a:rPr lang="en-US" sz="2000" dirty="0">
+                <a:solidFill>
+                  <a:schemeClr val="tx1"/>
+                </a:solidFill>
+                <a:latin typeface="Arial" panose="020B0604020202020204" pitchFamily="34" charset="0"/>
+                <a:cs typeface="Arial" panose="020B0604020202020204" pitchFamily="34" charset="0"/>
+              </a:rPr>
+              <a:t>cancer - Whether or not the breast was positive for malignant cancer.</a:t>
+            </a:r>
+          </a:p>
+          <a:p>
+            <a:pPr lvl="2" algn="l" rtl="0">
+              <a:buSzPct val="140000"/>
+              <a:buFont typeface="Arial" panose="020B0604020202020204" pitchFamily="34" charset="0"/>
+              <a:buChar char="•"/>
+            </a:pPr>
+            <a:r>
+              <a:rPr lang="en-US" sz="2000" dirty="0">
+                <a:solidFill>
+                  <a:schemeClr val="tx1"/>
+                </a:solidFill>
+                <a:latin typeface="Arial" panose="020B0604020202020204" pitchFamily="34" charset="0"/>
+                <a:cs typeface="Arial" panose="020B0604020202020204" pitchFamily="34" charset="0"/>
+              </a:rPr>
+              <a:t>BIRADS - 0 if the breast required follow-up, 1 if the breast was rated as negative for cancer, and 2 if the breast was rated as normal. Only provided for train.</a:t>
+            </a:r>
+          </a:p>
+          <a:p>
+            <a:pPr lvl="2" algn="l" rtl="0">
+              <a:buSzPct val="140000"/>
+              <a:buFont typeface="Arial" panose="020B0604020202020204" pitchFamily="34" charset="0"/>
+              <a:buChar char="•"/>
+            </a:pPr>
+            <a:r>
+              <a:rPr lang="en-US" sz="2000" dirty="0">
+                <a:solidFill>
+                  <a:schemeClr val="tx1"/>
+                </a:solidFill>
+                <a:latin typeface="Arial" panose="020B0604020202020204" pitchFamily="34" charset="0"/>
+                <a:cs typeface="Arial" panose="020B0604020202020204" pitchFamily="34" charset="0"/>
+              </a:rPr>
+              <a:t>invasive - If the breast is positive for cancer, whether or not the cancer proved to be invasive. </a:t>
+            </a:r>
+            <a:br>
+              <a:rPr lang="en-US" sz="2000" dirty="0">
+                <a:solidFill>
+                  <a:schemeClr val="tx1"/>
+                </a:solidFill>
+                <a:latin typeface="Arial" panose="020B0604020202020204" pitchFamily="34" charset="0"/>
+                <a:cs typeface="Arial" panose="020B0604020202020204" pitchFamily="34" charset="0"/>
+              </a:rPr>
+            </a:br>
+            <a:endParaRPr lang="en-US" sz="2000" dirty="0">
+              <a:solidFill>
+                <a:schemeClr val="tx1"/>
+              </a:solidFill>
+              <a:latin typeface="Arial" panose="020B0604020202020204" pitchFamily="34" charset="0"/>
+              <a:cs typeface="Arial" panose="020B0604020202020204" pitchFamily="34" charset="0"/>
+            </a:endParaRPr>
+          </a:p>
+        </p:txBody>
+      </p:sp>
+      <p:sp>
+        <p:nvSpPr>
+          <p:cNvPr id="37" name="Isosceles Triangle 36">
+            <a:extLst>
+              <a:ext uri="{FF2B5EF4-FFF2-40B4-BE49-F238E27FC236}">
+                <a16:creationId xmlns:a16="http://schemas.microsoft.com/office/drawing/2014/main" id="{7E2C7115-5336-410C-AD71-0F0952A2E5A7}"/>
+              </a:ext>
+              <a:ext uri="{C183D7F6-B498-43B3-948B-1728B52AA6E4}">
+                <adec:decorative xmlns:adec="http://schemas.microsoft.com/office/drawing/2017/decorative" val="1"/>
+              </a:ext>
+            </a:extLst>
+          </p:cNvPr>
+          <p:cNvSpPr>
+            <a:spLocks noGrp="1" noRot="1" noChangeAspect="1" noMove="1" noResize="1" noEditPoints="1" noAdjustHandles="1" noChangeArrowheads="1" noChangeShapeType="1" noTextEdit="1"/>
+          </p:cNvSpPr>
+          <p:nvPr>
+            <p:extLst>
+              <p:ext uri="{386F3935-93C4-4BCD-93E2-E3B085C9AB24}">
+                <p16:designElem xmlns:p16="http://schemas.microsoft.com/office/powerpoint/2015/main" val="1"/>
+              </p:ext>
+            </p:extLst>
+          </p:nvPr>
+        </p:nvSpPr>
+        <p:spPr>
+          <a:xfrm flipH="1">
+            <a:off x="11743267" y="4013200"/>
+            <a:ext cx="448733" cy="2844800"/>
+          </a:xfrm>
+          <a:prstGeom prst="triangle">
+            <a:avLst>
+              <a:gd name="adj" fmla="val 0"/>
+            </a:avLst>
+          </a:prstGeom>
+          <a:solidFill>
+            <a:schemeClr val="accent1">
+              <a:alpha val="85000"/>
+            </a:schemeClr>
+          </a:solidFill>
+          <a:ln>
+            <a:noFill/>
+          </a:ln>
+          <a:effectLst/>
+        </p:spPr>
+        <p:style>
+          <a:lnRef idx="1">
+            <a:schemeClr val="accent1"/>
+          </a:lnRef>
+          <a:fillRef idx="3">
+            <a:schemeClr val="accent1"/>
+          </a:fillRef>
+          <a:effectRef idx="2">
+            <a:schemeClr val="accent1"/>
+          </a:effectRef>
+          <a:fontRef idx="minor">
+            <a:schemeClr val="lt1"/>
+          </a:fontRef>
+        </p:style>
+      </p:sp>
+    </p:spTree>
+    <p:extLst>
+      <p:ext uri="{BB962C8B-B14F-4D97-AF65-F5344CB8AC3E}">
+        <p14:creationId xmlns:p14="http://schemas.microsoft.com/office/powerpoint/2010/main" val="796343532"/>
+      </p:ext>
+    </p:extLst>
+  </p:cSld>
+  <p:clrMapOvr>
+    <a:masterClrMapping/>
+  </p:clrMapOvr>
+</p:sld>
+</file>
+
+<file path=ppt/slides/slide13.xml><?xml version="1.0" encoding="utf-8"?>
+<p:sld xmlns:a="http://schemas.openxmlformats.org/drawingml/2006/main" xmlns:r="http://schemas.openxmlformats.org/officeDocument/2006/relationships" xmlns:p="http://schemas.openxmlformats.org/presentationml/2006/main">
+  <p:cSld>
+    <p:bg>
+      <p:bgPr>
+        <a:solidFill>
+          <a:schemeClr val="bg1"/>
+        </a:solidFill>
+        <a:effectLst/>
+      </p:bgPr>
+    </p:bg>
+    <p:spTree>
+      <p:nvGrpSpPr>
+        <p:cNvPr id="1" name=""/>
+        <p:cNvGrpSpPr/>
+        <p:nvPr/>
+      </p:nvGrpSpPr>
+      <p:grpSpPr>
+        <a:xfrm>
+          <a:off x="0" y="0"/>
+          <a:ext cx="0" cy="0"/>
+          <a:chOff x="0" y="0"/>
+          <a:chExt cx="0" cy="0"/>
+        </a:xfrm>
+      </p:grpSpPr>
+      <p:sp useBgFill="1">
+        <p:nvSpPr>
+          <p:cNvPr id="33" name="Rectangle 32">
+            <a:extLst>
+              <a:ext uri="{FF2B5EF4-FFF2-40B4-BE49-F238E27FC236}">
+                <a16:creationId xmlns:a16="http://schemas.microsoft.com/office/drawing/2014/main" id="{E80B86A7-A1EC-475B-9166-88902B033A38}"/>
+              </a:ext>
+              <a:ext uri="{C183D7F6-B498-43B3-948B-1728B52AA6E4}">
+                <adec:decorative xmlns:adec="http://schemas.microsoft.com/office/drawing/2017/decorative" val="1"/>
+              </a:ext>
+            </a:extLst>
+          </p:cNvPr>
+          <p:cNvSpPr>
+            <a:spLocks noGrp="1" noRot="1" noChangeAspect="1" noMove="1" noResize="1" noEditPoints="1" noAdjustHandles="1" noChangeArrowheads="1" noChangeShapeType="1" noTextEdit="1"/>
+          </p:cNvSpPr>
+          <p:nvPr>
+            <p:extLst>
+              <p:ext uri="{386F3935-93C4-4BCD-93E2-E3B085C9AB24}">
+                <p16:designElem xmlns:p16="http://schemas.microsoft.com/office/powerpoint/2015/main" val="1"/>
+              </p:ext>
+            </p:extLst>
+          </p:nvPr>
+        </p:nvSpPr>
+        <p:spPr>
+          <a:xfrm>
+            <a:off x="0" y="0"/>
+            <a:ext cx="12192000" cy="6858000"/>
+          </a:xfrm>
+          <a:prstGeom prst="rect">
+            <a:avLst/>
+          </a:prstGeom>
+          <a:ln>
+            <a:noFill/>
+          </a:ln>
+        </p:spPr>
+        <p:style>
+          <a:lnRef idx="2">
+            <a:schemeClr val="accent1">
+              <a:shade val="50000"/>
+            </a:schemeClr>
+          </a:lnRef>
+          <a:fillRef idx="1">
+            <a:schemeClr val="accent1"/>
+          </a:fillRef>
+          <a:effectRef idx="0">
+            <a:schemeClr val="accent1"/>
+          </a:effectRef>
+          <a:fontRef idx="minor">
+            <a:schemeClr val="lt1"/>
+          </a:fontRef>
+        </p:style>
+        <p:txBody>
+          <a:bodyPr rtlCol="0" anchor="ctr"/>
+          <a:lstStyle/>
+          <a:p>
+            <a:pPr marL="0" marR="0" lvl="0" indent="0" algn="ctr" defTabSz="457200" rtl="0" eaLnBrk="1" fontAlgn="auto" latinLnBrk="0" hangingPunct="1">
+              <a:lnSpc>
+                <a:spcPct val="100000"/>
+              </a:lnSpc>
+              <a:spcBef>
+                <a:spcPts val="0"/>
+              </a:spcBef>
+              <a:spcAft>
+                <a:spcPts val="0"/>
+              </a:spcAft>
+              <a:buClrTx/>
+              <a:buSzTx/>
+              <a:buFontTx/>
+              <a:buNone/>
+              <a:tabLst/>
+              <a:defRPr/>
+            </a:pPr>
+            <a:endParaRPr kumimoji="0" lang="en-US" sz="1800" b="0" i="0" u="none" strike="noStrike" kern="1200" cap="none" spc="0" normalizeH="0" baseline="0" noProof="0">
+              <a:ln>
+                <a:noFill/>
+              </a:ln>
+              <a:solidFill>
+                <a:prstClr val="white"/>
+              </a:solidFill>
+              <a:effectLst/>
+              <a:uLnTx/>
+              <a:uFillTx/>
+              <a:latin typeface="Trebuchet MS" panose="020B0603020202020204"/>
+              <a:ea typeface="+mn-ea"/>
+              <a:cs typeface="+mn-cs"/>
+            </a:endParaRPr>
+          </a:p>
+        </p:txBody>
+      </p:sp>
+      <p:sp>
+        <p:nvSpPr>
+          <p:cNvPr id="2" name="כותרת 1">
+            <a:extLst>
+              <a:ext uri="{FF2B5EF4-FFF2-40B4-BE49-F238E27FC236}">
+                <a16:creationId xmlns:a16="http://schemas.microsoft.com/office/drawing/2014/main" id="{1ACC9094-DF10-FE2C-933F-47FB37C8A6AB}"/>
+              </a:ext>
+            </a:extLst>
+          </p:cNvPr>
+          <p:cNvSpPr>
+            <a:spLocks noGrp="1"/>
+          </p:cNvSpPr>
+          <p:nvPr>
+            <p:ph type="title"/>
+          </p:nvPr>
+        </p:nvSpPr>
+        <p:spPr>
+          <a:xfrm>
+            <a:off x="1694111" y="316864"/>
+            <a:ext cx="8596668" cy="1320800"/>
+          </a:xfrm>
+        </p:spPr>
+        <p:txBody>
+          <a:bodyPr>
+            <a:normAutofit/>
+          </a:bodyPr>
+          <a:lstStyle/>
+          <a:p>
+            <a:pPr algn="ctr" rtl="0"/>
+            <a:r>
+              <a:rPr lang="en-US" sz="4000" dirty="0">
+                <a:latin typeface="Arial" panose="020B0604020202020204" pitchFamily="34" charset="0"/>
+                <a:cs typeface="Arial" panose="020B0604020202020204" pitchFamily="34" charset="0"/>
+              </a:rPr>
+              <a:t>Researched hyperparameters</a:t>
+            </a:r>
+          </a:p>
+        </p:txBody>
+      </p:sp>
+      <p:sp>
+        <p:nvSpPr>
+          <p:cNvPr id="35" name="Isosceles Triangle 34">
+            <a:extLst>
+              <a:ext uri="{FF2B5EF4-FFF2-40B4-BE49-F238E27FC236}">
+                <a16:creationId xmlns:a16="http://schemas.microsoft.com/office/drawing/2014/main" id="{C2C29CB1-9F74-4879-A6AF-AEA67B6F1F4D}"/>
+              </a:ext>
+              <a:ext uri="{C183D7F6-B498-43B3-948B-1728B52AA6E4}">
+                <adec:decorative xmlns:adec="http://schemas.microsoft.com/office/drawing/2017/decorative" val="1"/>
+              </a:ext>
+            </a:extLst>
+          </p:cNvPr>
+          <p:cNvSpPr>
+            <a:spLocks noGrp="1" noRot="1" noChangeAspect="1" noMove="1" noResize="1" noEditPoints="1" noAdjustHandles="1" noChangeArrowheads="1" noChangeShapeType="1" noTextEdit="1"/>
+          </p:cNvSpPr>
+          <p:nvPr>
+            <p:extLst>
+              <p:ext uri="{386F3935-93C4-4BCD-93E2-E3B085C9AB24}">
+                <p16:designElem xmlns:p16="http://schemas.microsoft.com/office/powerpoint/2015/main" val="1"/>
+              </p:ext>
+            </p:extLst>
+          </p:nvPr>
+        </p:nvSpPr>
+        <p:spPr>
+          <a:xfrm rot="10800000">
+            <a:off x="0" y="0"/>
+            <a:ext cx="842596" cy="5666154"/>
+          </a:xfrm>
+          <a:prstGeom prst="triangle">
+            <a:avLst>
+              <a:gd name="adj" fmla="val 100000"/>
+            </a:avLst>
+          </a:prstGeom>
+          <a:solidFill>
+            <a:schemeClr val="accent1">
+              <a:alpha val="85000"/>
+            </a:schemeClr>
+          </a:solidFill>
+          <a:ln>
+            <a:noFill/>
+          </a:ln>
+          <a:effectLst/>
+        </p:spPr>
+        <p:style>
+          <a:lnRef idx="1">
+            <a:schemeClr val="accent1"/>
+          </a:lnRef>
+          <a:fillRef idx="3">
+            <a:schemeClr val="accent1"/>
+          </a:fillRef>
+          <a:effectRef idx="2">
+            <a:schemeClr val="accent1"/>
+          </a:effectRef>
+          <a:fontRef idx="minor">
+            <a:schemeClr val="lt1"/>
+          </a:fontRef>
+        </p:style>
+      </p:sp>
+      <p:sp>
+        <p:nvSpPr>
+          <p:cNvPr id="3" name="מציין מיקום תוכן 2">
+            <a:extLst>
+              <a:ext uri="{FF2B5EF4-FFF2-40B4-BE49-F238E27FC236}">
+                <a16:creationId xmlns:a16="http://schemas.microsoft.com/office/drawing/2014/main" id="{E63CB9F7-1BEA-5E29-A0FC-A93719833515}"/>
+              </a:ext>
+            </a:extLst>
+          </p:cNvPr>
+          <p:cNvSpPr>
+            <a:spLocks noGrp="1"/>
+          </p:cNvSpPr>
+          <p:nvPr>
+            <p:ph idx="1"/>
+          </p:nvPr>
+        </p:nvSpPr>
+        <p:spPr>
+          <a:xfrm>
+            <a:off x="1318735" y="1295786"/>
+            <a:ext cx="9819603" cy="4781579"/>
+          </a:xfrm>
+        </p:spPr>
+        <p:txBody>
+          <a:bodyPr>
+            <a:normAutofit/>
+          </a:bodyPr>
+          <a:lstStyle/>
+          <a:p>
+            <a:pPr marL="0" indent="0" algn="l" rtl="0">
+              <a:buNone/>
+            </a:pPr>
+            <a:r>
+              <a:rPr lang="en-US" sz="2000" dirty="0">
+                <a:solidFill>
+                  <a:schemeClr val="tx1"/>
+                </a:solidFill>
+                <a:latin typeface="Arial" panose="020B0604020202020204" pitchFamily="34" charset="0"/>
+                <a:cs typeface="Arial" panose="020B0604020202020204" pitchFamily="34" charset="0"/>
+              </a:rPr>
+              <a:t>Need to edit. </a:t>
+            </a:r>
+            <a:br>
+              <a:rPr lang="en-US" sz="2000" dirty="0">
+                <a:solidFill>
+                  <a:schemeClr val="tx1"/>
+                </a:solidFill>
+                <a:latin typeface="Arial" panose="020B0604020202020204" pitchFamily="34" charset="0"/>
+                <a:cs typeface="Arial" panose="020B0604020202020204" pitchFamily="34" charset="0"/>
+              </a:rPr>
+            </a:br>
+            <a:endParaRPr lang="en-US" sz="2000" dirty="0">
+              <a:solidFill>
+                <a:schemeClr val="tx1"/>
+              </a:solidFill>
+              <a:latin typeface="Arial" panose="020B0604020202020204" pitchFamily="34" charset="0"/>
+              <a:cs typeface="Arial" panose="020B0604020202020204" pitchFamily="34" charset="0"/>
+            </a:endParaRPr>
+          </a:p>
+        </p:txBody>
+      </p:sp>
+      <p:sp>
+        <p:nvSpPr>
+          <p:cNvPr id="37" name="Isosceles Triangle 36">
+            <a:extLst>
+              <a:ext uri="{FF2B5EF4-FFF2-40B4-BE49-F238E27FC236}">
+                <a16:creationId xmlns:a16="http://schemas.microsoft.com/office/drawing/2014/main" id="{7E2C7115-5336-410C-AD71-0F0952A2E5A7}"/>
+              </a:ext>
+              <a:ext uri="{C183D7F6-B498-43B3-948B-1728B52AA6E4}">
+                <adec:decorative xmlns:adec="http://schemas.microsoft.com/office/drawing/2017/decorative" val="1"/>
+              </a:ext>
+            </a:extLst>
+          </p:cNvPr>
+          <p:cNvSpPr>
+            <a:spLocks noGrp="1" noRot="1" noChangeAspect="1" noMove="1" noResize="1" noEditPoints="1" noAdjustHandles="1" noChangeArrowheads="1" noChangeShapeType="1" noTextEdit="1"/>
+          </p:cNvSpPr>
+          <p:nvPr>
+            <p:extLst>
+              <p:ext uri="{386F3935-93C4-4BCD-93E2-E3B085C9AB24}">
+                <p16:designElem xmlns:p16="http://schemas.microsoft.com/office/powerpoint/2015/main" val="1"/>
+              </p:ext>
+            </p:extLst>
+          </p:nvPr>
+        </p:nvSpPr>
+        <p:spPr>
+          <a:xfrm flipH="1">
+            <a:off x="11743267" y="4013200"/>
+            <a:ext cx="448733" cy="2844800"/>
+          </a:xfrm>
+          <a:prstGeom prst="triangle">
+            <a:avLst>
+              <a:gd name="adj" fmla="val 0"/>
+            </a:avLst>
+          </a:prstGeom>
+          <a:solidFill>
+            <a:schemeClr val="accent1">
+              <a:alpha val="85000"/>
+            </a:schemeClr>
+          </a:solidFill>
+          <a:ln>
+            <a:noFill/>
+          </a:ln>
+          <a:effectLst/>
+        </p:spPr>
+        <p:style>
+          <a:lnRef idx="1">
+            <a:schemeClr val="accent1"/>
+          </a:lnRef>
+          <a:fillRef idx="3">
+            <a:schemeClr val="accent1"/>
+          </a:fillRef>
+          <a:effectRef idx="2">
+            <a:schemeClr val="accent1"/>
+          </a:effectRef>
+          <a:fontRef idx="minor">
+            <a:schemeClr val="lt1"/>
+          </a:fontRef>
+        </p:style>
+      </p:sp>
+    </p:spTree>
+    <p:extLst>
+      <p:ext uri="{BB962C8B-B14F-4D97-AF65-F5344CB8AC3E}">
+        <p14:creationId xmlns:p14="http://schemas.microsoft.com/office/powerpoint/2010/main" val="3199272465"/>
+      </p:ext>
+    </p:extLst>
+  </p:cSld>
+  <p:clrMapOvr>
+    <a:masterClrMapping/>
+  </p:clrMapOvr>
+</p:sld>
+</file>
+
+<file path=ppt/slides/slide14.xml><?xml version="1.0" encoding="utf-8"?>
+<p:sld xmlns:a="http://schemas.openxmlformats.org/drawingml/2006/main" xmlns:r="http://schemas.openxmlformats.org/officeDocument/2006/relationships" xmlns:p="http://schemas.openxmlformats.org/presentationml/2006/main">
+  <p:cSld>
+    <p:bg>
+      <p:bgPr>
+        <a:solidFill>
+          <a:schemeClr val="bg1"/>
+        </a:solidFill>
+        <a:effectLst/>
+      </p:bgPr>
+    </p:bg>
+    <p:spTree>
+      <p:nvGrpSpPr>
+        <p:cNvPr id="1" name=""/>
+        <p:cNvGrpSpPr/>
+        <p:nvPr/>
+      </p:nvGrpSpPr>
+      <p:grpSpPr>
+        <a:xfrm>
+          <a:off x="0" y="0"/>
+          <a:ext cx="0" cy="0"/>
+          <a:chOff x="0" y="0"/>
+          <a:chExt cx="0" cy="0"/>
+        </a:xfrm>
+      </p:grpSpPr>
+      <p:sp useBgFill="1">
+        <p:nvSpPr>
+          <p:cNvPr id="33" name="Rectangle 32">
+            <a:extLst>
+              <a:ext uri="{FF2B5EF4-FFF2-40B4-BE49-F238E27FC236}">
+                <a16:creationId xmlns:a16="http://schemas.microsoft.com/office/drawing/2014/main" id="{E80B86A7-A1EC-475B-9166-88902B033A38}"/>
+              </a:ext>
+              <a:ext uri="{C183D7F6-B498-43B3-948B-1728B52AA6E4}">
+                <adec:decorative xmlns:adec="http://schemas.microsoft.com/office/drawing/2017/decorative" val="1"/>
+              </a:ext>
+            </a:extLst>
+          </p:cNvPr>
+          <p:cNvSpPr>
+            <a:spLocks noGrp="1" noRot="1" noChangeAspect="1" noMove="1" noResize="1" noEditPoints="1" noAdjustHandles="1" noChangeArrowheads="1" noChangeShapeType="1" noTextEdit="1"/>
+          </p:cNvSpPr>
+          <p:nvPr>
+            <p:extLst>
+              <p:ext uri="{386F3935-93C4-4BCD-93E2-E3B085C9AB24}">
+                <p16:designElem xmlns:p16="http://schemas.microsoft.com/office/powerpoint/2015/main" val="1"/>
+              </p:ext>
+            </p:extLst>
+          </p:nvPr>
+        </p:nvSpPr>
+        <p:spPr>
+          <a:xfrm>
+            <a:off x="0" y="0"/>
+            <a:ext cx="12192000" cy="6858000"/>
+          </a:xfrm>
+          <a:prstGeom prst="rect">
+            <a:avLst/>
+          </a:prstGeom>
+          <a:ln>
+            <a:noFill/>
+          </a:ln>
+        </p:spPr>
+        <p:style>
+          <a:lnRef idx="2">
+            <a:schemeClr val="accent1">
+              <a:shade val="50000"/>
+            </a:schemeClr>
+          </a:lnRef>
+          <a:fillRef idx="1">
+            <a:schemeClr val="accent1"/>
+          </a:fillRef>
+          <a:effectRef idx="0">
+            <a:schemeClr val="accent1"/>
+          </a:effectRef>
+          <a:fontRef idx="minor">
+            <a:schemeClr val="lt1"/>
+          </a:fontRef>
+        </p:style>
+        <p:txBody>
+          <a:bodyPr rtlCol="0" anchor="ctr"/>
+          <a:lstStyle/>
+          <a:p>
+            <a:pPr marL="0" marR="0" lvl="0" indent="0" algn="ctr" defTabSz="457200" rtl="0" eaLnBrk="1" fontAlgn="auto" latinLnBrk="0" hangingPunct="1">
+              <a:lnSpc>
+                <a:spcPct val="100000"/>
+              </a:lnSpc>
+              <a:spcBef>
+                <a:spcPts val="0"/>
+              </a:spcBef>
+              <a:spcAft>
+                <a:spcPts val="0"/>
+              </a:spcAft>
+              <a:buClrTx/>
+              <a:buSzTx/>
+              <a:buFontTx/>
+              <a:buNone/>
+              <a:tabLst/>
+              <a:defRPr/>
+            </a:pPr>
+            <a:endParaRPr kumimoji="0" lang="en-US" sz="1800" b="0" i="0" u="none" strike="noStrike" kern="1200" cap="none" spc="0" normalizeH="0" baseline="0" noProof="0">
+              <a:ln>
+                <a:noFill/>
+              </a:ln>
+              <a:solidFill>
+                <a:prstClr val="white"/>
+              </a:solidFill>
+              <a:effectLst/>
+              <a:uLnTx/>
+              <a:uFillTx/>
+              <a:latin typeface="Trebuchet MS" panose="020B0603020202020204"/>
+              <a:ea typeface="+mn-ea"/>
+              <a:cs typeface="+mn-cs"/>
+            </a:endParaRPr>
+          </a:p>
+        </p:txBody>
+      </p:sp>
+      <p:sp>
+        <p:nvSpPr>
+          <p:cNvPr id="2" name="כותרת 1">
+            <a:extLst>
+              <a:ext uri="{FF2B5EF4-FFF2-40B4-BE49-F238E27FC236}">
+                <a16:creationId xmlns:a16="http://schemas.microsoft.com/office/drawing/2014/main" id="{1ACC9094-DF10-FE2C-933F-47FB37C8A6AB}"/>
+              </a:ext>
+            </a:extLst>
+          </p:cNvPr>
+          <p:cNvSpPr>
+            <a:spLocks noGrp="1"/>
+          </p:cNvSpPr>
+          <p:nvPr>
+            <p:ph type="title"/>
+          </p:nvPr>
+        </p:nvSpPr>
+        <p:spPr>
+          <a:xfrm>
+            <a:off x="1694111" y="316864"/>
+            <a:ext cx="8596668" cy="1320800"/>
+          </a:xfrm>
+        </p:spPr>
+        <p:txBody>
+          <a:bodyPr>
+            <a:normAutofit/>
+          </a:bodyPr>
+          <a:lstStyle/>
+          <a:p>
+            <a:pPr algn="ctr" rtl="0"/>
+            <a:r>
+              <a:rPr lang="en-US" sz="4000" dirty="0">
+                <a:latin typeface="Arial" panose="020B0604020202020204" pitchFamily="34" charset="0"/>
+                <a:cs typeface="Arial" panose="020B0604020202020204" pitchFamily="34" charset="0"/>
+              </a:rPr>
+              <a:t>Diagrams</a:t>
+            </a:r>
+            <a:endParaRPr lang="he-IL" sz="4000" dirty="0">
+              <a:latin typeface="Arial" panose="020B0604020202020204" pitchFamily="34" charset="0"/>
+              <a:cs typeface="Arial" panose="020B0604020202020204" pitchFamily="34" charset="0"/>
+            </a:endParaRPr>
+          </a:p>
+        </p:txBody>
+      </p:sp>
+      <p:sp>
+        <p:nvSpPr>
+          <p:cNvPr id="35" name="Isosceles Triangle 34">
+            <a:extLst>
+              <a:ext uri="{FF2B5EF4-FFF2-40B4-BE49-F238E27FC236}">
+                <a16:creationId xmlns:a16="http://schemas.microsoft.com/office/drawing/2014/main" id="{C2C29CB1-9F74-4879-A6AF-AEA67B6F1F4D}"/>
+              </a:ext>
+              <a:ext uri="{C183D7F6-B498-43B3-948B-1728B52AA6E4}">
+                <adec:decorative xmlns:adec="http://schemas.microsoft.com/office/drawing/2017/decorative" val="1"/>
+              </a:ext>
+            </a:extLst>
+          </p:cNvPr>
+          <p:cNvSpPr>
+            <a:spLocks noGrp="1" noRot="1" noChangeAspect="1" noMove="1" noResize="1" noEditPoints="1" noAdjustHandles="1" noChangeArrowheads="1" noChangeShapeType="1" noTextEdit="1"/>
+          </p:cNvSpPr>
+          <p:nvPr>
+            <p:extLst>
+              <p:ext uri="{386F3935-93C4-4BCD-93E2-E3B085C9AB24}">
+                <p16:designElem xmlns:p16="http://schemas.microsoft.com/office/powerpoint/2015/main" val="1"/>
+              </p:ext>
+            </p:extLst>
+          </p:nvPr>
+        </p:nvSpPr>
+        <p:spPr>
+          <a:xfrm rot="10800000">
+            <a:off x="0" y="0"/>
+            <a:ext cx="842596" cy="5666154"/>
+          </a:xfrm>
+          <a:prstGeom prst="triangle">
+            <a:avLst>
+              <a:gd name="adj" fmla="val 100000"/>
+            </a:avLst>
+          </a:prstGeom>
+          <a:solidFill>
+            <a:schemeClr val="accent1">
+              <a:alpha val="85000"/>
+            </a:schemeClr>
+          </a:solidFill>
+          <a:ln>
+            <a:noFill/>
+          </a:ln>
+          <a:effectLst/>
+        </p:spPr>
+        <p:style>
+          <a:lnRef idx="1">
+            <a:schemeClr val="accent1"/>
+          </a:lnRef>
+          <a:fillRef idx="3">
+            <a:schemeClr val="accent1"/>
+          </a:fillRef>
+          <a:effectRef idx="2">
+            <a:schemeClr val="accent1"/>
+          </a:effectRef>
+          <a:fontRef idx="minor">
+            <a:schemeClr val="lt1"/>
+          </a:fontRef>
+        </p:style>
+      </p:sp>
+      <p:sp>
+        <p:nvSpPr>
+          <p:cNvPr id="37" name="Isosceles Triangle 36">
+            <a:extLst>
+              <a:ext uri="{FF2B5EF4-FFF2-40B4-BE49-F238E27FC236}">
+                <a16:creationId xmlns:a16="http://schemas.microsoft.com/office/drawing/2014/main" id="{7E2C7115-5336-410C-AD71-0F0952A2E5A7}"/>
+              </a:ext>
+              <a:ext uri="{C183D7F6-B498-43B3-948B-1728B52AA6E4}">
+                <adec:decorative xmlns:adec="http://schemas.microsoft.com/office/drawing/2017/decorative" val="1"/>
+              </a:ext>
+            </a:extLst>
+          </p:cNvPr>
+          <p:cNvSpPr>
+            <a:spLocks noGrp="1" noRot="1" noChangeAspect="1" noMove="1" noResize="1" noEditPoints="1" noAdjustHandles="1" noChangeArrowheads="1" noChangeShapeType="1" noTextEdit="1"/>
+          </p:cNvSpPr>
+          <p:nvPr>
+            <p:extLst>
+              <p:ext uri="{386F3935-93C4-4BCD-93E2-E3B085C9AB24}">
+                <p16:designElem xmlns:p16="http://schemas.microsoft.com/office/powerpoint/2015/main" val="1"/>
+              </p:ext>
+            </p:extLst>
+          </p:nvPr>
+        </p:nvSpPr>
+        <p:spPr>
+          <a:xfrm flipH="1">
+            <a:off x="11743267" y="4013200"/>
+            <a:ext cx="448733" cy="2844800"/>
+          </a:xfrm>
+          <a:prstGeom prst="triangle">
+            <a:avLst>
+              <a:gd name="adj" fmla="val 0"/>
+            </a:avLst>
+          </a:prstGeom>
+          <a:solidFill>
+            <a:schemeClr val="accent1">
+              <a:alpha val="85000"/>
+            </a:schemeClr>
+          </a:solidFill>
+          <a:ln>
+            <a:noFill/>
+          </a:ln>
+          <a:effectLst/>
+        </p:spPr>
+        <p:style>
+          <a:lnRef idx="1">
+            <a:schemeClr val="accent1"/>
+          </a:lnRef>
+          <a:fillRef idx="3">
+            <a:schemeClr val="accent1"/>
+          </a:fillRef>
+          <a:effectRef idx="2">
+            <a:schemeClr val="accent1"/>
+          </a:effectRef>
+          <a:fontRef idx="minor">
+            <a:schemeClr val="lt1"/>
+          </a:fontRef>
+        </p:style>
+      </p:sp>
+      <p:pic>
+        <p:nvPicPr>
+          <p:cNvPr id="4" name="Content Placeholder 3">
+            <a:extLst>
+              <a:ext uri="{FF2B5EF4-FFF2-40B4-BE49-F238E27FC236}">
+                <a16:creationId xmlns:a16="http://schemas.microsoft.com/office/drawing/2014/main" id="{809E897D-B03D-6F2E-2224-1A10EB4A0B3E}"/>
+              </a:ext>
+            </a:extLst>
+          </p:cNvPr>
+          <p:cNvPicPr>
+            <a:picLocks noGrp="1" noChangeAspect="1"/>
+          </p:cNvPicPr>
+          <p:nvPr>
+            <p:ph idx="1"/>
+          </p:nvPr>
+        </p:nvPicPr>
+        <p:blipFill>
+          <a:blip r:embed="rId2">
+            <a:extLst>
+              <a:ext uri="{28A0092B-C50C-407E-A947-70E740481C1C}">
+                <a14:useLocalDpi xmlns:a14="http://schemas.microsoft.com/office/drawing/2010/main" val="0"/>
+              </a:ext>
+            </a:extLst>
+          </a:blip>
+          <a:stretch>
+            <a:fillRect/>
+          </a:stretch>
+        </p:blipFill>
+        <p:spPr>
+          <a:xfrm>
+            <a:off x="5601253" y="2046377"/>
+            <a:ext cx="6142014" cy="4781550"/>
+          </a:xfrm>
+          <a:prstGeom prst="rect">
+            <a:avLst/>
+          </a:prstGeom>
+        </p:spPr>
+      </p:pic>
+      <p:pic>
+        <p:nvPicPr>
+          <p:cNvPr id="5" name="Picture 4">
+            <a:extLst>
+              <a:ext uri="{FF2B5EF4-FFF2-40B4-BE49-F238E27FC236}">
+                <a16:creationId xmlns:a16="http://schemas.microsoft.com/office/drawing/2014/main" id="{79073C6F-B326-E14D-0AA2-F0C25740C0A8}"/>
+              </a:ext>
+            </a:extLst>
+          </p:cNvPr>
+          <p:cNvPicPr>
+            <a:picLocks noChangeAspect="1"/>
+          </p:cNvPicPr>
+          <p:nvPr/>
+        </p:nvPicPr>
+        <p:blipFill>
+          <a:blip r:embed="rId3">
+            <a:extLst>
+              <a:ext uri="{28A0092B-C50C-407E-A947-70E740481C1C}">
+                <a14:useLocalDpi xmlns:a14="http://schemas.microsoft.com/office/drawing/2010/main" val="0"/>
+              </a:ext>
+            </a:extLst>
+          </a:blip>
+          <a:stretch>
+            <a:fillRect/>
+          </a:stretch>
+        </p:blipFill>
+        <p:spPr>
+          <a:xfrm>
+            <a:off x="1369221" y="2452460"/>
+            <a:ext cx="3057525" cy="3969385"/>
+          </a:xfrm>
+          <a:prstGeom prst="rect">
+            <a:avLst/>
+          </a:prstGeom>
+        </p:spPr>
+      </p:pic>
+      <p:sp>
+        <p:nvSpPr>
+          <p:cNvPr id="6" name="TextBox 5">
+            <a:extLst>
+              <a:ext uri="{FF2B5EF4-FFF2-40B4-BE49-F238E27FC236}">
+                <a16:creationId xmlns:a16="http://schemas.microsoft.com/office/drawing/2014/main" id="{4AB84E7F-073E-4B15-BC83-DDA0EE333F04}"/>
+              </a:ext>
+            </a:extLst>
+          </p:cNvPr>
+          <p:cNvSpPr txBox="1"/>
+          <p:nvPr/>
+        </p:nvSpPr>
+        <p:spPr>
+          <a:xfrm>
+            <a:off x="936964" y="1616196"/>
+            <a:ext cx="3773510" cy="400110"/>
+          </a:xfrm>
+          <a:prstGeom prst="rect">
+            <a:avLst/>
+          </a:prstGeom>
+          <a:noFill/>
+        </p:spPr>
+        <p:txBody>
+          <a:bodyPr wrap="square" rtlCol="1">
+            <a:spAutoFit/>
+          </a:bodyPr>
+          <a:lstStyle/>
+          <a:p>
+            <a:r>
+              <a:rPr lang="en-US" sz="2000" dirty="0">
+                <a:latin typeface="Arial" panose="020B0604020202020204" pitchFamily="34" charset="0"/>
+                <a:cs typeface="Arial" panose="020B0604020202020204" pitchFamily="34" charset="0"/>
+              </a:rPr>
+              <a:t>      Flowchart diagram:</a:t>
+            </a:r>
+            <a:endParaRPr lang="he-IL" sz="2000" dirty="0">
+              <a:latin typeface="Arial" panose="020B0604020202020204" pitchFamily="34" charset="0"/>
+              <a:cs typeface="Arial" panose="020B0604020202020204" pitchFamily="34" charset="0"/>
+            </a:endParaRPr>
+          </a:p>
+        </p:txBody>
+      </p:sp>
+      <p:sp>
+        <p:nvSpPr>
+          <p:cNvPr id="8" name="TextBox 7">
+            <a:extLst>
+              <a:ext uri="{FF2B5EF4-FFF2-40B4-BE49-F238E27FC236}">
+                <a16:creationId xmlns:a16="http://schemas.microsoft.com/office/drawing/2014/main" id="{2AE0A272-21DA-E1AC-76FB-7E6607441349}"/>
+              </a:ext>
+            </a:extLst>
+          </p:cNvPr>
+          <p:cNvSpPr txBox="1"/>
+          <p:nvPr/>
+        </p:nvSpPr>
+        <p:spPr>
+          <a:xfrm>
+            <a:off x="7551311" y="1612854"/>
+            <a:ext cx="3773510" cy="400110"/>
+          </a:xfrm>
+          <a:prstGeom prst="rect">
+            <a:avLst/>
+          </a:prstGeom>
+          <a:noFill/>
+        </p:spPr>
+        <p:txBody>
+          <a:bodyPr wrap="square" rtlCol="1">
+            <a:spAutoFit/>
+          </a:bodyPr>
+          <a:lstStyle/>
+          <a:p>
+            <a:r>
+              <a:rPr lang="en-US" sz="2000" dirty="0">
+                <a:latin typeface="Arial" panose="020B0604020202020204" pitchFamily="34" charset="0"/>
+                <a:cs typeface="Arial" panose="020B0604020202020204" pitchFamily="34" charset="0"/>
+              </a:rPr>
+              <a:t>Sequence diagram:</a:t>
+            </a:r>
+            <a:endParaRPr lang="he-IL" sz="2000" dirty="0">
+              <a:latin typeface="Arial" panose="020B0604020202020204" pitchFamily="34" charset="0"/>
+              <a:cs typeface="Arial" panose="020B0604020202020204" pitchFamily="34" charset="0"/>
+            </a:endParaRPr>
+          </a:p>
+        </p:txBody>
+      </p:sp>
+    </p:spTree>
+    <p:extLst>
+      <p:ext uri="{BB962C8B-B14F-4D97-AF65-F5344CB8AC3E}">
+        <p14:creationId xmlns:p14="http://schemas.microsoft.com/office/powerpoint/2010/main" val="2422609937"/>
+      </p:ext>
+    </p:extLst>
+  </p:cSld>
+  <p:clrMapOvr>
+    <a:masterClrMapping/>
+  </p:clrMapOvr>
+</p:sld>
+</file>
+
+<file path=ppt/slides/slide15.xml><?xml version="1.0" encoding="utf-8"?>
+<p:sld xmlns:a="http://schemas.openxmlformats.org/drawingml/2006/main" xmlns:r="http://schemas.openxmlformats.org/officeDocument/2006/relationships" xmlns:p="http://schemas.openxmlformats.org/presentationml/2006/main">
+  <p:cSld>
+    <p:bg>
+      <p:bgPr>
+        <a:solidFill>
+          <a:schemeClr val="bg1"/>
+        </a:solidFill>
+        <a:effectLst/>
+      </p:bgPr>
+    </p:bg>
+    <p:spTree>
+      <p:nvGrpSpPr>
+        <p:cNvPr id="1" name=""/>
+        <p:cNvGrpSpPr/>
+        <p:nvPr/>
+      </p:nvGrpSpPr>
+      <p:grpSpPr>
+        <a:xfrm>
+          <a:off x="0" y="0"/>
+          <a:ext cx="0" cy="0"/>
+          <a:chOff x="0" y="0"/>
+          <a:chExt cx="0" cy="0"/>
+        </a:xfrm>
+      </p:grpSpPr>
+      <p:sp useBgFill="1">
+        <p:nvSpPr>
+          <p:cNvPr id="33" name="Rectangle 32">
+            <a:extLst>
+              <a:ext uri="{FF2B5EF4-FFF2-40B4-BE49-F238E27FC236}">
+                <a16:creationId xmlns:a16="http://schemas.microsoft.com/office/drawing/2014/main" id="{E80B86A7-A1EC-475B-9166-88902B033A38}"/>
+              </a:ext>
+              <a:ext uri="{C183D7F6-B498-43B3-948B-1728B52AA6E4}">
+                <adec:decorative xmlns:adec="http://schemas.microsoft.com/office/drawing/2017/decorative" val="1"/>
+              </a:ext>
+            </a:extLst>
+          </p:cNvPr>
+          <p:cNvSpPr>
+            <a:spLocks noGrp="1" noRot="1" noChangeAspect="1" noMove="1" noResize="1" noEditPoints="1" noAdjustHandles="1" noChangeArrowheads="1" noChangeShapeType="1" noTextEdit="1"/>
+          </p:cNvSpPr>
+          <p:nvPr>
+            <p:extLst>
+              <p:ext uri="{386F3935-93C4-4BCD-93E2-E3B085C9AB24}">
+                <p16:designElem xmlns:p16="http://schemas.microsoft.com/office/powerpoint/2015/main" val="1"/>
+              </p:ext>
+            </p:extLst>
+          </p:nvPr>
+        </p:nvSpPr>
+        <p:spPr>
+          <a:xfrm>
+            <a:off x="0" y="0"/>
+            <a:ext cx="12192000" cy="6858000"/>
+          </a:xfrm>
+          <a:prstGeom prst="rect">
+            <a:avLst/>
+          </a:prstGeom>
+          <a:ln>
+            <a:noFill/>
+          </a:ln>
+        </p:spPr>
+        <p:style>
+          <a:lnRef idx="2">
+            <a:schemeClr val="accent1">
+              <a:shade val="50000"/>
+            </a:schemeClr>
+          </a:lnRef>
+          <a:fillRef idx="1">
+            <a:schemeClr val="accent1"/>
+          </a:fillRef>
+          <a:effectRef idx="0">
+            <a:schemeClr val="accent1"/>
+          </a:effectRef>
+          <a:fontRef idx="minor">
+            <a:schemeClr val="lt1"/>
+          </a:fontRef>
+        </p:style>
+        <p:txBody>
+          <a:bodyPr rtlCol="0" anchor="ctr"/>
+          <a:lstStyle/>
+          <a:p>
+            <a:pPr marL="0" marR="0" lvl="0" indent="0" algn="ctr" defTabSz="457200" rtl="0" eaLnBrk="1" fontAlgn="auto" latinLnBrk="0" hangingPunct="1">
+              <a:lnSpc>
+                <a:spcPct val="100000"/>
+              </a:lnSpc>
+              <a:spcBef>
+                <a:spcPts val="0"/>
+              </a:spcBef>
+              <a:spcAft>
+                <a:spcPts val="0"/>
+              </a:spcAft>
+              <a:buClrTx/>
+              <a:buSzTx/>
+              <a:buFontTx/>
+              <a:buNone/>
+              <a:tabLst/>
+              <a:defRPr/>
+            </a:pPr>
+            <a:endParaRPr kumimoji="0" lang="en-US" sz="1800" b="0" i="0" u="none" strike="noStrike" kern="1200" cap="none" spc="0" normalizeH="0" baseline="0" noProof="0">
+              <a:ln>
+                <a:noFill/>
+              </a:ln>
+              <a:solidFill>
+                <a:prstClr val="white"/>
+              </a:solidFill>
+              <a:effectLst/>
+              <a:uLnTx/>
+              <a:uFillTx/>
+              <a:latin typeface="Trebuchet MS" panose="020B0603020202020204"/>
+              <a:ea typeface="+mn-ea"/>
+              <a:cs typeface="+mn-cs"/>
+            </a:endParaRPr>
+          </a:p>
+        </p:txBody>
+      </p:sp>
+      <p:sp>
+        <p:nvSpPr>
+          <p:cNvPr id="2" name="כותרת 1">
+            <a:extLst>
+              <a:ext uri="{FF2B5EF4-FFF2-40B4-BE49-F238E27FC236}">
+                <a16:creationId xmlns:a16="http://schemas.microsoft.com/office/drawing/2014/main" id="{1ACC9094-DF10-FE2C-933F-47FB37C8A6AB}"/>
+              </a:ext>
+            </a:extLst>
+          </p:cNvPr>
+          <p:cNvSpPr>
+            <a:spLocks noGrp="1"/>
+          </p:cNvSpPr>
+          <p:nvPr>
+            <p:ph type="title"/>
+          </p:nvPr>
+        </p:nvSpPr>
+        <p:spPr>
+          <a:xfrm>
+            <a:off x="1694111" y="316864"/>
+            <a:ext cx="8596668" cy="1320800"/>
+          </a:xfrm>
+        </p:spPr>
+        <p:txBody>
+          <a:bodyPr>
+            <a:normAutofit/>
+          </a:bodyPr>
+          <a:lstStyle/>
+          <a:p>
+            <a:pPr algn="ctr" rtl="0"/>
+            <a:r>
+              <a:rPr lang="en-US" sz="4000" dirty="0">
+                <a:latin typeface="Arial" panose="020B0604020202020204" pitchFamily="34" charset="0"/>
+                <a:cs typeface="Arial" panose="020B0604020202020204" pitchFamily="34" charset="0"/>
+              </a:rPr>
+              <a:t>GUI </a:t>
+            </a:r>
+            <a:endParaRPr lang="he-IL" sz="4000" dirty="0">
+              <a:latin typeface="Arial" panose="020B0604020202020204" pitchFamily="34" charset="0"/>
+              <a:cs typeface="Arial" panose="020B0604020202020204" pitchFamily="34" charset="0"/>
+            </a:endParaRPr>
+          </a:p>
+        </p:txBody>
+      </p:sp>
+      <p:sp>
+        <p:nvSpPr>
+          <p:cNvPr id="35" name="Isosceles Triangle 34">
+            <a:extLst>
+              <a:ext uri="{FF2B5EF4-FFF2-40B4-BE49-F238E27FC236}">
+                <a16:creationId xmlns:a16="http://schemas.microsoft.com/office/drawing/2014/main" id="{C2C29CB1-9F74-4879-A6AF-AEA67B6F1F4D}"/>
+              </a:ext>
+              <a:ext uri="{C183D7F6-B498-43B3-948B-1728B52AA6E4}">
+                <adec:decorative xmlns:adec="http://schemas.microsoft.com/office/drawing/2017/decorative" val="1"/>
+              </a:ext>
+            </a:extLst>
+          </p:cNvPr>
+          <p:cNvSpPr>
+            <a:spLocks noGrp="1" noRot="1" noChangeAspect="1" noMove="1" noResize="1" noEditPoints="1" noAdjustHandles="1" noChangeArrowheads="1" noChangeShapeType="1" noTextEdit="1"/>
+          </p:cNvSpPr>
+          <p:nvPr>
+            <p:extLst>
+              <p:ext uri="{386F3935-93C4-4BCD-93E2-E3B085C9AB24}">
+                <p16:designElem xmlns:p16="http://schemas.microsoft.com/office/powerpoint/2015/main" val="1"/>
+              </p:ext>
+            </p:extLst>
+          </p:nvPr>
+        </p:nvSpPr>
+        <p:spPr>
+          <a:xfrm rot="10800000">
+            <a:off x="0" y="0"/>
+            <a:ext cx="842596" cy="5666154"/>
+          </a:xfrm>
+          <a:prstGeom prst="triangle">
+            <a:avLst>
+              <a:gd name="adj" fmla="val 100000"/>
+            </a:avLst>
+          </a:prstGeom>
+          <a:solidFill>
+            <a:schemeClr val="accent1">
+              <a:alpha val="85000"/>
+            </a:schemeClr>
+          </a:solidFill>
+          <a:ln>
+            <a:noFill/>
+          </a:ln>
+          <a:effectLst/>
+        </p:spPr>
+        <p:style>
+          <a:lnRef idx="1">
+            <a:schemeClr val="accent1"/>
+          </a:lnRef>
+          <a:fillRef idx="3">
+            <a:schemeClr val="accent1"/>
+          </a:fillRef>
+          <a:effectRef idx="2">
+            <a:schemeClr val="accent1"/>
+          </a:effectRef>
+          <a:fontRef idx="minor">
+            <a:schemeClr val="lt1"/>
+          </a:fontRef>
+        </p:style>
+      </p:sp>
+      <p:sp>
+        <p:nvSpPr>
+          <p:cNvPr id="37" name="Isosceles Triangle 36">
+            <a:extLst>
+              <a:ext uri="{FF2B5EF4-FFF2-40B4-BE49-F238E27FC236}">
+                <a16:creationId xmlns:a16="http://schemas.microsoft.com/office/drawing/2014/main" id="{7E2C7115-5336-410C-AD71-0F0952A2E5A7}"/>
+              </a:ext>
+              <a:ext uri="{C183D7F6-B498-43B3-948B-1728B52AA6E4}">
+                <adec:decorative xmlns:adec="http://schemas.microsoft.com/office/drawing/2017/decorative" val="1"/>
+              </a:ext>
+            </a:extLst>
+          </p:cNvPr>
+          <p:cNvSpPr>
+            <a:spLocks noGrp="1" noRot="1" noChangeAspect="1" noMove="1" noResize="1" noEditPoints="1" noAdjustHandles="1" noChangeArrowheads="1" noChangeShapeType="1" noTextEdit="1"/>
+          </p:cNvSpPr>
+          <p:nvPr>
+            <p:extLst>
+              <p:ext uri="{386F3935-93C4-4BCD-93E2-E3B085C9AB24}">
+                <p16:designElem xmlns:p16="http://schemas.microsoft.com/office/powerpoint/2015/main" val="1"/>
+              </p:ext>
+            </p:extLst>
+          </p:nvPr>
+        </p:nvSpPr>
+        <p:spPr>
+          <a:xfrm flipH="1">
+            <a:off x="11743267" y="4013200"/>
+            <a:ext cx="448733" cy="2844800"/>
+          </a:xfrm>
+          <a:prstGeom prst="triangle">
+            <a:avLst>
+              <a:gd name="adj" fmla="val 0"/>
+            </a:avLst>
+          </a:prstGeom>
+          <a:solidFill>
+            <a:schemeClr val="accent1">
+              <a:alpha val="85000"/>
+            </a:schemeClr>
+          </a:solidFill>
+          <a:ln>
+            <a:noFill/>
+          </a:ln>
+          <a:effectLst/>
+        </p:spPr>
+        <p:style>
+          <a:lnRef idx="1">
+            <a:schemeClr val="accent1"/>
+          </a:lnRef>
+          <a:fillRef idx="3">
+            <a:schemeClr val="accent1"/>
+          </a:fillRef>
+          <a:effectRef idx="2">
+            <a:schemeClr val="accent1"/>
+          </a:effectRef>
+          <a:fontRef idx="minor">
+            <a:schemeClr val="lt1"/>
+          </a:fontRef>
+        </p:style>
+      </p:sp>
+      <p:pic>
+        <p:nvPicPr>
+          <p:cNvPr id="9" name="Picture 8">
+            <a:extLst>
+              <a:ext uri="{FF2B5EF4-FFF2-40B4-BE49-F238E27FC236}">
+                <a16:creationId xmlns:a16="http://schemas.microsoft.com/office/drawing/2014/main" id="{F925EFE4-BC37-B878-83A7-877CCA701E51}"/>
+              </a:ext>
+            </a:extLst>
+          </p:cNvPr>
+          <p:cNvPicPr>
+            <a:picLocks noChangeAspect="1"/>
+          </p:cNvPicPr>
+          <p:nvPr/>
+        </p:nvPicPr>
+        <p:blipFill>
+          <a:blip r:embed="rId2" cstate="print">
+            <a:extLst>
+              <a:ext uri="{28A0092B-C50C-407E-A947-70E740481C1C}">
+                <a14:useLocalDpi xmlns:a14="http://schemas.microsoft.com/office/drawing/2010/main" val="0"/>
+              </a:ext>
+            </a:extLst>
+          </a:blip>
+          <a:srcRect/>
+          <a:stretch>
+            <a:fillRect/>
+          </a:stretch>
+        </p:blipFill>
+        <p:spPr bwMode="auto">
+          <a:xfrm>
+            <a:off x="2142791" y="1136053"/>
+            <a:ext cx="7555001" cy="5422202"/>
+          </a:xfrm>
+          <a:prstGeom prst="rect">
+            <a:avLst/>
+          </a:prstGeom>
+          <a:noFill/>
+          <a:ln>
+            <a:noFill/>
+          </a:ln>
+        </p:spPr>
+      </p:pic>
+    </p:spTree>
+    <p:extLst>
+      <p:ext uri="{BB962C8B-B14F-4D97-AF65-F5344CB8AC3E}">
+        <p14:creationId xmlns:p14="http://schemas.microsoft.com/office/powerpoint/2010/main" val="619100196"/>
+      </p:ext>
+    </p:extLst>
+  </p:cSld>
+  <p:clrMapOvr>
+    <a:masterClrMapping/>
+  </p:clrMapOvr>
+</p:sld>
+</file>
+
+<file path=ppt/slides/slide16.xml><?xml version="1.0" encoding="utf-8"?>
+<p:sld xmlns:a="http://schemas.openxmlformats.org/drawingml/2006/main" xmlns:r="http://schemas.openxmlformats.org/officeDocument/2006/relationships" xmlns:p="http://schemas.openxmlformats.org/presentationml/2006/main">
+  <p:cSld>
+    <p:bg>
+      <p:bgPr>
+        <a:solidFill>
+          <a:schemeClr val="bg1"/>
+        </a:solidFill>
+        <a:effectLst/>
+      </p:bgPr>
+    </p:bg>
+    <p:spTree>
+      <p:nvGrpSpPr>
+        <p:cNvPr id="1" name=""/>
+        <p:cNvGrpSpPr/>
+        <p:nvPr/>
+      </p:nvGrpSpPr>
+      <p:grpSpPr>
+        <a:xfrm>
+          <a:off x="0" y="0"/>
+          <a:ext cx="0" cy="0"/>
+          <a:chOff x="0" y="0"/>
+          <a:chExt cx="0" cy="0"/>
+        </a:xfrm>
+      </p:grpSpPr>
+      <p:sp useBgFill="1">
+        <p:nvSpPr>
+          <p:cNvPr id="33" name="Rectangle 32">
+            <a:extLst>
+              <a:ext uri="{FF2B5EF4-FFF2-40B4-BE49-F238E27FC236}">
+                <a16:creationId xmlns:a16="http://schemas.microsoft.com/office/drawing/2014/main" id="{E80B86A7-A1EC-475B-9166-88902B033A38}"/>
+              </a:ext>
+              <a:ext uri="{C183D7F6-B498-43B3-948B-1728B52AA6E4}">
+                <adec:decorative xmlns:adec="http://schemas.microsoft.com/office/drawing/2017/decorative" val="1"/>
+              </a:ext>
+            </a:extLst>
+          </p:cNvPr>
+          <p:cNvSpPr>
+            <a:spLocks noGrp="1" noRot="1" noChangeAspect="1" noMove="1" noResize="1" noEditPoints="1" noAdjustHandles="1" noChangeArrowheads="1" noChangeShapeType="1" noTextEdit="1"/>
+          </p:cNvSpPr>
+          <p:nvPr>
+            <p:extLst>
+              <p:ext uri="{386F3935-93C4-4BCD-93E2-E3B085C9AB24}">
+                <p16:designElem xmlns:p16="http://schemas.microsoft.com/office/powerpoint/2015/main" val="1"/>
+              </p:ext>
+            </p:extLst>
+          </p:nvPr>
+        </p:nvSpPr>
+        <p:spPr>
+          <a:xfrm>
+            <a:off x="0" y="0"/>
+            <a:ext cx="12192000" cy="6858000"/>
+          </a:xfrm>
+          <a:prstGeom prst="rect">
+            <a:avLst/>
+          </a:prstGeom>
+          <a:ln>
+            <a:noFill/>
+          </a:ln>
+        </p:spPr>
+        <p:style>
+          <a:lnRef idx="2">
+            <a:schemeClr val="accent1">
+              <a:shade val="50000"/>
+            </a:schemeClr>
+          </a:lnRef>
+          <a:fillRef idx="1">
+            <a:schemeClr val="accent1"/>
+          </a:fillRef>
+          <a:effectRef idx="0">
+            <a:schemeClr val="accent1"/>
+          </a:effectRef>
+          <a:fontRef idx="minor">
+            <a:schemeClr val="lt1"/>
+          </a:fontRef>
+        </p:style>
+        <p:txBody>
+          <a:bodyPr rtlCol="0" anchor="ctr"/>
+          <a:lstStyle/>
+          <a:p>
+            <a:pPr marL="0" marR="0" lvl="0" indent="0" algn="ctr" defTabSz="457200" rtl="0" eaLnBrk="1" fontAlgn="auto" latinLnBrk="0" hangingPunct="1">
+              <a:lnSpc>
+                <a:spcPct val="100000"/>
+              </a:lnSpc>
+              <a:spcBef>
+                <a:spcPts val="0"/>
+              </a:spcBef>
+              <a:spcAft>
+                <a:spcPts val="0"/>
+              </a:spcAft>
+              <a:buClrTx/>
+              <a:buSzTx/>
+              <a:buFontTx/>
+              <a:buNone/>
+              <a:tabLst/>
+              <a:defRPr/>
+            </a:pPr>
+            <a:endParaRPr kumimoji="0" lang="en-US" sz="1800" b="0" i="0" u="none" strike="noStrike" kern="1200" cap="none" spc="0" normalizeH="0" baseline="0" noProof="0">
+              <a:ln>
+                <a:noFill/>
+              </a:ln>
+              <a:solidFill>
+                <a:prstClr val="white"/>
+              </a:solidFill>
+              <a:effectLst/>
+              <a:uLnTx/>
+              <a:uFillTx/>
+              <a:latin typeface="Trebuchet MS" panose="020B0603020202020204"/>
+              <a:ea typeface="+mn-ea"/>
+              <a:cs typeface="+mn-cs"/>
+            </a:endParaRPr>
+          </a:p>
+        </p:txBody>
+      </p:sp>
+      <p:sp>
+        <p:nvSpPr>
+          <p:cNvPr id="2" name="כותרת 1">
+            <a:extLst>
+              <a:ext uri="{FF2B5EF4-FFF2-40B4-BE49-F238E27FC236}">
+                <a16:creationId xmlns:a16="http://schemas.microsoft.com/office/drawing/2014/main" id="{1ACC9094-DF10-FE2C-933F-47FB37C8A6AB}"/>
+              </a:ext>
+            </a:extLst>
+          </p:cNvPr>
+          <p:cNvSpPr>
+            <a:spLocks noGrp="1"/>
+          </p:cNvSpPr>
+          <p:nvPr>
+            <p:ph type="title"/>
+          </p:nvPr>
+        </p:nvSpPr>
+        <p:spPr>
+          <a:xfrm>
+            <a:off x="1726308" y="310425"/>
+            <a:ext cx="8596668" cy="1320800"/>
+          </a:xfrm>
+        </p:spPr>
+        <p:txBody>
+          <a:bodyPr>
+            <a:normAutofit/>
+          </a:bodyPr>
+          <a:lstStyle/>
+          <a:p>
+            <a:pPr algn="ctr" rtl="0"/>
+            <a:r>
+              <a:rPr lang="en-US" sz="4000" dirty="0">
+                <a:latin typeface="Arial" panose="020B0604020202020204" pitchFamily="34" charset="0"/>
+                <a:cs typeface="Arial" panose="020B0604020202020204" pitchFamily="34" charset="0"/>
+              </a:rPr>
+              <a:t>Evaluation </a:t>
+            </a:r>
+            <a:endParaRPr lang="he-IL" sz="4000" dirty="0">
+              <a:latin typeface="Arial" panose="020B0604020202020204" pitchFamily="34" charset="0"/>
+              <a:cs typeface="Arial" panose="020B0604020202020204" pitchFamily="34" charset="0"/>
+            </a:endParaRPr>
+          </a:p>
+        </p:txBody>
+      </p:sp>
+      <p:sp>
+        <p:nvSpPr>
+          <p:cNvPr id="35" name="Isosceles Triangle 34">
+            <a:extLst>
+              <a:ext uri="{FF2B5EF4-FFF2-40B4-BE49-F238E27FC236}">
+                <a16:creationId xmlns:a16="http://schemas.microsoft.com/office/drawing/2014/main" id="{C2C29CB1-9F74-4879-A6AF-AEA67B6F1F4D}"/>
+              </a:ext>
+              <a:ext uri="{C183D7F6-B498-43B3-948B-1728B52AA6E4}">
+                <adec:decorative xmlns:adec="http://schemas.microsoft.com/office/drawing/2017/decorative" val="1"/>
+              </a:ext>
+            </a:extLst>
+          </p:cNvPr>
+          <p:cNvSpPr>
+            <a:spLocks noGrp="1" noRot="1" noChangeAspect="1" noMove="1" noResize="1" noEditPoints="1" noAdjustHandles="1" noChangeArrowheads="1" noChangeShapeType="1" noTextEdit="1"/>
+          </p:cNvSpPr>
+          <p:nvPr>
+            <p:extLst>
+              <p:ext uri="{386F3935-93C4-4BCD-93E2-E3B085C9AB24}">
+                <p16:designElem xmlns:p16="http://schemas.microsoft.com/office/powerpoint/2015/main" val="1"/>
+              </p:ext>
+            </p:extLst>
+          </p:nvPr>
+        </p:nvSpPr>
+        <p:spPr>
+          <a:xfrm rot="10800000">
+            <a:off x="0" y="0"/>
+            <a:ext cx="842596" cy="5666154"/>
+          </a:xfrm>
+          <a:prstGeom prst="triangle">
+            <a:avLst>
+              <a:gd name="adj" fmla="val 100000"/>
+            </a:avLst>
+          </a:prstGeom>
+          <a:solidFill>
+            <a:schemeClr val="accent1">
+              <a:alpha val="85000"/>
+            </a:schemeClr>
+          </a:solidFill>
+          <a:ln>
+            <a:noFill/>
+          </a:ln>
+          <a:effectLst/>
+        </p:spPr>
+        <p:style>
+          <a:lnRef idx="1">
+            <a:schemeClr val="accent1"/>
+          </a:lnRef>
+          <a:fillRef idx="3">
+            <a:schemeClr val="accent1"/>
+          </a:fillRef>
+          <a:effectRef idx="2">
+            <a:schemeClr val="accent1"/>
+          </a:effectRef>
+          <a:fontRef idx="minor">
+            <a:schemeClr val="lt1"/>
+          </a:fontRef>
+        </p:style>
+      </p:sp>
+      <p:sp>
+        <p:nvSpPr>
+          <p:cNvPr id="37" name="Isosceles Triangle 36">
+            <a:extLst>
+              <a:ext uri="{FF2B5EF4-FFF2-40B4-BE49-F238E27FC236}">
+                <a16:creationId xmlns:a16="http://schemas.microsoft.com/office/drawing/2014/main" id="{7E2C7115-5336-410C-AD71-0F0952A2E5A7}"/>
+              </a:ext>
+              <a:ext uri="{C183D7F6-B498-43B3-948B-1728B52AA6E4}">
+                <adec:decorative xmlns:adec="http://schemas.microsoft.com/office/drawing/2017/decorative" val="1"/>
+              </a:ext>
+            </a:extLst>
+          </p:cNvPr>
+          <p:cNvSpPr>
+            <a:spLocks noGrp="1" noRot="1" noChangeAspect="1" noMove="1" noResize="1" noEditPoints="1" noAdjustHandles="1" noChangeArrowheads="1" noChangeShapeType="1" noTextEdit="1"/>
+          </p:cNvSpPr>
+          <p:nvPr>
+            <p:extLst>
+              <p:ext uri="{386F3935-93C4-4BCD-93E2-E3B085C9AB24}">
+                <p16:designElem xmlns:p16="http://schemas.microsoft.com/office/powerpoint/2015/main" val="1"/>
+              </p:ext>
+            </p:extLst>
+          </p:nvPr>
+        </p:nvSpPr>
+        <p:spPr>
+          <a:xfrm flipH="1">
+            <a:off x="11743267" y="4013200"/>
+            <a:ext cx="448733" cy="2844800"/>
+          </a:xfrm>
+          <a:prstGeom prst="triangle">
+            <a:avLst>
+              <a:gd name="adj" fmla="val 0"/>
+            </a:avLst>
+          </a:prstGeom>
+          <a:solidFill>
+            <a:schemeClr val="accent1">
+              <a:alpha val="85000"/>
+            </a:schemeClr>
+          </a:solidFill>
+          <a:ln>
+            <a:noFill/>
+          </a:ln>
+          <a:effectLst/>
+        </p:spPr>
+        <p:style>
+          <a:lnRef idx="1">
+            <a:schemeClr val="accent1"/>
+          </a:lnRef>
+          <a:fillRef idx="3">
+            <a:schemeClr val="accent1"/>
+          </a:fillRef>
+          <a:effectRef idx="2">
+            <a:schemeClr val="accent1"/>
+          </a:effectRef>
+          <a:fontRef idx="minor">
+            <a:schemeClr val="lt1"/>
+          </a:fontRef>
+        </p:style>
+      </p:sp>
+      <p:graphicFrame>
+        <p:nvGraphicFramePr>
+          <p:cNvPr id="4" name="Table 3">
+            <a:extLst>
+              <a:ext uri="{FF2B5EF4-FFF2-40B4-BE49-F238E27FC236}">
+                <a16:creationId xmlns:a16="http://schemas.microsoft.com/office/drawing/2014/main" id="{F7CD6FCD-A193-02A2-4821-2709BD0D58ED}"/>
+              </a:ext>
+            </a:extLst>
+          </p:cNvPr>
+          <p:cNvGraphicFramePr>
+            <a:graphicFrameLocks noGrp="1"/>
+          </p:cNvGraphicFramePr>
+          <p:nvPr>
+            <p:extLst>
+              <p:ext uri="{D42A27DB-BD31-4B8C-83A1-F6EECF244321}">
+                <p14:modId xmlns:p14="http://schemas.microsoft.com/office/powerpoint/2010/main" val="4037275447"/>
+              </p:ext>
+            </p:extLst>
+          </p:nvPr>
+        </p:nvGraphicFramePr>
+        <p:xfrm>
+          <a:off x="2096625" y="1026403"/>
+          <a:ext cx="7998750" cy="5682216"/>
+        </p:xfrm>
+        <a:graphic>
+          <a:graphicData uri="http://schemas.openxmlformats.org/drawingml/2006/table">
+            <a:tbl>
+              <a:tblPr firstRow="1" firstCol="1" bandRow="1">
+                <a:tableStyleId>{5C22544A-7EE6-4342-B048-85BDC9FD1C3A}</a:tableStyleId>
+              </a:tblPr>
+              <a:tblGrid>
+                <a:gridCol w="614378">
+                  <a:extLst>
+                    <a:ext uri="{9D8B030D-6E8A-4147-A177-3AD203B41FA5}">
+                      <a16:colId xmlns:a16="http://schemas.microsoft.com/office/drawing/2014/main" val="2765099700"/>
+                    </a:ext>
+                  </a:extLst>
+                </a:gridCol>
+                <a:gridCol w="4062882">
+                  <a:extLst>
+                    <a:ext uri="{9D8B030D-6E8A-4147-A177-3AD203B41FA5}">
+                      <a16:colId xmlns:a16="http://schemas.microsoft.com/office/drawing/2014/main" val="4226056660"/>
+                    </a:ext>
+                  </a:extLst>
+                </a:gridCol>
+                <a:gridCol w="3321490">
+                  <a:extLst>
+                    <a:ext uri="{9D8B030D-6E8A-4147-A177-3AD203B41FA5}">
+                      <a16:colId xmlns:a16="http://schemas.microsoft.com/office/drawing/2014/main" val="811448435"/>
+                    </a:ext>
+                  </a:extLst>
+                </a:gridCol>
+              </a:tblGrid>
+              <a:tr h="283883">
+                <a:tc>
+                  <a:txBody>
+                    <a:bodyPr/>
+                    <a:lstStyle/>
+                    <a:p>
+                      <a:pPr algn="l" fontAlgn="base">
+                        <a:lnSpc>
+                          <a:spcPct val="150000"/>
+                        </a:lnSpc>
+                      </a:pPr>
+                      <a:r>
+                        <a:rPr lang="en-US" sz="1400" b="1" dirty="0">
+                          <a:effectLst/>
+                          <a:cs typeface="+mj-cs"/>
+                        </a:rPr>
+                        <a:t>Case</a:t>
+                      </a:r>
+                      <a:endParaRPr lang="en-US" sz="1400" b="1" dirty="0">
+                        <a:effectLst/>
+                        <a:latin typeface="Calibri" panose="020F0502020204030204" pitchFamily="34" charset="0"/>
+                        <a:ea typeface="Times New Roman" panose="02020603050405020304" pitchFamily="18" charset="0"/>
+                        <a:cs typeface="+mj-cs"/>
+                      </a:endParaRPr>
+                    </a:p>
+                  </a:txBody>
+                  <a:tcPr marL="48283" marR="48283" marT="0" marB="0"/>
+                </a:tc>
+                <a:tc>
+                  <a:txBody>
+                    <a:bodyPr/>
+                    <a:lstStyle/>
+                    <a:p>
+                      <a:pPr algn="l" fontAlgn="base">
+                        <a:lnSpc>
+                          <a:spcPct val="150000"/>
+                        </a:lnSpc>
+                      </a:pPr>
+                      <a:r>
+                        <a:rPr lang="en-US" sz="1400" b="1" dirty="0">
+                          <a:effectLst/>
+                          <a:cs typeface="+mj-cs"/>
+                        </a:rPr>
+                        <a:t>Case test</a:t>
+                      </a:r>
+                      <a:endParaRPr lang="en-US" sz="1400" b="1" dirty="0">
+                        <a:effectLst/>
+                        <a:latin typeface="Calibri" panose="020F0502020204030204" pitchFamily="34" charset="0"/>
+                        <a:ea typeface="Times New Roman" panose="02020603050405020304" pitchFamily="18" charset="0"/>
+                        <a:cs typeface="+mj-cs"/>
+                      </a:endParaRPr>
+                    </a:p>
+                  </a:txBody>
+                  <a:tcPr marL="48283" marR="48283" marT="0" marB="0"/>
+                </a:tc>
+                <a:tc>
+                  <a:txBody>
+                    <a:bodyPr/>
+                    <a:lstStyle/>
+                    <a:p>
+                      <a:pPr algn="l" fontAlgn="base">
+                        <a:lnSpc>
+                          <a:spcPct val="150000"/>
+                        </a:lnSpc>
+                      </a:pPr>
+                      <a:r>
+                        <a:rPr lang="en-US" sz="1400" b="1" dirty="0">
+                          <a:effectLst/>
+                          <a:cs typeface="+mj-cs"/>
+                        </a:rPr>
+                        <a:t>Result</a:t>
+                      </a:r>
+                      <a:endParaRPr lang="en-US" sz="1400" b="1" dirty="0">
+                        <a:effectLst/>
+                        <a:latin typeface="Calibri" panose="020F0502020204030204" pitchFamily="34" charset="0"/>
+                        <a:ea typeface="Times New Roman" panose="02020603050405020304" pitchFamily="18" charset="0"/>
+                        <a:cs typeface="+mj-cs"/>
+                      </a:endParaRPr>
+                    </a:p>
+                  </a:txBody>
+                  <a:tcPr marL="48283" marR="48283" marT="0" marB="0"/>
+                </a:tc>
+                <a:extLst>
+                  <a:ext uri="{0D108BD9-81ED-4DB2-BD59-A6C34878D82A}">
+                    <a16:rowId xmlns:a16="http://schemas.microsoft.com/office/drawing/2014/main" val="3341477212"/>
+                  </a:ext>
+                </a:extLst>
+              </a:tr>
+              <a:tr h="516013">
+                <a:tc>
+                  <a:txBody>
+                    <a:bodyPr/>
+                    <a:lstStyle/>
+                    <a:p>
+                      <a:pPr algn="l" fontAlgn="base">
+                        <a:lnSpc>
+                          <a:spcPct val="150000"/>
+                        </a:lnSpc>
+                      </a:pPr>
+                      <a:r>
+                        <a:rPr lang="en-US" sz="1200" b="1">
+                          <a:effectLst/>
+                          <a:cs typeface="+mj-cs"/>
+                        </a:rPr>
+                        <a:t>1</a:t>
+                      </a:r>
+                      <a:endParaRPr lang="en-US" sz="1200" b="1">
+                        <a:effectLst/>
+                        <a:latin typeface="Calibri" panose="020F0502020204030204" pitchFamily="34" charset="0"/>
+                        <a:ea typeface="Times New Roman" panose="02020603050405020304" pitchFamily="18" charset="0"/>
+                        <a:cs typeface="+mj-cs"/>
+                      </a:endParaRPr>
+                    </a:p>
+                  </a:txBody>
+                  <a:tcPr marL="48283" marR="48283" marT="0" marB="0"/>
+                </a:tc>
+                <a:tc>
+                  <a:txBody>
+                    <a:bodyPr/>
+                    <a:lstStyle/>
+                    <a:p>
+                      <a:pPr algn="l" fontAlgn="base">
+                        <a:lnSpc>
+                          <a:spcPct val="150000"/>
+                        </a:lnSpc>
+                      </a:pPr>
+                      <a:r>
+                        <a:rPr lang="en-US" sz="1200" b="1" dirty="0">
+                          <a:effectLst/>
+                          <a:cs typeface="+mj-cs"/>
+                        </a:rPr>
+                        <a:t>Trying to predict without an image loaded</a:t>
+                      </a:r>
+                      <a:endParaRPr lang="en-US" sz="1200" b="1" dirty="0">
+                        <a:effectLst/>
+                        <a:latin typeface="Calibri" panose="020F0502020204030204" pitchFamily="34" charset="0"/>
+                        <a:ea typeface="Times New Roman" panose="02020603050405020304" pitchFamily="18" charset="0"/>
+                        <a:cs typeface="+mj-cs"/>
+                      </a:endParaRPr>
+                    </a:p>
+                  </a:txBody>
+                  <a:tcPr marL="48283" marR="48283" marT="0" marB="0"/>
+                </a:tc>
+                <a:tc>
+                  <a:txBody>
+                    <a:bodyPr/>
+                    <a:lstStyle/>
+                    <a:p>
+                      <a:pPr algn="l" fontAlgn="base">
+                        <a:lnSpc>
+                          <a:spcPct val="150000"/>
+                        </a:lnSpc>
+                      </a:pPr>
+                      <a:r>
+                        <a:rPr lang="en-US" sz="1200" b="1" dirty="0">
+                          <a:effectLst/>
+                          <a:cs typeface="+mj-cs"/>
+                        </a:rPr>
+                        <a:t>Error message:</a:t>
+                      </a:r>
+                      <a:br>
+                        <a:rPr lang="en-US" sz="1200" b="1" dirty="0">
+                          <a:effectLst/>
+                          <a:cs typeface="+mj-cs"/>
+                        </a:rPr>
+                      </a:br>
+                      <a:r>
+                        <a:rPr lang="en-US" sz="1200" b="1" dirty="0">
+                          <a:effectLst/>
+                          <a:cs typeface="+mj-cs"/>
+                        </a:rPr>
+                        <a:t>please lode image</a:t>
+                      </a:r>
+                      <a:endParaRPr lang="en-US" sz="1200" b="1" dirty="0">
+                        <a:effectLst/>
+                        <a:latin typeface="Calibri" panose="020F0502020204030204" pitchFamily="34" charset="0"/>
+                        <a:ea typeface="Times New Roman" panose="02020603050405020304" pitchFamily="18" charset="0"/>
+                        <a:cs typeface="+mj-cs"/>
+                      </a:endParaRPr>
+                    </a:p>
+                  </a:txBody>
+                  <a:tcPr marL="48283" marR="48283" marT="0" marB="0"/>
+                </a:tc>
+                <a:extLst>
+                  <a:ext uri="{0D108BD9-81ED-4DB2-BD59-A6C34878D82A}">
+                    <a16:rowId xmlns:a16="http://schemas.microsoft.com/office/drawing/2014/main" val="3527404370"/>
+                  </a:ext>
+                </a:extLst>
+              </a:tr>
+              <a:tr h="632389">
+                <a:tc>
+                  <a:txBody>
+                    <a:bodyPr/>
+                    <a:lstStyle/>
+                    <a:p>
+                      <a:pPr algn="l" fontAlgn="base">
+                        <a:lnSpc>
+                          <a:spcPct val="150000"/>
+                        </a:lnSpc>
+                      </a:pPr>
+                      <a:r>
+                        <a:rPr lang="en-US" sz="1200" b="1">
+                          <a:effectLst/>
+                          <a:cs typeface="+mj-cs"/>
+                        </a:rPr>
+                        <a:t>2</a:t>
+                      </a:r>
+                      <a:endParaRPr lang="en-US" sz="1200" b="1">
+                        <a:effectLst/>
+                        <a:latin typeface="Calibri" panose="020F0502020204030204" pitchFamily="34" charset="0"/>
+                        <a:ea typeface="Times New Roman" panose="02020603050405020304" pitchFamily="18" charset="0"/>
+                        <a:cs typeface="+mj-cs"/>
+                      </a:endParaRPr>
+                    </a:p>
+                  </a:txBody>
+                  <a:tcPr marL="48283" marR="48283" marT="0" marB="0"/>
+                </a:tc>
+                <a:tc>
+                  <a:txBody>
+                    <a:bodyPr/>
+                    <a:lstStyle/>
+                    <a:p>
+                      <a:pPr algn="l" fontAlgn="base">
+                        <a:lnSpc>
+                          <a:spcPct val="150000"/>
+                        </a:lnSpc>
+                      </a:pPr>
+                      <a:r>
+                        <a:rPr lang="en-US" sz="1200" b="1" dirty="0">
+                          <a:effectLst/>
+                          <a:cs typeface="+mj-cs"/>
+                        </a:rPr>
+                        <a:t>Load image without choosing image type</a:t>
+                      </a:r>
+                      <a:endParaRPr lang="en-US" sz="1200" b="1" dirty="0">
+                        <a:effectLst/>
+                        <a:latin typeface="Calibri" panose="020F0502020204030204" pitchFamily="34" charset="0"/>
+                        <a:ea typeface="Times New Roman" panose="02020603050405020304" pitchFamily="18" charset="0"/>
+                        <a:cs typeface="+mj-cs"/>
+                      </a:endParaRPr>
+                    </a:p>
+                  </a:txBody>
+                  <a:tcPr marL="48283" marR="48283" marT="0" marB="0"/>
+                </a:tc>
+                <a:tc>
+                  <a:txBody>
+                    <a:bodyPr/>
+                    <a:lstStyle/>
+                    <a:p>
+                      <a:pPr algn="l" fontAlgn="base">
+                        <a:lnSpc>
+                          <a:spcPct val="150000"/>
+                        </a:lnSpc>
+                      </a:pPr>
+                      <a:r>
+                        <a:rPr lang="en-US" sz="1200" b="1" dirty="0">
+                          <a:effectLst/>
+                          <a:cs typeface="+mj-cs"/>
+                        </a:rPr>
+                        <a:t>Error message:</a:t>
+                      </a:r>
+                      <a:br>
+                        <a:rPr lang="en-US" sz="1200" b="1" dirty="0">
+                          <a:effectLst/>
+                          <a:cs typeface="+mj-cs"/>
+                        </a:rPr>
+                      </a:br>
+                      <a:r>
+                        <a:rPr lang="en-US" sz="1200" b="1" dirty="0">
+                          <a:effectLst/>
+                          <a:cs typeface="+mj-cs"/>
+                        </a:rPr>
+                        <a:t>please choose image type</a:t>
+                      </a:r>
+                      <a:endParaRPr lang="en-US" sz="1200" b="1" dirty="0">
+                        <a:effectLst/>
+                        <a:latin typeface="Calibri" panose="020F0502020204030204" pitchFamily="34" charset="0"/>
+                        <a:ea typeface="Times New Roman" panose="02020603050405020304" pitchFamily="18" charset="0"/>
+                        <a:cs typeface="+mj-cs"/>
+                      </a:endParaRPr>
+                    </a:p>
+                  </a:txBody>
+                  <a:tcPr marL="48283" marR="48283" marT="0" marB="0"/>
+                </a:tc>
+                <a:extLst>
+                  <a:ext uri="{0D108BD9-81ED-4DB2-BD59-A6C34878D82A}">
+                    <a16:rowId xmlns:a16="http://schemas.microsoft.com/office/drawing/2014/main" val="144448544"/>
+                  </a:ext>
+                </a:extLst>
+              </a:tr>
+              <a:tr h="516013">
+                <a:tc>
+                  <a:txBody>
+                    <a:bodyPr/>
+                    <a:lstStyle/>
+                    <a:p>
+                      <a:pPr algn="l" fontAlgn="base">
+                        <a:lnSpc>
+                          <a:spcPct val="150000"/>
+                        </a:lnSpc>
+                      </a:pPr>
+                      <a:r>
+                        <a:rPr lang="en-US" sz="1200" b="1">
+                          <a:effectLst/>
+                          <a:cs typeface="+mj-cs"/>
+                        </a:rPr>
+                        <a:t>3</a:t>
+                      </a:r>
+                      <a:endParaRPr lang="en-US" sz="1200" b="1">
+                        <a:effectLst/>
+                        <a:latin typeface="Calibri" panose="020F0502020204030204" pitchFamily="34" charset="0"/>
+                        <a:ea typeface="Times New Roman" panose="02020603050405020304" pitchFamily="18" charset="0"/>
+                        <a:cs typeface="+mj-cs"/>
+                      </a:endParaRPr>
+                    </a:p>
+                  </a:txBody>
+                  <a:tcPr marL="48283" marR="48283" marT="0" marB="0"/>
+                </a:tc>
+                <a:tc>
+                  <a:txBody>
+                    <a:bodyPr/>
+                    <a:lstStyle/>
+                    <a:p>
+                      <a:pPr algn="l" fontAlgn="base">
+                        <a:lnSpc>
+                          <a:spcPct val="150000"/>
+                        </a:lnSpc>
+                      </a:pPr>
+                      <a:r>
+                        <a:rPr lang="en-US" sz="1200" b="1" dirty="0">
+                          <a:effectLst/>
+                          <a:cs typeface="+mj-cs"/>
+                        </a:rPr>
+                        <a:t>Load wrong image (wrong format)</a:t>
+                      </a:r>
+                      <a:endParaRPr lang="en-US" sz="1200" b="1" dirty="0">
+                        <a:effectLst/>
+                        <a:latin typeface="Calibri" panose="020F0502020204030204" pitchFamily="34" charset="0"/>
+                        <a:ea typeface="Times New Roman" panose="02020603050405020304" pitchFamily="18" charset="0"/>
+                        <a:cs typeface="+mj-cs"/>
+                      </a:endParaRPr>
+                    </a:p>
+                  </a:txBody>
+                  <a:tcPr marL="48283" marR="48283" marT="0" marB="0"/>
+                </a:tc>
+                <a:tc>
+                  <a:txBody>
+                    <a:bodyPr/>
+                    <a:lstStyle/>
+                    <a:p>
+                      <a:pPr algn="l" fontAlgn="base">
+                        <a:lnSpc>
+                          <a:spcPct val="150000"/>
+                        </a:lnSpc>
+                      </a:pPr>
+                      <a:r>
+                        <a:rPr lang="en-US" sz="1200" b="1">
+                          <a:effectLst/>
+                          <a:cs typeface="+mj-cs"/>
+                        </a:rPr>
+                        <a:t>Error message: </a:t>
+                      </a:r>
+                    </a:p>
+                    <a:p>
+                      <a:pPr algn="l" fontAlgn="base">
+                        <a:lnSpc>
+                          <a:spcPct val="150000"/>
+                        </a:lnSpc>
+                      </a:pPr>
+                      <a:r>
+                        <a:rPr lang="en-US" sz="1200" b="1">
+                          <a:effectLst/>
+                          <a:cs typeface="+mj-cs"/>
+                        </a:rPr>
+                        <a:t>wrong format</a:t>
+                      </a:r>
+                      <a:endParaRPr lang="en-US" sz="1200" b="1">
+                        <a:effectLst/>
+                        <a:latin typeface="Calibri" panose="020F0502020204030204" pitchFamily="34" charset="0"/>
+                        <a:ea typeface="Times New Roman" panose="02020603050405020304" pitchFamily="18" charset="0"/>
+                        <a:cs typeface="+mj-cs"/>
+                      </a:endParaRPr>
+                    </a:p>
+                  </a:txBody>
+                  <a:tcPr marL="48283" marR="48283" marT="0" marB="0"/>
+                </a:tc>
+                <a:extLst>
+                  <a:ext uri="{0D108BD9-81ED-4DB2-BD59-A6C34878D82A}">
+                    <a16:rowId xmlns:a16="http://schemas.microsoft.com/office/drawing/2014/main" val="2277809733"/>
+                  </a:ext>
+                </a:extLst>
+              </a:tr>
+              <a:tr h="516013">
+                <a:tc>
+                  <a:txBody>
+                    <a:bodyPr/>
+                    <a:lstStyle/>
+                    <a:p>
+                      <a:pPr algn="l" fontAlgn="base">
+                        <a:lnSpc>
+                          <a:spcPct val="150000"/>
+                        </a:lnSpc>
+                      </a:pPr>
+                      <a:r>
+                        <a:rPr lang="en-US" sz="1200" b="1">
+                          <a:effectLst/>
+                          <a:cs typeface="+mj-cs"/>
+                        </a:rPr>
+                        <a:t>4</a:t>
+                      </a:r>
+                      <a:endParaRPr lang="en-US" sz="1200" b="1">
+                        <a:effectLst/>
+                        <a:latin typeface="Calibri" panose="020F0502020204030204" pitchFamily="34" charset="0"/>
+                        <a:ea typeface="Times New Roman" panose="02020603050405020304" pitchFamily="18" charset="0"/>
+                        <a:cs typeface="+mj-cs"/>
+                      </a:endParaRPr>
+                    </a:p>
+                  </a:txBody>
+                  <a:tcPr marL="48283" marR="48283" marT="0" marB="0"/>
+                </a:tc>
+                <a:tc>
+                  <a:txBody>
+                    <a:bodyPr/>
+                    <a:lstStyle/>
+                    <a:p>
+                      <a:pPr algn="l" fontAlgn="base">
+                        <a:lnSpc>
+                          <a:spcPct val="150000"/>
+                        </a:lnSpc>
+                      </a:pPr>
+                      <a:r>
+                        <a:rPr lang="en-US" sz="1200" b="1" dirty="0">
+                          <a:effectLst/>
+                          <a:cs typeface="+mj-cs"/>
+                        </a:rPr>
+                        <a:t>Load correct image and choose type and architecture </a:t>
+                      </a:r>
+                      <a:endParaRPr lang="en-US" sz="1200" b="1" dirty="0">
+                        <a:effectLst/>
+                        <a:latin typeface="Calibri" panose="020F0502020204030204" pitchFamily="34" charset="0"/>
+                        <a:ea typeface="Times New Roman" panose="02020603050405020304" pitchFamily="18" charset="0"/>
+                        <a:cs typeface="+mj-cs"/>
+                      </a:endParaRPr>
+                    </a:p>
+                  </a:txBody>
+                  <a:tcPr marL="48283" marR="48283" marT="0" marB="0"/>
+                </a:tc>
+                <a:tc>
+                  <a:txBody>
+                    <a:bodyPr/>
+                    <a:lstStyle/>
+                    <a:p>
+                      <a:pPr algn="l" fontAlgn="base">
+                        <a:lnSpc>
+                          <a:spcPct val="150000"/>
+                        </a:lnSpc>
+                      </a:pPr>
+                      <a:r>
+                        <a:rPr lang="en-US" sz="1200" b="1">
+                          <a:effectLst/>
+                          <a:cs typeface="+mj-cs"/>
+                        </a:rPr>
+                        <a:t>Image will appear on screen</a:t>
+                      </a:r>
+                      <a:endParaRPr lang="en-US" sz="1200" b="1">
+                        <a:effectLst/>
+                        <a:latin typeface="Calibri" panose="020F0502020204030204" pitchFamily="34" charset="0"/>
+                        <a:ea typeface="Times New Roman" panose="02020603050405020304" pitchFamily="18" charset="0"/>
+                        <a:cs typeface="+mj-cs"/>
+                      </a:endParaRPr>
+                    </a:p>
+                  </a:txBody>
+                  <a:tcPr marL="48283" marR="48283" marT="0" marB="0"/>
+                </a:tc>
+                <a:extLst>
+                  <a:ext uri="{0D108BD9-81ED-4DB2-BD59-A6C34878D82A}">
+                    <a16:rowId xmlns:a16="http://schemas.microsoft.com/office/drawing/2014/main" val="1397737487"/>
+                  </a:ext>
+                </a:extLst>
+              </a:tr>
+              <a:tr h="632389">
+                <a:tc>
+                  <a:txBody>
+                    <a:bodyPr/>
+                    <a:lstStyle/>
+                    <a:p>
+                      <a:pPr algn="l" fontAlgn="base">
+                        <a:lnSpc>
+                          <a:spcPct val="150000"/>
+                        </a:lnSpc>
+                      </a:pPr>
+                      <a:r>
+                        <a:rPr lang="en-US" sz="1200" b="1">
+                          <a:effectLst/>
+                          <a:cs typeface="+mj-cs"/>
+                        </a:rPr>
+                        <a:t>5</a:t>
+                      </a:r>
+                      <a:endParaRPr lang="en-US" sz="1200" b="1">
+                        <a:effectLst/>
+                        <a:latin typeface="Calibri" panose="020F0502020204030204" pitchFamily="34" charset="0"/>
+                        <a:ea typeface="Times New Roman" panose="02020603050405020304" pitchFamily="18" charset="0"/>
+                        <a:cs typeface="+mj-cs"/>
+                      </a:endParaRPr>
+                    </a:p>
+                  </a:txBody>
+                  <a:tcPr marL="48283" marR="48283" marT="0" marB="0"/>
+                </a:tc>
+                <a:tc>
+                  <a:txBody>
+                    <a:bodyPr/>
+                    <a:lstStyle/>
+                    <a:p>
+                      <a:pPr algn="l" fontAlgn="base">
+                        <a:lnSpc>
+                          <a:spcPct val="150000"/>
+                        </a:lnSpc>
+                      </a:pPr>
+                      <a:r>
+                        <a:rPr lang="en-US" sz="1200" b="1" dirty="0">
+                          <a:effectLst/>
+                          <a:cs typeface="+mj-cs"/>
+                        </a:rPr>
+                        <a:t>Try to submit image without choosing architecture </a:t>
+                      </a:r>
+                      <a:endParaRPr lang="en-US" sz="1200" b="1" dirty="0">
+                        <a:effectLst/>
+                        <a:latin typeface="Calibri" panose="020F0502020204030204" pitchFamily="34" charset="0"/>
+                        <a:ea typeface="Times New Roman" panose="02020603050405020304" pitchFamily="18" charset="0"/>
+                        <a:cs typeface="+mj-cs"/>
+                      </a:endParaRPr>
+                    </a:p>
+                  </a:txBody>
+                  <a:tcPr marL="48283" marR="48283" marT="0" marB="0"/>
+                </a:tc>
+                <a:tc>
+                  <a:txBody>
+                    <a:bodyPr/>
+                    <a:lstStyle/>
+                    <a:p>
+                      <a:pPr algn="l" fontAlgn="base">
+                        <a:lnSpc>
+                          <a:spcPct val="150000"/>
+                        </a:lnSpc>
+                      </a:pPr>
+                      <a:r>
+                        <a:rPr lang="en-US" sz="1200" b="1">
+                          <a:effectLst/>
+                          <a:cs typeface="+mj-cs"/>
+                        </a:rPr>
+                        <a:t>Error message:</a:t>
+                      </a:r>
+                      <a:br>
+                        <a:rPr lang="en-US" sz="1200" b="1">
+                          <a:effectLst/>
+                          <a:cs typeface="+mj-cs"/>
+                        </a:rPr>
+                      </a:br>
+                      <a:r>
+                        <a:rPr lang="en-US" sz="1200" b="1">
+                          <a:effectLst/>
+                          <a:cs typeface="+mj-cs"/>
+                        </a:rPr>
+                        <a:t>please choose architecture</a:t>
+                      </a:r>
+                      <a:endParaRPr lang="en-US" sz="1200" b="1">
+                        <a:effectLst/>
+                        <a:latin typeface="Calibri" panose="020F0502020204030204" pitchFamily="34" charset="0"/>
+                        <a:ea typeface="Times New Roman" panose="02020603050405020304" pitchFamily="18" charset="0"/>
+                        <a:cs typeface="+mj-cs"/>
+                      </a:endParaRPr>
+                    </a:p>
+                  </a:txBody>
+                  <a:tcPr marL="48283" marR="48283" marT="0" marB="0"/>
+                </a:tc>
+                <a:extLst>
+                  <a:ext uri="{0D108BD9-81ED-4DB2-BD59-A6C34878D82A}">
+                    <a16:rowId xmlns:a16="http://schemas.microsoft.com/office/drawing/2014/main" val="1260293656"/>
+                  </a:ext>
+                </a:extLst>
+              </a:tr>
+              <a:tr h="516013">
+                <a:tc>
+                  <a:txBody>
+                    <a:bodyPr/>
+                    <a:lstStyle/>
+                    <a:p>
+                      <a:pPr algn="l" fontAlgn="base">
+                        <a:lnSpc>
+                          <a:spcPct val="150000"/>
+                        </a:lnSpc>
+                      </a:pPr>
+                      <a:r>
+                        <a:rPr lang="en-US" sz="1200" b="1">
+                          <a:effectLst/>
+                          <a:cs typeface="+mj-cs"/>
+                        </a:rPr>
+                        <a:t>6</a:t>
+                      </a:r>
+                      <a:endParaRPr lang="en-US" sz="1200" b="1">
+                        <a:effectLst/>
+                        <a:latin typeface="Calibri" panose="020F0502020204030204" pitchFamily="34" charset="0"/>
+                        <a:ea typeface="Times New Roman" panose="02020603050405020304" pitchFamily="18" charset="0"/>
+                        <a:cs typeface="+mj-cs"/>
+                      </a:endParaRPr>
+                    </a:p>
+                  </a:txBody>
+                  <a:tcPr marL="48283" marR="48283" marT="0" marB="0"/>
+                </a:tc>
+                <a:tc>
+                  <a:txBody>
+                    <a:bodyPr/>
+                    <a:lstStyle/>
+                    <a:p>
+                      <a:pPr algn="l" fontAlgn="base">
+                        <a:lnSpc>
+                          <a:spcPct val="150000"/>
+                        </a:lnSpc>
+                      </a:pPr>
+                      <a:r>
+                        <a:rPr lang="en-US" sz="1200" b="1" dirty="0">
+                          <a:effectLst/>
+                          <a:cs typeface="+mj-cs"/>
+                        </a:rPr>
+                        <a:t>Try to submit with correct image and chosen type and architecture</a:t>
+                      </a:r>
+                      <a:endParaRPr lang="en-US" sz="1200" b="1" dirty="0">
+                        <a:effectLst/>
+                        <a:latin typeface="Calibri" panose="020F0502020204030204" pitchFamily="34" charset="0"/>
+                        <a:ea typeface="Times New Roman" panose="02020603050405020304" pitchFamily="18" charset="0"/>
+                        <a:cs typeface="+mj-cs"/>
+                      </a:endParaRPr>
+                    </a:p>
+                  </a:txBody>
+                  <a:tcPr marL="48283" marR="48283" marT="0" marB="0"/>
+                </a:tc>
+                <a:tc>
+                  <a:txBody>
+                    <a:bodyPr/>
+                    <a:lstStyle/>
+                    <a:p>
+                      <a:pPr algn="l" fontAlgn="base">
+                        <a:lnSpc>
+                          <a:spcPct val="150000"/>
+                        </a:lnSpc>
+                      </a:pPr>
+                      <a:r>
+                        <a:rPr lang="en-US" sz="1200" b="1">
+                          <a:effectLst/>
+                          <a:cs typeface="+mj-cs"/>
+                        </a:rPr>
+                        <a:t>Result message will appear on screen</a:t>
+                      </a:r>
+                      <a:endParaRPr lang="en-US" sz="1200" b="1">
+                        <a:effectLst/>
+                        <a:latin typeface="Calibri" panose="020F0502020204030204" pitchFamily="34" charset="0"/>
+                        <a:ea typeface="Times New Roman" panose="02020603050405020304" pitchFamily="18" charset="0"/>
+                        <a:cs typeface="+mj-cs"/>
+                      </a:endParaRPr>
+                    </a:p>
+                  </a:txBody>
+                  <a:tcPr marL="48283" marR="48283" marT="0" marB="0"/>
+                </a:tc>
+                <a:extLst>
+                  <a:ext uri="{0D108BD9-81ED-4DB2-BD59-A6C34878D82A}">
+                    <a16:rowId xmlns:a16="http://schemas.microsoft.com/office/drawing/2014/main" val="746144779"/>
+                  </a:ext>
+                </a:extLst>
+              </a:tr>
+              <a:tr h="632389">
+                <a:tc>
+                  <a:txBody>
+                    <a:bodyPr/>
+                    <a:lstStyle/>
+                    <a:p>
+                      <a:pPr algn="l" fontAlgn="base">
+                        <a:lnSpc>
+                          <a:spcPct val="150000"/>
+                        </a:lnSpc>
+                      </a:pPr>
+                      <a:r>
+                        <a:rPr lang="en-US" sz="1200" b="1">
+                          <a:effectLst/>
+                          <a:cs typeface="+mj-cs"/>
+                        </a:rPr>
+                        <a:t>7</a:t>
+                      </a:r>
+                      <a:endParaRPr lang="en-US" sz="1200" b="1">
+                        <a:effectLst/>
+                        <a:latin typeface="Calibri" panose="020F0502020204030204" pitchFamily="34" charset="0"/>
+                        <a:ea typeface="Times New Roman" panose="02020603050405020304" pitchFamily="18" charset="0"/>
+                        <a:cs typeface="+mj-cs"/>
+                      </a:endParaRPr>
+                    </a:p>
+                  </a:txBody>
+                  <a:tcPr marL="48283" marR="48283" marT="0" marB="0"/>
+                </a:tc>
+                <a:tc>
+                  <a:txBody>
+                    <a:bodyPr/>
+                    <a:lstStyle/>
+                    <a:p>
+                      <a:pPr algn="l" fontAlgn="base">
+                        <a:lnSpc>
+                          <a:spcPct val="150000"/>
+                        </a:lnSpc>
+                      </a:pPr>
+                      <a:r>
+                        <a:rPr lang="en-US" sz="1200" b="1">
+                          <a:effectLst/>
+                          <a:cs typeface="+mj-cs"/>
+                        </a:rPr>
+                        <a:t>Load Image with low resolution</a:t>
+                      </a:r>
+                      <a:endParaRPr lang="en-US" sz="1200" b="1">
+                        <a:effectLst/>
+                        <a:latin typeface="Calibri" panose="020F0502020204030204" pitchFamily="34" charset="0"/>
+                        <a:ea typeface="Times New Roman" panose="02020603050405020304" pitchFamily="18" charset="0"/>
+                        <a:cs typeface="+mj-cs"/>
+                      </a:endParaRPr>
+                    </a:p>
+                  </a:txBody>
+                  <a:tcPr marL="48283" marR="48283" marT="0" marB="0"/>
+                </a:tc>
+                <a:tc>
+                  <a:txBody>
+                    <a:bodyPr/>
+                    <a:lstStyle/>
+                    <a:p>
+                      <a:pPr algn="l" fontAlgn="base">
+                        <a:lnSpc>
+                          <a:spcPct val="150000"/>
+                        </a:lnSpc>
+                      </a:pPr>
+                      <a:r>
+                        <a:rPr lang="en-US" sz="1200" b="1" dirty="0">
+                          <a:effectLst/>
+                          <a:cs typeface="+mj-cs"/>
+                        </a:rPr>
+                        <a:t>Result message with low predicted percentage</a:t>
+                      </a:r>
+                      <a:endParaRPr lang="en-US" sz="1200" b="1" dirty="0">
+                        <a:effectLst/>
+                        <a:latin typeface="Calibri" panose="020F0502020204030204" pitchFamily="34" charset="0"/>
+                        <a:ea typeface="Times New Roman" panose="02020603050405020304" pitchFamily="18" charset="0"/>
+                        <a:cs typeface="+mj-cs"/>
+                      </a:endParaRPr>
+                    </a:p>
+                  </a:txBody>
+                  <a:tcPr marL="48283" marR="48283" marT="0" marB="0"/>
+                </a:tc>
+                <a:extLst>
+                  <a:ext uri="{0D108BD9-81ED-4DB2-BD59-A6C34878D82A}">
+                    <a16:rowId xmlns:a16="http://schemas.microsoft.com/office/drawing/2014/main" val="1405524572"/>
+                  </a:ext>
+                </a:extLst>
+              </a:tr>
+              <a:tr h="788662">
+                <a:tc>
+                  <a:txBody>
+                    <a:bodyPr/>
+                    <a:lstStyle/>
+                    <a:p>
+                      <a:pPr algn="l" fontAlgn="base">
+                        <a:lnSpc>
+                          <a:spcPct val="150000"/>
+                        </a:lnSpc>
+                      </a:pPr>
+                      <a:r>
+                        <a:rPr lang="en-US" sz="1200" b="1">
+                          <a:effectLst/>
+                          <a:cs typeface="+mj-cs"/>
+                        </a:rPr>
+                        <a:t>8</a:t>
+                      </a:r>
+                      <a:endParaRPr lang="en-US" sz="1200" b="1">
+                        <a:effectLst/>
+                        <a:latin typeface="Calibri" panose="020F0502020204030204" pitchFamily="34" charset="0"/>
+                        <a:ea typeface="Times New Roman" panose="02020603050405020304" pitchFamily="18" charset="0"/>
+                        <a:cs typeface="+mj-cs"/>
+                      </a:endParaRPr>
+                    </a:p>
+                  </a:txBody>
+                  <a:tcPr marL="48283" marR="48283" marT="0" marB="0"/>
+                </a:tc>
+                <a:tc>
+                  <a:txBody>
+                    <a:bodyPr/>
+                    <a:lstStyle/>
+                    <a:p>
+                      <a:pPr algn="l" fontAlgn="base">
+                        <a:lnSpc>
+                          <a:spcPct val="150000"/>
+                        </a:lnSpc>
+                      </a:pPr>
+                      <a:r>
+                        <a:rPr lang="en-US" sz="1200" b="1">
+                          <a:effectLst/>
+                          <a:cs typeface="+mj-cs"/>
+                        </a:rPr>
+                        <a:t>Issue with loading the Image</a:t>
+                      </a:r>
+                      <a:endParaRPr lang="en-US" sz="1200" b="1">
+                        <a:effectLst/>
+                        <a:latin typeface="Calibri" panose="020F0502020204030204" pitchFamily="34" charset="0"/>
+                        <a:ea typeface="Times New Roman" panose="02020603050405020304" pitchFamily="18" charset="0"/>
+                        <a:cs typeface="+mj-cs"/>
+                      </a:endParaRPr>
+                    </a:p>
+                  </a:txBody>
+                  <a:tcPr marL="48283" marR="48283" marT="0" marB="0"/>
+                </a:tc>
+                <a:tc>
+                  <a:txBody>
+                    <a:bodyPr/>
+                    <a:lstStyle/>
+                    <a:p>
+                      <a:pPr algn="l" fontAlgn="base">
+                        <a:lnSpc>
+                          <a:spcPct val="150000"/>
+                        </a:lnSpc>
+                      </a:pPr>
+                      <a:r>
+                        <a:rPr lang="en-US" sz="1200" b="1">
+                          <a:effectLst/>
+                          <a:cs typeface="+mj-cs"/>
+                        </a:rPr>
+                        <a:t>Error message: </a:t>
+                      </a:r>
+                    </a:p>
+                    <a:p>
+                      <a:pPr algn="l" fontAlgn="base">
+                        <a:lnSpc>
+                          <a:spcPct val="150000"/>
+                        </a:lnSpc>
+                      </a:pPr>
+                      <a:r>
+                        <a:rPr lang="en-US" sz="1200" b="1">
+                          <a:effectLst/>
+                          <a:cs typeface="+mj-cs"/>
+                        </a:rPr>
+                        <a:t>Can't load image,</a:t>
+                      </a:r>
+                    </a:p>
+                    <a:p>
+                      <a:pPr algn="l" fontAlgn="base">
+                        <a:lnSpc>
+                          <a:spcPct val="150000"/>
+                        </a:lnSpc>
+                      </a:pPr>
+                      <a:r>
+                        <a:rPr lang="en-US" sz="1200" b="1">
+                          <a:effectLst/>
+                          <a:cs typeface="+mj-cs"/>
+                        </a:rPr>
+                        <a:t>please try again</a:t>
+                      </a:r>
+                      <a:endParaRPr lang="en-US" sz="1200" b="1">
+                        <a:effectLst/>
+                        <a:latin typeface="Calibri" panose="020F0502020204030204" pitchFamily="34" charset="0"/>
+                        <a:ea typeface="Times New Roman" panose="02020603050405020304" pitchFamily="18" charset="0"/>
+                        <a:cs typeface="+mj-cs"/>
+                      </a:endParaRPr>
+                    </a:p>
+                  </a:txBody>
+                  <a:tcPr marL="48283" marR="48283" marT="0" marB="0"/>
+                </a:tc>
+                <a:extLst>
+                  <a:ext uri="{0D108BD9-81ED-4DB2-BD59-A6C34878D82A}">
+                    <a16:rowId xmlns:a16="http://schemas.microsoft.com/office/drawing/2014/main" val="644751861"/>
+                  </a:ext>
+                </a:extLst>
+              </a:tr>
+              <a:tr h="632389">
+                <a:tc>
+                  <a:txBody>
+                    <a:bodyPr/>
+                    <a:lstStyle/>
+                    <a:p>
+                      <a:pPr algn="l" fontAlgn="base">
+                        <a:lnSpc>
+                          <a:spcPct val="150000"/>
+                        </a:lnSpc>
+                      </a:pPr>
+                      <a:r>
+                        <a:rPr lang="en-US" sz="1200" b="1">
+                          <a:effectLst/>
+                          <a:cs typeface="+mj-cs"/>
+                        </a:rPr>
+                        <a:t>9</a:t>
+                      </a:r>
+                      <a:endParaRPr lang="en-US" sz="1200" b="1">
+                        <a:effectLst/>
+                        <a:latin typeface="Calibri" panose="020F0502020204030204" pitchFamily="34" charset="0"/>
+                        <a:ea typeface="Times New Roman" panose="02020603050405020304" pitchFamily="18" charset="0"/>
+                        <a:cs typeface="+mj-cs"/>
+                      </a:endParaRPr>
+                    </a:p>
+                  </a:txBody>
+                  <a:tcPr marL="48283" marR="48283" marT="0" marB="0"/>
+                </a:tc>
+                <a:tc>
+                  <a:txBody>
+                    <a:bodyPr/>
+                    <a:lstStyle/>
+                    <a:p>
+                      <a:pPr algn="l" fontAlgn="base">
+                        <a:lnSpc>
+                          <a:spcPct val="150000"/>
+                        </a:lnSpc>
+                      </a:pPr>
+                      <a:r>
+                        <a:rPr lang="en-US" sz="1200" b="1">
+                          <a:effectLst/>
+                          <a:cs typeface="+mj-cs"/>
+                        </a:rPr>
+                        <a:t>Low predict percentage (96%&lt;)</a:t>
+                      </a:r>
+                      <a:endParaRPr lang="en-US" sz="1200" b="1">
+                        <a:effectLst/>
+                        <a:latin typeface="Calibri" panose="020F0502020204030204" pitchFamily="34" charset="0"/>
+                        <a:ea typeface="Times New Roman" panose="02020603050405020304" pitchFamily="18" charset="0"/>
+                        <a:cs typeface="+mj-cs"/>
+                      </a:endParaRPr>
+                    </a:p>
+                  </a:txBody>
+                  <a:tcPr marL="48283" marR="48283" marT="0" marB="0"/>
+                </a:tc>
+                <a:tc>
+                  <a:txBody>
+                    <a:bodyPr/>
+                    <a:lstStyle/>
+                    <a:p>
+                      <a:pPr algn="l" fontAlgn="base">
+                        <a:lnSpc>
+                          <a:spcPct val="150000"/>
+                        </a:lnSpc>
+                      </a:pPr>
+                      <a:r>
+                        <a:rPr lang="en-US" sz="1200" b="1" dirty="0">
+                          <a:effectLst/>
+                          <a:cs typeface="+mj-cs"/>
+                        </a:rPr>
+                        <a:t>Warning message:</a:t>
+                      </a:r>
+                    </a:p>
+                    <a:p>
+                      <a:pPr algn="l" fontAlgn="base">
+                        <a:lnSpc>
+                          <a:spcPct val="150000"/>
+                        </a:lnSpc>
+                      </a:pPr>
+                      <a:r>
+                        <a:rPr lang="en-US" sz="1200" b="1" dirty="0">
+                          <a:effectLst/>
+                          <a:cs typeface="+mj-cs"/>
+                        </a:rPr>
+                        <a:t>Predicted result is not accurate.</a:t>
+                      </a:r>
+                      <a:endParaRPr lang="en-US" sz="1200" b="1" dirty="0">
+                        <a:effectLst/>
+                        <a:latin typeface="Calibri" panose="020F0502020204030204" pitchFamily="34" charset="0"/>
+                        <a:ea typeface="Times New Roman" panose="02020603050405020304" pitchFamily="18" charset="0"/>
+                        <a:cs typeface="+mj-cs"/>
+                      </a:endParaRPr>
+                    </a:p>
+                  </a:txBody>
+                  <a:tcPr marL="48283" marR="48283" marT="0" marB="0"/>
+                </a:tc>
+                <a:extLst>
+                  <a:ext uri="{0D108BD9-81ED-4DB2-BD59-A6C34878D82A}">
+                    <a16:rowId xmlns:a16="http://schemas.microsoft.com/office/drawing/2014/main" val="3499168863"/>
+                  </a:ext>
+                </a:extLst>
+              </a:tr>
+            </a:tbl>
+          </a:graphicData>
+        </a:graphic>
+      </p:graphicFrame>
+    </p:spTree>
+    <p:extLst>
+      <p:ext uri="{BB962C8B-B14F-4D97-AF65-F5344CB8AC3E}">
+        <p14:creationId xmlns:p14="http://schemas.microsoft.com/office/powerpoint/2010/main" val="3874434136"/>
       </p:ext>
     </p:extLst>
   </p:cSld>
@@ -6219,7 +10264,7 @@
         </p:nvSpPr>
         <p:spPr>
           <a:xfrm>
-            <a:off x="1333502" y="609600"/>
+            <a:off x="1565322" y="467932"/>
             <a:ext cx="8596668" cy="1320800"/>
           </a:xfrm>
         </p:spPr>
@@ -6231,10 +10276,16 @@
           <a:p>
             <a:pPr algn="ctr" rtl="0"/>
             <a:r>
-              <a:rPr lang="en-US" dirty="0"/>
+              <a:rPr lang="en-US" sz="4000" dirty="0">
+                <a:latin typeface="Arial" panose="020B0604020202020204" pitchFamily="34" charset="0"/>
+                <a:cs typeface="Arial" panose="020B0604020202020204" pitchFamily="34" charset="0"/>
+              </a:rPr>
               <a:t>Table of Contents</a:t>
             </a:r>
-            <a:endParaRPr lang="he-IL" dirty="0"/>
+            <a:endParaRPr lang="he-IL" sz="4000" dirty="0">
+              <a:latin typeface="Arial" panose="020B0604020202020204" pitchFamily="34" charset="0"/>
+              <a:cs typeface="Arial" panose="020B0604020202020204" pitchFamily="34" charset="0"/>
+            </a:endParaRPr>
           </a:p>
         </p:txBody>
       </p:sp>
@@ -6502,7 +10553,7 @@
         </p:nvSpPr>
         <p:spPr>
           <a:xfrm>
-            <a:off x="1333502" y="609600"/>
+            <a:off x="1726308" y="419895"/>
             <a:ext cx="8596668" cy="1320800"/>
           </a:xfrm>
         </p:spPr>
@@ -6514,10 +10565,16 @@
           <a:p>
             <a:pPr algn="ctr" rtl="0"/>
             <a:r>
-              <a:rPr lang="en-US" dirty="0"/>
-              <a:t>introduction</a:t>
-            </a:r>
-            <a:endParaRPr lang="he-IL" dirty="0"/>
+              <a:rPr lang="en-US" sz="4000" dirty="0">
+                <a:latin typeface="Arial" panose="020B0604020202020204" pitchFamily="34" charset="0"/>
+                <a:cs typeface="Arial" panose="020B0604020202020204" pitchFamily="34" charset="0"/>
+              </a:rPr>
+              <a:t>Introduction</a:t>
+            </a:r>
+            <a:endParaRPr lang="he-IL" sz="4000" dirty="0">
+              <a:latin typeface="Arial" panose="020B0604020202020204" pitchFamily="34" charset="0"/>
+              <a:cs typeface="Arial" panose="020B0604020202020204" pitchFamily="34" charset="0"/>
+            </a:endParaRPr>
           </a:p>
         </p:txBody>
       </p:sp>
@@ -6597,8 +10654,8 @@
         </p:nvSpPr>
         <p:spPr>
           <a:xfrm>
-            <a:off x="1333502" y="2160589"/>
-            <a:ext cx="8596668" cy="3880773"/>
+            <a:off x="1383130" y="1742742"/>
+            <a:ext cx="9819603" cy="4781579"/>
           </a:xfrm>
         </p:spPr>
         <p:txBody>
@@ -6611,53 +10668,63 @@
               <a:buNone/>
             </a:pPr>
             <a:r>
-              <a:rPr lang="en-US" dirty="0"/>
+              <a:rPr lang="en-US" sz="2000" dirty="0">
+                <a:solidFill>
+                  <a:schemeClr val="tx1"/>
+                </a:solidFill>
+                <a:latin typeface="Arial" panose="020B0604020202020204" pitchFamily="34" charset="0"/>
+                <a:cs typeface="Arial" panose="020B0604020202020204" pitchFamily="34" charset="0"/>
+              </a:rPr>
               <a:t>Breast cancer is the second most diagnosed cancer worldwide. </a:t>
             </a:r>
             <a:br>
-              <a:rPr lang="en-US" dirty="0"/>
+              <a:rPr lang="en-US" sz="2000" dirty="0">
+                <a:solidFill>
+                  <a:schemeClr val="tx1"/>
+                </a:solidFill>
+                <a:latin typeface="Arial" panose="020B0604020202020204" pitchFamily="34" charset="0"/>
+                <a:cs typeface="Arial" panose="020B0604020202020204" pitchFamily="34" charset="0"/>
+              </a:rPr>
             </a:br>
+            <a:r>
+              <a:rPr lang="en-US" sz="2000" dirty="0">
+                <a:solidFill>
+                  <a:schemeClr val="tx1"/>
+                </a:solidFill>
+                <a:latin typeface="Arial" panose="020B0604020202020204" pitchFamily="34" charset="0"/>
+                <a:cs typeface="Arial" panose="020B0604020202020204" pitchFamily="34" charset="0"/>
+              </a:rPr>
+              <a:t>Breast cancer occurs in four main types: normal, benign, in-situ carcinoma and invasive carcinoma. </a:t>
+            </a:r>
             <a:br>
-              <a:rPr lang="en-US" dirty="0"/>
+              <a:rPr lang="en-US" sz="2000" dirty="0">
+                <a:solidFill>
+                  <a:schemeClr val="tx1"/>
+                </a:solidFill>
+                <a:latin typeface="Arial" panose="020B0604020202020204" pitchFamily="34" charset="0"/>
+                <a:cs typeface="Arial" panose="020B0604020202020204" pitchFamily="34" charset="0"/>
+              </a:rPr>
             </a:br>
             <a:r>
-              <a:rPr lang="en-US" dirty="0"/>
-              <a:t>Breast cancer occurs in four main types: normal, benign, in-situ carcinoma and invasive carcinoma. </a:t>
-            </a:r>
-            <a:br>
-              <a:rPr lang="en-US" dirty="0"/>
-            </a:br>
-            <a:br>
-              <a:rPr lang="en-US" dirty="0"/>
-            </a:br>
-            <a:r>
-              <a:rPr lang="en-US" dirty="0"/>
-              <a:t>Breast cancer can be diagnosed using several approaches, two of them: histopathology image analysis or mammography. </a:t>
+              <a:rPr lang="en-US" sz="2000" dirty="0">
+                <a:solidFill>
+                  <a:schemeClr val="tx1"/>
+                </a:solidFill>
+                <a:latin typeface="Arial" panose="020B0604020202020204" pitchFamily="34" charset="0"/>
+                <a:cs typeface="Arial" panose="020B0604020202020204" pitchFamily="34" charset="0"/>
+              </a:rPr>
+              <a:t>Breast cancer can be diagnosed using several approaches, two of them: histopathology image analysis or mammography. Histopathology images are microscopic images of breast tissue that are extremely useful in early treatment of the cancer.                                                                                                               Mammography is specialized medical imaging that uses a low-dose x-ray system to see inside the breasts. A mammography exam, called a mammogram, aids in the early detection and diagnosis of breast diseases in women.</a:t>
             </a:r>
           </a:p>
           <a:p>
             <a:pPr marL="0" indent="0" algn="l" rtl="0">
               <a:buNone/>
             </a:pPr>
-            <a:r>
-              <a:rPr lang="en-US" dirty="0"/>
-              <a:t>Histopathology images are microscopic images of breast tissue that are extremely useful in early treatment of the cancer.</a:t>
-            </a:r>
-          </a:p>
-          <a:p>
-            <a:pPr marL="0" indent="0" algn="l" rtl="0">
-              <a:buNone/>
-            </a:pPr>
-            <a:r>
-              <a:rPr lang="en-US" dirty="0"/>
-              <a:t>Mammography is specialized medical imaging that uses a low-dose x-ray system to see inside the breasts. A mammography exam, called a mammogram, aids in the early detection and diagnosis of breast diseases in women.</a:t>
-            </a:r>
-          </a:p>
-          <a:p>
-            <a:pPr marL="0" indent="0" algn="l" rtl="0">
-              <a:buNone/>
-            </a:pPr>
-            <a:endParaRPr lang="he-IL" dirty="0"/>
+            <a:endParaRPr lang="he-IL" dirty="0">
+              <a:solidFill>
+                <a:schemeClr val="tx1"/>
+              </a:solidFill>
+            </a:endParaRPr>
           </a:p>
         </p:txBody>
       </p:sp>
@@ -6835,7 +10902,7 @@
         </p:nvSpPr>
         <p:spPr>
           <a:xfrm>
-            <a:off x="1333502" y="609600"/>
+            <a:off x="1655474" y="467932"/>
             <a:ext cx="8596668" cy="1320800"/>
           </a:xfrm>
         </p:spPr>
@@ -6847,10 +10914,16 @@
           <a:p>
             <a:pPr algn="ctr" rtl="0"/>
             <a:r>
-              <a:rPr lang="en-US" dirty="0"/>
+              <a:rPr lang="en-US" sz="4000" dirty="0">
+                <a:latin typeface="Arial" panose="020B0604020202020204" pitchFamily="34" charset="0"/>
+                <a:cs typeface="Arial" panose="020B0604020202020204" pitchFamily="34" charset="0"/>
+              </a:rPr>
               <a:t>Breast cancer as of today</a:t>
             </a:r>
-            <a:endParaRPr lang="he-IL" dirty="0"/>
+            <a:endParaRPr lang="he-IL" sz="4000" dirty="0">
+              <a:latin typeface="Arial" panose="020B0604020202020204" pitchFamily="34" charset="0"/>
+              <a:cs typeface="Arial" panose="020B0604020202020204" pitchFamily="34" charset="0"/>
+            </a:endParaRPr>
           </a:p>
         </p:txBody>
       </p:sp>
@@ -6930,8 +11003,8 @@
         </p:nvSpPr>
         <p:spPr>
           <a:xfrm>
-            <a:off x="1333502" y="2160589"/>
-            <a:ext cx="8596668" cy="3880773"/>
+            <a:off x="1421238" y="1728888"/>
+            <a:ext cx="9529828" cy="4311045"/>
           </a:xfrm>
         </p:spPr>
         <p:txBody>
@@ -6944,42 +11017,25 @@
               <a:buNone/>
             </a:pPr>
             <a:r>
-              <a:rPr lang="en-US" dirty="0"/>
-              <a:t>In 2022, an estimated 287,500 new cases of invasive breast cancer will be diagnosed in women in the U.S. as well as 51,400 new cases of non-invasive (in situ) breast cancer.</a:t>
+              <a:rPr lang="en-US" sz="2000" dirty="0">
+                <a:solidFill>
+                  <a:schemeClr val="tx1"/>
+                </a:solidFill>
+                <a:latin typeface="Arial" panose="020B0604020202020204" pitchFamily="34" charset="0"/>
+                <a:cs typeface="Arial" panose="020B0604020202020204" pitchFamily="34" charset="0"/>
+              </a:rPr>
+              <a:t>In 2022, an estimated 287,500 new cases of invasive breast cancer will be diagnosed in women in the U.S. as well as 51,400 new cases of non-invasive (in situ) breast cancer.                                                                                                 65% of breast cancer cases are diagnosed at a localized stage (there is no sign that the cancer has spread outside of the breast), for which the 5-year relative survival rate is 99%.                                                                                               Although rare, men get breast cancer too. In 2022, an estimated 2,710 men will be diagnosed with breast cancer in the U.S. and approximately 530 men will die from breast cancer.                                                                                                       Breast cancer is the most common cancer in American women, except for skin cancers. It is estimated that in 2022, approximately 30% of all new women cancer diagnoses will be breast cancer.</a:t>
             </a:r>
           </a:p>
           <a:p>
             <a:pPr marL="0" indent="0" algn="l" rtl="0">
               <a:buNone/>
             </a:pPr>
-            <a:r>
-              <a:rPr lang="en-US" dirty="0"/>
-              <a:t>65% of breast cancer cases are diagnosed at a localized stage (there is no sign that the cancer has spread outside of the breast), for which the 5-year relative survival rate is 99%.</a:t>
-            </a:r>
-          </a:p>
-          <a:p>
-            <a:pPr marL="0" indent="0" algn="l" rtl="0">
-              <a:buNone/>
-            </a:pPr>
-            <a:r>
-              <a:rPr lang="en-US" dirty="0"/>
-              <a:t>Although rare, men get breast cancer too. In 2022, an estimated 2,710 men will be diagnosed with breast cancer in the U.S. and approximately 530 men will die from breast cancer.</a:t>
-            </a:r>
-          </a:p>
-          <a:p>
-            <a:pPr marL="0" indent="0" algn="l" rtl="0">
-              <a:buNone/>
-            </a:pPr>
-            <a:r>
-              <a:rPr lang="en-US" dirty="0"/>
-              <a:t>Breast cancer is the most common cancer in American women, except for skin cancers. It is estimated that in 2022, approximately 30% of all new women cancer diagnoses will be breast cancer.</a:t>
-            </a:r>
-          </a:p>
-          <a:p>
-            <a:pPr marL="0" indent="0" algn="l" rtl="0">
-              <a:buNone/>
-            </a:pPr>
-            <a:endParaRPr lang="he-IL" dirty="0"/>
+            <a:endParaRPr lang="he-IL" dirty="0">
+              <a:solidFill>
+                <a:schemeClr val="tx1"/>
+              </a:solidFill>
+            </a:endParaRPr>
           </a:p>
         </p:txBody>
       </p:sp>
@@ -7157,7 +11213,7 @@
         </p:nvSpPr>
         <p:spPr>
           <a:xfrm>
-            <a:off x="1333502" y="609600"/>
+            <a:off x="1661912" y="377780"/>
             <a:ext cx="8596668" cy="1320800"/>
           </a:xfrm>
         </p:spPr>
@@ -7177,12 +11233,17 @@
               <a:buNone/>
             </a:pPr>
             <a:r>
-              <a:rPr lang="en-US" dirty="0">
+              <a:rPr lang="en-US" sz="4000" dirty="0">
+                <a:latin typeface="Arial" panose="020B0604020202020204" pitchFamily="34" charset="0"/>
+                <a:cs typeface="Arial" panose="020B0604020202020204" pitchFamily="34" charset="0"/>
                 <a:sym typeface="Arial"/>
               </a:rPr>
               <a:t>Motivation</a:t>
             </a:r>
-            <a:endParaRPr lang="en-US" dirty="0"/>
+            <a:endParaRPr lang="en-US" sz="4000" dirty="0">
+              <a:latin typeface="Arial" panose="020B0604020202020204" pitchFamily="34" charset="0"/>
+              <a:cs typeface="Arial" panose="020B0604020202020204" pitchFamily="34" charset="0"/>
+            </a:endParaRPr>
           </a:p>
         </p:txBody>
       </p:sp>
@@ -7262,13 +11323,13 @@
         </p:nvSpPr>
         <p:spPr>
           <a:xfrm>
-            <a:off x="1333502" y="2160589"/>
-            <a:ext cx="8596668" cy="3880773"/>
+            <a:off x="1041042" y="1313645"/>
+            <a:ext cx="10485550" cy="5544355"/>
           </a:xfrm>
         </p:spPr>
         <p:txBody>
           <a:bodyPr>
-            <a:normAutofit lnSpcReduction="10000"/>
+            <a:noAutofit/>
           </a:bodyPr>
           <a:lstStyle/>
           <a:p>
@@ -7276,128 +11337,186 @@
               <a:buNone/>
             </a:pPr>
             <a:r>
-              <a:rPr lang="en-US" sz="1800" dirty="0">
+              <a:rPr lang="en-US" sz="2000" dirty="0">
+                <a:solidFill>
+                  <a:schemeClr val="tx1"/>
+                </a:solidFill>
                 <a:effectLst/>
                 <a:latin typeface="Arial" panose="020B0604020202020204" pitchFamily="34" charset="0"/>
                 <a:ea typeface="Calibri" panose="020F0502020204030204" pitchFamily="34" charset="0"/>
+                <a:cs typeface="Arial" panose="020B0604020202020204" pitchFamily="34" charset="0"/>
               </a:rPr>
-              <a:t>we expect to build a system that classify if a patient has breast cancer                based on mammography and histopathological imaging with higher accuracy than the automatic classifications of today.</a:t>
-            </a:r>
+              <a:t>we expect to build a system that classify if a patient has breast cancer based on mammography and histopathological imaging with higher accuracy than the automatic classifications of today.</a:t>
+            </a:r>
+          </a:p>
+          <a:p>
+            <a:pPr marL="0" indent="0" algn="l" rtl="0">
+              <a:buNone/>
+            </a:pPr>
             <a:br>
-              <a:rPr lang="en-US" sz="1800" dirty="0">
+              <a:rPr lang="en-US" sz="2000" dirty="0">
+                <a:solidFill>
+                  <a:schemeClr val="tx1"/>
+                </a:solidFill>
                 <a:effectLst/>
                 <a:latin typeface="Arial" panose="020B0604020202020204" pitchFamily="34" charset="0"/>
                 <a:ea typeface="Calibri" panose="020F0502020204030204" pitchFamily="34" charset="0"/>
+                <a:cs typeface="Arial" panose="020B0604020202020204" pitchFamily="34" charset="0"/>
               </a:rPr>
             </a:br>
-            <a:br>
-              <a:rPr lang="en-US" sz="1800" dirty="0">
+            <a:r>
+              <a:rPr lang="en-US" sz="2000" b="1" dirty="0">
+                <a:solidFill>
+                  <a:schemeClr val="tx1"/>
+                </a:solidFill>
                 <a:effectLst/>
                 <a:latin typeface="Arial" panose="020B0604020202020204" pitchFamily="34" charset="0"/>
                 <a:ea typeface="Calibri" panose="020F0502020204030204" pitchFamily="34" charset="0"/>
+                <a:cs typeface="Arial" panose="020B0604020202020204" pitchFamily="34" charset="0"/>
               </a:rPr>
-            </a:br>
-            <a:r>
-              <a:rPr lang="en-US" sz="1800" dirty="0">
+              <a:t>Early detection using automated classification tool can bring about these aspects:</a:t>
+            </a:r>
+            <a:endParaRPr lang="en-US" sz="2000" dirty="0">
+              <a:solidFill>
+                <a:schemeClr val="tx1"/>
+              </a:solidFill>
+              <a:latin typeface="Arial" panose="020B0604020202020204" pitchFamily="34" charset="0"/>
+              <a:ea typeface="Calibri" panose="020F0502020204030204" pitchFamily="34" charset="0"/>
+              <a:cs typeface="Arial" panose="020B0604020202020204" pitchFamily="34" charset="0"/>
+            </a:endParaRPr>
+          </a:p>
+          <a:p>
+            <a:pPr algn="l" rtl="0">
+              <a:buSzPct val="140000"/>
+              <a:buFont typeface="Arial" panose="020B0604020202020204" pitchFamily="34" charset="0"/>
+              <a:buChar char="•"/>
+            </a:pPr>
+            <a:r>
+              <a:rPr lang="en-US" sz="2000" dirty="0">
+                <a:solidFill>
+                  <a:schemeClr val="tx1"/>
+                </a:solidFill>
                 <a:effectLst/>
                 <a:latin typeface="Arial" panose="020B0604020202020204" pitchFamily="34" charset="0"/>
                 <a:ea typeface="Calibri" panose="020F0502020204030204" pitchFamily="34" charset="0"/>
+                <a:cs typeface="Arial" panose="020B0604020202020204" pitchFamily="34" charset="0"/>
               </a:rPr>
-              <a:t>Early detection using automated classification tool can bring about these aspects:</a:t>
-            </a:r>
-            <a:br>
-              <a:rPr lang="en-US" sz="1800" dirty="0">
+              <a:t>earlier detection can drastically improv the patient's survival chances.</a:t>
+            </a:r>
+          </a:p>
+          <a:p>
+            <a:pPr algn="l" rtl="0">
+              <a:buSzPct val="140000"/>
+              <a:buFont typeface="Arial" panose="020B0604020202020204" pitchFamily="34" charset="0"/>
+              <a:buChar char="•"/>
+            </a:pPr>
+            <a:r>
+              <a:rPr lang="en-US" sz="2000" dirty="0">
+                <a:solidFill>
+                  <a:schemeClr val="tx1"/>
+                </a:solidFill>
                 <a:effectLst/>
                 <a:latin typeface="Arial" panose="020B0604020202020204" pitchFamily="34" charset="0"/>
                 <a:ea typeface="Calibri" panose="020F0502020204030204" pitchFamily="34" charset="0"/>
+                <a:cs typeface="Arial" panose="020B0604020202020204" pitchFamily="34" charset="0"/>
               </a:rPr>
-            </a:br>
-            <a:br>
-              <a:rPr lang="en-US" sz="1800" dirty="0">
+              <a:t>waiting time for a diagnosis will be reduced and patient can get treatment earlier.</a:t>
+            </a:r>
+          </a:p>
+          <a:p>
+            <a:pPr algn="l" rtl="0">
+              <a:buSzPct val="140000"/>
+              <a:buFont typeface="Arial" panose="020B0604020202020204" pitchFamily="34" charset="0"/>
+              <a:buChar char="•"/>
+            </a:pPr>
+            <a:r>
+              <a:rPr lang="en-US" sz="2000" dirty="0">
+                <a:solidFill>
+                  <a:schemeClr val="tx1"/>
+                </a:solidFill>
                 <a:effectLst/>
                 <a:latin typeface="Arial" panose="020B0604020202020204" pitchFamily="34" charset="0"/>
                 <a:ea typeface="Calibri" panose="020F0502020204030204" pitchFamily="34" charset="0"/>
+                <a:cs typeface="Arial" panose="020B0604020202020204" pitchFamily="34" charset="0"/>
               </a:rPr>
-            </a:br>
-            <a:r>
-              <a:rPr lang="en-US" sz="1400" dirty="0">
+              <a:t>in places where there is shortage of specialist doctors, our system classify both on  mammography and histopathology as at risk for cancer, and the patient will be considered more urgent for diagnose of a specialist doctor.</a:t>
+            </a:r>
+          </a:p>
+          <a:p>
+            <a:pPr marL="0" indent="0" algn="l" rtl="0">
+              <a:buSzPct val="120000"/>
+              <a:buNone/>
+            </a:pPr>
+            <a:br>
+              <a:rPr lang="en-US" sz="2000" dirty="0">
+                <a:solidFill>
+                  <a:schemeClr val="tx1"/>
+                </a:solidFill>
                 <a:effectLst/>
                 <a:latin typeface="Arial" panose="020B0604020202020204" pitchFamily="34" charset="0"/>
                 <a:ea typeface="Calibri" panose="020F0502020204030204" pitchFamily="34" charset="0"/>
-              </a:rPr>
-              <a:t>earlier detection can drastically improv the patient's survival chances</a:t>
-            </a:r>
-            <a:br>
-              <a:rPr lang="en-US" sz="1400" dirty="0">
-                <a:effectLst/>
-                <a:latin typeface="Arial" panose="020B0604020202020204" pitchFamily="34" charset="0"/>
-                <a:ea typeface="Calibri" panose="020F0502020204030204" pitchFamily="34" charset="0"/>
+                <a:cs typeface="Arial" panose="020B0604020202020204" pitchFamily="34" charset="0"/>
               </a:rPr>
             </a:br>
-            <a:br>
-              <a:rPr lang="en-US" sz="1400" dirty="0">
-                <a:effectLst/>
+            <a:r>
+              <a:rPr lang="en-US" sz="2000" dirty="0">
+                <a:solidFill>
+                  <a:schemeClr val="tx1"/>
+                </a:solidFill>
                 <a:latin typeface="Arial" panose="020B0604020202020204" pitchFamily="34" charset="0"/>
-                <a:ea typeface="Calibri" panose="020F0502020204030204" pitchFamily="34" charset="0"/>
+                <a:cs typeface="Arial" panose="020B0604020202020204" pitchFamily="34" charset="0"/>
               </a:rPr>
-            </a:br>
-            <a:r>
-              <a:rPr lang="en-US" sz="1400" dirty="0">
-                <a:effectLst/>
+              <a:t>We will use the </a:t>
+            </a:r>
+            <a:r>
+              <a:rPr lang="en-US" sz="2000" dirty="0" err="1">
+                <a:solidFill>
+                  <a:schemeClr val="tx1"/>
+                </a:solidFill>
                 <a:latin typeface="Arial" panose="020B0604020202020204" pitchFamily="34" charset="0"/>
-                <a:ea typeface="Calibri" panose="020F0502020204030204" pitchFamily="34" charset="0"/>
+                <a:cs typeface="Arial" panose="020B0604020202020204" pitchFamily="34" charset="0"/>
               </a:rPr>
-              <a:t>waiting time for a diagnosis will be reduced and patient can get treatment earlier.</a:t>
-            </a:r>
-            <a:br>
-              <a:rPr lang="en-US" sz="1400" dirty="0">
-                <a:effectLst/>
+              <a:t>BreakHis</a:t>
+            </a:r>
+            <a:r>
+              <a:rPr lang="en-US" sz="2000" dirty="0">
+                <a:solidFill>
+                  <a:schemeClr val="tx1"/>
+                </a:solidFill>
                 <a:latin typeface="Arial" panose="020B0604020202020204" pitchFamily="34" charset="0"/>
-                <a:ea typeface="Calibri" panose="020F0502020204030204" pitchFamily="34" charset="0"/>
+                <a:cs typeface="Arial" panose="020B0604020202020204" pitchFamily="34" charset="0"/>
               </a:rPr>
-            </a:br>
-            <a:br>
-              <a:rPr lang="en-US" sz="1400" dirty="0">
-                <a:effectLst/>
+              <a:t> (Histopathology) and RSNA Screening mammography dataset to research 2 CNN architectures (</a:t>
+            </a:r>
+            <a:r>
+              <a:rPr lang="en-US" sz="2000" dirty="0" err="1">
+                <a:solidFill>
+                  <a:schemeClr val="tx1"/>
+                </a:solidFill>
                 <a:latin typeface="Arial" panose="020B0604020202020204" pitchFamily="34" charset="0"/>
-                <a:ea typeface="Calibri" panose="020F0502020204030204" pitchFamily="34" charset="0"/>
+                <a:cs typeface="Arial" panose="020B0604020202020204" pitchFamily="34" charset="0"/>
               </a:rPr>
-            </a:br>
-            <a:r>
-              <a:rPr lang="en-US" sz="1400" dirty="0">
-                <a:effectLst/>
+              <a:t>DenseNet</a:t>
+            </a:r>
+            <a:r>
+              <a:rPr lang="en-US" sz="2000" dirty="0">
+                <a:solidFill>
+                  <a:schemeClr val="tx1"/>
+                </a:solidFill>
                 <a:latin typeface="Arial" panose="020B0604020202020204" pitchFamily="34" charset="0"/>
-                <a:ea typeface="Calibri" panose="020F0502020204030204" pitchFamily="34" charset="0"/>
+                <a:cs typeface="Arial" panose="020B0604020202020204" pitchFamily="34" charset="0"/>
               </a:rPr>
-              <a:t>in places where there is shortage of specialist doctors, our system classify both on mammography and histopathology as at risk for cancer, and the patient will be considered more urgent for diagnose of a specialist doctor.</a:t>
-            </a:r>
-            <a:br>
-              <a:rPr lang="en-US" sz="1400" dirty="0">
-                <a:effectLst/>
-                <a:latin typeface="Arial" panose="020B0604020202020204" pitchFamily="34" charset="0"/>
-                <a:ea typeface="Calibri" panose="020F0502020204030204" pitchFamily="34" charset="0"/>
-              </a:rPr>
-            </a:br>
-            <a:br>
-              <a:rPr lang="en-US" sz="1400" dirty="0">
-                <a:effectLst/>
-                <a:latin typeface="Arial" panose="020B0604020202020204" pitchFamily="34" charset="0"/>
-                <a:ea typeface="Calibri" panose="020F0502020204030204" pitchFamily="34" charset="0"/>
-              </a:rPr>
-            </a:br>
-            <a:r>
-              <a:rPr lang="en-US" sz="1400" dirty="0">
-                <a:latin typeface="Arial" panose="020B0604020202020204" pitchFamily="34" charset="0"/>
-                <a:ea typeface="Calibri" panose="020F0502020204030204" pitchFamily="34" charset="0"/>
-              </a:rPr>
-              <a:t>We will use the BreakHis (Histopathology) and RSNA Screening mammography dataset to research 2 CNN architectures (DenseNet, Inception V4) while testing different hyperparameters to maximize our accuracy of breast cancer detection.</a:t>
+              <a:t>, Inception V4) while testing different hyperparameters to maximize our accuracy of breast cancer detection.</a:t>
             </a:r>
           </a:p>
           <a:p>
             <a:pPr marL="0" indent="0" algn="l" rtl="0">
               <a:buNone/>
             </a:pPr>
-            <a:endParaRPr lang="en-US" sz="1400" dirty="0">
+            <a:endParaRPr lang="en-US" sz="2000" dirty="0">
+              <a:solidFill>
+                <a:schemeClr val="tx1"/>
+              </a:solidFill>
               <a:effectLst/>
               <a:latin typeface="Arial" panose="020B0604020202020204" pitchFamily="34" charset="0"/>
               <a:ea typeface="Calibri" panose="020F0502020204030204" pitchFamily="34" charset="0"/>
@@ -7407,7 +11526,11 @@
             <a:pPr marL="0" indent="0" algn="l" rtl="0">
               <a:buNone/>
             </a:pPr>
-            <a:endParaRPr lang="he-IL" dirty="0"/>
+            <a:endParaRPr lang="he-IL" sz="2000" dirty="0">
+              <a:solidFill>
+                <a:schemeClr val="tx1"/>
+              </a:solidFill>
+            </a:endParaRPr>
           </a:p>
         </p:txBody>
       </p:sp>
@@ -7585,8 +11708,8 @@
         </p:nvSpPr>
         <p:spPr>
           <a:xfrm>
-            <a:off x="1333502" y="609600"/>
-            <a:ext cx="8596668" cy="1320800"/>
+            <a:off x="1681231" y="419895"/>
+            <a:ext cx="8596668" cy="1177085"/>
           </a:xfrm>
         </p:spPr>
         <p:txBody>
@@ -7597,10 +11720,16 @@
           <a:p>
             <a:pPr algn="ctr" rtl="0"/>
             <a:r>
-              <a:rPr lang="en-US" dirty="0"/>
+              <a:rPr lang="en-US" sz="4000" dirty="0">
+                <a:latin typeface="Arial" panose="020B0604020202020204" pitchFamily="34" charset="0"/>
+                <a:cs typeface="Arial" panose="020B0604020202020204" pitchFamily="34" charset="0"/>
+              </a:rPr>
               <a:t>CNN</a:t>
             </a:r>
-            <a:endParaRPr lang="he-IL" dirty="0"/>
+            <a:endParaRPr lang="he-IL" sz="4000" dirty="0">
+              <a:latin typeface="Arial" panose="020B0604020202020204" pitchFamily="34" charset="0"/>
+              <a:cs typeface="Arial" panose="020B0604020202020204" pitchFamily="34" charset="0"/>
+            </a:endParaRPr>
           </a:p>
         </p:txBody>
       </p:sp>
@@ -7680,13 +11809,13 @@
         </p:nvSpPr>
         <p:spPr>
           <a:xfrm>
-            <a:off x="1333502" y="2160589"/>
-            <a:ext cx="8596668" cy="3880773"/>
+            <a:off x="1249788" y="1326524"/>
+            <a:ext cx="9954831" cy="5215943"/>
           </a:xfrm>
         </p:spPr>
         <p:txBody>
           <a:bodyPr>
-            <a:normAutofit fontScale="92500" lnSpcReduction="10000"/>
+            <a:normAutofit/>
           </a:bodyPr>
           <a:lstStyle/>
           <a:p>
@@ -7694,46 +11823,49 @@
               <a:buNone/>
             </a:pPr>
             <a:r>
-              <a:rPr lang="en-US" dirty="0"/>
-              <a:t> </a:t>
-            </a:r>
-            <a:r>
-              <a:rPr lang="en-US" sz="1800" dirty="0">
-                <a:solidFill>
-                  <a:srgbClr val="000000"/>
+              <a:rPr lang="en-US" sz="2000" dirty="0">
+                <a:solidFill>
+                  <a:schemeClr val="tx1"/>
                 </a:solidFill>
                 <a:effectLst/>
                 <a:latin typeface="Arial" panose="020B0604020202020204" pitchFamily="34" charset="0"/>
                 <a:ea typeface="Calibri" panose="020F0502020204030204" pitchFamily="34" charset="0"/>
+                <a:cs typeface="Arial" panose="020B0604020202020204" pitchFamily="34" charset="0"/>
               </a:rPr>
               <a:t>Convolutional neural networks are a specialized type of artificial neural networks that use a mathematical operation called convolution in place of general matrix multiplication in at least one of their layers. </a:t>
             </a:r>
             <a:br>
-              <a:rPr lang="en-US" sz="1800" dirty="0">
-                <a:solidFill>
-                  <a:srgbClr val="000000"/>
+              <a:rPr lang="en-US" sz="2000" dirty="0">
+                <a:solidFill>
+                  <a:schemeClr val="tx1"/>
                 </a:solidFill>
                 <a:effectLst/>
                 <a:latin typeface="Arial" panose="020B0604020202020204" pitchFamily="34" charset="0"/>
                 <a:ea typeface="Calibri" panose="020F0502020204030204" pitchFamily="34" charset="0"/>
+                <a:cs typeface="Arial" panose="020B0604020202020204" pitchFamily="34" charset="0"/>
               </a:rPr>
             </a:br>
             <a:r>
-              <a:rPr lang="en-US" sz="1800" dirty="0">
-                <a:solidFill>
-                  <a:srgbClr val="000000"/>
+              <a:rPr lang="en-US" sz="2000" dirty="0">
+                <a:solidFill>
+                  <a:schemeClr val="tx1"/>
                 </a:solidFill>
                 <a:effectLst/>
                 <a:latin typeface="Arial" panose="020B0604020202020204" pitchFamily="34" charset="0"/>
                 <a:ea typeface="Calibri" panose="020F0502020204030204" pitchFamily="34" charset="0"/>
+                <a:cs typeface="Arial" panose="020B0604020202020204" pitchFamily="34" charset="0"/>
               </a:rPr>
               <a:t>They are specifically designed to process pixel data and are used in image recognition and processing</a:t>
             </a:r>
             <a:r>
-              <a:rPr lang="en-US" sz="1800" dirty="0">
+              <a:rPr lang="en-US" sz="2000" dirty="0">
+                <a:solidFill>
+                  <a:schemeClr val="tx1"/>
+                </a:solidFill>
                 <a:effectLst/>
                 <a:latin typeface="Arial" panose="020B0604020202020204" pitchFamily="34" charset="0"/>
                 <a:ea typeface="Times New Roman" panose="02020603050405020304" pitchFamily="18" charset="0"/>
+                <a:cs typeface="Arial" panose="020B0604020202020204" pitchFamily="34" charset="0"/>
               </a:rPr>
               <a:t>.</a:t>
             </a:r>
@@ -7743,80 +11875,95 @@
               <a:buNone/>
             </a:pPr>
             <a:r>
-              <a:rPr lang="en-US" dirty="0">
+              <a:rPr lang="en-US" sz="2000" b="1" dirty="0">
+                <a:solidFill>
+                  <a:schemeClr val="tx1"/>
+                </a:solidFill>
                 <a:latin typeface="Arial" panose="020B0604020202020204" pitchFamily="34" charset="0"/>
+                <a:cs typeface="Arial" panose="020B0604020202020204" pitchFamily="34" charset="0"/>
               </a:rPr>
               <a:t>There are usually 3 types of layers  in CNNs:</a:t>
             </a:r>
+          </a:p>
+          <a:p>
+            <a:pPr algn="l" rtl="0">
+              <a:buSzPct val="140000"/>
+              <a:buFont typeface="Arial" panose="020B0604020202020204" pitchFamily="34" charset="0"/>
+              <a:buChar char="•"/>
+            </a:pPr>
+            <a:r>
+              <a:rPr lang="en-US" sz="2000" dirty="0">
+                <a:solidFill>
+                  <a:schemeClr val="tx1"/>
+                </a:solidFill>
+                <a:latin typeface="Arial" panose="020B0604020202020204" pitchFamily="34" charset="0"/>
+                <a:cs typeface="Arial" panose="020B0604020202020204" pitchFamily="34" charset="0"/>
+              </a:rPr>
+              <a:t>convolution layer -  Its purpose is to extract features from the image.</a:t>
+            </a:r>
             <a:br>
-              <a:rPr lang="en-US" dirty="0">
+              <a:rPr lang="en-US" sz="2000" dirty="0">
+                <a:solidFill>
+                  <a:schemeClr val="tx1"/>
+                </a:solidFill>
                 <a:latin typeface="Arial" panose="020B0604020202020204" pitchFamily="34" charset="0"/>
+                <a:cs typeface="Arial" panose="020B0604020202020204" pitchFamily="34" charset="0"/>
               </a:rPr>
             </a:br>
-            <a:br>
-              <a:rPr lang="en-US" dirty="0">
+            <a:r>
+              <a:rPr lang="en-US" sz="2000" dirty="0">
+                <a:solidFill>
+                  <a:schemeClr val="tx1"/>
+                </a:solidFill>
                 <a:latin typeface="Arial" panose="020B0604020202020204" pitchFamily="34" charset="0"/>
+                <a:cs typeface="Arial" panose="020B0604020202020204" pitchFamily="34" charset="0"/>
               </a:rPr>
-            </a:br>
-            <a:r>
-              <a:rPr lang="en-US" dirty="0">
+              <a:t>applying a filter on an input, passing the result to the next layer (feature maps).</a:t>
+            </a:r>
+          </a:p>
+          <a:p>
+            <a:pPr algn="l" rtl="0">
+              <a:buSzPct val="140000"/>
+              <a:buFont typeface="Arial" panose="020B0604020202020204" pitchFamily="34" charset="0"/>
+              <a:buChar char="•"/>
+            </a:pPr>
+            <a:r>
+              <a:rPr lang="en-US" sz="2000" dirty="0">
+                <a:solidFill>
+                  <a:schemeClr val="tx1"/>
+                </a:solidFill>
                 <a:latin typeface="Arial" panose="020B0604020202020204" pitchFamily="34" charset="0"/>
+                <a:cs typeface="Arial" panose="020B0604020202020204" pitchFamily="34" charset="0"/>
               </a:rPr>
-              <a:t>convolution layer -  Its purpose is to extract features from the image.</a:t>
-            </a:r>
-            <a:br>
-              <a:rPr lang="en-US" dirty="0">
+              <a:t>pooling layers – Pooling layers reduce the dimensions of data by combining the outputs of neuron clusters at one layer into a single neuron in the next layer.?  </a:t>
+            </a:r>
+          </a:p>
+          <a:p>
+            <a:pPr algn="l" rtl="0">
+              <a:buSzPct val="140000"/>
+              <a:buFont typeface="Arial" panose="020B0604020202020204" pitchFamily="34" charset="0"/>
+              <a:buChar char="•"/>
+            </a:pPr>
+            <a:r>
+              <a:rPr lang="en-US" sz="2000" dirty="0">
+                <a:solidFill>
+                  <a:schemeClr val="tx1"/>
+                </a:solidFill>
                 <a:latin typeface="Arial" panose="020B0604020202020204" pitchFamily="34" charset="0"/>
+                <a:cs typeface="Arial" panose="020B0604020202020204" pitchFamily="34" charset="0"/>
               </a:rPr>
-            </a:br>
-            <a:r>
-              <a:rPr lang="en-US" dirty="0">
-                <a:latin typeface="Arial" panose="020B0604020202020204" pitchFamily="34" charset="0"/>
-              </a:rPr>
-              <a:t>applying a filter on an input, passing the result to the next layer (feature maps). </a:t>
+              <a:t>fully connected layer - maps the extracted features into final output, They come as the last layers after convolution and pooling and these layers take the output of previous layers to classify the output.?</a:t>
             </a:r>
           </a:p>
           <a:p>
             <a:pPr marL="0" indent="0" algn="l" rtl="0">
               <a:buNone/>
             </a:pPr>
-            <a:r>
-              <a:rPr lang="en-US" dirty="0">
-                <a:latin typeface="Arial" panose="020B0604020202020204" pitchFamily="34" charset="0"/>
-              </a:rPr>
-              <a:t>pooling layers – Pooling layers reduce the dimensions of data by combining the outputs of neuron clusters at one layer into a single neuron in the next layer.?</a:t>
-            </a:r>
-            <a:br>
-              <a:rPr lang="en-US" dirty="0">
-                <a:latin typeface="Arial" panose="020B0604020202020204" pitchFamily="34" charset="0"/>
-              </a:rPr>
-            </a:br>
-            <a:br>
-              <a:rPr lang="en-US" dirty="0">
-                <a:latin typeface="Arial" panose="020B0604020202020204" pitchFamily="34" charset="0"/>
-              </a:rPr>
-            </a:br>
-            <a:r>
-              <a:rPr lang="en-US" dirty="0">
-                <a:latin typeface="Arial" panose="020B0604020202020204" pitchFamily="34" charset="0"/>
-              </a:rPr>
-              <a:t>fully connected layer - maps the extracted features into final output, They come as the last layers after convolution and pooling and these layers take the output of previous layers to classify </a:t>
-            </a:r>
-            <a:r>
-              <a:rPr lang="en-US">
-                <a:latin typeface="Arial" panose="020B0604020202020204" pitchFamily="34" charset="0"/>
-              </a:rPr>
-              <a:t>the output.?</a:t>
-            </a:r>
-            <a:endParaRPr lang="en-US" dirty="0">
-              <a:latin typeface="Arial" panose="020B0604020202020204" pitchFamily="34" charset="0"/>
+            <a:endParaRPr lang="he-IL" dirty="0">
+              <a:solidFill>
+                <a:schemeClr val="tx1"/>
+              </a:solidFill>
             </a:endParaRPr>
-          </a:p>
-          <a:p>
-            <a:pPr marL="0" indent="0" algn="l" rtl="0">
-              <a:buNone/>
-            </a:pPr>
-            <a:endParaRPr lang="he-IL" dirty="0"/>
           </a:p>
         </p:txBody>
       </p:sp>
@@ -7882,6 +12029,1636 @@
     <p:extLst>
       <p:ext uri="{BB962C8B-B14F-4D97-AF65-F5344CB8AC3E}">
         <p14:creationId xmlns:p14="http://schemas.microsoft.com/office/powerpoint/2010/main" val="3060536788"/>
+      </p:ext>
+    </p:extLst>
+  </p:cSld>
+  <p:clrMapOvr>
+    <a:masterClrMapping/>
+  </p:clrMapOvr>
+</p:sld>
+</file>
+
+<file path=ppt/slides/slide7.xml><?xml version="1.0" encoding="utf-8"?>
+<p:sld xmlns:a="http://schemas.openxmlformats.org/drawingml/2006/main" xmlns:r="http://schemas.openxmlformats.org/officeDocument/2006/relationships" xmlns:p="http://schemas.openxmlformats.org/presentationml/2006/main">
+  <p:cSld>
+    <p:bg>
+      <p:bgPr>
+        <a:solidFill>
+          <a:schemeClr val="bg1"/>
+        </a:solidFill>
+        <a:effectLst/>
+      </p:bgPr>
+    </p:bg>
+    <p:spTree>
+      <p:nvGrpSpPr>
+        <p:cNvPr id="1" name=""/>
+        <p:cNvGrpSpPr/>
+        <p:nvPr/>
+      </p:nvGrpSpPr>
+      <p:grpSpPr>
+        <a:xfrm>
+          <a:off x="0" y="0"/>
+          <a:ext cx="0" cy="0"/>
+          <a:chOff x="0" y="0"/>
+          <a:chExt cx="0" cy="0"/>
+        </a:xfrm>
+      </p:grpSpPr>
+      <p:sp useBgFill="1">
+        <p:nvSpPr>
+          <p:cNvPr id="33" name="Rectangle 32">
+            <a:extLst>
+              <a:ext uri="{FF2B5EF4-FFF2-40B4-BE49-F238E27FC236}">
+                <a16:creationId xmlns:a16="http://schemas.microsoft.com/office/drawing/2014/main" id="{E80B86A7-A1EC-475B-9166-88902B033A38}"/>
+              </a:ext>
+              <a:ext uri="{C183D7F6-B498-43B3-948B-1728B52AA6E4}">
+                <adec:decorative xmlns:adec="http://schemas.microsoft.com/office/drawing/2017/decorative" val="1"/>
+              </a:ext>
+            </a:extLst>
+          </p:cNvPr>
+          <p:cNvSpPr>
+            <a:spLocks noGrp="1" noRot="1" noChangeAspect="1" noMove="1" noResize="1" noEditPoints="1" noAdjustHandles="1" noChangeArrowheads="1" noChangeShapeType="1" noTextEdit="1"/>
+          </p:cNvSpPr>
+          <p:nvPr>
+            <p:extLst>
+              <p:ext uri="{386F3935-93C4-4BCD-93E2-E3B085C9AB24}">
+                <p16:designElem xmlns:p16="http://schemas.microsoft.com/office/powerpoint/2015/main" val="1"/>
+              </p:ext>
+            </p:extLst>
+          </p:nvPr>
+        </p:nvSpPr>
+        <p:spPr>
+          <a:xfrm>
+            <a:off x="0" y="0"/>
+            <a:ext cx="12192000" cy="6858000"/>
+          </a:xfrm>
+          <a:prstGeom prst="rect">
+            <a:avLst/>
+          </a:prstGeom>
+          <a:ln>
+            <a:noFill/>
+          </a:ln>
+        </p:spPr>
+        <p:style>
+          <a:lnRef idx="2">
+            <a:schemeClr val="accent1">
+              <a:shade val="50000"/>
+            </a:schemeClr>
+          </a:lnRef>
+          <a:fillRef idx="1">
+            <a:schemeClr val="accent1"/>
+          </a:fillRef>
+          <a:effectRef idx="0">
+            <a:schemeClr val="accent1"/>
+          </a:effectRef>
+          <a:fontRef idx="minor">
+            <a:schemeClr val="lt1"/>
+          </a:fontRef>
+        </p:style>
+        <p:txBody>
+          <a:bodyPr rtlCol="0" anchor="ctr"/>
+          <a:lstStyle/>
+          <a:p>
+            <a:pPr algn="ctr"/>
+            <a:endParaRPr lang="en-US"/>
+          </a:p>
+        </p:txBody>
+      </p:sp>
+      <p:sp>
+        <p:nvSpPr>
+          <p:cNvPr id="2" name="כותרת 1">
+            <a:extLst>
+              <a:ext uri="{FF2B5EF4-FFF2-40B4-BE49-F238E27FC236}">
+                <a16:creationId xmlns:a16="http://schemas.microsoft.com/office/drawing/2014/main" id="{1ACC9094-DF10-FE2C-933F-47FB37C8A6AB}"/>
+              </a:ext>
+            </a:extLst>
+          </p:cNvPr>
+          <p:cNvSpPr>
+            <a:spLocks noGrp="1"/>
+          </p:cNvSpPr>
+          <p:nvPr>
+            <p:ph type="title"/>
+          </p:nvPr>
+        </p:nvSpPr>
+        <p:spPr>
+          <a:xfrm>
+            <a:off x="1681231" y="419895"/>
+            <a:ext cx="8596668" cy="1177085"/>
+          </a:xfrm>
+        </p:spPr>
+        <p:txBody>
+          <a:bodyPr>
+            <a:normAutofit/>
+          </a:bodyPr>
+          <a:lstStyle/>
+          <a:p>
+            <a:pPr algn="ctr" rtl="0"/>
+            <a:r>
+              <a:rPr lang="en-US" sz="4000" dirty="0" err="1">
+                <a:latin typeface="Arial" panose="020B0604020202020204" pitchFamily="34" charset="0"/>
+                <a:cs typeface="Arial" panose="020B0604020202020204" pitchFamily="34" charset="0"/>
+              </a:rPr>
+              <a:t>DenseNet</a:t>
+            </a:r>
+            <a:endParaRPr lang="he-IL" sz="4000" dirty="0">
+              <a:latin typeface="Arial" panose="020B0604020202020204" pitchFamily="34" charset="0"/>
+              <a:cs typeface="Arial" panose="020B0604020202020204" pitchFamily="34" charset="0"/>
+            </a:endParaRPr>
+          </a:p>
+        </p:txBody>
+      </p:sp>
+      <p:sp>
+        <p:nvSpPr>
+          <p:cNvPr id="35" name="Isosceles Triangle 34">
+            <a:extLst>
+              <a:ext uri="{FF2B5EF4-FFF2-40B4-BE49-F238E27FC236}">
+                <a16:creationId xmlns:a16="http://schemas.microsoft.com/office/drawing/2014/main" id="{C2C29CB1-9F74-4879-A6AF-AEA67B6F1F4D}"/>
+              </a:ext>
+              <a:ext uri="{C183D7F6-B498-43B3-948B-1728B52AA6E4}">
+                <adec:decorative xmlns:adec="http://schemas.microsoft.com/office/drawing/2017/decorative" val="1"/>
+              </a:ext>
+            </a:extLst>
+          </p:cNvPr>
+          <p:cNvSpPr>
+            <a:spLocks noGrp="1" noRot="1" noChangeAspect="1" noMove="1" noResize="1" noEditPoints="1" noAdjustHandles="1" noChangeArrowheads="1" noChangeShapeType="1" noTextEdit="1"/>
+          </p:cNvSpPr>
+          <p:nvPr>
+            <p:extLst>
+              <p:ext uri="{386F3935-93C4-4BCD-93E2-E3B085C9AB24}">
+                <p16:designElem xmlns:p16="http://schemas.microsoft.com/office/powerpoint/2015/main" val="1"/>
+              </p:ext>
+            </p:extLst>
+          </p:nvPr>
+        </p:nvSpPr>
+        <p:spPr>
+          <a:xfrm rot="10800000">
+            <a:off x="0" y="0"/>
+            <a:ext cx="842596" cy="5666154"/>
+          </a:xfrm>
+          <a:prstGeom prst="triangle">
+            <a:avLst>
+              <a:gd name="adj" fmla="val 100000"/>
+            </a:avLst>
+          </a:prstGeom>
+          <a:solidFill>
+            <a:schemeClr val="accent1">
+              <a:alpha val="85000"/>
+            </a:schemeClr>
+          </a:solidFill>
+          <a:ln>
+            <a:noFill/>
+          </a:ln>
+          <a:effectLst/>
+        </p:spPr>
+        <p:style>
+          <a:lnRef idx="1">
+            <a:schemeClr val="accent1"/>
+          </a:lnRef>
+          <a:fillRef idx="3">
+            <a:schemeClr val="accent1"/>
+          </a:fillRef>
+          <a:effectRef idx="2">
+            <a:schemeClr val="accent1"/>
+          </a:effectRef>
+          <a:fontRef idx="minor">
+            <a:schemeClr val="lt1"/>
+          </a:fontRef>
+        </p:style>
+      </p:sp>
+      <p:sp>
+        <p:nvSpPr>
+          <p:cNvPr id="3" name="מציין מיקום תוכן 2">
+            <a:extLst>
+              <a:ext uri="{FF2B5EF4-FFF2-40B4-BE49-F238E27FC236}">
+                <a16:creationId xmlns:a16="http://schemas.microsoft.com/office/drawing/2014/main" id="{E63CB9F7-1BEA-5E29-A0FC-A93719833515}"/>
+              </a:ext>
+            </a:extLst>
+          </p:cNvPr>
+          <p:cNvSpPr>
+            <a:spLocks noGrp="1"/>
+          </p:cNvSpPr>
+          <p:nvPr>
+            <p:ph idx="1"/>
+          </p:nvPr>
+        </p:nvSpPr>
+        <p:spPr>
+          <a:xfrm>
+            <a:off x="1202558" y="1529366"/>
+            <a:ext cx="10180748" cy="5396248"/>
+          </a:xfrm>
+        </p:spPr>
+        <p:txBody>
+          <a:bodyPr>
+            <a:normAutofit/>
+          </a:bodyPr>
+          <a:lstStyle/>
+          <a:p>
+            <a:pPr marL="0" indent="0" algn="l" rtl="0">
+              <a:buNone/>
+            </a:pPr>
+            <a:r>
+              <a:rPr lang="en-US" sz="2000" dirty="0">
+                <a:solidFill>
+                  <a:schemeClr val="tx1"/>
+                </a:solidFill>
+                <a:latin typeface="Arial" panose="020B0604020202020204" pitchFamily="34" charset="0"/>
+                <a:cs typeface="Arial" panose="020B0604020202020204" pitchFamily="34" charset="0"/>
+              </a:rPr>
+              <a:t>The problems arise with CNNs when they go deeper. This is because the path for information from the input layer until the output layer (and for the gradient in the opposite direction) becomes so big, that they can get vanished before reaching the other side and here is where the </a:t>
+            </a:r>
+            <a:r>
+              <a:rPr lang="en-US" sz="2000" dirty="0" err="1">
+                <a:solidFill>
+                  <a:schemeClr val="tx1"/>
+                </a:solidFill>
+                <a:latin typeface="Arial" panose="020B0604020202020204" pitchFamily="34" charset="0"/>
+                <a:cs typeface="Arial" panose="020B0604020202020204" pitchFamily="34" charset="0"/>
+              </a:rPr>
+              <a:t>DenseNet</a:t>
+            </a:r>
+            <a:r>
+              <a:rPr lang="en-US" sz="2000" dirty="0">
+                <a:solidFill>
+                  <a:schemeClr val="tx1"/>
+                </a:solidFill>
+                <a:latin typeface="Arial" panose="020B0604020202020204" pitchFamily="34" charset="0"/>
+                <a:cs typeface="Arial" panose="020B0604020202020204" pitchFamily="34" charset="0"/>
+              </a:rPr>
+              <a:t> have the edge and overcome this problem.                                                                                                            </a:t>
+            </a:r>
+            <a:r>
+              <a:rPr lang="en-US" sz="2000" dirty="0" err="1">
+                <a:solidFill>
+                  <a:schemeClr val="tx1"/>
+                </a:solidFill>
+                <a:latin typeface="Arial" panose="020B0604020202020204" pitchFamily="34" charset="0"/>
+                <a:cs typeface="Arial" panose="020B0604020202020204" pitchFamily="34" charset="0"/>
+              </a:rPr>
+              <a:t>DenseNet</a:t>
+            </a:r>
+            <a:r>
+              <a:rPr lang="en-US" sz="2000" dirty="0">
+                <a:solidFill>
+                  <a:schemeClr val="tx1"/>
+                </a:solidFill>
+                <a:latin typeface="Arial" panose="020B0604020202020204" pitchFamily="34" charset="0"/>
+                <a:cs typeface="Arial" panose="020B0604020202020204" pitchFamily="34" charset="0"/>
+              </a:rPr>
+              <a:t> is a type of convolutional neural network (CNN) that utilizes dense connections between layers, through Dense Blocks, where we connect all layers (with matching feature-map sizes) directly with each other in order to preserve the feed-forward nature, each layer obtains additional inputs from all preceding layers and passes on its own feature-maps to all subsequent layers. In order to gain maximum information and gradient flow, so each layer has direct access to the gradients from the loss. these connections patterns will decrease the vanishing of the gradient.                                      </a:t>
+            </a:r>
+            <a:r>
+              <a:rPr lang="en-US" sz="2000" u="sng" dirty="0">
+                <a:solidFill>
+                  <a:schemeClr val="tx1"/>
+                </a:solidFill>
+                <a:latin typeface="Arial" panose="020B0604020202020204" pitchFamily="34" charset="0"/>
+                <a:cs typeface="Arial" panose="020B0604020202020204" pitchFamily="34" charset="0"/>
+              </a:rPr>
+              <a:t>In short:</a:t>
+            </a:r>
+            <a:r>
+              <a:rPr lang="en-US" sz="2000" dirty="0">
+                <a:solidFill>
+                  <a:schemeClr val="tx1"/>
+                </a:solidFill>
+                <a:latin typeface="Arial" panose="020B0604020202020204" pitchFamily="34" charset="0"/>
+                <a:cs typeface="Arial" panose="020B0604020202020204" pitchFamily="34" charset="0"/>
+              </a:rPr>
+              <a:t> </a:t>
+            </a:r>
+            <a:r>
+              <a:rPr lang="en-US" sz="2000" dirty="0" err="1">
+                <a:solidFill>
+                  <a:schemeClr val="tx1"/>
+                </a:solidFill>
+                <a:latin typeface="Arial" panose="020B0604020202020204" pitchFamily="34" charset="0"/>
+                <a:cs typeface="Arial" panose="020B0604020202020204" pitchFamily="34" charset="0"/>
+              </a:rPr>
+              <a:t>Densenet</a:t>
+            </a:r>
+            <a:r>
+              <a:rPr lang="en-US" sz="2000" dirty="0">
+                <a:solidFill>
+                  <a:schemeClr val="tx1"/>
+                </a:solidFill>
+                <a:latin typeface="Arial" panose="020B0604020202020204" pitchFamily="34" charset="0"/>
+                <a:cs typeface="Arial" panose="020B0604020202020204" pitchFamily="34" charset="0"/>
+              </a:rPr>
+              <a:t> is a CNN that can get much deeper than other CNN's without decreasing its accuracy.</a:t>
+            </a:r>
+          </a:p>
+        </p:txBody>
+      </p:sp>
+      <p:sp>
+        <p:nvSpPr>
+          <p:cNvPr id="37" name="Isosceles Triangle 36">
+            <a:extLst>
+              <a:ext uri="{FF2B5EF4-FFF2-40B4-BE49-F238E27FC236}">
+                <a16:creationId xmlns:a16="http://schemas.microsoft.com/office/drawing/2014/main" id="{7E2C7115-5336-410C-AD71-0F0952A2E5A7}"/>
+              </a:ext>
+              <a:ext uri="{C183D7F6-B498-43B3-948B-1728B52AA6E4}">
+                <adec:decorative xmlns:adec="http://schemas.microsoft.com/office/drawing/2017/decorative" val="1"/>
+              </a:ext>
+            </a:extLst>
+          </p:cNvPr>
+          <p:cNvSpPr>
+            <a:spLocks noGrp="1" noRot="1" noChangeAspect="1" noMove="1" noResize="1" noEditPoints="1" noAdjustHandles="1" noChangeArrowheads="1" noChangeShapeType="1" noTextEdit="1"/>
+          </p:cNvSpPr>
+          <p:nvPr>
+            <p:extLst>
+              <p:ext uri="{386F3935-93C4-4BCD-93E2-E3B085C9AB24}">
+                <p16:designElem xmlns:p16="http://schemas.microsoft.com/office/powerpoint/2015/main" val="1"/>
+              </p:ext>
+            </p:extLst>
+          </p:nvPr>
+        </p:nvSpPr>
+        <p:spPr>
+          <a:xfrm flipH="1">
+            <a:off x="11743267" y="4013200"/>
+            <a:ext cx="448733" cy="2844800"/>
+          </a:xfrm>
+          <a:prstGeom prst="triangle">
+            <a:avLst>
+              <a:gd name="adj" fmla="val 0"/>
+            </a:avLst>
+          </a:prstGeom>
+          <a:solidFill>
+            <a:schemeClr val="accent1">
+              <a:alpha val="85000"/>
+            </a:schemeClr>
+          </a:solidFill>
+          <a:ln>
+            <a:noFill/>
+          </a:ln>
+          <a:effectLst/>
+        </p:spPr>
+        <p:style>
+          <a:lnRef idx="1">
+            <a:schemeClr val="accent1"/>
+          </a:lnRef>
+          <a:fillRef idx="3">
+            <a:schemeClr val="accent1"/>
+          </a:fillRef>
+          <a:effectRef idx="2">
+            <a:schemeClr val="accent1"/>
+          </a:effectRef>
+          <a:fontRef idx="minor">
+            <a:schemeClr val="lt1"/>
+          </a:fontRef>
+        </p:style>
+      </p:sp>
+    </p:spTree>
+    <p:extLst>
+      <p:ext uri="{BB962C8B-B14F-4D97-AF65-F5344CB8AC3E}">
+        <p14:creationId xmlns:p14="http://schemas.microsoft.com/office/powerpoint/2010/main" val="3741545148"/>
+      </p:ext>
+    </p:extLst>
+  </p:cSld>
+  <p:clrMapOvr>
+    <a:masterClrMapping/>
+  </p:clrMapOvr>
+</p:sld>
+</file>
+
+<file path=ppt/slides/slide8.xml><?xml version="1.0" encoding="utf-8"?>
+<p:sld xmlns:a="http://schemas.openxmlformats.org/drawingml/2006/main" xmlns:r="http://schemas.openxmlformats.org/officeDocument/2006/relationships" xmlns:p="http://schemas.openxmlformats.org/presentationml/2006/main">
+  <p:cSld>
+    <p:bg>
+      <p:bgPr>
+        <a:solidFill>
+          <a:schemeClr val="bg1"/>
+        </a:solidFill>
+        <a:effectLst/>
+      </p:bgPr>
+    </p:bg>
+    <p:spTree>
+      <p:nvGrpSpPr>
+        <p:cNvPr id="1" name=""/>
+        <p:cNvGrpSpPr/>
+        <p:nvPr/>
+      </p:nvGrpSpPr>
+      <p:grpSpPr>
+        <a:xfrm>
+          <a:off x="0" y="0"/>
+          <a:ext cx="0" cy="0"/>
+          <a:chOff x="0" y="0"/>
+          <a:chExt cx="0" cy="0"/>
+        </a:xfrm>
+      </p:grpSpPr>
+      <p:sp useBgFill="1">
+        <p:nvSpPr>
+          <p:cNvPr id="33" name="Rectangle 32">
+            <a:extLst>
+              <a:ext uri="{FF2B5EF4-FFF2-40B4-BE49-F238E27FC236}">
+                <a16:creationId xmlns:a16="http://schemas.microsoft.com/office/drawing/2014/main" id="{E80B86A7-A1EC-475B-9166-88902B033A38}"/>
+              </a:ext>
+              <a:ext uri="{C183D7F6-B498-43B3-948B-1728B52AA6E4}">
+                <adec:decorative xmlns:adec="http://schemas.microsoft.com/office/drawing/2017/decorative" val="1"/>
+              </a:ext>
+            </a:extLst>
+          </p:cNvPr>
+          <p:cNvSpPr>
+            <a:spLocks noGrp="1" noRot="1" noChangeAspect="1" noMove="1" noResize="1" noEditPoints="1" noAdjustHandles="1" noChangeArrowheads="1" noChangeShapeType="1" noTextEdit="1"/>
+          </p:cNvSpPr>
+          <p:nvPr>
+            <p:extLst>
+              <p:ext uri="{386F3935-93C4-4BCD-93E2-E3B085C9AB24}">
+                <p16:designElem xmlns:p16="http://schemas.microsoft.com/office/powerpoint/2015/main" val="1"/>
+              </p:ext>
+            </p:extLst>
+          </p:nvPr>
+        </p:nvSpPr>
+        <p:spPr>
+          <a:xfrm>
+            <a:off x="0" y="0"/>
+            <a:ext cx="12192000" cy="6858000"/>
+          </a:xfrm>
+          <a:prstGeom prst="rect">
+            <a:avLst/>
+          </a:prstGeom>
+          <a:ln>
+            <a:noFill/>
+          </a:ln>
+        </p:spPr>
+        <p:style>
+          <a:lnRef idx="2">
+            <a:schemeClr val="accent1">
+              <a:shade val="50000"/>
+            </a:schemeClr>
+          </a:lnRef>
+          <a:fillRef idx="1">
+            <a:schemeClr val="accent1"/>
+          </a:fillRef>
+          <a:effectRef idx="0">
+            <a:schemeClr val="accent1"/>
+          </a:effectRef>
+          <a:fontRef idx="minor">
+            <a:schemeClr val="lt1"/>
+          </a:fontRef>
+        </p:style>
+        <p:txBody>
+          <a:bodyPr rtlCol="0" anchor="ctr"/>
+          <a:lstStyle/>
+          <a:p>
+            <a:pPr algn="ctr"/>
+            <a:endParaRPr lang="en-US"/>
+          </a:p>
+        </p:txBody>
+      </p:sp>
+      <p:sp>
+        <p:nvSpPr>
+          <p:cNvPr id="35" name="Isosceles Triangle 34">
+            <a:extLst>
+              <a:ext uri="{FF2B5EF4-FFF2-40B4-BE49-F238E27FC236}">
+                <a16:creationId xmlns:a16="http://schemas.microsoft.com/office/drawing/2014/main" id="{C2C29CB1-9F74-4879-A6AF-AEA67B6F1F4D}"/>
+              </a:ext>
+              <a:ext uri="{C183D7F6-B498-43B3-948B-1728B52AA6E4}">
+                <adec:decorative xmlns:adec="http://schemas.microsoft.com/office/drawing/2017/decorative" val="1"/>
+              </a:ext>
+            </a:extLst>
+          </p:cNvPr>
+          <p:cNvSpPr>
+            <a:spLocks noGrp="1" noRot="1" noChangeAspect="1" noMove="1" noResize="1" noEditPoints="1" noAdjustHandles="1" noChangeArrowheads="1" noChangeShapeType="1" noTextEdit="1"/>
+          </p:cNvSpPr>
+          <p:nvPr>
+            <p:extLst>
+              <p:ext uri="{386F3935-93C4-4BCD-93E2-E3B085C9AB24}">
+                <p16:designElem xmlns:p16="http://schemas.microsoft.com/office/powerpoint/2015/main" val="1"/>
+              </p:ext>
+            </p:extLst>
+          </p:nvPr>
+        </p:nvSpPr>
+        <p:spPr>
+          <a:xfrm rot="10800000">
+            <a:off x="0" y="0"/>
+            <a:ext cx="842596" cy="5666154"/>
+          </a:xfrm>
+          <a:prstGeom prst="triangle">
+            <a:avLst>
+              <a:gd name="adj" fmla="val 100000"/>
+            </a:avLst>
+          </a:prstGeom>
+          <a:solidFill>
+            <a:schemeClr val="accent1">
+              <a:alpha val="85000"/>
+            </a:schemeClr>
+          </a:solidFill>
+          <a:ln>
+            <a:noFill/>
+          </a:ln>
+          <a:effectLst/>
+        </p:spPr>
+        <p:style>
+          <a:lnRef idx="1">
+            <a:schemeClr val="accent1"/>
+          </a:lnRef>
+          <a:fillRef idx="3">
+            <a:schemeClr val="accent1"/>
+          </a:fillRef>
+          <a:effectRef idx="2">
+            <a:schemeClr val="accent1"/>
+          </a:effectRef>
+          <a:fontRef idx="minor">
+            <a:schemeClr val="lt1"/>
+          </a:fontRef>
+        </p:style>
+      </p:sp>
+      <p:pic>
+        <p:nvPicPr>
+          <p:cNvPr id="5" name="Content Placeholder 4">
+            <a:extLst>
+              <a:ext uri="{FF2B5EF4-FFF2-40B4-BE49-F238E27FC236}">
+                <a16:creationId xmlns:a16="http://schemas.microsoft.com/office/drawing/2014/main" id="{49958D58-9181-D98A-A0F1-7C2BD705D196}"/>
+              </a:ext>
+            </a:extLst>
+          </p:cNvPr>
+          <p:cNvPicPr>
+            <a:picLocks noGrp="1" noChangeAspect="1"/>
+          </p:cNvPicPr>
+          <p:nvPr>
+            <p:ph idx="1"/>
+          </p:nvPr>
+        </p:nvPicPr>
+        <p:blipFill>
+          <a:blip r:embed="rId2"/>
+          <a:stretch>
+            <a:fillRect/>
+          </a:stretch>
+        </p:blipFill>
+        <p:spPr>
+          <a:xfrm>
+            <a:off x="989604" y="4743635"/>
+            <a:ext cx="10420909" cy="1383929"/>
+          </a:xfrm>
+        </p:spPr>
+      </p:pic>
+      <p:sp>
+        <p:nvSpPr>
+          <p:cNvPr id="37" name="Isosceles Triangle 36">
+            <a:extLst>
+              <a:ext uri="{FF2B5EF4-FFF2-40B4-BE49-F238E27FC236}">
+                <a16:creationId xmlns:a16="http://schemas.microsoft.com/office/drawing/2014/main" id="{7E2C7115-5336-410C-AD71-0F0952A2E5A7}"/>
+              </a:ext>
+              <a:ext uri="{C183D7F6-B498-43B3-948B-1728B52AA6E4}">
+                <adec:decorative xmlns:adec="http://schemas.microsoft.com/office/drawing/2017/decorative" val="1"/>
+              </a:ext>
+            </a:extLst>
+          </p:cNvPr>
+          <p:cNvSpPr>
+            <a:spLocks noGrp="1" noRot="1" noChangeAspect="1" noMove="1" noResize="1" noEditPoints="1" noAdjustHandles="1" noChangeArrowheads="1" noChangeShapeType="1" noTextEdit="1"/>
+          </p:cNvSpPr>
+          <p:nvPr>
+            <p:extLst>
+              <p:ext uri="{386F3935-93C4-4BCD-93E2-E3B085C9AB24}">
+                <p16:designElem xmlns:p16="http://schemas.microsoft.com/office/powerpoint/2015/main" val="1"/>
+              </p:ext>
+            </p:extLst>
+          </p:nvPr>
+        </p:nvSpPr>
+        <p:spPr>
+          <a:xfrm flipH="1">
+            <a:off x="11743267" y="4013200"/>
+            <a:ext cx="448733" cy="2844800"/>
+          </a:xfrm>
+          <a:prstGeom prst="triangle">
+            <a:avLst>
+              <a:gd name="adj" fmla="val 0"/>
+            </a:avLst>
+          </a:prstGeom>
+          <a:solidFill>
+            <a:schemeClr val="accent1">
+              <a:alpha val="85000"/>
+            </a:schemeClr>
+          </a:solidFill>
+          <a:ln>
+            <a:noFill/>
+          </a:ln>
+          <a:effectLst/>
+        </p:spPr>
+        <p:style>
+          <a:lnRef idx="1">
+            <a:schemeClr val="accent1"/>
+          </a:lnRef>
+          <a:fillRef idx="3">
+            <a:schemeClr val="accent1"/>
+          </a:fillRef>
+          <a:effectRef idx="2">
+            <a:schemeClr val="accent1"/>
+          </a:effectRef>
+          <a:fontRef idx="minor">
+            <a:schemeClr val="lt1"/>
+          </a:fontRef>
+        </p:style>
+      </p:sp>
+      <p:sp>
+        <p:nvSpPr>
+          <p:cNvPr id="6" name="מציין מיקום תוכן 2">
+            <a:extLst>
+              <a:ext uri="{FF2B5EF4-FFF2-40B4-BE49-F238E27FC236}">
+                <a16:creationId xmlns:a16="http://schemas.microsoft.com/office/drawing/2014/main" id="{91E00044-A01A-C55E-CB95-201D0795360D}"/>
+              </a:ext>
+            </a:extLst>
+          </p:cNvPr>
+          <p:cNvSpPr txBox="1">
+            <a:spLocks/>
+          </p:cNvSpPr>
+          <p:nvPr/>
+        </p:nvSpPr>
+        <p:spPr>
+          <a:xfrm>
+            <a:off x="1175351" y="589208"/>
+            <a:ext cx="10273124" cy="4154427"/>
+          </a:xfrm>
+          <a:prstGeom prst="rect">
+            <a:avLst/>
+          </a:prstGeom>
+        </p:spPr>
+        <p:txBody>
+          <a:bodyPr vert="horz" lIns="91440" tIns="45720" rIns="91440" bIns="45720" rtlCol="0">
+            <a:normAutofit/>
+          </a:bodyPr>
+          <a:lstStyle>
+            <a:lvl1pPr marL="342900" indent="-342900" algn="r" defTabSz="457200" rtl="1" eaLnBrk="1" latinLnBrk="0" hangingPunct="1">
+              <a:spcBef>
+                <a:spcPts val="1000"/>
+              </a:spcBef>
+              <a:spcAft>
+                <a:spcPts val="0"/>
+              </a:spcAft>
+              <a:buClr>
+                <a:schemeClr val="accent1"/>
+              </a:buClr>
+              <a:buSzPct val="80000"/>
+              <a:buFont typeface="Wingdings 3" charset="2"/>
+              <a:buChar char=""/>
+              <a:defRPr sz="1800" kern="1200">
+                <a:solidFill>
+                  <a:schemeClr val="tx1">
+                    <a:lumMod val="75000"/>
+                    <a:lumOff val="25000"/>
+                  </a:schemeClr>
+                </a:solidFill>
+                <a:latin typeface="+mn-lt"/>
+                <a:ea typeface="+mn-ea"/>
+                <a:cs typeface="+mn-cs"/>
+              </a:defRPr>
+            </a:lvl1pPr>
+            <a:lvl2pPr marL="742950" indent="-285750" algn="r" defTabSz="457200" rtl="1" eaLnBrk="1" latinLnBrk="0" hangingPunct="1">
+              <a:spcBef>
+                <a:spcPts val="1000"/>
+              </a:spcBef>
+              <a:spcAft>
+                <a:spcPts val="0"/>
+              </a:spcAft>
+              <a:buClr>
+                <a:schemeClr val="accent1"/>
+              </a:buClr>
+              <a:buSzPct val="80000"/>
+              <a:buFont typeface="Wingdings 3" charset="2"/>
+              <a:buChar char=""/>
+              <a:defRPr sz="1600" kern="1200">
+                <a:solidFill>
+                  <a:schemeClr val="tx1">
+                    <a:lumMod val="75000"/>
+                    <a:lumOff val="25000"/>
+                  </a:schemeClr>
+                </a:solidFill>
+                <a:latin typeface="+mn-lt"/>
+                <a:ea typeface="+mn-ea"/>
+                <a:cs typeface="+mn-cs"/>
+              </a:defRPr>
+            </a:lvl2pPr>
+            <a:lvl3pPr marL="1143000" indent="-228600" algn="r" defTabSz="457200" rtl="1" eaLnBrk="1" latinLnBrk="0" hangingPunct="1">
+              <a:spcBef>
+                <a:spcPts val="1000"/>
+              </a:spcBef>
+              <a:spcAft>
+                <a:spcPts val="0"/>
+              </a:spcAft>
+              <a:buClr>
+                <a:schemeClr val="accent1"/>
+              </a:buClr>
+              <a:buSzPct val="80000"/>
+              <a:buFont typeface="Wingdings 3" charset="2"/>
+              <a:buChar char=""/>
+              <a:defRPr sz="1400" kern="1200">
+                <a:solidFill>
+                  <a:schemeClr val="tx1">
+                    <a:lumMod val="75000"/>
+                    <a:lumOff val="25000"/>
+                  </a:schemeClr>
+                </a:solidFill>
+                <a:latin typeface="+mn-lt"/>
+                <a:ea typeface="+mn-ea"/>
+                <a:cs typeface="+mn-cs"/>
+              </a:defRPr>
+            </a:lvl3pPr>
+            <a:lvl4pPr marL="1600200" indent="-228600" algn="r" defTabSz="457200" rtl="1" eaLnBrk="1" latinLnBrk="0" hangingPunct="1">
+              <a:spcBef>
+                <a:spcPts val="1000"/>
+              </a:spcBef>
+              <a:spcAft>
+                <a:spcPts val="0"/>
+              </a:spcAft>
+              <a:buClr>
+                <a:schemeClr val="accent1"/>
+              </a:buClr>
+              <a:buSzPct val="80000"/>
+              <a:buFont typeface="Wingdings 3" charset="2"/>
+              <a:buChar char=""/>
+              <a:defRPr sz="1200" kern="1200">
+                <a:solidFill>
+                  <a:schemeClr val="tx1">
+                    <a:lumMod val="75000"/>
+                    <a:lumOff val="25000"/>
+                  </a:schemeClr>
+                </a:solidFill>
+                <a:latin typeface="+mn-lt"/>
+                <a:ea typeface="+mn-ea"/>
+                <a:cs typeface="+mn-cs"/>
+              </a:defRPr>
+            </a:lvl4pPr>
+            <a:lvl5pPr marL="2057400" indent="-228600" algn="r" defTabSz="457200" rtl="1" eaLnBrk="1" latinLnBrk="0" hangingPunct="1">
+              <a:spcBef>
+                <a:spcPts val="1000"/>
+              </a:spcBef>
+              <a:spcAft>
+                <a:spcPts val="0"/>
+              </a:spcAft>
+              <a:buClr>
+                <a:schemeClr val="accent1"/>
+              </a:buClr>
+              <a:buSzPct val="80000"/>
+              <a:buFont typeface="Wingdings 3" charset="2"/>
+              <a:buChar char=""/>
+              <a:defRPr sz="1200" kern="1200">
+                <a:solidFill>
+                  <a:schemeClr val="tx1">
+                    <a:lumMod val="75000"/>
+                    <a:lumOff val="25000"/>
+                  </a:schemeClr>
+                </a:solidFill>
+                <a:latin typeface="+mn-lt"/>
+                <a:ea typeface="+mn-ea"/>
+                <a:cs typeface="+mn-cs"/>
+              </a:defRPr>
+            </a:lvl5pPr>
+            <a:lvl6pPr marL="2514600" indent="-228600" algn="r" defTabSz="457200" rtl="1" eaLnBrk="1" latinLnBrk="0" hangingPunct="1">
+              <a:spcBef>
+                <a:spcPts val="1000"/>
+              </a:spcBef>
+              <a:spcAft>
+                <a:spcPts val="0"/>
+              </a:spcAft>
+              <a:buClr>
+                <a:schemeClr val="accent1"/>
+              </a:buClr>
+              <a:buSzPct val="80000"/>
+              <a:buFont typeface="Wingdings 3" charset="2"/>
+              <a:buChar char=""/>
+              <a:defRPr sz="1200" kern="1200">
+                <a:solidFill>
+                  <a:schemeClr val="tx1">
+                    <a:lumMod val="75000"/>
+                    <a:lumOff val="25000"/>
+                  </a:schemeClr>
+                </a:solidFill>
+                <a:latin typeface="+mn-lt"/>
+                <a:ea typeface="+mn-ea"/>
+                <a:cs typeface="+mn-cs"/>
+              </a:defRPr>
+            </a:lvl6pPr>
+            <a:lvl7pPr marL="2971800" indent="-228600" algn="r" defTabSz="457200" rtl="1" eaLnBrk="1" latinLnBrk="0" hangingPunct="1">
+              <a:spcBef>
+                <a:spcPts val="1000"/>
+              </a:spcBef>
+              <a:spcAft>
+                <a:spcPts val="0"/>
+              </a:spcAft>
+              <a:buClr>
+                <a:schemeClr val="accent1"/>
+              </a:buClr>
+              <a:buSzPct val="80000"/>
+              <a:buFont typeface="Wingdings 3" charset="2"/>
+              <a:buChar char=""/>
+              <a:defRPr sz="1200" kern="1200">
+                <a:solidFill>
+                  <a:schemeClr val="tx1">
+                    <a:lumMod val="75000"/>
+                    <a:lumOff val="25000"/>
+                  </a:schemeClr>
+                </a:solidFill>
+                <a:latin typeface="+mn-lt"/>
+                <a:ea typeface="+mn-ea"/>
+                <a:cs typeface="+mn-cs"/>
+              </a:defRPr>
+            </a:lvl7pPr>
+            <a:lvl8pPr marL="3429000" indent="-228600" algn="r" defTabSz="457200" rtl="1" eaLnBrk="1" latinLnBrk="0" hangingPunct="1">
+              <a:spcBef>
+                <a:spcPts val="1000"/>
+              </a:spcBef>
+              <a:spcAft>
+                <a:spcPts val="0"/>
+              </a:spcAft>
+              <a:buClr>
+                <a:schemeClr val="accent1"/>
+              </a:buClr>
+              <a:buSzPct val="80000"/>
+              <a:buFont typeface="Wingdings 3" charset="2"/>
+              <a:buChar char=""/>
+              <a:defRPr sz="1200" kern="1200">
+                <a:solidFill>
+                  <a:schemeClr val="tx1">
+                    <a:lumMod val="75000"/>
+                    <a:lumOff val="25000"/>
+                  </a:schemeClr>
+                </a:solidFill>
+                <a:latin typeface="+mn-lt"/>
+                <a:ea typeface="+mn-ea"/>
+                <a:cs typeface="+mn-cs"/>
+              </a:defRPr>
+            </a:lvl8pPr>
+            <a:lvl9pPr marL="3886200" indent="-228600" algn="r" defTabSz="457200" rtl="1" eaLnBrk="1" latinLnBrk="0" hangingPunct="1">
+              <a:spcBef>
+                <a:spcPts val="1000"/>
+              </a:spcBef>
+              <a:spcAft>
+                <a:spcPts val="0"/>
+              </a:spcAft>
+              <a:buClr>
+                <a:schemeClr val="accent1"/>
+              </a:buClr>
+              <a:buSzPct val="80000"/>
+              <a:buFont typeface="Wingdings 3" charset="2"/>
+              <a:buChar char=""/>
+              <a:defRPr sz="1200" kern="1200">
+                <a:solidFill>
+                  <a:schemeClr val="tx1">
+                    <a:lumMod val="75000"/>
+                    <a:lumOff val="25000"/>
+                  </a:schemeClr>
+                </a:solidFill>
+                <a:latin typeface="+mn-lt"/>
+                <a:ea typeface="+mn-ea"/>
+                <a:cs typeface="+mn-cs"/>
+              </a:defRPr>
+            </a:lvl9pPr>
+          </a:lstStyle>
+          <a:p>
+            <a:pPr marL="0" indent="0" algn="l" rtl="0">
+              <a:buFont typeface="Wingdings 3" charset="2"/>
+              <a:buNone/>
+            </a:pPr>
+            <a:r>
+              <a:rPr lang="en-US" sz="2000" dirty="0" err="1">
+                <a:solidFill>
+                  <a:schemeClr val="accent5"/>
+                </a:solidFill>
+                <a:latin typeface="Arial" panose="020B0604020202020204" pitchFamily="34" charset="0"/>
+                <a:cs typeface="Arial" panose="020B0604020202020204" pitchFamily="34" charset="0"/>
+              </a:rPr>
+              <a:t>DenseNets</a:t>
+            </a:r>
+            <a:r>
+              <a:rPr lang="en-US" sz="2000" dirty="0">
+                <a:solidFill>
+                  <a:schemeClr val="accent5"/>
+                </a:solidFill>
+                <a:latin typeface="Arial" panose="020B0604020202020204" pitchFamily="34" charset="0"/>
+                <a:cs typeface="Arial" panose="020B0604020202020204" pitchFamily="34" charset="0"/>
+              </a:rPr>
+              <a:t> are composed from Dense Blocks, the dimensions of the feature maps remains the same within a block, but the number of filters changes between them.</a:t>
+            </a:r>
+          </a:p>
+          <a:p>
+            <a:pPr marL="0" indent="0" algn="l" rtl="0">
+              <a:buFont typeface="Wingdings 3" charset="2"/>
+              <a:buNone/>
+            </a:pPr>
+            <a:r>
+              <a:rPr lang="en-US" sz="2000" dirty="0">
+                <a:solidFill>
+                  <a:schemeClr val="accent5"/>
+                </a:solidFill>
+                <a:latin typeface="Arial" panose="020B0604020202020204" pitchFamily="34" charset="0"/>
+                <a:cs typeface="Arial" panose="020B0604020202020204" pitchFamily="34" charset="0"/>
+              </a:rPr>
+              <a:t> The L </a:t>
+            </a:r>
+            <a:r>
+              <a:rPr lang="en-US" sz="2000" dirty="0" err="1">
+                <a:solidFill>
+                  <a:schemeClr val="accent5"/>
+                </a:solidFill>
+                <a:latin typeface="Arial" panose="020B0604020202020204" pitchFamily="34" charset="0"/>
+                <a:cs typeface="Arial" panose="020B0604020202020204" pitchFamily="34" charset="0"/>
+              </a:rPr>
+              <a:t>th</a:t>
+            </a:r>
+            <a:r>
+              <a:rPr lang="en-US" sz="2000" dirty="0">
+                <a:solidFill>
+                  <a:schemeClr val="accent5"/>
+                </a:solidFill>
+                <a:latin typeface="Arial" panose="020B0604020202020204" pitchFamily="34" charset="0"/>
+                <a:cs typeface="Arial" panose="020B0604020202020204" pitchFamily="34" charset="0"/>
+              </a:rPr>
+              <a:t> layer has L inputs,  consisting of the feature-maps of all preceding convolutional blocks. Its own feature-maps are passed on to all subsequent layers.</a:t>
+            </a:r>
+          </a:p>
+          <a:p>
+            <a:pPr marL="0" indent="0" algn="l" rtl="0">
+              <a:buFont typeface="Wingdings 3" charset="2"/>
+              <a:buNone/>
+            </a:pPr>
+            <a:r>
+              <a:rPr lang="en-US" sz="2000" dirty="0" err="1">
+                <a:solidFill>
+                  <a:schemeClr val="accent5"/>
+                </a:solidFill>
+                <a:latin typeface="Arial" panose="020B0604020202020204" pitchFamily="34" charset="0"/>
+                <a:cs typeface="Arial" panose="020B0604020202020204" pitchFamily="34" charset="0"/>
+              </a:rPr>
+              <a:t>DenseNet</a:t>
+            </a:r>
+            <a:r>
+              <a:rPr lang="en-US" sz="2000" dirty="0">
+                <a:solidFill>
+                  <a:schemeClr val="accent5"/>
+                </a:solidFill>
+                <a:latin typeface="Arial" panose="020B0604020202020204" pitchFamily="34" charset="0"/>
+                <a:cs typeface="Arial" panose="020B0604020202020204" pitchFamily="34" charset="0"/>
+              </a:rPr>
+              <a:t> layers are very narrow, adding only a small set of feature-maps to the “collective knowledge”.</a:t>
+            </a:r>
+          </a:p>
+          <a:p>
+            <a:pPr marL="0" indent="0" algn="l" rtl="0">
+              <a:buFont typeface="Wingdings 3" charset="2"/>
+              <a:buNone/>
+            </a:pPr>
+            <a:r>
+              <a:rPr lang="en-US" sz="2000" dirty="0">
+                <a:solidFill>
+                  <a:schemeClr val="accent5"/>
+                </a:solidFill>
+                <a:latin typeface="Arial" panose="020B0604020202020204" pitchFamily="34" charset="0"/>
+                <a:cs typeface="Arial" panose="020B0604020202020204" pitchFamily="34" charset="0"/>
+              </a:rPr>
+              <a:t>Dense connectivity pattern requires fewer parameters, as there is no need to relearn unnecessary feature-maps.</a:t>
+            </a:r>
+          </a:p>
+          <a:p>
+            <a:pPr marL="0" indent="0" algn="l" rtl="0">
+              <a:buFont typeface="Wingdings 3" charset="2"/>
+              <a:buNone/>
+            </a:pPr>
+            <a:endParaRPr lang="en-US" sz="2000" dirty="0">
+              <a:solidFill>
+                <a:schemeClr val="tx1"/>
+              </a:solidFill>
+              <a:latin typeface="Arial" panose="020B0604020202020204" pitchFamily="34" charset="0"/>
+              <a:cs typeface="Arial" panose="020B0604020202020204" pitchFamily="34" charset="0"/>
+            </a:endParaRPr>
+          </a:p>
+        </p:txBody>
+      </p:sp>
+    </p:spTree>
+    <p:extLst>
+      <p:ext uri="{BB962C8B-B14F-4D97-AF65-F5344CB8AC3E}">
+        <p14:creationId xmlns:p14="http://schemas.microsoft.com/office/powerpoint/2010/main" val="4039894696"/>
+      </p:ext>
+    </p:extLst>
+  </p:cSld>
+  <p:clrMapOvr>
+    <a:masterClrMapping/>
+  </p:clrMapOvr>
+</p:sld>
+</file>
+
+<file path=ppt/slides/slide9.xml><?xml version="1.0" encoding="utf-8"?>
+<p:sld xmlns:a="http://schemas.openxmlformats.org/drawingml/2006/main" xmlns:r="http://schemas.openxmlformats.org/officeDocument/2006/relationships" xmlns:p="http://schemas.openxmlformats.org/presentationml/2006/main">
+  <p:cSld>
+    <p:bg>
+      <p:bgPr>
+        <a:solidFill>
+          <a:schemeClr val="bg1"/>
+        </a:solidFill>
+        <a:effectLst/>
+      </p:bgPr>
+    </p:bg>
+    <p:spTree>
+      <p:nvGrpSpPr>
+        <p:cNvPr id="1" name=""/>
+        <p:cNvGrpSpPr/>
+        <p:nvPr/>
+      </p:nvGrpSpPr>
+      <p:grpSpPr>
+        <a:xfrm>
+          <a:off x="0" y="0"/>
+          <a:ext cx="0" cy="0"/>
+          <a:chOff x="0" y="0"/>
+          <a:chExt cx="0" cy="0"/>
+        </a:xfrm>
+      </p:grpSpPr>
+      <p:sp useBgFill="1">
+        <p:nvSpPr>
+          <p:cNvPr id="33" name="Rectangle 32">
+            <a:extLst>
+              <a:ext uri="{FF2B5EF4-FFF2-40B4-BE49-F238E27FC236}">
+                <a16:creationId xmlns:a16="http://schemas.microsoft.com/office/drawing/2014/main" id="{E80B86A7-A1EC-475B-9166-88902B033A38}"/>
+              </a:ext>
+              <a:ext uri="{C183D7F6-B498-43B3-948B-1728B52AA6E4}">
+                <adec:decorative xmlns:adec="http://schemas.microsoft.com/office/drawing/2017/decorative" val="1"/>
+              </a:ext>
+            </a:extLst>
+          </p:cNvPr>
+          <p:cNvSpPr>
+            <a:spLocks noGrp="1" noRot="1" noChangeAspect="1" noMove="1" noResize="1" noEditPoints="1" noAdjustHandles="1" noChangeArrowheads="1" noChangeShapeType="1" noTextEdit="1"/>
+          </p:cNvSpPr>
+          <p:nvPr>
+            <p:extLst>
+              <p:ext uri="{386F3935-93C4-4BCD-93E2-E3B085C9AB24}">
+                <p16:designElem xmlns:p16="http://schemas.microsoft.com/office/powerpoint/2015/main" val="1"/>
+              </p:ext>
+            </p:extLst>
+          </p:nvPr>
+        </p:nvSpPr>
+        <p:spPr>
+          <a:xfrm>
+            <a:off x="0" y="0"/>
+            <a:ext cx="12192000" cy="6858000"/>
+          </a:xfrm>
+          <a:prstGeom prst="rect">
+            <a:avLst/>
+          </a:prstGeom>
+          <a:ln>
+            <a:noFill/>
+          </a:ln>
+        </p:spPr>
+        <p:style>
+          <a:lnRef idx="2">
+            <a:schemeClr val="accent1">
+              <a:shade val="50000"/>
+            </a:schemeClr>
+          </a:lnRef>
+          <a:fillRef idx="1">
+            <a:schemeClr val="accent1"/>
+          </a:fillRef>
+          <a:effectRef idx="0">
+            <a:schemeClr val="accent1"/>
+          </a:effectRef>
+          <a:fontRef idx="minor">
+            <a:schemeClr val="lt1"/>
+          </a:fontRef>
+        </p:style>
+        <p:txBody>
+          <a:bodyPr rtlCol="0" anchor="ctr"/>
+          <a:lstStyle/>
+          <a:p>
+            <a:pPr algn="ctr"/>
+            <a:endParaRPr lang="en-US"/>
+          </a:p>
+        </p:txBody>
+      </p:sp>
+      <p:sp>
+        <p:nvSpPr>
+          <p:cNvPr id="35" name="Isosceles Triangle 34">
+            <a:extLst>
+              <a:ext uri="{FF2B5EF4-FFF2-40B4-BE49-F238E27FC236}">
+                <a16:creationId xmlns:a16="http://schemas.microsoft.com/office/drawing/2014/main" id="{C2C29CB1-9F74-4879-A6AF-AEA67B6F1F4D}"/>
+              </a:ext>
+              <a:ext uri="{C183D7F6-B498-43B3-948B-1728B52AA6E4}">
+                <adec:decorative xmlns:adec="http://schemas.microsoft.com/office/drawing/2017/decorative" val="1"/>
+              </a:ext>
+            </a:extLst>
+          </p:cNvPr>
+          <p:cNvSpPr>
+            <a:spLocks noGrp="1" noRot="1" noChangeAspect="1" noMove="1" noResize="1" noEditPoints="1" noAdjustHandles="1" noChangeArrowheads="1" noChangeShapeType="1" noTextEdit="1"/>
+          </p:cNvSpPr>
+          <p:nvPr>
+            <p:extLst>
+              <p:ext uri="{386F3935-93C4-4BCD-93E2-E3B085C9AB24}">
+                <p16:designElem xmlns:p16="http://schemas.microsoft.com/office/powerpoint/2015/main" val="1"/>
+              </p:ext>
+            </p:extLst>
+          </p:nvPr>
+        </p:nvSpPr>
+        <p:spPr>
+          <a:xfrm rot="10800000">
+            <a:off x="0" y="0"/>
+            <a:ext cx="842596" cy="5666154"/>
+          </a:xfrm>
+          <a:prstGeom prst="triangle">
+            <a:avLst>
+              <a:gd name="adj" fmla="val 100000"/>
+            </a:avLst>
+          </a:prstGeom>
+          <a:solidFill>
+            <a:schemeClr val="accent1">
+              <a:alpha val="85000"/>
+            </a:schemeClr>
+          </a:solidFill>
+          <a:ln>
+            <a:noFill/>
+          </a:ln>
+          <a:effectLst/>
+        </p:spPr>
+        <p:style>
+          <a:lnRef idx="1">
+            <a:schemeClr val="accent1"/>
+          </a:lnRef>
+          <a:fillRef idx="3">
+            <a:schemeClr val="accent1"/>
+          </a:fillRef>
+          <a:effectRef idx="2">
+            <a:schemeClr val="accent1"/>
+          </a:effectRef>
+          <a:fontRef idx="minor">
+            <a:schemeClr val="lt1"/>
+          </a:fontRef>
+        </p:style>
+      </p:sp>
+      <p:sp>
+        <p:nvSpPr>
+          <p:cNvPr id="37" name="Isosceles Triangle 36">
+            <a:extLst>
+              <a:ext uri="{FF2B5EF4-FFF2-40B4-BE49-F238E27FC236}">
+                <a16:creationId xmlns:a16="http://schemas.microsoft.com/office/drawing/2014/main" id="{7E2C7115-5336-410C-AD71-0F0952A2E5A7}"/>
+              </a:ext>
+              <a:ext uri="{C183D7F6-B498-43B3-948B-1728B52AA6E4}">
+                <adec:decorative xmlns:adec="http://schemas.microsoft.com/office/drawing/2017/decorative" val="1"/>
+              </a:ext>
+            </a:extLst>
+          </p:cNvPr>
+          <p:cNvSpPr>
+            <a:spLocks noGrp="1" noRot="1" noChangeAspect="1" noMove="1" noResize="1" noEditPoints="1" noAdjustHandles="1" noChangeArrowheads="1" noChangeShapeType="1" noTextEdit="1"/>
+          </p:cNvSpPr>
+          <p:nvPr>
+            <p:extLst>
+              <p:ext uri="{386F3935-93C4-4BCD-93E2-E3B085C9AB24}">
+                <p16:designElem xmlns:p16="http://schemas.microsoft.com/office/powerpoint/2015/main" val="1"/>
+              </p:ext>
+            </p:extLst>
+          </p:nvPr>
+        </p:nvSpPr>
+        <p:spPr>
+          <a:xfrm flipH="1">
+            <a:off x="11743267" y="4013200"/>
+            <a:ext cx="448733" cy="2844800"/>
+          </a:xfrm>
+          <a:prstGeom prst="triangle">
+            <a:avLst>
+              <a:gd name="adj" fmla="val 0"/>
+            </a:avLst>
+          </a:prstGeom>
+          <a:solidFill>
+            <a:schemeClr val="accent1">
+              <a:alpha val="85000"/>
+            </a:schemeClr>
+          </a:solidFill>
+          <a:ln>
+            <a:noFill/>
+          </a:ln>
+          <a:effectLst/>
+        </p:spPr>
+        <p:style>
+          <a:lnRef idx="1">
+            <a:schemeClr val="accent1"/>
+          </a:lnRef>
+          <a:fillRef idx="3">
+            <a:schemeClr val="accent1"/>
+          </a:fillRef>
+          <a:effectRef idx="2">
+            <a:schemeClr val="accent1"/>
+          </a:effectRef>
+          <a:fontRef idx="minor">
+            <a:schemeClr val="lt1"/>
+          </a:fontRef>
+        </p:style>
+      </p:sp>
+      <p:sp>
+        <p:nvSpPr>
+          <p:cNvPr id="6" name="מציין מיקום תוכן 2">
+            <a:extLst>
+              <a:ext uri="{FF2B5EF4-FFF2-40B4-BE49-F238E27FC236}">
+                <a16:creationId xmlns:a16="http://schemas.microsoft.com/office/drawing/2014/main" id="{91E00044-A01A-C55E-CB95-201D0795360D}"/>
+              </a:ext>
+            </a:extLst>
+          </p:cNvPr>
+          <p:cNvSpPr txBox="1">
+            <a:spLocks/>
+          </p:cNvSpPr>
+          <p:nvPr/>
+        </p:nvSpPr>
+        <p:spPr>
+          <a:xfrm>
+            <a:off x="1063496" y="1496180"/>
+            <a:ext cx="10273124" cy="2200058"/>
+          </a:xfrm>
+          <a:prstGeom prst="rect">
+            <a:avLst/>
+          </a:prstGeom>
+        </p:spPr>
+        <p:txBody>
+          <a:bodyPr vert="horz" lIns="91440" tIns="45720" rIns="91440" bIns="45720" rtlCol="0">
+            <a:normAutofit/>
+          </a:bodyPr>
+          <a:lstStyle>
+            <a:lvl1pPr marL="342900" indent="-342900" algn="r" defTabSz="457200" rtl="1" eaLnBrk="1" latinLnBrk="0" hangingPunct="1">
+              <a:spcBef>
+                <a:spcPts val="1000"/>
+              </a:spcBef>
+              <a:spcAft>
+                <a:spcPts val="0"/>
+              </a:spcAft>
+              <a:buClr>
+                <a:schemeClr val="accent1"/>
+              </a:buClr>
+              <a:buSzPct val="80000"/>
+              <a:buFont typeface="Wingdings 3" charset="2"/>
+              <a:buChar char=""/>
+              <a:defRPr sz="1800" kern="1200">
+                <a:solidFill>
+                  <a:schemeClr val="tx1">
+                    <a:lumMod val="75000"/>
+                    <a:lumOff val="25000"/>
+                  </a:schemeClr>
+                </a:solidFill>
+                <a:latin typeface="+mn-lt"/>
+                <a:ea typeface="+mn-ea"/>
+                <a:cs typeface="+mn-cs"/>
+              </a:defRPr>
+            </a:lvl1pPr>
+            <a:lvl2pPr marL="742950" indent="-285750" algn="r" defTabSz="457200" rtl="1" eaLnBrk="1" latinLnBrk="0" hangingPunct="1">
+              <a:spcBef>
+                <a:spcPts val="1000"/>
+              </a:spcBef>
+              <a:spcAft>
+                <a:spcPts val="0"/>
+              </a:spcAft>
+              <a:buClr>
+                <a:schemeClr val="accent1"/>
+              </a:buClr>
+              <a:buSzPct val="80000"/>
+              <a:buFont typeface="Wingdings 3" charset="2"/>
+              <a:buChar char=""/>
+              <a:defRPr sz="1600" kern="1200">
+                <a:solidFill>
+                  <a:schemeClr val="tx1">
+                    <a:lumMod val="75000"/>
+                    <a:lumOff val="25000"/>
+                  </a:schemeClr>
+                </a:solidFill>
+                <a:latin typeface="+mn-lt"/>
+                <a:ea typeface="+mn-ea"/>
+                <a:cs typeface="+mn-cs"/>
+              </a:defRPr>
+            </a:lvl2pPr>
+            <a:lvl3pPr marL="1143000" indent="-228600" algn="r" defTabSz="457200" rtl="1" eaLnBrk="1" latinLnBrk="0" hangingPunct="1">
+              <a:spcBef>
+                <a:spcPts val="1000"/>
+              </a:spcBef>
+              <a:spcAft>
+                <a:spcPts val="0"/>
+              </a:spcAft>
+              <a:buClr>
+                <a:schemeClr val="accent1"/>
+              </a:buClr>
+              <a:buSzPct val="80000"/>
+              <a:buFont typeface="Wingdings 3" charset="2"/>
+              <a:buChar char=""/>
+              <a:defRPr sz="1400" kern="1200">
+                <a:solidFill>
+                  <a:schemeClr val="tx1">
+                    <a:lumMod val="75000"/>
+                    <a:lumOff val="25000"/>
+                  </a:schemeClr>
+                </a:solidFill>
+                <a:latin typeface="+mn-lt"/>
+                <a:ea typeface="+mn-ea"/>
+                <a:cs typeface="+mn-cs"/>
+              </a:defRPr>
+            </a:lvl3pPr>
+            <a:lvl4pPr marL="1600200" indent="-228600" algn="r" defTabSz="457200" rtl="1" eaLnBrk="1" latinLnBrk="0" hangingPunct="1">
+              <a:spcBef>
+                <a:spcPts val="1000"/>
+              </a:spcBef>
+              <a:spcAft>
+                <a:spcPts val="0"/>
+              </a:spcAft>
+              <a:buClr>
+                <a:schemeClr val="accent1"/>
+              </a:buClr>
+              <a:buSzPct val="80000"/>
+              <a:buFont typeface="Wingdings 3" charset="2"/>
+              <a:buChar char=""/>
+              <a:defRPr sz="1200" kern="1200">
+                <a:solidFill>
+                  <a:schemeClr val="tx1">
+                    <a:lumMod val="75000"/>
+                    <a:lumOff val="25000"/>
+                  </a:schemeClr>
+                </a:solidFill>
+                <a:latin typeface="+mn-lt"/>
+                <a:ea typeface="+mn-ea"/>
+                <a:cs typeface="+mn-cs"/>
+              </a:defRPr>
+            </a:lvl4pPr>
+            <a:lvl5pPr marL="2057400" indent="-228600" algn="r" defTabSz="457200" rtl="1" eaLnBrk="1" latinLnBrk="0" hangingPunct="1">
+              <a:spcBef>
+                <a:spcPts val="1000"/>
+              </a:spcBef>
+              <a:spcAft>
+                <a:spcPts val="0"/>
+              </a:spcAft>
+              <a:buClr>
+                <a:schemeClr val="accent1"/>
+              </a:buClr>
+              <a:buSzPct val="80000"/>
+              <a:buFont typeface="Wingdings 3" charset="2"/>
+              <a:buChar char=""/>
+              <a:defRPr sz="1200" kern="1200">
+                <a:solidFill>
+                  <a:schemeClr val="tx1">
+                    <a:lumMod val="75000"/>
+                    <a:lumOff val="25000"/>
+                  </a:schemeClr>
+                </a:solidFill>
+                <a:latin typeface="+mn-lt"/>
+                <a:ea typeface="+mn-ea"/>
+                <a:cs typeface="+mn-cs"/>
+              </a:defRPr>
+            </a:lvl5pPr>
+            <a:lvl6pPr marL="2514600" indent="-228600" algn="r" defTabSz="457200" rtl="1" eaLnBrk="1" latinLnBrk="0" hangingPunct="1">
+              <a:spcBef>
+                <a:spcPts val="1000"/>
+              </a:spcBef>
+              <a:spcAft>
+                <a:spcPts val="0"/>
+              </a:spcAft>
+              <a:buClr>
+                <a:schemeClr val="accent1"/>
+              </a:buClr>
+              <a:buSzPct val="80000"/>
+              <a:buFont typeface="Wingdings 3" charset="2"/>
+              <a:buChar char=""/>
+              <a:defRPr sz="1200" kern="1200">
+                <a:solidFill>
+                  <a:schemeClr val="tx1">
+                    <a:lumMod val="75000"/>
+                    <a:lumOff val="25000"/>
+                  </a:schemeClr>
+                </a:solidFill>
+                <a:latin typeface="+mn-lt"/>
+                <a:ea typeface="+mn-ea"/>
+                <a:cs typeface="+mn-cs"/>
+              </a:defRPr>
+            </a:lvl6pPr>
+            <a:lvl7pPr marL="2971800" indent="-228600" algn="r" defTabSz="457200" rtl="1" eaLnBrk="1" latinLnBrk="0" hangingPunct="1">
+              <a:spcBef>
+                <a:spcPts val="1000"/>
+              </a:spcBef>
+              <a:spcAft>
+                <a:spcPts val="0"/>
+              </a:spcAft>
+              <a:buClr>
+                <a:schemeClr val="accent1"/>
+              </a:buClr>
+              <a:buSzPct val="80000"/>
+              <a:buFont typeface="Wingdings 3" charset="2"/>
+              <a:buChar char=""/>
+              <a:defRPr sz="1200" kern="1200">
+                <a:solidFill>
+                  <a:schemeClr val="tx1">
+                    <a:lumMod val="75000"/>
+                    <a:lumOff val="25000"/>
+                  </a:schemeClr>
+                </a:solidFill>
+                <a:latin typeface="+mn-lt"/>
+                <a:ea typeface="+mn-ea"/>
+                <a:cs typeface="+mn-cs"/>
+              </a:defRPr>
+            </a:lvl7pPr>
+            <a:lvl8pPr marL="3429000" indent="-228600" algn="r" defTabSz="457200" rtl="1" eaLnBrk="1" latinLnBrk="0" hangingPunct="1">
+              <a:spcBef>
+                <a:spcPts val="1000"/>
+              </a:spcBef>
+              <a:spcAft>
+                <a:spcPts val="0"/>
+              </a:spcAft>
+              <a:buClr>
+                <a:schemeClr val="accent1"/>
+              </a:buClr>
+              <a:buSzPct val="80000"/>
+              <a:buFont typeface="Wingdings 3" charset="2"/>
+              <a:buChar char=""/>
+              <a:defRPr sz="1200" kern="1200">
+                <a:solidFill>
+                  <a:schemeClr val="tx1">
+                    <a:lumMod val="75000"/>
+                    <a:lumOff val="25000"/>
+                  </a:schemeClr>
+                </a:solidFill>
+                <a:latin typeface="+mn-lt"/>
+                <a:ea typeface="+mn-ea"/>
+                <a:cs typeface="+mn-cs"/>
+              </a:defRPr>
+            </a:lvl8pPr>
+            <a:lvl9pPr marL="3886200" indent="-228600" algn="r" defTabSz="457200" rtl="1" eaLnBrk="1" latinLnBrk="0" hangingPunct="1">
+              <a:spcBef>
+                <a:spcPts val="1000"/>
+              </a:spcBef>
+              <a:spcAft>
+                <a:spcPts val="0"/>
+              </a:spcAft>
+              <a:buClr>
+                <a:schemeClr val="accent1"/>
+              </a:buClr>
+              <a:buSzPct val="80000"/>
+              <a:buFont typeface="Wingdings 3" charset="2"/>
+              <a:buChar char=""/>
+              <a:defRPr sz="1200" kern="1200">
+                <a:solidFill>
+                  <a:schemeClr val="tx1">
+                    <a:lumMod val="75000"/>
+                    <a:lumOff val="25000"/>
+                  </a:schemeClr>
+                </a:solidFill>
+                <a:latin typeface="+mn-lt"/>
+                <a:ea typeface="+mn-ea"/>
+                <a:cs typeface="+mn-cs"/>
+              </a:defRPr>
+            </a:lvl9pPr>
+          </a:lstStyle>
+          <a:p>
+            <a:pPr marL="0" indent="0" algn="l" rtl="0">
+              <a:buFont typeface="Wingdings 3" charset="2"/>
+              <a:buNone/>
+            </a:pPr>
+            <a:r>
+              <a:rPr lang="en-US" sz="2000" dirty="0">
+                <a:solidFill>
+                  <a:schemeClr val="tx1"/>
+                </a:solidFill>
+                <a:latin typeface="Arial" panose="020B0604020202020204" pitchFamily="34" charset="0"/>
+                <a:cs typeface="Arial" panose="020B0604020202020204" pitchFamily="34" charset="0"/>
+              </a:rPr>
+              <a:t>The inception network which was introduced as </a:t>
+            </a:r>
+            <a:r>
+              <a:rPr lang="en-US" sz="2000" dirty="0" err="1">
+                <a:solidFill>
+                  <a:schemeClr val="tx1"/>
+                </a:solidFill>
+                <a:latin typeface="Arial" panose="020B0604020202020204" pitchFamily="34" charset="0"/>
+                <a:cs typeface="Arial" panose="020B0604020202020204" pitchFamily="34" charset="0"/>
+              </a:rPr>
+              <a:t>Googlenet</a:t>
+            </a:r>
+            <a:r>
+              <a:rPr lang="en-US" sz="2000" dirty="0">
+                <a:solidFill>
+                  <a:schemeClr val="tx1"/>
+                </a:solidFill>
+                <a:latin typeface="Arial" panose="020B0604020202020204" pitchFamily="34" charset="0"/>
+                <a:cs typeface="Arial" panose="020B0604020202020204" pitchFamily="34" charset="0"/>
+              </a:rPr>
+              <a:t> in 2014 takes a new approach to deep layers models where before different types of convolutions and pooling layers were stacked upon each other but now in an inception module we combine within the same layer different convolutions and a pooling operation which all produces at the layer level an output with same dimensions only different depths which are than concatenated  as an output of the layer and passed on unto the next.</a:t>
+            </a:r>
+          </a:p>
+          <a:p>
+            <a:pPr marL="0" indent="0" algn="l" rtl="0">
+              <a:buFont typeface="Wingdings 3" charset="2"/>
+              <a:buNone/>
+            </a:pPr>
+            <a:endParaRPr lang="en-US" sz="2000" dirty="0">
+              <a:solidFill>
+                <a:schemeClr val="tx1"/>
+              </a:solidFill>
+              <a:latin typeface="Arial" panose="020B0604020202020204" pitchFamily="34" charset="0"/>
+              <a:cs typeface="Arial" panose="020B0604020202020204" pitchFamily="34" charset="0"/>
+            </a:endParaRPr>
+          </a:p>
+        </p:txBody>
+      </p:sp>
+      <p:sp>
+        <p:nvSpPr>
+          <p:cNvPr id="2" name="כותרת 1">
+            <a:extLst>
+              <a:ext uri="{FF2B5EF4-FFF2-40B4-BE49-F238E27FC236}">
+                <a16:creationId xmlns:a16="http://schemas.microsoft.com/office/drawing/2014/main" id="{4A834D02-D58D-B4E3-F567-967483BA00F8}"/>
+              </a:ext>
+            </a:extLst>
+          </p:cNvPr>
+          <p:cNvSpPr>
+            <a:spLocks noGrp="1"/>
+          </p:cNvSpPr>
+          <p:nvPr>
+            <p:ph type="title"/>
+          </p:nvPr>
+        </p:nvSpPr>
+        <p:spPr>
+          <a:xfrm>
+            <a:off x="1681231" y="407466"/>
+            <a:ext cx="8596668" cy="1177085"/>
+          </a:xfrm>
+        </p:spPr>
+        <p:txBody>
+          <a:bodyPr>
+            <a:normAutofit/>
+          </a:bodyPr>
+          <a:lstStyle/>
+          <a:p>
+            <a:pPr algn="ctr" rtl="0"/>
+            <a:r>
+              <a:rPr lang="en-US" sz="4000" dirty="0">
+                <a:latin typeface="Arial" panose="020B0604020202020204" pitchFamily="34" charset="0"/>
+                <a:cs typeface="Arial" panose="020B0604020202020204" pitchFamily="34" charset="0"/>
+              </a:rPr>
+              <a:t>Inception V4</a:t>
+            </a:r>
+            <a:endParaRPr lang="he-IL" sz="4000" dirty="0">
+              <a:latin typeface="Arial" panose="020B0604020202020204" pitchFamily="34" charset="0"/>
+              <a:cs typeface="Arial" panose="020B0604020202020204" pitchFamily="34" charset="0"/>
+            </a:endParaRPr>
+          </a:p>
+        </p:txBody>
+      </p:sp>
+      <p:pic>
+        <p:nvPicPr>
+          <p:cNvPr id="7" name="תמונה 3">
+            <a:extLst>
+              <a:ext uri="{FF2B5EF4-FFF2-40B4-BE49-F238E27FC236}">
+                <a16:creationId xmlns:a16="http://schemas.microsoft.com/office/drawing/2014/main" id="{75F36A9B-487A-03BB-B9F3-74178B948A20}"/>
+              </a:ext>
+            </a:extLst>
+          </p:cNvPr>
+          <p:cNvPicPr>
+            <a:picLocks noChangeAspect="1"/>
+          </p:cNvPicPr>
+          <p:nvPr/>
+        </p:nvPicPr>
+        <p:blipFill>
+          <a:blip r:embed="rId2"/>
+          <a:stretch>
+            <a:fillRect/>
+          </a:stretch>
+        </p:blipFill>
+        <p:spPr>
+          <a:xfrm>
+            <a:off x="1170261" y="3621808"/>
+            <a:ext cx="4925739" cy="2792321"/>
+          </a:xfrm>
+          <a:prstGeom prst="rect">
+            <a:avLst/>
+          </a:prstGeom>
+        </p:spPr>
+      </p:pic>
+      <p:pic>
+        <p:nvPicPr>
+          <p:cNvPr id="8" name="תמונה 4">
+            <a:extLst>
+              <a:ext uri="{FF2B5EF4-FFF2-40B4-BE49-F238E27FC236}">
+                <a16:creationId xmlns:a16="http://schemas.microsoft.com/office/drawing/2014/main" id="{332A766A-4017-982F-6300-1E432CDC12D6}"/>
+              </a:ext>
+            </a:extLst>
+          </p:cNvPr>
+          <p:cNvPicPr>
+            <a:picLocks noChangeAspect="1"/>
+          </p:cNvPicPr>
+          <p:nvPr/>
+        </p:nvPicPr>
+        <p:blipFill>
+          <a:blip r:embed="rId3" cstate="print">
+            <a:extLst>
+              <a:ext uri="{28A0092B-C50C-407E-A947-70E740481C1C}">
+                <a14:useLocalDpi xmlns:a14="http://schemas.microsoft.com/office/drawing/2010/main" val="0"/>
+              </a:ext>
+            </a:extLst>
+          </a:blip>
+          <a:srcRect/>
+          <a:stretch>
+            <a:fillRect/>
+          </a:stretch>
+        </p:blipFill>
+        <p:spPr bwMode="auto">
+          <a:xfrm>
+            <a:off x="6231847" y="4224613"/>
+            <a:ext cx="4925740" cy="1935610"/>
+          </a:xfrm>
+          <a:prstGeom prst="rect">
+            <a:avLst/>
+          </a:prstGeom>
+          <a:noFill/>
+          <a:ln>
+            <a:noFill/>
+          </a:ln>
+        </p:spPr>
+      </p:pic>
+    </p:spTree>
+    <p:extLst>
+      <p:ext uri="{BB962C8B-B14F-4D97-AF65-F5344CB8AC3E}">
+        <p14:creationId xmlns:p14="http://schemas.microsoft.com/office/powerpoint/2010/main" val="1705670930"/>
       </p:ext>
     </p:extLst>
   </p:cSld>

--- a/capstone project phase A.pptx
+++ b/capstone project phase A.pptx
@@ -4,23 +4,32 @@
   <p:sldMasterIdLst>
     <p:sldMasterId id="2147483708" r:id="rId1"/>
   </p:sldMasterIdLst>
+  <p:notesMasterIdLst>
+    <p:notesMasterId r:id="rId21"/>
+  </p:notesMasterIdLst>
+  <p:handoutMasterIdLst>
+    <p:handoutMasterId r:id="rId22"/>
+  </p:handoutMasterIdLst>
   <p:sldIdLst>
     <p:sldId id="259" r:id="rId2"/>
     <p:sldId id="258" r:id="rId3"/>
     <p:sldId id="260" r:id="rId4"/>
     <p:sldId id="261" r:id="rId5"/>
     <p:sldId id="262" r:id="rId6"/>
-    <p:sldId id="263" r:id="rId7"/>
-    <p:sldId id="264" r:id="rId8"/>
-    <p:sldId id="265" r:id="rId9"/>
-    <p:sldId id="267" r:id="rId10"/>
-    <p:sldId id="268" r:id="rId11"/>
-    <p:sldId id="272" r:id="rId12"/>
-    <p:sldId id="271" r:id="rId13"/>
-    <p:sldId id="276" r:id="rId14"/>
-    <p:sldId id="273" r:id="rId15"/>
-    <p:sldId id="274" r:id="rId16"/>
-    <p:sldId id="275" r:id="rId17"/>
+    <p:sldId id="277" r:id="rId7"/>
+    <p:sldId id="263" r:id="rId8"/>
+    <p:sldId id="264" r:id="rId9"/>
+    <p:sldId id="265" r:id="rId10"/>
+    <p:sldId id="267" r:id="rId11"/>
+    <p:sldId id="268" r:id="rId12"/>
+    <p:sldId id="272" r:id="rId13"/>
+    <p:sldId id="278" r:id="rId14"/>
+    <p:sldId id="271" r:id="rId15"/>
+    <p:sldId id="279" r:id="rId16"/>
+    <p:sldId id="276" r:id="rId17"/>
+    <p:sldId id="273" r:id="rId18"/>
+    <p:sldId id="274" r:id="rId19"/>
+    <p:sldId id="275" r:id="rId20"/>
   </p:sldIdLst>
   <p:sldSz cx="12192000" cy="6858000"/>
   <p:notesSz cx="6858000" cy="9144000"/>
@@ -125,6 +134,546 @@
     </p:ext>
   </p:extLst>
 </p:presentation>
+</file>
+
+<file path=ppt/handoutMasters/handoutMaster1.xml><?xml version="1.0" encoding="utf-8"?>
+<p:handoutMaster xmlns:a="http://schemas.openxmlformats.org/drawingml/2006/main" xmlns:r="http://schemas.openxmlformats.org/officeDocument/2006/relationships" xmlns:p="http://schemas.openxmlformats.org/presentationml/2006/main">
+  <p:cSld>
+    <p:bg>
+      <p:bgRef idx="1001">
+        <a:schemeClr val="bg1"/>
+      </p:bgRef>
+    </p:bg>
+    <p:spTree>
+      <p:nvGrpSpPr>
+        <p:cNvPr id="1" name=""/>
+        <p:cNvGrpSpPr/>
+        <p:nvPr/>
+      </p:nvGrpSpPr>
+      <p:grpSpPr>
+        <a:xfrm>
+          <a:off x="0" y="0"/>
+          <a:ext cx="0" cy="0"/>
+          <a:chOff x="0" y="0"/>
+          <a:chExt cx="0" cy="0"/>
+        </a:xfrm>
+      </p:grpSpPr>
+      <p:sp>
+        <p:nvSpPr>
+          <p:cNvPr id="2" name="מציין מיקום של כותרת עליונה 1">
+            <a:extLst>
+              <a:ext uri="{FF2B5EF4-FFF2-40B4-BE49-F238E27FC236}">
+                <a16:creationId xmlns:a16="http://schemas.microsoft.com/office/drawing/2014/main" id="{E5422596-5FCF-E232-046E-ABA675682455}"/>
+              </a:ext>
+            </a:extLst>
+          </p:cNvPr>
+          <p:cNvSpPr>
+            <a:spLocks noGrp="1"/>
+          </p:cNvSpPr>
+          <p:nvPr>
+            <p:ph type="hdr" sz="quarter"/>
+          </p:nvPr>
+        </p:nvSpPr>
+        <p:spPr>
+          <a:xfrm>
+            <a:off x="3886200" y="0"/>
+            <a:ext cx="2971800" cy="458788"/>
+          </a:xfrm>
+          <a:prstGeom prst="rect">
+            <a:avLst/>
+          </a:prstGeom>
+        </p:spPr>
+        <p:txBody>
+          <a:bodyPr vert="horz" lIns="91440" tIns="45720" rIns="91440" bIns="45720" rtlCol="1"/>
+          <a:lstStyle>
+            <a:lvl1pPr algn="r">
+              <a:defRPr sz="1200"/>
+            </a:lvl1pPr>
+          </a:lstStyle>
+          <a:p>
+            <a:endParaRPr lang="he-IL"/>
+          </a:p>
+        </p:txBody>
+      </p:sp>
+      <p:sp>
+        <p:nvSpPr>
+          <p:cNvPr id="3" name="מציין מיקום של תאריך 2">
+            <a:extLst>
+              <a:ext uri="{FF2B5EF4-FFF2-40B4-BE49-F238E27FC236}">
+                <a16:creationId xmlns:a16="http://schemas.microsoft.com/office/drawing/2014/main" id="{B089F8C2-319D-348F-D409-5FBEB262DBC3}"/>
+              </a:ext>
+            </a:extLst>
+          </p:cNvPr>
+          <p:cNvSpPr>
+            <a:spLocks noGrp="1"/>
+          </p:cNvSpPr>
+          <p:nvPr>
+            <p:ph type="dt" sz="quarter" idx="1"/>
+          </p:nvPr>
+        </p:nvSpPr>
+        <p:spPr>
+          <a:xfrm>
+            <a:off x="1588" y="0"/>
+            <a:ext cx="2971800" cy="458788"/>
+          </a:xfrm>
+          <a:prstGeom prst="rect">
+            <a:avLst/>
+          </a:prstGeom>
+        </p:spPr>
+        <p:txBody>
+          <a:bodyPr vert="horz" lIns="91440" tIns="45720" rIns="91440" bIns="45720" rtlCol="1"/>
+          <a:lstStyle>
+            <a:lvl1pPr algn="l">
+              <a:defRPr sz="1200"/>
+            </a:lvl1pPr>
+          </a:lstStyle>
+          <a:p>
+            <a:fld id="{1B09FBF7-821B-46D9-A9CC-2AA9EB732F83}" type="datetimeFigureOut">
+              <a:rPr lang="he-IL" smtClean="0"/>
+              <a:t>כ'/טבת/תשפ"ג</a:t>
+            </a:fld>
+            <a:endParaRPr lang="he-IL"/>
+          </a:p>
+        </p:txBody>
+      </p:sp>
+      <p:sp>
+        <p:nvSpPr>
+          <p:cNvPr id="4" name="מציין מיקום של כותרת תחתונה 3">
+            <a:extLst>
+              <a:ext uri="{FF2B5EF4-FFF2-40B4-BE49-F238E27FC236}">
+                <a16:creationId xmlns:a16="http://schemas.microsoft.com/office/drawing/2014/main" id="{44340AF6-3CEE-B301-ADEB-19E7247A4A3F}"/>
+              </a:ext>
+            </a:extLst>
+          </p:cNvPr>
+          <p:cNvSpPr>
+            <a:spLocks noGrp="1"/>
+          </p:cNvSpPr>
+          <p:nvPr>
+            <p:ph type="ftr" sz="quarter" idx="2"/>
+          </p:nvPr>
+        </p:nvSpPr>
+        <p:spPr>
+          <a:xfrm>
+            <a:off x="3886200" y="8685213"/>
+            <a:ext cx="2971800" cy="458787"/>
+          </a:xfrm>
+          <a:prstGeom prst="rect">
+            <a:avLst/>
+          </a:prstGeom>
+        </p:spPr>
+        <p:txBody>
+          <a:bodyPr vert="horz" lIns="91440" tIns="45720" rIns="91440" bIns="45720" rtlCol="1" anchor="b"/>
+          <a:lstStyle>
+            <a:lvl1pPr algn="r">
+              <a:defRPr sz="1200"/>
+            </a:lvl1pPr>
+          </a:lstStyle>
+          <a:p>
+            <a:endParaRPr lang="he-IL"/>
+          </a:p>
+        </p:txBody>
+      </p:sp>
+      <p:sp>
+        <p:nvSpPr>
+          <p:cNvPr id="5" name="מציין מיקום של מספר שקופית 4">
+            <a:extLst>
+              <a:ext uri="{FF2B5EF4-FFF2-40B4-BE49-F238E27FC236}">
+                <a16:creationId xmlns:a16="http://schemas.microsoft.com/office/drawing/2014/main" id="{6E1FF7D4-A1CA-DBC9-6513-E9B272DF30A6}"/>
+              </a:ext>
+            </a:extLst>
+          </p:cNvPr>
+          <p:cNvSpPr>
+            <a:spLocks noGrp="1"/>
+          </p:cNvSpPr>
+          <p:nvPr>
+            <p:ph type="sldNum" sz="quarter" idx="3"/>
+          </p:nvPr>
+        </p:nvSpPr>
+        <p:spPr>
+          <a:xfrm>
+            <a:off x="1588" y="8685213"/>
+            <a:ext cx="2971800" cy="458787"/>
+          </a:xfrm>
+          <a:prstGeom prst="rect">
+            <a:avLst/>
+          </a:prstGeom>
+        </p:spPr>
+        <p:txBody>
+          <a:bodyPr vert="horz" lIns="91440" tIns="45720" rIns="91440" bIns="45720" rtlCol="1" anchor="b"/>
+          <a:lstStyle>
+            <a:lvl1pPr algn="l">
+              <a:defRPr sz="1200"/>
+            </a:lvl1pPr>
+          </a:lstStyle>
+          <a:p>
+            <a:fld id="{A640C348-7486-40B8-BCA8-BD8E544BB76C}" type="slidenum">
+              <a:rPr lang="he-IL" smtClean="0"/>
+              <a:t>‹#›</a:t>
+            </a:fld>
+            <a:endParaRPr lang="he-IL"/>
+          </a:p>
+        </p:txBody>
+      </p:sp>
+    </p:spTree>
+    <p:extLst>
+      <p:ext uri="{BB962C8B-B14F-4D97-AF65-F5344CB8AC3E}">
+        <p14:creationId xmlns:p14="http://schemas.microsoft.com/office/powerpoint/2010/main" val="493820620"/>
+      </p:ext>
+    </p:extLst>
+  </p:cSld>
+  <p:clrMap bg1="lt1" tx1="dk1" bg2="lt2" tx2="dk2" accent1="accent1" accent2="accent2" accent3="accent3" accent4="accent4" accent5="accent5" accent6="accent6" hlink="hlink" folHlink="folHlink"/>
+  <p:hf hdr="0" ftr="0" dt="0"/>
+</p:handoutMaster>
+</file>
+
+<file path=ppt/notesMasters/notesMaster1.xml><?xml version="1.0" encoding="utf-8"?>
+<p:notesMaster xmlns:a="http://schemas.openxmlformats.org/drawingml/2006/main" xmlns:r="http://schemas.openxmlformats.org/officeDocument/2006/relationships" xmlns:p="http://schemas.openxmlformats.org/presentationml/2006/main">
+  <p:cSld>
+    <p:bg>
+      <p:bgRef idx="1001">
+        <a:schemeClr val="bg1"/>
+      </p:bgRef>
+    </p:bg>
+    <p:spTree>
+      <p:nvGrpSpPr>
+        <p:cNvPr id="1" name=""/>
+        <p:cNvGrpSpPr/>
+        <p:nvPr/>
+      </p:nvGrpSpPr>
+      <p:grpSpPr>
+        <a:xfrm>
+          <a:off x="0" y="0"/>
+          <a:ext cx="0" cy="0"/>
+          <a:chOff x="0" y="0"/>
+          <a:chExt cx="0" cy="0"/>
+        </a:xfrm>
+      </p:grpSpPr>
+      <p:sp>
+        <p:nvSpPr>
+          <p:cNvPr id="2" name="מציין מיקום של כותרת עליונה 1"/>
+          <p:cNvSpPr>
+            <a:spLocks noGrp="1"/>
+          </p:cNvSpPr>
+          <p:nvPr>
+            <p:ph type="hdr" sz="quarter"/>
+          </p:nvPr>
+        </p:nvSpPr>
+        <p:spPr>
+          <a:xfrm>
+            <a:off x="3886200" y="0"/>
+            <a:ext cx="2971800" cy="458788"/>
+          </a:xfrm>
+          <a:prstGeom prst="rect">
+            <a:avLst/>
+          </a:prstGeom>
+        </p:spPr>
+        <p:txBody>
+          <a:bodyPr vert="horz" lIns="91440" tIns="45720" rIns="91440" bIns="45720" rtlCol="1"/>
+          <a:lstStyle>
+            <a:lvl1pPr algn="r">
+              <a:defRPr sz="1200"/>
+            </a:lvl1pPr>
+          </a:lstStyle>
+          <a:p>
+            <a:endParaRPr lang="he-IL"/>
+          </a:p>
+        </p:txBody>
+      </p:sp>
+      <p:sp>
+        <p:nvSpPr>
+          <p:cNvPr id="3" name="מציין מיקום של תאריך 2"/>
+          <p:cNvSpPr>
+            <a:spLocks noGrp="1"/>
+          </p:cNvSpPr>
+          <p:nvPr>
+            <p:ph type="dt" idx="1"/>
+          </p:nvPr>
+        </p:nvSpPr>
+        <p:spPr>
+          <a:xfrm>
+            <a:off x="1588" y="0"/>
+            <a:ext cx="2971800" cy="458788"/>
+          </a:xfrm>
+          <a:prstGeom prst="rect">
+            <a:avLst/>
+          </a:prstGeom>
+        </p:spPr>
+        <p:txBody>
+          <a:bodyPr vert="horz" lIns="91440" tIns="45720" rIns="91440" bIns="45720" rtlCol="1"/>
+          <a:lstStyle>
+            <a:lvl1pPr algn="l">
+              <a:defRPr sz="1200"/>
+            </a:lvl1pPr>
+          </a:lstStyle>
+          <a:p>
+            <a:fld id="{BA9A9A6A-E7C7-479C-A1C1-73E20B5013D8}" type="datetimeFigureOut">
+              <a:rPr lang="he-IL" smtClean="0"/>
+              <a:t>כ'/טבת/תשפ"ג</a:t>
+            </a:fld>
+            <a:endParaRPr lang="he-IL"/>
+          </a:p>
+        </p:txBody>
+      </p:sp>
+      <p:sp>
+        <p:nvSpPr>
+          <p:cNvPr id="4" name="מציין מיקום של תמונת שקופית 3"/>
+          <p:cNvSpPr>
+            <a:spLocks noGrp="1" noRot="1" noChangeAspect="1"/>
+          </p:cNvSpPr>
+          <p:nvPr>
+            <p:ph type="sldImg" idx="2"/>
+          </p:nvPr>
+        </p:nvSpPr>
+        <p:spPr>
+          <a:xfrm>
+            <a:off x="685800" y="1143000"/>
+            <a:ext cx="5486400" cy="3086100"/>
+          </a:xfrm>
+          <a:prstGeom prst="rect">
+            <a:avLst/>
+          </a:prstGeom>
+          <a:noFill/>
+          <a:ln w="12700">
+            <a:solidFill>
+              <a:prstClr val="black"/>
+            </a:solidFill>
+          </a:ln>
+        </p:spPr>
+        <p:txBody>
+          <a:bodyPr vert="horz" lIns="91440" tIns="45720" rIns="91440" bIns="45720" rtlCol="1" anchor="ctr"/>
+          <a:lstStyle/>
+          <a:p>
+            <a:endParaRPr lang="he-IL"/>
+          </a:p>
+        </p:txBody>
+      </p:sp>
+      <p:sp>
+        <p:nvSpPr>
+          <p:cNvPr id="5" name="מציין מיקום של הערות 4"/>
+          <p:cNvSpPr>
+            <a:spLocks noGrp="1"/>
+          </p:cNvSpPr>
+          <p:nvPr>
+            <p:ph type="body" sz="quarter" idx="3"/>
+          </p:nvPr>
+        </p:nvSpPr>
+        <p:spPr>
+          <a:xfrm>
+            <a:off x="685800" y="4400550"/>
+            <a:ext cx="5486400" cy="3600450"/>
+          </a:xfrm>
+          <a:prstGeom prst="rect">
+            <a:avLst/>
+          </a:prstGeom>
+        </p:spPr>
+        <p:txBody>
+          <a:bodyPr vert="horz" lIns="91440" tIns="45720" rIns="91440" bIns="45720" rtlCol="1"/>
+          <a:lstStyle/>
+          <a:p>
+            <a:pPr lvl="0"/>
+            <a:r>
+              <a:rPr lang="he-IL"/>
+              <a:t>לחץ כדי לערוך סגנונות טקסט של תבנית בסיס</a:t>
+            </a:r>
+          </a:p>
+          <a:p>
+            <a:pPr lvl="1"/>
+            <a:r>
+              <a:rPr lang="he-IL"/>
+              <a:t>רמה שנייה</a:t>
+            </a:r>
+          </a:p>
+          <a:p>
+            <a:pPr lvl="2"/>
+            <a:r>
+              <a:rPr lang="he-IL"/>
+              <a:t>רמה שלישית</a:t>
+            </a:r>
+          </a:p>
+          <a:p>
+            <a:pPr lvl="3"/>
+            <a:r>
+              <a:rPr lang="he-IL"/>
+              <a:t>רמה רביעית</a:t>
+            </a:r>
+          </a:p>
+          <a:p>
+            <a:pPr lvl="4"/>
+            <a:r>
+              <a:rPr lang="he-IL"/>
+              <a:t>רמה חמישית</a:t>
+            </a:r>
+          </a:p>
+        </p:txBody>
+      </p:sp>
+      <p:sp>
+        <p:nvSpPr>
+          <p:cNvPr id="6" name="מציין מיקום של כותרת תחתונה 5"/>
+          <p:cNvSpPr>
+            <a:spLocks noGrp="1"/>
+          </p:cNvSpPr>
+          <p:nvPr>
+            <p:ph type="ftr" sz="quarter" idx="4"/>
+          </p:nvPr>
+        </p:nvSpPr>
+        <p:spPr>
+          <a:xfrm>
+            <a:off x="3886200" y="8685213"/>
+            <a:ext cx="2971800" cy="458787"/>
+          </a:xfrm>
+          <a:prstGeom prst="rect">
+            <a:avLst/>
+          </a:prstGeom>
+        </p:spPr>
+        <p:txBody>
+          <a:bodyPr vert="horz" lIns="91440" tIns="45720" rIns="91440" bIns="45720" rtlCol="1" anchor="b"/>
+          <a:lstStyle>
+            <a:lvl1pPr algn="r">
+              <a:defRPr sz="1200"/>
+            </a:lvl1pPr>
+          </a:lstStyle>
+          <a:p>
+            <a:endParaRPr lang="he-IL"/>
+          </a:p>
+        </p:txBody>
+      </p:sp>
+      <p:sp>
+        <p:nvSpPr>
+          <p:cNvPr id="7" name="מציין מיקום של מספר שקופית 6"/>
+          <p:cNvSpPr>
+            <a:spLocks noGrp="1"/>
+          </p:cNvSpPr>
+          <p:nvPr>
+            <p:ph type="sldNum" sz="quarter" idx="5"/>
+          </p:nvPr>
+        </p:nvSpPr>
+        <p:spPr>
+          <a:xfrm>
+            <a:off x="1588" y="8685213"/>
+            <a:ext cx="2971800" cy="458787"/>
+          </a:xfrm>
+          <a:prstGeom prst="rect">
+            <a:avLst/>
+          </a:prstGeom>
+        </p:spPr>
+        <p:txBody>
+          <a:bodyPr vert="horz" lIns="91440" tIns="45720" rIns="91440" bIns="45720" rtlCol="1" anchor="b"/>
+          <a:lstStyle>
+            <a:lvl1pPr algn="l">
+              <a:defRPr sz="1200"/>
+            </a:lvl1pPr>
+          </a:lstStyle>
+          <a:p>
+            <a:fld id="{398D4DB8-10DC-431A-A77D-587759D9D9E5}" type="slidenum">
+              <a:rPr lang="he-IL" smtClean="0"/>
+              <a:t>‹#›</a:t>
+            </a:fld>
+            <a:endParaRPr lang="he-IL"/>
+          </a:p>
+        </p:txBody>
+      </p:sp>
+    </p:spTree>
+    <p:extLst>
+      <p:ext uri="{BB962C8B-B14F-4D97-AF65-F5344CB8AC3E}">
+        <p14:creationId xmlns:p14="http://schemas.microsoft.com/office/powerpoint/2010/main" val="4088630672"/>
+      </p:ext>
+    </p:extLst>
+  </p:cSld>
+  <p:clrMap bg1="lt1" tx1="dk1" bg2="lt2" tx2="dk2" accent1="accent1" accent2="accent2" accent3="accent3" accent4="accent4" accent5="accent5" accent6="accent6" hlink="hlink" folHlink="folHlink"/>
+  <p:hf hdr="0" ftr="0" dt="0"/>
+  <p:notesStyle>
+    <a:lvl1pPr marL="0" algn="r" defTabSz="914400" rtl="1" eaLnBrk="1" latinLnBrk="0" hangingPunct="1">
+      <a:defRPr sz="1200" kern="1200">
+        <a:solidFill>
+          <a:schemeClr val="tx1"/>
+        </a:solidFill>
+        <a:latin typeface="+mn-lt"/>
+        <a:ea typeface="+mn-ea"/>
+        <a:cs typeface="+mn-cs"/>
+      </a:defRPr>
+    </a:lvl1pPr>
+    <a:lvl2pPr marL="457200" algn="r" defTabSz="914400" rtl="1" eaLnBrk="1" latinLnBrk="0" hangingPunct="1">
+      <a:defRPr sz="1200" kern="1200">
+        <a:solidFill>
+          <a:schemeClr val="tx1"/>
+        </a:solidFill>
+        <a:latin typeface="+mn-lt"/>
+        <a:ea typeface="+mn-ea"/>
+        <a:cs typeface="+mn-cs"/>
+      </a:defRPr>
+    </a:lvl2pPr>
+    <a:lvl3pPr marL="914400" algn="r" defTabSz="914400" rtl="1" eaLnBrk="1" latinLnBrk="0" hangingPunct="1">
+      <a:defRPr sz="1200" kern="1200">
+        <a:solidFill>
+          <a:schemeClr val="tx1"/>
+        </a:solidFill>
+        <a:latin typeface="+mn-lt"/>
+        <a:ea typeface="+mn-ea"/>
+        <a:cs typeface="+mn-cs"/>
+      </a:defRPr>
+    </a:lvl3pPr>
+    <a:lvl4pPr marL="1371600" algn="r" defTabSz="914400" rtl="1" eaLnBrk="1" latinLnBrk="0" hangingPunct="1">
+      <a:defRPr sz="1200" kern="1200">
+        <a:solidFill>
+          <a:schemeClr val="tx1"/>
+        </a:solidFill>
+        <a:latin typeface="+mn-lt"/>
+        <a:ea typeface="+mn-ea"/>
+        <a:cs typeface="+mn-cs"/>
+      </a:defRPr>
+    </a:lvl4pPr>
+    <a:lvl5pPr marL="1828800" algn="r" defTabSz="914400" rtl="1" eaLnBrk="1" latinLnBrk="0" hangingPunct="1">
+      <a:defRPr sz="1200" kern="1200">
+        <a:solidFill>
+          <a:schemeClr val="tx1"/>
+        </a:solidFill>
+        <a:latin typeface="+mn-lt"/>
+        <a:ea typeface="+mn-ea"/>
+        <a:cs typeface="+mn-cs"/>
+      </a:defRPr>
+    </a:lvl5pPr>
+    <a:lvl6pPr marL="2286000" algn="r" defTabSz="914400" rtl="1" eaLnBrk="1" latinLnBrk="0" hangingPunct="1">
+      <a:defRPr sz="1200" kern="1200">
+        <a:solidFill>
+          <a:schemeClr val="tx1"/>
+        </a:solidFill>
+        <a:latin typeface="+mn-lt"/>
+        <a:ea typeface="+mn-ea"/>
+        <a:cs typeface="+mn-cs"/>
+      </a:defRPr>
+    </a:lvl6pPr>
+    <a:lvl7pPr marL="2743200" algn="r" defTabSz="914400" rtl="1" eaLnBrk="1" latinLnBrk="0" hangingPunct="1">
+      <a:defRPr sz="1200" kern="1200">
+        <a:solidFill>
+          <a:schemeClr val="tx1"/>
+        </a:solidFill>
+        <a:latin typeface="+mn-lt"/>
+        <a:ea typeface="+mn-ea"/>
+        <a:cs typeface="+mn-cs"/>
+      </a:defRPr>
+    </a:lvl7pPr>
+    <a:lvl8pPr marL="3200400" algn="r" defTabSz="914400" rtl="1" eaLnBrk="1" latinLnBrk="0" hangingPunct="1">
+      <a:defRPr sz="1200" kern="1200">
+        <a:solidFill>
+          <a:schemeClr val="tx1"/>
+        </a:solidFill>
+        <a:latin typeface="+mn-lt"/>
+        <a:ea typeface="+mn-ea"/>
+        <a:cs typeface="+mn-cs"/>
+      </a:defRPr>
+    </a:lvl8pPr>
+    <a:lvl9pPr marL="3657600" algn="r" defTabSz="914400" rtl="1" eaLnBrk="1" latinLnBrk="0" hangingPunct="1">
+      <a:defRPr sz="1200" kern="1200">
+        <a:solidFill>
+          <a:schemeClr val="tx1"/>
+        </a:solidFill>
+        <a:latin typeface="+mn-lt"/>
+        <a:ea typeface="+mn-ea"/>
+        <a:cs typeface="+mn-cs"/>
+      </a:defRPr>
+    </a:lvl9pPr>
+  </p:notesStyle>
+</p:notesMaster>
 </file>
 
 <file path=ppt/slideLayouts/slideLayout1.xml><?xml version="1.0" encoding="utf-8"?>
@@ -847,9 +1396,9 @@
           <a:bodyPr/>
           <a:lstStyle/>
           <a:p>
-            <a:fld id="{D3F75E5A-59E6-41C3-86BC-276BB8181AF7}" type="datetimeFigureOut">
+            <a:fld id="{BC4B8964-0C60-42F0-8A7B-39789F9CAB98}" type="datetime8">
               <a:rPr lang="he-IL" smtClean="0"/>
-              <a:t>י'/טבת/תשפ"ג</a:t>
+              <a:t>13 ינואר 23</a:t>
             </a:fld>
             <a:endParaRPr lang="he-IL"/>
           </a:p>
@@ -1098,9 +1647,9 @@
           <a:bodyPr/>
           <a:lstStyle/>
           <a:p>
-            <a:fld id="{D3F75E5A-59E6-41C3-86BC-276BB8181AF7}" type="datetimeFigureOut">
+            <a:fld id="{44492D5F-5C5A-4427-A4A4-F7086FB0D825}" type="datetime8">
               <a:rPr lang="he-IL" smtClean="0"/>
-              <a:t>י'/טבת/תשפ"ג</a:t>
+              <a:t>13 ינואר 23</a:t>
             </a:fld>
             <a:endParaRPr lang="he-IL"/>
           </a:p>
@@ -1412,9 +1961,9 @@
           <a:bodyPr/>
           <a:lstStyle/>
           <a:p>
-            <a:fld id="{D3F75E5A-59E6-41C3-86BC-276BB8181AF7}" type="datetimeFigureOut">
+            <a:fld id="{2F3682EE-130E-4230-AB1E-CAE76CFF0C5F}" type="datetime8">
               <a:rPr lang="he-IL" smtClean="0"/>
-              <a:t>י'/טבת/תשפ"ג</a:t>
+              <a:t>13 ינואר 23</a:t>
             </a:fld>
             <a:endParaRPr lang="he-IL"/>
           </a:p>
@@ -1753,9 +2302,9 @@
           <a:bodyPr/>
           <a:lstStyle/>
           <a:p>
-            <a:fld id="{D3F75E5A-59E6-41C3-86BC-276BB8181AF7}" type="datetimeFigureOut">
+            <a:fld id="{5124BDF2-CCB8-42F8-9C06-6D4E7BD012F8}" type="datetime8">
               <a:rPr lang="he-IL" smtClean="0"/>
-              <a:t>י'/טבת/תשפ"ג</a:t>
+              <a:t>13 ינואר 23</a:t>
             </a:fld>
             <a:endParaRPr lang="he-IL"/>
           </a:p>
@@ -2067,9 +2616,9 @@
           <a:bodyPr/>
           <a:lstStyle/>
           <a:p>
-            <a:fld id="{D3F75E5A-59E6-41C3-86BC-276BB8181AF7}" type="datetimeFigureOut">
+            <a:fld id="{B6002D6A-E79A-4FA0-941C-54C7EBE39EDF}" type="datetime8">
               <a:rPr lang="he-IL" smtClean="0"/>
-              <a:t>י'/טבת/תשפ"ג</a:t>
+              <a:t>13 ינואר 23</a:t>
             </a:fld>
             <a:endParaRPr lang="he-IL"/>
           </a:p>
@@ -2460,9 +3009,9 @@
           <a:bodyPr/>
           <a:lstStyle/>
           <a:p>
-            <a:fld id="{D3F75E5A-59E6-41C3-86BC-276BB8181AF7}" type="datetimeFigureOut">
+            <a:fld id="{A564A717-DCE1-439A-9B67-7D7188204F6F}" type="datetime8">
               <a:rPr lang="he-IL" smtClean="0"/>
-              <a:t>י'/טבת/תשפ"ג</a:t>
+              <a:t>13 ינואר 23</a:t>
             </a:fld>
             <a:endParaRPr lang="he-IL"/>
           </a:p>
@@ -2630,9 +3179,9 @@
           <a:bodyPr/>
           <a:lstStyle/>
           <a:p>
-            <a:fld id="{D3F75E5A-59E6-41C3-86BC-276BB8181AF7}" type="datetimeFigureOut">
+            <a:fld id="{4478F9B6-294E-4621-AF80-B31B71B8B72B}" type="datetime8">
               <a:rPr lang="he-IL" smtClean="0"/>
-              <a:t>י'/טבת/תשפ"ג</a:t>
+              <a:t>13 ינואר 23</a:t>
             </a:fld>
             <a:endParaRPr lang="he-IL"/>
           </a:p>
@@ -2810,9 +3359,9 @@
           <a:bodyPr/>
           <a:lstStyle/>
           <a:p>
-            <a:fld id="{D3F75E5A-59E6-41C3-86BC-276BB8181AF7}" type="datetimeFigureOut">
+            <a:fld id="{A01D7BAB-3B1F-4321-BAE3-D9738DD3E45D}" type="datetime8">
               <a:rPr lang="he-IL" smtClean="0"/>
-              <a:t>י'/טבת/תשפ"ג</a:t>
+              <a:t>13 ינואר 23</a:t>
             </a:fld>
             <a:endParaRPr lang="he-IL"/>
           </a:p>
@@ -2986,9 +3535,9 @@
           <a:bodyPr/>
           <a:lstStyle/>
           <a:p>
-            <a:fld id="{D3F75E5A-59E6-41C3-86BC-276BB8181AF7}" type="datetimeFigureOut">
+            <a:fld id="{49A70225-B891-41BC-B1EB-C74B0A90B821}" type="datetime8">
               <a:rPr lang="he-IL" smtClean="0"/>
-              <a:t>י'/טבת/תשפ"ג</a:t>
+              <a:t>13 ינואר 23</a:t>
             </a:fld>
             <a:endParaRPr lang="he-IL"/>
           </a:p>
@@ -3233,9 +3782,9 @@
           <a:bodyPr/>
           <a:lstStyle/>
           <a:p>
-            <a:fld id="{D3F75E5A-59E6-41C3-86BC-276BB8181AF7}" type="datetimeFigureOut">
+            <a:fld id="{68354EA6-AE6A-40B6-9859-42518146A42A}" type="datetime8">
               <a:rPr lang="he-IL" smtClean="0"/>
-              <a:t>י'/טבת/תשפ"ג</a:t>
+              <a:t>13 ינואר 23</a:t>
             </a:fld>
             <a:endParaRPr lang="he-IL"/>
           </a:p>
@@ -3465,9 +4014,9 @@
           <a:bodyPr/>
           <a:lstStyle/>
           <a:p>
-            <a:fld id="{D3F75E5A-59E6-41C3-86BC-276BB8181AF7}" type="datetimeFigureOut">
+            <a:fld id="{1BC7F4CD-58D3-4335-B5D5-C38391E20D3C}" type="datetime8">
               <a:rPr lang="he-IL" smtClean="0"/>
-              <a:t>י'/טבת/תשפ"ג</a:t>
+              <a:t>13 ינואר 23</a:t>
             </a:fld>
             <a:endParaRPr lang="he-IL"/>
           </a:p>
@@ -3839,9 +4388,9 @@
           <a:bodyPr/>
           <a:lstStyle/>
           <a:p>
-            <a:fld id="{D3F75E5A-59E6-41C3-86BC-276BB8181AF7}" type="datetimeFigureOut">
+            <a:fld id="{61465D9B-820F-435A-B19E-D10F7B776F41}" type="datetime8">
               <a:rPr lang="he-IL" smtClean="0"/>
-              <a:t>י'/טבת/תשפ"ג</a:t>
+              <a:t>13 ינואר 23</a:t>
             </a:fld>
             <a:endParaRPr lang="he-IL"/>
           </a:p>
@@ -3962,9 +4511,9 @@
           <a:bodyPr/>
           <a:lstStyle/>
           <a:p>
-            <a:fld id="{D3F75E5A-59E6-41C3-86BC-276BB8181AF7}" type="datetimeFigureOut">
+            <a:fld id="{F35B8C53-FDF9-43B8-816B-448B03198626}" type="datetime8">
               <a:rPr lang="he-IL" smtClean="0"/>
-              <a:t>י'/טבת/תשפ"ג</a:t>
+              <a:t>13 ינואר 23</a:t>
             </a:fld>
             <a:endParaRPr lang="he-IL"/>
           </a:p>
@@ -4057,9 +4606,9 @@
           <a:bodyPr/>
           <a:lstStyle/>
           <a:p>
-            <a:fld id="{D3F75E5A-59E6-41C3-86BC-276BB8181AF7}" type="datetimeFigureOut">
+            <a:fld id="{EF2DC438-7C71-453E-A629-9248B1F5CE1F}" type="datetime8">
               <a:rPr lang="he-IL" smtClean="0"/>
-              <a:t>י'/טבת/תשפ"ג</a:t>
+              <a:t>13 ינואר 23</a:t>
             </a:fld>
             <a:endParaRPr lang="he-IL"/>
           </a:p>
@@ -4312,9 +4861,9 @@
           <a:bodyPr/>
           <a:lstStyle/>
           <a:p>
-            <a:fld id="{D3F75E5A-59E6-41C3-86BC-276BB8181AF7}" type="datetimeFigureOut">
+            <a:fld id="{0BD847BE-56B8-411B-A53F-42E7F389BB4A}" type="datetime8">
               <a:rPr lang="he-IL" smtClean="0"/>
-              <a:t>י'/טבת/תשפ"ג</a:t>
+              <a:t>13 ינואר 23</a:t>
             </a:fld>
             <a:endParaRPr lang="he-IL"/>
           </a:p>
@@ -4575,9 +5124,9 @@
           <a:bodyPr/>
           <a:lstStyle/>
           <a:p>
-            <a:fld id="{D3F75E5A-59E6-41C3-86BC-276BB8181AF7}" type="datetimeFigureOut">
+            <a:fld id="{FF59ECC8-B340-430C-BECB-9DB381B79EEB}" type="datetime8">
               <a:rPr lang="he-IL" smtClean="0"/>
-              <a:t>י'/טבת/תשפ"ג</a:t>
+              <a:t>13 ינואר 23</a:t>
             </a:fld>
             <a:endParaRPr lang="he-IL"/>
           </a:p>
@@ -5318,9 +5867,9 @@
             </a:lvl1pPr>
           </a:lstStyle>
           <a:p>
-            <a:fld id="{D3F75E5A-59E6-41C3-86BC-276BB8181AF7}" type="datetimeFigureOut">
+            <a:fld id="{E6DCC100-7695-42DC-BE2A-28A81F3C7902}" type="datetime8">
               <a:rPr lang="he-IL" smtClean="0"/>
-              <a:t>י'/טבת/תשפ"ג</a:t>
+              <a:t>13 ינואר 23</a:t>
             </a:fld>
             <a:endParaRPr lang="he-IL"/>
           </a:p>
@@ -5428,6 +5977,7 @@
     <p:sldLayoutId id="2147483723" r:id="rId15"/>
     <p:sldLayoutId id="2147483724" r:id="rId16"/>
   </p:sldLayoutIdLst>
+  <p:hf hdr="0" ftr="0" dt="0"/>
   <p:txStyles>
     <p:titleStyle>
       <a:lvl1pPr algn="l" defTabSz="457200" rtl="1" eaLnBrk="1" latinLnBrk="0" hangingPunct="1">
@@ -6088,7 +6638,7 @@
         </p:spPr>
         <p:txBody>
           <a:bodyPr>
-            <a:normAutofit fontScale="97500" lnSpcReduction="10000"/>
+            <a:normAutofit fontScale="97500"/>
           </a:bodyPr>
           <a:lstStyle/>
           <a:p>
@@ -6109,7 +6659,7 @@
                 <a:latin typeface="Arial" panose="020B0604020202020204" pitchFamily="34" charset="0"/>
                 <a:cs typeface="Arial" panose="020B0604020202020204" pitchFamily="34" charset="0"/>
               </a:rPr>
-              <a:t>breast cancer cells classification using CNN on histopathology and mammography imaging</a:t>
+              <a:t>breast cancer cells classification using CNN</a:t>
             </a:r>
             <a:br>
               <a:rPr lang="en-US" sz="3200" dirty="0">
@@ -6174,6 +6724,40 @@
               <a:latin typeface="Arial" panose="020B0604020202020204" pitchFamily="34" charset="0"/>
               <a:cs typeface="Arial" panose="020B0604020202020204" pitchFamily="34" charset="0"/>
             </a:endParaRPr>
+          </a:p>
+        </p:txBody>
+      </p:sp>
+      <p:sp>
+        <p:nvSpPr>
+          <p:cNvPr id="2" name="מציין מיקום של מספר שקופית 1">
+            <a:extLst>
+              <a:ext uri="{FF2B5EF4-FFF2-40B4-BE49-F238E27FC236}">
+                <a16:creationId xmlns:a16="http://schemas.microsoft.com/office/drawing/2014/main" id="{7174ACE3-A82A-1FBA-F5D2-39C609EB2A49}"/>
+              </a:ext>
+            </a:extLst>
+          </p:cNvPr>
+          <p:cNvSpPr>
+            <a:spLocks noGrp="1"/>
+          </p:cNvSpPr>
+          <p:nvPr>
+            <p:ph type="sldNum" sz="quarter" idx="12"/>
+          </p:nvPr>
+        </p:nvSpPr>
+        <p:spPr>
+          <a:xfrm>
+            <a:off x="10666063" y="6051195"/>
+            <a:ext cx="683339" cy="365125"/>
+          </a:xfrm>
+        </p:spPr>
+        <p:txBody>
+          <a:bodyPr/>
+          <a:lstStyle/>
+          <a:p>
+            <a:fld id="{FEDBE076-7370-4F39-B8CE-D2BB33626AF3}" type="slidenum">
+              <a:rPr lang="he-IL" smtClean="0"/>
+              <a:t>1</a:t>
+            </a:fld>
+            <a:endParaRPr lang="he-IL" dirty="0"/>
           </a:p>
         </p:txBody>
       </p:sp>
@@ -6407,8 +6991,8 @@
         </p:nvSpPr>
         <p:spPr>
           <a:xfrm>
-            <a:off x="1092368" y="310979"/>
-            <a:ext cx="10333996" cy="3340181"/>
+            <a:off x="1063496" y="1496180"/>
+            <a:ext cx="10273124" cy="2200058"/>
           </a:xfrm>
           <a:prstGeom prst="rect">
             <a:avLst/>
@@ -6658,17 +7242,18 @@
                 <a:latin typeface="Arial" panose="020B0604020202020204" pitchFamily="34" charset="0"/>
                 <a:cs typeface="Arial" panose="020B0604020202020204" pitchFamily="34" charset="0"/>
               </a:rPr>
-              <a:t>Inception v3 is also introduced in the same paper with v2 and is a variation of v2 with batch normalization on the auxiliary classifiers and not just on convolutions.</a:t>
-            </a:r>
-            <a:br>
-              <a:rPr lang="en-US" sz="2000" dirty="0">
+              <a:t>The inception network which was introduced as </a:t>
+            </a:r>
+            <a:r>
+              <a:rPr lang="en-US" sz="2000" dirty="0" err="1">
                 <a:solidFill>
                   <a:schemeClr val="tx1"/>
                 </a:solidFill>
                 <a:latin typeface="Arial" panose="020B0604020202020204" pitchFamily="34" charset="0"/>
                 <a:cs typeface="Arial" panose="020B0604020202020204" pitchFamily="34" charset="0"/>
               </a:rPr>
-            </a:br>
+              <a:t>Googlenet</a:t>
+            </a:r>
             <a:r>
               <a:rPr lang="en-US" sz="2000" dirty="0">
                 <a:solidFill>
@@ -6677,45 +7262,7 @@
                 <a:latin typeface="Arial" panose="020B0604020202020204" pitchFamily="34" charset="0"/>
                 <a:cs typeface="Arial" panose="020B0604020202020204" pitchFamily="34" charset="0"/>
               </a:rPr>
-              <a:t>the Inception architecture is highly tunable, meaning that there are a lot of possible changes to the number of filters in the various layers that do not affect the quality of the fully trained network.</a:t>
-            </a:r>
-            <a:br>
-              <a:rPr lang="en-US" sz="2000" dirty="0">
-                <a:solidFill>
-                  <a:schemeClr val="tx1"/>
-                </a:solidFill>
-                <a:latin typeface="Arial" panose="020B0604020202020204" pitchFamily="34" charset="0"/>
-                <a:cs typeface="Arial" panose="020B0604020202020204" pitchFamily="34" charset="0"/>
-              </a:rPr>
-            </a:br>
-            <a:r>
-              <a:rPr lang="en-US" sz="2000" dirty="0">
-                <a:solidFill>
-                  <a:schemeClr val="tx1"/>
-                </a:solidFill>
-                <a:latin typeface="Arial" panose="020B0604020202020204" pitchFamily="34" charset="0"/>
-                <a:cs typeface="Arial" panose="020B0604020202020204" pitchFamily="34" charset="0"/>
-              </a:rPr>
-              <a:t>inception v4 is an updated version of inception which made use of advancements and newer tools from when v3 was published.</a:t>
-            </a:r>
-            <a:br>
-              <a:rPr lang="en-US" sz="2000" dirty="0">
-                <a:solidFill>
-                  <a:schemeClr val="tx1"/>
-                </a:solidFill>
-                <a:latin typeface="Arial" panose="020B0604020202020204" pitchFamily="34" charset="0"/>
-                <a:cs typeface="Arial" panose="020B0604020202020204" pitchFamily="34" charset="0"/>
-              </a:rPr>
-            </a:br>
-            <a:r>
-              <a:rPr lang="en-US" sz="2000" dirty="0">
-                <a:solidFill>
-                  <a:schemeClr val="tx1"/>
-                </a:solidFill>
-                <a:latin typeface="Arial" panose="020B0604020202020204" pitchFamily="34" charset="0"/>
-                <a:cs typeface="Arial" panose="020B0604020202020204" pitchFamily="34" charset="0"/>
-              </a:rPr>
-              <a:t>researchers note not simplifying earlier choices in the architecture resulted in networks that looked more complicated than they needed to be and made changes </a:t>
+              <a:t> in 2014 takes a new approach to deep layers models where before different types of convolutions and pooling layers were stacked upon each other but now in an inception module we combine within the same layer different convolutions and a pooling operation which all produces at the layer level an output with same dimensions only different depths which are than concatenated  as an output of the layer and passed on unto the next.</a:t>
             </a:r>
           </a:p>
           <a:p>
@@ -6733,21 +7280,62 @@
           </a:p>
         </p:txBody>
       </p:sp>
+      <p:sp>
+        <p:nvSpPr>
+          <p:cNvPr id="2" name="כותרת 1">
+            <a:extLst>
+              <a:ext uri="{FF2B5EF4-FFF2-40B4-BE49-F238E27FC236}">
+                <a16:creationId xmlns:a16="http://schemas.microsoft.com/office/drawing/2014/main" id="{4A834D02-D58D-B4E3-F567-967483BA00F8}"/>
+              </a:ext>
+            </a:extLst>
+          </p:cNvPr>
+          <p:cNvSpPr>
+            <a:spLocks noGrp="1"/>
+          </p:cNvSpPr>
+          <p:nvPr>
+            <p:ph type="title"/>
+          </p:nvPr>
+        </p:nvSpPr>
+        <p:spPr>
+          <a:xfrm>
+            <a:off x="1681231" y="407466"/>
+            <a:ext cx="8596668" cy="1177085"/>
+          </a:xfrm>
+        </p:spPr>
+        <p:txBody>
+          <a:bodyPr>
+            <a:normAutofit/>
+          </a:bodyPr>
+          <a:lstStyle/>
+          <a:p>
+            <a:pPr algn="ctr" rtl="0"/>
+            <a:r>
+              <a:rPr lang="en-US" sz="4000" dirty="0">
+                <a:latin typeface="Arial" panose="020B0604020202020204" pitchFamily="34" charset="0"/>
+                <a:cs typeface="Arial" panose="020B0604020202020204" pitchFamily="34" charset="0"/>
+              </a:rPr>
+              <a:t>Inception V4</a:t>
+            </a:r>
+            <a:endParaRPr lang="he-IL" sz="4000" dirty="0">
+              <a:latin typeface="Arial" panose="020B0604020202020204" pitchFamily="34" charset="0"/>
+              <a:cs typeface="Arial" panose="020B0604020202020204" pitchFamily="34" charset="0"/>
+            </a:endParaRPr>
+          </a:p>
+        </p:txBody>
+      </p:sp>
       <p:pic>
         <p:nvPicPr>
-          <p:cNvPr id="3" name="מציין מיקום תוכן 3">
+          <p:cNvPr id="7" name="תמונה 3">
             <a:extLst>
               <a:ext uri="{FF2B5EF4-FFF2-40B4-BE49-F238E27FC236}">
-                <a16:creationId xmlns:a16="http://schemas.microsoft.com/office/drawing/2014/main" id="{5CA90DAF-8ECA-48B2-381C-3CE976BAACE4}"/>
+                <a16:creationId xmlns:a16="http://schemas.microsoft.com/office/drawing/2014/main" id="{75F36A9B-487A-03BB-B9F3-74178B948A20}"/>
               </a:ext>
             </a:extLst>
           </p:cNvPr>
           <p:cNvPicPr>
-            <a:picLocks noGrp="1" noChangeAspect="1"/>
+            <a:picLocks noChangeAspect="1"/>
           </p:cNvPicPr>
-          <p:nvPr>
-            <p:ph idx="1"/>
-          </p:nvPr>
+          <p:nvPr/>
         </p:nvPicPr>
         <p:blipFill>
           <a:blip r:embed="rId2"/>
@@ -6757,18 +7345,88 @@
         </p:blipFill>
         <p:spPr>
           <a:xfrm>
-            <a:off x="4551340" y="3215048"/>
-            <a:ext cx="2544919" cy="3533548"/>
+            <a:off x="1170261" y="3621808"/>
+            <a:ext cx="4925739" cy="2792321"/>
           </a:xfrm>
           <a:prstGeom prst="rect">
             <a:avLst/>
           </a:prstGeom>
         </p:spPr>
       </p:pic>
+      <p:pic>
+        <p:nvPicPr>
+          <p:cNvPr id="8" name="תמונה 4">
+            <a:extLst>
+              <a:ext uri="{FF2B5EF4-FFF2-40B4-BE49-F238E27FC236}">
+                <a16:creationId xmlns:a16="http://schemas.microsoft.com/office/drawing/2014/main" id="{332A766A-4017-982F-6300-1E432CDC12D6}"/>
+              </a:ext>
+            </a:extLst>
+          </p:cNvPr>
+          <p:cNvPicPr>
+            <a:picLocks noChangeAspect="1"/>
+          </p:cNvPicPr>
+          <p:nvPr/>
+        </p:nvPicPr>
+        <p:blipFill>
+          <a:blip r:embed="rId3" cstate="print">
+            <a:extLst>
+              <a:ext uri="{28A0092B-C50C-407E-A947-70E740481C1C}">
+                <a14:useLocalDpi xmlns:a14="http://schemas.microsoft.com/office/drawing/2010/main" val="0"/>
+              </a:ext>
+            </a:extLst>
+          </a:blip>
+          <a:srcRect/>
+          <a:stretch>
+            <a:fillRect/>
+          </a:stretch>
+        </p:blipFill>
+        <p:spPr bwMode="auto">
+          <a:xfrm>
+            <a:off x="6231847" y="4224613"/>
+            <a:ext cx="4925740" cy="1935610"/>
+          </a:xfrm>
+          <a:prstGeom prst="rect">
+            <a:avLst/>
+          </a:prstGeom>
+          <a:noFill/>
+          <a:ln>
+            <a:noFill/>
+          </a:ln>
+        </p:spPr>
+      </p:pic>
+      <p:sp>
+        <p:nvSpPr>
+          <p:cNvPr id="3" name="מציין מיקום של מספר שקופית 2">
+            <a:extLst>
+              <a:ext uri="{FF2B5EF4-FFF2-40B4-BE49-F238E27FC236}">
+                <a16:creationId xmlns:a16="http://schemas.microsoft.com/office/drawing/2014/main" id="{3907D8F0-E39C-5EB7-AD42-F91E45BA6DD6}"/>
+              </a:ext>
+            </a:extLst>
+          </p:cNvPr>
+          <p:cNvSpPr>
+            <a:spLocks noGrp="1"/>
+          </p:cNvSpPr>
+          <p:nvPr>
+            <p:ph type="sldNum" sz="quarter" idx="12"/>
+          </p:nvPr>
+        </p:nvSpPr>
+        <p:spPr/>
+        <p:txBody>
+          <a:bodyPr/>
+          <a:lstStyle/>
+          <a:p>
+            <a:fld id="{FEDBE076-7370-4F39-B8CE-D2BB33626AF3}" type="slidenum">
+              <a:rPr lang="he-IL" smtClean="0"/>
+              <a:t>10</a:t>
+            </a:fld>
+            <a:endParaRPr lang="he-IL"/>
+          </a:p>
+        </p:txBody>
+      </p:sp>
     </p:spTree>
     <p:extLst>
       <p:ext uri="{BB962C8B-B14F-4D97-AF65-F5344CB8AC3E}">
-        <p14:creationId xmlns:p14="http://schemas.microsoft.com/office/powerpoint/2010/main" val="2466653760"/>
+        <p14:creationId xmlns:p14="http://schemas.microsoft.com/office/powerpoint/2010/main" val="1705670930"/>
       </p:ext>
     </p:extLst>
   </p:cSld>
@@ -6858,80 +7516,8 @@
           <a:bodyPr rtlCol="0" anchor="ctr"/>
           <a:lstStyle/>
           <a:p>
-            <a:pPr marL="0" marR="0" lvl="0" indent="0" algn="ctr" defTabSz="457200" rtl="0" eaLnBrk="1" fontAlgn="auto" latinLnBrk="0" hangingPunct="1">
-              <a:lnSpc>
-                <a:spcPct val="100000"/>
-              </a:lnSpc>
-              <a:spcBef>
-                <a:spcPts val="0"/>
-              </a:spcBef>
-              <a:spcAft>
-                <a:spcPts val="0"/>
-              </a:spcAft>
-              <a:buClrTx/>
-              <a:buSzTx/>
-              <a:buFontTx/>
-              <a:buNone/>
-              <a:tabLst/>
-              <a:defRPr/>
-            </a:pPr>
-            <a:endParaRPr kumimoji="0" lang="en-US" sz="1800" b="0" i="0" u="none" strike="noStrike" kern="1200" cap="none" spc="0" normalizeH="0" baseline="0" noProof="0">
-              <a:ln>
-                <a:noFill/>
-              </a:ln>
-              <a:solidFill>
-                <a:prstClr val="white"/>
-              </a:solidFill>
-              <a:effectLst/>
-              <a:uLnTx/>
-              <a:uFillTx/>
-              <a:latin typeface="Trebuchet MS" panose="020B0603020202020204"/>
-              <a:ea typeface="+mn-ea"/>
-              <a:cs typeface="+mn-cs"/>
-            </a:endParaRPr>
-          </a:p>
-        </p:txBody>
-      </p:sp>
-      <p:sp>
-        <p:nvSpPr>
-          <p:cNvPr id="2" name="כותרת 1">
-            <a:extLst>
-              <a:ext uri="{FF2B5EF4-FFF2-40B4-BE49-F238E27FC236}">
-                <a16:creationId xmlns:a16="http://schemas.microsoft.com/office/drawing/2014/main" id="{1ACC9094-DF10-FE2C-933F-47FB37C8A6AB}"/>
-              </a:ext>
-            </a:extLst>
-          </p:cNvPr>
-          <p:cNvSpPr>
-            <a:spLocks noGrp="1"/>
-          </p:cNvSpPr>
-          <p:nvPr>
-            <p:ph type="title"/>
-          </p:nvPr>
-        </p:nvSpPr>
-        <p:spPr>
-          <a:xfrm>
-            <a:off x="1694111" y="316864"/>
-            <a:ext cx="8596668" cy="1320800"/>
-          </a:xfrm>
-        </p:spPr>
-        <p:txBody>
-          <a:bodyPr>
-            <a:normAutofit/>
-          </a:bodyPr>
-          <a:lstStyle/>
-          <a:p>
-            <a:pPr algn="ctr" rtl="0"/>
-            <a:r>
-              <a:rPr lang="en-US" sz="4000" dirty="0" err="1">
-                <a:latin typeface="Arial" panose="020B0604020202020204" pitchFamily="34" charset="0"/>
-                <a:cs typeface="Arial" panose="020B0604020202020204" pitchFamily="34" charset="0"/>
-              </a:rPr>
-              <a:t>BreakHis</a:t>
-            </a:r>
-            <a:endParaRPr lang="he-IL" sz="4000" dirty="0">
-              <a:latin typeface="Arial" panose="020B0604020202020204" pitchFamily="34" charset="0"/>
-              <a:cs typeface="Arial" panose="020B0604020202020204" pitchFamily="34" charset="0"/>
-            </a:endParaRPr>
+            <a:pPr algn="ctr"/>
+            <a:endParaRPr lang="en-US"/>
           </a:p>
         </p:txBody>
       </p:sp>
@@ -6995,160 +7581,6 @@
       </p:sp>
       <p:sp>
         <p:nvSpPr>
-          <p:cNvPr id="3" name="מציין מיקום תוכן 2">
-            <a:extLst>
-              <a:ext uri="{FF2B5EF4-FFF2-40B4-BE49-F238E27FC236}">
-                <a16:creationId xmlns:a16="http://schemas.microsoft.com/office/drawing/2014/main" id="{E63CB9F7-1BEA-5E29-A0FC-A93719833515}"/>
-              </a:ext>
-            </a:extLst>
-          </p:cNvPr>
-          <p:cNvSpPr>
-            <a:spLocks noGrp="1"/>
-          </p:cNvSpPr>
-          <p:nvPr>
-            <p:ph idx="1"/>
-          </p:nvPr>
-        </p:nvSpPr>
-        <p:spPr>
-          <a:xfrm>
-            <a:off x="1383130" y="1038210"/>
-            <a:ext cx="9819603" cy="4781579"/>
-          </a:xfrm>
-        </p:spPr>
-        <p:txBody>
-          <a:bodyPr>
-            <a:normAutofit/>
-          </a:bodyPr>
-          <a:lstStyle/>
-          <a:p>
-            <a:pPr marL="0" indent="0" algn="l" rtl="0">
-              <a:buNone/>
-            </a:pPr>
-            <a:r>
-              <a:rPr lang="en-US" sz="1800" dirty="0">
-                <a:solidFill>
-                  <a:srgbClr val="000000"/>
-                </a:solidFill>
-                <a:effectLst/>
-                <a:latin typeface="Arial" panose="020B0604020202020204" pitchFamily="34" charset="0"/>
-                <a:ea typeface="Calibri" panose="020F0502020204030204" pitchFamily="34" charset="0"/>
-              </a:rPr>
-              <a:t>The Breast Cancer Histopathological Image Classification (</a:t>
-            </a:r>
-            <a:r>
-              <a:rPr lang="en-US" sz="1800" dirty="0" err="1">
-                <a:solidFill>
-                  <a:srgbClr val="000000"/>
-                </a:solidFill>
-                <a:effectLst/>
-                <a:latin typeface="Arial" panose="020B0604020202020204" pitchFamily="34" charset="0"/>
-                <a:ea typeface="Calibri" panose="020F0502020204030204" pitchFamily="34" charset="0"/>
-              </a:rPr>
-              <a:t>BreakHis</a:t>
-            </a:r>
-            <a:r>
-              <a:rPr lang="en-US" sz="1800" dirty="0">
-                <a:solidFill>
-                  <a:srgbClr val="000000"/>
-                </a:solidFill>
-                <a:effectLst/>
-                <a:latin typeface="Arial" panose="020B0604020202020204" pitchFamily="34" charset="0"/>
-                <a:ea typeface="Calibri" panose="020F0502020204030204" pitchFamily="34" charset="0"/>
-              </a:rPr>
-              <a:t>) composed of:</a:t>
-            </a:r>
-          </a:p>
-          <a:p>
-            <a:pPr algn="l" rtl="0">
-              <a:buSzPct val="140000"/>
-              <a:buFont typeface="Arial" panose="020B0604020202020204" pitchFamily="34" charset="0"/>
-              <a:buChar char="•"/>
-            </a:pPr>
-            <a:r>
-              <a:rPr lang="en-US" sz="2000" dirty="0">
-                <a:solidFill>
-                  <a:schemeClr val="tx1"/>
-                </a:solidFill>
-                <a:latin typeface="Arial" panose="020B0604020202020204" pitchFamily="34" charset="0"/>
-                <a:cs typeface="Arial" panose="020B0604020202020204" pitchFamily="34" charset="0"/>
-              </a:rPr>
-              <a:t>7,909 microscopic images of breast tumor tissue collected from 82 patients using different magnifying factors (40X, 100X, 200X, and 400X).  </a:t>
-            </a:r>
-          </a:p>
-          <a:p>
-            <a:pPr algn="l" rtl="0">
-              <a:buSzPct val="140000"/>
-              <a:buFont typeface="Arial" panose="020B0604020202020204" pitchFamily="34" charset="0"/>
-              <a:buChar char="•"/>
-            </a:pPr>
-            <a:r>
-              <a:rPr lang="en-US" sz="2000" dirty="0">
-                <a:solidFill>
-                  <a:schemeClr val="tx1"/>
-                </a:solidFill>
-                <a:latin typeface="Arial" panose="020B0604020202020204" pitchFamily="34" charset="0"/>
-                <a:cs typeface="Arial" panose="020B0604020202020204" pitchFamily="34" charset="0"/>
-              </a:rPr>
-              <a:t>2,480 benign </a:t>
-            </a:r>
-          </a:p>
-          <a:p>
-            <a:pPr algn="l" rtl="0">
-              <a:buSzPct val="140000"/>
-              <a:buFont typeface="Arial" panose="020B0604020202020204" pitchFamily="34" charset="0"/>
-              <a:buChar char="•"/>
-            </a:pPr>
-            <a:r>
-              <a:rPr lang="en-US" sz="2000" dirty="0">
-                <a:solidFill>
-                  <a:schemeClr val="tx1"/>
-                </a:solidFill>
-                <a:latin typeface="Arial" panose="020B0604020202020204" pitchFamily="34" charset="0"/>
-                <a:cs typeface="Arial" panose="020B0604020202020204" pitchFamily="34" charset="0"/>
-              </a:rPr>
-              <a:t>5,429 malignant samples (700X460 pixels, 3-channel RGB, 8-bit depth in each channel, PNG format for both benign and malignant images). </a:t>
-            </a:r>
-          </a:p>
-          <a:p>
-            <a:pPr marL="0" indent="0" algn="l" rtl="0">
-              <a:buSzPct val="140000"/>
-              <a:buNone/>
-            </a:pPr>
-            <a:r>
-              <a:rPr lang="en-US" sz="2000" dirty="0">
-                <a:solidFill>
-                  <a:schemeClr val="tx1"/>
-                </a:solidFill>
-                <a:latin typeface="Arial" panose="020B0604020202020204" pitchFamily="34" charset="0"/>
-                <a:cs typeface="Arial" panose="020B0604020202020204" pitchFamily="34" charset="0"/>
-              </a:rPr>
-              <a:t>The </a:t>
-            </a:r>
-            <a:r>
-              <a:rPr lang="en-US" sz="2000" dirty="0" err="1">
-                <a:solidFill>
-                  <a:schemeClr val="tx1"/>
-                </a:solidFill>
-                <a:latin typeface="Arial" panose="020B0604020202020204" pitchFamily="34" charset="0"/>
-                <a:cs typeface="Arial" panose="020B0604020202020204" pitchFamily="34" charset="0"/>
-              </a:rPr>
-              <a:t>BreaKHis</a:t>
-            </a:r>
-            <a:r>
-              <a:rPr lang="en-US" sz="2000" dirty="0">
-                <a:solidFill>
-                  <a:schemeClr val="tx1"/>
-                </a:solidFill>
-                <a:latin typeface="Arial" panose="020B0604020202020204" pitchFamily="34" charset="0"/>
-                <a:cs typeface="Arial" panose="020B0604020202020204" pitchFamily="34" charset="0"/>
-              </a:rPr>
-              <a:t> is structured as follows:</a:t>
-            </a:r>
-          </a:p>
-        </p:txBody>
-      </p:sp>
-      <p:sp>
-        <p:nvSpPr>
           <p:cNvPr id="37" name="Isosceles Triangle 36">
             <a:extLst>
               <a:ext uri="{FF2B5EF4-FFF2-40B4-BE49-F238E27FC236}">
@@ -7205,39 +7637,413 @@
           </a:fontRef>
         </p:style>
       </p:sp>
+      <p:sp>
+        <p:nvSpPr>
+          <p:cNvPr id="6" name="מציין מיקום תוכן 2">
+            <a:extLst>
+              <a:ext uri="{FF2B5EF4-FFF2-40B4-BE49-F238E27FC236}">
+                <a16:creationId xmlns:a16="http://schemas.microsoft.com/office/drawing/2014/main" id="{91E00044-A01A-C55E-CB95-201D0795360D}"/>
+              </a:ext>
+            </a:extLst>
+          </p:cNvPr>
+          <p:cNvSpPr txBox="1">
+            <a:spLocks/>
+          </p:cNvSpPr>
+          <p:nvPr/>
+        </p:nvSpPr>
+        <p:spPr>
+          <a:xfrm>
+            <a:off x="1092368" y="310979"/>
+            <a:ext cx="10333996" cy="3340181"/>
+          </a:xfrm>
+          <a:prstGeom prst="rect">
+            <a:avLst/>
+          </a:prstGeom>
+        </p:spPr>
+        <p:txBody>
+          <a:bodyPr vert="horz" lIns="91440" tIns="45720" rIns="91440" bIns="45720" rtlCol="0">
+            <a:normAutofit/>
+          </a:bodyPr>
+          <a:lstStyle>
+            <a:lvl1pPr marL="342900" indent="-342900" algn="r" defTabSz="457200" rtl="1" eaLnBrk="1" latinLnBrk="0" hangingPunct="1">
+              <a:spcBef>
+                <a:spcPts val="1000"/>
+              </a:spcBef>
+              <a:spcAft>
+                <a:spcPts val="0"/>
+              </a:spcAft>
+              <a:buClr>
+                <a:schemeClr val="accent1"/>
+              </a:buClr>
+              <a:buSzPct val="80000"/>
+              <a:buFont typeface="Wingdings 3" charset="2"/>
+              <a:buChar char=""/>
+              <a:defRPr sz="1800" kern="1200">
+                <a:solidFill>
+                  <a:schemeClr val="tx1">
+                    <a:lumMod val="75000"/>
+                    <a:lumOff val="25000"/>
+                  </a:schemeClr>
+                </a:solidFill>
+                <a:latin typeface="+mn-lt"/>
+                <a:ea typeface="+mn-ea"/>
+                <a:cs typeface="+mn-cs"/>
+              </a:defRPr>
+            </a:lvl1pPr>
+            <a:lvl2pPr marL="742950" indent="-285750" algn="r" defTabSz="457200" rtl="1" eaLnBrk="1" latinLnBrk="0" hangingPunct="1">
+              <a:spcBef>
+                <a:spcPts val="1000"/>
+              </a:spcBef>
+              <a:spcAft>
+                <a:spcPts val="0"/>
+              </a:spcAft>
+              <a:buClr>
+                <a:schemeClr val="accent1"/>
+              </a:buClr>
+              <a:buSzPct val="80000"/>
+              <a:buFont typeface="Wingdings 3" charset="2"/>
+              <a:buChar char=""/>
+              <a:defRPr sz="1600" kern="1200">
+                <a:solidFill>
+                  <a:schemeClr val="tx1">
+                    <a:lumMod val="75000"/>
+                    <a:lumOff val="25000"/>
+                  </a:schemeClr>
+                </a:solidFill>
+                <a:latin typeface="+mn-lt"/>
+                <a:ea typeface="+mn-ea"/>
+                <a:cs typeface="+mn-cs"/>
+              </a:defRPr>
+            </a:lvl2pPr>
+            <a:lvl3pPr marL="1143000" indent="-228600" algn="r" defTabSz="457200" rtl="1" eaLnBrk="1" latinLnBrk="0" hangingPunct="1">
+              <a:spcBef>
+                <a:spcPts val="1000"/>
+              </a:spcBef>
+              <a:spcAft>
+                <a:spcPts val="0"/>
+              </a:spcAft>
+              <a:buClr>
+                <a:schemeClr val="accent1"/>
+              </a:buClr>
+              <a:buSzPct val="80000"/>
+              <a:buFont typeface="Wingdings 3" charset="2"/>
+              <a:buChar char=""/>
+              <a:defRPr sz="1400" kern="1200">
+                <a:solidFill>
+                  <a:schemeClr val="tx1">
+                    <a:lumMod val="75000"/>
+                    <a:lumOff val="25000"/>
+                  </a:schemeClr>
+                </a:solidFill>
+                <a:latin typeface="+mn-lt"/>
+                <a:ea typeface="+mn-ea"/>
+                <a:cs typeface="+mn-cs"/>
+              </a:defRPr>
+            </a:lvl3pPr>
+            <a:lvl4pPr marL="1600200" indent="-228600" algn="r" defTabSz="457200" rtl="1" eaLnBrk="1" latinLnBrk="0" hangingPunct="1">
+              <a:spcBef>
+                <a:spcPts val="1000"/>
+              </a:spcBef>
+              <a:spcAft>
+                <a:spcPts val="0"/>
+              </a:spcAft>
+              <a:buClr>
+                <a:schemeClr val="accent1"/>
+              </a:buClr>
+              <a:buSzPct val="80000"/>
+              <a:buFont typeface="Wingdings 3" charset="2"/>
+              <a:buChar char=""/>
+              <a:defRPr sz="1200" kern="1200">
+                <a:solidFill>
+                  <a:schemeClr val="tx1">
+                    <a:lumMod val="75000"/>
+                    <a:lumOff val="25000"/>
+                  </a:schemeClr>
+                </a:solidFill>
+                <a:latin typeface="+mn-lt"/>
+                <a:ea typeface="+mn-ea"/>
+                <a:cs typeface="+mn-cs"/>
+              </a:defRPr>
+            </a:lvl4pPr>
+            <a:lvl5pPr marL="2057400" indent="-228600" algn="r" defTabSz="457200" rtl="1" eaLnBrk="1" latinLnBrk="0" hangingPunct="1">
+              <a:spcBef>
+                <a:spcPts val="1000"/>
+              </a:spcBef>
+              <a:spcAft>
+                <a:spcPts val="0"/>
+              </a:spcAft>
+              <a:buClr>
+                <a:schemeClr val="accent1"/>
+              </a:buClr>
+              <a:buSzPct val="80000"/>
+              <a:buFont typeface="Wingdings 3" charset="2"/>
+              <a:buChar char=""/>
+              <a:defRPr sz="1200" kern="1200">
+                <a:solidFill>
+                  <a:schemeClr val="tx1">
+                    <a:lumMod val="75000"/>
+                    <a:lumOff val="25000"/>
+                  </a:schemeClr>
+                </a:solidFill>
+                <a:latin typeface="+mn-lt"/>
+                <a:ea typeface="+mn-ea"/>
+                <a:cs typeface="+mn-cs"/>
+              </a:defRPr>
+            </a:lvl5pPr>
+            <a:lvl6pPr marL="2514600" indent="-228600" algn="r" defTabSz="457200" rtl="1" eaLnBrk="1" latinLnBrk="0" hangingPunct="1">
+              <a:spcBef>
+                <a:spcPts val="1000"/>
+              </a:spcBef>
+              <a:spcAft>
+                <a:spcPts val="0"/>
+              </a:spcAft>
+              <a:buClr>
+                <a:schemeClr val="accent1"/>
+              </a:buClr>
+              <a:buSzPct val="80000"/>
+              <a:buFont typeface="Wingdings 3" charset="2"/>
+              <a:buChar char=""/>
+              <a:defRPr sz="1200" kern="1200">
+                <a:solidFill>
+                  <a:schemeClr val="tx1">
+                    <a:lumMod val="75000"/>
+                    <a:lumOff val="25000"/>
+                  </a:schemeClr>
+                </a:solidFill>
+                <a:latin typeface="+mn-lt"/>
+                <a:ea typeface="+mn-ea"/>
+                <a:cs typeface="+mn-cs"/>
+              </a:defRPr>
+            </a:lvl6pPr>
+            <a:lvl7pPr marL="2971800" indent="-228600" algn="r" defTabSz="457200" rtl="1" eaLnBrk="1" latinLnBrk="0" hangingPunct="1">
+              <a:spcBef>
+                <a:spcPts val="1000"/>
+              </a:spcBef>
+              <a:spcAft>
+                <a:spcPts val="0"/>
+              </a:spcAft>
+              <a:buClr>
+                <a:schemeClr val="accent1"/>
+              </a:buClr>
+              <a:buSzPct val="80000"/>
+              <a:buFont typeface="Wingdings 3" charset="2"/>
+              <a:buChar char=""/>
+              <a:defRPr sz="1200" kern="1200">
+                <a:solidFill>
+                  <a:schemeClr val="tx1">
+                    <a:lumMod val="75000"/>
+                    <a:lumOff val="25000"/>
+                  </a:schemeClr>
+                </a:solidFill>
+                <a:latin typeface="+mn-lt"/>
+                <a:ea typeface="+mn-ea"/>
+                <a:cs typeface="+mn-cs"/>
+              </a:defRPr>
+            </a:lvl7pPr>
+            <a:lvl8pPr marL="3429000" indent="-228600" algn="r" defTabSz="457200" rtl="1" eaLnBrk="1" latinLnBrk="0" hangingPunct="1">
+              <a:spcBef>
+                <a:spcPts val="1000"/>
+              </a:spcBef>
+              <a:spcAft>
+                <a:spcPts val="0"/>
+              </a:spcAft>
+              <a:buClr>
+                <a:schemeClr val="accent1"/>
+              </a:buClr>
+              <a:buSzPct val="80000"/>
+              <a:buFont typeface="Wingdings 3" charset="2"/>
+              <a:buChar char=""/>
+              <a:defRPr sz="1200" kern="1200">
+                <a:solidFill>
+                  <a:schemeClr val="tx1">
+                    <a:lumMod val="75000"/>
+                    <a:lumOff val="25000"/>
+                  </a:schemeClr>
+                </a:solidFill>
+                <a:latin typeface="+mn-lt"/>
+                <a:ea typeface="+mn-ea"/>
+                <a:cs typeface="+mn-cs"/>
+              </a:defRPr>
+            </a:lvl8pPr>
+            <a:lvl9pPr marL="3886200" indent="-228600" algn="r" defTabSz="457200" rtl="1" eaLnBrk="1" latinLnBrk="0" hangingPunct="1">
+              <a:spcBef>
+                <a:spcPts val="1000"/>
+              </a:spcBef>
+              <a:spcAft>
+                <a:spcPts val="0"/>
+              </a:spcAft>
+              <a:buClr>
+                <a:schemeClr val="accent1"/>
+              </a:buClr>
+              <a:buSzPct val="80000"/>
+              <a:buFont typeface="Wingdings 3" charset="2"/>
+              <a:buChar char=""/>
+              <a:defRPr sz="1200" kern="1200">
+                <a:solidFill>
+                  <a:schemeClr val="tx1">
+                    <a:lumMod val="75000"/>
+                    <a:lumOff val="25000"/>
+                  </a:schemeClr>
+                </a:solidFill>
+                <a:latin typeface="+mn-lt"/>
+                <a:ea typeface="+mn-ea"/>
+                <a:cs typeface="+mn-cs"/>
+              </a:defRPr>
+            </a:lvl9pPr>
+          </a:lstStyle>
+          <a:p>
+            <a:pPr marL="0" indent="0" algn="l" rtl="0">
+              <a:buFont typeface="Wingdings 3" charset="2"/>
+              <a:buNone/>
+            </a:pPr>
+            <a:r>
+              <a:rPr lang="en-US" sz="2000" dirty="0">
+                <a:solidFill>
+                  <a:schemeClr val="tx1"/>
+                </a:solidFill>
+                <a:latin typeface="Arial" panose="020B0604020202020204" pitchFamily="34" charset="0"/>
+                <a:cs typeface="Arial" panose="020B0604020202020204" pitchFamily="34" charset="0"/>
+              </a:rPr>
+              <a:t>Inception v3 is also introduced in the same paper with v2 and is a variation of v2 with batch normalization on the auxiliary classifiers and not just on convolutions.</a:t>
+            </a:r>
+            <a:br>
+              <a:rPr lang="en-US" sz="2000" dirty="0">
+                <a:solidFill>
+                  <a:schemeClr val="tx1"/>
+                </a:solidFill>
+                <a:latin typeface="Arial" panose="020B0604020202020204" pitchFamily="34" charset="0"/>
+                <a:cs typeface="Arial" panose="020B0604020202020204" pitchFamily="34" charset="0"/>
+              </a:rPr>
+            </a:br>
+            <a:r>
+              <a:rPr lang="en-US" sz="2000" dirty="0">
+                <a:solidFill>
+                  <a:schemeClr val="tx1"/>
+                </a:solidFill>
+                <a:latin typeface="Arial" panose="020B0604020202020204" pitchFamily="34" charset="0"/>
+                <a:cs typeface="Arial" panose="020B0604020202020204" pitchFamily="34" charset="0"/>
+              </a:rPr>
+              <a:t>the Inception architecture is highly tunable, meaning that there are a lot of possible changes to the number of filters in the various layers that do not affect the quality of the fully trained network.</a:t>
+            </a:r>
+            <a:br>
+              <a:rPr lang="en-US" sz="2000" dirty="0">
+                <a:solidFill>
+                  <a:schemeClr val="tx1"/>
+                </a:solidFill>
+                <a:latin typeface="Arial" panose="020B0604020202020204" pitchFamily="34" charset="0"/>
+                <a:cs typeface="Arial" panose="020B0604020202020204" pitchFamily="34" charset="0"/>
+              </a:rPr>
+            </a:br>
+            <a:r>
+              <a:rPr lang="en-US" sz="2000" dirty="0">
+                <a:solidFill>
+                  <a:schemeClr val="tx1"/>
+                </a:solidFill>
+                <a:latin typeface="Arial" panose="020B0604020202020204" pitchFamily="34" charset="0"/>
+                <a:cs typeface="Arial" panose="020B0604020202020204" pitchFamily="34" charset="0"/>
+              </a:rPr>
+              <a:t>inception v4 is an updated version of inception which made use of advancements and newer tools from when v3 was published.</a:t>
+            </a:r>
+            <a:br>
+              <a:rPr lang="en-US" sz="2000" dirty="0">
+                <a:solidFill>
+                  <a:schemeClr val="tx1"/>
+                </a:solidFill>
+                <a:latin typeface="Arial" panose="020B0604020202020204" pitchFamily="34" charset="0"/>
+                <a:cs typeface="Arial" panose="020B0604020202020204" pitchFamily="34" charset="0"/>
+              </a:rPr>
+            </a:br>
+            <a:r>
+              <a:rPr lang="en-US" sz="2000" dirty="0">
+                <a:solidFill>
+                  <a:schemeClr val="tx1"/>
+                </a:solidFill>
+                <a:latin typeface="Arial" panose="020B0604020202020204" pitchFamily="34" charset="0"/>
+                <a:cs typeface="Arial" panose="020B0604020202020204" pitchFamily="34" charset="0"/>
+              </a:rPr>
+              <a:t>researchers note not simplifying earlier choices in the architecture resulted in networks that looked more complicated than they needed to be and made changes </a:t>
+            </a:r>
+          </a:p>
+          <a:p>
+            <a:pPr marL="0" indent="0" algn="l" rtl="0">
+              <a:buFont typeface="Wingdings 3" charset="2"/>
+              <a:buNone/>
+            </a:pPr>
+            <a:endParaRPr lang="en-US" sz="2000" dirty="0">
+              <a:solidFill>
+                <a:schemeClr val="tx1"/>
+              </a:solidFill>
+              <a:latin typeface="Arial" panose="020B0604020202020204" pitchFamily="34" charset="0"/>
+              <a:cs typeface="Arial" panose="020B0604020202020204" pitchFamily="34" charset="0"/>
+            </a:endParaRPr>
+          </a:p>
+        </p:txBody>
+      </p:sp>
       <p:pic>
         <p:nvPicPr>
-          <p:cNvPr id="5" name="Picture 4">
+          <p:cNvPr id="3" name="מציין מיקום תוכן 3">
             <a:extLst>
               <a:ext uri="{FF2B5EF4-FFF2-40B4-BE49-F238E27FC236}">
-                <a16:creationId xmlns:a16="http://schemas.microsoft.com/office/drawing/2014/main" id="{42577583-DC8D-C895-24EE-3F57A59E92F4}"/>
+                <a16:creationId xmlns:a16="http://schemas.microsoft.com/office/drawing/2014/main" id="{5CA90DAF-8ECA-48B2-381C-3CE976BAACE4}"/>
               </a:ext>
             </a:extLst>
           </p:cNvPr>
           <p:cNvPicPr>
-            <a:picLocks noChangeAspect="1"/>
+            <a:picLocks noGrp="1" noChangeAspect="1"/>
           </p:cNvPicPr>
-          <p:nvPr/>
+          <p:nvPr>
+            <p:ph idx="1"/>
+          </p:nvPr>
         </p:nvPicPr>
-        <p:blipFill rotWithShape="1">
+        <p:blipFill>
           <a:blip r:embed="rId2"/>
-          <a:srcRect t="1953"/>
-          <a:stretch/>
+          <a:stretch>
+            <a:fillRect/>
+          </a:stretch>
         </p:blipFill>
         <p:spPr>
           <a:xfrm>
-            <a:off x="627066" y="3798922"/>
-            <a:ext cx="10937868" cy="2463155"/>
+            <a:off x="4551340" y="3215048"/>
+            <a:ext cx="2544919" cy="3533548"/>
           </a:xfrm>
           <a:prstGeom prst="rect">
             <a:avLst/>
           </a:prstGeom>
         </p:spPr>
       </p:pic>
+      <p:sp>
+        <p:nvSpPr>
+          <p:cNvPr id="2" name="מציין מיקום של מספר שקופית 1">
+            <a:extLst>
+              <a:ext uri="{FF2B5EF4-FFF2-40B4-BE49-F238E27FC236}">
+                <a16:creationId xmlns:a16="http://schemas.microsoft.com/office/drawing/2014/main" id="{7F506F77-1EAA-502C-6EDE-B143AC3D7BD0}"/>
+              </a:ext>
+            </a:extLst>
+          </p:cNvPr>
+          <p:cNvSpPr>
+            <a:spLocks noGrp="1"/>
+          </p:cNvSpPr>
+          <p:nvPr>
+            <p:ph type="sldNum" sz="quarter" idx="12"/>
+          </p:nvPr>
+        </p:nvSpPr>
+        <p:spPr/>
+        <p:txBody>
+          <a:bodyPr/>
+          <a:lstStyle/>
+          <a:p>
+            <a:fld id="{FEDBE076-7370-4F39-B8CE-D2BB33626AF3}" type="slidenum">
+              <a:rPr lang="he-IL" smtClean="0"/>
+              <a:t>11</a:t>
+            </a:fld>
+            <a:endParaRPr lang="he-IL"/>
+          </a:p>
+        </p:txBody>
+      </p:sp>
     </p:spTree>
     <p:extLst>
       <p:ext uri="{BB962C8B-B14F-4D97-AF65-F5344CB8AC3E}">
-        <p14:creationId xmlns:p14="http://schemas.microsoft.com/office/powerpoint/2010/main" val="2751241329"/>
+        <p14:creationId xmlns:p14="http://schemas.microsoft.com/office/powerpoint/2010/main" val="2466653760"/>
       </p:ext>
     </p:extLst>
   </p:cSld>
@@ -7395,7 +8201,7 @@
                 <a:latin typeface="Arial" panose="020B0604020202020204" pitchFamily="34" charset="0"/>
                 <a:cs typeface="Arial" panose="020B0604020202020204" pitchFamily="34" charset="0"/>
               </a:rPr>
-              <a:t>RSNA</a:t>
+              <a:t>BreakHis</a:t>
             </a:r>
             <a:endParaRPr lang="he-IL" sz="4000" dirty="0">
               <a:latin typeface="Arial" panose="020B0604020202020204" pitchFamily="34" charset="0"/>
@@ -7480,13 +8286,13 @@
         </p:nvSpPr>
         <p:spPr>
           <a:xfrm>
-            <a:off x="1318735" y="1295786"/>
+            <a:off x="1383130" y="1038210"/>
             <a:ext cx="9819603" cy="4781579"/>
           </a:xfrm>
         </p:spPr>
         <p:txBody>
           <a:bodyPr>
-            <a:normAutofit fontScale="92500" lnSpcReduction="10000"/>
+            <a:normAutofit/>
           </a:bodyPr>
           <a:lstStyle/>
           <a:p>
@@ -7494,104 +8300,19 @@
               <a:buNone/>
             </a:pPr>
             <a:r>
-              <a:rPr lang="en-US" sz="2000" dirty="0">
-                <a:solidFill>
-                  <a:schemeClr val="tx1"/>
-                </a:solidFill>
-                <a:latin typeface="Arial" panose="020B0604020202020204" pitchFamily="34" charset="0"/>
-                <a:cs typeface="Arial" panose="020B0604020202020204" pitchFamily="34" charset="0"/>
-              </a:rPr>
-              <a:t>Radiological Society of North America (RSNA)</a:t>
-            </a:r>
-            <a:r>
-              <a:rPr lang="en-US" sz="2000" dirty="0">
+              <a:rPr lang="en-US" sz="1800" dirty="0">
+                <a:solidFill>
+                  <a:srgbClr val="000000"/>
+                </a:solidFill>
                 <a:effectLst/>
                 <a:latin typeface="Arial" panose="020B0604020202020204" pitchFamily="34" charset="0"/>
-                <a:ea typeface="Times New Roman" panose="02020603050405020304" pitchFamily="18" charset="0"/>
+                <a:ea typeface="Calibri" panose="020F0502020204030204" pitchFamily="34" charset="0"/>
               </a:rPr>
-              <a:t> </a:t>
-            </a:r>
-            <a:r>
-              <a:rPr lang="en-US" sz="2000" dirty="0">
-                <a:solidFill>
-                  <a:schemeClr val="tx1"/>
-                </a:solidFill>
-                <a:latin typeface="Arial" panose="020B0604020202020204" pitchFamily="34" charset="0"/>
-                <a:cs typeface="Arial" panose="020B0604020202020204" pitchFamily="34" charset="0"/>
-              </a:rPr>
-              <a:t>Screening mammography breast cancer detection dataset composed of: </a:t>
-            </a:r>
-          </a:p>
-          <a:p>
-            <a:pPr marL="742950" lvl="2" indent="-342900" algn="l" rtl="0">
-              <a:buSzPct val="160000"/>
-              <a:buFont typeface="Arial" panose="020B0604020202020204" pitchFamily="34" charset="0"/>
-              <a:buChar char="•"/>
-            </a:pPr>
-            <a:r>
-              <a:rPr lang="en-US" sz="2000" dirty="0">
-                <a:solidFill>
-                  <a:schemeClr val="tx1"/>
-                </a:solidFill>
-                <a:latin typeface="Arial" panose="020B0604020202020204" pitchFamily="34" charset="0"/>
-                <a:cs typeface="Arial" panose="020B0604020202020204" pitchFamily="34" charset="0"/>
-              </a:rPr>
-              <a:t>54713 files    </a:t>
-            </a:r>
-          </a:p>
-          <a:p>
-            <a:pPr marL="742950" lvl="2" indent="-342900" algn="l" rtl="0">
-              <a:buSzPct val="160000"/>
-              <a:buFont typeface="Arial" panose="020B0604020202020204" pitchFamily="34" charset="0"/>
-              <a:buChar char="•"/>
-            </a:pPr>
-            <a:r>
-              <a:rPr lang="en-US" sz="2000" dirty="0">
-                <a:solidFill>
-                  <a:schemeClr val="tx1"/>
-                </a:solidFill>
-                <a:latin typeface="Arial" panose="020B0604020202020204" pitchFamily="34" charset="0"/>
-                <a:cs typeface="Arial" panose="020B0604020202020204" pitchFamily="34" charset="0"/>
-              </a:rPr>
-              <a:t>size of 314.72gb </a:t>
-            </a:r>
-          </a:p>
-          <a:p>
-            <a:pPr marL="742950" lvl="2" indent="-342900" algn="l" rtl="0">
-              <a:buSzPct val="160000"/>
-              <a:buFont typeface="Arial" panose="020B0604020202020204" pitchFamily="34" charset="0"/>
-              <a:buChar char="•"/>
-            </a:pPr>
-            <a:r>
-              <a:rPr lang="en-US" sz="2000" dirty="0">
-                <a:solidFill>
-                  <a:schemeClr val="tx1"/>
-                </a:solidFill>
-                <a:latin typeface="Arial" panose="020B0604020202020204" pitchFamily="34" charset="0"/>
-                <a:cs typeface="Arial" panose="020B0604020202020204" pitchFamily="34" charset="0"/>
-              </a:rPr>
-              <a:t>roughly 8,000 patients in the hidden test set (there are usually but not always 4 images per patient).</a:t>
-            </a:r>
-          </a:p>
-          <a:p>
-            <a:pPr marL="742950" lvl="2" indent="-342900" algn="l" rtl="0">
-              <a:buSzPct val="160000"/>
-              <a:buFont typeface="Arial" panose="020B0604020202020204" pitchFamily="34" charset="0"/>
-              <a:buChar char="•"/>
-            </a:pPr>
-            <a:r>
-              <a:rPr lang="en-US" sz="2000" dirty="0">
-                <a:solidFill>
-                  <a:schemeClr val="tx1"/>
-                </a:solidFill>
-                <a:latin typeface="Arial" panose="020B0604020202020204" pitchFamily="34" charset="0"/>
-                <a:cs typeface="Arial" panose="020B0604020202020204" pitchFamily="34" charset="0"/>
-              </a:rPr>
-              <a:t>Contains the following labels:</a:t>
-            </a:r>
-          </a:p>
-          <a:p>
-            <a:pPr lvl="2" algn="l" rtl="0">
+              <a:t>The Breast Cancer Histopathological Image Classification (BreakHis) composed of:</a:t>
+            </a:r>
+          </a:p>
+          <a:p>
+            <a:pPr algn="l" rtl="0">
               <a:buSzPct val="140000"/>
               <a:buFont typeface="Arial" panose="020B0604020202020204" pitchFamily="34" charset="0"/>
               <a:buChar char="•"/>
@@ -7604,11 +8325,11 @@
                 <a:latin typeface="Arial" panose="020B0604020202020204" pitchFamily="34" charset="0"/>
                 <a:cs typeface="Arial" panose="020B0604020202020204" pitchFamily="34" charset="0"/>
               </a:rPr>
-              <a:t>cancer - Whether or not the breast was positive for malignant cancer.</a:t>
-            </a:r>
-          </a:p>
-          <a:p>
-            <a:pPr lvl="2" algn="l" rtl="0">
+              <a:t>7,909 microscopic images of breast tumor tissue collected from 82 patients using different magnifying factors (40X, 100X, 200X, and 400X).  </a:t>
+            </a:r>
+          </a:p>
+          <a:p>
+            <a:pPr algn="l" rtl="0">
               <a:buSzPct val="140000"/>
               <a:buFont typeface="Arial" panose="020B0604020202020204" pitchFamily="34" charset="0"/>
               <a:buChar char="•"/>
@@ -7621,11 +8342,11 @@
                 <a:latin typeface="Arial" panose="020B0604020202020204" pitchFamily="34" charset="0"/>
                 <a:cs typeface="Arial" panose="020B0604020202020204" pitchFamily="34" charset="0"/>
               </a:rPr>
-              <a:t>BIRADS - 0 if the breast required follow-up, 1 if the breast was rated as negative for cancer, and 2 if the breast was rated as normal. Only provided for train.</a:t>
-            </a:r>
-          </a:p>
-          <a:p>
-            <a:pPr lvl="2" algn="l" rtl="0">
+              <a:t>2,480 benign </a:t>
+            </a:r>
+          </a:p>
+          <a:p>
+            <a:pPr algn="l" rtl="0">
               <a:buSzPct val="140000"/>
               <a:buFont typeface="Arial" panose="020B0604020202020204" pitchFamily="34" charset="0"/>
               <a:buChar char="•"/>
@@ -7638,9 +8359,15 @@
                 <a:latin typeface="Arial" panose="020B0604020202020204" pitchFamily="34" charset="0"/>
                 <a:cs typeface="Arial" panose="020B0604020202020204" pitchFamily="34" charset="0"/>
               </a:rPr>
-              <a:t>invasive - If the breast is positive for cancer, whether or not the cancer proved to be invasive. </a:t>
-            </a:r>
-            <a:br>
+              <a:t>5,429 malignant samples (700X460 pixels, 3-channel RGB, 8-bit depth in each channel, PNG format for both benign and malignant images). </a:t>
+            </a:r>
+          </a:p>
+          <a:p>
+            <a:pPr marL="0" indent="0" algn="l" rtl="0">
+              <a:buSzPct val="140000"/>
+              <a:buNone/>
+            </a:pPr>
+            <a:r>
               <a:rPr lang="en-US" sz="2000" dirty="0">
                 <a:solidFill>
                   <a:schemeClr val="tx1"/>
@@ -7648,14 +8375,28 @@
                 <a:latin typeface="Arial" panose="020B0604020202020204" pitchFamily="34" charset="0"/>
                 <a:cs typeface="Arial" panose="020B0604020202020204" pitchFamily="34" charset="0"/>
               </a:rPr>
-            </a:br>
-            <a:endParaRPr lang="en-US" sz="2000" dirty="0">
-              <a:solidFill>
-                <a:schemeClr val="tx1"/>
-              </a:solidFill>
-              <a:latin typeface="Arial" panose="020B0604020202020204" pitchFamily="34" charset="0"/>
-              <a:cs typeface="Arial" panose="020B0604020202020204" pitchFamily="34" charset="0"/>
-            </a:endParaRPr>
+              <a:t>The </a:t>
+            </a:r>
+            <a:r>
+              <a:rPr lang="en-US" sz="2000" dirty="0" err="1">
+                <a:solidFill>
+                  <a:schemeClr val="tx1"/>
+                </a:solidFill>
+                <a:latin typeface="Arial" panose="020B0604020202020204" pitchFamily="34" charset="0"/>
+                <a:cs typeface="Arial" panose="020B0604020202020204" pitchFamily="34" charset="0"/>
+              </a:rPr>
+              <a:t>BreaKHis</a:t>
+            </a:r>
+            <a:r>
+              <a:rPr lang="en-US" sz="2000" dirty="0">
+                <a:solidFill>
+                  <a:schemeClr val="tx1"/>
+                </a:solidFill>
+                <a:latin typeface="Arial" panose="020B0604020202020204" pitchFamily="34" charset="0"/>
+                <a:cs typeface="Arial" panose="020B0604020202020204" pitchFamily="34" charset="0"/>
+              </a:rPr>
+              <a:t> is structured as follows:</a:t>
+            </a:r>
           </a:p>
         </p:txBody>
       </p:sp>
@@ -7717,10 +8458,68 @@
           </a:fontRef>
         </p:style>
       </p:sp>
+      <p:pic>
+        <p:nvPicPr>
+          <p:cNvPr id="5" name="Picture 4">
+            <a:extLst>
+              <a:ext uri="{FF2B5EF4-FFF2-40B4-BE49-F238E27FC236}">
+                <a16:creationId xmlns:a16="http://schemas.microsoft.com/office/drawing/2014/main" id="{42577583-DC8D-C895-24EE-3F57A59E92F4}"/>
+              </a:ext>
+            </a:extLst>
+          </p:cNvPr>
+          <p:cNvPicPr>
+            <a:picLocks noChangeAspect="1"/>
+          </p:cNvPicPr>
+          <p:nvPr/>
+        </p:nvPicPr>
+        <p:blipFill rotWithShape="1">
+          <a:blip r:embed="rId2"/>
+          <a:srcRect t="1953"/>
+          <a:stretch/>
+        </p:blipFill>
+        <p:spPr>
+          <a:xfrm>
+            <a:off x="627066" y="3798922"/>
+            <a:ext cx="10937868" cy="2463155"/>
+          </a:xfrm>
+          <a:prstGeom prst="rect">
+            <a:avLst/>
+          </a:prstGeom>
+        </p:spPr>
+      </p:pic>
+      <p:sp>
+        <p:nvSpPr>
+          <p:cNvPr id="4" name="מציין מיקום של מספר שקופית 3">
+            <a:extLst>
+              <a:ext uri="{FF2B5EF4-FFF2-40B4-BE49-F238E27FC236}">
+                <a16:creationId xmlns:a16="http://schemas.microsoft.com/office/drawing/2014/main" id="{7EFBDBCC-49F5-A122-7688-1E4733CC2C24}"/>
+              </a:ext>
+            </a:extLst>
+          </p:cNvPr>
+          <p:cNvSpPr>
+            <a:spLocks noGrp="1"/>
+          </p:cNvSpPr>
+          <p:nvPr>
+            <p:ph type="sldNum" sz="quarter" idx="12"/>
+          </p:nvPr>
+        </p:nvSpPr>
+        <p:spPr/>
+        <p:txBody>
+          <a:bodyPr/>
+          <a:lstStyle/>
+          <a:p>
+            <a:fld id="{FEDBE076-7370-4F39-B8CE-D2BB33626AF3}" type="slidenum">
+              <a:rPr lang="he-IL" smtClean="0"/>
+              <a:t>12</a:t>
+            </a:fld>
+            <a:endParaRPr lang="he-IL"/>
+          </a:p>
+        </p:txBody>
+      </p:sp>
     </p:spTree>
     <p:extLst>
       <p:ext uri="{BB962C8B-B14F-4D97-AF65-F5344CB8AC3E}">
-        <p14:creationId xmlns:p14="http://schemas.microsoft.com/office/powerpoint/2010/main" val="796343532"/>
+        <p14:creationId xmlns:p14="http://schemas.microsoft.com/office/powerpoint/2010/main" val="2751241329"/>
       </p:ext>
     </p:extLst>
   </p:cSld>
@@ -7878,8 +8677,12 @@
                 <a:latin typeface="Arial" panose="020B0604020202020204" pitchFamily="34" charset="0"/>
                 <a:cs typeface="Arial" panose="020B0604020202020204" pitchFamily="34" charset="0"/>
               </a:rPr>
-              <a:t>Researched hyperparameters</a:t>
-            </a:r>
+              <a:t>BreakHis</a:t>
+            </a:r>
+            <a:endParaRPr lang="he-IL" sz="4000" dirty="0">
+              <a:latin typeface="Arial" panose="020B0604020202020204" pitchFamily="34" charset="0"/>
+              <a:cs typeface="Arial" panose="020B0604020202020204" pitchFamily="34" charset="0"/>
+            </a:endParaRPr>
           </a:p>
         </p:txBody>
       </p:sp>
@@ -7943,66 +8746,6 @@
       </p:sp>
       <p:sp>
         <p:nvSpPr>
-          <p:cNvPr id="3" name="מציין מיקום תוכן 2">
-            <a:extLst>
-              <a:ext uri="{FF2B5EF4-FFF2-40B4-BE49-F238E27FC236}">
-                <a16:creationId xmlns:a16="http://schemas.microsoft.com/office/drawing/2014/main" id="{E63CB9F7-1BEA-5E29-A0FC-A93719833515}"/>
-              </a:ext>
-            </a:extLst>
-          </p:cNvPr>
-          <p:cNvSpPr>
-            <a:spLocks noGrp="1"/>
-          </p:cNvSpPr>
-          <p:nvPr>
-            <p:ph idx="1"/>
-          </p:nvPr>
-        </p:nvSpPr>
-        <p:spPr>
-          <a:xfrm>
-            <a:off x="1318735" y="1295786"/>
-            <a:ext cx="9819603" cy="4781579"/>
-          </a:xfrm>
-        </p:spPr>
-        <p:txBody>
-          <a:bodyPr>
-            <a:normAutofit/>
-          </a:bodyPr>
-          <a:lstStyle/>
-          <a:p>
-            <a:pPr marL="0" indent="0" algn="l" rtl="0">
-              <a:buNone/>
-            </a:pPr>
-            <a:r>
-              <a:rPr lang="en-US" sz="2000" dirty="0">
-                <a:solidFill>
-                  <a:schemeClr val="tx1"/>
-                </a:solidFill>
-                <a:latin typeface="Arial" panose="020B0604020202020204" pitchFamily="34" charset="0"/>
-                <a:cs typeface="Arial" panose="020B0604020202020204" pitchFamily="34" charset="0"/>
-              </a:rPr>
-              <a:t>Need to edit. </a:t>
-            </a:r>
-            <a:br>
-              <a:rPr lang="en-US" sz="2000" dirty="0">
-                <a:solidFill>
-                  <a:schemeClr val="tx1"/>
-                </a:solidFill>
-                <a:latin typeface="Arial" panose="020B0604020202020204" pitchFamily="34" charset="0"/>
-                <a:cs typeface="Arial" panose="020B0604020202020204" pitchFamily="34" charset="0"/>
-              </a:rPr>
-            </a:br>
-            <a:endParaRPr lang="en-US" sz="2000" dirty="0">
-              <a:solidFill>
-                <a:schemeClr val="tx1"/>
-              </a:solidFill>
-              <a:latin typeface="Arial" panose="020B0604020202020204" pitchFamily="34" charset="0"/>
-              <a:cs typeface="Arial" panose="020B0604020202020204" pitchFamily="34" charset="0"/>
-            </a:endParaRPr>
-          </a:p>
-        </p:txBody>
-      </p:sp>
-      <p:sp>
-        <p:nvSpPr>
           <p:cNvPr id="37" name="Isosceles Triangle 36">
             <a:extLst>
               <a:ext uri="{FF2B5EF4-FFF2-40B4-BE49-F238E27FC236}">
@@ -8059,10 +8802,153 @@
           </a:fontRef>
         </p:style>
       </p:sp>
+      <p:sp>
+        <p:nvSpPr>
+          <p:cNvPr id="4" name="מציין מיקום תוכן 3">
+            <a:extLst>
+              <a:ext uri="{FF2B5EF4-FFF2-40B4-BE49-F238E27FC236}">
+                <a16:creationId xmlns:a16="http://schemas.microsoft.com/office/drawing/2014/main" id="{B3681D86-2FDA-A3CF-6691-6FED8DEA93CE}"/>
+              </a:ext>
+            </a:extLst>
+          </p:cNvPr>
+          <p:cNvSpPr>
+            <a:spLocks noGrp="1"/>
+          </p:cNvSpPr>
+          <p:nvPr>
+            <p:ph idx="1"/>
+          </p:nvPr>
+        </p:nvSpPr>
+        <p:spPr>
+          <a:xfrm>
+            <a:off x="1694111" y="5043949"/>
+            <a:ext cx="8596668" cy="1076072"/>
+          </a:xfrm>
+        </p:spPr>
+        <p:txBody>
+          <a:bodyPr>
+            <a:normAutofit fontScale="92500"/>
+          </a:bodyPr>
+          <a:lstStyle/>
+          <a:p>
+            <a:pPr marL="0" indent="0" algn="l" rtl="0">
+              <a:buNone/>
+            </a:pPr>
+            <a:r>
+              <a:rPr lang="en-US" b="0" i="0" dirty="0">
+                <a:solidFill>
+                  <a:srgbClr val="111111"/>
+                </a:solidFill>
+                <a:effectLst/>
+                <a:latin typeface="Roboto" panose="02000000000000000000" pitchFamily="2" charset="0"/>
+              </a:rPr>
+              <a:t>BreakHis dataset composed of benign and malignant images : benign [(a) : adenosis, (b) : fibroadenoma, (c) : phyllodes tumor, (d) : tubular adenoma], malignant [(e) : ductal carcinoma, (f) : lobular carcinoma, (g) : mucinous carcinoma, (h) : papillary carcinoma]</a:t>
+            </a:r>
+          </a:p>
+          <a:p>
+            <a:pPr algn="l" rtl="0"/>
+            <a:endParaRPr lang="he-IL" dirty="0"/>
+          </a:p>
+        </p:txBody>
+      </p:sp>
+      <p:pic>
+        <p:nvPicPr>
+          <p:cNvPr id="7" name="תמונה 6">
+            <a:extLst>
+              <a:ext uri="{FF2B5EF4-FFF2-40B4-BE49-F238E27FC236}">
+                <a16:creationId xmlns:a16="http://schemas.microsoft.com/office/drawing/2014/main" id="{720EDC13-972D-5F68-DC23-E8CB64DF68C3}"/>
+              </a:ext>
+            </a:extLst>
+          </p:cNvPr>
+          <p:cNvPicPr>
+            <a:picLocks noChangeAspect="1"/>
+          </p:cNvPicPr>
+          <p:nvPr/>
+        </p:nvPicPr>
+        <p:blipFill>
+          <a:blip r:embed="rId2"/>
+          <a:stretch>
+            <a:fillRect/>
+          </a:stretch>
+        </p:blipFill>
+        <p:spPr>
+          <a:xfrm>
+            <a:off x="1594134" y="977264"/>
+            <a:ext cx="8169299" cy="3837801"/>
+          </a:xfrm>
+          <a:prstGeom prst="rect">
+            <a:avLst/>
+          </a:prstGeom>
+        </p:spPr>
+      </p:pic>
+      <p:sp>
+        <p:nvSpPr>
+          <p:cNvPr id="8" name="תיבת טקסט 7">
+            <a:extLst>
+              <a:ext uri="{FF2B5EF4-FFF2-40B4-BE49-F238E27FC236}">
+                <a16:creationId xmlns:a16="http://schemas.microsoft.com/office/drawing/2014/main" id="{4167358B-6C4E-6F5F-A490-534C10963D0A}"/>
+              </a:ext>
+            </a:extLst>
+          </p:cNvPr>
+          <p:cNvSpPr txBox="1"/>
+          <p:nvPr/>
+        </p:nvSpPr>
+        <p:spPr>
+          <a:xfrm>
+            <a:off x="511565" y="6131272"/>
+            <a:ext cx="11562735" cy="261610"/>
+          </a:xfrm>
+          <a:prstGeom prst="rect">
+            <a:avLst/>
+          </a:prstGeom>
+          <a:noFill/>
+        </p:spPr>
+        <p:txBody>
+          <a:bodyPr wrap="square" rtlCol="1">
+            <a:spAutoFit/>
+          </a:bodyPr>
+          <a:lstStyle/>
+          <a:p>
+            <a:r>
+              <a:rPr lang="en-US" sz="1100" dirty="0"/>
+              <a:t>Source: https://www.researchgate.net/figure/BreakHis-dataset-composed-of-benign-and-malignant-images-benign-a-adenosis-b_fig2_327528970</a:t>
+            </a:r>
+            <a:endParaRPr lang="he-IL" sz="1100" dirty="0"/>
+          </a:p>
+        </p:txBody>
+      </p:sp>
+      <p:sp>
+        <p:nvSpPr>
+          <p:cNvPr id="9" name="מציין מיקום של מספר שקופית 8">
+            <a:extLst>
+              <a:ext uri="{FF2B5EF4-FFF2-40B4-BE49-F238E27FC236}">
+                <a16:creationId xmlns:a16="http://schemas.microsoft.com/office/drawing/2014/main" id="{34C0456E-DE46-53BA-D91B-2EA7B7D582FF}"/>
+              </a:ext>
+            </a:extLst>
+          </p:cNvPr>
+          <p:cNvSpPr>
+            <a:spLocks noGrp="1"/>
+          </p:cNvSpPr>
+          <p:nvPr>
+            <p:ph type="sldNum" sz="quarter" idx="12"/>
+          </p:nvPr>
+        </p:nvSpPr>
+        <p:spPr/>
+        <p:txBody>
+          <a:bodyPr/>
+          <a:lstStyle/>
+          <a:p>
+            <a:fld id="{FEDBE076-7370-4F39-B8CE-D2BB33626AF3}" type="slidenum">
+              <a:rPr lang="he-IL" smtClean="0"/>
+              <a:t>13</a:t>
+            </a:fld>
+            <a:endParaRPr lang="he-IL"/>
+          </a:p>
+        </p:txBody>
+      </p:sp>
     </p:spTree>
     <p:extLst>
       <p:ext uri="{BB962C8B-B14F-4D97-AF65-F5344CB8AC3E}">
-        <p14:creationId xmlns:p14="http://schemas.microsoft.com/office/powerpoint/2010/main" val="3199272465"/>
+        <p14:creationId xmlns:p14="http://schemas.microsoft.com/office/powerpoint/2010/main" val="3418183966"/>
       </p:ext>
     </p:extLst>
   </p:cSld>
@@ -8220,7 +9106,7 @@
                 <a:latin typeface="Arial" panose="020B0604020202020204" pitchFamily="34" charset="0"/>
                 <a:cs typeface="Arial" panose="020B0604020202020204" pitchFamily="34" charset="0"/>
               </a:rPr>
-              <a:t>Diagrams</a:t>
+              <a:t>RSNA</a:t>
             </a:r>
             <a:endParaRPr lang="he-IL" sz="4000" dirty="0">
               <a:latin typeface="Arial" panose="020B0604020202020204" pitchFamily="34" charset="0"/>
@@ -8289,6 +9175,203 @@
       </p:sp>
       <p:sp>
         <p:nvSpPr>
+          <p:cNvPr id="3" name="מציין מיקום תוכן 2">
+            <a:extLst>
+              <a:ext uri="{FF2B5EF4-FFF2-40B4-BE49-F238E27FC236}">
+                <a16:creationId xmlns:a16="http://schemas.microsoft.com/office/drawing/2014/main" id="{E63CB9F7-1BEA-5E29-A0FC-A93719833515}"/>
+              </a:ext>
+            </a:extLst>
+          </p:cNvPr>
+          <p:cNvSpPr>
+            <a:spLocks noGrp="1"/>
+          </p:cNvSpPr>
+          <p:nvPr>
+            <p:ph idx="1"/>
+          </p:nvPr>
+        </p:nvSpPr>
+        <p:spPr>
+          <a:xfrm>
+            <a:off x="1318735" y="1295786"/>
+            <a:ext cx="9819603" cy="4781579"/>
+          </a:xfrm>
+        </p:spPr>
+        <p:txBody>
+          <a:bodyPr>
+            <a:normAutofit fontScale="92500" lnSpcReduction="10000"/>
+          </a:bodyPr>
+          <a:lstStyle/>
+          <a:p>
+            <a:pPr marL="0" indent="0" algn="l" rtl="0">
+              <a:buNone/>
+            </a:pPr>
+            <a:r>
+              <a:rPr lang="en-US" sz="2000" dirty="0">
+                <a:solidFill>
+                  <a:schemeClr val="tx1"/>
+                </a:solidFill>
+                <a:latin typeface="Arial" panose="020B0604020202020204" pitchFamily="34" charset="0"/>
+                <a:cs typeface="Arial" panose="020B0604020202020204" pitchFamily="34" charset="0"/>
+              </a:rPr>
+              <a:t>Radiological Society of North America (RSNA)</a:t>
+            </a:r>
+            <a:r>
+              <a:rPr lang="en-US" sz="2000" dirty="0">
+                <a:effectLst/>
+                <a:latin typeface="Arial" panose="020B0604020202020204" pitchFamily="34" charset="0"/>
+                <a:ea typeface="Times New Roman" panose="02020603050405020304" pitchFamily="18" charset="0"/>
+              </a:rPr>
+              <a:t> </a:t>
+            </a:r>
+            <a:r>
+              <a:rPr lang="en-US" sz="2000" dirty="0">
+                <a:solidFill>
+                  <a:schemeClr val="tx1"/>
+                </a:solidFill>
+                <a:latin typeface="Arial" panose="020B0604020202020204" pitchFamily="34" charset="0"/>
+                <a:cs typeface="Arial" panose="020B0604020202020204" pitchFamily="34" charset="0"/>
+              </a:rPr>
+              <a:t>Screening mammography breast cancer detection dataset composed of: </a:t>
+            </a:r>
+          </a:p>
+          <a:p>
+            <a:pPr marL="742950" lvl="2" indent="-342900" algn="l" rtl="0">
+              <a:buSzPct val="160000"/>
+              <a:buFont typeface="Arial" panose="020B0604020202020204" pitchFamily="34" charset="0"/>
+              <a:buChar char="•"/>
+            </a:pPr>
+            <a:r>
+              <a:rPr lang="en-US" sz="2000" dirty="0">
+                <a:solidFill>
+                  <a:schemeClr val="tx1"/>
+                </a:solidFill>
+                <a:latin typeface="Arial" panose="020B0604020202020204" pitchFamily="34" charset="0"/>
+                <a:cs typeface="Arial" panose="020B0604020202020204" pitchFamily="34" charset="0"/>
+              </a:rPr>
+              <a:t>54713 files    </a:t>
+            </a:r>
+          </a:p>
+          <a:p>
+            <a:pPr marL="742950" lvl="2" indent="-342900" algn="l" rtl="0">
+              <a:buSzPct val="160000"/>
+              <a:buFont typeface="Arial" panose="020B0604020202020204" pitchFamily="34" charset="0"/>
+              <a:buChar char="•"/>
+            </a:pPr>
+            <a:r>
+              <a:rPr lang="en-US" sz="2000" dirty="0">
+                <a:solidFill>
+                  <a:schemeClr val="tx1"/>
+                </a:solidFill>
+                <a:latin typeface="Arial" panose="020B0604020202020204" pitchFamily="34" charset="0"/>
+                <a:cs typeface="Arial" panose="020B0604020202020204" pitchFamily="34" charset="0"/>
+              </a:rPr>
+              <a:t>size of 314.72gb </a:t>
+            </a:r>
+          </a:p>
+          <a:p>
+            <a:pPr marL="742950" lvl="2" indent="-342900" algn="l" rtl="0">
+              <a:buSzPct val="160000"/>
+              <a:buFont typeface="Arial" panose="020B0604020202020204" pitchFamily="34" charset="0"/>
+              <a:buChar char="•"/>
+            </a:pPr>
+            <a:r>
+              <a:rPr lang="en-US" sz="2000" dirty="0">
+                <a:solidFill>
+                  <a:schemeClr val="tx1"/>
+                </a:solidFill>
+                <a:latin typeface="Arial" panose="020B0604020202020204" pitchFamily="34" charset="0"/>
+                <a:cs typeface="Arial" panose="020B0604020202020204" pitchFamily="34" charset="0"/>
+              </a:rPr>
+              <a:t>roughly 8,000 patients in the hidden test set (there are usually but not always 4 images per patient).</a:t>
+            </a:r>
+          </a:p>
+          <a:p>
+            <a:pPr marL="742950" lvl="2" indent="-342900" algn="l" rtl="0">
+              <a:buSzPct val="160000"/>
+              <a:buFont typeface="Arial" panose="020B0604020202020204" pitchFamily="34" charset="0"/>
+              <a:buChar char="•"/>
+            </a:pPr>
+            <a:r>
+              <a:rPr lang="en-US" sz="2000" dirty="0">
+                <a:solidFill>
+                  <a:schemeClr val="tx1"/>
+                </a:solidFill>
+                <a:latin typeface="Arial" panose="020B0604020202020204" pitchFamily="34" charset="0"/>
+                <a:cs typeface="Arial" panose="020B0604020202020204" pitchFamily="34" charset="0"/>
+              </a:rPr>
+              <a:t>Contains the following labels:</a:t>
+            </a:r>
+          </a:p>
+          <a:p>
+            <a:pPr lvl="2" algn="l" rtl="0">
+              <a:buSzPct val="140000"/>
+              <a:buFont typeface="Arial" panose="020B0604020202020204" pitchFamily="34" charset="0"/>
+              <a:buChar char="•"/>
+            </a:pPr>
+            <a:r>
+              <a:rPr lang="en-US" sz="2000" dirty="0">
+                <a:solidFill>
+                  <a:schemeClr val="tx1"/>
+                </a:solidFill>
+                <a:latin typeface="Arial" panose="020B0604020202020204" pitchFamily="34" charset="0"/>
+                <a:cs typeface="Arial" panose="020B0604020202020204" pitchFamily="34" charset="0"/>
+              </a:rPr>
+              <a:t>cancer - Whether or not the breast was positive for malignant cancer.</a:t>
+            </a:r>
+          </a:p>
+          <a:p>
+            <a:pPr lvl="2" algn="l" rtl="0">
+              <a:buSzPct val="140000"/>
+              <a:buFont typeface="Arial" panose="020B0604020202020204" pitchFamily="34" charset="0"/>
+              <a:buChar char="•"/>
+            </a:pPr>
+            <a:r>
+              <a:rPr lang="en-US" sz="2000" dirty="0">
+                <a:solidFill>
+                  <a:schemeClr val="tx1"/>
+                </a:solidFill>
+                <a:latin typeface="Arial" panose="020B0604020202020204" pitchFamily="34" charset="0"/>
+                <a:cs typeface="Arial" panose="020B0604020202020204" pitchFamily="34" charset="0"/>
+              </a:rPr>
+              <a:t>BIRADS - 0 if the breast required follow-up, 1 if the breast was rated as negative for cancer, and 2 if the breast was rated as normal. Only provided for train.</a:t>
+            </a:r>
+          </a:p>
+          <a:p>
+            <a:pPr lvl="2" algn="l" rtl="0">
+              <a:buSzPct val="140000"/>
+              <a:buFont typeface="Arial" panose="020B0604020202020204" pitchFamily="34" charset="0"/>
+              <a:buChar char="•"/>
+            </a:pPr>
+            <a:r>
+              <a:rPr lang="en-US" sz="2000" dirty="0">
+                <a:solidFill>
+                  <a:schemeClr val="tx1"/>
+                </a:solidFill>
+                <a:latin typeface="Arial" panose="020B0604020202020204" pitchFamily="34" charset="0"/>
+                <a:cs typeface="Arial" panose="020B0604020202020204" pitchFamily="34" charset="0"/>
+              </a:rPr>
+              <a:t>invasive - If the breast is positive for cancer, whether or not the cancer proved to be invasive. </a:t>
+            </a:r>
+            <a:br>
+              <a:rPr lang="en-US" sz="2000" dirty="0">
+                <a:solidFill>
+                  <a:schemeClr val="tx1"/>
+                </a:solidFill>
+                <a:latin typeface="Arial" panose="020B0604020202020204" pitchFamily="34" charset="0"/>
+                <a:cs typeface="Arial" panose="020B0604020202020204" pitchFamily="34" charset="0"/>
+              </a:rPr>
+            </a:br>
+            <a:endParaRPr lang="en-US" sz="2000" dirty="0">
+              <a:solidFill>
+                <a:schemeClr val="tx1"/>
+              </a:solidFill>
+              <a:latin typeface="Arial" panose="020B0604020202020204" pitchFamily="34" charset="0"/>
+              <a:cs typeface="Arial" panose="020B0604020202020204" pitchFamily="34" charset="0"/>
+            </a:endParaRPr>
+          </a:p>
+        </p:txBody>
+      </p:sp>
+      <p:sp>
+        <p:nvSpPr>
           <p:cNvPr id="37" name="Isosceles Triangle 36">
             <a:extLst>
               <a:ext uri="{FF2B5EF4-FFF2-40B4-BE49-F238E27FC236}">
@@ -8345,168 +9428,39 @@
           </a:fontRef>
         </p:style>
       </p:sp>
-      <p:pic>
-        <p:nvPicPr>
-          <p:cNvPr id="4" name="Content Placeholder 3">
+      <p:sp>
+        <p:nvSpPr>
+          <p:cNvPr id="4" name="מציין מיקום של מספר שקופית 3">
             <a:extLst>
               <a:ext uri="{FF2B5EF4-FFF2-40B4-BE49-F238E27FC236}">
-                <a16:creationId xmlns:a16="http://schemas.microsoft.com/office/drawing/2014/main" id="{809E897D-B03D-6F2E-2224-1A10EB4A0B3E}"/>
+                <a16:creationId xmlns:a16="http://schemas.microsoft.com/office/drawing/2014/main" id="{B4760022-33B6-D21C-0AD2-DEE0EF4B1BDD}"/>
               </a:ext>
             </a:extLst>
           </p:cNvPr>
-          <p:cNvPicPr>
-            <a:picLocks noGrp="1" noChangeAspect="1"/>
-          </p:cNvPicPr>
-          <p:nvPr>
-            <p:ph idx="1"/>
-          </p:nvPr>
-        </p:nvPicPr>
-        <p:blipFill>
-          <a:blip r:embed="rId2">
-            <a:extLst>
-              <a:ext uri="{28A0092B-C50C-407E-A947-70E740481C1C}">
-                <a14:useLocalDpi xmlns:a14="http://schemas.microsoft.com/office/drawing/2010/main" val="0"/>
-              </a:ext>
-            </a:extLst>
-          </a:blip>
-          <a:stretch>
-            <a:fillRect/>
-          </a:stretch>
-        </p:blipFill>
-        <p:spPr>
-          <a:xfrm>
-            <a:off x="5601253" y="2046377"/>
-            <a:ext cx="6142014" cy="4781550"/>
-          </a:xfrm>
-          <a:prstGeom prst="rect">
-            <a:avLst/>
-          </a:prstGeom>
-        </p:spPr>
-      </p:pic>
-      <p:pic>
-        <p:nvPicPr>
-          <p:cNvPr id="5" name="Picture 4">
-            <a:extLst>
-              <a:ext uri="{FF2B5EF4-FFF2-40B4-BE49-F238E27FC236}">
-                <a16:creationId xmlns:a16="http://schemas.microsoft.com/office/drawing/2014/main" id="{79073C6F-B326-E14D-0AA2-F0C25740C0A8}"/>
-              </a:ext>
-            </a:extLst>
-          </p:cNvPr>
-          <p:cNvPicPr>
-            <a:picLocks noChangeAspect="1"/>
-          </p:cNvPicPr>
-          <p:nvPr/>
-        </p:nvPicPr>
-        <p:blipFill>
-          <a:blip r:embed="rId3">
-            <a:extLst>
-              <a:ext uri="{28A0092B-C50C-407E-A947-70E740481C1C}">
-                <a14:useLocalDpi xmlns:a14="http://schemas.microsoft.com/office/drawing/2010/main" val="0"/>
-              </a:ext>
-            </a:extLst>
-          </a:blip>
-          <a:stretch>
-            <a:fillRect/>
-          </a:stretch>
-        </p:blipFill>
-        <p:spPr>
-          <a:xfrm>
-            <a:off x="1369221" y="2452460"/>
-            <a:ext cx="3057525" cy="3969385"/>
-          </a:xfrm>
-          <a:prstGeom prst="rect">
-            <a:avLst/>
-          </a:prstGeom>
-        </p:spPr>
-      </p:pic>
-      <p:sp>
-        <p:nvSpPr>
-          <p:cNvPr id="6" name="TextBox 5">
-            <a:extLst>
-              <a:ext uri="{FF2B5EF4-FFF2-40B4-BE49-F238E27FC236}">
-                <a16:creationId xmlns:a16="http://schemas.microsoft.com/office/drawing/2014/main" id="{4AB84E7F-073E-4B15-BC83-DDA0EE333F04}"/>
-              </a:ext>
-            </a:extLst>
-          </p:cNvPr>
-          <p:cNvSpPr txBox="1"/>
-          <p:nvPr/>
-        </p:nvSpPr>
-        <p:spPr>
-          <a:xfrm>
-            <a:off x="936964" y="1616196"/>
-            <a:ext cx="3773510" cy="400110"/>
-          </a:xfrm>
-          <a:prstGeom prst="rect">
-            <a:avLst/>
-          </a:prstGeom>
-          <a:noFill/>
-        </p:spPr>
-        <p:txBody>
-          <a:bodyPr wrap="square" rtlCol="1">
-            <a:spAutoFit/>
-          </a:bodyPr>
+          <p:cNvSpPr>
+            <a:spLocks noGrp="1"/>
+          </p:cNvSpPr>
+          <p:nvPr>
+            <p:ph type="sldNum" sz="quarter" idx="12"/>
+          </p:nvPr>
+        </p:nvSpPr>
+        <p:spPr/>
+        <p:txBody>
+          <a:bodyPr/>
           <a:lstStyle/>
           <a:p>
-            <a:r>
-              <a:rPr lang="en-US" sz="2000" dirty="0">
-                <a:latin typeface="Arial" panose="020B0604020202020204" pitchFamily="34" charset="0"/>
-                <a:cs typeface="Arial" panose="020B0604020202020204" pitchFamily="34" charset="0"/>
-              </a:rPr>
-              <a:t>      Flowchart diagram:</a:t>
-            </a:r>
-            <a:endParaRPr lang="he-IL" sz="2000" dirty="0">
-              <a:latin typeface="Arial" panose="020B0604020202020204" pitchFamily="34" charset="0"/>
-              <a:cs typeface="Arial" panose="020B0604020202020204" pitchFamily="34" charset="0"/>
-            </a:endParaRPr>
-          </a:p>
-        </p:txBody>
-      </p:sp>
-      <p:sp>
-        <p:nvSpPr>
-          <p:cNvPr id="8" name="TextBox 7">
-            <a:extLst>
-              <a:ext uri="{FF2B5EF4-FFF2-40B4-BE49-F238E27FC236}">
-                <a16:creationId xmlns:a16="http://schemas.microsoft.com/office/drawing/2014/main" id="{2AE0A272-21DA-E1AC-76FB-7E6607441349}"/>
-              </a:ext>
-            </a:extLst>
-          </p:cNvPr>
-          <p:cNvSpPr txBox="1"/>
-          <p:nvPr/>
-        </p:nvSpPr>
-        <p:spPr>
-          <a:xfrm>
-            <a:off x="7551311" y="1612854"/>
-            <a:ext cx="3773510" cy="400110"/>
-          </a:xfrm>
-          <a:prstGeom prst="rect">
-            <a:avLst/>
-          </a:prstGeom>
-          <a:noFill/>
-        </p:spPr>
-        <p:txBody>
-          <a:bodyPr wrap="square" rtlCol="1">
-            <a:spAutoFit/>
-          </a:bodyPr>
-          <a:lstStyle/>
-          <a:p>
-            <a:r>
-              <a:rPr lang="en-US" sz="2000" dirty="0">
-                <a:latin typeface="Arial" panose="020B0604020202020204" pitchFamily="34" charset="0"/>
-                <a:cs typeface="Arial" panose="020B0604020202020204" pitchFamily="34" charset="0"/>
-              </a:rPr>
-              <a:t>Sequence diagram:</a:t>
-            </a:r>
-            <a:endParaRPr lang="he-IL" sz="2000" dirty="0">
-              <a:latin typeface="Arial" panose="020B0604020202020204" pitchFamily="34" charset="0"/>
-              <a:cs typeface="Arial" panose="020B0604020202020204" pitchFamily="34" charset="0"/>
-            </a:endParaRPr>
+            <a:fld id="{FEDBE076-7370-4F39-B8CE-D2BB33626AF3}" type="slidenum">
+              <a:rPr lang="he-IL" smtClean="0"/>
+              <a:t>14</a:t>
+            </a:fld>
+            <a:endParaRPr lang="he-IL"/>
           </a:p>
         </p:txBody>
       </p:sp>
     </p:spTree>
     <p:extLst>
       <p:ext uri="{BB962C8B-B14F-4D97-AF65-F5344CB8AC3E}">
-        <p14:creationId xmlns:p14="http://schemas.microsoft.com/office/powerpoint/2010/main" val="2422609937"/>
+        <p14:creationId xmlns:p14="http://schemas.microsoft.com/office/powerpoint/2010/main" val="796343532"/>
       </p:ext>
     </p:extLst>
   </p:cSld>
@@ -8664,7 +9618,7 @@
                 <a:latin typeface="Arial" panose="020B0604020202020204" pitchFamily="34" charset="0"/>
                 <a:cs typeface="Arial" panose="020B0604020202020204" pitchFamily="34" charset="0"/>
               </a:rPr>
-              <a:t>GUI </a:t>
+              <a:t>RSNA</a:t>
             </a:r>
             <a:endParaRPr lang="he-IL" sz="4000" dirty="0">
               <a:latin typeface="Arial" panose="020B0604020202020204" pitchFamily="34" charset="0"/>
@@ -8791,6 +9745,1239 @@
       </p:sp>
       <p:pic>
         <p:nvPicPr>
+          <p:cNvPr id="9" name="מציין מיקום תוכן 8">
+            <a:extLst>
+              <a:ext uri="{FF2B5EF4-FFF2-40B4-BE49-F238E27FC236}">
+                <a16:creationId xmlns:a16="http://schemas.microsoft.com/office/drawing/2014/main" id="{9747C6C9-4DC3-A104-9E09-E34F6EE79369}"/>
+              </a:ext>
+            </a:extLst>
+          </p:cNvPr>
+          <p:cNvPicPr>
+            <a:picLocks noGrp="1" noChangeAspect="1"/>
+          </p:cNvPicPr>
+          <p:nvPr>
+            <p:ph idx="1"/>
+          </p:nvPr>
+        </p:nvPicPr>
+        <p:blipFill>
+          <a:blip r:embed="rId2"/>
+          <a:stretch>
+            <a:fillRect/>
+          </a:stretch>
+        </p:blipFill>
+        <p:spPr>
+          <a:xfrm>
+            <a:off x="1829571" y="1215868"/>
+            <a:ext cx="9359697" cy="5116106"/>
+          </a:xfrm>
+        </p:spPr>
+      </p:pic>
+      <p:sp>
+        <p:nvSpPr>
+          <p:cNvPr id="10" name="מציין מיקום של מספר שקופית 9">
+            <a:extLst>
+              <a:ext uri="{FF2B5EF4-FFF2-40B4-BE49-F238E27FC236}">
+                <a16:creationId xmlns:a16="http://schemas.microsoft.com/office/drawing/2014/main" id="{856F6F66-33FB-C15E-A222-64E4F4F9BBD0}"/>
+              </a:ext>
+            </a:extLst>
+          </p:cNvPr>
+          <p:cNvSpPr>
+            <a:spLocks noGrp="1"/>
+          </p:cNvSpPr>
+          <p:nvPr>
+            <p:ph type="sldNum" sz="quarter" idx="12"/>
+          </p:nvPr>
+        </p:nvSpPr>
+        <p:spPr/>
+        <p:txBody>
+          <a:bodyPr/>
+          <a:lstStyle/>
+          <a:p>
+            <a:fld id="{FEDBE076-7370-4F39-B8CE-D2BB33626AF3}" type="slidenum">
+              <a:rPr lang="he-IL" smtClean="0"/>
+              <a:t>15</a:t>
+            </a:fld>
+            <a:endParaRPr lang="he-IL"/>
+          </a:p>
+        </p:txBody>
+      </p:sp>
+    </p:spTree>
+    <p:extLst>
+      <p:ext uri="{BB962C8B-B14F-4D97-AF65-F5344CB8AC3E}">
+        <p14:creationId xmlns:p14="http://schemas.microsoft.com/office/powerpoint/2010/main" val="2359142417"/>
+      </p:ext>
+    </p:extLst>
+  </p:cSld>
+  <p:clrMapOvr>
+    <a:masterClrMapping/>
+  </p:clrMapOvr>
+</p:sld>
+</file>
+
+<file path=ppt/slides/slide16.xml><?xml version="1.0" encoding="utf-8"?>
+<p:sld xmlns:a="http://schemas.openxmlformats.org/drawingml/2006/main" xmlns:r="http://schemas.openxmlformats.org/officeDocument/2006/relationships" xmlns:p="http://schemas.openxmlformats.org/presentationml/2006/main">
+  <p:cSld>
+    <p:bg>
+      <p:bgPr>
+        <a:solidFill>
+          <a:schemeClr val="bg1"/>
+        </a:solidFill>
+        <a:effectLst/>
+      </p:bgPr>
+    </p:bg>
+    <p:spTree>
+      <p:nvGrpSpPr>
+        <p:cNvPr id="1" name=""/>
+        <p:cNvGrpSpPr/>
+        <p:nvPr/>
+      </p:nvGrpSpPr>
+      <p:grpSpPr>
+        <a:xfrm>
+          <a:off x="0" y="0"/>
+          <a:ext cx="0" cy="0"/>
+          <a:chOff x="0" y="0"/>
+          <a:chExt cx="0" cy="0"/>
+        </a:xfrm>
+      </p:grpSpPr>
+      <p:sp useBgFill="1">
+        <p:nvSpPr>
+          <p:cNvPr id="33" name="Rectangle 32">
+            <a:extLst>
+              <a:ext uri="{FF2B5EF4-FFF2-40B4-BE49-F238E27FC236}">
+                <a16:creationId xmlns:a16="http://schemas.microsoft.com/office/drawing/2014/main" id="{E80B86A7-A1EC-475B-9166-88902B033A38}"/>
+              </a:ext>
+              <a:ext uri="{C183D7F6-B498-43B3-948B-1728B52AA6E4}">
+                <adec:decorative xmlns:adec="http://schemas.microsoft.com/office/drawing/2017/decorative" val="1"/>
+              </a:ext>
+            </a:extLst>
+          </p:cNvPr>
+          <p:cNvSpPr>
+            <a:spLocks noGrp="1" noRot="1" noChangeAspect="1" noMove="1" noResize="1" noEditPoints="1" noAdjustHandles="1" noChangeArrowheads="1" noChangeShapeType="1" noTextEdit="1"/>
+          </p:cNvSpPr>
+          <p:nvPr>
+            <p:extLst>
+              <p:ext uri="{386F3935-93C4-4BCD-93E2-E3B085C9AB24}">
+                <p16:designElem xmlns:p16="http://schemas.microsoft.com/office/powerpoint/2015/main" val="1"/>
+              </p:ext>
+            </p:extLst>
+          </p:nvPr>
+        </p:nvSpPr>
+        <p:spPr>
+          <a:xfrm>
+            <a:off x="0" y="0"/>
+            <a:ext cx="12192000" cy="6858000"/>
+          </a:xfrm>
+          <a:prstGeom prst="rect">
+            <a:avLst/>
+          </a:prstGeom>
+          <a:ln>
+            <a:noFill/>
+          </a:ln>
+        </p:spPr>
+        <p:style>
+          <a:lnRef idx="2">
+            <a:schemeClr val="accent1">
+              <a:shade val="50000"/>
+            </a:schemeClr>
+          </a:lnRef>
+          <a:fillRef idx="1">
+            <a:schemeClr val="accent1"/>
+          </a:fillRef>
+          <a:effectRef idx="0">
+            <a:schemeClr val="accent1"/>
+          </a:effectRef>
+          <a:fontRef idx="minor">
+            <a:schemeClr val="lt1"/>
+          </a:fontRef>
+        </p:style>
+        <p:txBody>
+          <a:bodyPr rtlCol="0" anchor="ctr"/>
+          <a:lstStyle/>
+          <a:p>
+            <a:pPr marL="0" marR="0" lvl="0" indent="0" algn="ctr" defTabSz="457200" rtl="0" eaLnBrk="1" fontAlgn="auto" latinLnBrk="0" hangingPunct="1">
+              <a:lnSpc>
+                <a:spcPct val="100000"/>
+              </a:lnSpc>
+              <a:spcBef>
+                <a:spcPts val="0"/>
+              </a:spcBef>
+              <a:spcAft>
+                <a:spcPts val="0"/>
+              </a:spcAft>
+              <a:buClrTx/>
+              <a:buSzTx/>
+              <a:buFontTx/>
+              <a:buNone/>
+              <a:tabLst/>
+              <a:defRPr/>
+            </a:pPr>
+            <a:endParaRPr kumimoji="0" lang="en-US" sz="1800" b="0" i="0" u="none" strike="noStrike" kern="1200" cap="none" spc="0" normalizeH="0" baseline="0" noProof="0">
+              <a:ln>
+                <a:noFill/>
+              </a:ln>
+              <a:solidFill>
+                <a:prstClr val="white"/>
+              </a:solidFill>
+              <a:effectLst/>
+              <a:uLnTx/>
+              <a:uFillTx/>
+              <a:latin typeface="Trebuchet MS" panose="020B0603020202020204"/>
+              <a:ea typeface="+mn-ea"/>
+              <a:cs typeface="+mn-cs"/>
+            </a:endParaRPr>
+          </a:p>
+        </p:txBody>
+      </p:sp>
+      <p:sp>
+        <p:nvSpPr>
+          <p:cNvPr id="2" name="כותרת 1">
+            <a:extLst>
+              <a:ext uri="{FF2B5EF4-FFF2-40B4-BE49-F238E27FC236}">
+                <a16:creationId xmlns:a16="http://schemas.microsoft.com/office/drawing/2014/main" id="{1ACC9094-DF10-FE2C-933F-47FB37C8A6AB}"/>
+              </a:ext>
+            </a:extLst>
+          </p:cNvPr>
+          <p:cNvSpPr>
+            <a:spLocks noGrp="1"/>
+          </p:cNvSpPr>
+          <p:nvPr>
+            <p:ph type="title"/>
+          </p:nvPr>
+        </p:nvSpPr>
+        <p:spPr>
+          <a:xfrm>
+            <a:off x="1694111" y="316864"/>
+            <a:ext cx="8596668" cy="1320800"/>
+          </a:xfrm>
+        </p:spPr>
+        <p:txBody>
+          <a:bodyPr>
+            <a:normAutofit/>
+          </a:bodyPr>
+          <a:lstStyle/>
+          <a:p>
+            <a:pPr algn="ctr" rtl="0"/>
+            <a:r>
+              <a:rPr lang="en-US" sz="4000" dirty="0">
+                <a:latin typeface="Arial" panose="020B0604020202020204" pitchFamily="34" charset="0"/>
+                <a:cs typeface="Arial" panose="020B0604020202020204" pitchFamily="34" charset="0"/>
+              </a:rPr>
+              <a:t>Researched hyperparameters</a:t>
+            </a:r>
+          </a:p>
+        </p:txBody>
+      </p:sp>
+      <p:sp>
+        <p:nvSpPr>
+          <p:cNvPr id="35" name="Isosceles Triangle 34">
+            <a:extLst>
+              <a:ext uri="{FF2B5EF4-FFF2-40B4-BE49-F238E27FC236}">
+                <a16:creationId xmlns:a16="http://schemas.microsoft.com/office/drawing/2014/main" id="{C2C29CB1-9F74-4879-A6AF-AEA67B6F1F4D}"/>
+              </a:ext>
+              <a:ext uri="{C183D7F6-B498-43B3-948B-1728B52AA6E4}">
+                <adec:decorative xmlns:adec="http://schemas.microsoft.com/office/drawing/2017/decorative" val="1"/>
+              </a:ext>
+            </a:extLst>
+          </p:cNvPr>
+          <p:cNvSpPr>
+            <a:spLocks noGrp="1" noRot="1" noChangeAspect="1" noMove="1" noResize="1" noEditPoints="1" noAdjustHandles="1" noChangeArrowheads="1" noChangeShapeType="1" noTextEdit="1"/>
+          </p:cNvSpPr>
+          <p:nvPr>
+            <p:extLst>
+              <p:ext uri="{386F3935-93C4-4BCD-93E2-E3B085C9AB24}">
+                <p16:designElem xmlns:p16="http://schemas.microsoft.com/office/powerpoint/2015/main" val="1"/>
+              </p:ext>
+            </p:extLst>
+          </p:nvPr>
+        </p:nvSpPr>
+        <p:spPr>
+          <a:xfrm rot="10800000">
+            <a:off x="0" y="0"/>
+            <a:ext cx="842596" cy="5666154"/>
+          </a:xfrm>
+          <a:prstGeom prst="triangle">
+            <a:avLst>
+              <a:gd name="adj" fmla="val 100000"/>
+            </a:avLst>
+          </a:prstGeom>
+          <a:solidFill>
+            <a:schemeClr val="accent1">
+              <a:alpha val="85000"/>
+            </a:schemeClr>
+          </a:solidFill>
+          <a:ln>
+            <a:noFill/>
+          </a:ln>
+          <a:effectLst/>
+        </p:spPr>
+        <p:style>
+          <a:lnRef idx="1">
+            <a:schemeClr val="accent1"/>
+          </a:lnRef>
+          <a:fillRef idx="3">
+            <a:schemeClr val="accent1"/>
+          </a:fillRef>
+          <a:effectRef idx="2">
+            <a:schemeClr val="accent1"/>
+          </a:effectRef>
+          <a:fontRef idx="minor">
+            <a:schemeClr val="lt1"/>
+          </a:fontRef>
+        </p:style>
+      </p:sp>
+      <p:sp>
+        <p:nvSpPr>
+          <p:cNvPr id="3" name="מציין מיקום תוכן 2">
+            <a:extLst>
+              <a:ext uri="{FF2B5EF4-FFF2-40B4-BE49-F238E27FC236}">
+                <a16:creationId xmlns:a16="http://schemas.microsoft.com/office/drawing/2014/main" id="{E63CB9F7-1BEA-5E29-A0FC-A93719833515}"/>
+              </a:ext>
+            </a:extLst>
+          </p:cNvPr>
+          <p:cNvSpPr>
+            <a:spLocks noGrp="1"/>
+          </p:cNvSpPr>
+          <p:nvPr>
+            <p:ph idx="1"/>
+          </p:nvPr>
+        </p:nvSpPr>
+        <p:spPr>
+          <a:xfrm>
+            <a:off x="1318735" y="1295786"/>
+            <a:ext cx="9819603" cy="4781579"/>
+          </a:xfrm>
+        </p:spPr>
+        <p:txBody>
+          <a:bodyPr>
+            <a:normAutofit/>
+          </a:bodyPr>
+          <a:lstStyle/>
+          <a:p>
+            <a:pPr marL="0" indent="0" algn="l" rtl="0">
+              <a:buNone/>
+            </a:pPr>
+            <a:r>
+              <a:rPr lang="en-US" sz="2000" dirty="0">
+                <a:solidFill>
+                  <a:schemeClr val="tx1"/>
+                </a:solidFill>
+                <a:latin typeface="Arial" panose="020B0604020202020204" pitchFamily="34" charset="0"/>
+                <a:cs typeface="Arial" panose="020B0604020202020204" pitchFamily="34" charset="0"/>
+              </a:rPr>
+              <a:t>Learning rate {0.1 – 0.000001}, learning rate determines the step size at each iteration while moving toward a minimum of a loss function.</a:t>
+            </a:r>
+          </a:p>
+          <a:p>
+            <a:pPr marL="0" indent="0" algn="l" rtl="0">
+              <a:buNone/>
+            </a:pPr>
+            <a:r>
+              <a:rPr lang="en-US" sz="2000" dirty="0">
+                <a:solidFill>
+                  <a:schemeClr val="tx1"/>
+                </a:solidFill>
+                <a:latin typeface="Arial" panose="020B0604020202020204" pitchFamily="34" charset="0"/>
+                <a:cs typeface="Arial" panose="020B0604020202020204" pitchFamily="34" charset="0"/>
+              </a:rPr>
+              <a:t>Epochs {10, 50, 250},  specifies the number of epochs or full passes of the entire training dataset through the algorithm’s training or learning process.</a:t>
+            </a:r>
+          </a:p>
+          <a:p>
+            <a:pPr marL="0" indent="0" algn="l" rtl="0">
+              <a:buNone/>
+            </a:pPr>
+            <a:r>
+              <a:rPr lang="en-US" sz="2000" dirty="0">
+                <a:solidFill>
+                  <a:schemeClr val="tx1"/>
+                </a:solidFill>
+                <a:latin typeface="Arial" panose="020B0604020202020204" pitchFamily="34" charset="0"/>
+                <a:cs typeface="Arial" panose="020B0604020202020204" pitchFamily="34" charset="0"/>
+              </a:rPr>
+              <a:t>Batch size {32, 64}, batch size is the number of samples that are passed through the model before the model is updated. The size of a batch must be less than the number of samples in the training dataset.</a:t>
+            </a:r>
+          </a:p>
+          <a:p>
+            <a:pPr marL="0" indent="0" algn="l" rtl="0">
+              <a:buNone/>
+            </a:pPr>
+            <a:r>
+              <a:rPr lang="en-US" sz="2000" dirty="0">
+                <a:solidFill>
+                  <a:schemeClr val="tx1"/>
+                </a:solidFill>
+                <a:latin typeface="Arial" panose="020B0604020202020204" pitchFamily="34" charset="0"/>
+                <a:cs typeface="Arial" panose="020B0604020202020204" pitchFamily="34" charset="0"/>
+              </a:rPr>
+              <a:t>Dropout {0.2-0.5} Dropout is a technique where randomly selected neurons are ignored during training. They are “dropped out” randomly. Dropout helps combat overfitting of the model</a:t>
+            </a:r>
+            <a:br>
+              <a:rPr lang="en-US" sz="2000" dirty="0">
+                <a:solidFill>
+                  <a:schemeClr val="tx1"/>
+                </a:solidFill>
+                <a:latin typeface="Arial" panose="020B0604020202020204" pitchFamily="34" charset="0"/>
+                <a:cs typeface="Arial" panose="020B0604020202020204" pitchFamily="34" charset="0"/>
+              </a:rPr>
+            </a:br>
+            <a:endParaRPr lang="en-US" sz="2000" dirty="0">
+              <a:solidFill>
+                <a:schemeClr val="tx1"/>
+              </a:solidFill>
+              <a:latin typeface="Arial" panose="020B0604020202020204" pitchFamily="34" charset="0"/>
+              <a:cs typeface="Arial" panose="020B0604020202020204" pitchFamily="34" charset="0"/>
+            </a:endParaRPr>
+          </a:p>
+        </p:txBody>
+      </p:sp>
+      <p:sp>
+        <p:nvSpPr>
+          <p:cNvPr id="37" name="Isosceles Triangle 36">
+            <a:extLst>
+              <a:ext uri="{FF2B5EF4-FFF2-40B4-BE49-F238E27FC236}">
+                <a16:creationId xmlns:a16="http://schemas.microsoft.com/office/drawing/2014/main" id="{7E2C7115-5336-410C-AD71-0F0952A2E5A7}"/>
+              </a:ext>
+              <a:ext uri="{C183D7F6-B498-43B3-948B-1728B52AA6E4}">
+                <adec:decorative xmlns:adec="http://schemas.microsoft.com/office/drawing/2017/decorative" val="1"/>
+              </a:ext>
+            </a:extLst>
+          </p:cNvPr>
+          <p:cNvSpPr>
+            <a:spLocks noGrp="1" noRot="1" noChangeAspect="1" noMove="1" noResize="1" noEditPoints="1" noAdjustHandles="1" noChangeArrowheads="1" noChangeShapeType="1" noTextEdit="1"/>
+          </p:cNvSpPr>
+          <p:nvPr>
+            <p:extLst>
+              <p:ext uri="{386F3935-93C4-4BCD-93E2-E3B085C9AB24}">
+                <p16:designElem xmlns:p16="http://schemas.microsoft.com/office/powerpoint/2015/main" val="1"/>
+              </p:ext>
+            </p:extLst>
+          </p:nvPr>
+        </p:nvSpPr>
+        <p:spPr>
+          <a:xfrm flipH="1">
+            <a:off x="11743267" y="4013200"/>
+            <a:ext cx="448733" cy="2844800"/>
+          </a:xfrm>
+          <a:prstGeom prst="triangle">
+            <a:avLst>
+              <a:gd name="adj" fmla="val 0"/>
+            </a:avLst>
+          </a:prstGeom>
+          <a:solidFill>
+            <a:schemeClr val="accent1">
+              <a:alpha val="85000"/>
+            </a:schemeClr>
+          </a:solidFill>
+          <a:ln>
+            <a:noFill/>
+          </a:ln>
+          <a:effectLst/>
+        </p:spPr>
+        <p:style>
+          <a:lnRef idx="1">
+            <a:schemeClr val="accent1"/>
+          </a:lnRef>
+          <a:fillRef idx="3">
+            <a:schemeClr val="accent1"/>
+          </a:fillRef>
+          <a:effectRef idx="2">
+            <a:schemeClr val="accent1"/>
+          </a:effectRef>
+          <a:fontRef idx="minor">
+            <a:schemeClr val="lt1"/>
+          </a:fontRef>
+        </p:style>
+      </p:sp>
+      <p:sp>
+        <p:nvSpPr>
+          <p:cNvPr id="4" name="מציין מיקום של מספר שקופית 3">
+            <a:extLst>
+              <a:ext uri="{FF2B5EF4-FFF2-40B4-BE49-F238E27FC236}">
+                <a16:creationId xmlns:a16="http://schemas.microsoft.com/office/drawing/2014/main" id="{B9CA3579-175A-B438-C061-0BCB1D0AE430}"/>
+              </a:ext>
+            </a:extLst>
+          </p:cNvPr>
+          <p:cNvSpPr>
+            <a:spLocks noGrp="1"/>
+          </p:cNvSpPr>
+          <p:nvPr>
+            <p:ph type="sldNum" sz="quarter" idx="12"/>
+          </p:nvPr>
+        </p:nvSpPr>
+        <p:spPr/>
+        <p:txBody>
+          <a:bodyPr/>
+          <a:lstStyle/>
+          <a:p>
+            <a:fld id="{FEDBE076-7370-4F39-B8CE-D2BB33626AF3}" type="slidenum">
+              <a:rPr lang="he-IL" smtClean="0"/>
+              <a:t>16</a:t>
+            </a:fld>
+            <a:endParaRPr lang="he-IL"/>
+          </a:p>
+        </p:txBody>
+      </p:sp>
+    </p:spTree>
+    <p:extLst>
+      <p:ext uri="{BB962C8B-B14F-4D97-AF65-F5344CB8AC3E}">
+        <p14:creationId xmlns:p14="http://schemas.microsoft.com/office/powerpoint/2010/main" val="3199272465"/>
+      </p:ext>
+    </p:extLst>
+  </p:cSld>
+  <p:clrMapOvr>
+    <a:masterClrMapping/>
+  </p:clrMapOvr>
+</p:sld>
+</file>
+
+<file path=ppt/slides/slide17.xml><?xml version="1.0" encoding="utf-8"?>
+<p:sld xmlns:a="http://schemas.openxmlformats.org/drawingml/2006/main" xmlns:r="http://schemas.openxmlformats.org/officeDocument/2006/relationships" xmlns:p="http://schemas.openxmlformats.org/presentationml/2006/main">
+  <p:cSld>
+    <p:bg>
+      <p:bgPr>
+        <a:solidFill>
+          <a:schemeClr val="bg1"/>
+        </a:solidFill>
+        <a:effectLst/>
+      </p:bgPr>
+    </p:bg>
+    <p:spTree>
+      <p:nvGrpSpPr>
+        <p:cNvPr id="1" name=""/>
+        <p:cNvGrpSpPr/>
+        <p:nvPr/>
+      </p:nvGrpSpPr>
+      <p:grpSpPr>
+        <a:xfrm>
+          <a:off x="0" y="0"/>
+          <a:ext cx="0" cy="0"/>
+          <a:chOff x="0" y="0"/>
+          <a:chExt cx="0" cy="0"/>
+        </a:xfrm>
+      </p:grpSpPr>
+      <p:sp useBgFill="1">
+        <p:nvSpPr>
+          <p:cNvPr id="33" name="Rectangle 32">
+            <a:extLst>
+              <a:ext uri="{FF2B5EF4-FFF2-40B4-BE49-F238E27FC236}">
+                <a16:creationId xmlns:a16="http://schemas.microsoft.com/office/drawing/2014/main" id="{E80B86A7-A1EC-475B-9166-88902B033A38}"/>
+              </a:ext>
+              <a:ext uri="{C183D7F6-B498-43B3-948B-1728B52AA6E4}">
+                <adec:decorative xmlns:adec="http://schemas.microsoft.com/office/drawing/2017/decorative" val="1"/>
+              </a:ext>
+            </a:extLst>
+          </p:cNvPr>
+          <p:cNvSpPr>
+            <a:spLocks noGrp="1" noRot="1" noChangeAspect="1" noMove="1" noResize="1" noEditPoints="1" noAdjustHandles="1" noChangeArrowheads="1" noChangeShapeType="1" noTextEdit="1"/>
+          </p:cNvSpPr>
+          <p:nvPr>
+            <p:extLst>
+              <p:ext uri="{386F3935-93C4-4BCD-93E2-E3B085C9AB24}">
+                <p16:designElem xmlns:p16="http://schemas.microsoft.com/office/powerpoint/2015/main" val="1"/>
+              </p:ext>
+            </p:extLst>
+          </p:nvPr>
+        </p:nvSpPr>
+        <p:spPr>
+          <a:xfrm>
+            <a:off x="0" y="0"/>
+            <a:ext cx="12192000" cy="6858000"/>
+          </a:xfrm>
+          <a:prstGeom prst="rect">
+            <a:avLst/>
+          </a:prstGeom>
+          <a:ln>
+            <a:noFill/>
+          </a:ln>
+        </p:spPr>
+        <p:style>
+          <a:lnRef idx="2">
+            <a:schemeClr val="accent1">
+              <a:shade val="50000"/>
+            </a:schemeClr>
+          </a:lnRef>
+          <a:fillRef idx="1">
+            <a:schemeClr val="accent1"/>
+          </a:fillRef>
+          <a:effectRef idx="0">
+            <a:schemeClr val="accent1"/>
+          </a:effectRef>
+          <a:fontRef idx="minor">
+            <a:schemeClr val="lt1"/>
+          </a:fontRef>
+        </p:style>
+        <p:txBody>
+          <a:bodyPr rtlCol="0" anchor="ctr"/>
+          <a:lstStyle/>
+          <a:p>
+            <a:pPr marL="0" marR="0" lvl="0" indent="0" algn="ctr" defTabSz="457200" rtl="0" eaLnBrk="1" fontAlgn="auto" latinLnBrk="0" hangingPunct="1">
+              <a:lnSpc>
+                <a:spcPct val="100000"/>
+              </a:lnSpc>
+              <a:spcBef>
+                <a:spcPts val="0"/>
+              </a:spcBef>
+              <a:spcAft>
+                <a:spcPts val="0"/>
+              </a:spcAft>
+              <a:buClrTx/>
+              <a:buSzTx/>
+              <a:buFontTx/>
+              <a:buNone/>
+              <a:tabLst/>
+              <a:defRPr/>
+            </a:pPr>
+            <a:endParaRPr kumimoji="0" lang="en-US" sz="1800" b="0" i="0" u="none" strike="noStrike" kern="1200" cap="none" spc="0" normalizeH="0" baseline="0" noProof="0">
+              <a:ln>
+                <a:noFill/>
+              </a:ln>
+              <a:solidFill>
+                <a:prstClr val="white"/>
+              </a:solidFill>
+              <a:effectLst/>
+              <a:uLnTx/>
+              <a:uFillTx/>
+              <a:latin typeface="Trebuchet MS" panose="020B0603020202020204"/>
+              <a:ea typeface="+mn-ea"/>
+              <a:cs typeface="+mn-cs"/>
+            </a:endParaRPr>
+          </a:p>
+        </p:txBody>
+      </p:sp>
+      <p:sp>
+        <p:nvSpPr>
+          <p:cNvPr id="2" name="כותרת 1">
+            <a:extLst>
+              <a:ext uri="{FF2B5EF4-FFF2-40B4-BE49-F238E27FC236}">
+                <a16:creationId xmlns:a16="http://schemas.microsoft.com/office/drawing/2014/main" id="{1ACC9094-DF10-FE2C-933F-47FB37C8A6AB}"/>
+              </a:ext>
+            </a:extLst>
+          </p:cNvPr>
+          <p:cNvSpPr>
+            <a:spLocks noGrp="1"/>
+          </p:cNvSpPr>
+          <p:nvPr>
+            <p:ph type="title"/>
+          </p:nvPr>
+        </p:nvSpPr>
+        <p:spPr>
+          <a:xfrm>
+            <a:off x="1694111" y="316864"/>
+            <a:ext cx="8596668" cy="1320800"/>
+          </a:xfrm>
+        </p:spPr>
+        <p:txBody>
+          <a:bodyPr>
+            <a:normAutofit/>
+          </a:bodyPr>
+          <a:lstStyle/>
+          <a:p>
+            <a:pPr algn="ctr" rtl="0"/>
+            <a:r>
+              <a:rPr lang="en-US" sz="4000" dirty="0">
+                <a:latin typeface="Arial" panose="020B0604020202020204" pitchFamily="34" charset="0"/>
+                <a:cs typeface="Arial" panose="020B0604020202020204" pitchFamily="34" charset="0"/>
+              </a:rPr>
+              <a:t>Diagrams</a:t>
+            </a:r>
+            <a:endParaRPr lang="he-IL" sz="4000" dirty="0">
+              <a:latin typeface="Arial" panose="020B0604020202020204" pitchFamily="34" charset="0"/>
+              <a:cs typeface="Arial" panose="020B0604020202020204" pitchFamily="34" charset="0"/>
+            </a:endParaRPr>
+          </a:p>
+        </p:txBody>
+      </p:sp>
+      <p:sp>
+        <p:nvSpPr>
+          <p:cNvPr id="35" name="Isosceles Triangle 34">
+            <a:extLst>
+              <a:ext uri="{FF2B5EF4-FFF2-40B4-BE49-F238E27FC236}">
+                <a16:creationId xmlns:a16="http://schemas.microsoft.com/office/drawing/2014/main" id="{C2C29CB1-9F74-4879-A6AF-AEA67B6F1F4D}"/>
+              </a:ext>
+              <a:ext uri="{C183D7F6-B498-43B3-948B-1728B52AA6E4}">
+                <adec:decorative xmlns:adec="http://schemas.microsoft.com/office/drawing/2017/decorative" val="1"/>
+              </a:ext>
+            </a:extLst>
+          </p:cNvPr>
+          <p:cNvSpPr>
+            <a:spLocks noGrp="1" noRot="1" noChangeAspect="1" noMove="1" noResize="1" noEditPoints="1" noAdjustHandles="1" noChangeArrowheads="1" noChangeShapeType="1" noTextEdit="1"/>
+          </p:cNvSpPr>
+          <p:nvPr>
+            <p:extLst>
+              <p:ext uri="{386F3935-93C4-4BCD-93E2-E3B085C9AB24}">
+                <p16:designElem xmlns:p16="http://schemas.microsoft.com/office/powerpoint/2015/main" val="1"/>
+              </p:ext>
+            </p:extLst>
+          </p:nvPr>
+        </p:nvSpPr>
+        <p:spPr>
+          <a:xfrm rot="10800000">
+            <a:off x="0" y="0"/>
+            <a:ext cx="842596" cy="5666154"/>
+          </a:xfrm>
+          <a:prstGeom prst="triangle">
+            <a:avLst>
+              <a:gd name="adj" fmla="val 100000"/>
+            </a:avLst>
+          </a:prstGeom>
+          <a:solidFill>
+            <a:schemeClr val="accent1">
+              <a:alpha val="85000"/>
+            </a:schemeClr>
+          </a:solidFill>
+          <a:ln>
+            <a:noFill/>
+          </a:ln>
+          <a:effectLst/>
+        </p:spPr>
+        <p:style>
+          <a:lnRef idx="1">
+            <a:schemeClr val="accent1"/>
+          </a:lnRef>
+          <a:fillRef idx="3">
+            <a:schemeClr val="accent1"/>
+          </a:fillRef>
+          <a:effectRef idx="2">
+            <a:schemeClr val="accent1"/>
+          </a:effectRef>
+          <a:fontRef idx="minor">
+            <a:schemeClr val="lt1"/>
+          </a:fontRef>
+        </p:style>
+      </p:sp>
+      <p:sp>
+        <p:nvSpPr>
+          <p:cNvPr id="37" name="Isosceles Triangle 36">
+            <a:extLst>
+              <a:ext uri="{FF2B5EF4-FFF2-40B4-BE49-F238E27FC236}">
+                <a16:creationId xmlns:a16="http://schemas.microsoft.com/office/drawing/2014/main" id="{7E2C7115-5336-410C-AD71-0F0952A2E5A7}"/>
+              </a:ext>
+              <a:ext uri="{C183D7F6-B498-43B3-948B-1728B52AA6E4}">
+                <adec:decorative xmlns:adec="http://schemas.microsoft.com/office/drawing/2017/decorative" val="1"/>
+              </a:ext>
+            </a:extLst>
+          </p:cNvPr>
+          <p:cNvSpPr>
+            <a:spLocks noGrp="1" noRot="1" noChangeAspect="1" noMove="1" noResize="1" noEditPoints="1" noAdjustHandles="1" noChangeArrowheads="1" noChangeShapeType="1" noTextEdit="1"/>
+          </p:cNvSpPr>
+          <p:nvPr>
+            <p:extLst>
+              <p:ext uri="{386F3935-93C4-4BCD-93E2-E3B085C9AB24}">
+                <p16:designElem xmlns:p16="http://schemas.microsoft.com/office/powerpoint/2015/main" val="1"/>
+              </p:ext>
+            </p:extLst>
+          </p:nvPr>
+        </p:nvSpPr>
+        <p:spPr>
+          <a:xfrm flipH="1">
+            <a:off x="11743267" y="4013200"/>
+            <a:ext cx="448733" cy="2844800"/>
+          </a:xfrm>
+          <a:prstGeom prst="triangle">
+            <a:avLst>
+              <a:gd name="adj" fmla="val 0"/>
+            </a:avLst>
+          </a:prstGeom>
+          <a:solidFill>
+            <a:schemeClr val="accent1">
+              <a:alpha val="85000"/>
+            </a:schemeClr>
+          </a:solidFill>
+          <a:ln>
+            <a:noFill/>
+          </a:ln>
+          <a:effectLst/>
+        </p:spPr>
+        <p:style>
+          <a:lnRef idx="1">
+            <a:schemeClr val="accent1"/>
+          </a:lnRef>
+          <a:fillRef idx="3">
+            <a:schemeClr val="accent1"/>
+          </a:fillRef>
+          <a:effectRef idx="2">
+            <a:schemeClr val="accent1"/>
+          </a:effectRef>
+          <a:fontRef idx="minor">
+            <a:schemeClr val="lt1"/>
+          </a:fontRef>
+        </p:style>
+      </p:sp>
+      <p:pic>
+        <p:nvPicPr>
+          <p:cNvPr id="4" name="Content Placeholder 3">
+            <a:extLst>
+              <a:ext uri="{FF2B5EF4-FFF2-40B4-BE49-F238E27FC236}">
+                <a16:creationId xmlns:a16="http://schemas.microsoft.com/office/drawing/2014/main" id="{809E897D-B03D-6F2E-2224-1A10EB4A0B3E}"/>
+              </a:ext>
+            </a:extLst>
+          </p:cNvPr>
+          <p:cNvPicPr>
+            <a:picLocks noGrp="1" noChangeAspect="1"/>
+          </p:cNvPicPr>
+          <p:nvPr>
+            <p:ph idx="1"/>
+          </p:nvPr>
+        </p:nvPicPr>
+        <p:blipFill>
+          <a:blip r:embed="rId2">
+            <a:extLst>
+              <a:ext uri="{28A0092B-C50C-407E-A947-70E740481C1C}">
+                <a14:useLocalDpi xmlns:a14="http://schemas.microsoft.com/office/drawing/2010/main" val="0"/>
+              </a:ext>
+            </a:extLst>
+          </a:blip>
+          <a:stretch>
+            <a:fillRect/>
+          </a:stretch>
+        </p:blipFill>
+        <p:spPr>
+          <a:xfrm>
+            <a:off x="5601253" y="2046377"/>
+            <a:ext cx="6142014" cy="4781550"/>
+          </a:xfrm>
+          <a:prstGeom prst="rect">
+            <a:avLst/>
+          </a:prstGeom>
+        </p:spPr>
+      </p:pic>
+      <p:pic>
+        <p:nvPicPr>
+          <p:cNvPr id="5" name="Picture 4">
+            <a:extLst>
+              <a:ext uri="{FF2B5EF4-FFF2-40B4-BE49-F238E27FC236}">
+                <a16:creationId xmlns:a16="http://schemas.microsoft.com/office/drawing/2014/main" id="{79073C6F-B326-E14D-0AA2-F0C25740C0A8}"/>
+              </a:ext>
+            </a:extLst>
+          </p:cNvPr>
+          <p:cNvPicPr>
+            <a:picLocks noChangeAspect="1"/>
+          </p:cNvPicPr>
+          <p:nvPr/>
+        </p:nvPicPr>
+        <p:blipFill>
+          <a:blip r:embed="rId3">
+            <a:extLst>
+              <a:ext uri="{28A0092B-C50C-407E-A947-70E740481C1C}">
+                <a14:useLocalDpi xmlns:a14="http://schemas.microsoft.com/office/drawing/2010/main" val="0"/>
+              </a:ext>
+            </a:extLst>
+          </a:blip>
+          <a:stretch>
+            <a:fillRect/>
+          </a:stretch>
+        </p:blipFill>
+        <p:spPr>
+          <a:xfrm>
+            <a:off x="1369221" y="2452460"/>
+            <a:ext cx="3057525" cy="3969385"/>
+          </a:xfrm>
+          <a:prstGeom prst="rect">
+            <a:avLst/>
+          </a:prstGeom>
+        </p:spPr>
+      </p:pic>
+      <p:sp>
+        <p:nvSpPr>
+          <p:cNvPr id="6" name="TextBox 5">
+            <a:extLst>
+              <a:ext uri="{FF2B5EF4-FFF2-40B4-BE49-F238E27FC236}">
+                <a16:creationId xmlns:a16="http://schemas.microsoft.com/office/drawing/2014/main" id="{4AB84E7F-073E-4B15-BC83-DDA0EE333F04}"/>
+              </a:ext>
+            </a:extLst>
+          </p:cNvPr>
+          <p:cNvSpPr txBox="1"/>
+          <p:nvPr/>
+        </p:nvSpPr>
+        <p:spPr>
+          <a:xfrm>
+            <a:off x="936964" y="1616196"/>
+            <a:ext cx="3773510" cy="400110"/>
+          </a:xfrm>
+          <a:prstGeom prst="rect">
+            <a:avLst/>
+          </a:prstGeom>
+          <a:noFill/>
+        </p:spPr>
+        <p:txBody>
+          <a:bodyPr wrap="square" rtlCol="1">
+            <a:spAutoFit/>
+          </a:bodyPr>
+          <a:lstStyle/>
+          <a:p>
+            <a:r>
+              <a:rPr lang="en-US" sz="2000" dirty="0">
+                <a:latin typeface="Arial" panose="020B0604020202020204" pitchFamily="34" charset="0"/>
+                <a:cs typeface="Arial" panose="020B0604020202020204" pitchFamily="34" charset="0"/>
+              </a:rPr>
+              <a:t>      Flowchart diagram:</a:t>
+            </a:r>
+            <a:endParaRPr lang="he-IL" sz="2000" dirty="0">
+              <a:latin typeface="Arial" panose="020B0604020202020204" pitchFamily="34" charset="0"/>
+              <a:cs typeface="Arial" panose="020B0604020202020204" pitchFamily="34" charset="0"/>
+            </a:endParaRPr>
+          </a:p>
+        </p:txBody>
+      </p:sp>
+      <p:sp>
+        <p:nvSpPr>
+          <p:cNvPr id="8" name="TextBox 7">
+            <a:extLst>
+              <a:ext uri="{FF2B5EF4-FFF2-40B4-BE49-F238E27FC236}">
+                <a16:creationId xmlns:a16="http://schemas.microsoft.com/office/drawing/2014/main" id="{2AE0A272-21DA-E1AC-76FB-7E6607441349}"/>
+              </a:ext>
+            </a:extLst>
+          </p:cNvPr>
+          <p:cNvSpPr txBox="1"/>
+          <p:nvPr/>
+        </p:nvSpPr>
+        <p:spPr>
+          <a:xfrm>
+            <a:off x="7551311" y="1612854"/>
+            <a:ext cx="3773510" cy="400110"/>
+          </a:xfrm>
+          <a:prstGeom prst="rect">
+            <a:avLst/>
+          </a:prstGeom>
+          <a:noFill/>
+        </p:spPr>
+        <p:txBody>
+          <a:bodyPr wrap="square" rtlCol="1">
+            <a:spAutoFit/>
+          </a:bodyPr>
+          <a:lstStyle/>
+          <a:p>
+            <a:r>
+              <a:rPr lang="en-US" sz="2000" dirty="0">
+                <a:latin typeface="Arial" panose="020B0604020202020204" pitchFamily="34" charset="0"/>
+                <a:cs typeface="Arial" panose="020B0604020202020204" pitchFamily="34" charset="0"/>
+              </a:rPr>
+              <a:t>Sequence diagram:</a:t>
+            </a:r>
+            <a:endParaRPr lang="he-IL" sz="2000" dirty="0">
+              <a:latin typeface="Arial" panose="020B0604020202020204" pitchFamily="34" charset="0"/>
+              <a:cs typeface="Arial" panose="020B0604020202020204" pitchFamily="34" charset="0"/>
+            </a:endParaRPr>
+          </a:p>
+        </p:txBody>
+      </p:sp>
+      <p:sp>
+        <p:nvSpPr>
+          <p:cNvPr id="3" name="מציין מיקום של מספר שקופית 2">
+            <a:extLst>
+              <a:ext uri="{FF2B5EF4-FFF2-40B4-BE49-F238E27FC236}">
+                <a16:creationId xmlns:a16="http://schemas.microsoft.com/office/drawing/2014/main" id="{41FA42F4-17F6-7605-883D-3658694B0F25}"/>
+              </a:ext>
+            </a:extLst>
+          </p:cNvPr>
+          <p:cNvSpPr>
+            <a:spLocks noGrp="1"/>
+          </p:cNvSpPr>
+          <p:nvPr>
+            <p:ph type="sldNum" sz="quarter" idx="12"/>
+          </p:nvPr>
+        </p:nvSpPr>
+        <p:spPr/>
+        <p:txBody>
+          <a:bodyPr/>
+          <a:lstStyle/>
+          <a:p>
+            <a:fld id="{FEDBE076-7370-4F39-B8CE-D2BB33626AF3}" type="slidenum">
+              <a:rPr lang="he-IL" smtClean="0"/>
+              <a:t>17</a:t>
+            </a:fld>
+            <a:endParaRPr lang="he-IL"/>
+          </a:p>
+        </p:txBody>
+      </p:sp>
+    </p:spTree>
+    <p:extLst>
+      <p:ext uri="{BB962C8B-B14F-4D97-AF65-F5344CB8AC3E}">
+        <p14:creationId xmlns:p14="http://schemas.microsoft.com/office/powerpoint/2010/main" val="2422609937"/>
+      </p:ext>
+    </p:extLst>
+  </p:cSld>
+  <p:clrMapOvr>
+    <a:masterClrMapping/>
+  </p:clrMapOvr>
+</p:sld>
+</file>
+
+<file path=ppt/slides/slide18.xml><?xml version="1.0" encoding="utf-8"?>
+<p:sld xmlns:a="http://schemas.openxmlformats.org/drawingml/2006/main" xmlns:r="http://schemas.openxmlformats.org/officeDocument/2006/relationships" xmlns:p="http://schemas.openxmlformats.org/presentationml/2006/main">
+  <p:cSld>
+    <p:bg>
+      <p:bgPr>
+        <a:solidFill>
+          <a:schemeClr val="bg1"/>
+        </a:solidFill>
+        <a:effectLst/>
+      </p:bgPr>
+    </p:bg>
+    <p:spTree>
+      <p:nvGrpSpPr>
+        <p:cNvPr id="1" name=""/>
+        <p:cNvGrpSpPr/>
+        <p:nvPr/>
+      </p:nvGrpSpPr>
+      <p:grpSpPr>
+        <a:xfrm>
+          <a:off x="0" y="0"/>
+          <a:ext cx="0" cy="0"/>
+          <a:chOff x="0" y="0"/>
+          <a:chExt cx="0" cy="0"/>
+        </a:xfrm>
+      </p:grpSpPr>
+      <p:sp useBgFill="1">
+        <p:nvSpPr>
+          <p:cNvPr id="33" name="Rectangle 32">
+            <a:extLst>
+              <a:ext uri="{FF2B5EF4-FFF2-40B4-BE49-F238E27FC236}">
+                <a16:creationId xmlns:a16="http://schemas.microsoft.com/office/drawing/2014/main" id="{E80B86A7-A1EC-475B-9166-88902B033A38}"/>
+              </a:ext>
+              <a:ext uri="{C183D7F6-B498-43B3-948B-1728B52AA6E4}">
+                <adec:decorative xmlns:adec="http://schemas.microsoft.com/office/drawing/2017/decorative" val="1"/>
+              </a:ext>
+            </a:extLst>
+          </p:cNvPr>
+          <p:cNvSpPr>
+            <a:spLocks noGrp="1" noRot="1" noChangeAspect="1" noMove="1" noResize="1" noEditPoints="1" noAdjustHandles="1" noChangeArrowheads="1" noChangeShapeType="1" noTextEdit="1"/>
+          </p:cNvSpPr>
+          <p:nvPr>
+            <p:extLst>
+              <p:ext uri="{386F3935-93C4-4BCD-93E2-E3B085C9AB24}">
+                <p16:designElem xmlns:p16="http://schemas.microsoft.com/office/powerpoint/2015/main" val="1"/>
+              </p:ext>
+            </p:extLst>
+          </p:nvPr>
+        </p:nvSpPr>
+        <p:spPr>
+          <a:xfrm>
+            <a:off x="0" y="0"/>
+            <a:ext cx="12192000" cy="6858000"/>
+          </a:xfrm>
+          <a:prstGeom prst="rect">
+            <a:avLst/>
+          </a:prstGeom>
+          <a:ln>
+            <a:noFill/>
+          </a:ln>
+        </p:spPr>
+        <p:style>
+          <a:lnRef idx="2">
+            <a:schemeClr val="accent1">
+              <a:shade val="50000"/>
+            </a:schemeClr>
+          </a:lnRef>
+          <a:fillRef idx="1">
+            <a:schemeClr val="accent1"/>
+          </a:fillRef>
+          <a:effectRef idx="0">
+            <a:schemeClr val="accent1"/>
+          </a:effectRef>
+          <a:fontRef idx="minor">
+            <a:schemeClr val="lt1"/>
+          </a:fontRef>
+        </p:style>
+        <p:txBody>
+          <a:bodyPr rtlCol="0" anchor="ctr"/>
+          <a:lstStyle/>
+          <a:p>
+            <a:pPr marL="0" marR="0" lvl="0" indent="0" algn="ctr" defTabSz="457200" rtl="0" eaLnBrk="1" fontAlgn="auto" latinLnBrk="0" hangingPunct="1">
+              <a:lnSpc>
+                <a:spcPct val="100000"/>
+              </a:lnSpc>
+              <a:spcBef>
+                <a:spcPts val="0"/>
+              </a:spcBef>
+              <a:spcAft>
+                <a:spcPts val="0"/>
+              </a:spcAft>
+              <a:buClrTx/>
+              <a:buSzTx/>
+              <a:buFontTx/>
+              <a:buNone/>
+              <a:tabLst/>
+              <a:defRPr/>
+            </a:pPr>
+            <a:endParaRPr kumimoji="0" lang="en-US" sz="1800" b="0" i="0" u="none" strike="noStrike" kern="1200" cap="none" spc="0" normalizeH="0" baseline="0" noProof="0">
+              <a:ln>
+                <a:noFill/>
+              </a:ln>
+              <a:solidFill>
+                <a:prstClr val="white"/>
+              </a:solidFill>
+              <a:effectLst/>
+              <a:uLnTx/>
+              <a:uFillTx/>
+              <a:latin typeface="Trebuchet MS" panose="020B0603020202020204"/>
+              <a:ea typeface="+mn-ea"/>
+              <a:cs typeface="+mn-cs"/>
+            </a:endParaRPr>
+          </a:p>
+        </p:txBody>
+      </p:sp>
+      <p:sp>
+        <p:nvSpPr>
+          <p:cNvPr id="2" name="כותרת 1">
+            <a:extLst>
+              <a:ext uri="{FF2B5EF4-FFF2-40B4-BE49-F238E27FC236}">
+                <a16:creationId xmlns:a16="http://schemas.microsoft.com/office/drawing/2014/main" id="{1ACC9094-DF10-FE2C-933F-47FB37C8A6AB}"/>
+              </a:ext>
+            </a:extLst>
+          </p:cNvPr>
+          <p:cNvSpPr>
+            <a:spLocks noGrp="1"/>
+          </p:cNvSpPr>
+          <p:nvPr>
+            <p:ph type="title"/>
+          </p:nvPr>
+        </p:nvSpPr>
+        <p:spPr>
+          <a:xfrm>
+            <a:off x="1694111" y="316864"/>
+            <a:ext cx="8596668" cy="1320800"/>
+          </a:xfrm>
+        </p:spPr>
+        <p:txBody>
+          <a:bodyPr>
+            <a:normAutofit/>
+          </a:bodyPr>
+          <a:lstStyle/>
+          <a:p>
+            <a:pPr algn="ctr" rtl="0"/>
+            <a:r>
+              <a:rPr lang="en-US" sz="4000" dirty="0">
+                <a:latin typeface="Arial" panose="020B0604020202020204" pitchFamily="34" charset="0"/>
+                <a:cs typeface="Arial" panose="020B0604020202020204" pitchFamily="34" charset="0"/>
+              </a:rPr>
+              <a:t>GUI </a:t>
+            </a:r>
+            <a:endParaRPr lang="he-IL" sz="4000" dirty="0">
+              <a:latin typeface="Arial" panose="020B0604020202020204" pitchFamily="34" charset="0"/>
+              <a:cs typeface="Arial" panose="020B0604020202020204" pitchFamily="34" charset="0"/>
+            </a:endParaRPr>
+          </a:p>
+        </p:txBody>
+      </p:sp>
+      <p:sp>
+        <p:nvSpPr>
+          <p:cNvPr id="35" name="Isosceles Triangle 34">
+            <a:extLst>
+              <a:ext uri="{FF2B5EF4-FFF2-40B4-BE49-F238E27FC236}">
+                <a16:creationId xmlns:a16="http://schemas.microsoft.com/office/drawing/2014/main" id="{C2C29CB1-9F74-4879-A6AF-AEA67B6F1F4D}"/>
+              </a:ext>
+              <a:ext uri="{C183D7F6-B498-43B3-948B-1728B52AA6E4}">
+                <adec:decorative xmlns:adec="http://schemas.microsoft.com/office/drawing/2017/decorative" val="1"/>
+              </a:ext>
+            </a:extLst>
+          </p:cNvPr>
+          <p:cNvSpPr>
+            <a:spLocks noGrp="1" noRot="1" noChangeAspect="1" noMove="1" noResize="1" noEditPoints="1" noAdjustHandles="1" noChangeArrowheads="1" noChangeShapeType="1" noTextEdit="1"/>
+          </p:cNvSpPr>
+          <p:nvPr>
+            <p:extLst>
+              <p:ext uri="{386F3935-93C4-4BCD-93E2-E3B085C9AB24}">
+                <p16:designElem xmlns:p16="http://schemas.microsoft.com/office/powerpoint/2015/main" val="1"/>
+              </p:ext>
+            </p:extLst>
+          </p:nvPr>
+        </p:nvSpPr>
+        <p:spPr>
+          <a:xfrm rot="10800000">
+            <a:off x="0" y="0"/>
+            <a:ext cx="842596" cy="5666154"/>
+          </a:xfrm>
+          <a:prstGeom prst="triangle">
+            <a:avLst>
+              <a:gd name="adj" fmla="val 100000"/>
+            </a:avLst>
+          </a:prstGeom>
+          <a:solidFill>
+            <a:schemeClr val="accent1">
+              <a:alpha val="85000"/>
+            </a:schemeClr>
+          </a:solidFill>
+          <a:ln>
+            <a:noFill/>
+          </a:ln>
+          <a:effectLst/>
+        </p:spPr>
+        <p:style>
+          <a:lnRef idx="1">
+            <a:schemeClr val="accent1"/>
+          </a:lnRef>
+          <a:fillRef idx="3">
+            <a:schemeClr val="accent1"/>
+          </a:fillRef>
+          <a:effectRef idx="2">
+            <a:schemeClr val="accent1"/>
+          </a:effectRef>
+          <a:fontRef idx="minor">
+            <a:schemeClr val="lt1"/>
+          </a:fontRef>
+        </p:style>
+      </p:sp>
+      <p:sp>
+        <p:nvSpPr>
+          <p:cNvPr id="37" name="Isosceles Triangle 36">
+            <a:extLst>
+              <a:ext uri="{FF2B5EF4-FFF2-40B4-BE49-F238E27FC236}">
+                <a16:creationId xmlns:a16="http://schemas.microsoft.com/office/drawing/2014/main" id="{7E2C7115-5336-410C-AD71-0F0952A2E5A7}"/>
+              </a:ext>
+              <a:ext uri="{C183D7F6-B498-43B3-948B-1728B52AA6E4}">
+                <adec:decorative xmlns:adec="http://schemas.microsoft.com/office/drawing/2017/decorative" val="1"/>
+              </a:ext>
+            </a:extLst>
+          </p:cNvPr>
+          <p:cNvSpPr>
+            <a:spLocks noGrp="1" noRot="1" noChangeAspect="1" noMove="1" noResize="1" noEditPoints="1" noAdjustHandles="1" noChangeArrowheads="1" noChangeShapeType="1" noTextEdit="1"/>
+          </p:cNvSpPr>
+          <p:nvPr>
+            <p:extLst>
+              <p:ext uri="{386F3935-93C4-4BCD-93E2-E3B085C9AB24}">
+                <p16:designElem xmlns:p16="http://schemas.microsoft.com/office/powerpoint/2015/main" val="1"/>
+              </p:ext>
+            </p:extLst>
+          </p:nvPr>
+        </p:nvSpPr>
+        <p:spPr>
+          <a:xfrm flipH="1">
+            <a:off x="11743267" y="4013200"/>
+            <a:ext cx="448733" cy="2844800"/>
+          </a:xfrm>
+          <a:prstGeom prst="triangle">
+            <a:avLst>
+              <a:gd name="adj" fmla="val 0"/>
+            </a:avLst>
+          </a:prstGeom>
+          <a:solidFill>
+            <a:schemeClr val="accent1">
+              <a:alpha val="85000"/>
+            </a:schemeClr>
+          </a:solidFill>
+          <a:ln>
+            <a:noFill/>
+          </a:ln>
+          <a:effectLst/>
+        </p:spPr>
+        <p:style>
+          <a:lnRef idx="1">
+            <a:schemeClr val="accent1"/>
+          </a:lnRef>
+          <a:fillRef idx="3">
+            <a:schemeClr val="accent1"/>
+          </a:fillRef>
+          <a:effectRef idx="2">
+            <a:schemeClr val="accent1"/>
+          </a:effectRef>
+          <a:fontRef idx="minor">
+            <a:schemeClr val="lt1"/>
+          </a:fontRef>
+        </p:style>
+      </p:sp>
+      <p:pic>
+        <p:nvPicPr>
           <p:cNvPr id="9" name="Picture 8">
             <a:extLst>
               <a:ext uri="{FF2B5EF4-FFF2-40B4-BE49-F238E27FC236}">
@@ -8830,6 +11017,35 @@
           </a:ln>
         </p:spPr>
       </p:pic>
+      <p:sp>
+        <p:nvSpPr>
+          <p:cNvPr id="3" name="מציין מיקום של מספר שקופית 2">
+            <a:extLst>
+              <a:ext uri="{FF2B5EF4-FFF2-40B4-BE49-F238E27FC236}">
+                <a16:creationId xmlns:a16="http://schemas.microsoft.com/office/drawing/2014/main" id="{15E6CA61-A6A1-E3FA-1CBF-C50B7687693C}"/>
+              </a:ext>
+            </a:extLst>
+          </p:cNvPr>
+          <p:cNvSpPr>
+            <a:spLocks noGrp="1"/>
+          </p:cNvSpPr>
+          <p:nvPr>
+            <p:ph type="sldNum" sz="quarter" idx="12"/>
+          </p:nvPr>
+        </p:nvSpPr>
+        <p:spPr/>
+        <p:txBody>
+          <a:bodyPr/>
+          <a:lstStyle/>
+          <a:p>
+            <a:fld id="{FEDBE076-7370-4F39-B8CE-D2BB33626AF3}" type="slidenum">
+              <a:rPr lang="he-IL" smtClean="0"/>
+              <a:t>18</a:t>
+            </a:fld>
+            <a:endParaRPr lang="he-IL"/>
+          </a:p>
+        </p:txBody>
+      </p:sp>
     </p:spTree>
     <p:extLst>
       <p:ext uri="{BB962C8B-B14F-4D97-AF65-F5344CB8AC3E}">
@@ -8843,7 +11059,7 @@
 </p:sld>
 </file>
 
-<file path=ppt/slides/slide16.xml><?xml version="1.0" encoding="utf-8"?>
+<file path=ppt/slides/slide19.xml><?xml version="1.0" encoding="utf-8"?>
 <p:sld xmlns:a="http://schemas.openxmlformats.org/drawingml/2006/main" xmlns:r="http://schemas.openxmlformats.org/officeDocument/2006/relationships" xmlns:p="http://schemas.openxmlformats.org/presentationml/2006/main">
   <p:cSld>
     <p:bg>
@@ -10148,6 +12364,35 @@
           </a:graphicData>
         </a:graphic>
       </p:graphicFrame>
+      <p:sp>
+        <p:nvSpPr>
+          <p:cNvPr id="3" name="מציין מיקום של מספר שקופית 2">
+            <a:extLst>
+              <a:ext uri="{FF2B5EF4-FFF2-40B4-BE49-F238E27FC236}">
+                <a16:creationId xmlns:a16="http://schemas.microsoft.com/office/drawing/2014/main" id="{CE6367C6-23A1-1A3D-120F-7B14900E4B6B}"/>
+              </a:ext>
+            </a:extLst>
+          </p:cNvPr>
+          <p:cNvSpPr>
+            <a:spLocks noGrp="1"/>
+          </p:cNvSpPr>
+          <p:nvPr>
+            <p:ph type="sldNum" sz="quarter" idx="12"/>
+          </p:nvPr>
+        </p:nvSpPr>
+        <p:spPr/>
+        <p:txBody>
+          <a:bodyPr/>
+          <a:lstStyle/>
+          <a:p>
+            <a:fld id="{FEDBE076-7370-4F39-B8CE-D2BB33626AF3}" type="slidenum">
+              <a:rPr lang="he-IL" smtClean="0"/>
+              <a:t>19</a:t>
+            </a:fld>
+            <a:endParaRPr lang="he-IL"/>
+          </a:p>
+        </p:txBody>
+      </p:sp>
     </p:spTree>
     <p:extLst>
       <p:ext uri="{BB962C8B-B14F-4D97-AF65-F5344CB8AC3E}">
@@ -10365,17 +12610,189 @@
         </p:nvSpPr>
         <p:spPr>
           <a:xfrm>
-            <a:off x="1333502" y="2160589"/>
-            <a:ext cx="8596668" cy="3880773"/>
+            <a:off x="1184266" y="1488613"/>
+            <a:ext cx="9192321" cy="4901455"/>
           </a:xfrm>
         </p:spPr>
         <p:txBody>
           <a:bodyPr>
-            <a:normAutofit/>
+            <a:normAutofit fontScale="92500" lnSpcReduction="20000"/>
           </a:bodyPr>
           <a:lstStyle/>
           <a:p>
-            <a:endParaRPr lang="he-IL"/>
+            <a:pPr algn="l" rtl="0"/>
+            <a:r>
+              <a:rPr lang="en-US" sz="1800" dirty="0">
+                <a:latin typeface="Arial" panose="020B0604020202020204" pitchFamily="34" charset="0"/>
+                <a:cs typeface="Arial" panose="020B0604020202020204" pitchFamily="34" charset="0"/>
+              </a:rPr>
+              <a:t>Introduction</a:t>
+            </a:r>
+          </a:p>
+          <a:p>
+            <a:pPr algn="l" rtl="0"/>
+            <a:r>
+              <a:rPr lang="en-US" sz="1800" dirty="0">
+                <a:latin typeface="Arial" panose="020B0604020202020204" pitchFamily="34" charset="0"/>
+                <a:cs typeface="Arial" panose="020B0604020202020204" pitchFamily="34" charset="0"/>
+              </a:rPr>
+              <a:t>Breast cancer as of today</a:t>
+            </a:r>
+          </a:p>
+          <a:p>
+            <a:pPr algn="l" rtl="0"/>
+            <a:r>
+              <a:rPr lang="en-US" sz="1800" dirty="0">
+                <a:latin typeface="Arial" panose="020B0604020202020204" pitchFamily="34" charset="0"/>
+                <a:cs typeface="Arial" panose="020B0604020202020204" pitchFamily="34" charset="0"/>
+                <a:sym typeface="Arial"/>
+              </a:rPr>
+              <a:t>Motivation</a:t>
+            </a:r>
+          </a:p>
+          <a:p>
+            <a:pPr algn="l" rtl="0"/>
+            <a:r>
+              <a:rPr lang="en-US" sz="1800" dirty="0">
+                <a:latin typeface="Arial" panose="020B0604020202020204" pitchFamily="34" charset="0"/>
+                <a:cs typeface="Arial" panose="020B0604020202020204" pitchFamily="34" charset="0"/>
+                <a:sym typeface="Arial"/>
+              </a:rPr>
+              <a:t>Approach to solution</a:t>
+            </a:r>
+          </a:p>
+          <a:p>
+            <a:pPr algn="l" rtl="0"/>
+            <a:r>
+              <a:rPr lang="en-US" sz="1800" dirty="0">
+                <a:latin typeface="Arial" panose="020B0604020202020204" pitchFamily="34" charset="0"/>
+                <a:cs typeface="Arial" panose="020B0604020202020204" pitchFamily="34" charset="0"/>
+              </a:rPr>
+              <a:t>CNN</a:t>
+            </a:r>
+          </a:p>
+          <a:p>
+            <a:pPr algn="l" rtl="0"/>
+            <a:r>
+              <a:rPr lang="en-US" sz="1800" dirty="0">
+                <a:latin typeface="Arial" panose="020B0604020202020204" pitchFamily="34" charset="0"/>
+                <a:cs typeface="Arial" panose="020B0604020202020204" pitchFamily="34" charset="0"/>
+              </a:rPr>
+              <a:t>DenseNet</a:t>
+            </a:r>
+            <a:endParaRPr lang="en-US" dirty="0">
+              <a:latin typeface="Arial" panose="020B0604020202020204" pitchFamily="34" charset="0"/>
+              <a:cs typeface="Arial" panose="020B0604020202020204" pitchFamily="34" charset="0"/>
+            </a:endParaRPr>
+          </a:p>
+          <a:p>
+            <a:pPr algn="l" rtl="0"/>
+            <a:r>
+              <a:rPr lang="en-US" sz="1800" dirty="0">
+                <a:latin typeface="Arial" panose="020B0604020202020204" pitchFamily="34" charset="0"/>
+                <a:cs typeface="Arial" panose="020B0604020202020204" pitchFamily="34" charset="0"/>
+              </a:rPr>
+              <a:t>Inception V4</a:t>
+            </a:r>
+          </a:p>
+          <a:p>
+            <a:pPr algn="l" rtl="0"/>
+            <a:r>
+              <a:rPr lang="en-US" sz="1800" dirty="0">
+                <a:latin typeface="Arial" panose="020B0604020202020204" pitchFamily="34" charset="0"/>
+                <a:cs typeface="Arial" panose="020B0604020202020204" pitchFamily="34" charset="0"/>
+              </a:rPr>
+              <a:t>Datasets:</a:t>
+            </a:r>
+            <a:br>
+              <a:rPr lang="en-US" sz="1800" dirty="0">
+                <a:latin typeface="Arial" panose="020B0604020202020204" pitchFamily="34" charset="0"/>
+                <a:cs typeface="Arial" panose="020B0604020202020204" pitchFamily="34" charset="0"/>
+              </a:rPr>
+            </a:br>
+            <a:r>
+              <a:rPr lang="en-US" sz="1800" dirty="0">
+                <a:latin typeface="Arial" panose="020B0604020202020204" pitchFamily="34" charset="0"/>
+                <a:cs typeface="Arial" panose="020B0604020202020204" pitchFamily="34" charset="0"/>
+              </a:rPr>
+              <a:t>		Breakhis</a:t>
+            </a:r>
+            <a:br>
+              <a:rPr lang="en-US" sz="1800" dirty="0">
+                <a:latin typeface="Arial" panose="020B0604020202020204" pitchFamily="34" charset="0"/>
+                <a:cs typeface="Arial" panose="020B0604020202020204" pitchFamily="34" charset="0"/>
+              </a:rPr>
+            </a:br>
+            <a:r>
+              <a:rPr lang="en-US" sz="1800" dirty="0">
+                <a:latin typeface="Arial" panose="020B0604020202020204" pitchFamily="34" charset="0"/>
+                <a:cs typeface="Arial" panose="020B0604020202020204" pitchFamily="34" charset="0"/>
+              </a:rPr>
+              <a:t>		RSNA </a:t>
+            </a:r>
+          </a:p>
+          <a:p>
+            <a:pPr algn="l" rtl="0"/>
+            <a:r>
+              <a:rPr lang="en-US" sz="1800" dirty="0">
+                <a:latin typeface="Arial" panose="020B0604020202020204" pitchFamily="34" charset="0"/>
+                <a:cs typeface="Arial" panose="020B0604020202020204" pitchFamily="34" charset="0"/>
+              </a:rPr>
+              <a:t>Researched hyperparameters</a:t>
+            </a:r>
+          </a:p>
+          <a:p>
+            <a:pPr algn="l" rtl="0"/>
+            <a:r>
+              <a:rPr lang="en-US" sz="1800" dirty="0">
+                <a:latin typeface="Arial" panose="020B0604020202020204" pitchFamily="34" charset="0"/>
+                <a:cs typeface="Arial" panose="020B0604020202020204" pitchFamily="34" charset="0"/>
+              </a:rPr>
+              <a:t>Diagrams</a:t>
+            </a:r>
+          </a:p>
+          <a:p>
+            <a:pPr algn="l" rtl="0"/>
+            <a:r>
+              <a:rPr lang="en-US" sz="1800" dirty="0">
+                <a:latin typeface="Arial" panose="020B0604020202020204" pitchFamily="34" charset="0"/>
+                <a:cs typeface="Arial" panose="020B0604020202020204" pitchFamily="34" charset="0"/>
+              </a:rPr>
+              <a:t>GUI</a:t>
+            </a:r>
+          </a:p>
+          <a:p>
+            <a:pPr algn="l" rtl="0"/>
+            <a:r>
+              <a:rPr lang="en-US" sz="1800" dirty="0">
+                <a:latin typeface="Arial" panose="020B0604020202020204" pitchFamily="34" charset="0"/>
+                <a:cs typeface="Arial" panose="020B0604020202020204" pitchFamily="34" charset="0"/>
+              </a:rPr>
+              <a:t>Evaluation</a:t>
+            </a:r>
+            <a:br>
+              <a:rPr lang="en-US" sz="1800" b="1" dirty="0">
+                <a:latin typeface="Arial" panose="020B0604020202020204" pitchFamily="34" charset="0"/>
+                <a:cs typeface="Arial" panose="020B0604020202020204" pitchFamily="34" charset="0"/>
+              </a:rPr>
+            </a:br>
+            <a:br>
+              <a:rPr lang="en-US" sz="1800" b="1" dirty="0">
+                <a:latin typeface="Arial" panose="020B0604020202020204" pitchFamily="34" charset="0"/>
+                <a:cs typeface="Arial" panose="020B0604020202020204" pitchFamily="34" charset="0"/>
+              </a:rPr>
+            </a:br>
+            <a:endParaRPr lang="en-US" sz="1800" b="1" dirty="0">
+              <a:latin typeface="Arial" panose="020B0604020202020204" pitchFamily="34" charset="0"/>
+              <a:cs typeface="Arial" panose="020B0604020202020204" pitchFamily="34" charset="0"/>
+            </a:endParaRPr>
+          </a:p>
+          <a:p>
+            <a:pPr algn="l" rtl="0">
+              <a:buFont typeface="+mj-lt"/>
+              <a:buAutoNum type="arabicPeriod"/>
+            </a:pPr>
+            <a:endParaRPr lang="he-IL" dirty="0"/>
           </a:p>
         </p:txBody>
       </p:sp>
@@ -10436,6 +12853,40 @@
             <a:schemeClr val="lt1"/>
           </a:fontRef>
         </p:style>
+      </p:sp>
+      <p:sp>
+        <p:nvSpPr>
+          <p:cNvPr id="4" name="מציין מיקום של מספר שקופית 3">
+            <a:extLst>
+              <a:ext uri="{FF2B5EF4-FFF2-40B4-BE49-F238E27FC236}">
+                <a16:creationId xmlns:a16="http://schemas.microsoft.com/office/drawing/2014/main" id="{1111F4F2-978B-3B8C-AE09-1817A0213EB9}"/>
+              </a:ext>
+            </a:extLst>
+          </p:cNvPr>
+          <p:cNvSpPr>
+            <a:spLocks noGrp="1"/>
+          </p:cNvSpPr>
+          <p:nvPr>
+            <p:ph type="sldNum" sz="quarter" idx="12"/>
+          </p:nvPr>
+        </p:nvSpPr>
+        <p:spPr>
+          <a:xfrm>
+            <a:off x="10718258" y="6104711"/>
+            <a:ext cx="683339" cy="365125"/>
+          </a:xfrm>
+        </p:spPr>
+        <p:txBody>
+          <a:bodyPr/>
+          <a:lstStyle/>
+          <a:p>
+            <a:fld id="{FEDBE076-7370-4F39-B8CE-D2BB33626AF3}" type="slidenum">
+              <a:rPr lang="he-IL" smtClean="0"/>
+              <a:t>2</a:t>
+            </a:fld>
+            <a:endParaRPr lang="he-IL" dirty="0"/>
+          </a:p>
+        </p:txBody>
       </p:sp>
     </p:spTree>
     <p:extLst>
@@ -10553,17 +13004,31 @@
         </p:nvSpPr>
         <p:spPr>
           <a:xfrm>
-            <a:off x="1726308" y="419895"/>
-            <a:ext cx="8596668" cy="1320800"/>
+            <a:off x="1726308" y="419894"/>
+            <a:ext cx="8596668" cy="1738689"/>
           </a:xfrm>
         </p:spPr>
         <p:txBody>
           <a:bodyPr>
-            <a:normAutofit/>
+            <a:normAutofit fontScale="90000"/>
           </a:bodyPr>
           <a:lstStyle/>
           <a:p>
             <a:pPr algn="ctr" rtl="0"/>
+            <a:r>
+              <a:rPr lang="en-US" sz="4000" dirty="0">
+                <a:latin typeface="Arial" panose="020B0604020202020204" pitchFamily="34" charset="0"/>
+                <a:cs typeface="Arial" panose="020B0604020202020204" pitchFamily="34" charset="0"/>
+              </a:rPr>
+              <a:t>breast cancer cells classification using CNN on histopathology and mammography imaging </a:t>
+            </a:r>
+            <a:r>
+              <a:rPr lang="en-US" sz="4000" b="1" dirty="0">
+                <a:latin typeface="Arial" panose="020B0604020202020204" pitchFamily="34" charset="0"/>
+                <a:cs typeface="Arial" panose="020B0604020202020204" pitchFamily="34" charset="0"/>
+              </a:rPr>
+              <a:t>- </a:t>
+            </a:r>
             <a:r>
               <a:rPr lang="en-US" sz="4000" dirty="0">
                 <a:latin typeface="Arial" panose="020B0604020202020204" pitchFamily="34" charset="0"/>
@@ -10654,8 +13119,8 @@
         </p:nvSpPr>
         <p:spPr>
           <a:xfrm>
-            <a:off x="1383130" y="1742742"/>
-            <a:ext cx="9819603" cy="4781579"/>
+            <a:off x="1383130" y="2158583"/>
+            <a:ext cx="9819603" cy="4365738"/>
           </a:xfrm>
         </p:spPr>
         <p:txBody>
@@ -10705,6 +13170,18 @@
                 <a:cs typeface="Arial" panose="020B0604020202020204" pitchFamily="34" charset="0"/>
               </a:rPr>
             </a:br>
+            <a:endParaRPr lang="en-US" sz="2000" dirty="0">
+              <a:solidFill>
+                <a:schemeClr val="tx1"/>
+              </a:solidFill>
+              <a:latin typeface="Arial" panose="020B0604020202020204" pitchFamily="34" charset="0"/>
+              <a:cs typeface="Arial" panose="020B0604020202020204" pitchFamily="34" charset="0"/>
+            </a:endParaRPr>
+          </a:p>
+          <a:p>
+            <a:pPr marL="0" indent="0" algn="l" rtl="0">
+              <a:buNone/>
+            </a:pPr>
             <a:r>
               <a:rPr lang="en-US" sz="2000" dirty="0">
                 <a:solidFill>
@@ -10713,7 +13190,37 @@
                 <a:latin typeface="Arial" panose="020B0604020202020204" pitchFamily="34" charset="0"/>
                 <a:cs typeface="Arial" panose="020B0604020202020204" pitchFamily="34" charset="0"/>
               </a:rPr>
-              <a:t>Breast cancer can be diagnosed using several approaches, two of them: histopathology image analysis or mammography. Histopathology images are microscopic images of breast tissue that are extremely useful in early treatment of the cancer.                                                                                                               Mammography is specialized medical imaging that uses a low-dose x-ray system to see inside the breasts. A mammography exam, called a mammogram, aids in the early detection and diagnosis of breast diseases in women.</a:t>
+              <a:t>Breast cancer can be diagnosed using several approaches, two of them:</a:t>
+            </a:r>
+          </a:p>
+          <a:p>
+            <a:pPr marL="0" indent="0" algn="l" rtl="0">
+              <a:buNone/>
+            </a:pPr>
+            <a:r>
+              <a:rPr lang="en-US" sz="2000" dirty="0">
+                <a:solidFill>
+                  <a:schemeClr val="tx1"/>
+                </a:solidFill>
+                <a:latin typeface="Arial" panose="020B0604020202020204" pitchFamily="34" charset="0"/>
+                <a:cs typeface="Arial" panose="020B0604020202020204" pitchFamily="34" charset="0"/>
+              </a:rPr>
+              <a:t>Histopathology images, which are microscopic images of breast tissue that are extremely useful in early treatment of the cancer.                                                                                                               </a:t>
+            </a:r>
+          </a:p>
+          <a:p>
+            <a:pPr marL="0" indent="0" algn="l" rtl="0">
+              <a:buNone/>
+            </a:pPr>
+            <a:r>
+              <a:rPr lang="en-US" sz="2000" dirty="0">
+                <a:solidFill>
+                  <a:schemeClr val="tx1"/>
+                </a:solidFill>
+                <a:latin typeface="Arial" panose="020B0604020202020204" pitchFamily="34" charset="0"/>
+                <a:cs typeface="Arial" panose="020B0604020202020204" pitchFamily="34" charset="0"/>
+              </a:rPr>
+              <a:t>Mammography which is specialized medical imaging that uses a low-dose x-ray system to see inside the breasts. A mammography exam, called a mammogram, aids in the early detection and diagnosis of breast diseases in women.</a:t>
             </a:r>
           </a:p>
           <a:p>
@@ -10785,6 +13292,35 @@
             <a:schemeClr val="lt1"/>
           </a:fontRef>
         </p:style>
+      </p:sp>
+      <p:sp>
+        <p:nvSpPr>
+          <p:cNvPr id="4" name="מציין מיקום של מספר שקופית 3">
+            <a:extLst>
+              <a:ext uri="{FF2B5EF4-FFF2-40B4-BE49-F238E27FC236}">
+                <a16:creationId xmlns:a16="http://schemas.microsoft.com/office/drawing/2014/main" id="{AFDCCE6E-A6BA-2CA4-BC3B-FC5D2EA3240F}"/>
+              </a:ext>
+            </a:extLst>
+          </p:cNvPr>
+          <p:cNvSpPr>
+            <a:spLocks noGrp="1"/>
+          </p:cNvSpPr>
+          <p:nvPr>
+            <p:ph type="sldNum" sz="quarter" idx="12"/>
+          </p:nvPr>
+        </p:nvSpPr>
+        <p:spPr/>
+        <p:txBody>
+          <a:bodyPr/>
+          <a:lstStyle/>
+          <a:p>
+            <a:fld id="{FEDBE076-7370-4F39-B8CE-D2BB33626AF3}" type="slidenum">
+              <a:rPr lang="he-IL" smtClean="0"/>
+              <a:t>3</a:t>
+            </a:fld>
+            <a:endParaRPr lang="he-IL" dirty="0"/>
+          </a:p>
+        </p:txBody>
       </p:sp>
     </p:spTree>
     <p:extLst>
@@ -11024,7 +13560,37 @@
                 <a:latin typeface="Arial" panose="020B0604020202020204" pitchFamily="34" charset="0"/>
                 <a:cs typeface="Arial" panose="020B0604020202020204" pitchFamily="34" charset="0"/>
               </a:rPr>
-              <a:t>In 2022, an estimated 287,500 new cases of invasive breast cancer will be diagnosed in women in the U.S. as well as 51,400 new cases of non-invasive (in situ) breast cancer.                                                                                                 65% of breast cancer cases are diagnosed at a localized stage (there is no sign that the cancer has spread outside of the breast), for which the 5-year relative survival rate is 99%.                                                                                               Although rare, men get breast cancer too. In 2022, an estimated 2,710 men will be diagnosed with breast cancer in the U.S. and approximately 530 men will die from breast cancer.                                                                                                       Breast cancer is the most common cancer in American women, except for skin cancers. It is estimated that in 2022, approximately 30% of all new women cancer diagnoses will be breast cancer.</a:t>
+              <a:t>In 2022, an estimated 287,500 new cases of invasive breast cancer will be diagnosed in women in the U.S. as well as 51,400 new cases of non-invasive (in situ) breast cancer.                                                                                                 </a:t>
+            </a:r>
+          </a:p>
+          <a:p>
+            <a:pPr marL="0" indent="0" algn="l" rtl="0">
+              <a:buNone/>
+            </a:pPr>
+            <a:r>
+              <a:rPr lang="en-US" sz="2000" dirty="0">
+                <a:solidFill>
+                  <a:schemeClr val="tx1"/>
+                </a:solidFill>
+                <a:latin typeface="Arial" panose="020B0604020202020204" pitchFamily="34" charset="0"/>
+                <a:cs typeface="Arial" panose="020B0604020202020204" pitchFamily="34" charset="0"/>
+              </a:rPr>
+              <a:t>65% of breast cancer cases are diagnosed at a localized stage, for which the 5-year relative survival rate is 99%. </a:t>
+            </a:r>
+          </a:p>
+          <a:p>
+            <a:pPr marL="0" indent="0" algn="l" rtl="0">
+              <a:buNone/>
+            </a:pPr>
+            <a:r>
+              <a:rPr lang="en-US" sz="2000" dirty="0">
+                <a:solidFill>
+                  <a:schemeClr val="tx1"/>
+                </a:solidFill>
+                <a:latin typeface="Arial" panose="020B0604020202020204" pitchFamily="34" charset="0"/>
+                <a:cs typeface="Arial" panose="020B0604020202020204" pitchFamily="34" charset="0"/>
+              </a:rPr>
+              <a:t>Breast cancer is the most common cancer in American women, except for skin cancers. It is estimated that in 2022, approximately 30% of all new women cancer diagnoses will be breast cancer.</a:t>
             </a:r>
           </a:p>
           <a:p>
@@ -11096,6 +13662,35 @@
             <a:schemeClr val="lt1"/>
           </a:fontRef>
         </p:style>
+      </p:sp>
+      <p:sp>
+        <p:nvSpPr>
+          <p:cNvPr id="4" name="מציין מיקום של מספר שקופית 3">
+            <a:extLst>
+              <a:ext uri="{FF2B5EF4-FFF2-40B4-BE49-F238E27FC236}">
+                <a16:creationId xmlns:a16="http://schemas.microsoft.com/office/drawing/2014/main" id="{8D9E82CB-676E-6F4A-374E-6FD2F99B4D34}"/>
+              </a:ext>
+            </a:extLst>
+          </p:cNvPr>
+          <p:cNvSpPr>
+            <a:spLocks noGrp="1"/>
+          </p:cNvSpPr>
+          <p:nvPr>
+            <p:ph type="sldNum" sz="quarter" idx="12"/>
+          </p:nvPr>
+        </p:nvSpPr>
+        <p:spPr/>
+        <p:txBody>
+          <a:bodyPr/>
+          <a:lstStyle/>
+          <a:p>
+            <a:fld id="{FEDBE076-7370-4F39-B8CE-D2BB33626AF3}" type="slidenum">
+              <a:rPr lang="he-IL" smtClean="0"/>
+              <a:t>4</a:t>
+            </a:fld>
+            <a:endParaRPr lang="he-IL"/>
+          </a:p>
+        </p:txBody>
       </p:sp>
     </p:spTree>
     <p:extLst>
@@ -11346,13 +13941,19 @@
                 <a:ea typeface="Calibri" panose="020F0502020204030204" pitchFamily="34" charset="0"/>
                 <a:cs typeface="Arial" panose="020B0604020202020204" pitchFamily="34" charset="0"/>
               </a:rPr>
-              <a:t>we expect to build a system that classify if a patient has breast cancer based on mammography and histopathological imaging with higher accuracy than the automatic classifications of today.</a:t>
-            </a:r>
-          </a:p>
-          <a:p>
-            <a:pPr marL="0" indent="0" algn="l" rtl="0">
-              <a:buNone/>
-            </a:pPr>
+              <a:t>There are places and countries where there is shortage of specialist doctors, and patients cannot get results of test to find whether they have breast cancer quickly enough which can worsen survivability rates for them.</a:t>
+            </a:r>
+            <a:br>
+              <a:rPr lang="en-US" sz="2000" dirty="0">
+                <a:solidFill>
+                  <a:schemeClr val="tx1"/>
+                </a:solidFill>
+                <a:effectLst/>
+                <a:latin typeface="Arial" panose="020B0604020202020204" pitchFamily="34" charset="0"/>
+                <a:ea typeface="Calibri" panose="020F0502020204030204" pitchFamily="34" charset="0"/>
+                <a:cs typeface="Arial" panose="020B0604020202020204" pitchFamily="34" charset="0"/>
+              </a:rPr>
+            </a:br>
             <a:br>
               <a:rPr lang="en-US" sz="2000" dirty="0">
                 <a:solidFill>
@@ -11434,17 +14035,25 @@
                 <a:solidFill>
                   <a:schemeClr val="tx1"/>
                 </a:solidFill>
-                <a:effectLst/>
                 <a:latin typeface="Arial" panose="020B0604020202020204" pitchFamily="34" charset="0"/>
                 <a:ea typeface="Calibri" panose="020F0502020204030204" pitchFamily="34" charset="0"/>
                 <a:cs typeface="Arial" panose="020B0604020202020204" pitchFamily="34" charset="0"/>
               </a:rPr>
-              <a:t>in places where there is shortage of specialist doctors, our system classify both on  mammography and histopathology as at risk for cancer, and the patient will be considered more urgent for diagnose of a specialist doctor.</a:t>
-            </a:r>
+              <a:t>When there is lack of specialist doctors, these tools can help serve as secondary opinions </a:t>
+            </a:r>
+            <a:endParaRPr lang="en-US" sz="2000" dirty="0">
+              <a:solidFill>
+                <a:schemeClr val="tx1"/>
+              </a:solidFill>
+              <a:effectLst/>
+              <a:latin typeface="Arial" panose="020B0604020202020204" pitchFamily="34" charset="0"/>
+              <a:ea typeface="Calibri" panose="020F0502020204030204" pitchFamily="34" charset="0"/>
+              <a:cs typeface="Arial" panose="020B0604020202020204" pitchFamily="34" charset="0"/>
+            </a:endParaRPr>
           </a:p>
           <a:p>
             <a:pPr marL="0" indent="0" algn="l" rtl="0">
-              <a:buSzPct val="120000"/>
+              <a:buSzPct val="140000"/>
               <a:buNone/>
             </a:pPr>
             <a:br>
@@ -11458,61 +14067,6 @@
                 <a:cs typeface="Arial" panose="020B0604020202020204" pitchFamily="34" charset="0"/>
               </a:rPr>
             </a:br>
-            <a:r>
-              <a:rPr lang="en-US" sz="2000" dirty="0">
-                <a:solidFill>
-                  <a:schemeClr val="tx1"/>
-                </a:solidFill>
-                <a:latin typeface="Arial" panose="020B0604020202020204" pitchFamily="34" charset="0"/>
-                <a:cs typeface="Arial" panose="020B0604020202020204" pitchFamily="34" charset="0"/>
-              </a:rPr>
-              <a:t>We will use the </a:t>
-            </a:r>
-            <a:r>
-              <a:rPr lang="en-US" sz="2000" dirty="0" err="1">
-                <a:solidFill>
-                  <a:schemeClr val="tx1"/>
-                </a:solidFill>
-                <a:latin typeface="Arial" panose="020B0604020202020204" pitchFamily="34" charset="0"/>
-                <a:cs typeface="Arial" panose="020B0604020202020204" pitchFamily="34" charset="0"/>
-              </a:rPr>
-              <a:t>BreakHis</a:t>
-            </a:r>
-            <a:r>
-              <a:rPr lang="en-US" sz="2000" dirty="0">
-                <a:solidFill>
-                  <a:schemeClr val="tx1"/>
-                </a:solidFill>
-                <a:latin typeface="Arial" panose="020B0604020202020204" pitchFamily="34" charset="0"/>
-                <a:cs typeface="Arial" panose="020B0604020202020204" pitchFamily="34" charset="0"/>
-              </a:rPr>
-              <a:t> (Histopathology) and RSNA Screening mammography dataset to research 2 CNN architectures (</a:t>
-            </a:r>
-            <a:r>
-              <a:rPr lang="en-US" sz="2000" dirty="0" err="1">
-                <a:solidFill>
-                  <a:schemeClr val="tx1"/>
-                </a:solidFill>
-                <a:latin typeface="Arial" panose="020B0604020202020204" pitchFamily="34" charset="0"/>
-                <a:cs typeface="Arial" panose="020B0604020202020204" pitchFamily="34" charset="0"/>
-              </a:rPr>
-              <a:t>DenseNet</a:t>
-            </a:r>
-            <a:r>
-              <a:rPr lang="en-US" sz="2000" dirty="0">
-                <a:solidFill>
-                  <a:schemeClr val="tx1"/>
-                </a:solidFill>
-                <a:latin typeface="Arial" panose="020B0604020202020204" pitchFamily="34" charset="0"/>
-                <a:cs typeface="Arial" panose="020B0604020202020204" pitchFamily="34" charset="0"/>
-              </a:rPr>
-              <a:t>, Inception V4) while testing different hyperparameters to maximize our accuracy of breast cancer detection.</a:t>
-            </a:r>
-          </a:p>
-          <a:p>
-            <a:pPr marL="0" indent="0" algn="l" rtl="0">
-              <a:buNone/>
-            </a:pPr>
             <a:endParaRPr lang="en-US" sz="2000" dirty="0">
               <a:solidFill>
                 <a:schemeClr val="tx1"/>
@@ -11591,6 +14145,35 @@
             <a:schemeClr val="lt1"/>
           </a:fontRef>
         </p:style>
+      </p:sp>
+      <p:sp>
+        <p:nvSpPr>
+          <p:cNvPr id="4" name="מציין מיקום של מספר שקופית 3">
+            <a:extLst>
+              <a:ext uri="{FF2B5EF4-FFF2-40B4-BE49-F238E27FC236}">
+                <a16:creationId xmlns:a16="http://schemas.microsoft.com/office/drawing/2014/main" id="{9C6A3207-8A58-C213-6C05-1B7FF9002C4C}"/>
+              </a:ext>
+            </a:extLst>
+          </p:cNvPr>
+          <p:cNvSpPr>
+            <a:spLocks noGrp="1"/>
+          </p:cNvSpPr>
+          <p:nvPr>
+            <p:ph type="sldNum" sz="quarter" idx="12"/>
+          </p:nvPr>
+        </p:nvSpPr>
+        <p:spPr/>
+        <p:txBody>
+          <a:bodyPr/>
+          <a:lstStyle/>
+          <a:p>
+            <a:fld id="{FEDBE076-7370-4F39-B8CE-D2BB33626AF3}" type="slidenum">
+              <a:rPr lang="he-IL" smtClean="0"/>
+              <a:t>5</a:t>
+            </a:fld>
+            <a:endParaRPr lang="he-IL"/>
+          </a:p>
+        </p:txBody>
       </p:sp>
     </p:spTree>
     <p:extLst>
@@ -11708,8 +14291,8 @@
         </p:nvSpPr>
         <p:spPr>
           <a:xfrm>
-            <a:off x="1681231" y="419895"/>
-            <a:ext cx="8596668" cy="1177085"/>
+            <a:off x="1661912" y="377780"/>
+            <a:ext cx="8596668" cy="1320800"/>
           </a:xfrm>
         </p:spPr>
         <p:txBody>
@@ -11718,15 +14301,24 @@
           </a:bodyPr>
           <a:lstStyle/>
           <a:p>
-            <a:pPr algn="ctr" rtl="0"/>
+            <a:pPr marL="0" marR="0" lvl="0" indent="0" algn="ctr" rtl="0">
+              <a:spcBef>
+                <a:spcPts val="0"/>
+              </a:spcBef>
+              <a:spcAft>
+                <a:spcPts val="0"/>
+              </a:spcAft>
+              <a:buNone/>
+            </a:pPr>
             <a:r>
               <a:rPr lang="en-US" sz="4000" dirty="0">
                 <a:latin typeface="Arial" panose="020B0604020202020204" pitchFamily="34" charset="0"/>
                 <a:cs typeface="Arial" panose="020B0604020202020204" pitchFamily="34" charset="0"/>
+                <a:sym typeface="Arial"/>
               </a:rPr>
-              <a:t>CNN</a:t>
-            </a:r>
-            <a:endParaRPr lang="he-IL" sz="4000" dirty="0">
+              <a:t>Approach to solution</a:t>
+            </a:r>
+            <a:endParaRPr lang="en-US" sz="4000" dirty="0">
               <a:latin typeface="Arial" panose="020B0604020202020204" pitchFamily="34" charset="0"/>
               <a:cs typeface="Arial" panose="020B0604020202020204" pitchFamily="34" charset="0"/>
             </a:endParaRPr>
@@ -11809,13 +14401,13 @@
         </p:nvSpPr>
         <p:spPr>
           <a:xfrm>
-            <a:off x="1249788" y="1326524"/>
-            <a:ext cx="9954831" cy="5215943"/>
+            <a:off x="1041042" y="1313645"/>
+            <a:ext cx="10485550" cy="5544355"/>
           </a:xfrm>
         </p:spPr>
         <p:txBody>
           <a:bodyPr>
-            <a:normAutofit/>
+            <a:noAutofit/>
           </a:bodyPr>
           <a:lstStyle/>
           <a:p>
@@ -11832,7 +14424,7 @@
                 <a:ea typeface="Calibri" panose="020F0502020204030204" pitchFamily="34" charset="0"/>
                 <a:cs typeface="Arial" panose="020B0604020202020204" pitchFamily="34" charset="0"/>
               </a:rPr>
-              <a:t>Convolutional neural networks are a specialized type of artificial neural networks that use a mathematical operation called convolution in place of general matrix multiplication in at least one of their layers. </a:t>
+              <a:t>we expect to build a system that classify if a patient has breast cancer based on mammography and histopathological imaging with higher accuracy than the automatic classifications of today.</a:t>
             </a:r>
             <a:br>
               <a:rPr lang="en-US" sz="2000" dirty="0">
@@ -11845,6 +14437,20 @@
                 <a:cs typeface="Arial" panose="020B0604020202020204" pitchFamily="34" charset="0"/>
               </a:rPr>
             </a:br>
+            <a:endParaRPr lang="en-US" sz="2000" dirty="0">
+              <a:solidFill>
+                <a:schemeClr val="tx1"/>
+              </a:solidFill>
+              <a:effectLst/>
+              <a:latin typeface="Arial" panose="020B0604020202020204" pitchFamily="34" charset="0"/>
+              <a:ea typeface="Calibri" panose="020F0502020204030204" pitchFamily="34" charset="0"/>
+              <a:cs typeface="Arial" panose="020B0604020202020204" pitchFamily="34" charset="0"/>
+            </a:endParaRPr>
+          </a:p>
+          <a:p>
+            <a:pPr marL="0" indent="0" algn="l" rtl="0">
+              <a:buNone/>
+            </a:pPr>
             <a:r>
               <a:rPr lang="en-US" sz="2000" dirty="0">
                 <a:solidFill>
@@ -11855,111 +14461,53 @@
                 <a:ea typeface="Calibri" panose="020F0502020204030204" pitchFamily="34" charset="0"/>
                 <a:cs typeface="Arial" panose="020B0604020202020204" pitchFamily="34" charset="0"/>
               </a:rPr>
-              <a:t>They are specifically designed to process pixel data and are used in image recognition and processing</a:t>
-            </a:r>
-            <a:r>
+              <a:t>in places where there is shortage of specialist doctors, our system classify both on  mammography and histopathology as at risk for cancer, and the patient will be considered more urgent for diagnose of a specialist doctor.</a:t>
+            </a:r>
+          </a:p>
+          <a:p>
+            <a:pPr marL="0" indent="0" algn="l" rtl="0">
+              <a:buNone/>
+            </a:pPr>
+            <a:br>
               <a:rPr lang="en-US" sz="2000" dirty="0">
                 <a:solidFill>
                   <a:schemeClr val="tx1"/>
                 </a:solidFill>
                 <a:effectLst/>
                 <a:latin typeface="Arial" panose="020B0604020202020204" pitchFamily="34" charset="0"/>
-                <a:ea typeface="Times New Roman" panose="02020603050405020304" pitchFamily="18" charset="0"/>
+                <a:ea typeface="Calibri" panose="020F0502020204030204" pitchFamily="34" charset="0"/>
                 <a:cs typeface="Arial" panose="020B0604020202020204" pitchFamily="34" charset="0"/>
               </a:rPr>
-              <a:t>.</a:t>
-            </a:r>
-          </a:p>
-          <a:p>
-            <a:pPr marL="0" indent="0" algn="l" rtl="0">
-              <a:buNone/>
-            </a:pPr>
-            <a:r>
-              <a:rPr lang="en-US" sz="2000" b="1" dirty="0">
+            </a:br>
+            <a:r>
+              <a:rPr lang="en-US" sz="2000" dirty="0">
                 <a:solidFill>
                   <a:schemeClr val="tx1"/>
                 </a:solidFill>
                 <a:latin typeface="Arial" panose="020B0604020202020204" pitchFamily="34" charset="0"/>
                 <a:cs typeface="Arial" panose="020B0604020202020204" pitchFamily="34" charset="0"/>
               </a:rPr>
-              <a:t>There are usually 3 types of layers  in CNNs:</a:t>
-            </a:r>
-          </a:p>
-          <a:p>
-            <a:pPr algn="l" rtl="0">
-              <a:buSzPct val="140000"/>
-              <a:buFont typeface="Arial" panose="020B0604020202020204" pitchFamily="34" charset="0"/>
-              <a:buChar char="•"/>
+              <a:t>We will use the BreakHis (Histopathology) and RSNA Screening mammography dataset to research 2 CNN architectures (DenseNet, Inception V4) while testing different hyperparameters to maximize our accuracy of breast cancer detection.</a:t>
+            </a:r>
+          </a:p>
+          <a:p>
+            <a:pPr marL="0" indent="0" algn="l" rtl="0">
+              <a:buNone/>
             </a:pPr>
-            <a:r>
-              <a:rPr lang="en-US" sz="2000" dirty="0">
-                <a:solidFill>
-                  <a:schemeClr val="tx1"/>
-                </a:solidFill>
-                <a:latin typeface="Arial" panose="020B0604020202020204" pitchFamily="34" charset="0"/>
-                <a:cs typeface="Arial" panose="020B0604020202020204" pitchFamily="34" charset="0"/>
-              </a:rPr>
-              <a:t>convolution layer -  Its purpose is to extract features from the image.</a:t>
-            </a:r>
-            <a:br>
-              <a:rPr lang="en-US" sz="2000" dirty="0">
-                <a:solidFill>
-                  <a:schemeClr val="tx1"/>
-                </a:solidFill>
-                <a:latin typeface="Arial" panose="020B0604020202020204" pitchFamily="34" charset="0"/>
-                <a:cs typeface="Arial" panose="020B0604020202020204" pitchFamily="34" charset="0"/>
-              </a:rPr>
-            </a:br>
-            <a:r>
-              <a:rPr lang="en-US" sz="2000" dirty="0">
-                <a:solidFill>
-                  <a:schemeClr val="tx1"/>
-                </a:solidFill>
-                <a:latin typeface="Arial" panose="020B0604020202020204" pitchFamily="34" charset="0"/>
-                <a:cs typeface="Arial" panose="020B0604020202020204" pitchFamily="34" charset="0"/>
-              </a:rPr>
-              <a:t>applying a filter on an input, passing the result to the next layer (feature maps).</a:t>
-            </a:r>
-          </a:p>
-          <a:p>
-            <a:pPr algn="l" rtl="0">
-              <a:buSzPct val="140000"/>
-              <a:buFont typeface="Arial" panose="020B0604020202020204" pitchFamily="34" charset="0"/>
-              <a:buChar char="•"/>
+            <a:endParaRPr lang="en-US" sz="2000" dirty="0">
+              <a:solidFill>
+                <a:schemeClr val="tx1"/>
+              </a:solidFill>
+              <a:effectLst/>
+              <a:latin typeface="Arial" panose="020B0604020202020204" pitchFamily="34" charset="0"/>
+              <a:ea typeface="Calibri" panose="020F0502020204030204" pitchFamily="34" charset="0"/>
+            </a:endParaRPr>
+          </a:p>
+          <a:p>
+            <a:pPr marL="0" indent="0" algn="l" rtl="0">
+              <a:buNone/>
             </a:pPr>
-            <a:r>
-              <a:rPr lang="en-US" sz="2000" dirty="0">
-                <a:solidFill>
-                  <a:schemeClr val="tx1"/>
-                </a:solidFill>
-                <a:latin typeface="Arial" panose="020B0604020202020204" pitchFamily="34" charset="0"/>
-                <a:cs typeface="Arial" panose="020B0604020202020204" pitchFamily="34" charset="0"/>
-              </a:rPr>
-              <a:t>pooling layers – Pooling layers reduce the dimensions of data by combining the outputs of neuron clusters at one layer into a single neuron in the next layer.?  </a:t>
-            </a:r>
-          </a:p>
-          <a:p>
-            <a:pPr algn="l" rtl="0">
-              <a:buSzPct val="140000"/>
-              <a:buFont typeface="Arial" panose="020B0604020202020204" pitchFamily="34" charset="0"/>
-              <a:buChar char="•"/>
-            </a:pPr>
-            <a:r>
-              <a:rPr lang="en-US" sz="2000" dirty="0">
-                <a:solidFill>
-                  <a:schemeClr val="tx1"/>
-                </a:solidFill>
-                <a:latin typeface="Arial" panose="020B0604020202020204" pitchFamily="34" charset="0"/>
-                <a:cs typeface="Arial" panose="020B0604020202020204" pitchFamily="34" charset="0"/>
-              </a:rPr>
-              <a:t>fully connected layer - maps the extracted features into final output, They come as the last layers after convolution and pooling and these layers take the output of previous layers to classify the output.?</a:t>
-            </a:r>
-          </a:p>
-          <a:p>
-            <a:pPr marL="0" indent="0" algn="l" rtl="0">
-              <a:buNone/>
-            </a:pPr>
-            <a:endParaRPr lang="he-IL" dirty="0">
+            <a:endParaRPr lang="he-IL" sz="2000" dirty="0">
               <a:solidFill>
                 <a:schemeClr val="tx1"/>
               </a:solidFill>
@@ -12025,10 +14573,39 @@
           </a:fontRef>
         </p:style>
       </p:sp>
+      <p:sp>
+        <p:nvSpPr>
+          <p:cNvPr id="4" name="מציין מיקום של מספר שקופית 3">
+            <a:extLst>
+              <a:ext uri="{FF2B5EF4-FFF2-40B4-BE49-F238E27FC236}">
+                <a16:creationId xmlns:a16="http://schemas.microsoft.com/office/drawing/2014/main" id="{AF35EA09-7CA3-0502-7FAC-B2CB501F69FE}"/>
+              </a:ext>
+            </a:extLst>
+          </p:cNvPr>
+          <p:cNvSpPr>
+            <a:spLocks noGrp="1"/>
+          </p:cNvSpPr>
+          <p:nvPr>
+            <p:ph type="sldNum" sz="quarter" idx="12"/>
+          </p:nvPr>
+        </p:nvSpPr>
+        <p:spPr/>
+        <p:txBody>
+          <a:bodyPr/>
+          <a:lstStyle/>
+          <a:p>
+            <a:fld id="{FEDBE076-7370-4F39-B8CE-D2BB33626AF3}" type="slidenum">
+              <a:rPr lang="he-IL" smtClean="0"/>
+              <a:t>6</a:t>
+            </a:fld>
+            <a:endParaRPr lang="he-IL"/>
+          </a:p>
+        </p:txBody>
+      </p:sp>
     </p:spTree>
     <p:extLst>
       <p:ext uri="{BB962C8B-B14F-4D97-AF65-F5344CB8AC3E}">
-        <p14:creationId xmlns:p14="http://schemas.microsoft.com/office/powerpoint/2010/main" val="3060536788"/>
+        <p14:creationId xmlns:p14="http://schemas.microsoft.com/office/powerpoint/2010/main" val="2377847693"/>
       </p:ext>
     </p:extLst>
   </p:cSld>
@@ -12153,11 +14730,11 @@
           <a:p>
             <a:pPr algn="ctr" rtl="0"/>
             <a:r>
-              <a:rPr lang="en-US" sz="4000" dirty="0" err="1">
+              <a:rPr lang="en-US" sz="4000" dirty="0">
                 <a:latin typeface="Arial" panose="020B0604020202020204" pitchFamily="34" charset="0"/>
                 <a:cs typeface="Arial" panose="020B0604020202020204" pitchFamily="34" charset="0"/>
               </a:rPr>
-              <a:t>DenseNet</a:t>
+              <a:t>CNN</a:t>
             </a:r>
             <a:endParaRPr lang="he-IL" sz="4000" dirty="0">
               <a:latin typeface="Arial" panose="020B0604020202020204" pitchFamily="34" charset="0"/>
@@ -12242,8 +14819,8 @@
         </p:nvSpPr>
         <p:spPr>
           <a:xfrm>
-            <a:off x="1202558" y="1529366"/>
-            <a:ext cx="10180748" cy="5396248"/>
+            <a:off x="1249788" y="1326524"/>
+            <a:ext cx="9954831" cy="5215943"/>
           </a:xfrm>
         </p:spPr>
         <p:txBody>
@@ -12260,22 +14837,66 @@
                 <a:solidFill>
                   <a:schemeClr val="tx1"/>
                 </a:solidFill>
+                <a:effectLst/>
+                <a:latin typeface="Arial" panose="020B0604020202020204" pitchFamily="34" charset="0"/>
+                <a:ea typeface="Calibri" panose="020F0502020204030204" pitchFamily="34" charset="0"/>
+                <a:cs typeface="Arial" panose="020B0604020202020204" pitchFamily="34" charset="0"/>
+              </a:rPr>
+              <a:t>Convolutional neural networks are a specialized type of artificial neural networks that use a mathematical operation called convolution. </a:t>
+            </a:r>
+            <a:br>
+              <a:rPr lang="en-US" sz="2000" dirty="0">
+                <a:solidFill>
+                  <a:schemeClr val="tx1"/>
+                </a:solidFill>
+                <a:effectLst/>
+                <a:latin typeface="Arial" panose="020B0604020202020204" pitchFamily="34" charset="0"/>
+                <a:ea typeface="Calibri" panose="020F0502020204030204" pitchFamily="34" charset="0"/>
+                <a:cs typeface="Arial" panose="020B0604020202020204" pitchFamily="34" charset="0"/>
+              </a:rPr>
+            </a:br>
+            <a:endParaRPr lang="en-US" sz="2000" dirty="0">
+              <a:solidFill>
+                <a:schemeClr val="tx1"/>
+              </a:solidFill>
+              <a:effectLst/>
+              <a:latin typeface="Arial" panose="020B0604020202020204" pitchFamily="34" charset="0"/>
+              <a:ea typeface="Calibri" panose="020F0502020204030204" pitchFamily="34" charset="0"/>
+              <a:cs typeface="Arial" panose="020B0604020202020204" pitchFamily="34" charset="0"/>
+            </a:endParaRPr>
+          </a:p>
+          <a:p>
+            <a:pPr marL="0" indent="0" algn="l" rtl="0">
+              <a:buNone/>
+            </a:pPr>
+            <a:r>
+              <a:rPr lang="en-US" sz="2000" b="1" dirty="0">
+                <a:solidFill>
+                  <a:schemeClr val="tx1"/>
+                </a:solidFill>
                 <a:latin typeface="Arial" panose="020B0604020202020204" pitchFamily="34" charset="0"/>
                 <a:cs typeface="Arial" panose="020B0604020202020204" pitchFamily="34" charset="0"/>
               </a:rPr>
-              <a:t>The problems arise with CNNs when they go deeper. This is because the path for information from the input layer until the output layer (and for the gradient in the opposite direction) becomes so big, that they can get vanished before reaching the other side and here is where the </a:t>
-            </a:r>
-            <a:r>
-              <a:rPr lang="en-US" sz="2000" dirty="0" err="1">
+              <a:t>There are usually 3 types of layers  in CNNs:</a:t>
+            </a:r>
+          </a:p>
+          <a:p>
+            <a:pPr algn="l" rtl="0">
+              <a:buSzPct val="140000"/>
+              <a:buFont typeface="Arial" panose="020B0604020202020204" pitchFamily="34" charset="0"/>
+              <a:buChar char="•"/>
+            </a:pPr>
+            <a:r>
+              <a:rPr lang="en-US" sz="2000" dirty="0">
                 <a:solidFill>
                   <a:schemeClr val="tx1"/>
                 </a:solidFill>
                 <a:latin typeface="Arial" panose="020B0604020202020204" pitchFamily="34" charset="0"/>
                 <a:cs typeface="Arial" panose="020B0604020202020204" pitchFamily="34" charset="0"/>
               </a:rPr>
-              <a:t>DenseNet</a:t>
-            </a:r>
-            <a:r>
+              <a:t>convolution layer -  Its purpose is to extract features from the image.</a:t>
+            </a:r>
+            <a:br>
               <a:rPr lang="en-US" sz="2000" dirty="0">
                 <a:solidFill>
                   <a:schemeClr val="tx1"/>
@@ -12283,18 +14904,24 @@
                 <a:latin typeface="Arial" panose="020B0604020202020204" pitchFamily="34" charset="0"/>
                 <a:cs typeface="Arial" panose="020B0604020202020204" pitchFamily="34" charset="0"/>
               </a:rPr>
-              <a:t> have the edge and overcome this problem.                                                                                                            </a:t>
-            </a:r>
-            <a:r>
-              <a:rPr lang="en-US" sz="2000" dirty="0" err="1">
+            </a:br>
+            <a:r>
+              <a:rPr lang="en-US" sz="2000" dirty="0">
                 <a:solidFill>
                   <a:schemeClr val="tx1"/>
                 </a:solidFill>
                 <a:latin typeface="Arial" panose="020B0604020202020204" pitchFamily="34" charset="0"/>
                 <a:cs typeface="Arial" panose="020B0604020202020204" pitchFamily="34" charset="0"/>
               </a:rPr>
-              <a:t>DenseNet</a:t>
-            </a:r>
+              <a:t>applying a filter on an input, passing the result to the next layer (feature maps).</a:t>
+            </a:r>
+          </a:p>
+          <a:p>
+            <a:pPr algn="l" rtl="0">
+              <a:buSzPct val="140000"/>
+              <a:buFont typeface="Arial" panose="020B0604020202020204" pitchFamily="34" charset="0"/>
+              <a:buChar char="•"/>
+            </a:pPr>
             <a:r>
               <a:rPr lang="en-US" sz="2000" dirty="0">
                 <a:solidFill>
@@ -12303,48 +14930,35 @@
                 <a:latin typeface="Arial" panose="020B0604020202020204" pitchFamily="34" charset="0"/>
                 <a:cs typeface="Arial" panose="020B0604020202020204" pitchFamily="34" charset="0"/>
               </a:rPr>
-              <a:t> is a type of convolutional neural network (CNN) that utilizes dense connections between layers, through Dense Blocks, where we connect all layers (with matching feature-map sizes) directly with each other in order to preserve the feed-forward nature, each layer obtains additional inputs from all preceding layers and passes on its own feature-maps to all subsequent layers. In order to gain maximum information and gradient flow, so each layer has direct access to the gradients from the loss. these connections patterns will decrease the vanishing of the gradient.                                      </a:t>
-            </a:r>
-            <a:r>
-              <a:rPr lang="en-US" sz="2000" u="sng" dirty="0">
+              <a:t>pooling layers – Pooling layers reduce the dimensions of data by combining the outputs of neuron clusters at one layer into a single neuron in the next layer.?  </a:t>
+            </a:r>
+          </a:p>
+          <a:p>
+            <a:pPr algn="l" rtl="0">
+              <a:buSzPct val="140000"/>
+              <a:buFont typeface="Arial" panose="020B0604020202020204" pitchFamily="34" charset="0"/>
+              <a:buChar char="•"/>
+            </a:pPr>
+            <a:r>
+              <a:rPr lang="en-US" sz="2000" dirty="0">
                 <a:solidFill>
                   <a:schemeClr val="tx1"/>
                 </a:solidFill>
                 <a:latin typeface="Arial" panose="020B0604020202020204" pitchFamily="34" charset="0"/>
                 <a:cs typeface="Arial" panose="020B0604020202020204" pitchFamily="34" charset="0"/>
               </a:rPr>
-              <a:t>In short:</a:t>
-            </a:r>
-            <a:r>
-              <a:rPr lang="en-US" sz="2000" dirty="0">
-                <a:solidFill>
-                  <a:schemeClr val="tx1"/>
-                </a:solidFill>
-                <a:latin typeface="Arial" panose="020B0604020202020204" pitchFamily="34" charset="0"/>
-                <a:cs typeface="Arial" panose="020B0604020202020204" pitchFamily="34" charset="0"/>
-              </a:rPr>
-              <a:t> </a:t>
-            </a:r>
-            <a:r>
-              <a:rPr lang="en-US" sz="2000" dirty="0" err="1">
-                <a:solidFill>
-                  <a:schemeClr val="tx1"/>
-                </a:solidFill>
-                <a:latin typeface="Arial" panose="020B0604020202020204" pitchFamily="34" charset="0"/>
-                <a:cs typeface="Arial" panose="020B0604020202020204" pitchFamily="34" charset="0"/>
-              </a:rPr>
-              <a:t>Densenet</a:t>
-            </a:r>
-            <a:r>
-              <a:rPr lang="en-US" sz="2000" dirty="0">
-                <a:solidFill>
-                  <a:schemeClr val="tx1"/>
-                </a:solidFill>
-                <a:latin typeface="Arial" panose="020B0604020202020204" pitchFamily="34" charset="0"/>
-                <a:cs typeface="Arial" panose="020B0604020202020204" pitchFamily="34" charset="0"/>
-              </a:rPr>
-              <a:t> is a CNN that can get much deeper than other CNN's without decreasing its accuracy.</a:t>
-            </a:r>
+              <a:t>fully connected layer - maps the extracted features into final output, They come as the last layers after convolution and pooling and these layers take the output of previous layers to classify the output.?</a:t>
+            </a:r>
+          </a:p>
+          <a:p>
+            <a:pPr marL="0" indent="0" algn="l" rtl="0">
+              <a:buNone/>
+            </a:pPr>
+            <a:endParaRPr lang="he-IL" dirty="0">
+              <a:solidFill>
+                <a:schemeClr val="tx1"/>
+              </a:solidFill>
+            </a:endParaRPr>
           </a:p>
         </p:txBody>
       </p:sp>
@@ -12406,10 +15020,39 @@
           </a:fontRef>
         </p:style>
       </p:sp>
+      <p:sp>
+        <p:nvSpPr>
+          <p:cNvPr id="4" name="מציין מיקום של מספר שקופית 3">
+            <a:extLst>
+              <a:ext uri="{FF2B5EF4-FFF2-40B4-BE49-F238E27FC236}">
+                <a16:creationId xmlns:a16="http://schemas.microsoft.com/office/drawing/2014/main" id="{A0EC45EB-20C2-6E50-424E-A274AF846BDF}"/>
+              </a:ext>
+            </a:extLst>
+          </p:cNvPr>
+          <p:cNvSpPr>
+            <a:spLocks noGrp="1"/>
+          </p:cNvSpPr>
+          <p:nvPr>
+            <p:ph type="sldNum" sz="quarter" idx="12"/>
+          </p:nvPr>
+        </p:nvSpPr>
+        <p:spPr/>
+        <p:txBody>
+          <a:bodyPr/>
+          <a:lstStyle/>
+          <a:p>
+            <a:fld id="{FEDBE076-7370-4F39-B8CE-D2BB33626AF3}" type="slidenum">
+              <a:rPr lang="he-IL" smtClean="0"/>
+              <a:t>7</a:t>
+            </a:fld>
+            <a:endParaRPr lang="he-IL"/>
+          </a:p>
+        </p:txBody>
+      </p:sp>
     </p:spTree>
     <p:extLst>
       <p:ext uri="{BB962C8B-B14F-4D97-AF65-F5344CB8AC3E}">
-        <p14:creationId xmlns:p14="http://schemas.microsoft.com/office/powerpoint/2010/main" val="3741545148"/>
+        <p14:creationId xmlns:p14="http://schemas.microsoft.com/office/powerpoint/2010/main" val="3060536788"/>
       </p:ext>
     </p:extLst>
   </p:cSld>
@@ -12506,6 +15149,49 @@
       </p:sp>
       <p:sp>
         <p:nvSpPr>
+          <p:cNvPr id="2" name="כותרת 1">
+            <a:extLst>
+              <a:ext uri="{FF2B5EF4-FFF2-40B4-BE49-F238E27FC236}">
+                <a16:creationId xmlns:a16="http://schemas.microsoft.com/office/drawing/2014/main" id="{1ACC9094-DF10-FE2C-933F-47FB37C8A6AB}"/>
+              </a:ext>
+            </a:extLst>
+          </p:cNvPr>
+          <p:cNvSpPr>
+            <a:spLocks noGrp="1"/>
+          </p:cNvSpPr>
+          <p:nvPr>
+            <p:ph type="title"/>
+          </p:nvPr>
+        </p:nvSpPr>
+        <p:spPr>
+          <a:xfrm>
+            <a:off x="1681231" y="419895"/>
+            <a:ext cx="8596668" cy="1177085"/>
+          </a:xfrm>
+        </p:spPr>
+        <p:txBody>
+          <a:bodyPr>
+            <a:normAutofit/>
+          </a:bodyPr>
+          <a:lstStyle/>
+          <a:p>
+            <a:pPr algn="ctr" rtl="0"/>
+            <a:r>
+              <a:rPr lang="en-US" sz="4000" dirty="0">
+                <a:latin typeface="Arial" panose="020B0604020202020204" pitchFamily="34" charset="0"/>
+                <a:cs typeface="Arial" panose="020B0604020202020204" pitchFamily="34" charset="0"/>
+              </a:rPr>
+              <a:t>DenseNet</a:t>
+            </a:r>
+            <a:endParaRPr lang="he-IL" sz="4000" dirty="0">
+              <a:latin typeface="Arial" panose="020B0604020202020204" pitchFamily="34" charset="0"/>
+              <a:cs typeface="Arial" panose="020B0604020202020204" pitchFamily="34" charset="0"/>
+            </a:endParaRPr>
+          </a:p>
+        </p:txBody>
+      </p:sp>
+      <p:sp>
+        <p:nvSpPr>
           <p:cNvPr id="35" name="Isosceles Triangle 34">
             <a:extLst>
               <a:ext uri="{FF2B5EF4-FFF2-40B4-BE49-F238E27FC236}">
@@ -12562,35 +15248,90 @@
           </a:fontRef>
         </p:style>
       </p:sp>
-      <p:pic>
-        <p:nvPicPr>
-          <p:cNvPr id="5" name="Content Placeholder 4">
+      <p:sp>
+        <p:nvSpPr>
+          <p:cNvPr id="3" name="מציין מיקום תוכן 2">
             <a:extLst>
               <a:ext uri="{FF2B5EF4-FFF2-40B4-BE49-F238E27FC236}">
-                <a16:creationId xmlns:a16="http://schemas.microsoft.com/office/drawing/2014/main" id="{49958D58-9181-D98A-A0F1-7C2BD705D196}"/>
+                <a16:creationId xmlns:a16="http://schemas.microsoft.com/office/drawing/2014/main" id="{E63CB9F7-1BEA-5E29-A0FC-A93719833515}"/>
               </a:ext>
             </a:extLst>
           </p:cNvPr>
-          <p:cNvPicPr>
-            <a:picLocks noGrp="1" noChangeAspect="1"/>
-          </p:cNvPicPr>
+          <p:cNvSpPr>
+            <a:spLocks noGrp="1"/>
+          </p:cNvSpPr>
           <p:nvPr>
             <p:ph idx="1"/>
           </p:nvPr>
-        </p:nvPicPr>
-        <p:blipFill>
-          <a:blip r:embed="rId2"/>
-          <a:stretch>
-            <a:fillRect/>
-          </a:stretch>
-        </p:blipFill>
+        </p:nvSpPr>
         <p:spPr>
           <a:xfrm>
-            <a:off x="989604" y="4743635"/>
-            <a:ext cx="10420909" cy="1383929"/>
+            <a:off x="1202558" y="1529366"/>
+            <a:ext cx="10180748" cy="5396248"/>
           </a:xfrm>
         </p:spPr>
-      </p:pic>
+        <p:txBody>
+          <a:bodyPr>
+            <a:normAutofit/>
+          </a:bodyPr>
+          <a:lstStyle/>
+          <a:p>
+            <a:pPr marL="0" indent="0" algn="l" rtl="0">
+              <a:buNone/>
+            </a:pPr>
+            <a:r>
+              <a:rPr lang="en-US" sz="2000" dirty="0">
+                <a:solidFill>
+                  <a:schemeClr val="tx1"/>
+                </a:solidFill>
+                <a:latin typeface="Arial" panose="020B0604020202020204" pitchFamily="34" charset="0"/>
+                <a:cs typeface="Arial" panose="020B0604020202020204" pitchFamily="34" charset="0"/>
+              </a:rPr>
+              <a:t>The problems arise with CNNs when they go deeper. This is because the path for information from the input layer until the output layer (and for the gradient in the opposite direction) becomes so big, that they can get vanished before reaching the other side and here is where the DenseNet have the edge and overcome this problem.                                                                                                            DenseNet is a type of convolutional neural network (CNN) that utilizes dense connections between layers, through Dense Blocks, where we connect all layers (with matching feature-map sizes) directly with each other in order to preserve the feed-forward nature, each layer obtains additional inputs from all preceding layers and passes on its own feature-maps to all subsequent layers. In order to gain maximum information and gradient flow, so each layer has direct access to the gradients from the loss. these connections patterns will decrease the vanishing of the gradient.                                      </a:t>
+            </a:r>
+            <a:r>
+              <a:rPr lang="en-US" sz="2000" u="sng" dirty="0">
+                <a:solidFill>
+                  <a:schemeClr val="tx1"/>
+                </a:solidFill>
+                <a:latin typeface="Arial" panose="020B0604020202020204" pitchFamily="34" charset="0"/>
+                <a:cs typeface="Arial" panose="020B0604020202020204" pitchFamily="34" charset="0"/>
+              </a:rPr>
+              <a:t>In short:</a:t>
+            </a:r>
+            <a:r>
+              <a:rPr lang="en-US" sz="2000" dirty="0">
+                <a:solidFill>
+                  <a:schemeClr val="tx1"/>
+                </a:solidFill>
+                <a:latin typeface="Arial" panose="020B0604020202020204" pitchFamily="34" charset="0"/>
+                <a:cs typeface="Arial" panose="020B0604020202020204" pitchFamily="34" charset="0"/>
+              </a:rPr>
+              <a:t> </a:t>
+            </a:r>
+            <a:r>
+              <a:rPr lang="en-US" sz="2000" dirty="0" err="1">
+                <a:solidFill>
+                  <a:schemeClr val="tx1"/>
+                </a:solidFill>
+                <a:latin typeface="Arial" panose="020B0604020202020204" pitchFamily="34" charset="0"/>
+                <a:cs typeface="Arial" panose="020B0604020202020204" pitchFamily="34" charset="0"/>
+              </a:rPr>
+              <a:t>Densenet</a:t>
+            </a:r>
+            <a:r>
+              <a:rPr lang="en-US" sz="2000" dirty="0">
+                <a:solidFill>
+                  <a:schemeClr val="tx1"/>
+                </a:solidFill>
+                <a:latin typeface="Arial" panose="020B0604020202020204" pitchFamily="34" charset="0"/>
+                <a:cs typeface="Arial" panose="020B0604020202020204" pitchFamily="34" charset="0"/>
+              </a:rPr>
+              <a:t> is a CNN that can get much deeper than other CNN's without decreasing its accuracy.</a:t>
+            </a:r>
+          </a:p>
+        </p:txBody>
+      </p:sp>
       <p:sp>
         <p:nvSpPr>
           <p:cNvPr id="37" name="Isosceles Triangle 36">
@@ -12651,381 +15392,37 @@
       </p:sp>
       <p:sp>
         <p:nvSpPr>
-          <p:cNvPr id="6" name="מציין מיקום תוכן 2">
+          <p:cNvPr id="4" name="מציין מיקום של מספר שקופית 3">
             <a:extLst>
               <a:ext uri="{FF2B5EF4-FFF2-40B4-BE49-F238E27FC236}">
-                <a16:creationId xmlns:a16="http://schemas.microsoft.com/office/drawing/2014/main" id="{91E00044-A01A-C55E-CB95-201D0795360D}"/>
+                <a16:creationId xmlns:a16="http://schemas.microsoft.com/office/drawing/2014/main" id="{E08D9FF5-3076-5FBA-B169-E2E181138E7A}"/>
               </a:ext>
             </a:extLst>
           </p:cNvPr>
-          <p:cNvSpPr txBox="1">
-            <a:spLocks/>
-          </p:cNvSpPr>
-          <p:nvPr/>
-        </p:nvSpPr>
-        <p:spPr>
-          <a:xfrm>
-            <a:off x="1175351" y="589208"/>
-            <a:ext cx="10273124" cy="4154427"/>
-          </a:xfrm>
-          <a:prstGeom prst="rect">
-            <a:avLst/>
-          </a:prstGeom>
-        </p:spPr>
-        <p:txBody>
-          <a:bodyPr vert="horz" lIns="91440" tIns="45720" rIns="91440" bIns="45720" rtlCol="0">
-            <a:normAutofit/>
-          </a:bodyPr>
-          <a:lstStyle>
-            <a:lvl1pPr marL="342900" indent="-342900" algn="r" defTabSz="457200" rtl="1" eaLnBrk="1" latinLnBrk="0" hangingPunct="1">
-              <a:spcBef>
-                <a:spcPts val="1000"/>
-              </a:spcBef>
-              <a:spcAft>
-                <a:spcPts val="0"/>
-              </a:spcAft>
-              <a:buClr>
-                <a:schemeClr val="accent1"/>
-              </a:buClr>
-              <a:buSzPct val="80000"/>
-              <a:buFont typeface="Wingdings 3" charset="2"/>
-              <a:buChar char=""/>
-              <a:defRPr sz="1800" kern="1200">
-                <a:solidFill>
-                  <a:schemeClr val="tx1">
-                    <a:lumMod val="75000"/>
-                    <a:lumOff val="25000"/>
-                  </a:schemeClr>
-                </a:solidFill>
-                <a:latin typeface="+mn-lt"/>
-                <a:ea typeface="+mn-ea"/>
-                <a:cs typeface="+mn-cs"/>
-              </a:defRPr>
-            </a:lvl1pPr>
-            <a:lvl2pPr marL="742950" indent="-285750" algn="r" defTabSz="457200" rtl="1" eaLnBrk="1" latinLnBrk="0" hangingPunct="1">
-              <a:spcBef>
-                <a:spcPts val="1000"/>
-              </a:spcBef>
-              <a:spcAft>
-                <a:spcPts val="0"/>
-              </a:spcAft>
-              <a:buClr>
-                <a:schemeClr val="accent1"/>
-              </a:buClr>
-              <a:buSzPct val="80000"/>
-              <a:buFont typeface="Wingdings 3" charset="2"/>
-              <a:buChar char=""/>
-              <a:defRPr sz="1600" kern="1200">
-                <a:solidFill>
-                  <a:schemeClr val="tx1">
-                    <a:lumMod val="75000"/>
-                    <a:lumOff val="25000"/>
-                  </a:schemeClr>
-                </a:solidFill>
-                <a:latin typeface="+mn-lt"/>
-                <a:ea typeface="+mn-ea"/>
-                <a:cs typeface="+mn-cs"/>
-              </a:defRPr>
-            </a:lvl2pPr>
-            <a:lvl3pPr marL="1143000" indent="-228600" algn="r" defTabSz="457200" rtl="1" eaLnBrk="1" latinLnBrk="0" hangingPunct="1">
-              <a:spcBef>
-                <a:spcPts val="1000"/>
-              </a:spcBef>
-              <a:spcAft>
-                <a:spcPts val="0"/>
-              </a:spcAft>
-              <a:buClr>
-                <a:schemeClr val="accent1"/>
-              </a:buClr>
-              <a:buSzPct val="80000"/>
-              <a:buFont typeface="Wingdings 3" charset="2"/>
-              <a:buChar char=""/>
-              <a:defRPr sz="1400" kern="1200">
-                <a:solidFill>
-                  <a:schemeClr val="tx1">
-                    <a:lumMod val="75000"/>
-                    <a:lumOff val="25000"/>
-                  </a:schemeClr>
-                </a:solidFill>
-                <a:latin typeface="+mn-lt"/>
-                <a:ea typeface="+mn-ea"/>
-                <a:cs typeface="+mn-cs"/>
-              </a:defRPr>
-            </a:lvl3pPr>
-            <a:lvl4pPr marL="1600200" indent="-228600" algn="r" defTabSz="457200" rtl="1" eaLnBrk="1" latinLnBrk="0" hangingPunct="1">
-              <a:spcBef>
-                <a:spcPts val="1000"/>
-              </a:spcBef>
-              <a:spcAft>
-                <a:spcPts val="0"/>
-              </a:spcAft>
-              <a:buClr>
-                <a:schemeClr val="accent1"/>
-              </a:buClr>
-              <a:buSzPct val="80000"/>
-              <a:buFont typeface="Wingdings 3" charset="2"/>
-              <a:buChar char=""/>
-              <a:defRPr sz="1200" kern="1200">
-                <a:solidFill>
-                  <a:schemeClr val="tx1">
-                    <a:lumMod val="75000"/>
-                    <a:lumOff val="25000"/>
-                  </a:schemeClr>
-                </a:solidFill>
-                <a:latin typeface="+mn-lt"/>
-                <a:ea typeface="+mn-ea"/>
-                <a:cs typeface="+mn-cs"/>
-              </a:defRPr>
-            </a:lvl4pPr>
-            <a:lvl5pPr marL="2057400" indent="-228600" algn="r" defTabSz="457200" rtl="1" eaLnBrk="1" latinLnBrk="0" hangingPunct="1">
-              <a:spcBef>
-                <a:spcPts val="1000"/>
-              </a:spcBef>
-              <a:spcAft>
-                <a:spcPts val="0"/>
-              </a:spcAft>
-              <a:buClr>
-                <a:schemeClr val="accent1"/>
-              </a:buClr>
-              <a:buSzPct val="80000"/>
-              <a:buFont typeface="Wingdings 3" charset="2"/>
-              <a:buChar char=""/>
-              <a:defRPr sz="1200" kern="1200">
-                <a:solidFill>
-                  <a:schemeClr val="tx1">
-                    <a:lumMod val="75000"/>
-                    <a:lumOff val="25000"/>
-                  </a:schemeClr>
-                </a:solidFill>
-                <a:latin typeface="+mn-lt"/>
-                <a:ea typeface="+mn-ea"/>
-                <a:cs typeface="+mn-cs"/>
-              </a:defRPr>
-            </a:lvl5pPr>
-            <a:lvl6pPr marL="2514600" indent="-228600" algn="r" defTabSz="457200" rtl="1" eaLnBrk="1" latinLnBrk="0" hangingPunct="1">
-              <a:spcBef>
-                <a:spcPts val="1000"/>
-              </a:spcBef>
-              <a:spcAft>
-                <a:spcPts val="0"/>
-              </a:spcAft>
-              <a:buClr>
-                <a:schemeClr val="accent1"/>
-              </a:buClr>
-              <a:buSzPct val="80000"/>
-              <a:buFont typeface="Wingdings 3" charset="2"/>
-              <a:buChar char=""/>
-              <a:defRPr sz="1200" kern="1200">
-                <a:solidFill>
-                  <a:schemeClr val="tx1">
-                    <a:lumMod val="75000"/>
-                    <a:lumOff val="25000"/>
-                  </a:schemeClr>
-                </a:solidFill>
-                <a:latin typeface="+mn-lt"/>
-                <a:ea typeface="+mn-ea"/>
-                <a:cs typeface="+mn-cs"/>
-              </a:defRPr>
-            </a:lvl6pPr>
-            <a:lvl7pPr marL="2971800" indent="-228600" algn="r" defTabSz="457200" rtl="1" eaLnBrk="1" latinLnBrk="0" hangingPunct="1">
-              <a:spcBef>
-                <a:spcPts val="1000"/>
-              </a:spcBef>
-              <a:spcAft>
-                <a:spcPts val="0"/>
-              </a:spcAft>
-              <a:buClr>
-                <a:schemeClr val="accent1"/>
-              </a:buClr>
-              <a:buSzPct val="80000"/>
-              <a:buFont typeface="Wingdings 3" charset="2"/>
-              <a:buChar char=""/>
-              <a:defRPr sz="1200" kern="1200">
-                <a:solidFill>
-                  <a:schemeClr val="tx1">
-                    <a:lumMod val="75000"/>
-                    <a:lumOff val="25000"/>
-                  </a:schemeClr>
-                </a:solidFill>
-                <a:latin typeface="+mn-lt"/>
-                <a:ea typeface="+mn-ea"/>
-                <a:cs typeface="+mn-cs"/>
-              </a:defRPr>
-            </a:lvl7pPr>
-            <a:lvl8pPr marL="3429000" indent="-228600" algn="r" defTabSz="457200" rtl="1" eaLnBrk="1" latinLnBrk="0" hangingPunct="1">
-              <a:spcBef>
-                <a:spcPts val="1000"/>
-              </a:spcBef>
-              <a:spcAft>
-                <a:spcPts val="0"/>
-              </a:spcAft>
-              <a:buClr>
-                <a:schemeClr val="accent1"/>
-              </a:buClr>
-              <a:buSzPct val="80000"/>
-              <a:buFont typeface="Wingdings 3" charset="2"/>
-              <a:buChar char=""/>
-              <a:defRPr sz="1200" kern="1200">
-                <a:solidFill>
-                  <a:schemeClr val="tx1">
-                    <a:lumMod val="75000"/>
-                    <a:lumOff val="25000"/>
-                  </a:schemeClr>
-                </a:solidFill>
-                <a:latin typeface="+mn-lt"/>
-                <a:ea typeface="+mn-ea"/>
-                <a:cs typeface="+mn-cs"/>
-              </a:defRPr>
-            </a:lvl8pPr>
-            <a:lvl9pPr marL="3886200" indent="-228600" algn="r" defTabSz="457200" rtl="1" eaLnBrk="1" latinLnBrk="0" hangingPunct="1">
-              <a:spcBef>
-                <a:spcPts val="1000"/>
-              </a:spcBef>
-              <a:spcAft>
-                <a:spcPts val="0"/>
-              </a:spcAft>
-              <a:buClr>
-                <a:schemeClr val="accent1"/>
-              </a:buClr>
-              <a:buSzPct val="80000"/>
-              <a:buFont typeface="Wingdings 3" charset="2"/>
-              <a:buChar char=""/>
-              <a:defRPr sz="1200" kern="1200">
-                <a:solidFill>
-                  <a:schemeClr val="tx1">
-                    <a:lumMod val="75000"/>
-                    <a:lumOff val="25000"/>
-                  </a:schemeClr>
-                </a:solidFill>
-                <a:latin typeface="+mn-lt"/>
-                <a:ea typeface="+mn-ea"/>
-                <a:cs typeface="+mn-cs"/>
-              </a:defRPr>
-            </a:lvl9pPr>
-          </a:lstStyle>
-          <a:p>
-            <a:pPr marL="0" indent="0" algn="l" rtl="0">
-              <a:buFont typeface="Wingdings 3" charset="2"/>
-              <a:buNone/>
-            </a:pPr>
-            <a:r>
-              <a:rPr lang="en-US" sz="2000" dirty="0" err="1">
-                <a:solidFill>
-                  <a:schemeClr val="accent5"/>
-                </a:solidFill>
-                <a:latin typeface="Arial" panose="020B0604020202020204" pitchFamily="34" charset="0"/>
-                <a:cs typeface="Arial" panose="020B0604020202020204" pitchFamily="34" charset="0"/>
-              </a:rPr>
-              <a:t>DenseNets</a:t>
-            </a:r>
-            <a:r>
-              <a:rPr lang="en-US" sz="2000" dirty="0">
-                <a:solidFill>
-                  <a:schemeClr val="accent5"/>
-                </a:solidFill>
-                <a:latin typeface="Arial" panose="020B0604020202020204" pitchFamily="34" charset="0"/>
-                <a:cs typeface="Arial" panose="020B0604020202020204" pitchFamily="34" charset="0"/>
-              </a:rPr>
-              <a:t> are composed from Dense Blocks, the dimensions of the feature maps remains the same within a block, but the number of filters changes between them.</a:t>
-            </a:r>
-          </a:p>
-          <a:p>
-            <a:pPr marL="0" indent="0" algn="l" rtl="0">
-              <a:buFont typeface="Wingdings 3" charset="2"/>
-              <a:buNone/>
-            </a:pPr>
-            <a:r>
-              <a:rPr lang="en-US" sz="2000" dirty="0">
-                <a:solidFill>
-                  <a:schemeClr val="accent5"/>
-                </a:solidFill>
-                <a:latin typeface="Arial" panose="020B0604020202020204" pitchFamily="34" charset="0"/>
-                <a:cs typeface="Arial" panose="020B0604020202020204" pitchFamily="34" charset="0"/>
-              </a:rPr>
-              <a:t> The L </a:t>
-            </a:r>
-            <a:r>
-              <a:rPr lang="en-US" sz="2000" dirty="0" err="1">
-                <a:solidFill>
-                  <a:schemeClr val="accent5"/>
-                </a:solidFill>
-                <a:latin typeface="Arial" panose="020B0604020202020204" pitchFamily="34" charset="0"/>
-                <a:cs typeface="Arial" panose="020B0604020202020204" pitchFamily="34" charset="0"/>
-              </a:rPr>
-              <a:t>th</a:t>
-            </a:r>
-            <a:r>
-              <a:rPr lang="en-US" sz="2000" dirty="0">
-                <a:solidFill>
-                  <a:schemeClr val="accent5"/>
-                </a:solidFill>
-                <a:latin typeface="Arial" panose="020B0604020202020204" pitchFamily="34" charset="0"/>
-                <a:cs typeface="Arial" panose="020B0604020202020204" pitchFamily="34" charset="0"/>
-              </a:rPr>
-              <a:t> layer has L inputs,  consisting of the feature-maps of all preceding convolutional blocks. Its own feature-maps are passed on to all subsequent layers.</a:t>
-            </a:r>
-          </a:p>
-          <a:p>
-            <a:pPr marL="0" indent="0" algn="l" rtl="0">
-              <a:buFont typeface="Wingdings 3" charset="2"/>
-              <a:buNone/>
-            </a:pPr>
-            <a:r>
-              <a:rPr lang="en-US" sz="2000" dirty="0" err="1">
-                <a:solidFill>
-                  <a:schemeClr val="accent5"/>
-                </a:solidFill>
-                <a:latin typeface="Arial" panose="020B0604020202020204" pitchFamily="34" charset="0"/>
-                <a:cs typeface="Arial" panose="020B0604020202020204" pitchFamily="34" charset="0"/>
-              </a:rPr>
-              <a:t>DenseNet</a:t>
-            </a:r>
-            <a:r>
-              <a:rPr lang="en-US" sz="2000" dirty="0">
-                <a:solidFill>
-                  <a:schemeClr val="accent5"/>
-                </a:solidFill>
-                <a:latin typeface="Arial" panose="020B0604020202020204" pitchFamily="34" charset="0"/>
-                <a:cs typeface="Arial" panose="020B0604020202020204" pitchFamily="34" charset="0"/>
-              </a:rPr>
-              <a:t> layers are very narrow, adding only a small set of feature-maps to the “collective knowledge”.</a:t>
-            </a:r>
-          </a:p>
-          <a:p>
-            <a:pPr marL="0" indent="0" algn="l" rtl="0">
-              <a:buFont typeface="Wingdings 3" charset="2"/>
-              <a:buNone/>
-            </a:pPr>
-            <a:r>
-              <a:rPr lang="en-US" sz="2000" dirty="0">
-                <a:solidFill>
-                  <a:schemeClr val="accent5"/>
-                </a:solidFill>
-                <a:latin typeface="Arial" panose="020B0604020202020204" pitchFamily="34" charset="0"/>
-                <a:cs typeface="Arial" panose="020B0604020202020204" pitchFamily="34" charset="0"/>
-              </a:rPr>
-              <a:t>Dense connectivity pattern requires fewer parameters, as there is no need to relearn unnecessary feature-maps.</a:t>
-            </a:r>
-          </a:p>
-          <a:p>
-            <a:pPr marL="0" indent="0" algn="l" rtl="0">
-              <a:buFont typeface="Wingdings 3" charset="2"/>
-              <a:buNone/>
-            </a:pPr>
-            <a:endParaRPr lang="en-US" sz="2000" dirty="0">
-              <a:solidFill>
-                <a:schemeClr val="tx1"/>
-              </a:solidFill>
-              <a:latin typeface="Arial" panose="020B0604020202020204" pitchFamily="34" charset="0"/>
-              <a:cs typeface="Arial" panose="020B0604020202020204" pitchFamily="34" charset="0"/>
-            </a:endParaRPr>
+          <p:cNvSpPr>
+            <a:spLocks noGrp="1"/>
+          </p:cNvSpPr>
+          <p:nvPr>
+            <p:ph type="sldNum" sz="quarter" idx="12"/>
+          </p:nvPr>
+        </p:nvSpPr>
+        <p:spPr/>
+        <p:txBody>
+          <a:bodyPr/>
+          <a:lstStyle/>
+          <a:p>
+            <a:fld id="{FEDBE076-7370-4F39-B8CE-D2BB33626AF3}" type="slidenum">
+              <a:rPr lang="he-IL" smtClean="0"/>
+              <a:t>8</a:t>
+            </a:fld>
+            <a:endParaRPr lang="he-IL"/>
           </a:p>
         </p:txBody>
       </p:sp>
     </p:spTree>
     <p:extLst>
       <p:ext uri="{BB962C8B-B14F-4D97-AF65-F5344CB8AC3E}">
-        <p14:creationId xmlns:p14="http://schemas.microsoft.com/office/powerpoint/2010/main" val="4039894696"/>
+        <p14:creationId xmlns:p14="http://schemas.microsoft.com/office/powerpoint/2010/main" val="3741545148"/>
       </p:ext>
     </p:extLst>
   </p:cSld>
@@ -13178,6 +15575,35 @@
           </a:fontRef>
         </p:style>
       </p:sp>
+      <p:pic>
+        <p:nvPicPr>
+          <p:cNvPr id="5" name="Content Placeholder 4">
+            <a:extLst>
+              <a:ext uri="{FF2B5EF4-FFF2-40B4-BE49-F238E27FC236}">
+                <a16:creationId xmlns:a16="http://schemas.microsoft.com/office/drawing/2014/main" id="{49958D58-9181-D98A-A0F1-7C2BD705D196}"/>
+              </a:ext>
+            </a:extLst>
+          </p:cNvPr>
+          <p:cNvPicPr>
+            <a:picLocks noGrp="1" noChangeAspect="1"/>
+          </p:cNvPicPr>
+          <p:nvPr>
+            <p:ph idx="1"/>
+          </p:nvPr>
+        </p:nvPicPr>
+        <p:blipFill>
+          <a:blip r:embed="rId2"/>
+          <a:stretch>
+            <a:fillRect/>
+          </a:stretch>
+        </p:blipFill>
+        <p:spPr>
+          <a:xfrm>
+            <a:off x="989604" y="4743635"/>
+            <a:ext cx="10420909" cy="1383929"/>
+          </a:xfrm>
+        </p:spPr>
+      </p:pic>
       <p:sp>
         <p:nvSpPr>
           <p:cNvPr id="37" name="Isosceles Triangle 36">
@@ -13252,8 +15678,8 @@
         </p:nvSpPr>
         <p:spPr>
           <a:xfrm>
-            <a:off x="1063496" y="1496180"/>
-            <a:ext cx="10273124" cy="2200058"/>
+            <a:off x="1175351" y="589208"/>
+            <a:ext cx="10273124" cy="4154427"/>
           </a:xfrm>
           <a:prstGeom prst="rect">
             <a:avLst/>
@@ -13496,34 +15922,92 @@
               <a:buNone/>
             </a:pPr>
             <a:r>
-              <a:rPr lang="en-US" sz="2000" dirty="0">
-                <a:solidFill>
-                  <a:schemeClr val="tx1"/>
+              <a:rPr lang="en-US" sz="2000" dirty="0" err="1">
+                <a:solidFill>
+                  <a:schemeClr val="accent5"/>
                 </a:solidFill>
                 <a:latin typeface="Arial" panose="020B0604020202020204" pitchFamily="34" charset="0"/>
                 <a:cs typeface="Arial" panose="020B0604020202020204" pitchFamily="34" charset="0"/>
               </a:rPr>
-              <a:t>The inception network which was introduced as </a:t>
-            </a:r>
-            <a:r>
-              <a:rPr lang="en-US" sz="2000" dirty="0" err="1">
-                <a:solidFill>
-                  <a:schemeClr val="tx1"/>
+              <a:t>DenseNets</a:t>
+            </a:r>
+            <a:r>
+              <a:rPr lang="en-US" sz="2000" dirty="0">
+                <a:solidFill>
+                  <a:schemeClr val="accent5"/>
                 </a:solidFill>
                 <a:latin typeface="Arial" panose="020B0604020202020204" pitchFamily="34" charset="0"/>
                 <a:cs typeface="Arial" panose="020B0604020202020204" pitchFamily="34" charset="0"/>
               </a:rPr>
-              <a:t>Googlenet</a:t>
-            </a:r>
+              <a:t> are composed from Dense Blocks, the dimensions of the feature maps remains the same within a block, but the number of filters changes between them.</a:t>
+            </a:r>
+          </a:p>
+          <a:p>
+            <a:pPr marL="0" indent="0" algn="l" rtl="0">
+              <a:buFont typeface="Wingdings 3" charset="2"/>
+              <a:buNone/>
+            </a:pPr>
             <a:r>
               <a:rPr lang="en-US" sz="2000" dirty="0">
                 <a:solidFill>
-                  <a:schemeClr val="tx1"/>
+                  <a:schemeClr val="accent5"/>
                 </a:solidFill>
                 <a:latin typeface="Arial" panose="020B0604020202020204" pitchFamily="34" charset="0"/>
                 <a:cs typeface="Arial" panose="020B0604020202020204" pitchFamily="34" charset="0"/>
               </a:rPr>
-              <a:t> in 2014 takes a new approach to deep layers models where before different types of convolutions and pooling layers were stacked upon each other but now in an inception module we combine within the same layer different convolutions and a pooling operation which all produces at the layer level an output with same dimensions only different depths which are than concatenated  as an output of the layer and passed on unto the next.</a:t>
+              <a:t> The L </a:t>
+            </a:r>
+            <a:r>
+              <a:rPr lang="en-US" sz="2000" dirty="0" err="1">
+                <a:solidFill>
+                  <a:schemeClr val="accent5"/>
+                </a:solidFill>
+                <a:latin typeface="Arial" panose="020B0604020202020204" pitchFamily="34" charset="0"/>
+                <a:cs typeface="Arial" panose="020B0604020202020204" pitchFamily="34" charset="0"/>
+              </a:rPr>
+              <a:t>th</a:t>
+            </a:r>
+            <a:r>
+              <a:rPr lang="en-US" sz="2000" dirty="0">
+                <a:solidFill>
+                  <a:schemeClr val="accent5"/>
+                </a:solidFill>
+                <a:latin typeface="Arial" panose="020B0604020202020204" pitchFamily="34" charset="0"/>
+                <a:cs typeface="Arial" panose="020B0604020202020204" pitchFamily="34" charset="0"/>
+              </a:rPr>
+              <a:t> layer has L inputs,  consisting of the feature-maps of all preceding convolutional blocks. Its own feature-maps are passed on to all subsequent layers.</a:t>
+            </a:r>
+          </a:p>
+          <a:p>
+            <a:pPr marL="0" indent="0" algn="l" rtl="0">
+              <a:buFont typeface="Wingdings 3" charset="2"/>
+              <a:buNone/>
+            </a:pPr>
+            <a:r>
+              <a:rPr lang="en-US" sz="2000" dirty="0">
+                <a:solidFill>
+                  <a:schemeClr val="accent5"/>
+                </a:solidFill>
+                <a:latin typeface="Arial" panose="020B0604020202020204" pitchFamily="34" charset="0"/>
+                <a:cs typeface="Arial" panose="020B0604020202020204" pitchFamily="34" charset="0"/>
+              </a:rPr>
+              <a:t>DenseNet layers are very narrow, adding only a small set of feature-maps to the “collective knowledge”.</a:t>
+            </a:r>
+          </a:p>
+          <a:p>
+            <a:pPr marL="0" indent="0" algn="l" rtl="0">
+              <a:buFont typeface="Wingdings 3" charset="2"/>
+              <a:buNone/>
+            </a:pPr>
+            <a:r>
+              <a:rPr lang="en-US" sz="2000" dirty="0">
+                <a:solidFill>
+                  <a:schemeClr val="accent5"/>
+                </a:solidFill>
+                <a:latin typeface="Arial" panose="020B0604020202020204" pitchFamily="34" charset="0"/>
+                <a:cs typeface="Arial" panose="020B0604020202020204" pitchFamily="34" charset="0"/>
+              </a:rPr>
+              <a:t>Dense connectivity pattern requires fewer parameters, as there is no need to relearn unnecessary feature-maps.</a:t>
             </a:r>
           </a:p>
           <a:p>
@@ -13543,10 +16027,10 @@
       </p:sp>
       <p:sp>
         <p:nvSpPr>
-          <p:cNvPr id="2" name="כותרת 1">
+          <p:cNvPr id="2" name="מציין מיקום של מספר שקופית 1">
             <a:extLst>
               <a:ext uri="{FF2B5EF4-FFF2-40B4-BE49-F238E27FC236}">
-                <a16:creationId xmlns:a16="http://schemas.microsoft.com/office/drawing/2014/main" id="{4A834D02-D58D-B4E3-F567-967483BA00F8}"/>
+                <a16:creationId xmlns:a16="http://schemas.microsoft.com/office/drawing/2014/main" id="{86100EE3-4864-8A62-2A1C-D3003F65B321}"/>
               </a:ext>
             </a:extLst>
           </p:cNvPr>
@@ -13554,111 +16038,26 @@
             <a:spLocks noGrp="1"/>
           </p:cNvSpPr>
           <p:nvPr>
-            <p:ph type="title"/>
-          </p:nvPr>
-        </p:nvSpPr>
-        <p:spPr>
-          <a:xfrm>
-            <a:off x="1681231" y="407466"/>
-            <a:ext cx="8596668" cy="1177085"/>
-          </a:xfrm>
-        </p:spPr>
-        <p:txBody>
-          <a:bodyPr>
-            <a:normAutofit/>
-          </a:bodyPr>
+            <p:ph type="sldNum" sz="quarter" idx="12"/>
+          </p:nvPr>
+        </p:nvSpPr>
+        <p:spPr/>
+        <p:txBody>
+          <a:bodyPr/>
           <a:lstStyle/>
           <a:p>
-            <a:pPr algn="ctr" rtl="0"/>
-            <a:r>
-              <a:rPr lang="en-US" sz="4000" dirty="0">
-                <a:latin typeface="Arial" panose="020B0604020202020204" pitchFamily="34" charset="0"/>
-                <a:cs typeface="Arial" panose="020B0604020202020204" pitchFamily="34" charset="0"/>
-              </a:rPr>
-              <a:t>Inception V4</a:t>
-            </a:r>
-            <a:endParaRPr lang="he-IL" sz="4000" dirty="0">
-              <a:latin typeface="Arial" panose="020B0604020202020204" pitchFamily="34" charset="0"/>
-              <a:cs typeface="Arial" panose="020B0604020202020204" pitchFamily="34" charset="0"/>
-            </a:endParaRPr>
-          </a:p>
-        </p:txBody>
-      </p:sp>
-      <p:pic>
-        <p:nvPicPr>
-          <p:cNvPr id="7" name="תמונה 3">
-            <a:extLst>
-              <a:ext uri="{FF2B5EF4-FFF2-40B4-BE49-F238E27FC236}">
-                <a16:creationId xmlns:a16="http://schemas.microsoft.com/office/drawing/2014/main" id="{75F36A9B-487A-03BB-B9F3-74178B948A20}"/>
-              </a:ext>
-            </a:extLst>
-          </p:cNvPr>
-          <p:cNvPicPr>
-            <a:picLocks noChangeAspect="1"/>
-          </p:cNvPicPr>
-          <p:nvPr/>
-        </p:nvPicPr>
-        <p:blipFill>
-          <a:blip r:embed="rId2"/>
-          <a:stretch>
-            <a:fillRect/>
-          </a:stretch>
-        </p:blipFill>
-        <p:spPr>
-          <a:xfrm>
-            <a:off x="1170261" y="3621808"/>
-            <a:ext cx="4925739" cy="2792321"/>
-          </a:xfrm>
-          <a:prstGeom prst="rect">
-            <a:avLst/>
-          </a:prstGeom>
-        </p:spPr>
-      </p:pic>
-      <p:pic>
-        <p:nvPicPr>
-          <p:cNvPr id="8" name="תמונה 4">
-            <a:extLst>
-              <a:ext uri="{FF2B5EF4-FFF2-40B4-BE49-F238E27FC236}">
-                <a16:creationId xmlns:a16="http://schemas.microsoft.com/office/drawing/2014/main" id="{332A766A-4017-982F-6300-1E432CDC12D6}"/>
-              </a:ext>
-            </a:extLst>
-          </p:cNvPr>
-          <p:cNvPicPr>
-            <a:picLocks noChangeAspect="1"/>
-          </p:cNvPicPr>
-          <p:nvPr/>
-        </p:nvPicPr>
-        <p:blipFill>
-          <a:blip r:embed="rId3" cstate="print">
-            <a:extLst>
-              <a:ext uri="{28A0092B-C50C-407E-A947-70E740481C1C}">
-                <a14:useLocalDpi xmlns:a14="http://schemas.microsoft.com/office/drawing/2010/main" val="0"/>
-              </a:ext>
-            </a:extLst>
-          </a:blip>
-          <a:srcRect/>
-          <a:stretch>
-            <a:fillRect/>
-          </a:stretch>
-        </p:blipFill>
-        <p:spPr bwMode="auto">
-          <a:xfrm>
-            <a:off x="6231847" y="4224613"/>
-            <a:ext cx="4925740" cy="1935610"/>
-          </a:xfrm>
-          <a:prstGeom prst="rect">
-            <a:avLst/>
-          </a:prstGeom>
-          <a:noFill/>
-          <a:ln>
-            <a:noFill/>
-          </a:ln>
-        </p:spPr>
-      </p:pic>
+            <a:fld id="{FEDBE076-7370-4F39-B8CE-D2BB33626AF3}" type="slidenum">
+              <a:rPr lang="he-IL" smtClean="0"/>
+              <a:t>9</a:t>
+            </a:fld>
+            <a:endParaRPr lang="he-IL"/>
+          </a:p>
+        </p:txBody>
+      </p:sp>
     </p:spTree>
     <p:extLst>
       <p:ext uri="{BB962C8B-B14F-4D97-AF65-F5344CB8AC3E}">
-        <p14:creationId xmlns:p14="http://schemas.microsoft.com/office/powerpoint/2010/main" val="1705670930"/>
+        <p14:creationId xmlns:p14="http://schemas.microsoft.com/office/powerpoint/2010/main" val="4039894696"/>
       </p:ext>
     </p:extLst>
   </p:cSld>
@@ -13923,4 +16322,594 @@
     </a:ext>
   </a:extLst>
 </a:theme>
+</file>
+
+<file path=ppt/theme/theme2.xml><?xml version="1.0" encoding="utf-8"?>
+<a:theme xmlns:a="http://schemas.openxmlformats.org/drawingml/2006/main" name="ערכת נושא Office">
+  <a:themeElements>
+    <a:clrScheme name="Office">
+      <a:dk1>
+        <a:sysClr val="windowText" lastClr="000000"/>
+      </a:dk1>
+      <a:lt1>
+        <a:sysClr val="window" lastClr="FFFFFF"/>
+      </a:lt1>
+      <a:dk2>
+        <a:srgbClr val="44546A"/>
+      </a:dk2>
+      <a:lt2>
+        <a:srgbClr val="E7E6E6"/>
+      </a:lt2>
+      <a:accent1>
+        <a:srgbClr val="4472C4"/>
+      </a:accent1>
+      <a:accent2>
+        <a:srgbClr val="ED7D31"/>
+      </a:accent2>
+      <a:accent3>
+        <a:srgbClr val="A5A5A5"/>
+      </a:accent3>
+      <a:accent4>
+        <a:srgbClr val="FFC000"/>
+      </a:accent4>
+      <a:accent5>
+        <a:srgbClr val="5B9BD5"/>
+      </a:accent5>
+      <a:accent6>
+        <a:srgbClr val="70AD47"/>
+      </a:accent6>
+      <a:hlink>
+        <a:srgbClr val="0563C1"/>
+      </a:hlink>
+      <a:folHlink>
+        <a:srgbClr val="954F72"/>
+      </a:folHlink>
+    </a:clrScheme>
+    <a:fontScheme name="Office">
+      <a:majorFont>
+        <a:latin typeface="Calibri Light" panose="020F0302020204030204"/>
+        <a:ea typeface=""/>
+        <a:cs typeface=""/>
+        <a:font script="Jpan" typeface="游ゴシック Light"/>
+        <a:font script="Hang" typeface="맑은 고딕"/>
+        <a:font script="Hans" typeface="等线 Light"/>
+        <a:font script="Hant" typeface="新細明體"/>
+        <a:font script="Arab" typeface="Times New Roman"/>
+        <a:font script="Hebr" typeface="Times New Roman"/>
+        <a:font script="Thai" typeface="Angsana New"/>
+        <a:font script="Ethi" typeface="Nyala"/>
+        <a:font script="Beng" typeface="Vrinda"/>
+        <a:font script="Gujr" typeface="Shruti"/>
+        <a:font script="Khmr" typeface="MoolBoran"/>
+        <a:font script="Knda" typeface="Tunga"/>
+        <a:font script="Guru" typeface="Raavi"/>
+        <a:font script="Cans" typeface="Euphemia"/>
+        <a:font script="Cher" typeface="Plantagenet Cherokee"/>
+        <a:font script="Yiii" typeface="Microsoft Yi Baiti"/>
+        <a:font script="Tibt" typeface="Microsoft Himalaya"/>
+        <a:font script="Thaa" typeface="MV Boli"/>
+        <a:font script="Deva" typeface="Mangal"/>
+        <a:font script="Telu" typeface="Gautami"/>
+        <a:font script="Taml" typeface="Latha"/>
+        <a:font script="Syrc" typeface="Estrangelo Edessa"/>
+        <a:font script="Orya" typeface="Kalinga"/>
+        <a:font script="Mlym" typeface="Kartika"/>
+        <a:font script="Laoo" typeface="DokChampa"/>
+        <a:font script="Sinh" typeface="Iskoola Pota"/>
+        <a:font script="Mong" typeface="Mongolian Baiti"/>
+        <a:font script="Viet" typeface="Times New Roman"/>
+        <a:font script="Uigh" typeface="Microsoft Uighur"/>
+        <a:font script="Geor" typeface="Sylfaen"/>
+        <a:font script="Armn" typeface="Arial"/>
+        <a:font script="Bugi" typeface="Leelawadee UI"/>
+        <a:font script="Bopo" typeface="Microsoft JhengHei"/>
+        <a:font script="Java" typeface="Javanese Text"/>
+        <a:font script="Lisu" typeface="Segoe UI"/>
+        <a:font script="Mymr" typeface="Myanmar Text"/>
+        <a:font script="Nkoo" typeface="Ebrima"/>
+        <a:font script="Olck" typeface="Nirmala UI"/>
+        <a:font script="Osma" typeface="Ebrima"/>
+        <a:font script="Phag" typeface="Phagspa"/>
+        <a:font script="Syrn" typeface="Estrangelo Edessa"/>
+        <a:font script="Syrj" typeface="Estrangelo Edessa"/>
+        <a:font script="Syre" typeface="Estrangelo Edessa"/>
+        <a:font script="Sora" typeface="Nirmala UI"/>
+        <a:font script="Tale" typeface="Microsoft Tai Le"/>
+        <a:font script="Talu" typeface="Microsoft New Tai Lue"/>
+        <a:font script="Tfng" typeface="Ebrima"/>
+      </a:majorFont>
+      <a:minorFont>
+        <a:latin typeface="Calibri" panose="020F0502020204030204"/>
+        <a:ea typeface=""/>
+        <a:cs typeface=""/>
+        <a:font script="Jpan" typeface="游ゴシック"/>
+        <a:font script="Hang" typeface="맑은 고딕"/>
+        <a:font script="Hans" typeface="等线"/>
+        <a:font script="Hant" typeface="新細明體"/>
+        <a:font script="Arab" typeface="Arial"/>
+        <a:font script="Hebr" typeface="Arial"/>
+        <a:font script="Thai" typeface="Cordia New"/>
+        <a:font script="Ethi" typeface="Nyala"/>
+        <a:font script="Beng" typeface="Vrinda"/>
+        <a:font script="Gujr" typeface="Shruti"/>
+        <a:font script="Khmr" typeface="DaunPenh"/>
+        <a:font script="Knda" typeface="Tunga"/>
+        <a:font script="Guru" typeface="Raavi"/>
+        <a:font script="Cans" typeface="Euphemia"/>
+        <a:font script="Cher" typeface="Plantagenet Cherokee"/>
+        <a:font script="Yiii" typeface="Microsoft Yi Baiti"/>
+        <a:font script="Tibt" typeface="Microsoft Himalaya"/>
+        <a:font script="Thaa" typeface="MV Boli"/>
+        <a:font script="Deva" typeface="Mangal"/>
+        <a:font script="Telu" typeface="Gautami"/>
+        <a:font script="Taml" typeface="Latha"/>
+        <a:font script="Syrc" typeface="Estrangelo Edessa"/>
+        <a:font script="Orya" typeface="Kalinga"/>
+        <a:font script="Mlym" typeface="Kartika"/>
+        <a:font script="Laoo" typeface="DokChampa"/>
+        <a:font script="Sinh" typeface="Iskoola Pota"/>
+        <a:font script="Mong" typeface="Mongolian Baiti"/>
+        <a:font script="Viet" typeface="Arial"/>
+        <a:font script="Uigh" typeface="Microsoft Uighur"/>
+        <a:font script="Geor" typeface="Sylfaen"/>
+        <a:font script="Armn" typeface="Arial"/>
+        <a:font script="Bugi" typeface="Leelawadee UI"/>
+        <a:font script="Bopo" typeface="Microsoft JhengHei"/>
+        <a:font script="Java" typeface="Javanese Text"/>
+        <a:font script="Lisu" typeface="Segoe UI"/>
+        <a:font script="Mymr" typeface="Myanmar Text"/>
+        <a:font script="Nkoo" typeface="Ebrima"/>
+        <a:font script="Olck" typeface="Nirmala UI"/>
+        <a:font script="Osma" typeface="Ebrima"/>
+        <a:font script="Phag" typeface="Phagspa"/>
+        <a:font script="Syrn" typeface="Estrangelo Edessa"/>
+        <a:font script="Syrj" typeface="Estrangelo Edessa"/>
+        <a:font script="Syre" typeface="Estrangelo Edessa"/>
+        <a:font script="Sora" typeface="Nirmala UI"/>
+        <a:font script="Tale" typeface="Microsoft Tai Le"/>
+        <a:font script="Talu" typeface="Microsoft New Tai Lue"/>
+        <a:font script="Tfng" typeface="Ebrima"/>
+      </a:minorFont>
+    </a:fontScheme>
+    <a:fmtScheme name="Office">
+      <a:fillStyleLst>
+        <a:solidFill>
+          <a:schemeClr val="phClr"/>
+        </a:solidFill>
+        <a:gradFill rotWithShape="1">
+          <a:gsLst>
+            <a:gs pos="0">
+              <a:schemeClr val="phClr">
+                <a:lumMod val="110000"/>
+                <a:satMod val="105000"/>
+                <a:tint val="67000"/>
+              </a:schemeClr>
+            </a:gs>
+            <a:gs pos="50000">
+              <a:schemeClr val="phClr">
+                <a:lumMod val="105000"/>
+                <a:satMod val="103000"/>
+                <a:tint val="73000"/>
+              </a:schemeClr>
+            </a:gs>
+            <a:gs pos="100000">
+              <a:schemeClr val="phClr">
+                <a:lumMod val="105000"/>
+                <a:satMod val="109000"/>
+                <a:tint val="81000"/>
+              </a:schemeClr>
+            </a:gs>
+          </a:gsLst>
+          <a:lin ang="5400000" scaled="0"/>
+        </a:gradFill>
+        <a:gradFill rotWithShape="1">
+          <a:gsLst>
+            <a:gs pos="0">
+              <a:schemeClr val="phClr">
+                <a:satMod val="103000"/>
+                <a:lumMod val="102000"/>
+                <a:tint val="94000"/>
+              </a:schemeClr>
+            </a:gs>
+            <a:gs pos="50000">
+              <a:schemeClr val="phClr">
+                <a:satMod val="110000"/>
+                <a:lumMod val="100000"/>
+                <a:shade val="100000"/>
+              </a:schemeClr>
+            </a:gs>
+            <a:gs pos="100000">
+              <a:schemeClr val="phClr">
+                <a:lumMod val="99000"/>
+                <a:satMod val="120000"/>
+                <a:shade val="78000"/>
+              </a:schemeClr>
+            </a:gs>
+          </a:gsLst>
+          <a:lin ang="5400000" scaled="0"/>
+        </a:gradFill>
+      </a:fillStyleLst>
+      <a:lnStyleLst>
+        <a:ln w="6350" cap="flat" cmpd="sng" algn="ctr">
+          <a:solidFill>
+            <a:schemeClr val="phClr"/>
+          </a:solidFill>
+          <a:prstDash val="solid"/>
+          <a:miter lim="800000"/>
+        </a:ln>
+        <a:ln w="12700" cap="flat" cmpd="sng" algn="ctr">
+          <a:solidFill>
+            <a:schemeClr val="phClr"/>
+          </a:solidFill>
+          <a:prstDash val="solid"/>
+          <a:miter lim="800000"/>
+        </a:ln>
+        <a:ln w="19050" cap="flat" cmpd="sng" algn="ctr">
+          <a:solidFill>
+            <a:schemeClr val="phClr"/>
+          </a:solidFill>
+          <a:prstDash val="solid"/>
+          <a:miter lim="800000"/>
+        </a:ln>
+      </a:lnStyleLst>
+      <a:effectStyleLst>
+        <a:effectStyle>
+          <a:effectLst/>
+        </a:effectStyle>
+        <a:effectStyle>
+          <a:effectLst/>
+        </a:effectStyle>
+        <a:effectStyle>
+          <a:effectLst>
+            <a:outerShdw blurRad="57150" dist="19050" dir="5400000" algn="ctr" rotWithShape="0">
+              <a:srgbClr val="000000">
+                <a:alpha val="63000"/>
+              </a:srgbClr>
+            </a:outerShdw>
+          </a:effectLst>
+        </a:effectStyle>
+      </a:effectStyleLst>
+      <a:bgFillStyleLst>
+        <a:solidFill>
+          <a:schemeClr val="phClr"/>
+        </a:solidFill>
+        <a:solidFill>
+          <a:schemeClr val="phClr">
+            <a:tint val="95000"/>
+            <a:satMod val="170000"/>
+          </a:schemeClr>
+        </a:solidFill>
+        <a:gradFill rotWithShape="1">
+          <a:gsLst>
+            <a:gs pos="0">
+              <a:schemeClr val="phClr">
+                <a:tint val="93000"/>
+                <a:satMod val="150000"/>
+                <a:shade val="98000"/>
+                <a:lumMod val="102000"/>
+              </a:schemeClr>
+            </a:gs>
+            <a:gs pos="50000">
+              <a:schemeClr val="phClr">
+                <a:tint val="98000"/>
+                <a:satMod val="130000"/>
+                <a:shade val="90000"/>
+                <a:lumMod val="103000"/>
+              </a:schemeClr>
+            </a:gs>
+            <a:gs pos="100000">
+              <a:schemeClr val="phClr">
+                <a:shade val="63000"/>
+                <a:satMod val="120000"/>
+              </a:schemeClr>
+            </a:gs>
+          </a:gsLst>
+          <a:lin ang="5400000" scaled="0"/>
+        </a:gradFill>
+      </a:bgFillStyleLst>
+    </a:fmtScheme>
+  </a:themeElements>
+  <a:objectDefaults/>
+  <a:extraClrSchemeLst/>
+  <a:extLst>
+    <a:ext uri="{05A4C25C-085E-4340-85A3-A5531E510DB2}">
+      <thm15:themeFamily xmlns:thm15="http://schemas.microsoft.com/office/thememl/2012/main" name="Office Theme" id="{62F939B6-93AF-4DB8-9C6B-D6C7DFDC589F}" vid="{4A3C46E8-61CC-4603-A589-7422A47A8E4A}"/>
+    </a:ext>
+  </a:extLst>
+</a:theme>
+</file>
+
+<file path=ppt/theme/theme3.xml><?xml version="1.0" encoding="utf-8"?>
+<a:theme xmlns:a="http://schemas.openxmlformats.org/drawingml/2006/main" name="ערכת נושא Office">
+  <a:themeElements>
+    <a:clrScheme name="Office">
+      <a:dk1>
+        <a:sysClr val="windowText" lastClr="000000"/>
+      </a:dk1>
+      <a:lt1>
+        <a:sysClr val="window" lastClr="FFFFFF"/>
+      </a:lt1>
+      <a:dk2>
+        <a:srgbClr val="44546A"/>
+      </a:dk2>
+      <a:lt2>
+        <a:srgbClr val="E7E6E6"/>
+      </a:lt2>
+      <a:accent1>
+        <a:srgbClr val="4472C4"/>
+      </a:accent1>
+      <a:accent2>
+        <a:srgbClr val="ED7D31"/>
+      </a:accent2>
+      <a:accent3>
+        <a:srgbClr val="A5A5A5"/>
+      </a:accent3>
+      <a:accent4>
+        <a:srgbClr val="FFC000"/>
+      </a:accent4>
+      <a:accent5>
+        <a:srgbClr val="5B9BD5"/>
+      </a:accent5>
+      <a:accent6>
+        <a:srgbClr val="70AD47"/>
+      </a:accent6>
+      <a:hlink>
+        <a:srgbClr val="0563C1"/>
+      </a:hlink>
+      <a:folHlink>
+        <a:srgbClr val="954F72"/>
+      </a:folHlink>
+    </a:clrScheme>
+    <a:fontScheme name="Office">
+      <a:majorFont>
+        <a:latin typeface="Calibri Light" panose="020F0302020204030204"/>
+        <a:ea typeface=""/>
+        <a:cs typeface=""/>
+        <a:font script="Jpan" typeface="游ゴシック Light"/>
+        <a:font script="Hang" typeface="맑은 고딕"/>
+        <a:font script="Hans" typeface="等线 Light"/>
+        <a:font script="Hant" typeface="新細明體"/>
+        <a:font script="Arab" typeface="Times New Roman"/>
+        <a:font script="Hebr" typeface="Times New Roman"/>
+        <a:font script="Thai" typeface="Angsana New"/>
+        <a:font script="Ethi" typeface="Nyala"/>
+        <a:font script="Beng" typeface="Vrinda"/>
+        <a:font script="Gujr" typeface="Shruti"/>
+        <a:font script="Khmr" typeface="MoolBoran"/>
+        <a:font script="Knda" typeface="Tunga"/>
+        <a:font script="Guru" typeface="Raavi"/>
+        <a:font script="Cans" typeface="Euphemia"/>
+        <a:font script="Cher" typeface="Plantagenet Cherokee"/>
+        <a:font script="Yiii" typeface="Microsoft Yi Baiti"/>
+        <a:font script="Tibt" typeface="Microsoft Himalaya"/>
+        <a:font script="Thaa" typeface="MV Boli"/>
+        <a:font script="Deva" typeface="Mangal"/>
+        <a:font script="Telu" typeface="Gautami"/>
+        <a:font script="Taml" typeface="Latha"/>
+        <a:font script="Syrc" typeface="Estrangelo Edessa"/>
+        <a:font script="Orya" typeface="Kalinga"/>
+        <a:font script="Mlym" typeface="Kartika"/>
+        <a:font script="Laoo" typeface="DokChampa"/>
+        <a:font script="Sinh" typeface="Iskoola Pota"/>
+        <a:font script="Mong" typeface="Mongolian Baiti"/>
+        <a:font script="Viet" typeface="Times New Roman"/>
+        <a:font script="Uigh" typeface="Microsoft Uighur"/>
+        <a:font script="Geor" typeface="Sylfaen"/>
+        <a:font script="Armn" typeface="Arial"/>
+        <a:font script="Bugi" typeface="Leelawadee UI"/>
+        <a:font script="Bopo" typeface="Microsoft JhengHei"/>
+        <a:font script="Java" typeface="Javanese Text"/>
+        <a:font script="Lisu" typeface="Segoe UI"/>
+        <a:font script="Mymr" typeface="Myanmar Text"/>
+        <a:font script="Nkoo" typeface="Ebrima"/>
+        <a:font script="Olck" typeface="Nirmala UI"/>
+        <a:font script="Osma" typeface="Ebrima"/>
+        <a:font script="Phag" typeface="Phagspa"/>
+        <a:font script="Syrn" typeface="Estrangelo Edessa"/>
+        <a:font script="Syrj" typeface="Estrangelo Edessa"/>
+        <a:font script="Syre" typeface="Estrangelo Edessa"/>
+        <a:font script="Sora" typeface="Nirmala UI"/>
+        <a:font script="Tale" typeface="Microsoft Tai Le"/>
+        <a:font script="Talu" typeface="Microsoft New Tai Lue"/>
+        <a:font script="Tfng" typeface="Ebrima"/>
+      </a:majorFont>
+      <a:minorFont>
+        <a:latin typeface="Calibri" panose="020F0502020204030204"/>
+        <a:ea typeface=""/>
+        <a:cs typeface=""/>
+        <a:font script="Jpan" typeface="游ゴシック"/>
+        <a:font script="Hang" typeface="맑은 고딕"/>
+        <a:font script="Hans" typeface="等线"/>
+        <a:font script="Hant" typeface="新細明體"/>
+        <a:font script="Arab" typeface="Arial"/>
+        <a:font script="Hebr" typeface="Arial"/>
+        <a:font script="Thai" typeface="Cordia New"/>
+        <a:font script="Ethi" typeface="Nyala"/>
+        <a:font script="Beng" typeface="Vrinda"/>
+        <a:font script="Gujr" typeface="Shruti"/>
+        <a:font script="Khmr" typeface="DaunPenh"/>
+        <a:font script="Knda" typeface="Tunga"/>
+        <a:font script="Guru" typeface="Raavi"/>
+        <a:font script="Cans" typeface="Euphemia"/>
+        <a:font script="Cher" typeface="Plantagenet Cherokee"/>
+        <a:font script="Yiii" typeface="Microsoft Yi Baiti"/>
+        <a:font script="Tibt" typeface="Microsoft Himalaya"/>
+        <a:font script="Thaa" typeface="MV Boli"/>
+        <a:font script="Deva" typeface="Mangal"/>
+        <a:font script="Telu" typeface="Gautami"/>
+        <a:font script="Taml" typeface="Latha"/>
+        <a:font script="Syrc" typeface="Estrangelo Edessa"/>
+        <a:font script="Orya" typeface="Kalinga"/>
+        <a:font script="Mlym" typeface="Kartika"/>
+        <a:font script="Laoo" typeface="DokChampa"/>
+        <a:font script="Sinh" typeface="Iskoola Pota"/>
+        <a:font script="Mong" typeface="Mongolian Baiti"/>
+        <a:font script="Viet" typeface="Arial"/>
+        <a:font script="Uigh" typeface="Microsoft Uighur"/>
+        <a:font script="Geor" typeface="Sylfaen"/>
+        <a:font script="Armn" typeface="Arial"/>
+        <a:font script="Bugi" typeface="Leelawadee UI"/>
+        <a:font script="Bopo" typeface="Microsoft JhengHei"/>
+        <a:font script="Java" typeface="Javanese Text"/>
+        <a:font script="Lisu" typeface="Segoe UI"/>
+        <a:font script="Mymr" typeface="Myanmar Text"/>
+        <a:font script="Nkoo" typeface="Ebrima"/>
+        <a:font script="Olck" typeface="Nirmala UI"/>
+        <a:font script="Osma" typeface="Ebrima"/>
+        <a:font script="Phag" typeface="Phagspa"/>
+        <a:font script="Syrn" typeface="Estrangelo Edessa"/>
+        <a:font script="Syrj" typeface="Estrangelo Edessa"/>
+        <a:font script="Syre" typeface="Estrangelo Edessa"/>
+        <a:font script="Sora" typeface="Nirmala UI"/>
+        <a:font script="Tale" typeface="Microsoft Tai Le"/>
+        <a:font script="Talu" typeface="Microsoft New Tai Lue"/>
+        <a:font script="Tfng" typeface="Ebrima"/>
+      </a:minorFont>
+    </a:fontScheme>
+    <a:fmtScheme name="Office">
+      <a:fillStyleLst>
+        <a:solidFill>
+          <a:schemeClr val="phClr"/>
+        </a:solidFill>
+        <a:gradFill rotWithShape="1">
+          <a:gsLst>
+            <a:gs pos="0">
+              <a:schemeClr val="phClr">
+                <a:lumMod val="110000"/>
+                <a:satMod val="105000"/>
+                <a:tint val="67000"/>
+              </a:schemeClr>
+            </a:gs>
+            <a:gs pos="50000">
+              <a:schemeClr val="phClr">
+                <a:lumMod val="105000"/>
+                <a:satMod val="103000"/>
+                <a:tint val="73000"/>
+              </a:schemeClr>
+            </a:gs>
+            <a:gs pos="100000">
+              <a:schemeClr val="phClr">
+                <a:lumMod val="105000"/>
+                <a:satMod val="109000"/>
+                <a:tint val="81000"/>
+              </a:schemeClr>
+            </a:gs>
+          </a:gsLst>
+          <a:lin ang="5400000" scaled="0"/>
+        </a:gradFill>
+        <a:gradFill rotWithShape="1">
+          <a:gsLst>
+            <a:gs pos="0">
+              <a:schemeClr val="phClr">
+                <a:satMod val="103000"/>
+                <a:lumMod val="102000"/>
+                <a:tint val="94000"/>
+              </a:schemeClr>
+            </a:gs>
+            <a:gs pos="50000">
+              <a:schemeClr val="phClr">
+                <a:satMod val="110000"/>
+                <a:lumMod val="100000"/>
+                <a:shade val="100000"/>
+              </a:schemeClr>
+            </a:gs>
+            <a:gs pos="100000">
+              <a:schemeClr val="phClr">
+                <a:lumMod val="99000"/>
+                <a:satMod val="120000"/>
+                <a:shade val="78000"/>
+              </a:schemeClr>
+            </a:gs>
+          </a:gsLst>
+          <a:lin ang="5400000" scaled="0"/>
+        </a:gradFill>
+      </a:fillStyleLst>
+      <a:lnStyleLst>
+        <a:ln w="6350" cap="flat" cmpd="sng" algn="ctr">
+          <a:solidFill>
+            <a:schemeClr val="phClr"/>
+          </a:solidFill>
+          <a:prstDash val="solid"/>
+          <a:miter lim="800000"/>
+        </a:ln>
+        <a:ln w="12700" cap="flat" cmpd="sng" algn="ctr">
+          <a:solidFill>
+            <a:schemeClr val="phClr"/>
+          </a:solidFill>
+          <a:prstDash val="solid"/>
+          <a:miter lim="800000"/>
+        </a:ln>
+        <a:ln w="19050" cap="flat" cmpd="sng" algn="ctr">
+          <a:solidFill>
+            <a:schemeClr val="phClr"/>
+          </a:solidFill>
+          <a:prstDash val="solid"/>
+          <a:miter lim="800000"/>
+        </a:ln>
+      </a:lnStyleLst>
+      <a:effectStyleLst>
+        <a:effectStyle>
+          <a:effectLst/>
+        </a:effectStyle>
+        <a:effectStyle>
+          <a:effectLst/>
+        </a:effectStyle>
+        <a:effectStyle>
+          <a:effectLst>
+            <a:outerShdw blurRad="57150" dist="19050" dir="5400000" algn="ctr" rotWithShape="0">
+              <a:srgbClr val="000000">
+                <a:alpha val="63000"/>
+              </a:srgbClr>
+            </a:outerShdw>
+          </a:effectLst>
+        </a:effectStyle>
+      </a:effectStyleLst>
+      <a:bgFillStyleLst>
+        <a:solidFill>
+          <a:schemeClr val="phClr"/>
+        </a:solidFill>
+        <a:solidFill>
+          <a:schemeClr val="phClr">
+            <a:tint val="95000"/>
+            <a:satMod val="170000"/>
+          </a:schemeClr>
+        </a:solidFill>
+        <a:gradFill rotWithShape="1">
+          <a:gsLst>
+            <a:gs pos="0">
+              <a:schemeClr val="phClr">
+                <a:tint val="93000"/>
+                <a:satMod val="150000"/>
+                <a:shade val="98000"/>
+                <a:lumMod val="102000"/>
+              </a:schemeClr>
+            </a:gs>
+            <a:gs pos="50000">
+              <a:schemeClr val="phClr">
+                <a:tint val="98000"/>
+                <a:satMod val="130000"/>
+                <a:shade val="90000"/>
+                <a:lumMod val="103000"/>
+              </a:schemeClr>
+            </a:gs>
+            <a:gs pos="100000">
+              <a:schemeClr val="phClr">
+                <a:shade val="63000"/>
+                <a:satMod val="120000"/>
+              </a:schemeClr>
+            </a:gs>
+          </a:gsLst>
+          <a:lin ang="5400000" scaled="0"/>
+        </a:gradFill>
+      </a:bgFillStyleLst>
+    </a:fmtScheme>
+  </a:themeElements>
+  <a:objectDefaults/>
+  <a:extraClrSchemeLst/>
+  <a:extLst>
+    <a:ext uri="{05A4C25C-085E-4340-85A3-A5531E510DB2}">
+      <thm15:themeFamily xmlns:thm15="http://schemas.microsoft.com/office/thememl/2012/main" name="Office Theme" id="{62F939B6-93AF-4DB8-9C6B-D6C7DFDC589F}" vid="{4A3C46E8-61CC-4603-A589-7422A47A8E4A}"/>
+    </a:ext>
+  </a:extLst>
+</a:theme>
 </file>
--- a/capstone project phase A.pptx
+++ b/capstone project phase A.pptx
@@ -5,10 +5,10 @@
     <p:sldMasterId id="2147483708" r:id="rId1"/>
   </p:sldMasterIdLst>
   <p:notesMasterIdLst>
-    <p:notesMasterId r:id="rId21"/>
+    <p:notesMasterId r:id="rId20"/>
   </p:notesMasterIdLst>
   <p:handoutMasterIdLst>
-    <p:handoutMasterId r:id="rId22"/>
+    <p:handoutMasterId r:id="rId21"/>
   </p:handoutMasterIdLst>
   <p:sldIdLst>
     <p:sldId id="259" r:id="rId2"/>
@@ -19,17 +19,16 @@
     <p:sldId id="277" r:id="rId7"/>
     <p:sldId id="263" r:id="rId8"/>
     <p:sldId id="264" r:id="rId9"/>
-    <p:sldId id="265" r:id="rId10"/>
-    <p:sldId id="267" r:id="rId11"/>
-    <p:sldId id="268" r:id="rId12"/>
-    <p:sldId id="272" r:id="rId13"/>
-    <p:sldId id="278" r:id="rId14"/>
-    <p:sldId id="271" r:id="rId15"/>
-    <p:sldId id="279" r:id="rId16"/>
-    <p:sldId id="276" r:id="rId17"/>
-    <p:sldId id="273" r:id="rId18"/>
-    <p:sldId id="274" r:id="rId19"/>
-    <p:sldId id="275" r:id="rId20"/>
+    <p:sldId id="267" r:id="rId10"/>
+    <p:sldId id="268" r:id="rId11"/>
+    <p:sldId id="272" r:id="rId12"/>
+    <p:sldId id="278" r:id="rId13"/>
+    <p:sldId id="271" r:id="rId14"/>
+    <p:sldId id="279" r:id="rId15"/>
+    <p:sldId id="276" r:id="rId16"/>
+    <p:sldId id="273" r:id="rId17"/>
+    <p:sldId id="274" r:id="rId18"/>
+    <p:sldId id="275" r:id="rId19"/>
   </p:sldIdLst>
   <p:sldSz cx="12192000" cy="6858000"/>
   <p:notesSz cx="6858000" cy="9144000"/>
@@ -230,7 +229,7 @@
           <a:p>
             <a:fld id="{1B09FBF7-821B-46D9-A9CC-2AA9EB732F83}" type="datetimeFigureOut">
               <a:rPr lang="he-IL" smtClean="0"/>
-              <a:t>כ'/טבת/תשפ"ג</a:t>
+              <a:t>כ"א/טבת/תשפ"ג</a:t>
             </a:fld>
             <a:endParaRPr lang="he-IL"/>
           </a:p>
@@ -408,7 +407,7 @@
           <a:p>
             <a:fld id="{BA9A9A6A-E7C7-479C-A1C1-73E20B5013D8}" type="datetimeFigureOut">
               <a:rPr lang="he-IL" smtClean="0"/>
-              <a:t>כ'/טבת/תשפ"ג</a:t>
+              <a:t>כ"א/טבת/תשפ"ג</a:t>
             </a:fld>
             <a:endParaRPr lang="he-IL"/>
           </a:p>
@@ -674,6 +673,90 @@
     </a:lvl9pPr>
   </p:notesStyle>
 </p:notesMaster>
+</file>
+
+<file path=ppt/notesSlides/notesSlide1.xml><?xml version="1.0" encoding="utf-8"?>
+<p:notes xmlns:a="http://schemas.openxmlformats.org/drawingml/2006/main" xmlns:r="http://schemas.openxmlformats.org/officeDocument/2006/relationships" xmlns:p="http://schemas.openxmlformats.org/presentationml/2006/main">
+  <p:cSld>
+    <p:spTree>
+      <p:nvGrpSpPr>
+        <p:cNvPr id="1" name=""/>
+        <p:cNvGrpSpPr/>
+        <p:nvPr/>
+      </p:nvGrpSpPr>
+      <p:grpSpPr>
+        <a:xfrm>
+          <a:off x="0" y="0"/>
+          <a:ext cx="0" cy="0"/>
+          <a:chOff x="0" y="0"/>
+          <a:chExt cx="0" cy="0"/>
+        </a:xfrm>
+      </p:grpSpPr>
+      <p:sp>
+        <p:nvSpPr>
+          <p:cNvPr id="2" name="Slide Image Placeholder 1"/>
+          <p:cNvSpPr>
+            <a:spLocks noGrp="1" noRot="1" noChangeAspect="1"/>
+          </p:cNvSpPr>
+          <p:nvPr>
+            <p:ph type="sldImg"/>
+          </p:nvPr>
+        </p:nvSpPr>
+        <p:spPr/>
+      </p:sp>
+      <p:sp>
+        <p:nvSpPr>
+          <p:cNvPr id="3" name="Notes Placeholder 2"/>
+          <p:cNvSpPr>
+            <a:spLocks noGrp="1"/>
+          </p:cNvSpPr>
+          <p:nvPr>
+            <p:ph type="body" idx="1"/>
+          </p:nvPr>
+        </p:nvSpPr>
+        <p:spPr/>
+        <p:txBody>
+          <a:bodyPr/>
+          <a:lstStyle/>
+          <a:p>
+            <a:endParaRPr lang="he-IL"/>
+          </a:p>
+        </p:txBody>
+      </p:sp>
+      <p:sp>
+        <p:nvSpPr>
+          <p:cNvPr id="4" name="Slide Number Placeholder 3"/>
+          <p:cNvSpPr>
+            <a:spLocks noGrp="1"/>
+          </p:cNvSpPr>
+          <p:nvPr>
+            <p:ph type="sldNum" sz="quarter" idx="5"/>
+          </p:nvPr>
+        </p:nvSpPr>
+        <p:spPr/>
+        <p:txBody>
+          <a:bodyPr/>
+          <a:lstStyle/>
+          <a:p>
+            <a:fld id="{398D4DB8-10DC-431A-A77D-587759D9D9E5}" type="slidenum">
+              <a:rPr lang="he-IL" smtClean="0"/>
+              <a:t>2</a:t>
+            </a:fld>
+            <a:endParaRPr lang="he-IL"/>
+          </a:p>
+        </p:txBody>
+      </p:sp>
+    </p:spTree>
+    <p:extLst>
+      <p:ext uri="{BB962C8B-B14F-4D97-AF65-F5344CB8AC3E}">
+        <p14:creationId xmlns:p14="http://schemas.microsoft.com/office/powerpoint/2010/main" val="1778811442"/>
+      </p:ext>
+    </p:extLst>
+  </p:cSld>
+  <p:clrMapOvr>
+    <a:masterClrMapping/>
+  </p:clrMapOvr>
+</p:notes>
 </file>
 
 <file path=ppt/slideLayouts/slideLayout1.xml><?xml version="1.0" encoding="utf-8"?>
@@ -1398,7 +1481,7 @@
           <a:p>
             <a:fld id="{BC4B8964-0C60-42F0-8A7B-39789F9CAB98}" type="datetime8">
               <a:rPr lang="he-IL" smtClean="0"/>
-              <a:t>13 ינואר 23</a:t>
+              <a:t>14 ינואר 23</a:t>
             </a:fld>
             <a:endParaRPr lang="he-IL"/>
           </a:p>
@@ -1649,7 +1732,7 @@
           <a:p>
             <a:fld id="{44492D5F-5C5A-4427-A4A4-F7086FB0D825}" type="datetime8">
               <a:rPr lang="he-IL" smtClean="0"/>
-              <a:t>13 ינואר 23</a:t>
+              <a:t>14 ינואר 23</a:t>
             </a:fld>
             <a:endParaRPr lang="he-IL"/>
           </a:p>
@@ -1963,7 +2046,7 @@
           <a:p>
             <a:fld id="{2F3682EE-130E-4230-AB1E-CAE76CFF0C5F}" type="datetime8">
               <a:rPr lang="he-IL" smtClean="0"/>
-              <a:t>13 ינואר 23</a:t>
+              <a:t>14 ינואר 23</a:t>
             </a:fld>
             <a:endParaRPr lang="he-IL"/>
           </a:p>
@@ -2304,7 +2387,7 @@
           <a:p>
             <a:fld id="{5124BDF2-CCB8-42F8-9C06-6D4E7BD012F8}" type="datetime8">
               <a:rPr lang="he-IL" smtClean="0"/>
-              <a:t>13 ינואר 23</a:t>
+              <a:t>14 ינואר 23</a:t>
             </a:fld>
             <a:endParaRPr lang="he-IL"/>
           </a:p>
@@ -2618,7 +2701,7 @@
           <a:p>
             <a:fld id="{B6002D6A-E79A-4FA0-941C-54C7EBE39EDF}" type="datetime8">
               <a:rPr lang="he-IL" smtClean="0"/>
-              <a:t>13 ינואר 23</a:t>
+              <a:t>14 ינואר 23</a:t>
             </a:fld>
             <a:endParaRPr lang="he-IL"/>
           </a:p>
@@ -3011,7 +3094,7 @@
           <a:p>
             <a:fld id="{A564A717-DCE1-439A-9B67-7D7188204F6F}" type="datetime8">
               <a:rPr lang="he-IL" smtClean="0"/>
-              <a:t>13 ינואר 23</a:t>
+              <a:t>14 ינואר 23</a:t>
             </a:fld>
             <a:endParaRPr lang="he-IL"/>
           </a:p>
@@ -3181,7 +3264,7 @@
           <a:p>
             <a:fld id="{4478F9B6-294E-4621-AF80-B31B71B8B72B}" type="datetime8">
               <a:rPr lang="he-IL" smtClean="0"/>
-              <a:t>13 ינואר 23</a:t>
+              <a:t>14 ינואר 23</a:t>
             </a:fld>
             <a:endParaRPr lang="he-IL"/>
           </a:p>
@@ -3361,7 +3444,7 @@
           <a:p>
             <a:fld id="{A01D7BAB-3B1F-4321-BAE3-D9738DD3E45D}" type="datetime8">
               <a:rPr lang="he-IL" smtClean="0"/>
-              <a:t>13 ינואר 23</a:t>
+              <a:t>14 ינואר 23</a:t>
             </a:fld>
             <a:endParaRPr lang="he-IL"/>
           </a:p>
@@ -3537,7 +3620,7 @@
           <a:p>
             <a:fld id="{49A70225-B891-41BC-B1EB-C74B0A90B821}" type="datetime8">
               <a:rPr lang="he-IL" smtClean="0"/>
-              <a:t>13 ינואר 23</a:t>
+              <a:t>14 ינואר 23</a:t>
             </a:fld>
             <a:endParaRPr lang="he-IL"/>
           </a:p>
@@ -3784,7 +3867,7 @@
           <a:p>
             <a:fld id="{68354EA6-AE6A-40B6-9859-42518146A42A}" type="datetime8">
               <a:rPr lang="he-IL" smtClean="0"/>
-              <a:t>13 ינואר 23</a:t>
+              <a:t>14 ינואר 23</a:t>
             </a:fld>
             <a:endParaRPr lang="he-IL"/>
           </a:p>
@@ -4016,7 +4099,7 @@
           <a:p>
             <a:fld id="{1BC7F4CD-58D3-4335-B5D5-C38391E20D3C}" type="datetime8">
               <a:rPr lang="he-IL" smtClean="0"/>
-              <a:t>13 ינואר 23</a:t>
+              <a:t>14 ינואר 23</a:t>
             </a:fld>
             <a:endParaRPr lang="he-IL"/>
           </a:p>
@@ -4390,7 +4473,7 @@
           <a:p>
             <a:fld id="{61465D9B-820F-435A-B19E-D10F7B776F41}" type="datetime8">
               <a:rPr lang="he-IL" smtClean="0"/>
-              <a:t>13 ינואר 23</a:t>
+              <a:t>14 ינואר 23</a:t>
             </a:fld>
             <a:endParaRPr lang="he-IL"/>
           </a:p>
@@ -4513,7 +4596,7 @@
           <a:p>
             <a:fld id="{F35B8C53-FDF9-43B8-816B-448B03198626}" type="datetime8">
               <a:rPr lang="he-IL" smtClean="0"/>
-              <a:t>13 ינואר 23</a:t>
+              <a:t>14 ינואר 23</a:t>
             </a:fld>
             <a:endParaRPr lang="he-IL"/>
           </a:p>
@@ -4608,7 +4691,7 @@
           <a:p>
             <a:fld id="{EF2DC438-7C71-453E-A629-9248B1F5CE1F}" type="datetime8">
               <a:rPr lang="he-IL" smtClean="0"/>
-              <a:t>13 ינואר 23</a:t>
+              <a:t>14 ינואר 23</a:t>
             </a:fld>
             <a:endParaRPr lang="he-IL"/>
           </a:p>
@@ -4863,7 +4946,7 @@
           <a:p>
             <a:fld id="{0BD847BE-56B8-411B-A53F-42E7F389BB4A}" type="datetime8">
               <a:rPr lang="he-IL" smtClean="0"/>
-              <a:t>13 ינואר 23</a:t>
+              <a:t>14 ינואר 23</a:t>
             </a:fld>
             <a:endParaRPr lang="he-IL"/>
           </a:p>
@@ -5126,7 +5209,7 @@
           <a:p>
             <a:fld id="{FF59ECC8-B340-430C-BECB-9DB381B79EEB}" type="datetime8">
               <a:rPr lang="he-IL" smtClean="0"/>
-              <a:t>13 ינואר 23</a:t>
+              <a:t>14 ינואר 23</a:t>
             </a:fld>
             <a:endParaRPr lang="he-IL"/>
           </a:p>
@@ -5869,7 +5952,7 @@
           <a:p>
             <a:fld id="{E6DCC100-7695-42DC-BE2A-28A81F3C7902}" type="datetime8">
               <a:rPr lang="he-IL" smtClean="0"/>
-              <a:t>13 ינואר 23</a:t>
+              <a:t>14 ינואר 23</a:t>
             </a:fld>
             <a:endParaRPr lang="he-IL"/>
           </a:p>
@@ -6745,7 +6828,7 @@
         </p:nvSpPr>
         <p:spPr>
           <a:xfrm>
-            <a:off x="10666063" y="6051195"/>
+            <a:off x="11007732" y="6508358"/>
             <a:ext cx="683339" cy="365125"/>
           </a:xfrm>
         </p:spPr>
@@ -6754,10 +6837,16 @@
           <a:lstStyle/>
           <a:p>
             <a:fld id="{FEDBE076-7370-4F39-B8CE-D2BB33626AF3}" type="slidenum">
-              <a:rPr lang="he-IL" smtClean="0"/>
+              <a:rPr lang="he-IL" sz="1200" smtClean="0">
+                <a:latin typeface="Arial" panose="020B0604020202020204" pitchFamily="34" charset="0"/>
+                <a:cs typeface="Arial" panose="020B0604020202020204" pitchFamily="34" charset="0"/>
+              </a:rPr>
               <a:t>1</a:t>
             </a:fld>
-            <a:endParaRPr lang="he-IL" dirty="0"/>
+            <a:endParaRPr lang="he-IL" sz="1000" dirty="0">
+              <a:latin typeface="Arial" panose="020B0604020202020204" pitchFamily="34" charset="0"/>
+              <a:cs typeface="Arial" panose="020B0604020202020204" pitchFamily="34" charset="0"/>
+            </a:endParaRPr>
           </a:p>
         </p:txBody>
       </p:sp>
@@ -6991,8 +7080,8 @@
         </p:nvSpPr>
         <p:spPr>
           <a:xfrm>
-            <a:off x="1063496" y="1496180"/>
-            <a:ext cx="10273124" cy="2200058"/>
+            <a:off x="1092368" y="310979"/>
+            <a:ext cx="10333996" cy="3340181"/>
           </a:xfrm>
           <a:prstGeom prst="rect">
             <a:avLst/>
@@ -7242,18 +7331,17 @@
                 <a:latin typeface="Arial" panose="020B0604020202020204" pitchFamily="34" charset="0"/>
                 <a:cs typeface="Arial" panose="020B0604020202020204" pitchFamily="34" charset="0"/>
               </a:rPr>
-              <a:t>The inception network which was introduced as </a:t>
-            </a:r>
-            <a:r>
-              <a:rPr lang="en-US" sz="2000" dirty="0" err="1">
+              <a:t>Inception v3 is also introduced in the same paper with v2 and is a variation of v2 with batch normalization on the auxiliary classifiers and not just on convolutions.</a:t>
+            </a:r>
+            <a:br>
+              <a:rPr lang="en-US" sz="2000" dirty="0">
                 <a:solidFill>
                   <a:schemeClr val="tx1"/>
                 </a:solidFill>
                 <a:latin typeface="Arial" panose="020B0604020202020204" pitchFamily="34" charset="0"/>
                 <a:cs typeface="Arial" panose="020B0604020202020204" pitchFamily="34" charset="0"/>
               </a:rPr>
-              <a:t>Googlenet</a:t>
-            </a:r>
+            </a:br>
             <a:r>
               <a:rPr lang="en-US" sz="2000" dirty="0">
                 <a:solidFill>
@@ -7262,7 +7350,45 @@
                 <a:latin typeface="Arial" panose="020B0604020202020204" pitchFamily="34" charset="0"/>
                 <a:cs typeface="Arial" panose="020B0604020202020204" pitchFamily="34" charset="0"/>
               </a:rPr>
-              <a:t> in 2014 takes a new approach to deep layers models where before different types of convolutions and pooling layers were stacked upon each other but now in an inception module we combine within the same layer different convolutions and a pooling operation which all produces at the layer level an output with same dimensions only different depths which are than concatenated  as an output of the layer and passed on unto the next.</a:t>
+              <a:t>the Inception architecture is highly tunable, meaning that there are a lot of possible changes to the number of filters in the various layers that do not affect the quality of the fully trained network.</a:t>
+            </a:r>
+            <a:br>
+              <a:rPr lang="en-US" sz="2000" dirty="0">
+                <a:solidFill>
+                  <a:schemeClr val="tx1"/>
+                </a:solidFill>
+                <a:latin typeface="Arial" panose="020B0604020202020204" pitchFamily="34" charset="0"/>
+                <a:cs typeface="Arial" panose="020B0604020202020204" pitchFamily="34" charset="0"/>
+              </a:rPr>
+            </a:br>
+            <a:r>
+              <a:rPr lang="en-US" sz="2000" dirty="0">
+                <a:solidFill>
+                  <a:schemeClr val="tx1"/>
+                </a:solidFill>
+                <a:latin typeface="Arial" panose="020B0604020202020204" pitchFamily="34" charset="0"/>
+                <a:cs typeface="Arial" panose="020B0604020202020204" pitchFamily="34" charset="0"/>
+              </a:rPr>
+              <a:t>inception v4 is an updated version of inception which made use of advancements and newer tools from when v3 was published.</a:t>
+            </a:r>
+            <a:br>
+              <a:rPr lang="en-US" sz="2000" dirty="0">
+                <a:solidFill>
+                  <a:schemeClr val="tx1"/>
+                </a:solidFill>
+                <a:latin typeface="Arial" panose="020B0604020202020204" pitchFamily="34" charset="0"/>
+                <a:cs typeface="Arial" panose="020B0604020202020204" pitchFamily="34" charset="0"/>
+              </a:rPr>
+            </a:br>
+            <a:r>
+              <a:rPr lang="en-US" sz="2000" dirty="0">
+                <a:solidFill>
+                  <a:schemeClr val="tx1"/>
+                </a:solidFill>
+                <a:latin typeface="Arial" panose="020B0604020202020204" pitchFamily="34" charset="0"/>
+                <a:cs typeface="Arial" panose="020B0604020202020204" pitchFamily="34" charset="0"/>
+              </a:rPr>
+              <a:t>researchers note not simplifying earlier choices in the architecture resulted in networks that looked more complicated than they needed to be and made changes </a:t>
             </a:r>
           </a:p>
           <a:p>
@@ -7280,62 +7406,21 @@
           </a:p>
         </p:txBody>
       </p:sp>
-      <p:sp>
-        <p:nvSpPr>
-          <p:cNvPr id="2" name="כותרת 1">
+      <p:pic>
+        <p:nvPicPr>
+          <p:cNvPr id="3" name="מציין מיקום תוכן 3">
             <a:extLst>
               <a:ext uri="{FF2B5EF4-FFF2-40B4-BE49-F238E27FC236}">
-                <a16:creationId xmlns:a16="http://schemas.microsoft.com/office/drawing/2014/main" id="{4A834D02-D58D-B4E3-F567-967483BA00F8}"/>
-              </a:ext>
-            </a:extLst>
-          </p:cNvPr>
-          <p:cNvSpPr>
-            <a:spLocks noGrp="1"/>
-          </p:cNvSpPr>
-          <p:nvPr>
-            <p:ph type="title"/>
-          </p:nvPr>
-        </p:nvSpPr>
-        <p:spPr>
-          <a:xfrm>
-            <a:off x="1681231" y="407466"/>
-            <a:ext cx="8596668" cy="1177085"/>
-          </a:xfrm>
-        </p:spPr>
-        <p:txBody>
-          <a:bodyPr>
-            <a:normAutofit/>
-          </a:bodyPr>
-          <a:lstStyle/>
-          <a:p>
-            <a:pPr algn="ctr" rtl="0"/>
-            <a:r>
-              <a:rPr lang="en-US" sz="4000" dirty="0">
-                <a:latin typeface="Arial" panose="020B0604020202020204" pitchFamily="34" charset="0"/>
-                <a:cs typeface="Arial" panose="020B0604020202020204" pitchFamily="34" charset="0"/>
-              </a:rPr>
-              <a:t>Inception V4</a:t>
-            </a:r>
-            <a:endParaRPr lang="he-IL" sz="4000" dirty="0">
-              <a:latin typeface="Arial" panose="020B0604020202020204" pitchFamily="34" charset="0"/>
-              <a:cs typeface="Arial" panose="020B0604020202020204" pitchFamily="34" charset="0"/>
-            </a:endParaRPr>
-          </a:p>
-        </p:txBody>
-      </p:sp>
-      <p:pic>
-        <p:nvPicPr>
-          <p:cNvPr id="7" name="תמונה 3">
-            <a:extLst>
-              <a:ext uri="{FF2B5EF4-FFF2-40B4-BE49-F238E27FC236}">
-                <a16:creationId xmlns:a16="http://schemas.microsoft.com/office/drawing/2014/main" id="{75F36A9B-487A-03BB-B9F3-74178B948A20}"/>
+                <a16:creationId xmlns:a16="http://schemas.microsoft.com/office/drawing/2014/main" id="{5CA90DAF-8ECA-48B2-381C-3CE976BAACE4}"/>
               </a:ext>
             </a:extLst>
           </p:cNvPr>
           <p:cNvPicPr>
-            <a:picLocks noChangeAspect="1"/>
+            <a:picLocks noGrp="1" noChangeAspect="1"/>
           </p:cNvPicPr>
-          <p:nvPr/>
+          <p:nvPr>
+            <p:ph idx="1"/>
+          </p:nvPr>
         </p:nvPicPr>
         <p:blipFill>
           <a:blip r:embed="rId2"/>
@@ -7345,88 +7430,154 @@
         </p:blipFill>
         <p:spPr>
           <a:xfrm>
-            <a:off x="1170261" y="3621808"/>
-            <a:ext cx="4925739" cy="2792321"/>
+            <a:off x="4551340" y="3215048"/>
+            <a:ext cx="2544919" cy="3533548"/>
           </a:xfrm>
           <a:prstGeom prst="rect">
             <a:avLst/>
           </a:prstGeom>
         </p:spPr>
       </p:pic>
-      <p:pic>
-        <p:nvPicPr>
-          <p:cNvPr id="8" name="תמונה 4">
+      <p:sp>
+        <p:nvSpPr>
+          <p:cNvPr id="4" name="מציין מיקום של מספר שקופית 1">
             <a:extLst>
               <a:ext uri="{FF2B5EF4-FFF2-40B4-BE49-F238E27FC236}">
-                <a16:creationId xmlns:a16="http://schemas.microsoft.com/office/drawing/2014/main" id="{332A766A-4017-982F-6300-1E432CDC12D6}"/>
+                <a16:creationId xmlns:a16="http://schemas.microsoft.com/office/drawing/2014/main" id="{3BC6E009-71C6-4A3E-0A77-394F6846E564}"/>
               </a:ext>
             </a:extLst>
           </p:cNvPr>
-          <p:cNvPicPr>
-            <a:picLocks noChangeAspect="1"/>
-          </p:cNvPicPr>
+          <p:cNvSpPr txBox="1">
+            <a:spLocks/>
+          </p:cNvSpPr>
           <p:nvPr/>
-        </p:nvPicPr>
-        <p:blipFill>
-          <a:blip r:embed="rId3" cstate="print">
-            <a:extLst>
-              <a:ext uri="{28A0092B-C50C-407E-A947-70E740481C1C}">
-                <a14:useLocalDpi xmlns:a14="http://schemas.microsoft.com/office/drawing/2010/main" val="0"/>
-              </a:ext>
-            </a:extLst>
-          </a:blip>
-          <a:srcRect/>
-          <a:stretch>
-            <a:fillRect/>
-          </a:stretch>
-        </p:blipFill>
-        <p:spPr bwMode="auto">
+        </p:nvSpPr>
+        <p:spPr>
           <a:xfrm>
-            <a:off x="6231847" y="4224613"/>
-            <a:ext cx="4925740" cy="1935610"/>
+            <a:off x="11059928" y="6492875"/>
+            <a:ext cx="683339" cy="365125"/>
           </a:xfrm>
           <a:prstGeom prst="rect">
             <a:avLst/>
           </a:prstGeom>
-          <a:noFill/>
-          <a:ln>
-            <a:noFill/>
-          </a:ln>
         </p:spPr>
-      </p:pic>
-      <p:sp>
-        <p:nvSpPr>
-          <p:cNvPr id="3" name="מציין מיקום של מספר שקופית 2">
-            <a:extLst>
-              <a:ext uri="{FF2B5EF4-FFF2-40B4-BE49-F238E27FC236}">
-                <a16:creationId xmlns:a16="http://schemas.microsoft.com/office/drawing/2014/main" id="{3907D8F0-E39C-5EB7-AD42-F91E45BA6DD6}"/>
-              </a:ext>
-            </a:extLst>
-          </p:cNvPr>
-          <p:cNvSpPr>
-            <a:spLocks noGrp="1"/>
-          </p:cNvSpPr>
-          <p:nvPr>
-            <p:ph type="sldNum" sz="quarter" idx="12"/>
-          </p:nvPr>
-        </p:nvSpPr>
-        <p:spPr/>
         <p:txBody>
-          <a:bodyPr/>
-          <a:lstStyle/>
+          <a:bodyPr vert="horz" lIns="91440" tIns="45720" rIns="91440" bIns="45720" rtlCol="0" anchor="ctr"/>
+          <a:lstStyle>
+            <a:defPPr>
+              <a:defRPr lang="en-US"/>
+            </a:defPPr>
+            <a:lvl1pPr marL="0" algn="r" defTabSz="457200" rtl="0" eaLnBrk="1" latinLnBrk="0" hangingPunct="1">
+              <a:defRPr sz="900" kern="1200">
+                <a:solidFill>
+                  <a:schemeClr val="accent1"/>
+                </a:solidFill>
+                <a:latin typeface="+mn-lt"/>
+                <a:ea typeface="+mn-ea"/>
+                <a:cs typeface="+mn-cs"/>
+              </a:defRPr>
+            </a:lvl1pPr>
+            <a:lvl2pPr marL="457200" algn="l" defTabSz="457200" rtl="0" eaLnBrk="1" latinLnBrk="0" hangingPunct="1">
+              <a:defRPr sz="1800" kern="1200">
+                <a:solidFill>
+                  <a:schemeClr val="tx1"/>
+                </a:solidFill>
+                <a:latin typeface="+mn-lt"/>
+                <a:ea typeface="+mn-ea"/>
+                <a:cs typeface="+mn-cs"/>
+              </a:defRPr>
+            </a:lvl2pPr>
+            <a:lvl3pPr marL="914400" algn="l" defTabSz="457200" rtl="0" eaLnBrk="1" latinLnBrk="0" hangingPunct="1">
+              <a:defRPr sz="1800" kern="1200">
+                <a:solidFill>
+                  <a:schemeClr val="tx1"/>
+                </a:solidFill>
+                <a:latin typeface="+mn-lt"/>
+                <a:ea typeface="+mn-ea"/>
+                <a:cs typeface="+mn-cs"/>
+              </a:defRPr>
+            </a:lvl3pPr>
+            <a:lvl4pPr marL="1371600" algn="l" defTabSz="457200" rtl="0" eaLnBrk="1" latinLnBrk="0" hangingPunct="1">
+              <a:defRPr sz="1800" kern="1200">
+                <a:solidFill>
+                  <a:schemeClr val="tx1"/>
+                </a:solidFill>
+                <a:latin typeface="+mn-lt"/>
+                <a:ea typeface="+mn-ea"/>
+                <a:cs typeface="+mn-cs"/>
+              </a:defRPr>
+            </a:lvl4pPr>
+            <a:lvl5pPr marL="1828800" algn="l" defTabSz="457200" rtl="0" eaLnBrk="1" latinLnBrk="0" hangingPunct="1">
+              <a:defRPr sz="1800" kern="1200">
+                <a:solidFill>
+                  <a:schemeClr val="tx1"/>
+                </a:solidFill>
+                <a:latin typeface="+mn-lt"/>
+                <a:ea typeface="+mn-ea"/>
+                <a:cs typeface="+mn-cs"/>
+              </a:defRPr>
+            </a:lvl5pPr>
+            <a:lvl6pPr marL="2286000" algn="l" defTabSz="457200" rtl="0" eaLnBrk="1" latinLnBrk="0" hangingPunct="1">
+              <a:defRPr sz="1800" kern="1200">
+                <a:solidFill>
+                  <a:schemeClr val="tx1"/>
+                </a:solidFill>
+                <a:latin typeface="+mn-lt"/>
+                <a:ea typeface="+mn-ea"/>
+                <a:cs typeface="+mn-cs"/>
+              </a:defRPr>
+            </a:lvl6pPr>
+            <a:lvl7pPr marL="2743200" algn="l" defTabSz="457200" rtl="0" eaLnBrk="1" latinLnBrk="0" hangingPunct="1">
+              <a:defRPr sz="1800" kern="1200">
+                <a:solidFill>
+                  <a:schemeClr val="tx1"/>
+                </a:solidFill>
+                <a:latin typeface="+mn-lt"/>
+                <a:ea typeface="+mn-ea"/>
+                <a:cs typeface="+mn-cs"/>
+              </a:defRPr>
+            </a:lvl7pPr>
+            <a:lvl8pPr marL="3200400" algn="l" defTabSz="457200" rtl="0" eaLnBrk="1" latinLnBrk="0" hangingPunct="1">
+              <a:defRPr sz="1800" kern="1200">
+                <a:solidFill>
+                  <a:schemeClr val="tx1"/>
+                </a:solidFill>
+                <a:latin typeface="+mn-lt"/>
+                <a:ea typeface="+mn-ea"/>
+                <a:cs typeface="+mn-cs"/>
+              </a:defRPr>
+            </a:lvl8pPr>
+            <a:lvl9pPr marL="3657600" algn="l" defTabSz="457200" rtl="0" eaLnBrk="1" latinLnBrk="0" hangingPunct="1">
+              <a:defRPr sz="1800" kern="1200">
+                <a:solidFill>
+                  <a:schemeClr val="tx1"/>
+                </a:solidFill>
+                <a:latin typeface="+mn-lt"/>
+                <a:ea typeface="+mn-ea"/>
+                <a:cs typeface="+mn-cs"/>
+              </a:defRPr>
+            </a:lvl9pPr>
+          </a:lstStyle>
           <a:p>
             <a:fld id="{FEDBE076-7370-4F39-B8CE-D2BB33626AF3}" type="slidenum">
-              <a:rPr lang="he-IL" smtClean="0"/>
+              <a:rPr lang="he-IL" sz="1200" smtClean="0">
+                <a:latin typeface="Arial" panose="020B0604020202020204" pitchFamily="34" charset="0"/>
+                <a:cs typeface="Arial" panose="020B0604020202020204" pitchFamily="34" charset="0"/>
+              </a:rPr>
+              <a:pPr/>
               <a:t>10</a:t>
             </a:fld>
-            <a:endParaRPr lang="he-IL"/>
+            <a:endParaRPr lang="he-IL" sz="1000" dirty="0">
+              <a:latin typeface="Arial" panose="020B0604020202020204" pitchFamily="34" charset="0"/>
+              <a:cs typeface="Arial" panose="020B0604020202020204" pitchFamily="34" charset="0"/>
+            </a:endParaRPr>
           </a:p>
         </p:txBody>
       </p:sp>
     </p:spTree>
     <p:extLst>
       <p:ext uri="{BB962C8B-B14F-4D97-AF65-F5344CB8AC3E}">
-        <p14:creationId xmlns:p14="http://schemas.microsoft.com/office/powerpoint/2010/main" val="1705670930"/>
+        <p14:creationId xmlns:p14="http://schemas.microsoft.com/office/powerpoint/2010/main" val="2466653760"/>
       </p:ext>
     </p:extLst>
   </p:cSld>
@@ -7516,8 +7667,80 @@
           <a:bodyPr rtlCol="0" anchor="ctr"/>
           <a:lstStyle/>
           <a:p>
-            <a:pPr algn="ctr"/>
-            <a:endParaRPr lang="en-US"/>
+            <a:pPr marL="0" marR="0" lvl="0" indent="0" algn="ctr" defTabSz="457200" rtl="0" eaLnBrk="1" fontAlgn="auto" latinLnBrk="0" hangingPunct="1">
+              <a:lnSpc>
+                <a:spcPct val="100000"/>
+              </a:lnSpc>
+              <a:spcBef>
+                <a:spcPts val="0"/>
+              </a:spcBef>
+              <a:spcAft>
+                <a:spcPts val="0"/>
+              </a:spcAft>
+              <a:buClrTx/>
+              <a:buSzTx/>
+              <a:buFontTx/>
+              <a:buNone/>
+              <a:tabLst/>
+              <a:defRPr/>
+            </a:pPr>
+            <a:endParaRPr kumimoji="0" lang="en-US" sz="1800" b="0" i="0" u="none" strike="noStrike" kern="1200" cap="none" spc="0" normalizeH="0" baseline="0" noProof="0">
+              <a:ln>
+                <a:noFill/>
+              </a:ln>
+              <a:solidFill>
+                <a:prstClr val="white"/>
+              </a:solidFill>
+              <a:effectLst/>
+              <a:uLnTx/>
+              <a:uFillTx/>
+              <a:latin typeface="Trebuchet MS" panose="020B0603020202020204"/>
+              <a:ea typeface="+mn-ea"/>
+              <a:cs typeface="+mn-cs"/>
+            </a:endParaRPr>
+          </a:p>
+        </p:txBody>
+      </p:sp>
+      <p:sp>
+        <p:nvSpPr>
+          <p:cNvPr id="2" name="כותרת 1">
+            <a:extLst>
+              <a:ext uri="{FF2B5EF4-FFF2-40B4-BE49-F238E27FC236}">
+                <a16:creationId xmlns:a16="http://schemas.microsoft.com/office/drawing/2014/main" id="{1ACC9094-DF10-FE2C-933F-47FB37C8A6AB}"/>
+              </a:ext>
+            </a:extLst>
+          </p:cNvPr>
+          <p:cNvSpPr>
+            <a:spLocks noGrp="1"/>
+          </p:cNvSpPr>
+          <p:nvPr>
+            <p:ph type="title"/>
+          </p:nvPr>
+        </p:nvSpPr>
+        <p:spPr>
+          <a:xfrm>
+            <a:off x="1694111" y="316864"/>
+            <a:ext cx="8596668" cy="1320800"/>
+          </a:xfrm>
+        </p:spPr>
+        <p:txBody>
+          <a:bodyPr>
+            <a:normAutofit/>
+          </a:bodyPr>
+          <a:lstStyle/>
+          <a:p>
+            <a:pPr algn="ctr" rtl="0"/>
+            <a:r>
+              <a:rPr lang="en-US" sz="4000" dirty="0">
+                <a:latin typeface="Arial" panose="020B0604020202020204" pitchFamily="34" charset="0"/>
+                <a:cs typeface="Arial" panose="020B0604020202020204" pitchFamily="34" charset="0"/>
+              </a:rPr>
+              <a:t>BreakHis</a:t>
+            </a:r>
+            <a:endParaRPr lang="he-IL" sz="4000" dirty="0">
+              <a:latin typeface="Arial" panose="020B0604020202020204" pitchFamily="34" charset="0"/>
+              <a:cs typeface="Arial" panose="020B0604020202020204" pitchFamily="34" charset="0"/>
+            </a:endParaRPr>
           </a:p>
         </p:txBody>
       </p:sp>
@@ -7581,6 +7804,138 @@
       </p:sp>
       <p:sp>
         <p:nvSpPr>
+          <p:cNvPr id="3" name="מציין מיקום תוכן 2">
+            <a:extLst>
+              <a:ext uri="{FF2B5EF4-FFF2-40B4-BE49-F238E27FC236}">
+                <a16:creationId xmlns:a16="http://schemas.microsoft.com/office/drawing/2014/main" id="{E63CB9F7-1BEA-5E29-A0FC-A93719833515}"/>
+              </a:ext>
+            </a:extLst>
+          </p:cNvPr>
+          <p:cNvSpPr>
+            <a:spLocks noGrp="1"/>
+          </p:cNvSpPr>
+          <p:nvPr>
+            <p:ph idx="1"/>
+          </p:nvPr>
+        </p:nvSpPr>
+        <p:spPr>
+          <a:xfrm>
+            <a:off x="1383130" y="1038210"/>
+            <a:ext cx="9819603" cy="4781579"/>
+          </a:xfrm>
+        </p:spPr>
+        <p:txBody>
+          <a:bodyPr>
+            <a:normAutofit/>
+          </a:bodyPr>
+          <a:lstStyle/>
+          <a:p>
+            <a:pPr marL="0" indent="0" algn="l" rtl="0">
+              <a:buNone/>
+            </a:pPr>
+            <a:r>
+              <a:rPr lang="en-US" sz="1800" dirty="0">
+                <a:solidFill>
+                  <a:srgbClr val="000000"/>
+                </a:solidFill>
+                <a:effectLst/>
+                <a:latin typeface="Arial" panose="020B0604020202020204" pitchFamily="34" charset="0"/>
+                <a:ea typeface="Calibri" panose="020F0502020204030204" pitchFamily="34" charset="0"/>
+              </a:rPr>
+              <a:t>The Breast Cancer Histopathological Image Classification (BreakHis) composed of:</a:t>
+            </a:r>
+          </a:p>
+          <a:p>
+            <a:pPr algn="l" rtl="0">
+              <a:buSzPct val="140000"/>
+              <a:buFont typeface="Arial" panose="020B0604020202020204" pitchFamily="34" charset="0"/>
+              <a:buChar char="•"/>
+            </a:pPr>
+            <a:r>
+              <a:rPr lang="en-US" sz="2000" dirty="0">
+                <a:solidFill>
+                  <a:schemeClr val="tx1"/>
+                </a:solidFill>
+                <a:latin typeface="Arial" panose="020B0604020202020204" pitchFamily="34" charset="0"/>
+                <a:cs typeface="Arial" panose="020B0604020202020204" pitchFamily="34" charset="0"/>
+              </a:rPr>
+              <a:t>7,909 microscopic images of breast tumor tissue collected from 82 patients using different magnifying factors (40X, 100X, 200X, and 400X).  </a:t>
+            </a:r>
+          </a:p>
+          <a:p>
+            <a:pPr algn="l" rtl="0">
+              <a:buSzPct val="140000"/>
+              <a:buFont typeface="Arial" panose="020B0604020202020204" pitchFamily="34" charset="0"/>
+              <a:buChar char="•"/>
+            </a:pPr>
+            <a:r>
+              <a:rPr lang="en-US" sz="2000" dirty="0">
+                <a:solidFill>
+                  <a:schemeClr val="tx1"/>
+                </a:solidFill>
+                <a:latin typeface="Arial" panose="020B0604020202020204" pitchFamily="34" charset="0"/>
+                <a:cs typeface="Arial" panose="020B0604020202020204" pitchFamily="34" charset="0"/>
+              </a:rPr>
+              <a:t>2,480 benign </a:t>
+            </a:r>
+          </a:p>
+          <a:p>
+            <a:pPr algn="l" rtl="0">
+              <a:buSzPct val="140000"/>
+              <a:buFont typeface="Arial" panose="020B0604020202020204" pitchFamily="34" charset="0"/>
+              <a:buChar char="•"/>
+            </a:pPr>
+            <a:r>
+              <a:rPr lang="en-US" sz="2000" dirty="0">
+                <a:solidFill>
+                  <a:schemeClr val="tx1"/>
+                </a:solidFill>
+                <a:latin typeface="Arial" panose="020B0604020202020204" pitchFamily="34" charset="0"/>
+                <a:cs typeface="Arial" panose="020B0604020202020204" pitchFamily="34" charset="0"/>
+              </a:rPr>
+              <a:t>5,429 malignant samples (700X460 pixels, 3-channel RGB, 8-bit depth in each channel, PNG format for both benign and malignant images). </a:t>
+            </a:r>
+          </a:p>
+          <a:p>
+            <a:pPr marL="0" indent="0" algn="l" rtl="0">
+              <a:buSzPct val="140000"/>
+              <a:buNone/>
+            </a:pPr>
+            <a:r>
+              <a:rPr lang="en-US" sz="2000" dirty="0">
+                <a:solidFill>
+                  <a:schemeClr val="tx1"/>
+                </a:solidFill>
+                <a:latin typeface="Arial" panose="020B0604020202020204" pitchFamily="34" charset="0"/>
+                <a:cs typeface="Arial" panose="020B0604020202020204" pitchFamily="34" charset="0"/>
+              </a:rPr>
+              <a:t>The </a:t>
+            </a:r>
+            <a:r>
+              <a:rPr lang="en-US" sz="2000" dirty="0" err="1">
+                <a:solidFill>
+                  <a:schemeClr val="tx1"/>
+                </a:solidFill>
+                <a:latin typeface="Arial" panose="020B0604020202020204" pitchFamily="34" charset="0"/>
+                <a:cs typeface="Arial" panose="020B0604020202020204" pitchFamily="34" charset="0"/>
+              </a:rPr>
+              <a:t>BreaKHis</a:t>
+            </a:r>
+            <a:r>
+              <a:rPr lang="en-US" sz="2000" dirty="0">
+                <a:solidFill>
+                  <a:schemeClr val="tx1"/>
+                </a:solidFill>
+                <a:latin typeface="Arial" panose="020B0604020202020204" pitchFamily="34" charset="0"/>
+                <a:cs typeface="Arial" panose="020B0604020202020204" pitchFamily="34" charset="0"/>
+              </a:rPr>
+              <a:t> is structured as follows:</a:t>
+            </a:r>
+          </a:p>
+        </p:txBody>
+      </p:sp>
+      <p:sp>
+        <p:nvSpPr>
           <p:cNvPr id="37" name="Isosceles Triangle 36">
             <a:extLst>
               <a:ext uri="{FF2B5EF4-FFF2-40B4-BE49-F238E27FC236}">
@@ -7637,374 +7992,29 @@
           </a:fontRef>
         </p:style>
       </p:sp>
-      <p:sp>
-        <p:nvSpPr>
-          <p:cNvPr id="6" name="מציין מיקום תוכן 2">
+      <p:pic>
+        <p:nvPicPr>
+          <p:cNvPr id="5" name="Picture 4">
             <a:extLst>
               <a:ext uri="{FF2B5EF4-FFF2-40B4-BE49-F238E27FC236}">
-                <a16:creationId xmlns:a16="http://schemas.microsoft.com/office/drawing/2014/main" id="{91E00044-A01A-C55E-CB95-201D0795360D}"/>
-              </a:ext>
-            </a:extLst>
-          </p:cNvPr>
-          <p:cNvSpPr txBox="1">
-            <a:spLocks/>
-          </p:cNvSpPr>
-          <p:nvPr/>
-        </p:nvSpPr>
-        <p:spPr>
-          <a:xfrm>
-            <a:off x="1092368" y="310979"/>
-            <a:ext cx="10333996" cy="3340181"/>
-          </a:xfrm>
-          <a:prstGeom prst="rect">
-            <a:avLst/>
-          </a:prstGeom>
-        </p:spPr>
-        <p:txBody>
-          <a:bodyPr vert="horz" lIns="91440" tIns="45720" rIns="91440" bIns="45720" rtlCol="0">
-            <a:normAutofit/>
-          </a:bodyPr>
-          <a:lstStyle>
-            <a:lvl1pPr marL="342900" indent="-342900" algn="r" defTabSz="457200" rtl="1" eaLnBrk="1" latinLnBrk="0" hangingPunct="1">
-              <a:spcBef>
-                <a:spcPts val="1000"/>
-              </a:spcBef>
-              <a:spcAft>
-                <a:spcPts val="0"/>
-              </a:spcAft>
-              <a:buClr>
-                <a:schemeClr val="accent1"/>
-              </a:buClr>
-              <a:buSzPct val="80000"/>
-              <a:buFont typeface="Wingdings 3" charset="2"/>
-              <a:buChar char=""/>
-              <a:defRPr sz="1800" kern="1200">
-                <a:solidFill>
-                  <a:schemeClr val="tx1">
-                    <a:lumMod val="75000"/>
-                    <a:lumOff val="25000"/>
-                  </a:schemeClr>
-                </a:solidFill>
-                <a:latin typeface="+mn-lt"/>
-                <a:ea typeface="+mn-ea"/>
-                <a:cs typeface="+mn-cs"/>
-              </a:defRPr>
-            </a:lvl1pPr>
-            <a:lvl2pPr marL="742950" indent="-285750" algn="r" defTabSz="457200" rtl="1" eaLnBrk="1" latinLnBrk="0" hangingPunct="1">
-              <a:spcBef>
-                <a:spcPts val="1000"/>
-              </a:spcBef>
-              <a:spcAft>
-                <a:spcPts val="0"/>
-              </a:spcAft>
-              <a:buClr>
-                <a:schemeClr val="accent1"/>
-              </a:buClr>
-              <a:buSzPct val="80000"/>
-              <a:buFont typeface="Wingdings 3" charset="2"/>
-              <a:buChar char=""/>
-              <a:defRPr sz="1600" kern="1200">
-                <a:solidFill>
-                  <a:schemeClr val="tx1">
-                    <a:lumMod val="75000"/>
-                    <a:lumOff val="25000"/>
-                  </a:schemeClr>
-                </a:solidFill>
-                <a:latin typeface="+mn-lt"/>
-                <a:ea typeface="+mn-ea"/>
-                <a:cs typeface="+mn-cs"/>
-              </a:defRPr>
-            </a:lvl2pPr>
-            <a:lvl3pPr marL="1143000" indent="-228600" algn="r" defTabSz="457200" rtl="1" eaLnBrk="1" latinLnBrk="0" hangingPunct="1">
-              <a:spcBef>
-                <a:spcPts val="1000"/>
-              </a:spcBef>
-              <a:spcAft>
-                <a:spcPts val="0"/>
-              </a:spcAft>
-              <a:buClr>
-                <a:schemeClr val="accent1"/>
-              </a:buClr>
-              <a:buSzPct val="80000"/>
-              <a:buFont typeface="Wingdings 3" charset="2"/>
-              <a:buChar char=""/>
-              <a:defRPr sz="1400" kern="1200">
-                <a:solidFill>
-                  <a:schemeClr val="tx1">
-                    <a:lumMod val="75000"/>
-                    <a:lumOff val="25000"/>
-                  </a:schemeClr>
-                </a:solidFill>
-                <a:latin typeface="+mn-lt"/>
-                <a:ea typeface="+mn-ea"/>
-                <a:cs typeface="+mn-cs"/>
-              </a:defRPr>
-            </a:lvl3pPr>
-            <a:lvl4pPr marL="1600200" indent="-228600" algn="r" defTabSz="457200" rtl="1" eaLnBrk="1" latinLnBrk="0" hangingPunct="1">
-              <a:spcBef>
-                <a:spcPts val="1000"/>
-              </a:spcBef>
-              <a:spcAft>
-                <a:spcPts val="0"/>
-              </a:spcAft>
-              <a:buClr>
-                <a:schemeClr val="accent1"/>
-              </a:buClr>
-              <a:buSzPct val="80000"/>
-              <a:buFont typeface="Wingdings 3" charset="2"/>
-              <a:buChar char=""/>
-              <a:defRPr sz="1200" kern="1200">
-                <a:solidFill>
-                  <a:schemeClr val="tx1">
-                    <a:lumMod val="75000"/>
-                    <a:lumOff val="25000"/>
-                  </a:schemeClr>
-                </a:solidFill>
-                <a:latin typeface="+mn-lt"/>
-                <a:ea typeface="+mn-ea"/>
-                <a:cs typeface="+mn-cs"/>
-              </a:defRPr>
-            </a:lvl4pPr>
-            <a:lvl5pPr marL="2057400" indent="-228600" algn="r" defTabSz="457200" rtl="1" eaLnBrk="1" latinLnBrk="0" hangingPunct="1">
-              <a:spcBef>
-                <a:spcPts val="1000"/>
-              </a:spcBef>
-              <a:spcAft>
-                <a:spcPts val="0"/>
-              </a:spcAft>
-              <a:buClr>
-                <a:schemeClr val="accent1"/>
-              </a:buClr>
-              <a:buSzPct val="80000"/>
-              <a:buFont typeface="Wingdings 3" charset="2"/>
-              <a:buChar char=""/>
-              <a:defRPr sz="1200" kern="1200">
-                <a:solidFill>
-                  <a:schemeClr val="tx1">
-                    <a:lumMod val="75000"/>
-                    <a:lumOff val="25000"/>
-                  </a:schemeClr>
-                </a:solidFill>
-                <a:latin typeface="+mn-lt"/>
-                <a:ea typeface="+mn-ea"/>
-                <a:cs typeface="+mn-cs"/>
-              </a:defRPr>
-            </a:lvl5pPr>
-            <a:lvl6pPr marL="2514600" indent="-228600" algn="r" defTabSz="457200" rtl="1" eaLnBrk="1" latinLnBrk="0" hangingPunct="1">
-              <a:spcBef>
-                <a:spcPts val="1000"/>
-              </a:spcBef>
-              <a:spcAft>
-                <a:spcPts val="0"/>
-              </a:spcAft>
-              <a:buClr>
-                <a:schemeClr val="accent1"/>
-              </a:buClr>
-              <a:buSzPct val="80000"/>
-              <a:buFont typeface="Wingdings 3" charset="2"/>
-              <a:buChar char=""/>
-              <a:defRPr sz="1200" kern="1200">
-                <a:solidFill>
-                  <a:schemeClr val="tx1">
-                    <a:lumMod val="75000"/>
-                    <a:lumOff val="25000"/>
-                  </a:schemeClr>
-                </a:solidFill>
-                <a:latin typeface="+mn-lt"/>
-                <a:ea typeface="+mn-ea"/>
-                <a:cs typeface="+mn-cs"/>
-              </a:defRPr>
-            </a:lvl6pPr>
-            <a:lvl7pPr marL="2971800" indent="-228600" algn="r" defTabSz="457200" rtl="1" eaLnBrk="1" latinLnBrk="0" hangingPunct="1">
-              <a:spcBef>
-                <a:spcPts val="1000"/>
-              </a:spcBef>
-              <a:spcAft>
-                <a:spcPts val="0"/>
-              </a:spcAft>
-              <a:buClr>
-                <a:schemeClr val="accent1"/>
-              </a:buClr>
-              <a:buSzPct val="80000"/>
-              <a:buFont typeface="Wingdings 3" charset="2"/>
-              <a:buChar char=""/>
-              <a:defRPr sz="1200" kern="1200">
-                <a:solidFill>
-                  <a:schemeClr val="tx1">
-                    <a:lumMod val="75000"/>
-                    <a:lumOff val="25000"/>
-                  </a:schemeClr>
-                </a:solidFill>
-                <a:latin typeface="+mn-lt"/>
-                <a:ea typeface="+mn-ea"/>
-                <a:cs typeface="+mn-cs"/>
-              </a:defRPr>
-            </a:lvl7pPr>
-            <a:lvl8pPr marL="3429000" indent="-228600" algn="r" defTabSz="457200" rtl="1" eaLnBrk="1" latinLnBrk="0" hangingPunct="1">
-              <a:spcBef>
-                <a:spcPts val="1000"/>
-              </a:spcBef>
-              <a:spcAft>
-                <a:spcPts val="0"/>
-              </a:spcAft>
-              <a:buClr>
-                <a:schemeClr val="accent1"/>
-              </a:buClr>
-              <a:buSzPct val="80000"/>
-              <a:buFont typeface="Wingdings 3" charset="2"/>
-              <a:buChar char=""/>
-              <a:defRPr sz="1200" kern="1200">
-                <a:solidFill>
-                  <a:schemeClr val="tx1">
-                    <a:lumMod val="75000"/>
-                    <a:lumOff val="25000"/>
-                  </a:schemeClr>
-                </a:solidFill>
-                <a:latin typeface="+mn-lt"/>
-                <a:ea typeface="+mn-ea"/>
-                <a:cs typeface="+mn-cs"/>
-              </a:defRPr>
-            </a:lvl8pPr>
-            <a:lvl9pPr marL="3886200" indent="-228600" algn="r" defTabSz="457200" rtl="1" eaLnBrk="1" latinLnBrk="0" hangingPunct="1">
-              <a:spcBef>
-                <a:spcPts val="1000"/>
-              </a:spcBef>
-              <a:spcAft>
-                <a:spcPts val="0"/>
-              </a:spcAft>
-              <a:buClr>
-                <a:schemeClr val="accent1"/>
-              </a:buClr>
-              <a:buSzPct val="80000"/>
-              <a:buFont typeface="Wingdings 3" charset="2"/>
-              <a:buChar char=""/>
-              <a:defRPr sz="1200" kern="1200">
-                <a:solidFill>
-                  <a:schemeClr val="tx1">
-                    <a:lumMod val="75000"/>
-                    <a:lumOff val="25000"/>
-                  </a:schemeClr>
-                </a:solidFill>
-                <a:latin typeface="+mn-lt"/>
-                <a:ea typeface="+mn-ea"/>
-                <a:cs typeface="+mn-cs"/>
-              </a:defRPr>
-            </a:lvl9pPr>
-          </a:lstStyle>
-          <a:p>
-            <a:pPr marL="0" indent="0" algn="l" rtl="0">
-              <a:buFont typeface="Wingdings 3" charset="2"/>
-              <a:buNone/>
-            </a:pPr>
-            <a:r>
-              <a:rPr lang="en-US" sz="2000" dirty="0">
-                <a:solidFill>
-                  <a:schemeClr val="tx1"/>
-                </a:solidFill>
-                <a:latin typeface="Arial" panose="020B0604020202020204" pitchFamily="34" charset="0"/>
-                <a:cs typeface="Arial" panose="020B0604020202020204" pitchFamily="34" charset="0"/>
-              </a:rPr>
-              <a:t>Inception v3 is also introduced in the same paper with v2 and is a variation of v2 with batch normalization on the auxiliary classifiers and not just on convolutions.</a:t>
-            </a:r>
-            <a:br>
-              <a:rPr lang="en-US" sz="2000" dirty="0">
-                <a:solidFill>
-                  <a:schemeClr val="tx1"/>
-                </a:solidFill>
-                <a:latin typeface="Arial" panose="020B0604020202020204" pitchFamily="34" charset="0"/>
-                <a:cs typeface="Arial" panose="020B0604020202020204" pitchFamily="34" charset="0"/>
-              </a:rPr>
-            </a:br>
-            <a:r>
-              <a:rPr lang="en-US" sz="2000" dirty="0">
-                <a:solidFill>
-                  <a:schemeClr val="tx1"/>
-                </a:solidFill>
-                <a:latin typeface="Arial" panose="020B0604020202020204" pitchFamily="34" charset="0"/>
-                <a:cs typeface="Arial" panose="020B0604020202020204" pitchFamily="34" charset="0"/>
-              </a:rPr>
-              <a:t>the Inception architecture is highly tunable, meaning that there are a lot of possible changes to the number of filters in the various layers that do not affect the quality of the fully trained network.</a:t>
-            </a:r>
-            <a:br>
-              <a:rPr lang="en-US" sz="2000" dirty="0">
-                <a:solidFill>
-                  <a:schemeClr val="tx1"/>
-                </a:solidFill>
-                <a:latin typeface="Arial" panose="020B0604020202020204" pitchFamily="34" charset="0"/>
-                <a:cs typeface="Arial" panose="020B0604020202020204" pitchFamily="34" charset="0"/>
-              </a:rPr>
-            </a:br>
-            <a:r>
-              <a:rPr lang="en-US" sz="2000" dirty="0">
-                <a:solidFill>
-                  <a:schemeClr val="tx1"/>
-                </a:solidFill>
-                <a:latin typeface="Arial" panose="020B0604020202020204" pitchFamily="34" charset="0"/>
-                <a:cs typeface="Arial" panose="020B0604020202020204" pitchFamily="34" charset="0"/>
-              </a:rPr>
-              <a:t>inception v4 is an updated version of inception which made use of advancements and newer tools from when v3 was published.</a:t>
-            </a:r>
-            <a:br>
-              <a:rPr lang="en-US" sz="2000" dirty="0">
-                <a:solidFill>
-                  <a:schemeClr val="tx1"/>
-                </a:solidFill>
-                <a:latin typeface="Arial" panose="020B0604020202020204" pitchFamily="34" charset="0"/>
-                <a:cs typeface="Arial" panose="020B0604020202020204" pitchFamily="34" charset="0"/>
-              </a:rPr>
-            </a:br>
-            <a:r>
-              <a:rPr lang="en-US" sz="2000" dirty="0">
-                <a:solidFill>
-                  <a:schemeClr val="tx1"/>
-                </a:solidFill>
-                <a:latin typeface="Arial" panose="020B0604020202020204" pitchFamily="34" charset="0"/>
-                <a:cs typeface="Arial" panose="020B0604020202020204" pitchFamily="34" charset="0"/>
-              </a:rPr>
-              <a:t>researchers note not simplifying earlier choices in the architecture resulted in networks that looked more complicated than they needed to be and made changes </a:t>
-            </a:r>
-          </a:p>
-          <a:p>
-            <a:pPr marL="0" indent="0" algn="l" rtl="0">
-              <a:buFont typeface="Wingdings 3" charset="2"/>
-              <a:buNone/>
-            </a:pPr>
-            <a:endParaRPr lang="en-US" sz="2000" dirty="0">
-              <a:solidFill>
-                <a:schemeClr val="tx1"/>
-              </a:solidFill>
-              <a:latin typeface="Arial" panose="020B0604020202020204" pitchFamily="34" charset="0"/>
-              <a:cs typeface="Arial" panose="020B0604020202020204" pitchFamily="34" charset="0"/>
-            </a:endParaRPr>
-          </a:p>
-        </p:txBody>
-      </p:sp>
-      <p:pic>
-        <p:nvPicPr>
-          <p:cNvPr id="3" name="מציין מיקום תוכן 3">
-            <a:extLst>
-              <a:ext uri="{FF2B5EF4-FFF2-40B4-BE49-F238E27FC236}">
-                <a16:creationId xmlns:a16="http://schemas.microsoft.com/office/drawing/2014/main" id="{5CA90DAF-8ECA-48B2-381C-3CE976BAACE4}"/>
+                <a16:creationId xmlns:a16="http://schemas.microsoft.com/office/drawing/2014/main" id="{42577583-DC8D-C895-24EE-3F57A59E92F4}"/>
               </a:ext>
             </a:extLst>
           </p:cNvPr>
           <p:cNvPicPr>
-            <a:picLocks noGrp="1" noChangeAspect="1"/>
+            <a:picLocks noChangeAspect="1"/>
           </p:cNvPicPr>
-          <p:nvPr>
-            <p:ph idx="1"/>
-          </p:nvPr>
+          <p:nvPr/>
         </p:nvPicPr>
-        <p:blipFill>
+        <p:blipFill rotWithShape="1">
           <a:blip r:embed="rId2"/>
-          <a:stretch>
-            <a:fillRect/>
-          </a:stretch>
+          <a:srcRect t="1953"/>
+          <a:stretch/>
         </p:blipFill>
         <p:spPr>
           <a:xfrm>
-            <a:off x="4551340" y="3215048"/>
-            <a:ext cx="2544919" cy="3533548"/>
+            <a:off x="627066" y="3798922"/>
+            <a:ext cx="10937868" cy="2463155"/>
           </a:xfrm>
           <a:prstGeom prst="rect">
             <a:avLst/>
@@ -8013,10 +8023,10 @@
       </p:pic>
       <p:sp>
         <p:nvSpPr>
-          <p:cNvPr id="2" name="מציין מיקום של מספר שקופית 1">
+          <p:cNvPr id="6" name="מציין מיקום של מספר שקופית 1">
             <a:extLst>
               <a:ext uri="{FF2B5EF4-FFF2-40B4-BE49-F238E27FC236}">
-                <a16:creationId xmlns:a16="http://schemas.microsoft.com/office/drawing/2014/main" id="{7F506F77-1EAA-502C-6EDE-B143AC3D7BD0}"/>
+                <a16:creationId xmlns:a16="http://schemas.microsoft.com/office/drawing/2014/main" id="{67DB4948-AE9D-F19C-8B0C-E4554E340F9B}"/>
               </a:ext>
             </a:extLst>
           </p:cNvPr>
@@ -8027,23 +8037,34 @@
             <p:ph type="sldNum" sz="quarter" idx="12"/>
           </p:nvPr>
         </p:nvSpPr>
-        <p:spPr/>
+        <p:spPr>
+          <a:xfrm>
+            <a:off x="11059928" y="6531456"/>
+            <a:ext cx="683339" cy="365125"/>
+          </a:xfrm>
+        </p:spPr>
         <p:txBody>
           <a:bodyPr/>
           <a:lstStyle/>
           <a:p>
             <a:fld id="{FEDBE076-7370-4F39-B8CE-D2BB33626AF3}" type="slidenum">
-              <a:rPr lang="he-IL" smtClean="0"/>
+              <a:rPr lang="he-IL" sz="1200" smtClean="0">
+                <a:latin typeface="Arial" panose="020B0604020202020204" pitchFamily="34" charset="0"/>
+                <a:cs typeface="Arial" panose="020B0604020202020204" pitchFamily="34" charset="0"/>
+              </a:rPr>
               <a:t>11</a:t>
             </a:fld>
-            <a:endParaRPr lang="he-IL"/>
+            <a:endParaRPr lang="he-IL" sz="1000" dirty="0">
+              <a:latin typeface="Arial" panose="020B0604020202020204" pitchFamily="34" charset="0"/>
+              <a:cs typeface="Arial" panose="020B0604020202020204" pitchFamily="34" charset="0"/>
+            </a:endParaRPr>
           </a:p>
         </p:txBody>
       </p:sp>
     </p:spTree>
     <p:extLst>
       <p:ext uri="{BB962C8B-B14F-4D97-AF65-F5344CB8AC3E}">
-        <p14:creationId xmlns:p14="http://schemas.microsoft.com/office/powerpoint/2010/main" val="2466653760"/>
+        <p14:creationId xmlns:p14="http://schemas.microsoft.com/office/powerpoint/2010/main" val="2751241329"/>
       </p:ext>
     </p:extLst>
   </p:cSld>
@@ -8270,138 +8291,6 @@
       </p:sp>
       <p:sp>
         <p:nvSpPr>
-          <p:cNvPr id="3" name="מציין מיקום תוכן 2">
-            <a:extLst>
-              <a:ext uri="{FF2B5EF4-FFF2-40B4-BE49-F238E27FC236}">
-                <a16:creationId xmlns:a16="http://schemas.microsoft.com/office/drawing/2014/main" id="{E63CB9F7-1BEA-5E29-A0FC-A93719833515}"/>
-              </a:ext>
-            </a:extLst>
-          </p:cNvPr>
-          <p:cNvSpPr>
-            <a:spLocks noGrp="1"/>
-          </p:cNvSpPr>
-          <p:nvPr>
-            <p:ph idx="1"/>
-          </p:nvPr>
-        </p:nvSpPr>
-        <p:spPr>
-          <a:xfrm>
-            <a:off x="1383130" y="1038210"/>
-            <a:ext cx="9819603" cy="4781579"/>
-          </a:xfrm>
-        </p:spPr>
-        <p:txBody>
-          <a:bodyPr>
-            <a:normAutofit/>
-          </a:bodyPr>
-          <a:lstStyle/>
-          <a:p>
-            <a:pPr marL="0" indent="0" algn="l" rtl="0">
-              <a:buNone/>
-            </a:pPr>
-            <a:r>
-              <a:rPr lang="en-US" sz="1800" dirty="0">
-                <a:solidFill>
-                  <a:srgbClr val="000000"/>
-                </a:solidFill>
-                <a:effectLst/>
-                <a:latin typeface="Arial" panose="020B0604020202020204" pitchFamily="34" charset="0"/>
-                <a:ea typeface="Calibri" panose="020F0502020204030204" pitchFamily="34" charset="0"/>
-              </a:rPr>
-              <a:t>The Breast Cancer Histopathological Image Classification (BreakHis) composed of:</a:t>
-            </a:r>
-          </a:p>
-          <a:p>
-            <a:pPr algn="l" rtl="0">
-              <a:buSzPct val="140000"/>
-              <a:buFont typeface="Arial" panose="020B0604020202020204" pitchFamily="34" charset="0"/>
-              <a:buChar char="•"/>
-            </a:pPr>
-            <a:r>
-              <a:rPr lang="en-US" sz="2000" dirty="0">
-                <a:solidFill>
-                  <a:schemeClr val="tx1"/>
-                </a:solidFill>
-                <a:latin typeface="Arial" panose="020B0604020202020204" pitchFamily="34" charset="0"/>
-                <a:cs typeface="Arial" panose="020B0604020202020204" pitchFamily="34" charset="0"/>
-              </a:rPr>
-              <a:t>7,909 microscopic images of breast tumor tissue collected from 82 patients using different magnifying factors (40X, 100X, 200X, and 400X).  </a:t>
-            </a:r>
-          </a:p>
-          <a:p>
-            <a:pPr algn="l" rtl="0">
-              <a:buSzPct val="140000"/>
-              <a:buFont typeface="Arial" panose="020B0604020202020204" pitchFamily="34" charset="0"/>
-              <a:buChar char="•"/>
-            </a:pPr>
-            <a:r>
-              <a:rPr lang="en-US" sz="2000" dirty="0">
-                <a:solidFill>
-                  <a:schemeClr val="tx1"/>
-                </a:solidFill>
-                <a:latin typeface="Arial" panose="020B0604020202020204" pitchFamily="34" charset="0"/>
-                <a:cs typeface="Arial" panose="020B0604020202020204" pitchFamily="34" charset="0"/>
-              </a:rPr>
-              <a:t>2,480 benign </a:t>
-            </a:r>
-          </a:p>
-          <a:p>
-            <a:pPr algn="l" rtl="0">
-              <a:buSzPct val="140000"/>
-              <a:buFont typeface="Arial" panose="020B0604020202020204" pitchFamily="34" charset="0"/>
-              <a:buChar char="•"/>
-            </a:pPr>
-            <a:r>
-              <a:rPr lang="en-US" sz="2000" dirty="0">
-                <a:solidFill>
-                  <a:schemeClr val="tx1"/>
-                </a:solidFill>
-                <a:latin typeface="Arial" panose="020B0604020202020204" pitchFamily="34" charset="0"/>
-                <a:cs typeface="Arial" panose="020B0604020202020204" pitchFamily="34" charset="0"/>
-              </a:rPr>
-              <a:t>5,429 malignant samples (700X460 pixels, 3-channel RGB, 8-bit depth in each channel, PNG format for both benign and malignant images). </a:t>
-            </a:r>
-          </a:p>
-          <a:p>
-            <a:pPr marL="0" indent="0" algn="l" rtl="0">
-              <a:buSzPct val="140000"/>
-              <a:buNone/>
-            </a:pPr>
-            <a:r>
-              <a:rPr lang="en-US" sz="2000" dirty="0">
-                <a:solidFill>
-                  <a:schemeClr val="tx1"/>
-                </a:solidFill>
-                <a:latin typeface="Arial" panose="020B0604020202020204" pitchFamily="34" charset="0"/>
-                <a:cs typeface="Arial" panose="020B0604020202020204" pitchFamily="34" charset="0"/>
-              </a:rPr>
-              <a:t>The </a:t>
-            </a:r>
-            <a:r>
-              <a:rPr lang="en-US" sz="2000" dirty="0" err="1">
-                <a:solidFill>
-                  <a:schemeClr val="tx1"/>
-                </a:solidFill>
-                <a:latin typeface="Arial" panose="020B0604020202020204" pitchFamily="34" charset="0"/>
-                <a:cs typeface="Arial" panose="020B0604020202020204" pitchFamily="34" charset="0"/>
-              </a:rPr>
-              <a:t>BreaKHis</a:t>
-            </a:r>
-            <a:r>
-              <a:rPr lang="en-US" sz="2000" dirty="0">
-                <a:solidFill>
-                  <a:schemeClr val="tx1"/>
-                </a:solidFill>
-                <a:latin typeface="Arial" panose="020B0604020202020204" pitchFamily="34" charset="0"/>
-                <a:cs typeface="Arial" panose="020B0604020202020204" pitchFamily="34" charset="0"/>
-              </a:rPr>
-              <a:t> is structured as follows:</a:t>
-            </a:r>
-          </a:p>
-        </p:txBody>
-      </p:sp>
-      <p:sp>
-        <p:nvSpPr>
           <p:cNvPr id="37" name="Isosceles Triangle 36">
             <a:extLst>
               <a:ext uri="{FF2B5EF4-FFF2-40B4-BE49-F238E27FC236}">
@@ -8458,12 +8347,60 @@
           </a:fontRef>
         </p:style>
       </p:sp>
+      <p:sp>
+        <p:nvSpPr>
+          <p:cNvPr id="4" name="מציין מיקום תוכן 3">
+            <a:extLst>
+              <a:ext uri="{FF2B5EF4-FFF2-40B4-BE49-F238E27FC236}">
+                <a16:creationId xmlns:a16="http://schemas.microsoft.com/office/drawing/2014/main" id="{B3681D86-2FDA-A3CF-6691-6FED8DEA93CE}"/>
+              </a:ext>
+            </a:extLst>
+          </p:cNvPr>
+          <p:cNvSpPr>
+            <a:spLocks noGrp="1"/>
+          </p:cNvSpPr>
+          <p:nvPr>
+            <p:ph idx="1"/>
+          </p:nvPr>
+        </p:nvSpPr>
+        <p:spPr>
+          <a:xfrm>
+            <a:off x="1694111" y="5043949"/>
+            <a:ext cx="8596668" cy="1076072"/>
+          </a:xfrm>
+        </p:spPr>
+        <p:txBody>
+          <a:bodyPr>
+            <a:normAutofit fontScale="92500"/>
+          </a:bodyPr>
+          <a:lstStyle/>
+          <a:p>
+            <a:pPr marL="0" indent="0" algn="l" rtl="0">
+              <a:buNone/>
+            </a:pPr>
+            <a:r>
+              <a:rPr lang="en-US" b="0" i="0" dirty="0">
+                <a:solidFill>
+                  <a:srgbClr val="111111"/>
+                </a:solidFill>
+                <a:effectLst/>
+                <a:latin typeface="Roboto" panose="02000000000000000000" pitchFamily="2" charset="0"/>
+              </a:rPr>
+              <a:t>BreakHis dataset composed of benign and malignant images : benign [(a) : adenosis, (b) : fibroadenoma, (c) : phyllodes tumor, (d) : tubular adenoma], malignant [(e) : ductal carcinoma, (f) : lobular carcinoma, (g) : mucinous carcinoma, (h) : papillary carcinoma]</a:t>
+            </a:r>
+          </a:p>
+          <a:p>
+            <a:pPr algn="l" rtl="0"/>
+            <a:endParaRPr lang="he-IL" dirty="0"/>
+          </a:p>
+        </p:txBody>
+      </p:sp>
       <p:pic>
         <p:nvPicPr>
-          <p:cNvPr id="5" name="Picture 4">
+          <p:cNvPr id="7" name="תמונה 6">
             <a:extLst>
               <a:ext uri="{FF2B5EF4-FFF2-40B4-BE49-F238E27FC236}">
-                <a16:creationId xmlns:a16="http://schemas.microsoft.com/office/drawing/2014/main" id="{42577583-DC8D-C895-24EE-3F57A59E92F4}"/>
+                <a16:creationId xmlns:a16="http://schemas.microsoft.com/office/drawing/2014/main" id="{720EDC13-972D-5F68-DC23-E8CB64DF68C3}"/>
               </a:ext>
             </a:extLst>
           </p:cNvPr>
@@ -8472,15 +8409,16 @@
           </p:cNvPicPr>
           <p:nvPr/>
         </p:nvPicPr>
-        <p:blipFill rotWithShape="1">
+        <p:blipFill>
           <a:blip r:embed="rId2"/>
-          <a:srcRect t="1953"/>
-          <a:stretch/>
+          <a:stretch>
+            <a:fillRect/>
+          </a:stretch>
         </p:blipFill>
         <p:spPr>
           <a:xfrm>
-            <a:off x="627066" y="3798922"/>
-            <a:ext cx="10937868" cy="2463155"/>
+            <a:off x="1594134" y="977264"/>
+            <a:ext cx="8169299" cy="3837801"/>
           </a:xfrm>
           <a:prstGeom prst="rect">
             <a:avLst/>
@@ -8489,37 +8427,180 @@
       </p:pic>
       <p:sp>
         <p:nvSpPr>
-          <p:cNvPr id="4" name="מציין מיקום של מספר שקופית 3">
+          <p:cNvPr id="8" name="תיבת טקסט 7">
             <a:extLst>
               <a:ext uri="{FF2B5EF4-FFF2-40B4-BE49-F238E27FC236}">
-                <a16:creationId xmlns:a16="http://schemas.microsoft.com/office/drawing/2014/main" id="{7EFBDBCC-49F5-A122-7688-1E4733CC2C24}"/>
+                <a16:creationId xmlns:a16="http://schemas.microsoft.com/office/drawing/2014/main" id="{4167358B-6C4E-6F5F-A490-534C10963D0A}"/>
               </a:ext>
             </a:extLst>
           </p:cNvPr>
-          <p:cNvSpPr>
-            <a:spLocks noGrp="1"/>
-          </p:cNvSpPr>
-          <p:nvPr>
-            <p:ph type="sldNum" sz="quarter" idx="12"/>
-          </p:nvPr>
-        </p:nvSpPr>
-        <p:spPr/>
+          <p:cNvSpPr txBox="1"/>
+          <p:nvPr/>
+        </p:nvSpPr>
+        <p:spPr>
+          <a:xfrm>
+            <a:off x="511565" y="6131272"/>
+            <a:ext cx="11562735" cy="261610"/>
+          </a:xfrm>
+          <a:prstGeom prst="rect">
+            <a:avLst/>
+          </a:prstGeom>
+          <a:noFill/>
+        </p:spPr>
         <p:txBody>
-          <a:bodyPr/>
+          <a:bodyPr wrap="square" rtlCol="1">
+            <a:spAutoFit/>
+          </a:bodyPr>
           <a:lstStyle/>
           <a:p>
+            <a:r>
+              <a:rPr lang="en-US" sz="1100" dirty="0"/>
+              <a:t>Source: https://www.researchgate.net/figure/BreakHis-dataset-composed-of-benign-and-malignant-images-benign-a-adenosis-b_fig2_327528970</a:t>
+            </a:r>
+            <a:endParaRPr lang="he-IL" sz="1100" dirty="0"/>
+          </a:p>
+        </p:txBody>
+      </p:sp>
+      <p:sp>
+        <p:nvSpPr>
+          <p:cNvPr id="3" name="מציין מיקום של מספר שקופית 1">
+            <a:extLst>
+              <a:ext uri="{FF2B5EF4-FFF2-40B4-BE49-F238E27FC236}">
+                <a16:creationId xmlns:a16="http://schemas.microsoft.com/office/drawing/2014/main" id="{87CC7790-BF8D-CF93-74A2-129934C84B4B}"/>
+              </a:ext>
+            </a:extLst>
+          </p:cNvPr>
+          <p:cNvSpPr txBox="1">
+            <a:spLocks/>
+          </p:cNvSpPr>
+          <p:nvPr/>
+        </p:nvSpPr>
+        <p:spPr>
+          <a:xfrm>
+            <a:off x="11059928" y="6504126"/>
+            <a:ext cx="683339" cy="365125"/>
+          </a:xfrm>
+          <a:prstGeom prst="rect">
+            <a:avLst/>
+          </a:prstGeom>
+        </p:spPr>
+        <p:txBody>
+          <a:bodyPr vert="horz" lIns="91440" tIns="45720" rIns="91440" bIns="45720" rtlCol="0" anchor="ctr"/>
+          <a:lstStyle>
+            <a:defPPr>
+              <a:defRPr lang="en-US"/>
+            </a:defPPr>
+            <a:lvl1pPr marL="0" algn="r" defTabSz="457200" rtl="0" eaLnBrk="1" latinLnBrk="0" hangingPunct="1">
+              <a:defRPr sz="900" kern="1200">
+                <a:solidFill>
+                  <a:schemeClr val="accent1"/>
+                </a:solidFill>
+                <a:latin typeface="+mn-lt"/>
+                <a:ea typeface="+mn-ea"/>
+                <a:cs typeface="+mn-cs"/>
+              </a:defRPr>
+            </a:lvl1pPr>
+            <a:lvl2pPr marL="457200" algn="l" defTabSz="457200" rtl="0" eaLnBrk="1" latinLnBrk="0" hangingPunct="1">
+              <a:defRPr sz="1800" kern="1200">
+                <a:solidFill>
+                  <a:schemeClr val="tx1"/>
+                </a:solidFill>
+                <a:latin typeface="+mn-lt"/>
+                <a:ea typeface="+mn-ea"/>
+                <a:cs typeface="+mn-cs"/>
+              </a:defRPr>
+            </a:lvl2pPr>
+            <a:lvl3pPr marL="914400" algn="l" defTabSz="457200" rtl="0" eaLnBrk="1" latinLnBrk="0" hangingPunct="1">
+              <a:defRPr sz="1800" kern="1200">
+                <a:solidFill>
+                  <a:schemeClr val="tx1"/>
+                </a:solidFill>
+                <a:latin typeface="+mn-lt"/>
+                <a:ea typeface="+mn-ea"/>
+                <a:cs typeface="+mn-cs"/>
+              </a:defRPr>
+            </a:lvl3pPr>
+            <a:lvl4pPr marL="1371600" algn="l" defTabSz="457200" rtl="0" eaLnBrk="1" latinLnBrk="0" hangingPunct="1">
+              <a:defRPr sz="1800" kern="1200">
+                <a:solidFill>
+                  <a:schemeClr val="tx1"/>
+                </a:solidFill>
+                <a:latin typeface="+mn-lt"/>
+                <a:ea typeface="+mn-ea"/>
+                <a:cs typeface="+mn-cs"/>
+              </a:defRPr>
+            </a:lvl4pPr>
+            <a:lvl5pPr marL="1828800" algn="l" defTabSz="457200" rtl="0" eaLnBrk="1" latinLnBrk="0" hangingPunct="1">
+              <a:defRPr sz="1800" kern="1200">
+                <a:solidFill>
+                  <a:schemeClr val="tx1"/>
+                </a:solidFill>
+                <a:latin typeface="+mn-lt"/>
+                <a:ea typeface="+mn-ea"/>
+                <a:cs typeface="+mn-cs"/>
+              </a:defRPr>
+            </a:lvl5pPr>
+            <a:lvl6pPr marL="2286000" algn="l" defTabSz="457200" rtl="0" eaLnBrk="1" latinLnBrk="0" hangingPunct="1">
+              <a:defRPr sz="1800" kern="1200">
+                <a:solidFill>
+                  <a:schemeClr val="tx1"/>
+                </a:solidFill>
+                <a:latin typeface="+mn-lt"/>
+                <a:ea typeface="+mn-ea"/>
+                <a:cs typeface="+mn-cs"/>
+              </a:defRPr>
+            </a:lvl6pPr>
+            <a:lvl7pPr marL="2743200" algn="l" defTabSz="457200" rtl="0" eaLnBrk="1" latinLnBrk="0" hangingPunct="1">
+              <a:defRPr sz="1800" kern="1200">
+                <a:solidFill>
+                  <a:schemeClr val="tx1"/>
+                </a:solidFill>
+                <a:latin typeface="+mn-lt"/>
+                <a:ea typeface="+mn-ea"/>
+                <a:cs typeface="+mn-cs"/>
+              </a:defRPr>
+            </a:lvl7pPr>
+            <a:lvl8pPr marL="3200400" algn="l" defTabSz="457200" rtl="0" eaLnBrk="1" latinLnBrk="0" hangingPunct="1">
+              <a:defRPr sz="1800" kern="1200">
+                <a:solidFill>
+                  <a:schemeClr val="tx1"/>
+                </a:solidFill>
+                <a:latin typeface="+mn-lt"/>
+                <a:ea typeface="+mn-ea"/>
+                <a:cs typeface="+mn-cs"/>
+              </a:defRPr>
+            </a:lvl8pPr>
+            <a:lvl9pPr marL="3657600" algn="l" defTabSz="457200" rtl="0" eaLnBrk="1" latinLnBrk="0" hangingPunct="1">
+              <a:defRPr sz="1800" kern="1200">
+                <a:solidFill>
+                  <a:schemeClr val="tx1"/>
+                </a:solidFill>
+                <a:latin typeface="+mn-lt"/>
+                <a:ea typeface="+mn-ea"/>
+                <a:cs typeface="+mn-cs"/>
+              </a:defRPr>
+            </a:lvl9pPr>
+          </a:lstStyle>
+          <a:p>
             <a:fld id="{FEDBE076-7370-4F39-B8CE-D2BB33626AF3}" type="slidenum">
-              <a:rPr lang="he-IL" smtClean="0"/>
+              <a:rPr lang="he-IL" sz="1200" smtClean="0">
+                <a:latin typeface="Arial" panose="020B0604020202020204" pitchFamily="34" charset="0"/>
+                <a:cs typeface="Arial" panose="020B0604020202020204" pitchFamily="34" charset="0"/>
+              </a:rPr>
+              <a:pPr/>
               <a:t>12</a:t>
             </a:fld>
-            <a:endParaRPr lang="he-IL"/>
+            <a:endParaRPr lang="he-IL" sz="1000" dirty="0">
+              <a:latin typeface="Arial" panose="020B0604020202020204" pitchFamily="34" charset="0"/>
+              <a:cs typeface="Arial" panose="020B0604020202020204" pitchFamily="34" charset="0"/>
+            </a:endParaRPr>
           </a:p>
         </p:txBody>
       </p:sp>
     </p:spTree>
     <p:extLst>
       <p:ext uri="{BB962C8B-B14F-4D97-AF65-F5344CB8AC3E}">
-        <p14:creationId xmlns:p14="http://schemas.microsoft.com/office/powerpoint/2010/main" val="2751241329"/>
+        <p14:creationId xmlns:p14="http://schemas.microsoft.com/office/powerpoint/2010/main" val="3418183966"/>
       </p:ext>
     </p:extLst>
   </p:cSld>
@@ -8677,7 +8758,7 @@
                 <a:latin typeface="Arial" panose="020B0604020202020204" pitchFamily="34" charset="0"/>
                 <a:cs typeface="Arial" panose="020B0604020202020204" pitchFamily="34" charset="0"/>
               </a:rPr>
-              <a:t>BreakHis</a:t>
+              <a:t>RSNA</a:t>
             </a:r>
             <a:endParaRPr lang="he-IL" sz="4000" dirty="0">
               <a:latin typeface="Arial" panose="020B0604020202020204" pitchFamily="34" charset="0"/>
@@ -8746,6 +8827,203 @@
       </p:sp>
       <p:sp>
         <p:nvSpPr>
+          <p:cNvPr id="3" name="מציין מיקום תוכן 2">
+            <a:extLst>
+              <a:ext uri="{FF2B5EF4-FFF2-40B4-BE49-F238E27FC236}">
+                <a16:creationId xmlns:a16="http://schemas.microsoft.com/office/drawing/2014/main" id="{E63CB9F7-1BEA-5E29-A0FC-A93719833515}"/>
+              </a:ext>
+            </a:extLst>
+          </p:cNvPr>
+          <p:cNvSpPr>
+            <a:spLocks noGrp="1"/>
+          </p:cNvSpPr>
+          <p:nvPr>
+            <p:ph idx="1"/>
+          </p:nvPr>
+        </p:nvSpPr>
+        <p:spPr>
+          <a:xfrm>
+            <a:off x="1318735" y="1295786"/>
+            <a:ext cx="9819603" cy="4781579"/>
+          </a:xfrm>
+        </p:spPr>
+        <p:txBody>
+          <a:bodyPr>
+            <a:normAutofit fontScale="92500" lnSpcReduction="10000"/>
+          </a:bodyPr>
+          <a:lstStyle/>
+          <a:p>
+            <a:pPr marL="0" indent="0" algn="l" rtl="0">
+              <a:buNone/>
+            </a:pPr>
+            <a:r>
+              <a:rPr lang="en-US" sz="2000" dirty="0">
+                <a:solidFill>
+                  <a:schemeClr val="tx1"/>
+                </a:solidFill>
+                <a:latin typeface="Arial" panose="020B0604020202020204" pitchFamily="34" charset="0"/>
+                <a:cs typeface="Arial" panose="020B0604020202020204" pitchFamily="34" charset="0"/>
+              </a:rPr>
+              <a:t>Radiological Society of North America (RSNA)</a:t>
+            </a:r>
+            <a:r>
+              <a:rPr lang="en-US" sz="2000" dirty="0">
+                <a:effectLst/>
+                <a:latin typeface="Arial" panose="020B0604020202020204" pitchFamily="34" charset="0"/>
+                <a:ea typeface="Times New Roman" panose="02020603050405020304" pitchFamily="18" charset="0"/>
+              </a:rPr>
+              <a:t> </a:t>
+            </a:r>
+            <a:r>
+              <a:rPr lang="en-US" sz="2000" dirty="0">
+                <a:solidFill>
+                  <a:schemeClr val="tx1"/>
+                </a:solidFill>
+                <a:latin typeface="Arial" panose="020B0604020202020204" pitchFamily="34" charset="0"/>
+                <a:cs typeface="Arial" panose="020B0604020202020204" pitchFamily="34" charset="0"/>
+              </a:rPr>
+              <a:t>Screening mammography breast cancer detection dataset composed of: </a:t>
+            </a:r>
+          </a:p>
+          <a:p>
+            <a:pPr marL="742950" lvl="2" indent="-342900" algn="l" rtl="0">
+              <a:buSzPct val="160000"/>
+              <a:buFont typeface="Arial" panose="020B0604020202020204" pitchFamily="34" charset="0"/>
+              <a:buChar char="•"/>
+            </a:pPr>
+            <a:r>
+              <a:rPr lang="en-US" sz="2000" dirty="0">
+                <a:solidFill>
+                  <a:schemeClr val="tx1"/>
+                </a:solidFill>
+                <a:latin typeface="Arial" panose="020B0604020202020204" pitchFamily="34" charset="0"/>
+                <a:cs typeface="Arial" panose="020B0604020202020204" pitchFamily="34" charset="0"/>
+              </a:rPr>
+              <a:t>54713 files    </a:t>
+            </a:r>
+          </a:p>
+          <a:p>
+            <a:pPr marL="742950" lvl="2" indent="-342900" algn="l" rtl="0">
+              <a:buSzPct val="160000"/>
+              <a:buFont typeface="Arial" panose="020B0604020202020204" pitchFamily="34" charset="0"/>
+              <a:buChar char="•"/>
+            </a:pPr>
+            <a:r>
+              <a:rPr lang="en-US" sz="2000" dirty="0">
+                <a:solidFill>
+                  <a:schemeClr val="tx1"/>
+                </a:solidFill>
+                <a:latin typeface="Arial" panose="020B0604020202020204" pitchFamily="34" charset="0"/>
+                <a:cs typeface="Arial" panose="020B0604020202020204" pitchFamily="34" charset="0"/>
+              </a:rPr>
+              <a:t>size of 314.72gb </a:t>
+            </a:r>
+          </a:p>
+          <a:p>
+            <a:pPr marL="742950" lvl="2" indent="-342900" algn="l" rtl="0">
+              <a:buSzPct val="160000"/>
+              <a:buFont typeface="Arial" panose="020B0604020202020204" pitchFamily="34" charset="0"/>
+              <a:buChar char="•"/>
+            </a:pPr>
+            <a:r>
+              <a:rPr lang="en-US" sz="2000" dirty="0">
+                <a:solidFill>
+                  <a:schemeClr val="tx1"/>
+                </a:solidFill>
+                <a:latin typeface="Arial" panose="020B0604020202020204" pitchFamily="34" charset="0"/>
+                <a:cs typeface="Arial" panose="020B0604020202020204" pitchFamily="34" charset="0"/>
+              </a:rPr>
+              <a:t>roughly 8,000 patients in the hidden test set (there are usually but not always 4 images per patient).</a:t>
+            </a:r>
+          </a:p>
+          <a:p>
+            <a:pPr marL="742950" lvl="2" indent="-342900" algn="l" rtl="0">
+              <a:buSzPct val="160000"/>
+              <a:buFont typeface="Arial" panose="020B0604020202020204" pitchFamily="34" charset="0"/>
+              <a:buChar char="•"/>
+            </a:pPr>
+            <a:r>
+              <a:rPr lang="en-US" sz="2000" dirty="0">
+                <a:solidFill>
+                  <a:schemeClr val="tx1"/>
+                </a:solidFill>
+                <a:latin typeface="Arial" panose="020B0604020202020204" pitchFamily="34" charset="0"/>
+                <a:cs typeface="Arial" panose="020B0604020202020204" pitchFamily="34" charset="0"/>
+              </a:rPr>
+              <a:t>Contains the following labels:</a:t>
+            </a:r>
+          </a:p>
+          <a:p>
+            <a:pPr lvl="2" algn="l" rtl="0">
+              <a:buSzPct val="140000"/>
+              <a:buFont typeface="Arial" panose="020B0604020202020204" pitchFamily="34" charset="0"/>
+              <a:buChar char="•"/>
+            </a:pPr>
+            <a:r>
+              <a:rPr lang="en-US" sz="2000" dirty="0">
+                <a:solidFill>
+                  <a:schemeClr val="tx1"/>
+                </a:solidFill>
+                <a:latin typeface="Arial" panose="020B0604020202020204" pitchFamily="34" charset="0"/>
+                <a:cs typeface="Arial" panose="020B0604020202020204" pitchFamily="34" charset="0"/>
+              </a:rPr>
+              <a:t>cancer - Whether or not the breast was positive for malignant cancer.</a:t>
+            </a:r>
+          </a:p>
+          <a:p>
+            <a:pPr lvl="2" algn="l" rtl="0">
+              <a:buSzPct val="140000"/>
+              <a:buFont typeface="Arial" panose="020B0604020202020204" pitchFamily="34" charset="0"/>
+              <a:buChar char="•"/>
+            </a:pPr>
+            <a:r>
+              <a:rPr lang="en-US" sz="2000" dirty="0">
+                <a:solidFill>
+                  <a:schemeClr val="tx1"/>
+                </a:solidFill>
+                <a:latin typeface="Arial" panose="020B0604020202020204" pitchFamily="34" charset="0"/>
+                <a:cs typeface="Arial" panose="020B0604020202020204" pitchFamily="34" charset="0"/>
+              </a:rPr>
+              <a:t>BIRADS - 0 if the breast required follow-up, 1 if the breast was rated as negative for cancer, and 2 if the breast was rated as normal. Only provided for train.</a:t>
+            </a:r>
+          </a:p>
+          <a:p>
+            <a:pPr lvl="2" algn="l" rtl="0">
+              <a:buSzPct val="140000"/>
+              <a:buFont typeface="Arial" panose="020B0604020202020204" pitchFamily="34" charset="0"/>
+              <a:buChar char="•"/>
+            </a:pPr>
+            <a:r>
+              <a:rPr lang="en-US" sz="2000" dirty="0">
+                <a:solidFill>
+                  <a:schemeClr val="tx1"/>
+                </a:solidFill>
+                <a:latin typeface="Arial" panose="020B0604020202020204" pitchFamily="34" charset="0"/>
+                <a:cs typeface="Arial" panose="020B0604020202020204" pitchFamily="34" charset="0"/>
+              </a:rPr>
+              <a:t>invasive - If the breast is positive for cancer, whether or not the cancer proved to be invasive. </a:t>
+            </a:r>
+            <a:br>
+              <a:rPr lang="en-US" sz="2000" dirty="0">
+                <a:solidFill>
+                  <a:schemeClr val="tx1"/>
+                </a:solidFill>
+                <a:latin typeface="Arial" panose="020B0604020202020204" pitchFamily="34" charset="0"/>
+                <a:cs typeface="Arial" panose="020B0604020202020204" pitchFamily="34" charset="0"/>
+              </a:rPr>
+            </a:br>
+            <a:endParaRPr lang="en-US" sz="2000" dirty="0">
+              <a:solidFill>
+                <a:schemeClr val="tx1"/>
+              </a:solidFill>
+              <a:latin typeface="Arial" panose="020B0604020202020204" pitchFamily="34" charset="0"/>
+              <a:cs typeface="Arial" panose="020B0604020202020204" pitchFamily="34" charset="0"/>
+            </a:endParaRPr>
+          </a:p>
+        </p:txBody>
+      </p:sp>
+      <p:sp>
+        <p:nvSpPr>
           <p:cNvPr id="37" name="Isosceles Triangle 36">
             <a:extLst>
               <a:ext uri="{FF2B5EF4-FFF2-40B4-BE49-F238E27FC236}">
@@ -8804,151 +9082,144 @@
       </p:sp>
       <p:sp>
         <p:nvSpPr>
-          <p:cNvPr id="4" name="מציין מיקום תוכן 3">
+          <p:cNvPr id="5" name="מציין מיקום של מספר שקופית 1">
             <a:extLst>
               <a:ext uri="{FF2B5EF4-FFF2-40B4-BE49-F238E27FC236}">
-                <a16:creationId xmlns:a16="http://schemas.microsoft.com/office/drawing/2014/main" id="{B3681D86-2FDA-A3CF-6691-6FED8DEA93CE}"/>
+                <a16:creationId xmlns:a16="http://schemas.microsoft.com/office/drawing/2014/main" id="{E1D72B9D-6FC6-6019-2A48-7B9DC1534D5F}"/>
               </a:ext>
             </a:extLst>
           </p:cNvPr>
-          <p:cNvSpPr>
-            <a:spLocks noGrp="1"/>
-          </p:cNvSpPr>
-          <p:nvPr>
-            <p:ph idx="1"/>
-          </p:nvPr>
+          <p:cNvSpPr txBox="1">
+            <a:spLocks/>
+          </p:cNvSpPr>
+          <p:nvPr/>
         </p:nvSpPr>
         <p:spPr>
           <a:xfrm>
-            <a:off x="1694111" y="5043949"/>
-            <a:ext cx="8596668" cy="1076072"/>
-          </a:xfrm>
-        </p:spPr>
-        <p:txBody>
-          <a:bodyPr>
-            <a:normAutofit fontScale="92500"/>
-          </a:bodyPr>
-          <a:lstStyle/>
-          <a:p>
-            <a:pPr marL="0" indent="0" algn="l" rtl="0">
-              <a:buNone/>
-            </a:pPr>
-            <a:r>
-              <a:rPr lang="en-US" b="0" i="0" dirty="0">
-                <a:solidFill>
-                  <a:srgbClr val="111111"/>
-                </a:solidFill>
-                <a:effectLst/>
-                <a:latin typeface="Roboto" panose="02000000000000000000" pitchFamily="2" charset="0"/>
-              </a:rPr>
-              <a:t>BreakHis dataset composed of benign and malignant images : benign [(a) : adenosis, (b) : fibroadenoma, (c) : phyllodes tumor, (d) : tubular adenoma], malignant [(e) : ductal carcinoma, (f) : lobular carcinoma, (g) : mucinous carcinoma, (h) : papillary carcinoma]</a:t>
-            </a:r>
-          </a:p>
-          <a:p>
-            <a:pPr algn="l" rtl="0"/>
-            <a:endParaRPr lang="he-IL" dirty="0"/>
-          </a:p>
-        </p:txBody>
-      </p:sp>
-      <p:pic>
-        <p:nvPicPr>
-          <p:cNvPr id="7" name="תמונה 6">
-            <a:extLst>
-              <a:ext uri="{FF2B5EF4-FFF2-40B4-BE49-F238E27FC236}">
-                <a16:creationId xmlns:a16="http://schemas.microsoft.com/office/drawing/2014/main" id="{720EDC13-972D-5F68-DC23-E8CB64DF68C3}"/>
-              </a:ext>
-            </a:extLst>
-          </p:cNvPr>
-          <p:cNvPicPr>
-            <a:picLocks noChangeAspect="1"/>
-          </p:cNvPicPr>
-          <p:nvPr/>
-        </p:nvPicPr>
-        <p:blipFill>
-          <a:blip r:embed="rId2"/>
-          <a:stretch>
-            <a:fillRect/>
-          </a:stretch>
-        </p:blipFill>
-        <p:spPr>
-          <a:xfrm>
-            <a:off x="1594134" y="977264"/>
-            <a:ext cx="8169299" cy="3837801"/>
+            <a:off x="11059928" y="6498581"/>
+            <a:ext cx="683339" cy="359419"/>
           </a:xfrm>
           <a:prstGeom prst="rect">
             <a:avLst/>
           </a:prstGeom>
         </p:spPr>
-      </p:pic>
-      <p:sp>
-        <p:nvSpPr>
-          <p:cNvPr id="8" name="תיבת טקסט 7">
-            <a:extLst>
-              <a:ext uri="{FF2B5EF4-FFF2-40B4-BE49-F238E27FC236}">
-                <a16:creationId xmlns:a16="http://schemas.microsoft.com/office/drawing/2014/main" id="{4167358B-6C4E-6F5F-A490-534C10963D0A}"/>
-              </a:ext>
-            </a:extLst>
-          </p:cNvPr>
-          <p:cNvSpPr txBox="1"/>
-          <p:nvPr/>
-        </p:nvSpPr>
-        <p:spPr>
-          <a:xfrm>
-            <a:off x="511565" y="6131272"/>
-            <a:ext cx="11562735" cy="261610"/>
-          </a:xfrm>
-          <a:prstGeom prst="rect">
-            <a:avLst/>
-          </a:prstGeom>
-          <a:noFill/>
-        </p:spPr>
         <p:txBody>
-          <a:bodyPr wrap="square" rtlCol="1">
-            <a:spAutoFit/>
-          </a:bodyPr>
-          <a:lstStyle/>
-          <a:p>
-            <a:r>
-              <a:rPr lang="en-US" sz="1100" dirty="0"/>
-              <a:t>Source: https://www.researchgate.net/figure/BreakHis-dataset-composed-of-benign-and-malignant-images-benign-a-adenosis-b_fig2_327528970</a:t>
-            </a:r>
-            <a:endParaRPr lang="he-IL" sz="1100" dirty="0"/>
-          </a:p>
-        </p:txBody>
-      </p:sp>
-      <p:sp>
-        <p:nvSpPr>
-          <p:cNvPr id="9" name="מציין מיקום של מספר שקופית 8">
-            <a:extLst>
-              <a:ext uri="{FF2B5EF4-FFF2-40B4-BE49-F238E27FC236}">
-                <a16:creationId xmlns:a16="http://schemas.microsoft.com/office/drawing/2014/main" id="{34C0456E-DE46-53BA-D91B-2EA7B7D582FF}"/>
-              </a:ext>
-            </a:extLst>
-          </p:cNvPr>
-          <p:cNvSpPr>
-            <a:spLocks noGrp="1"/>
-          </p:cNvSpPr>
-          <p:nvPr>
-            <p:ph type="sldNum" sz="quarter" idx="12"/>
-          </p:nvPr>
-        </p:nvSpPr>
-        <p:spPr/>
-        <p:txBody>
-          <a:bodyPr/>
-          <a:lstStyle/>
+          <a:bodyPr vert="horz" lIns="91440" tIns="45720" rIns="91440" bIns="45720" rtlCol="0" anchor="ctr"/>
+          <a:lstStyle>
+            <a:defPPr>
+              <a:defRPr lang="en-US"/>
+            </a:defPPr>
+            <a:lvl1pPr marL="0" algn="r" defTabSz="457200" rtl="0" eaLnBrk="1" latinLnBrk="0" hangingPunct="1">
+              <a:defRPr sz="900" kern="1200">
+                <a:solidFill>
+                  <a:schemeClr val="accent1"/>
+                </a:solidFill>
+                <a:latin typeface="+mn-lt"/>
+                <a:ea typeface="+mn-ea"/>
+                <a:cs typeface="+mn-cs"/>
+              </a:defRPr>
+            </a:lvl1pPr>
+            <a:lvl2pPr marL="457200" algn="l" defTabSz="457200" rtl="0" eaLnBrk="1" latinLnBrk="0" hangingPunct="1">
+              <a:defRPr sz="1800" kern="1200">
+                <a:solidFill>
+                  <a:schemeClr val="tx1"/>
+                </a:solidFill>
+                <a:latin typeface="+mn-lt"/>
+                <a:ea typeface="+mn-ea"/>
+                <a:cs typeface="+mn-cs"/>
+              </a:defRPr>
+            </a:lvl2pPr>
+            <a:lvl3pPr marL="914400" algn="l" defTabSz="457200" rtl="0" eaLnBrk="1" latinLnBrk="0" hangingPunct="1">
+              <a:defRPr sz="1800" kern="1200">
+                <a:solidFill>
+                  <a:schemeClr val="tx1"/>
+                </a:solidFill>
+                <a:latin typeface="+mn-lt"/>
+                <a:ea typeface="+mn-ea"/>
+                <a:cs typeface="+mn-cs"/>
+              </a:defRPr>
+            </a:lvl3pPr>
+            <a:lvl4pPr marL="1371600" algn="l" defTabSz="457200" rtl="0" eaLnBrk="1" latinLnBrk="0" hangingPunct="1">
+              <a:defRPr sz="1800" kern="1200">
+                <a:solidFill>
+                  <a:schemeClr val="tx1"/>
+                </a:solidFill>
+                <a:latin typeface="+mn-lt"/>
+                <a:ea typeface="+mn-ea"/>
+                <a:cs typeface="+mn-cs"/>
+              </a:defRPr>
+            </a:lvl4pPr>
+            <a:lvl5pPr marL="1828800" algn="l" defTabSz="457200" rtl="0" eaLnBrk="1" latinLnBrk="0" hangingPunct="1">
+              <a:defRPr sz="1800" kern="1200">
+                <a:solidFill>
+                  <a:schemeClr val="tx1"/>
+                </a:solidFill>
+                <a:latin typeface="+mn-lt"/>
+                <a:ea typeface="+mn-ea"/>
+                <a:cs typeface="+mn-cs"/>
+              </a:defRPr>
+            </a:lvl5pPr>
+            <a:lvl6pPr marL="2286000" algn="l" defTabSz="457200" rtl="0" eaLnBrk="1" latinLnBrk="0" hangingPunct="1">
+              <a:defRPr sz="1800" kern="1200">
+                <a:solidFill>
+                  <a:schemeClr val="tx1"/>
+                </a:solidFill>
+                <a:latin typeface="+mn-lt"/>
+                <a:ea typeface="+mn-ea"/>
+                <a:cs typeface="+mn-cs"/>
+              </a:defRPr>
+            </a:lvl6pPr>
+            <a:lvl7pPr marL="2743200" algn="l" defTabSz="457200" rtl="0" eaLnBrk="1" latinLnBrk="0" hangingPunct="1">
+              <a:defRPr sz="1800" kern="1200">
+                <a:solidFill>
+                  <a:schemeClr val="tx1"/>
+                </a:solidFill>
+                <a:latin typeface="+mn-lt"/>
+                <a:ea typeface="+mn-ea"/>
+                <a:cs typeface="+mn-cs"/>
+              </a:defRPr>
+            </a:lvl7pPr>
+            <a:lvl8pPr marL="3200400" algn="l" defTabSz="457200" rtl="0" eaLnBrk="1" latinLnBrk="0" hangingPunct="1">
+              <a:defRPr sz="1800" kern="1200">
+                <a:solidFill>
+                  <a:schemeClr val="tx1"/>
+                </a:solidFill>
+                <a:latin typeface="+mn-lt"/>
+                <a:ea typeface="+mn-ea"/>
+                <a:cs typeface="+mn-cs"/>
+              </a:defRPr>
+            </a:lvl8pPr>
+            <a:lvl9pPr marL="3657600" algn="l" defTabSz="457200" rtl="0" eaLnBrk="1" latinLnBrk="0" hangingPunct="1">
+              <a:defRPr sz="1800" kern="1200">
+                <a:solidFill>
+                  <a:schemeClr val="tx1"/>
+                </a:solidFill>
+                <a:latin typeface="+mn-lt"/>
+                <a:ea typeface="+mn-ea"/>
+                <a:cs typeface="+mn-cs"/>
+              </a:defRPr>
+            </a:lvl9pPr>
+          </a:lstStyle>
           <a:p>
             <a:fld id="{FEDBE076-7370-4F39-B8CE-D2BB33626AF3}" type="slidenum">
-              <a:rPr lang="he-IL" smtClean="0"/>
+              <a:rPr lang="he-IL" sz="1200" smtClean="0">
+                <a:latin typeface="Arial" panose="020B0604020202020204" pitchFamily="34" charset="0"/>
+                <a:cs typeface="Arial" panose="020B0604020202020204" pitchFamily="34" charset="0"/>
+              </a:rPr>
+              <a:pPr/>
               <a:t>13</a:t>
             </a:fld>
-            <a:endParaRPr lang="he-IL"/>
+            <a:endParaRPr lang="he-IL" sz="1000" dirty="0">
+              <a:latin typeface="Arial" panose="020B0604020202020204" pitchFamily="34" charset="0"/>
+              <a:cs typeface="Arial" panose="020B0604020202020204" pitchFamily="34" charset="0"/>
+            </a:endParaRPr>
           </a:p>
         </p:txBody>
       </p:sp>
     </p:spTree>
     <p:extLst>
       <p:ext uri="{BB962C8B-B14F-4D97-AF65-F5344CB8AC3E}">
-        <p14:creationId xmlns:p14="http://schemas.microsoft.com/office/powerpoint/2010/main" val="3418183966"/>
+        <p14:creationId xmlns:p14="http://schemas.microsoft.com/office/powerpoint/2010/main" val="796343532"/>
       </p:ext>
     </p:extLst>
   </p:cSld>
@@ -9175,203 +9446,6 @@
       </p:sp>
       <p:sp>
         <p:nvSpPr>
-          <p:cNvPr id="3" name="מציין מיקום תוכן 2">
-            <a:extLst>
-              <a:ext uri="{FF2B5EF4-FFF2-40B4-BE49-F238E27FC236}">
-                <a16:creationId xmlns:a16="http://schemas.microsoft.com/office/drawing/2014/main" id="{E63CB9F7-1BEA-5E29-A0FC-A93719833515}"/>
-              </a:ext>
-            </a:extLst>
-          </p:cNvPr>
-          <p:cNvSpPr>
-            <a:spLocks noGrp="1"/>
-          </p:cNvSpPr>
-          <p:nvPr>
-            <p:ph idx="1"/>
-          </p:nvPr>
-        </p:nvSpPr>
-        <p:spPr>
-          <a:xfrm>
-            <a:off x="1318735" y="1295786"/>
-            <a:ext cx="9819603" cy="4781579"/>
-          </a:xfrm>
-        </p:spPr>
-        <p:txBody>
-          <a:bodyPr>
-            <a:normAutofit fontScale="92500" lnSpcReduction="10000"/>
-          </a:bodyPr>
-          <a:lstStyle/>
-          <a:p>
-            <a:pPr marL="0" indent="0" algn="l" rtl="0">
-              <a:buNone/>
-            </a:pPr>
-            <a:r>
-              <a:rPr lang="en-US" sz="2000" dirty="0">
-                <a:solidFill>
-                  <a:schemeClr val="tx1"/>
-                </a:solidFill>
-                <a:latin typeface="Arial" panose="020B0604020202020204" pitchFamily="34" charset="0"/>
-                <a:cs typeface="Arial" panose="020B0604020202020204" pitchFamily="34" charset="0"/>
-              </a:rPr>
-              <a:t>Radiological Society of North America (RSNA)</a:t>
-            </a:r>
-            <a:r>
-              <a:rPr lang="en-US" sz="2000" dirty="0">
-                <a:effectLst/>
-                <a:latin typeface="Arial" panose="020B0604020202020204" pitchFamily="34" charset="0"/>
-                <a:ea typeface="Times New Roman" panose="02020603050405020304" pitchFamily="18" charset="0"/>
-              </a:rPr>
-              <a:t> </a:t>
-            </a:r>
-            <a:r>
-              <a:rPr lang="en-US" sz="2000" dirty="0">
-                <a:solidFill>
-                  <a:schemeClr val="tx1"/>
-                </a:solidFill>
-                <a:latin typeface="Arial" panose="020B0604020202020204" pitchFamily="34" charset="0"/>
-                <a:cs typeface="Arial" panose="020B0604020202020204" pitchFamily="34" charset="0"/>
-              </a:rPr>
-              <a:t>Screening mammography breast cancer detection dataset composed of: </a:t>
-            </a:r>
-          </a:p>
-          <a:p>
-            <a:pPr marL="742950" lvl="2" indent="-342900" algn="l" rtl="0">
-              <a:buSzPct val="160000"/>
-              <a:buFont typeface="Arial" panose="020B0604020202020204" pitchFamily="34" charset="0"/>
-              <a:buChar char="•"/>
-            </a:pPr>
-            <a:r>
-              <a:rPr lang="en-US" sz="2000" dirty="0">
-                <a:solidFill>
-                  <a:schemeClr val="tx1"/>
-                </a:solidFill>
-                <a:latin typeface="Arial" panose="020B0604020202020204" pitchFamily="34" charset="0"/>
-                <a:cs typeface="Arial" panose="020B0604020202020204" pitchFamily="34" charset="0"/>
-              </a:rPr>
-              <a:t>54713 files    </a:t>
-            </a:r>
-          </a:p>
-          <a:p>
-            <a:pPr marL="742950" lvl="2" indent="-342900" algn="l" rtl="0">
-              <a:buSzPct val="160000"/>
-              <a:buFont typeface="Arial" panose="020B0604020202020204" pitchFamily="34" charset="0"/>
-              <a:buChar char="•"/>
-            </a:pPr>
-            <a:r>
-              <a:rPr lang="en-US" sz="2000" dirty="0">
-                <a:solidFill>
-                  <a:schemeClr val="tx1"/>
-                </a:solidFill>
-                <a:latin typeface="Arial" panose="020B0604020202020204" pitchFamily="34" charset="0"/>
-                <a:cs typeface="Arial" panose="020B0604020202020204" pitchFamily="34" charset="0"/>
-              </a:rPr>
-              <a:t>size of 314.72gb </a:t>
-            </a:r>
-          </a:p>
-          <a:p>
-            <a:pPr marL="742950" lvl="2" indent="-342900" algn="l" rtl="0">
-              <a:buSzPct val="160000"/>
-              <a:buFont typeface="Arial" panose="020B0604020202020204" pitchFamily="34" charset="0"/>
-              <a:buChar char="•"/>
-            </a:pPr>
-            <a:r>
-              <a:rPr lang="en-US" sz="2000" dirty="0">
-                <a:solidFill>
-                  <a:schemeClr val="tx1"/>
-                </a:solidFill>
-                <a:latin typeface="Arial" panose="020B0604020202020204" pitchFamily="34" charset="0"/>
-                <a:cs typeface="Arial" panose="020B0604020202020204" pitchFamily="34" charset="0"/>
-              </a:rPr>
-              <a:t>roughly 8,000 patients in the hidden test set (there are usually but not always 4 images per patient).</a:t>
-            </a:r>
-          </a:p>
-          <a:p>
-            <a:pPr marL="742950" lvl="2" indent="-342900" algn="l" rtl="0">
-              <a:buSzPct val="160000"/>
-              <a:buFont typeface="Arial" panose="020B0604020202020204" pitchFamily="34" charset="0"/>
-              <a:buChar char="•"/>
-            </a:pPr>
-            <a:r>
-              <a:rPr lang="en-US" sz="2000" dirty="0">
-                <a:solidFill>
-                  <a:schemeClr val="tx1"/>
-                </a:solidFill>
-                <a:latin typeface="Arial" panose="020B0604020202020204" pitchFamily="34" charset="0"/>
-                <a:cs typeface="Arial" panose="020B0604020202020204" pitchFamily="34" charset="0"/>
-              </a:rPr>
-              <a:t>Contains the following labels:</a:t>
-            </a:r>
-          </a:p>
-          <a:p>
-            <a:pPr lvl="2" algn="l" rtl="0">
-              <a:buSzPct val="140000"/>
-              <a:buFont typeface="Arial" panose="020B0604020202020204" pitchFamily="34" charset="0"/>
-              <a:buChar char="•"/>
-            </a:pPr>
-            <a:r>
-              <a:rPr lang="en-US" sz="2000" dirty="0">
-                <a:solidFill>
-                  <a:schemeClr val="tx1"/>
-                </a:solidFill>
-                <a:latin typeface="Arial" panose="020B0604020202020204" pitchFamily="34" charset="0"/>
-                <a:cs typeface="Arial" panose="020B0604020202020204" pitchFamily="34" charset="0"/>
-              </a:rPr>
-              <a:t>cancer - Whether or not the breast was positive for malignant cancer.</a:t>
-            </a:r>
-          </a:p>
-          <a:p>
-            <a:pPr lvl="2" algn="l" rtl="0">
-              <a:buSzPct val="140000"/>
-              <a:buFont typeface="Arial" panose="020B0604020202020204" pitchFamily="34" charset="0"/>
-              <a:buChar char="•"/>
-            </a:pPr>
-            <a:r>
-              <a:rPr lang="en-US" sz="2000" dirty="0">
-                <a:solidFill>
-                  <a:schemeClr val="tx1"/>
-                </a:solidFill>
-                <a:latin typeface="Arial" panose="020B0604020202020204" pitchFamily="34" charset="0"/>
-                <a:cs typeface="Arial" panose="020B0604020202020204" pitchFamily="34" charset="0"/>
-              </a:rPr>
-              <a:t>BIRADS - 0 if the breast required follow-up, 1 if the breast was rated as negative for cancer, and 2 if the breast was rated as normal. Only provided for train.</a:t>
-            </a:r>
-          </a:p>
-          <a:p>
-            <a:pPr lvl="2" algn="l" rtl="0">
-              <a:buSzPct val="140000"/>
-              <a:buFont typeface="Arial" panose="020B0604020202020204" pitchFamily="34" charset="0"/>
-              <a:buChar char="•"/>
-            </a:pPr>
-            <a:r>
-              <a:rPr lang="en-US" sz="2000" dirty="0">
-                <a:solidFill>
-                  <a:schemeClr val="tx1"/>
-                </a:solidFill>
-                <a:latin typeface="Arial" panose="020B0604020202020204" pitchFamily="34" charset="0"/>
-                <a:cs typeface="Arial" panose="020B0604020202020204" pitchFamily="34" charset="0"/>
-              </a:rPr>
-              <a:t>invasive - If the breast is positive for cancer, whether or not the cancer proved to be invasive. </a:t>
-            </a:r>
-            <a:br>
-              <a:rPr lang="en-US" sz="2000" dirty="0">
-                <a:solidFill>
-                  <a:schemeClr val="tx1"/>
-                </a:solidFill>
-                <a:latin typeface="Arial" panose="020B0604020202020204" pitchFamily="34" charset="0"/>
-                <a:cs typeface="Arial" panose="020B0604020202020204" pitchFamily="34" charset="0"/>
-              </a:rPr>
-            </a:br>
-            <a:endParaRPr lang="en-US" sz="2000" dirty="0">
-              <a:solidFill>
-                <a:schemeClr val="tx1"/>
-              </a:solidFill>
-              <a:latin typeface="Arial" panose="020B0604020202020204" pitchFamily="34" charset="0"/>
-              <a:cs typeface="Arial" panose="020B0604020202020204" pitchFamily="34" charset="0"/>
-            </a:endParaRPr>
-          </a:p>
-        </p:txBody>
-      </p:sp>
-      <p:sp>
-        <p:nvSpPr>
           <p:cNvPr id="37" name="Isosceles Triangle 36">
             <a:extLst>
               <a:ext uri="{FF2B5EF4-FFF2-40B4-BE49-F238E27FC236}">
@@ -9428,39 +9502,175 @@
           </a:fontRef>
         </p:style>
       </p:sp>
-      <p:sp>
-        <p:nvSpPr>
-          <p:cNvPr id="4" name="מציין מיקום של מספר שקופית 3">
+      <p:pic>
+        <p:nvPicPr>
+          <p:cNvPr id="9" name="מציין מיקום תוכן 8">
             <a:extLst>
               <a:ext uri="{FF2B5EF4-FFF2-40B4-BE49-F238E27FC236}">
-                <a16:creationId xmlns:a16="http://schemas.microsoft.com/office/drawing/2014/main" id="{B4760022-33B6-D21C-0AD2-DEE0EF4B1BDD}"/>
+                <a16:creationId xmlns:a16="http://schemas.microsoft.com/office/drawing/2014/main" id="{9747C6C9-4DC3-A104-9E09-E34F6EE79369}"/>
               </a:ext>
             </a:extLst>
           </p:cNvPr>
-          <p:cNvSpPr>
-            <a:spLocks noGrp="1"/>
-          </p:cNvSpPr>
-          <p:nvPr>
-            <p:ph type="sldNum" sz="quarter" idx="12"/>
-          </p:nvPr>
-        </p:nvSpPr>
-        <p:spPr/>
+          <p:cNvPicPr>
+            <a:picLocks noGrp="1" noChangeAspect="1"/>
+          </p:cNvPicPr>
+          <p:nvPr>
+            <p:ph idx="1"/>
+          </p:nvPr>
+        </p:nvPicPr>
+        <p:blipFill>
+          <a:blip r:embed="rId2"/>
+          <a:stretch>
+            <a:fillRect/>
+          </a:stretch>
+        </p:blipFill>
+        <p:spPr>
+          <a:xfrm>
+            <a:off x="1479319" y="1170792"/>
+            <a:ext cx="9359697" cy="5116106"/>
+          </a:xfrm>
+        </p:spPr>
+      </p:pic>
+      <p:sp>
+        <p:nvSpPr>
+          <p:cNvPr id="3" name="מציין מיקום של מספר שקופית 1">
+            <a:extLst>
+              <a:ext uri="{FF2B5EF4-FFF2-40B4-BE49-F238E27FC236}">
+                <a16:creationId xmlns:a16="http://schemas.microsoft.com/office/drawing/2014/main" id="{356378E0-FDA0-D3BF-7139-5E61EC8138ED}"/>
+              </a:ext>
+            </a:extLst>
+          </p:cNvPr>
+          <p:cNvSpPr txBox="1">
+            <a:spLocks/>
+          </p:cNvSpPr>
+          <p:nvPr/>
+        </p:nvSpPr>
+        <p:spPr>
+          <a:xfrm>
+            <a:off x="11059927" y="6492875"/>
+            <a:ext cx="683339" cy="365125"/>
+          </a:xfrm>
+          <a:prstGeom prst="rect">
+            <a:avLst/>
+          </a:prstGeom>
+        </p:spPr>
         <p:txBody>
-          <a:bodyPr/>
-          <a:lstStyle/>
+          <a:bodyPr vert="horz" lIns="91440" tIns="45720" rIns="91440" bIns="45720" rtlCol="0" anchor="ctr"/>
+          <a:lstStyle>
+            <a:defPPr>
+              <a:defRPr lang="en-US"/>
+            </a:defPPr>
+            <a:lvl1pPr marL="0" algn="r" defTabSz="457200" rtl="0" eaLnBrk="1" latinLnBrk="0" hangingPunct="1">
+              <a:defRPr sz="900" kern="1200">
+                <a:solidFill>
+                  <a:schemeClr val="accent1"/>
+                </a:solidFill>
+                <a:latin typeface="+mn-lt"/>
+                <a:ea typeface="+mn-ea"/>
+                <a:cs typeface="+mn-cs"/>
+              </a:defRPr>
+            </a:lvl1pPr>
+            <a:lvl2pPr marL="457200" algn="l" defTabSz="457200" rtl="0" eaLnBrk="1" latinLnBrk="0" hangingPunct="1">
+              <a:defRPr sz="1800" kern="1200">
+                <a:solidFill>
+                  <a:schemeClr val="tx1"/>
+                </a:solidFill>
+                <a:latin typeface="+mn-lt"/>
+                <a:ea typeface="+mn-ea"/>
+                <a:cs typeface="+mn-cs"/>
+              </a:defRPr>
+            </a:lvl2pPr>
+            <a:lvl3pPr marL="914400" algn="l" defTabSz="457200" rtl="0" eaLnBrk="1" latinLnBrk="0" hangingPunct="1">
+              <a:defRPr sz="1800" kern="1200">
+                <a:solidFill>
+                  <a:schemeClr val="tx1"/>
+                </a:solidFill>
+                <a:latin typeface="+mn-lt"/>
+                <a:ea typeface="+mn-ea"/>
+                <a:cs typeface="+mn-cs"/>
+              </a:defRPr>
+            </a:lvl3pPr>
+            <a:lvl4pPr marL="1371600" algn="l" defTabSz="457200" rtl="0" eaLnBrk="1" latinLnBrk="0" hangingPunct="1">
+              <a:defRPr sz="1800" kern="1200">
+                <a:solidFill>
+                  <a:schemeClr val="tx1"/>
+                </a:solidFill>
+                <a:latin typeface="+mn-lt"/>
+                <a:ea typeface="+mn-ea"/>
+                <a:cs typeface="+mn-cs"/>
+              </a:defRPr>
+            </a:lvl4pPr>
+            <a:lvl5pPr marL="1828800" algn="l" defTabSz="457200" rtl="0" eaLnBrk="1" latinLnBrk="0" hangingPunct="1">
+              <a:defRPr sz="1800" kern="1200">
+                <a:solidFill>
+                  <a:schemeClr val="tx1"/>
+                </a:solidFill>
+                <a:latin typeface="+mn-lt"/>
+                <a:ea typeface="+mn-ea"/>
+                <a:cs typeface="+mn-cs"/>
+              </a:defRPr>
+            </a:lvl5pPr>
+            <a:lvl6pPr marL="2286000" algn="l" defTabSz="457200" rtl="0" eaLnBrk="1" latinLnBrk="0" hangingPunct="1">
+              <a:defRPr sz="1800" kern="1200">
+                <a:solidFill>
+                  <a:schemeClr val="tx1"/>
+                </a:solidFill>
+                <a:latin typeface="+mn-lt"/>
+                <a:ea typeface="+mn-ea"/>
+                <a:cs typeface="+mn-cs"/>
+              </a:defRPr>
+            </a:lvl6pPr>
+            <a:lvl7pPr marL="2743200" algn="l" defTabSz="457200" rtl="0" eaLnBrk="1" latinLnBrk="0" hangingPunct="1">
+              <a:defRPr sz="1800" kern="1200">
+                <a:solidFill>
+                  <a:schemeClr val="tx1"/>
+                </a:solidFill>
+                <a:latin typeface="+mn-lt"/>
+                <a:ea typeface="+mn-ea"/>
+                <a:cs typeface="+mn-cs"/>
+              </a:defRPr>
+            </a:lvl7pPr>
+            <a:lvl8pPr marL="3200400" algn="l" defTabSz="457200" rtl="0" eaLnBrk="1" latinLnBrk="0" hangingPunct="1">
+              <a:defRPr sz="1800" kern="1200">
+                <a:solidFill>
+                  <a:schemeClr val="tx1"/>
+                </a:solidFill>
+                <a:latin typeface="+mn-lt"/>
+                <a:ea typeface="+mn-ea"/>
+                <a:cs typeface="+mn-cs"/>
+              </a:defRPr>
+            </a:lvl8pPr>
+            <a:lvl9pPr marL="3657600" algn="l" defTabSz="457200" rtl="0" eaLnBrk="1" latinLnBrk="0" hangingPunct="1">
+              <a:defRPr sz="1800" kern="1200">
+                <a:solidFill>
+                  <a:schemeClr val="tx1"/>
+                </a:solidFill>
+                <a:latin typeface="+mn-lt"/>
+                <a:ea typeface="+mn-ea"/>
+                <a:cs typeface="+mn-cs"/>
+              </a:defRPr>
+            </a:lvl9pPr>
+          </a:lstStyle>
           <a:p>
             <a:fld id="{FEDBE076-7370-4F39-B8CE-D2BB33626AF3}" type="slidenum">
-              <a:rPr lang="he-IL" smtClean="0"/>
+              <a:rPr lang="he-IL" sz="1200" smtClean="0">
+                <a:latin typeface="Arial" panose="020B0604020202020204" pitchFamily="34" charset="0"/>
+                <a:cs typeface="Arial" panose="020B0604020202020204" pitchFamily="34" charset="0"/>
+              </a:rPr>
+              <a:pPr/>
               <a:t>14</a:t>
             </a:fld>
-            <a:endParaRPr lang="he-IL"/>
+            <a:endParaRPr lang="he-IL" sz="1000" dirty="0">
+              <a:latin typeface="Arial" panose="020B0604020202020204" pitchFamily="34" charset="0"/>
+              <a:cs typeface="Arial" panose="020B0604020202020204" pitchFamily="34" charset="0"/>
+            </a:endParaRPr>
           </a:p>
         </p:txBody>
       </p:sp>
     </p:spTree>
     <p:extLst>
       <p:ext uri="{BB962C8B-B14F-4D97-AF65-F5344CB8AC3E}">
-        <p14:creationId xmlns:p14="http://schemas.microsoft.com/office/powerpoint/2010/main" val="796343532"/>
+        <p14:creationId xmlns:p14="http://schemas.microsoft.com/office/powerpoint/2010/main" val="2359142417"/>
       </p:ext>
     </p:extLst>
   </p:cSld>
@@ -9618,12 +9828,8 @@
                 <a:latin typeface="Arial" panose="020B0604020202020204" pitchFamily="34" charset="0"/>
                 <a:cs typeface="Arial" panose="020B0604020202020204" pitchFamily="34" charset="0"/>
               </a:rPr>
-              <a:t>RSNA</a:t>
-            </a:r>
-            <a:endParaRPr lang="he-IL" sz="4000" dirty="0">
-              <a:latin typeface="Arial" panose="020B0604020202020204" pitchFamily="34" charset="0"/>
-              <a:cs typeface="Arial" panose="020B0604020202020204" pitchFamily="34" charset="0"/>
-            </a:endParaRPr>
+              <a:t>Researched hyperparameters</a:t>
+            </a:r>
           </a:p>
         </p:txBody>
       </p:sp>
@@ -9687,6 +9893,111 @@
       </p:sp>
       <p:sp>
         <p:nvSpPr>
+          <p:cNvPr id="3" name="מציין מיקום תוכן 2">
+            <a:extLst>
+              <a:ext uri="{FF2B5EF4-FFF2-40B4-BE49-F238E27FC236}">
+                <a16:creationId xmlns:a16="http://schemas.microsoft.com/office/drawing/2014/main" id="{E63CB9F7-1BEA-5E29-A0FC-A93719833515}"/>
+              </a:ext>
+            </a:extLst>
+          </p:cNvPr>
+          <p:cNvSpPr>
+            <a:spLocks noGrp="1"/>
+          </p:cNvSpPr>
+          <p:nvPr>
+            <p:ph idx="1"/>
+          </p:nvPr>
+        </p:nvSpPr>
+        <p:spPr>
+          <a:xfrm>
+            <a:off x="1318735" y="1295786"/>
+            <a:ext cx="9819603" cy="4781579"/>
+          </a:xfrm>
+        </p:spPr>
+        <p:txBody>
+          <a:bodyPr>
+            <a:normAutofit/>
+          </a:bodyPr>
+          <a:lstStyle/>
+          <a:p>
+            <a:pPr marL="0" indent="0" algn="l" rtl="0">
+              <a:buNone/>
+            </a:pPr>
+            <a:r>
+              <a:rPr lang="en-US" sz="2000" dirty="0">
+                <a:solidFill>
+                  <a:schemeClr val="tx1"/>
+                </a:solidFill>
+                <a:latin typeface="Arial" panose="020B0604020202020204" pitchFamily="34" charset="0"/>
+                <a:cs typeface="Arial" panose="020B0604020202020204" pitchFamily="34" charset="0"/>
+              </a:rPr>
+              <a:t>Learning rate {0.1 – 0.000001}, learning rate determines the step size at each iteration while moving toward a minimum of a loss function.</a:t>
+            </a:r>
+          </a:p>
+          <a:p>
+            <a:pPr marL="0" indent="0" algn="l" rtl="0">
+              <a:buNone/>
+            </a:pPr>
+            <a:r>
+              <a:rPr lang="en-US" sz="2000" dirty="0">
+                <a:solidFill>
+                  <a:schemeClr val="tx1"/>
+                </a:solidFill>
+                <a:latin typeface="Arial" panose="020B0604020202020204" pitchFamily="34" charset="0"/>
+                <a:cs typeface="Arial" panose="020B0604020202020204" pitchFamily="34" charset="0"/>
+              </a:rPr>
+              <a:t>Epochs {10, 50, 250},  specifies the number of epochs or full passes of the entire training dataset through the algorithm’s training or learning process.</a:t>
+            </a:r>
+          </a:p>
+          <a:p>
+            <a:pPr marL="0" indent="0" algn="l" rtl="0">
+              <a:buNone/>
+            </a:pPr>
+            <a:r>
+              <a:rPr lang="en-US" sz="2000" dirty="0">
+                <a:solidFill>
+                  <a:schemeClr val="tx1"/>
+                </a:solidFill>
+                <a:latin typeface="Arial" panose="020B0604020202020204" pitchFamily="34" charset="0"/>
+                <a:cs typeface="Arial" panose="020B0604020202020204" pitchFamily="34" charset="0"/>
+              </a:rPr>
+              <a:t>Batch size {32, 64}, batch size is the number of samples that are passed through the model before the model is updated. The size of a batch must be less than the number of samples in the training dataset.</a:t>
+            </a:r>
+          </a:p>
+          <a:p>
+            <a:pPr marL="0" indent="0" algn="l" rtl="0">
+              <a:buNone/>
+            </a:pPr>
+            <a:r>
+              <a:rPr lang="en-US" sz="2000" dirty="0">
+                <a:solidFill>
+                  <a:schemeClr val="tx1"/>
+                </a:solidFill>
+                <a:latin typeface="Arial" panose="020B0604020202020204" pitchFamily="34" charset="0"/>
+                <a:cs typeface="Arial" panose="020B0604020202020204" pitchFamily="34" charset="0"/>
+              </a:rPr>
+              <a:t>Dropout {0.2-0.5} Dropout is a technique where randomly selected neurons are ignored during training. They are “dropped out” randomly. Dropout helps combat overfitting of the model</a:t>
+            </a:r>
+            <a:br>
+              <a:rPr lang="en-US" sz="2000" dirty="0">
+                <a:solidFill>
+                  <a:schemeClr val="tx1"/>
+                </a:solidFill>
+                <a:latin typeface="Arial" panose="020B0604020202020204" pitchFamily="34" charset="0"/>
+                <a:cs typeface="Arial" panose="020B0604020202020204" pitchFamily="34" charset="0"/>
+              </a:rPr>
+            </a:br>
+            <a:endParaRPr lang="en-US" sz="2000" dirty="0">
+              <a:solidFill>
+                <a:schemeClr val="tx1"/>
+              </a:solidFill>
+              <a:latin typeface="Arial" panose="020B0604020202020204" pitchFamily="34" charset="0"/>
+              <a:cs typeface="Arial" panose="020B0604020202020204" pitchFamily="34" charset="0"/>
+            </a:endParaRPr>
+          </a:p>
+        </p:txBody>
+      </p:sp>
+      <p:sp>
+        <p:nvSpPr>
           <p:cNvPr id="37" name="Isosceles Triangle 36">
             <a:extLst>
               <a:ext uri="{FF2B5EF4-FFF2-40B4-BE49-F238E27FC236}">
@@ -9743,477 +10054,139 @@
           </a:fontRef>
         </p:style>
       </p:sp>
-      <p:pic>
-        <p:nvPicPr>
-          <p:cNvPr id="9" name="מציין מיקום תוכן 8">
+      <p:sp>
+        <p:nvSpPr>
+          <p:cNvPr id="5" name="מציין מיקום של מספר שקופית 1">
             <a:extLst>
               <a:ext uri="{FF2B5EF4-FFF2-40B4-BE49-F238E27FC236}">
-                <a16:creationId xmlns:a16="http://schemas.microsoft.com/office/drawing/2014/main" id="{9747C6C9-4DC3-A104-9E09-E34F6EE79369}"/>
+                <a16:creationId xmlns:a16="http://schemas.microsoft.com/office/drawing/2014/main" id="{26183483-AE2E-7DA4-F844-431F2B8F2832}"/>
               </a:ext>
             </a:extLst>
           </p:cNvPr>
-          <p:cNvPicPr>
-            <a:picLocks noGrp="1" noChangeAspect="1"/>
-          </p:cNvPicPr>
-          <p:nvPr>
-            <p:ph idx="1"/>
-          </p:nvPr>
-        </p:nvPicPr>
-        <p:blipFill>
-          <a:blip r:embed="rId2"/>
-          <a:stretch>
-            <a:fillRect/>
-          </a:stretch>
-        </p:blipFill>
+          <p:cNvSpPr txBox="1">
+            <a:spLocks/>
+          </p:cNvSpPr>
+          <p:nvPr/>
+        </p:nvSpPr>
         <p:spPr>
           <a:xfrm>
-            <a:off x="1829571" y="1215868"/>
-            <a:ext cx="9359697" cy="5116106"/>
-          </a:xfrm>
-        </p:spPr>
-      </p:pic>
-      <p:sp>
-        <p:nvSpPr>
-          <p:cNvPr id="10" name="מציין מיקום של מספר שקופית 9">
-            <a:extLst>
-              <a:ext uri="{FF2B5EF4-FFF2-40B4-BE49-F238E27FC236}">
-                <a16:creationId xmlns:a16="http://schemas.microsoft.com/office/drawing/2014/main" id="{856F6F66-33FB-C15E-A222-64E4F4F9BBD0}"/>
-              </a:ext>
-            </a:extLst>
-          </p:cNvPr>
-          <p:cNvSpPr>
-            <a:spLocks noGrp="1"/>
-          </p:cNvSpPr>
-          <p:nvPr>
-            <p:ph type="sldNum" sz="quarter" idx="12"/>
-          </p:nvPr>
-        </p:nvSpPr>
-        <p:spPr/>
-        <p:txBody>
-          <a:bodyPr/>
-          <a:lstStyle/>
-          <a:p>
-            <a:fld id="{FEDBE076-7370-4F39-B8CE-D2BB33626AF3}" type="slidenum">
-              <a:rPr lang="he-IL" smtClean="0"/>
-              <a:t>15</a:t>
-            </a:fld>
-            <a:endParaRPr lang="he-IL"/>
-          </a:p>
-        </p:txBody>
-      </p:sp>
-    </p:spTree>
-    <p:extLst>
-      <p:ext uri="{BB962C8B-B14F-4D97-AF65-F5344CB8AC3E}">
-        <p14:creationId xmlns:p14="http://schemas.microsoft.com/office/powerpoint/2010/main" val="2359142417"/>
-      </p:ext>
-    </p:extLst>
-  </p:cSld>
-  <p:clrMapOvr>
-    <a:masterClrMapping/>
-  </p:clrMapOvr>
-</p:sld>
-</file>
-
-<file path=ppt/slides/slide16.xml><?xml version="1.0" encoding="utf-8"?>
-<p:sld xmlns:a="http://schemas.openxmlformats.org/drawingml/2006/main" xmlns:r="http://schemas.openxmlformats.org/officeDocument/2006/relationships" xmlns:p="http://schemas.openxmlformats.org/presentationml/2006/main">
-  <p:cSld>
-    <p:bg>
-      <p:bgPr>
-        <a:solidFill>
-          <a:schemeClr val="bg1"/>
-        </a:solidFill>
-        <a:effectLst/>
-      </p:bgPr>
-    </p:bg>
-    <p:spTree>
-      <p:nvGrpSpPr>
-        <p:cNvPr id="1" name=""/>
-        <p:cNvGrpSpPr/>
-        <p:nvPr/>
-      </p:nvGrpSpPr>
-      <p:grpSpPr>
-        <a:xfrm>
-          <a:off x="0" y="0"/>
-          <a:ext cx="0" cy="0"/>
-          <a:chOff x="0" y="0"/>
-          <a:chExt cx="0" cy="0"/>
-        </a:xfrm>
-      </p:grpSpPr>
-      <p:sp useBgFill="1">
-        <p:nvSpPr>
-          <p:cNvPr id="33" name="Rectangle 32">
-            <a:extLst>
-              <a:ext uri="{FF2B5EF4-FFF2-40B4-BE49-F238E27FC236}">
-                <a16:creationId xmlns:a16="http://schemas.microsoft.com/office/drawing/2014/main" id="{E80B86A7-A1EC-475B-9166-88902B033A38}"/>
-              </a:ext>
-              <a:ext uri="{C183D7F6-B498-43B3-948B-1728B52AA6E4}">
-                <adec:decorative xmlns:adec="http://schemas.microsoft.com/office/drawing/2017/decorative" val="1"/>
-              </a:ext>
-            </a:extLst>
-          </p:cNvPr>
-          <p:cNvSpPr>
-            <a:spLocks noGrp="1" noRot="1" noChangeAspect="1" noMove="1" noResize="1" noEditPoints="1" noAdjustHandles="1" noChangeArrowheads="1" noChangeShapeType="1" noTextEdit="1"/>
-          </p:cNvSpPr>
-          <p:nvPr>
-            <p:extLst>
-              <p:ext uri="{386F3935-93C4-4BCD-93E2-E3B085C9AB24}">
-                <p16:designElem xmlns:p16="http://schemas.microsoft.com/office/powerpoint/2015/main" val="1"/>
-              </p:ext>
-            </p:extLst>
-          </p:nvPr>
-        </p:nvSpPr>
-        <p:spPr>
-          <a:xfrm>
-            <a:off x="0" y="0"/>
-            <a:ext cx="12192000" cy="6858000"/>
+            <a:off x="11059927" y="6492875"/>
+            <a:ext cx="683339" cy="365125"/>
           </a:xfrm>
           <a:prstGeom prst="rect">
             <a:avLst/>
           </a:prstGeom>
-          <a:ln>
-            <a:noFill/>
-          </a:ln>
-        </p:spPr>
-        <p:style>
-          <a:lnRef idx="2">
-            <a:schemeClr val="accent1">
-              <a:shade val="50000"/>
-            </a:schemeClr>
-          </a:lnRef>
-          <a:fillRef idx="1">
-            <a:schemeClr val="accent1"/>
-          </a:fillRef>
-          <a:effectRef idx="0">
-            <a:schemeClr val="accent1"/>
-          </a:effectRef>
-          <a:fontRef idx="minor">
-            <a:schemeClr val="lt1"/>
-          </a:fontRef>
-        </p:style>
-        <p:txBody>
-          <a:bodyPr rtlCol="0" anchor="ctr"/>
-          <a:lstStyle/>
-          <a:p>
-            <a:pPr marL="0" marR="0" lvl="0" indent="0" algn="ctr" defTabSz="457200" rtl="0" eaLnBrk="1" fontAlgn="auto" latinLnBrk="0" hangingPunct="1">
-              <a:lnSpc>
-                <a:spcPct val="100000"/>
-              </a:lnSpc>
-              <a:spcBef>
-                <a:spcPts val="0"/>
-              </a:spcBef>
-              <a:spcAft>
-                <a:spcPts val="0"/>
-              </a:spcAft>
-              <a:buClrTx/>
-              <a:buSzTx/>
-              <a:buFontTx/>
-              <a:buNone/>
-              <a:tabLst/>
-              <a:defRPr/>
-            </a:pPr>
-            <a:endParaRPr kumimoji="0" lang="en-US" sz="1800" b="0" i="0" u="none" strike="noStrike" kern="1200" cap="none" spc="0" normalizeH="0" baseline="0" noProof="0">
-              <a:ln>
-                <a:noFill/>
-              </a:ln>
-              <a:solidFill>
-                <a:prstClr val="white"/>
-              </a:solidFill>
-              <a:effectLst/>
-              <a:uLnTx/>
-              <a:uFillTx/>
-              <a:latin typeface="Trebuchet MS" panose="020B0603020202020204"/>
-              <a:ea typeface="+mn-ea"/>
-              <a:cs typeface="+mn-cs"/>
-            </a:endParaRPr>
-          </a:p>
-        </p:txBody>
-      </p:sp>
-      <p:sp>
-        <p:nvSpPr>
-          <p:cNvPr id="2" name="כותרת 1">
-            <a:extLst>
-              <a:ext uri="{FF2B5EF4-FFF2-40B4-BE49-F238E27FC236}">
-                <a16:creationId xmlns:a16="http://schemas.microsoft.com/office/drawing/2014/main" id="{1ACC9094-DF10-FE2C-933F-47FB37C8A6AB}"/>
-              </a:ext>
-            </a:extLst>
-          </p:cNvPr>
-          <p:cNvSpPr>
-            <a:spLocks noGrp="1"/>
-          </p:cNvSpPr>
-          <p:nvPr>
-            <p:ph type="title"/>
-          </p:nvPr>
-        </p:nvSpPr>
-        <p:spPr>
-          <a:xfrm>
-            <a:off x="1694111" y="316864"/>
-            <a:ext cx="8596668" cy="1320800"/>
-          </a:xfrm>
         </p:spPr>
         <p:txBody>
-          <a:bodyPr>
-            <a:normAutofit/>
-          </a:bodyPr>
-          <a:lstStyle/>
-          <a:p>
-            <a:pPr algn="ctr" rtl="0"/>
-            <a:r>
-              <a:rPr lang="en-US" sz="4000" dirty="0">
+          <a:bodyPr vert="horz" lIns="91440" tIns="45720" rIns="91440" bIns="45720" rtlCol="0" anchor="ctr"/>
+          <a:lstStyle>
+            <a:defPPr>
+              <a:defRPr lang="en-US"/>
+            </a:defPPr>
+            <a:lvl1pPr marL="0" algn="r" defTabSz="457200" rtl="0" eaLnBrk="1" latinLnBrk="0" hangingPunct="1">
+              <a:defRPr sz="900" kern="1200">
+                <a:solidFill>
+                  <a:schemeClr val="accent1"/>
+                </a:solidFill>
+                <a:latin typeface="+mn-lt"/>
+                <a:ea typeface="+mn-ea"/>
+                <a:cs typeface="+mn-cs"/>
+              </a:defRPr>
+            </a:lvl1pPr>
+            <a:lvl2pPr marL="457200" algn="l" defTabSz="457200" rtl="0" eaLnBrk="1" latinLnBrk="0" hangingPunct="1">
+              <a:defRPr sz="1800" kern="1200">
+                <a:solidFill>
+                  <a:schemeClr val="tx1"/>
+                </a:solidFill>
+                <a:latin typeface="+mn-lt"/>
+                <a:ea typeface="+mn-ea"/>
+                <a:cs typeface="+mn-cs"/>
+              </a:defRPr>
+            </a:lvl2pPr>
+            <a:lvl3pPr marL="914400" algn="l" defTabSz="457200" rtl="0" eaLnBrk="1" latinLnBrk="0" hangingPunct="1">
+              <a:defRPr sz="1800" kern="1200">
+                <a:solidFill>
+                  <a:schemeClr val="tx1"/>
+                </a:solidFill>
+                <a:latin typeface="+mn-lt"/>
+                <a:ea typeface="+mn-ea"/>
+                <a:cs typeface="+mn-cs"/>
+              </a:defRPr>
+            </a:lvl3pPr>
+            <a:lvl4pPr marL="1371600" algn="l" defTabSz="457200" rtl="0" eaLnBrk="1" latinLnBrk="0" hangingPunct="1">
+              <a:defRPr sz="1800" kern="1200">
+                <a:solidFill>
+                  <a:schemeClr val="tx1"/>
+                </a:solidFill>
+                <a:latin typeface="+mn-lt"/>
+                <a:ea typeface="+mn-ea"/>
+                <a:cs typeface="+mn-cs"/>
+              </a:defRPr>
+            </a:lvl4pPr>
+            <a:lvl5pPr marL="1828800" algn="l" defTabSz="457200" rtl="0" eaLnBrk="1" latinLnBrk="0" hangingPunct="1">
+              <a:defRPr sz="1800" kern="1200">
+                <a:solidFill>
+                  <a:schemeClr val="tx1"/>
+                </a:solidFill>
+                <a:latin typeface="+mn-lt"/>
+                <a:ea typeface="+mn-ea"/>
+                <a:cs typeface="+mn-cs"/>
+              </a:defRPr>
+            </a:lvl5pPr>
+            <a:lvl6pPr marL="2286000" algn="l" defTabSz="457200" rtl="0" eaLnBrk="1" latinLnBrk="0" hangingPunct="1">
+              <a:defRPr sz="1800" kern="1200">
+                <a:solidFill>
+                  <a:schemeClr val="tx1"/>
+                </a:solidFill>
+                <a:latin typeface="+mn-lt"/>
+                <a:ea typeface="+mn-ea"/>
+                <a:cs typeface="+mn-cs"/>
+              </a:defRPr>
+            </a:lvl6pPr>
+            <a:lvl7pPr marL="2743200" algn="l" defTabSz="457200" rtl="0" eaLnBrk="1" latinLnBrk="0" hangingPunct="1">
+              <a:defRPr sz="1800" kern="1200">
+                <a:solidFill>
+                  <a:schemeClr val="tx1"/>
+                </a:solidFill>
+                <a:latin typeface="+mn-lt"/>
+                <a:ea typeface="+mn-ea"/>
+                <a:cs typeface="+mn-cs"/>
+              </a:defRPr>
+            </a:lvl7pPr>
+            <a:lvl8pPr marL="3200400" algn="l" defTabSz="457200" rtl="0" eaLnBrk="1" latinLnBrk="0" hangingPunct="1">
+              <a:defRPr sz="1800" kern="1200">
+                <a:solidFill>
+                  <a:schemeClr val="tx1"/>
+                </a:solidFill>
+                <a:latin typeface="+mn-lt"/>
+                <a:ea typeface="+mn-ea"/>
+                <a:cs typeface="+mn-cs"/>
+              </a:defRPr>
+            </a:lvl8pPr>
+            <a:lvl9pPr marL="3657600" algn="l" defTabSz="457200" rtl="0" eaLnBrk="1" latinLnBrk="0" hangingPunct="1">
+              <a:defRPr sz="1800" kern="1200">
+                <a:solidFill>
+                  <a:schemeClr val="tx1"/>
+                </a:solidFill>
+                <a:latin typeface="+mn-lt"/>
+                <a:ea typeface="+mn-ea"/>
+                <a:cs typeface="+mn-cs"/>
+              </a:defRPr>
+            </a:lvl9pPr>
+          </a:lstStyle>
+          <a:p>
+            <a:fld id="{FEDBE076-7370-4F39-B8CE-D2BB33626AF3}" type="slidenum">
+              <a:rPr lang="he-IL" sz="1200" smtClean="0">
                 <a:latin typeface="Arial" panose="020B0604020202020204" pitchFamily="34" charset="0"/>
                 <a:cs typeface="Arial" panose="020B0604020202020204" pitchFamily="34" charset="0"/>
               </a:rPr>
-              <a:t>Researched hyperparameters</a:t>
-            </a:r>
-          </a:p>
-        </p:txBody>
-      </p:sp>
-      <p:sp>
-        <p:nvSpPr>
-          <p:cNvPr id="35" name="Isosceles Triangle 34">
-            <a:extLst>
-              <a:ext uri="{FF2B5EF4-FFF2-40B4-BE49-F238E27FC236}">
-                <a16:creationId xmlns:a16="http://schemas.microsoft.com/office/drawing/2014/main" id="{C2C29CB1-9F74-4879-A6AF-AEA67B6F1F4D}"/>
-              </a:ext>
-              <a:ext uri="{C183D7F6-B498-43B3-948B-1728B52AA6E4}">
-                <adec:decorative xmlns:adec="http://schemas.microsoft.com/office/drawing/2017/decorative" val="1"/>
-              </a:ext>
-            </a:extLst>
-          </p:cNvPr>
-          <p:cNvSpPr>
-            <a:spLocks noGrp="1" noRot="1" noChangeAspect="1" noMove="1" noResize="1" noEditPoints="1" noAdjustHandles="1" noChangeArrowheads="1" noChangeShapeType="1" noTextEdit="1"/>
-          </p:cNvSpPr>
-          <p:nvPr>
-            <p:extLst>
-              <p:ext uri="{386F3935-93C4-4BCD-93E2-E3B085C9AB24}">
-                <p16:designElem xmlns:p16="http://schemas.microsoft.com/office/powerpoint/2015/main" val="1"/>
-              </p:ext>
-            </p:extLst>
-          </p:nvPr>
-        </p:nvSpPr>
-        <p:spPr>
-          <a:xfrm rot="10800000">
-            <a:off x="0" y="0"/>
-            <a:ext cx="842596" cy="5666154"/>
-          </a:xfrm>
-          <a:prstGeom prst="triangle">
-            <a:avLst>
-              <a:gd name="adj" fmla="val 100000"/>
-            </a:avLst>
-          </a:prstGeom>
-          <a:solidFill>
-            <a:schemeClr val="accent1">
-              <a:alpha val="85000"/>
-            </a:schemeClr>
-          </a:solidFill>
-          <a:ln>
-            <a:noFill/>
-          </a:ln>
-          <a:effectLst/>
-        </p:spPr>
-        <p:style>
-          <a:lnRef idx="1">
-            <a:schemeClr val="accent1"/>
-          </a:lnRef>
-          <a:fillRef idx="3">
-            <a:schemeClr val="accent1"/>
-          </a:fillRef>
-          <a:effectRef idx="2">
-            <a:schemeClr val="accent1"/>
-          </a:effectRef>
-          <a:fontRef idx="minor">
-            <a:schemeClr val="lt1"/>
-          </a:fontRef>
-        </p:style>
-      </p:sp>
-      <p:sp>
-        <p:nvSpPr>
-          <p:cNvPr id="3" name="מציין מיקום תוכן 2">
-            <a:extLst>
-              <a:ext uri="{FF2B5EF4-FFF2-40B4-BE49-F238E27FC236}">
-                <a16:creationId xmlns:a16="http://schemas.microsoft.com/office/drawing/2014/main" id="{E63CB9F7-1BEA-5E29-A0FC-A93719833515}"/>
-              </a:ext>
-            </a:extLst>
-          </p:cNvPr>
-          <p:cNvSpPr>
-            <a:spLocks noGrp="1"/>
-          </p:cNvSpPr>
-          <p:nvPr>
-            <p:ph idx="1"/>
-          </p:nvPr>
-        </p:nvSpPr>
-        <p:spPr>
-          <a:xfrm>
-            <a:off x="1318735" y="1295786"/>
-            <a:ext cx="9819603" cy="4781579"/>
-          </a:xfrm>
-        </p:spPr>
-        <p:txBody>
-          <a:bodyPr>
-            <a:normAutofit/>
-          </a:bodyPr>
-          <a:lstStyle/>
-          <a:p>
-            <a:pPr marL="0" indent="0" algn="l" rtl="0">
-              <a:buNone/>
-            </a:pPr>
-            <a:r>
-              <a:rPr lang="en-US" sz="2000" dirty="0">
-                <a:solidFill>
-                  <a:schemeClr val="tx1"/>
-                </a:solidFill>
-                <a:latin typeface="Arial" panose="020B0604020202020204" pitchFamily="34" charset="0"/>
-                <a:cs typeface="Arial" panose="020B0604020202020204" pitchFamily="34" charset="0"/>
-              </a:rPr>
-              <a:t>Learning rate {0.1 – 0.000001}, learning rate determines the step size at each iteration while moving toward a minimum of a loss function.</a:t>
-            </a:r>
-          </a:p>
-          <a:p>
-            <a:pPr marL="0" indent="0" algn="l" rtl="0">
-              <a:buNone/>
-            </a:pPr>
-            <a:r>
-              <a:rPr lang="en-US" sz="2000" dirty="0">
-                <a:solidFill>
-                  <a:schemeClr val="tx1"/>
-                </a:solidFill>
-                <a:latin typeface="Arial" panose="020B0604020202020204" pitchFamily="34" charset="0"/>
-                <a:cs typeface="Arial" panose="020B0604020202020204" pitchFamily="34" charset="0"/>
-              </a:rPr>
-              <a:t>Epochs {10, 50, 250},  specifies the number of epochs or full passes of the entire training dataset through the algorithm’s training or learning process.</a:t>
-            </a:r>
-          </a:p>
-          <a:p>
-            <a:pPr marL="0" indent="0" algn="l" rtl="0">
-              <a:buNone/>
-            </a:pPr>
-            <a:r>
-              <a:rPr lang="en-US" sz="2000" dirty="0">
-                <a:solidFill>
-                  <a:schemeClr val="tx1"/>
-                </a:solidFill>
-                <a:latin typeface="Arial" panose="020B0604020202020204" pitchFamily="34" charset="0"/>
-                <a:cs typeface="Arial" panose="020B0604020202020204" pitchFamily="34" charset="0"/>
-              </a:rPr>
-              <a:t>Batch size {32, 64}, batch size is the number of samples that are passed through the model before the model is updated. The size of a batch must be less than the number of samples in the training dataset.</a:t>
-            </a:r>
-          </a:p>
-          <a:p>
-            <a:pPr marL="0" indent="0" algn="l" rtl="0">
-              <a:buNone/>
-            </a:pPr>
-            <a:r>
-              <a:rPr lang="en-US" sz="2000" dirty="0">
-                <a:solidFill>
-                  <a:schemeClr val="tx1"/>
-                </a:solidFill>
-                <a:latin typeface="Arial" panose="020B0604020202020204" pitchFamily="34" charset="0"/>
-                <a:cs typeface="Arial" panose="020B0604020202020204" pitchFamily="34" charset="0"/>
-              </a:rPr>
-              <a:t>Dropout {0.2-0.5} Dropout is a technique where randomly selected neurons are ignored during training. They are “dropped out” randomly. Dropout helps combat overfitting of the model</a:t>
-            </a:r>
-            <a:br>
-              <a:rPr lang="en-US" sz="2000" dirty="0">
-                <a:solidFill>
-                  <a:schemeClr val="tx1"/>
-                </a:solidFill>
-                <a:latin typeface="Arial" panose="020B0604020202020204" pitchFamily="34" charset="0"/>
-                <a:cs typeface="Arial" panose="020B0604020202020204" pitchFamily="34" charset="0"/>
-              </a:rPr>
-            </a:br>
-            <a:endParaRPr lang="en-US" sz="2000" dirty="0">
-              <a:solidFill>
-                <a:schemeClr val="tx1"/>
-              </a:solidFill>
+              <a:pPr/>
+              <a:t>15</a:t>
+            </a:fld>
+            <a:endParaRPr lang="he-IL" sz="1000" dirty="0">
               <a:latin typeface="Arial" panose="020B0604020202020204" pitchFamily="34" charset="0"/>
               <a:cs typeface="Arial" panose="020B0604020202020204" pitchFamily="34" charset="0"/>
             </a:endParaRPr>
-          </a:p>
-        </p:txBody>
-      </p:sp>
-      <p:sp>
-        <p:nvSpPr>
-          <p:cNvPr id="37" name="Isosceles Triangle 36">
-            <a:extLst>
-              <a:ext uri="{FF2B5EF4-FFF2-40B4-BE49-F238E27FC236}">
-                <a16:creationId xmlns:a16="http://schemas.microsoft.com/office/drawing/2014/main" id="{7E2C7115-5336-410C-AD71-0F0952A2E5A7}"/>
-              </a:ext>
-              <a:ext uri="{C183D7F6-B498-43B3-948B-1728B52AA6E4}">
-                <adec:decorative xmlns:adec="http://schemas.microsoft.com/office/drawing/2017/decorative" val="1"/>
-              </a:ext>
-            </a:extLst>
-          </p:cNvPr>
-          <p:cNvSpPr>
-            <a:spLocks noGrp="1" noRot="1" noChangeAspect="1" noMove="1" noResize="1" noEditPoints="1" noAdjustHandles="1" noChangeArrowheads="1" noChangeShapeType="1" noTextEdit="1"/>
-          </p:cNvSpPr>
-          <p:nvPr>
-            <p:extLst>
-              <p:ext uri="{386F3935-93C4-4BCD-93E2-E3B085C9AB24}">
-                <p16:designElem xmlns:p16="http://schemas.microsoft.com/office/powerpoint/2015/main" val="1"/>
-              </p:ext>
-            </p:extLst>
-          </p:nvPr>
-        </p:nvSpPr>
-        <p:spPr>
-          <a:xfrm flipH="1">
-            <a:off x="11743267" y="4013200"/>
-            <a:ext cx="448733" cy="2844800"/>
-          </a:xfrm>
-          <a:prstGeom prst="triangle">
-            <a:avLst>
-              <a:gd name="adj" fmla="val 0"/>
-            </a:avLst>
-          </a:prstGeom>
-          <a:solidFill>
-            <a:schemeClr val="accent1">
-              <a:alpha val="85000"/>
-            </a:schemeClr>
-          </a:solidFill>
-          <a:ln>
-            <a:noFill/>
-          </a:ln>
-          <a:effectLst/>
-        </p:spPr>
-        <p:style>
-          <a:lnRef idx="1">
-            <a:schemeClr val="accent1"/>
-          </a:lnRef>
-          <a:fillRef idx="3">
-            <a:schemeClr val="accent1"/>
-          </a:fillRef>
-          <a:effectRef idx="2">
-            <a:schemeClr val="accent1"/>
-          </a:effectRef>
-          <a:fontRef idx="minor">
-            <a:schemeClr val="lt1"/>
-          </a:fontRef>
-        </p:style>
-      </p:sp>
-      <p:sp>
-        <p:nvSpPr>
-          <p:cNvPr id="4" name="מציין מיקום של מספר שקופית 3">
-            <a:extLst>
-              <a:ext uri="{FF2B5EF4-FFF2-40B4-BE49-F238E27FC236}">
-                <a16:creationId xmlns:a16="http://schemas.microsoft.com/office/drawing/2014/main" id="{B9CA3579-175A-B438-C061-0BCB1D0AE430}"/>
-              </a:ext>
-            </a:extLst>
-          </p:cNvPr>
-          <p:cNvSpPr>
-            <a:spLocks noGrp="1"/>
-          </p:cNvSpPr>
-          <p:nvPr>
-            <p:ph type="sldNum" sz="quarter" idx="12"/>
-          </p:nvPr>
-        </p:nvSpPr>
-        <p:spPr/>
-        <p:txBody>
-          <a:bodyPr/>
-          <a:lstStyle/>
-          <a:p>
-            <a:fld id="{FEDBE076-7370-4F39-B8CE-D2BB33626AF3}" type="slidenum">
-              <a:rPr lang="he-IL" smtClean="0"/>
-              <a:t>16</a:t>
-            </a:fld>
-            <a:endParaRPr lang="he-IL"/>
           </a:p>
         </p:txBody>
       </p:sp>
@@ -10230,7 +10203,7 @@
 </p:sld>
 </file>
 
-<file path=ppt/slides/slide17.xml><?xml version="1.0" encoding="utf-8"?>
+<file path=ppt/slides/slide16.xml><?xml version="1.0" encoding="utf-8"?>
 <p:sld xmlns:a="http://schemas.openxmlformats.org/drawingml/2006/main" xmlns:r="http://schemas.openxmlformats.org/officeDocument/2006/relationships" xmlns:p="http://schemas.openxmlformats.org/presentationml/2006/main">
   <p:cSld>
     <p:bg>
@@ -10663,30 +10636,137 @@
       </p:sp>
       <p:sp>
         <p:nvSpPr>
-          <p:cNvPr id="3" name="מציין מיקום של מספר שקופית 2">
+          <p:cNvPr id="7" name="מציין מיקום של מספר שקופית 1">
             <a:extLst>
               <a:ext uri="{FF2B5EF4-FFF2-40B4-BE49-F238E27FC236}">
-                <a16:creationId xmlns:a16="http://schemas.microsoft.com/office/drawing/2014/main" id="{41FA42F4-17F6-7605-883D-3658694B0F25}"/>
+                <a16:creationId xmlns:a16="http://schemas.microsoft.com/office/drawing/2014/main" id="{FABBD92E-9872-BF6C-18A4-42B53AFE63B3}"/>
               </a:ext>
             </a:extLst>
           </p:cNvPr>
-          <p:cNvSpPr>
-            <a:spLocks noGrp="1"/>
-          </p:cNvSpPr>
-          <p:nvPr>
-            <p:ph type="sldNum" sz="quarter" idx="12"/>
-          </p:nvPr>
-        </p:nvSpPr>
-        <p:spPr/>
+          <p:cNvSpPr txBox="1">
+            <a:spLocks/>
+          </p:cNvSpPr>
+          <p:nvPr/>
+        </p:nvSpPr>
+        <p:spPr>
+          <a:xfrm>
+            <a:off x="10983151" y="6492875"/>
+            <a:ext cx="683339" cy="365125"/>
+          </a:xfrm>
+          <a:prstGeom prst="rect">
+            <a:avLst/>
+          </a:prstGeom>
+        </p:spPr>
         <p:txBody>
-          <a:bodyPr/>
-          <a:lstStyle/>
+          <a:bodyPr vert="horz" lIns="91440" tIns="45720" rIns="91440" bIns="45720" rtlCol="0" anchor="ctr"/>
+          <a:lstStyle>
+            <a:defPPr>
+              <a:defRPr lang="en-US"/>
+            </a:defPPr>
+            <a:lvl1pPr marL="0" algn="r" defTabSz="457200" rtl="0" eaLnBrk="1" latinLnBrk="0" hangingPunct="1">
+              <a:defRPr sz="900" kern="1200">
+                <a:solidFill>
+                  <a:schemeClr val="accent1"/>
+                </a:solidFill>
+                <a:latin typeface="+mn-lt"/>
+                <a:ea typeface="+mn-ea"/>
+                <a:cs typeface="+mn-cs"/>
+              </a:defRPr>
+            </a:lvl1pPr>
+            <a:lvl2pPr marL="457200" algn="l" defTabSz="457200" rtl="0" eaLnBrk="1" latinLnBrk="0" hangingPunct="1">
+              <a:defRPr sz="1800" kern="1200">
+                <a:solidFill>
+                  <a:schemeClr val="tx1"/>
+                </a:solidFill>
+                <a:latin typeface="+mn-lt"/>
+                <a:ea typeface="+mn-ea"/>
+                <a:cs typeface="+mn-cs"/>
+              </a:defRPr>
+            </a:lvl2pPr>
+            <a:lvl3pPr marL="914400" algn="l" defTabSz="457200" rtl="0" eaLnBrk="1" latinLnBrk="0" hangingPunct="1">
+              <a:defRPr sz="1800" kern="1200">
+                <a:solidFill>
+                  <a:schemeClr val="tx1"/>
+                </a:solidFill>
+                <a:latin typeface="+mn-lt"/>
+                <a:ea typeface="+mn-ea"/>
+                <a:cs typeface="+mn-cs"/>
+              </a:defRPr>
+            </a:lvl3pPr>
+            <a:lvl4pPr marL="1371600" algn="l" defTabSz="457200" rtl="0" eaLnBrk="1" latinLnBrk="0" hangingPunct="1">
+              <a:defRPr sz="1800" kern="1200">
+                <a:solidFill>
+                  <a:schemeClr val="tx1"/>
+                </a:solidFill>
+                <a:latin typeface="+mn-lt"/>
+                <a:ea typeface="+mn-ea"/>
+                <a:cs typeface="+mn-cs"/>
+              </a:defRPr>
+            </a:lvl4pPr>
+            <a:lvl5pPr marL="1828800" algn="l" defTabSz="457200" rtl="0" eaLnBrk="1" latinLnBrk="0" hangingPunct="1">
+              <a:defRPr sz="1800" kern="1200">
+                <a:solidFill>
+                  <a:schemeClr val="tx1"/>
+                </a:solidFill>
+                <a:latin typeface="+mn-lt"/>
+                <a:ea typeface="+mn-ea"/>
+                <a:cs typeface="+mn-cs"/>
+              </a:defRPr>
+            </a:lvl5pPr>
+            <a:lvl6pPr marL="2286000" algn="l" defTabSz="457200" rtl="0" eaLnBrk="1" latinLnBrk="0" hangingPunct="1">
+              <a:defRPr sz="1800" kern="1200">
+                <a:solidFill>
+                  <a:schemeClr val="tx1"/>
+                </a:solidFill>
+                <a:latin typeface="+mn-lt"/>
+                <a:ea typeface="+mn-ea"/>
+                <a:cs typeface="+mn-cs"/>
+              </a:defRPr>
+            </a:lvl6pPr>
+            <a:lvl7pPr marL="2743200" algn="l" defTabSz="457200" rtl="0" eaLnBrk="1" latinLnBrk="0" hangingPunct="1">
+              <a:defRPr sz="1800" kern="1200">
+                <a:solidFill>
+                  <a:schemeClr val="tx1"/>
+                </a:solidFill>
+                <a:latin typeface="+mn-lt"/>
+                <a:ea typeface="+mn-ea"/>
+                <a:cs typeface="+mn-cs"/>
+              </a:defRPr>
+            </a:lvl7pPr>
+            <a:lvl8pPr marL="3200400" algn="l" defTabSz="457200" rtl="0" eaLnBrk="1" latinLnBrk="0" hangingPunct="1">
+              <a:defRPr sz="1800" kern="1200">
+                <a:solidFill>
+                  <a:schemeClr val="tx1"/>
+                </a:solidFill>
+                <a:latin typeface="+mn-lt"/>
+                <a:ea typeface="+mn-ea"/>
+                <a:cs typeface="+mn-cs"/>
+              </a:defRPr>
+            </a:lvl8pPr>
+            <a:lvl9pPr marL="3657600" algn="l" defTabSz="457200" rtl="0" eaLnBrk="1" latinLnBrk="0" hangingPunct="1">
+              <a:defRPr sz="1800" kern="1200">
+                <a:solidFill>
+                  <a:schemeClr val="tx1"/>
+                </a:solidFill>
+                <a:latin typeface="+mn-lt"/>
+                <a:ea typeface="+mn-ea"/>
+                <a:cs typeface="+mn-cs"/>
+              </a:defRPr>
+            </a:lvl9pPr>
+          </a:lstStyle>
           <a:p>
             <a:fld id="{FEDBE076-7370-4F39-B8CE-D2BB33626AF3}" type="slidenum">
-              <a:rPr lang="he-IL" smtClean="0"/>
-              <a:t>17</a:t>
+              <a:rPr lang="he-IL" sz="1200" smtClean="0">
+                <a:latin typeface="Arial" panose="020B0604020202020204" pitchFamily="34" charset="0"/>
+                <a:cs typeface="Arial" panose="020B0604020202020204" pitchFamily="34" charset="0"/>
+              </a:rPr>
+              <a:pPr/>
+              <a:t>16</a:t>
             </a:fld>
-            <a:endParaRPr lang="he-IL"/>
+            <a:endParaRPr lang="he-IL" sz="1000" dirty="0">
+              <a:latin typeface="Arial" panose="020B0604020202020204" pitchFamily="34" charset="0"/>
+              <a:cs typeface="Arial" panose="020B0604020202020204" pitchFamily="34" charset="0"/>
+            </a:endParaRPr>
           </a:p>
         </p:txBody>
       </p:sp>
@@ -10703,7 +10783,7 @@
 </p:sld>
 </file>
 
-<file path=ppt/slides/slide18.xml><?xml version="1.0" encoding="utf-8"?>
+<file path=ppt/slides/slide17.xml><?xml version="1.0" encoding="utf-8"?>
 <p:sld xmlns:a="http://schemas.openxmlformats.org/drawingml/2006/main" xmlns:r="http://schemas.openxmlformats.org/officeDocument/2006/relationships" xmlns:p="http://schemas.openxmlformats.org/presentationml/2006/main">
   <p:cSld>
     <p:bg>
@@ -11019,30 +11099,137 @@
       </p:pic>
       <p:sp>
         <p:nvSpPr>
-          <p:cNvPr id="3" name="מציין מיקום של מספר שקופית 2">
+          <p:cNvPr id="4" name="מציין מיקום של מספר שקופית 1">
             <a:extLst>
               <a:ext uri="{FF2B5EF4-FFF2-40B4-BE49-F238E27FC236}">
-                <a16:creationId xmlns:a16="http://schemas.microsoft.com/office/drawing/2014/main" id="{15E6CA61-A6A1-E3FA-1CBF-C50B7687693C}"/>
+                <a16:creationId xmlns:a16="http://schemas.microsoft.com/office/drawing/2014/main" id="{31BF610A-6ED5-07A8-EA45-FFCEB86310E6}"/>
               </a:ext>
             </a:extLst>
           </p:cNvPr>
-          <p:cNvSpPr>
-            <a:spLocks noGrp="1"/>
-          </p:cNvSpPr>
-          <p:nvPr>
-            <p:ph type="sldNum" sz="quarter" idx="12"/>
-          </p:nvPr>
-        </p:nvSpPr>
-        <p:spPr/>
+          <p:cNvSpPr txBox="1">
+            <a:spLocks/>
+          </p:cNvSpPr>
+          <p:nvPr/>
+        </p:nvSpPr>
+        <p:spPr>
+          <a:xfrm>
+            <a:off x="10949096" y="6492875"/>
+            <a:ext cx="683339" cy="365125"/>
+          </a:xfrm>
+          <a:prstGeom prst="rect">
+            <a:avLst/>
+          </a:prstGeom>
+        </p:spPr>
         <p:txBody>
-          <a:bodyPr/>
-          <a:lstStyle/>
+          <a:bodyPr vert="horz" lIns="91440" tIns="45720" rIns="91440" bIns="45720" rtlCol="0" anchor="ctr"/>
+          <a:lstStyle>
+            <a:defPPr>
+              <a:defRPr lang="en-US"/>
+            </a:defPPr>
+            <a:lvl1pPr marL="0" algn="r" defTabSz="457200" rtl="0" eaLnBrk="1" latinLnBrk="0" hangingPunct="1">
+              <a:defRPr sz="900" kern="1200">
+                <a:solidFill>
+                  <a:schemeClr val="accent1"/>
+                </a:solidFill>
+                <a:latin typeface="+mn-lt"/>
+                <a:ea typeface="+mn-ea"/>
+                <a:cs typeface="+mn-cs"/>
+              </a:defRPr>
+            </a:lvl1pPr>
+            <a:lvl2pPr marL="457200" algn="l" defTabSz="457200" rtl="0" eaLnBrk="1" latinLnBrk="0" hangingPunct="1">
+              <a:defRPr sz="1800" kern="1200">
+                <a:solidFill>
+                  <a:schemeClr val="tx1"/>
+                </a:solidFill>
+                <a:latin typeface="+mn-lt"/>
+                <a:ea typeface="+mn-ea"/>
+                <a:cs typeface="+mn-cs"/>
+              </a:defRPr>
+            </a:lvl2pPr>
+            <a:lvl3pPr marL="914400" algn="l" defTabSz="457200" rtl="0" eaLnBrk="1" latinLnBrk="0" hangingPunct="1">
+              <a:defRPr sz="1800" kern="1200">
+                <a:solidFill>
+                  <a:schemeClr val="tx1"/>
+                </a:solidFill>
+                <a:latin typeface="+mn-lt"/>
+                <a:ea typeface="+mn-ea"/>
+                <a:cs typeface="+mn-cs"/>
+              </a:defRPr>
+            </a:lvl3pPr>
+            <a:lvl4pPr marL="1371600" algn="l" defTabSz="457200" rtl="0" eaLnBrk="1" latinLnBrk="0" hangingPunct="1">
+              <a:defRPr sz="1800" kern="1200">
+                <a:solidFill>
+                  <a:schemeClr val="tx1"/>
+                </a:solidFill>
+                <a:latin typeface="+mn-lt"/>
+                <a:ea typeface="+mn-ea"/>
+                <a:cs typeface="+mn-cs"/>
+              </a:defRPr>
+            </a:lvl4pPr>
+            <a:lvl5pPr marL="1828800" algn="l" defTabSz="457200" rtl="0" eaLnBrk="1" latinLnBrk="0" hangingPunct="1">
+              <a:defRPr sz="1800" kern="1200">
+                <a:solidFill>
+                  <a:schemeClr val="tx1"/>
+                </a:solidFill>
+                <a:latin typeface="+mn-lt"/>
+                <a:ea typeface="+mn-ea"/>
+                <a:cs typeface="+mn-cs"/>
+              </a:defRPr>
+            </a:lvl5pPr>
+            <a:lvl6pPr marL="2286000" algn="l" defTabSz="457200" rtl="0" eaLnBrk="1" latinLnBrk="0" hangingPunct="1">
+              <a:defRPr sz="1800" kern="1200">
+                <a:solidFill>
+                  <a:schemeClr val="tx1"/>
+                </a:solidFill>
+                <a:latin typeface="+mn-lt"/>
+                <a:ea typeface="+mn-ea"/>
+                <a:cs typeface="+mn-cs"/>
+              </a:defRPr>
+            </a:lvl6pPr>
+            <a:lvl7pPr marL="2743200" algn="l" defTabSz="457200" rtl="0" eaLnBrk="1" latinLnBrk="0" hangingPunct="1">
+              <a:defRPr sz="1800" kern="1200">
+                <a:solidFill>
+                  <a:schemeClr val="tx1"/>
+                </a:solidFill>
+                <a:latin typeface="+mn-lt"/>
+                <a:ea typeface="+mn-ea"/>
+                <a:cs typeface="+mn-cs"/>
+              </a:defRPr>
+            </a:lvl7pPr>
+            <a:lvl8pPr marL="3200400" algn="l" defTabSz="457200" rtl="0" eaLnBrk="1" latinLnBrk="0" hangingPunct="1">
+              <a:defRPr sz="1800" kern="1200">
+                <a:solidFill>
+                  <a:schemeClr val="tx1"/>
+                </a:solidFill>
+                <a:latin typeface="+mn-lt"/>
+                <a:ea typeface="+mn-ea"/>
+                <a:cs typeface="+mn-cs"/>
+              </a:defRPr>
+            </a:lvl8pPr>
+            <a:lvl9pPr marL="3657600" algn="l" defTabSz="457200" rtl="0" eaLnBrk="1" latinLnBrk="0" hangingPunct="1">
+              <a:defRPr sz="1800" kern="1200">
+                <a:solidFill>
+                  <a:schemeClr val="tx1"/>
+                </a:solidFill>
+                <a:latin typeface="+mn-lt"/>
+                <a:ea typeface="+mn-ea"/>
+                <a:cs typeface="+mn-cs"/>
+              </a:defRPr>
+            </a:lvl9pPr>
+          </a:lstStyle>
           <a:p>
             <a:fld id="{FEDBE076-7370-4F39-B8CE-D2BB33626AF3}" type="slidenum">
-              <a:rPr lang="he-IL" smtClean="0"/>
-              <a:t>18</a:t>
+              <a:rPr lang="he-IL" sz="1200" smtClean="0">
+                <a:latin typeface="Arial" panose="020B0604020202020204" pitchFamily="34" charset="0"/>
+                <a:cs typeface="Arial" panose="020B0604020202020204" pitchFamily="34" charset="0"/>
+              </a:rPr>
+              <a:pPr/>
+              <a:t>17</a:t>
             </a:fld>
-            <a:endParaRPr lang="he-IL"/>
+            <a:endParaRPr lang="he-IL" sz="1000" dirty="0">
+              <a:latin typeface="Arial" panose="020B0604020202020204" pitchFamily="34" charset="0"/>
+              <a:cs typeface="Arial" panose="020B0604020202020204" pitchFamily="34" charset="0"/>
+            </a:endParaRPr>
           </a:p>
         </p:txBody>
       </p:sp>
@@ -11059,7 +11246,7 @@
 </p:sld>
 </file>
 
-<file path=ppt/slides/slide19.xml><?xml version="1.0" encoding="utf-8"?>
+<file path=ppt/slides/slide18.xml><?xml version="1.0" encoding="utf-8"?>
 <p:sld xmlns:a="http://schemas.openxmlformats.org/drawingml/2006/main" xmlns:r="http://schemas.openxmlformats.org/officeDocument/2006/relationships" xmlns:p="http://schemas.openxmlformats.org/presentationml/2006/main">
   <p:cSld>
     <p:bg>
@@ -12366,30 +12553,137 @@
       </p:graphicFrame>
       <p:sp>
         <p:nvSpPr>
-          <p:cNvPr id="3" name="מציין מיקום של מספר שקופית 2">
+          <p:cNvPr id="5" name="מציין מיקום של מספר שקופית 1">
             <a:extLst>
               <a:ext uri="{FF2B5EF4-FFF2-40B4-BE49-F238E27FC236}">
-                <a16:creationId xmlns:a16="http://schemas.microsoft.com/office/drawing/2014/main" id="{CE6367C6-23A1-1A3D-120F-7B14900E4B6B}"/>
+                <a16:creationId xmlns:a16="http://schemas.microsoft.com/office/drawing/2014/main" id="{16580572-979A-EE00-FA1C-EAF9FED6E1E1}"/>
               </a:ext>
             </a:extLst>
           </p:cNvPr>
-          <p:cNvSpPr>
-            <a:spLocks noGrp="1"/>
-          </p:cNvSpPr>
-          <p:nvPr>
-            <p:ph type="sldNum" sz="quarter" idx="12"/>
-          </p:nvPr>
-        </p:nvSpPr>
-        <p:spPr/>
+          <p:cNvSpPr txBox="1">
+            <a:spLocks/>
+          </p:cNvSpPr>
+          <p:nvPr/>
+        </p:nvSpPr>
+        <p:spPr>
+          <a:xfrm>
+            <a:off x="10962277" y="6492875"/>
+            <a:ext cx="683339" cy="365125"/>
+          </a:xfrm>
+          <a:prstGeom prst="rect">
+            <a:avLst/>
+          </a:prstGeom>
+        </p:spPr>
         <p:txBody>
-          <a:bodyPr/>
-          <a:lstStyle/>
+          <a:bodyPr vert="horz" lIns="91440" tIns="45720" rIns="91440" bIns="45720" rtlCol="0" anchor="ctr"/>
+          <a:lstStyle>
+            <a:defPPr>
+              <a:defRPr lang="en-US"/>
+            </a:defPPr>
+            <a:lvl1pPr marL="0" algn="r" defTabSz="457200" rtl="0" eaLnBrk="1" latinLnBrk="0" hangingPunct="1">
+              <a:defRPr sz="900" kern="1200">
+                <a:solidFill>
+                  <a:schemeClr val="accent1"/>
+                </a:solidFill>
+                <a:latin typeface="+mn-lt"/>
+                <a:ea typeface="+mn-ea"/>
+                <a:cs typeface="+mn-cs"/>
+              </a:defRPr>
+            </a:lvl1pPr>
+            <a:lvl2pPr marL="457200" algn="l" defTabSz="457200" rtl="0" eaLnBrk="1" latinLnBrk="0" hangingPunct="1">
+              <a:defRPr sz="1800" kern="1200">
+                <a:solidFill>
+                  <a:schemeClr val="tx1"/>
+                </a:solidFill>
+                <a:latin typeface="+mn-lt"/>
+                <a:ea typeface="+mn-ea"/>
+                <a:cs typeface="+mn-cs"/>
+              </a:defRPr>
+            </a:lvl2pPr>
+            <a:lvl3pPr marL="914400" algn="l" defTabSz="457200" rtl="0" eaLnBrk="1" latinLnBrk="0" hangingPunct="1">
+              <a:defRPr sz="1800" kern="1200">
+                <a:solidFill>
+                  <a:schemeClr val="tx1"/>
+                </a:solidFill>
+                <a:latin typeface="+mn-lt"/>
+                <a:ea typeface="+mn-ea"/>
+                <a:cs typeface="+mn-cs"/>
+              </a:defRPr>
+            </a:lvl3pPr>
+            <a:lvl4pPr marL="1371600" algn="l" defTabSz="457200" rtl="0" eaLnBrk="1" latinLnBrk="0" hangingPunct="1">
+              <a:defRPr sz="1800" kern="1200">
+                <a:solidFill>
+                  <a:schemeClr val="tx1"/>
+                </a:solidFill>
+                <a:latin typeface="+mn-lt"/>
+                <a:ea typeface="+mn-ea"/>
+                <a:cs typeface="+mn-cs"/>
+              </a:defRPr>
+            </a:lvl4pPr>
+            <a:lvl5pPr marL="1828800" algn="l" defTabSz="457200" rtl="0" eaLnBrk="1" latinLnBrk="0" hangingPunct="1">
+              <a:defRPr sz="1800" kern="1200">
+                <a:solidFill>
+                  <a:schemeClr val="tx1"/>
+                </a:solidFill>
+                <a:latin typeface="+mn-lt"/>
+                <a:ea typeface="+mn-ea"/>
+                <a:cs typeface="+mn-cs"/>
+              </a:defRPr>
+            </a:lvl5pPr>
+            <a:lvl6pPr marL="2286000" algn="l" defTabSz="457200" rtl="0" eaLnBrk="1" latinLnBrk="0" hangingPunct="1">
+              <a:defRPr sz="1800" kern="1200">
+                <a:solidFill>
+                  <a:schemeClr val="tx1"/>
+                </a:solidFill>
+                <a:latin typeface="+mn-lt"/>
+                <a:ea typeface="+mn-ea"/>
+                <a:cs typeface="+mn-cs"/>
+              </a:defRPr>
+            </a:lvl6pPr>
+            <a:lvl7pPr marL="2743200" algn="l" defTabSz="457200" rtl="0" eaLnBrk="1" latinLnBrk="0" hangingPunct="1">
+              <a:defRPr sz="1800" kern="1200">
+                <a:solidFill>
+                  <a:schemeClr val="tx1"/>
+                </a:solidFill>
+                <a:latin typeface="+mn-lt"/>
+                <a:ea typeface="+mn-ea"/>
+                <a:cs typeface="+mn-cs"/>
+              </a:defRPr>
+            </a:lvl7pPr>
+            <a:lvl8pPr marL="3200400" algn="l" defTabSz="457200" rtl="0" eaLnBrk="1" latinLnBrk="0" hangingPunct="1">
+              <a:defRPr sz="1800" kern="1200">
+                <a:solidFill>
+                  <a:schemeClr val="tx1"/>
+                </a:solidFill>
+                <a:latin typeface="+mn-lt"/>
+                <a:ea typeface="+mn-ea"/>
+                <a:cs typeface="+mn-cs"/>
+              </a:defRPr>
+            </a:lvl8pPr>
+            <a:lvl9pPr marL="3657600" algn="l" defTabSz="457200" rtl="0" eaLnBrk="1" latinLnBrk="0" hangingPunct="1">
+              <a:defRPr sz="1800" kern="1200">
+                <a:solidFill>
+                  <a:schemeClr val="tx1"/>
+                </a:solidFill>
+                <a:latin typeface="+mn-lt"/>
+                <a:ea typeface="+mn-ea"/>
+                <a:cs typeface="+mn-cs"/>
+              </a:defRPr>
+            </a:lvl9pPr>
+          </a:lstStyle>
           <a:p>
             <a:fld id="{FEDBE076-7370-4F39-B8CE-D2BB33626AF3}" type="slidenum">
-              <a:rPr lang="he-IL" smtClean="0"/>
-              <a:t>19</a:t>
+              <a:rPr lang="he-IL" sz="1200" smtClean="0">
+                <a:latin typeface="Arial" panose="020B0604020202020204" pitchFamily="34" charset="0"/>
+                <a:cs typeface="Arial" panose="020B0604020202020204" pitchFamily="34" charset="0"/>
+              </a:rPr>
+              <a:pPr/>
+              <a:t>18</a:t>
             </a:fld>
-            <a:endParaRPr lang="he-IL"/>
+            <a:endParaRPr lang="he-IL" sz="1000" dirty="0">
+              <a:latin typeface="Arial" panose="020B0604020202020204" pitchFamily="34" charset="0"/>
+              <a:cs typeface="Arial" panose="020B0604020202020204" pitchFamily="34" charset="0"/>
+            </a:endParaRPr>
           </a:p>
         </p:txBody>
       </p:sp>
@@ -12610,19 +12904,22 @@
         </p:nvSpPr>
         <p:spPr>
           <a:xfrm>
-            <a:off x="1184266" y="1488613"/>
-            <a:ext cx="9192321" cy="4901455"/>
+            <a:off x="1277677" y="1511909"/>
+            <a:ext cx="9624915" cy="5185925"/>
           </a:xfrm>
         </p:spPr>
         <p:txBody>
-          <a:bodyPr>
+          <a:bodyPr numCol="1">
             <a:normAutofit fontScale="92500" lnSpcReduction="20000"/>
           </a:bodyPr>
           <a:lstStyle/>
           <a:p>
-            <a:pPr algn="l" rtl="0"/>
-            <a:r>
-              <a:rPr lang="en-US" sz="1800" dirty="0">
+            <a:pPr algn="l" rtl="0">
+              <a:buFont typeface="+mj-lt"/>
+              <a:buAutoNum type="arabicPeriod"/>
+            </a:pPr>
+            <a:r>
+              <a:rPr lang="en-US" sz="1700" b="1" dirty="0">
                 <a:latin typeface="Arial" panose="020B0604020202020204" pitchFamily="34" charset="0"/>
                 <a:cs typeface="Arial" panose="020B0604020202020204" pitchFamily="34" charset="0"/>
               </a:rPr>
@@ -12630,9 +12927,12 @@
             </a:r>
           </a:p>
           <a:p>
-            <a:pPr algn="l" rtl="0"/>
-            <a:r>
-              <a:rPr lang="en-US" sz="1800" dirty="0">
+            <a:pPr algn="l" rtl="0">
+              <a:buFont typeface="+mj-lt"/>
+              <a:buAutoNum type="arabicPeriod"/>
+            </a:pPr>
+            <a:r>
+              <a:rPr lang="en-US" sz="1700" b="1" dirty="0">
                 <a:latin typeface="Arial" panose="020B0604020202020204" pitchFamily="34" charset="0"/>
                 <a:cs typeface="Arial" panose="020B0604020202020204" pitchFamily="34" charset="0"/>
               </a:rPr>
@@ -12640,9 +12940,12 @@
             </a:r>
           </a:p>
           <a:p>
-            <a:pPr algn="l" rtl="0"/>
-            <a:r>
-              <a:rPr lang="en-US" sz="1800" dirty="0">
+            <a:pPr algn="l" rtl="0">
+              <a:buFont typeface="+mj-lt"/>
+              <a:buAutoNum type="arabicPeriod"/>
+            </a:pPr>
+            <a:r>
+              <a:rPr lang="en-US" sz="1700" b="1" dirty="0">
                 <a:latin typeface="Arial" panose="020B0604020202020204" pitchFamily="34" charset="0"/>
                 <a:cs typeface="Arial" panose="020B0604020202020204" pitchFamily="34" charset="0"/>
                 <a:sym typeface="Arial"/>
@@ -12651,9 +12954,12 @@
             </a:r>
           </a:p>
           <a:p>
-            <a:pPr algn="l" rtl="0"/>
-            <a:r>
-              <a:rPr lang="en-US" sz="1800" dirty="0">
+            <a:pPr algn="l" rtl="0">
+              <a:buFont typeface="+mj-lt"/>
+              <a:buAutoNum type="arabicPeriod"/>
+            </a:pPr>
+            <a:r>
+              <a:rPr lang="en-US" sz="1700" b="1" dirty="0">
                 <a:latin typeface="Arial" panose="020B0604020202020204" pitchFamily="34" charset="0"/>
                 <a:cs typeface="Arial" panose="020B0604020202020204" pitchFamily="34" charset="0"/>
                 <a:sym typeface="Arial"/>
@@ -12662,9 +12968,12 @@
             </a:r>
           </a:p>
           <a:p>
-            <a:pPr algn="l" rtl="0"/>
-            <a:r>
-              <a:rPr lang="en-US" sz="1800" dirty="0">
+            <a:pPr algn="l" rtl="0">
+              <a:buFont typeface="+mj-lt"/>
+              <a:buAutoNum type="arabicPeriod"/>
+            </a:pPr>
+            <a:r>
+              <a:rPr lang="en-US" sz="1700" b="1" dirty="0">
                 <a:latin typeface="Arial" panose="020B0604020202020204" pitchFamily="34" charset="0"/>
                 <a:cs typeface="Arial" panose="020B0604020202020204" pitchFamily="34" charset="0"/>
               </a:rPr>
@@ -12672,23 +12981,25 @@
             </a:r>
           </a:p>
           <a:p>
-            <a:pPr algn="l" rtl="0"/>
-            <a:r>
-              <a:rPr lang="en-US" sz="1800" dirty="0">
+            <a:pPr algn="l" rtl="0">
+              <a:buFont typeface="+mj-lt"/>
+              <a:buAutoNum type="arabicPeriod"/>
+            </a:pPr>
+            <a:r>
+              <a:rPr lang="en-US" sz="1700" b="1" dirty="0">
                 <a:latin typeface="Arial" panose="020B0604020202020204" pitchFamily="34" charset="0"/>
                 <a:cs typeface="Arial" panose="020B0604020202020204" pitchFamily="34" charset="0"/>
               </a:rPr>
               <a:t>DenseNet</a:t>
             </a:r>
-            <a:endParaRPr lang="en-US" dirty="0">
-              <a:latin typeface="Arial" panose="020B0604020202020204" pitchFamily="34" charset="0"/>
-              <a:cs typeface="Arial" panose="020B0604020202020204" pitchFamily="34" charset="0"/>
-            </a:endParaRPr>
-          </a:p>
-          <a:p>
-            <a:pPr algn="l" rtl="0"/>
-            <a:r>
-              <a:rPr lang="en-US" sz="1800" dirty="0">
+          </a:p>
+          <a:p>
+            <a:pPr algn="l" rtl="0">
+              <a:buFont typeface="+mj-lt"/>
+              <a:buAutoNum type="arabicPeriod"/>
+            </a:pPr>
+            <a:r>
+              <a:rPr lang="en-US" sz="1700" b="1" dirty="0">
                 <a:latin typeface="Arial" panose="020B0604020202020204" pitchFamily="34" charset="0"/>
                 <a:cs typeface="Arial" panose="020B0604020202020204" pitchFamily="34" charset="0"/>
               </a:rPr>
@@ -12696,45 +13007,69 @@
             </a:r>
           </a:p>
           <a:p>
-            <a:pPr algn="l" rtl="0"/>
-            <a:r>
-              <a:rPr lang="en-US" sz="1800" dirty="0">
+            <a:pPr algn="l" rtl="0">
+              <a:lnSpc>
+                <a:spcPct val="120000"/>
+              </a:lnSpc>
+              <a:buFont typeface="+mj-lt"/>
+              <a:buAutoNum type="arabicPeriod"/>
+            </a:pPr>
+            <a:r>
+              <a:rPr lang="en-US" sz="1700" b="1" dirty="0">
                 <a:latin typeface="Arial" panose="020B0604020202020204" pitchFamily="34" charset="0"/>
                 <a:cs typeface="Arial" panose="020B0604020202020204" pitchFamily="34" charset="0"/>
               </a:rPr>
-              <a:t>Datasets:</a:t>
-            </a:r>
-            <a:br>
-              <a:rPr lang="en-US" sz="1800" dirty="0">
+              <a:t>Datasets:  </a:t>
+            </a:r>
+          </a:p>
+          <a:p>
+            <a:pPr lvl="1" algn="l" rtl="0">
+              <a:lnSpc>
+                <a:spcPct val="120000"/>
+              </a:lnSpc>
+              <a:buSzPct val="120000"/>
+              <a:buFont typeface="Arial" panose="020B0604020202020204" pitchFamily="34" charset="0"/>
+              <a:buChar char="•"/>
+            </a:pPr>
+            <a:r>
+              <a:rPr lang="en-US" sz="1300" b="1" dirty="0" err="1">
                 <a:latin typeface="Arial" panose="020B0604020202020204" pitchFamily="34" charset="0"/>
                 <a:cs typeface="Arial" panose="020B0604020202020204" pitchFamily="34" charset="0"/>
               </a:rPr>
-            </a:br>
-            <a:r>
-              <a:rPr lang="en-US" sz="1800" dirty="0">
+              <a:t>BreakHis</a:t>
+            </a:r>
+            <a:endParaRPr lang="en-US" sz="1300" b="1" dirty="0">
+              <a:latin typeface="Arial" panose="020B0604020202020204" pitchFamily="34" charset="0"/>
+              <a:cs typeface="Arial" panose="020B0604020202020204" pitchFamily="34" charset="0"/>
+            </a:endParaRPr>
+          </a:p>
+          <a:p>
+            <a:pPr lvl="1" algn="l" rtl="0">
+              <a:lnSpc>
+                <a:spcPct val="120000"/>
+              </a:lnSpc>
+              <a:buSzPct val="120000"/>
+              <a:buFont typeface="Arial" panose="020B0604020202020204" pitchFamily="34" charset="0"/>
+              <a:buChar char="•"/>
+            </a:pPr>
+            <a:r>
+              <a:rPr lang="en-US" sz="1300" b="1" dirty="0">
                 <a:latin typeface="Arial" panose="020B0604020202020204" pitchFamily="34" charset="0"/>
                 <a:cs typeface="Arial" panose="020B0604020202020204" pitchFamily="34" charset="0"/>
               </a:rPr>
-              <a:t>		Breakhis</a:t>
-            </a:r>
-            <a:br>
-              <a:rPr lang="en-US" sz="1800" dirty="0">
-                <a:latin typeface="Arial" panose="020B0604020202020204" pitchFamily="34" charset="0"/>
-                <a:cs typeface="Arial" panose="020B0604020202020204" pitchFamily="34" charset="0"/>
-              </a:rPr>
-            </a:br>
-            <a:r>
-              <a:rPr lang="en-US" sz="1800" dirty="0">
-                <a:latin typeface="Arial" panose="020B0604020202020204" pitchFamily="34" charset="0"/>
-                <a:cs typeface="Arial" panose="020B0604020202020204" pitchFamily="34" charset="0"/>
-              </a:rPr>
-              <a:t>		RSNA </a:t>
-            </a:r>
-          </a:p>
-          <a:p>
-            <a:pPr algn="l" rtl="0"/>
-            <a:r>
-              <a:rPr lang="en-US" sz="1800" dirty="0">
+              <a:t>RSNA</a:t>
+            </a:r>
+          </a:p>
+          <a:p>
+            <a:pPr algn="l" rtl="0">
+              <a:lnSpc>
+                <a:spcPct val="120000"/>
+              </a:lnSpc>
+              <a:buFont typeface="+mj-lt"/>
+              <a:buAutoNum type="arabicPeriod"/>
+            </a:pPr>
+            <a:r>
+              <a:rPr lang="en-US" sz="1700" b="1" dirty="0">
                 <a:latin typeface="Arial" panose="020B0604020202020204" pitchFamily="34" charset="0"/>
                 <a:cs typeface="Arial" panose="020B0604020202020204" pitchFamily="34" charset="0"/>
               </a:rPr>
@@ -12742,9 +13077,12 @@
             </a:r>
           </a:p>
           <a:p>
-            <a:pPr algn="l" rtl="0"/>
-            <a:r>
-              <a:rPr lang="en-US" sz="1800" dirty="0">
+            <a:pPr algn="l" rtl="0">
+              <a:buFont typeface="+mj-lt"/>
+              <a:buAutoNum type="arabicPeriod"/>
+            </a:pPr>
+            <a:r>
+              <a:rPr lang="en-US" sz="1700" b="1" dirty="0">
                 <a:latin typeface="Arial" panose="020B0604020202020204" pitchFamily="34" charset="0"/>
                 <a:cs typeface="Arial" panose="020B0604020202020204" pitchFamily="34" charset="0"/>
               </a:rPr>
@@ -12752,9 +13090,12 @@
             </a:r>
           </a:p>
           <a:p>
-            <a:pPr algn="l" rtl="0"/>
-            <a:r>
-              <a:rPr lang="en-US" sz="1800" dirty="0">
+            <a:pPr algn="l" rtl="0">
+              <a:buFont typeface="+mj-lt"/>
+              <a:buAutoNum type="arabicPeriod"/>
+            </a:pPr>
+            <a:r>
+              <a:rPr lang="en-US" sz="1700" b="1" dirty="0">
                 <a:latin typeface="Arial" panose="020B0604020202020204" pitchFamily="34" charset="0"/>
                 <a:cs typeface="Arial" panose="020B0604020202020204" pitchFamily="34" charset="0"/>
               </a:rPr>
@@ -12762,27 +13103,30 @@
             </a:r>
           </a:p>
           <a:p>
-            <a:pPr algn="l" rtl="0"/>
-            <a:r>
-              <a:rPr lang="en-US" sz="1800" dirty="0">
+            <a:pPr algn="l" rtl="0">
+              <a:buFont typeface="+mj-lt"/>
+              <a:buAutoNum type="arabicPeriod"/>
+            </a:pPr>
+            <a:r>
+              <a:rPr lang="en-US" sz="1700" b="1" dirty="0">
                 <a:latin typeface="Arial" panose="020B0604020202020204" pitchFamily="34" charset="0"/>
                 <a:cs typeface="Arial" panose="020B0604020202020204" pitchFamily="34" charset="0"/>
               </a:rPr>
               <a:t>Evaluation</a:t>
             </a:r>
             <a:br>
-              <a:rPr lang="en-US" sz="1800" b="1" dirty="0">
+              <a:rPr lang="en-US" sz="1700" b="1" dirty="0">
                 <a:latin typeface="Arial" panose="020B0604020202020204" pitchFamily="34" charset="0"/>
                 <a:cs typeface="Arial" panose="020B0604020202020204" pitchFamily="34" charset="0"/>
               </a:rPr>
             </a:br>
             <a:br>
-              <a:rPr lang="en-US" sz="1800" b="1" dirty="0">
+              <a:rPr lang="en-US" sz="1700" b="1" dirty="0">
                 <a:latin typeface="Arial" panose="020B0604020202020204" pitchFamily="34" charset="0"/>
                 <a:cs typeface="Arial" panose="020B0604020202020204" pitchFamily="34" charset="0"/>
               </a:rPr>
             </a:br>
-            <a:endParaRPr lang="en-US" sz="1800" b="1" dirty="0">
+            <a:endParaRPr lang="en-US" sz="1700" b="1" dirty="0">
               <a:latin typeface="Arial" panose="020B0604020202020204" pitchFamily="34" charset="0"/>
               <a:cs typeface="Arial" panose="020B0604020202020204" pitchFamily="34" charset="0"/>
             </a:endParaRPr>
@@ -12856,35 +13200,137 @@
       </p:sp>
       <p:sp>
         <p:nvSpPr>
-          <p:cNvPr id="4" name="מציין מיקום של מספר שקופית 3">
+          <p:cNvPr id="5" name="מציין מיקום של מספר שקופית 1">
             <a:extLst>
               <a:ext uri="{FF2B5EF4-FFF2-40B4-BE49-F238E27FC236}">
-                <a16:creationId xmlns:a16="http://schemas.microsoft.com/office/drawing/2014/main" id="{1111F4F2-978B-3B8C-AE09-1817A0213EB9}"/>
+                <a16:creationId xmlns:a16="http://schemas.microsoft.com/office/drawing/2014/main" id="{BD522F67-9129-1815-52B0-D4FA9E0B791E}"/>
               </a:ext>
             </a:extLst>
           </p:cNvPr>
-          <p:cNvSpPr>
-            <a:spLocks noGrp="1"/>
-          </p:cNvSpPr>
-          <p:nvPr>
-            <p:ph type="sldNum" sz="quarter" idx="12"/>
-          </p:nvPr>
+          <p:cNvSpPr txBox="1">
+            <a:spLocks/>
+          </p:cNvSpPr>
+          <p:nvPr/>
         </p:nvSpPr>
         <p:spPr>
           <a:xfrm>
-            <a:off x="10718258" y="6104711"/>
+            <a:off x="10981260" y="6515271"/>
             <a:ext cx="683339" cy="365125"/>
           </a:xfrm>
+          <a:prstGeom prst="rect">
+            <a:avLst/>
+          </a:prstGeom>
         </p:spPr>
         <p:txBody>
-          <a:bodyPr/>
-          <a:lstStyle/>
+          <a:bodyPr vert="horz" lIns="91440" tIns="45720" rIns="91440" bIns="45720" rtlCol="0" anchor="ctr"/>
+          <a:lstStyle>
+            <a:defPPr>
+              <a:defRPr lang="en-US"/>
+            </a:defPPr>
+            <a:lvl1pPr marL="0" algn="r" defTabSz="457200" rtl="0" eaLnBrk="1" latinLnBrk="0" hangingPunct="1">
+              <a:defRPr sz="900" kern="1200">
+                <a:solidFill>
+                  <a:schemeClr val="accent1"/>
+                </a:solidFill>
+                <a:latin typeface="+mn-lt"/>
+                <a:ea typeface="+mn-ea"/>
+                <a:cs typeface="+mn-cs"/>
+              </a:defRPr>
+            </a:lvl1pPr>
+            <a:lvl2pPr marL="457200" algn="l" defTabSz="457200" rtl="0" eaLnBrk="1" latinLnBrk="0" hangingPunct="1">
+              <a:defRPr sz="1800" kern="1200">
+                <a:solidFill>
+                  <a:schemeClr val="tx1"/>
+                </a:solidFill>
+                <a:latin typeface="+mn-lt"/>
+                <a:ea typeface="+mn-ea"/>
+                <a:cs typeface="+mn-cs"/>
+              </a:defRPr>
+            </a:lvl2pPr>
+            <a:lvl3pPr marL="914400" algn="l" defTabSz="457200" rtl="0" eaLnBrk="1" latinLnBrk="0" hangingPunct="1">
+              <a:defRPr sz="1800" kern="1200">
+                <a:solidFill>
+                  <a:schemeClr val="tx1"/>
+                </a:solidFill>
+                <a:latin typeface="+mn-lt"/>
+                <a:ea typeface="+mn-ea"/>
+                <a:cs typeface="+mn-cs"/>
+              </a:defRPr>
+            </a:lvl3pPr>
+            <a:lvl4pPr marL="1371600" algn="l" defTabSz="457200" rtl="0" eaLnBrk="1" latinLnBrk="0" hangingPunct="1">
+              <a:defRPr sz="1800" kern="1200">
+                <a:solidFill>
+                  <a:schemeClr val="tx1"/>
+                </a:solidFill>
+                <a:latin typeface="+mn-lt"/>
+                <a:ea typeface="+mn-ea"/>
+                <a:cs typeface="+mn-cs"/>
+              </a:defRPr>
+            </a:lvl4pPr>
+            <a:lvl5pPr marL="1828800" algn="l" defTabSz="457200" rtl="0" eaLnBrk="1" latinLnBrk="0" hangingPunct="1">
+              <a:defRPr sz="1800" kern="1200">
+                <a:solidFill>
+                  <a:schemeClr val="tx1"/>
+                </a:solidFill>
+                <a:latin typeface="+mn-lt"/>
+                <a:ea typeface="+mn-ea"/>
+                <a:cs typeface="+mn-cs"/>
+              </a:defRPr>
+            </a:lvl5pPr>
+            <a:lvl6pPr marL="2286000" algn="l" defTabSz="457200" rtl="0" eaLnBrk="1" latinLnBrk="0" hangingPunct="1">
+              <a:defRPr sz="1800" kern="1200">
+                <a:solidFill>
+                  <a:schemeClr val="tx1"/>
+                </a:solidFill>
+                <a:latin typeface="+mn-lt"/>
+                <a:ea typeface="+mn-ea"/>
+                <a:cs typeface="+mn-cs"/>
+              </a:defRPr>
+            </a:lvl6pPr>
+            <a:lvl7pPr marL="2743200" algn="l" defTabSz="457200" rtl="0" eaLnBrk="1" latinLnBrk="0" hangingPunct="1">
+              <a:defRPr sz="1800" kern="1200">
+                <a:solidFill>
+                  <a:schemeClr val="tx1"/>
+                </a:solidFill>
+                <a:latin typeface="+mn-lt"/>
+                <a:ea typeface="+mn-ea"/>
+                <a:cs typeface="+mn-cs"/>
+              </a:defRPr>
+            </a:lvl7pPr>
+            <a:lvl8pPr marL="3200400" algn="l" defTabSz="457200" rtl="0" eaLnBrk="1" latinLnBrk="0" hangingPunct="1">
+              <a:defRPr sz="1800" kern="1200">
+                <a:solidFill>
+                  <a:schemeClr val="tx1"/>
+                </a:solidFill>
+                <a:latin typeface="+mn-lt"/>
+                <a:ea typeface="+mn-ea"/>
+                <a:cs typeface="+mn-cs"/>
+              </a:defRPr>
+            </a:lvl8pPr>
+            <a:lvl9pPr marL="3657600" algn="l" defTabSz="457200" rtl="0" eaLnBrk="1" latinLnBrk="0" hangingPunct="1">
+              <a:defRPr sz="1800" kern="1200">
+                <a:solidFill>
+                  <a:schemeClr val="tx1"/>
+                </a:solidFill>
+                <a:latin typeface="+mn-lt"/>
+                <a:ea typeface="+mn-ea"/>
+                <a:cs typeface="+mn-cs"/>
+              </a:defRPr>
+            </a:lvl9pPr>
+          </a:lstStyle>
           <a:p>
             <a:fld id="{FEDBE076-7370-4F39-B8CE-D2BB33626AF3}" type="slidenum">
-              <a:rPr lang="he-IL" smtClean="0"/>
+              <a:rPr lang="he-IL" sz="1200" smtClean="0">
+                <a:latin typeface="Arial" panose="020B0604020202020204" pitchFamily="34" charset="0"/>
+                <a:cs typeface="Arial" panose="020B0604020202020204" pitchFamily="34" charset="0"/>
+              </a:rPr>
+              <a:pPr/>
               <a:t>2</a:t>
             </a:fld>
-            <a:endParaRPr lang="he-IL" dirty="0"/>
+            <a:endParaRPr lang="he-IL" sz="1000" dirty="0">
+              <a:latin typeface="Arial" panose="020B0604020202020204" pitchFamily="34" charset="0"/>
+              <a:cs typeface="Arial" panose="020B0604020202020204" pitchFamily="34" charset="0"/>
+            </a:endParaRPr>
           </a:p>
         </p:txBody>
       </p:sp>
@@ -13004,8 +13450,8 @@
         </p:nvSpPr>
         <p:spPr>
           <a:xfrm>
-            <a:off x="1726308" y="419894"/>
-            <a:ext cx="8596668" cy="1738689"/>
+            <a:off x="1797665" y="209947"/>
+            <a:ext cx="9776551" cy="1738689"/>
           </a:xfrm>
         </p:spPr>
         <p:txBody>
@@ -13119,7 +13565,7 @@
         </p:nvSpPr>
         <p:spPr>
           <a:xfrm>
-            <a:off x="1383130" y="2158583"/>
+            <a:off x="1438362" y="2111414"/>
             <a:ext cx="9819603" cy="4365738"/>
           </a:xfrm>
         </p:spPr>
@@ -13183,7 +13629,7 @@
               <a:buNone/>
             </a:pPr>
             <a:r>
-              <a:rPr lang="en-US" sz="2000" dirty="0">
+              <a:rPr lang="en-US" sz="2000" b="1" dirty="0">
                 <a:solidFill>
                   <a:schemeClr val="tx1"/>
                 </a:solidFill>
@@ -13194,8 +13640,10 @@
             </a:r>
           </a:p>
           <a:p>
-            <a:pPr marL="0" indent="0" algn="l" rtl="0">
-              <a:buNone/>
+            <a:pPr algn="l" rtl="0">
+              <a:buSzPct val="120000"/>
+              <a:buFont typeface="Arial" panose="020B0604020202020204" pitchFamily="34" charset="0"/>
+              <a:buChar char="•"/>
             </a:pPr>
             <a:r>
               <a:rPr lang="en-US" sz="2000" dirty="0">
@@ -13209,8 +13657,10 @@
             </a:r>
           </a:p>
           <a:p>
-            <a:pPr marL="0" indent="0" algn="l" rtl="0">
-              <a:buNone/>
+            <a:pPr algn="l" rtl="0">
+              <a:buSzPct val="120000"/>
+              <a:buFont typeface="Arial" panose="020B0604020202020204" pitchFamily="34" charset="0"/>
+              <a:buChar char="•"/>
             </a:pPr>
             <a:r>
               <a:rPr lang="en-US" sz="2000" dirty="0">
@@ -13295,10 +13745,10 @@
       </p:sp>
       <p:sp>
         <p:nvSpPr>
-          <p:cNvPr id="4" name="מציין מיקום של מספר שקופית 3">
+          <p:cNvPr id="5" name="מציין מיקום של מספר שקופית 1">
             <a:extLst>
               <a:ext uri="{FF2B5EF4-FFF2-40B4-BE49-F238E27FC236}">
-                <a16:creationId xmlns:a16="http://schemas.microsoft.com/office/drawing/2014/main" id="{AFDCCE6E-A6BA-2CA4-BC3B-FC5D2EA3240F}"/>
+                <a16:creationId xmlns:a16="http://schemas.microsoft.com/office/drawing/2014/main" id="{B6C48F98-D4E0-F6B7-FC6F-78BA25EE1922}"/>
               </a:ext>
             </a:extLst>
           </p:cNvPr>
@@ -13309,16 +13759,27 @@
             <p:ph type="sldNum" sz="quarter" idx="12"/>
           </p:nvPr>
         </p:nvSpPr>
-        <p:spPr/>
+        <p:spPr>
+          <a:xfrm>
+            <a:off x="11014027" y="6477152"/>
+            <a:ext cx="683339" cy="365125"/>
+          </a:xfrm>
+        </p:spPr>
         <p:txBody>
           <a:bodyPr/>
           <a:lstStyle/>
           <a:p>
             <a:fld id="{FEDBE076-7370-4F39-B8CE-D2BB33626AF3}" type="slidenum">
-              <a:rPr lang="he-IL" smtClean="0"/>
+              <a:rPr lang="he-IL" sz="1200" smtClean="0">
+                <a:latin typeface="Arial" panose="020B0604020202020204" pitchFamily="34" charset="0"/>
+                <a:cs typeface="Arial" panose="020B0604020202020204" pitchFamily="34" charset="0"/>
+              </a:rPr>
               <a:t>3</a:t>
             </a:fld>
-            <a:endParaRPr lang="he-IL" dirty="0"/>
+            <a:endParaRPr lang="he-IL" sz="1000" dirty="0">
+              <a:latin typeface="Arial" panose="020B0604020202020204" pitchFamily="34" charset="0"/>
+              <a:cs typeface="Arial" panose="020B0604020202020204" pitchFamily="34" charset="0"/>
+            </a:endParaRPr>
           </a:p>
         </p:txBody>
       </p:sp>
@@ -13539,7 +14000,7 @@
         </p:nvSpPr>
         <p:spPr>
           <a:xfrm>
-            <a:off x="1421238" y="1728888"/>
+            <a:off x="1475669" y="1788732"/>
             <a:ext cx="9529828" cy="4311045"/>
           </a:xfrm>
         </p:spPr>
@@ -13665,10 +14126,10 @@
       </p:sp>
       <p:sp>
         <p:nvSpPr>
-          <p:cNvPr id="4" name="מציין מיקום של מספר שקופית 3">
+          <p:cNvPr id="5" name="מציין מיקום של מספר שקופית 1">
             <a:extLst>
               <a:ext uri="{FF2B5EF4-FFF2-40B4-BE49-F238E27FC236}">
-                <a16:creationId xmlns:a16="http://schemas.microsoft.com/office/drawing/2014/main" id="{8D9E82CB-676E-6F4A-374E-6FD2F99B4D34}"/>
+                <a16:creationId xmlns:a16="http://schemas.microsoft.com/office/drawing/2014/main" id="{BC8F6398-4BCC-76A8-754F-3394D5F9B978}"/>
               </a:ext>
             </a:extLst>
           </p:cNvPr>
@@ -13679,16 +14140,27 @@
             <p:ph type="sldNum" sz="quarter" idx="12"/>
           </p:nvPr>
         </p:nvSpPr>
-        <p:spPr/>
+        <p:spPr>
+          <a:xfrm>
+            <a:off x="11032713" y="6492875"/>
+            <a:ext cx="683339" cy="365125"/>
+          </a:xfrm>
+        </p:spPr>
         <p:txBody>
           <a:bodyPr/>
           <a:lstStyle/>
           <a:p>
             <a:fld id="{FEDBE076-7370-4F39-B8CE-D2BB33626AF3}" type="slidenum">
-              <a:rPr lang="he-IL" smtClean="0"/>
+              <a:rPr lang="he-IL" sz="1200" smtClean="0">
+                <a:latin typeface="Arial" panose="020B0604020202020204" pitchFamily="34" charset="0"/>
+                <a:cs typeface="Arial" panose="020B0604020202020204" pitchFamily="34" charset="0"/>
+              </a:rPr>
               <a:t>4</a:t>
             </a:fld>
-            <a:endParaRPr lang="he-IL"/>
+            <a:endParaRPr lang="he-IL" sz="1000" dirty="0">
+              <a:latin typeface="Arial" panose="020B0604020202020204" pitchFamily="34" charset="0"/>
+              <a:cs typeface="Arial" panose="020B0604020202020204" pitchFamily="34" charset="0"/>
+            </a:endParaRPr>
           </a:p>
         </p:txBody>
       </p:sp>
@@ -13918,7 +14390,7 @@
         </p:nvSpPr>
         <p:spPr>
           <a:xfrm>
-            <a:off x="1041042" y="1313645"/>
+            <a:off x="1050157" y="1401932"/>
             <a:ext cx="10485550" cy="5544355"/>
           </a:xfrm>
         </p:spPr>
@@ -14148,30 +14620,137 @@
       </p:sp>
       <p:sp>
         <p:nvSpPr>
-          <p:cNvPr id="4" name="מציין מיקום של מספר שקופית 3">
+          <p:cNvPr id="5" name="מציין מיקום של מספר שקופית 1">
             <a:extLst>
               <a:ext uri="{FF2B5EF4-FFF2-40B4-BE49-F238E27FC236}">
-                <a16:creationId xmlns:a16="http://schemas.microsoft.com/office/drawing/2014/main" id="{9C6A3207-8A58-C213-6C05-1B7FF9002C4C}"/>
+                <a16:creationId xmlns:a16="http://schemas.microsoft.com/office/drawing/2014/main" id="{D97A153C-E38E-40E3-D83C-A8030D5D8966}"/>
               </a:ext>
             </a:extLst>
           </p:cNvPr>
-          <p:cNvSpPr>
-            <a:spLocks noGrp="1"/>
-          </p:cNvSpPr>
-          <p:nvPr>
-            <p:ph type="sldNum" sz="quarter" idx="12"/>
-          </p:nvPr>
-        </p:nvSpPr>
-        <p:spPr/>
+          <p:cNvSpPr txBox="1">
+            <a:spLocks/>
+          </p:cNvSpPr>
+          <p:nvPr/>
+        </p:nvSpPr>
+        <p:spPr>
+          <a:xfrm>
+            <a:off x="11041698" y="6513364"/>
+            <a:ext cx="683339" cy="365125"/>
+          </a:xfrm>
+          <a:prstGeom prst="rect">
+            <a:avLst/>
+          </a:prstGeom>
+        </p:spPr>
         <p:txBody>
-          <a:bodyPr/>
-          <a:lstStyle/>
+          <a:bodyPr vert="horz" lIns="91440" tIns="45720" rIns="91440" bIns="45720" rtlCol="0" anchor="ctr"/>
+          <a:lstStyle>
+            <a:defPPr>
+              <a:defRPr lang="en-US"/>
+            </a:defPPr>
+            <a:lvl1pPr marL="0" algn="r" defTabSz="457200" rtl="0" eaLnBrk="1" latinLnBrk="0" hangingPunct="1">
+              <a:defRPr sz="900" kern="1200">
+                <a:solidFill>
+                  <a:schemeClr val="accent1"/>
+                </a:solidFill>
+                <a:latin typeface="+mn-lt"/>
+                <a:ea typeface="+mn-ea"/>
+                <a:cs typeface="+mn-cs"/>
+              </a:defRPr>
+            </a:lvl1pPr>
+            <a:lvl2pPr marL="457200" algn="l" defTabSz="457200" rtl="0" eaLnBrk="1" latinLnBrk="0" hangingPunct="1">
+              <a:defRPr sz="1800" kern="1200">
+                <a:solidFill>
+                  <a:schemeClr val="tx1"/>
+                </a:solidFill>
+                <a:latin typeface="+mn-lt"/>
+                <a:ea typeface="+mn-ea"/>
+                <a:cs typeface="+mn-cs"/>
+              </a:defRPr>
+            </a:lvl2pPr>
+            <a:lvl3pPr marL="914400" algn="l" defTabSz="457200" rtl="0" eaLnBrk="1" latinLnBrk="0" hangingPunct="1">
+              <a:defRPr sz="1800" kern="1200">
+                <a:solidFill>
+                  <a:schemeClr val="tx1"/>
+                </a:solidFill>
+                <a:latin typeface="+mn-lt"/>
+                <a:ea typeface="+mn-ea"/>
+                <a:cs typeface="+mn-cs"/>
+              </a:defRPr>
+            </a:lvl3pPr>
+            <a:lvl4pPr marL="1371600" algn="l" defTabSz="457200" rtl="0" eaLnBrk="1" latinLnBrk="0" hangingPunct="1">
+              <a:defRPr sz="1800" kern="1200">
+                <a:solidFill>
+                  <a:schemeClr val="tx1"/>
+                </a:solidFill>
+                <a:latin typeface="+mn-lt"/>
+                <a:ea typeface="+mn-ea"/>
+                <a:cs typeface="+mn-cs"/>
+              </a:defRPr>
+            </a:lvl4pPr>
+            <a:lvl5pPr marL="1828800" algn="l" defTabSz="457200" rtl="0" eaLnBrk="1" latinLnBrk="0" hangingPunct="1">
+              <a:defRPr sz="1800" kern="1200">
+                <a:solidFill>
+                  <a:schemeClr val="tx1"/>
+                </a:solidFill>
+                <a:latin typeface="+mn-lt"/>
+                <a:ea typeface="+mn-ea"/>
+                <a:cs typeface="+mn-cs"/>
+              </a:defRPr>
+            </a:lvl5pPr>
+            <a:lvl6pPr marL="2286000" algn="l" defTabSz="457200" rtl="0" eaLnBrk="1" latinLnBrk="0" hangingPunct="1">
+              <a:defRPr sz="1800" kern="1200">
+                <a:solidFill>
+                  <a:schemeClr val="tx1"/>
+                </a:solidFill>
+                <a:latin typeface="+mn-lt"/>
+                <a:ea typeface="+mn-ea"/>
+                <a:cs typeface="+mn-cs"/>
+              </a:defRPr>
+            </a:lvl6pPr>
+            <a:lvl7pPr marL="2743200" algn="l" defTabSz="457200" rtl="0" eaLnBrk="1" latinLnBrk="0" hangingPunct="1">
+              <a:defRPr sz="1800" kern="1200">
+                <a:solidFill>
+                  <a:schemeClr val="tx1"/>
+                </a:solidFill>
+                <a:latin typeface="+mn-lt"/>
+                <a:ea typeface="+mn-ea"/>
+                <a:cs typeface="+mn-cs"/>
+              </a:defRPr>
+            </a:lvl7pPr>
+            <a:lvl8pPr marL="3200400" algn="l" defTabSz="457200" rtl="0" eaLnBrk="1" latinLnBrk="0" hangingPunct="1">
+              <a:defRPr sz="1800" kern="1200">
+                <a:solidFill>
+                  <a:schemeClr val="tx1"/>
+                </a:solidFill>
+                <a:latin typeface="+mn-lt"/>
+                <a:ea typeface="+mn-ea"/>
+                <a:cs typeface="+mn-cs"/>
+              </a:defRPr>
+            </a:lvl8pPr>
+            <a:lvl9pPr marL="3657600" algn="l" defTabSz="457200" rtl="0" eaLnBrk="1" latinLnBrk="0" hangingPunct="1">
+              <a:defRPr sz="1800" kern="1200">
+                <a:solidFill>
+                  <a:schemeClr val="tx1"/>
+                </a:solidFill>
+                <a:latin typeface="+mn-lt"/>
+                <a:ea typeface="+mn-ea"/>
+                <a:cs typeface="+mn-cs"/>
+              </a:defRPr>
+            </a:lvl9pPr>
+          </a:lstStyle>
           <a:p>
             <a:fld id="{FEDBE076-7370-4F39-B8CE-D2BB33626AF3}" type="slidenum">
-              <a:rPr lang="he-IL" smtClean="0"/>
+              <a:rPr lang="he-IL" sz="1200" smtClean="0">
+                <a:latin typeface="Arial" panose="020B0604020202020204" pitchFamily="34" charset="0"/>
+                <a:cs typeface="Arial" panose="020B0604020202020204" pitchFamily="34" charset="0"/>
+              </a:rPr>
+              <a:pPr/>
               <a:t>5</a:t>
             </a:fld>
-            <a:endParaRPr lang="he-IL"/>
+            <a:endParaRPr lang="he-IL" sz="1000" dirty="0">
+              <a:latin typeface="Arial" panose="020B0604020202020204" pitchFamily="34" charset="0"/>
+              <a:cs typeface="Arial" panose="020B0604020202020204" pitchFamily="34" charset="0"/>
+            </a:endParaRPr>
           </a:p>
         </p:txBody>
       </p:sp>
@@ -14401,7 +14980,7 @@
         </p:nvSpPr>
         <p:spPr>
           <a:xfrm>
-            <a:off x="1041042" y="1313645"/>
+            <a:off x="1050157" y="1370401"/>
             <a:ext cx="10485550" cy="5544355"/>
           </a:xfrm>
         </p:spPr>
@@ -14501,16 +15080,6 @@
               <a:effectLst/>
               <a:latin typeface="Arial" panose="020B0604020202020204" pitchFamily="34" charset="0"/>
               <a:ea typeface="Calibri" panose="020F0502020204030204" pitchFamily="34" charset="0"/>
-            </a:endParaRPr>
-          </a:p>
-          <a:p>
-            <a:pPr marL="0" indent="0" algn="l" rtl="0">
-              <a:buNone/>
-            </a:pPr>
-            <a:endParaRPr lang="he-IL" sz="2000" dirty="0">
-              <a:solidFill>
-                <a:schemeClr val="tx1"/>
-              </a:solidFill>
             </a:endParaRPr>
           </a:p>
         </p:txBody>
@@ -14575,30 +15144,137 @@
       </p:sp>
       <p:sp>
         <p:nvSpPr>
-          <p:cNvPr id="4" name="מציין מיקום של מספר שקופית 3">
+          <p:cNvPr id="5" name="מציין מיקום של מספר שקופית 1">
             <a:extLst>
               <a:ext uri="{FF2B5EF4-FFF2-40B4-BE49-F238E27FC236}">
-                <a16:creationId xmlns:a16="http://schemas.microsoft.com/office/drawing/2014/main" id="{AF35EA09-7CA3-0502-7FAC-B2CB501F69FE}"/>
+                <a16:creationId xmlns:a16="http://schemas.microsoft.com/office/drawing/2014/main" id="{043B0C4A-0CA5-E0E0-5D69-7B2626E352FA}"/>
               </a:ext>
             </a:extLst>
           </p:cNvPr>
-          <p:cNvSpPr>
-            <a:spLocks noGrp="1"/>
-          </p:cNvSpPr>
-          <p:nvPr>
-            <p:ph type="sldNum" sz="quarter" idx="12"/>
-          </p:nvPr>
-        </p:nvSpPr>
-        <p:spPr/>
+          <p:cNvSpPr txBox="1">
+            <a:spLocks/>
+          </p:cNvSpPr>
+          <p:nvPr/>
+        </p:nvSpPr>
+        <p:spPr>
+          <a:xfrm>
+            <a:off x="11059927" y="6492875"/>
+            <a:ext cx="683339" cy="365125"/>
+          </a:xfrm>
+          <a:prstGeom prst="rect">
+            <a:avLst/>
+          </a:prstGeom>
+        </p:spPr>
         <p:txBody>
-          <a:bodyPr/>
-          <a:lstStyle/>
+          <a:bodyPr vert="horz" lIns="91440" tIns="45720" rIns="91440" bIns="45720" rtlCol="0" anchor="ctr"/>
+          <a:lstStyle>
+            <a:defPPr>
+              <a:defRPr lang="en-US"/>
+            </a:defPPr>
+            <a:lvl1pPr marL="0" algn="r" defTabSz="457200" rtl="0" eaLnBrk="1" latinLnBrk="0" hangingPunct="1">
+              <a:defRPr sz="900" kern="1200">
+                <a:solidFill>
+                  <a:schemeClr val="accent1"/>
+                </a:solidFill>
+                <a:latin typeface="+mn-lt"/>
+                <a:ea typeface="+mn-ea"/>
+                <a:cs typeface="+mn-cs"/>
+              </a:defRPr>
+            </a:lvl1pPr>
+            <a:lvl2pPr marL="457200" algn="l" defTabSz="457200" rtl="0" eaLnBrk="1" latinLnBrk="0" hangingPunct="1">
+              <a:defRPr sz="1800" kern="1200">
+                <a:solidFill>
+                  <a:schemeClr val="tx1"/>
+                </a:solidFill>
+                <a:latin typeface="+mn-lt"/>
+                <a:ea typeface="+mn-ea"/>
+                <a:cs typeface="+mn-cs"/>
+              </a:defRPr>
+            </a:lvl2pPr>
+            <a:lvl3pPr marL="914400" algn="l" defTabSz="457200" rtl="0" eaLnBrk="1" latinLnBrk="0" hangingPunct="1">
+              <a:defRPr sz="1800" kern="1200">
+                <a:solidFill>
+                  <a:schemeClr val="tx1"/>
+                </a:solidFill>
+                <a:latin typeface="+mn-lt"/>
+                <a:ea typeface="+mn-ea"/>
+                <a:cs typeface="+mn-cs"/>
+              </a:defRPr>
+            </a:lvl3pPr>
+            <a:lvl4pPr marL="1371600" algn="l" defTabSz="457200" rtl="0" eaLnBrk="1" latinLnBrk="0" hangingPunct="1">
+              <a:defRPr sz="1800" kern="1200">
+                <a:solidFill>
+                  <a:schemeClr val="tx1"/>
+                </a:solidFill>
+                <a:latin typeface="+mn-lt"/>
+                <a:ea typeface="+mn-ea"/>
+                <a:cs typeface="+mn-cs"/>
+              </a:defRPr>
+            </a:lvl4pPr>
+            <a:lvl5pPr marL="1828800" algn="l" defTabSz="457200" rtl="0" eaLnBrk="1" latinLnBrk="0" hangingPunct="1">
+              <a:defRPr sz="1800" kern="1200">
+                <a:solidFill>
+                  <a:schemeClr val="tx1"/>
+                </a:solidFill>
+                <a:latin typeface="+mn-lt"/>
+                <a:ea typeface="+mn-ea"/>
+                <a:cs typeface="+mn-cs"/>
+              </a:defRPr>
+            </a:lvl5pPr>
+            <a:lvl6pPr marL="2286000" algn="l" defTabSz="457200" rtl="0" eaLnBrk="1" latinLnBrk="0" hangingPunct="1">
+              <a:defRPr sz="1800" kern="1200">
+                <a:solidFill>
+                  <a:schemeClr val="tx1"/>
+                </a:solidFill>
+                <a:latin typeface="+mn-lt"/>
+                <a:ea typeface="+mn-ea"/>
+                <a:cs typeface="+mn-cs"/>
+              </a:defRPr>
+            </a:lvl6pPr>
+            <a:lvl7pPr marL="2743200" algn="l" defTabSz="457200" rtl="0" eaLnBrk="1" latinLnBrk="0" hangingPunct="1">
+              <a:defRPr sz="1800" kern="1200">
+                <a:solidFill>
+                  <a:schemeClr val="tx1"/>
+                </a:solidFill>
+                <a:latin typeface="+mn-lt"/>
+                <a:ea typeface="+mn-ea"/>
+                <a:cs typeface="+mn-cs"/>
+              </a:defRPr>
+            </a:lvl7pPr>
+            <a:lvl8pPr marL="3200400" algn="l" defTabSz="457200" rtl="0" eaLnBrk="1" latinLnBrk="0" hangingPunct="1">
+              <a:defRPr sz="1800" kern="1200">
+                <a:solidFill>
+                  <a:schemeClr val="tx1"/>
+                </a:solidFill>
+                <a:latin typeface="+mn-lt"/>
+                <a:ea typeface="+mn-ea"/>
+                <a:cs typeface="+mn-cs"/>
+              </a:defRPr>
+            </a:lvl8pPr>
+            <a:lvl9pPr marL="3657600" algn="l" defTabSz="457200" rtl="0" eaLnBrk="1" latinLnBrk="0" hangingPunct="1">
+              <a:defRPr sz="1800" kern="1200">
+                <a:solidFill>
+                  <a:schemeClr val="tx1"/>
+                </a:solidFill>
+                <a:latin typeface="+mn-lt"/>
+                <a:ea typeface="+mn-ea"/>
+                <a:cs typeface="+mn-cs"/>
+              </a:defRPr>
+            </a:lvl9pPr>
+          </a:lstStyle>
           <a:p>
             <a:fld id="{FEDBE076-7370-4F39-B8CE-D2BB33626AF3}" type="slidenum">
-              <a:rPr lang="he-IL" smtClean="0"/>
+              <a:rPr lang="he-IL" sz="1200" smtClean="0">
+                <a:latin typeface="Arial" panose="020B0604020202020204" pitchFamily="34" charset="0"/>
+                <a:cs typeface="Arial" panose="020B0604020202020204" pitchFamily="34" charset="0"/>
+              </a:rPr>
+              <a:pPr/>
               <a:t>6</a:t>
             </a:fld>
-            <a:endParaRPr lang="he-IL"/>
+            <a:endParaRPr lang="he-IL" sz="1000" dirty="0">
+              <a:latin typeface="Arial" panose="020B0604020202020204" pitchFamily="34" charset="0"/>
+              <a:cs typeface="Arial" panose="020B0604020202020204" pitchFamily="34" charset="0"/>
+            </a:endParaRPr>
           </a:p>
         </p:txBody>
       </p:sp>
@@ -14819,7 +15495,7 @@
         </p:nvSpPr>
         <p:spPr>
           <a:xfrm>
-            <a:off x="1249788" y="1326524"/>
+            <a:off x="1249788" y="1357209"/>
             <a:ext cx="9954831" cy="5215943"/>
           </a:xfrm>
         </p:spPr>
@@ -15022,30 +15698,137 @@
       </p:sp>
       <p:sp>
         <p:nvSpPr>
-          <p:cNvPr id="4" name="מציין מיקום של מספר שקופית 3">
+          <p:cNvPr id="5" name="מציין מיקום של מספר שקופית 1">
             <a:extLst>
               <a:ext uri="{FF2B5EF4-FFF2-40B4-BE49-F238E27FC236}">
-                <a16:creationId xmlns:a16="http://schemas.microsoft.com/office/drawing/2014/main" id="{A0EC45EB-20C2-6E50-424E-A274AF846BDF}"/>
+                <a16:creationId xmlns:a16="http://schemas.microsoft.com/office/drawing/2014/main" id="{B7CAE51E-CB33-8EAB-B824-BAAC3774DE18}"/>
               </a:ext>
             </a:extLst>
           </p:cNvPr>
-          <p:cNvSpPr>
-            <a:spLocks noGrp="1"/>
-          </p:cNvSpPr>
-          <p:nvPr>
-            <p:ph type="sldNum" sz="quarter" idx="12"/>
-          </p:nvPr>
-        </p:nvSpPr>
-        <p:spPr/>
+          <p:cNvSpPr txBox="1">
+            <a:spLocks/>
+          </p:cNvSpPr>
+          <p:nvPr/>
+        </p:nvSpPr>
+        <p:spPr>
+          <a:xfrm>
+            <a:off x="11014970" y="6533014"/>
+            <a:ext cx="683339" cy="365125"/>
+          </a:xfrm>
+          <a:prstGeom prst="rect">
+            <a:avLst/>
+          </a:prstGeom>
+        </p:spPr>
         <p:txBody>
-          <a:bodyPr/>
-          <a:lstStyle/>
+          <a:bodyPr vert="horz" lIns="91440" tIns="45720" rIns="91440" bIns="45720" rtlCol="0" anchor="ctr"/>
+          <a:lstStyle>
+            <a:defPPr>
+              <a:defRPr lang="en-US"/>
+            </a:defPPr>
+            <a:lvl1pPr marL="0" algn="r" defTabSz="457200" rtl="0" eaLnBrk="1" latinLnBrk="0" hangingPunct="1">
+              <a:defRPr sz="900" kern="1200">
+                <a:solidFill>
+                  <a:schemeClr val="accent1"/>
+                </a:solidFill>
+                <a:latin typeface="+mn-lt"/>
+                <a:ea typeface="+mn-ea"/>
+                <a:cs typeface="+mn-cs"/>
+              </a:defRPr>
+            </a:lvl1pPr>
+            <a:lvl2pPr marL="457200" algn="l" defTabSz="457200" rtl="0" eaLnBrk="1" latinLnBrk="0" hangingPunct="1">
+              <a:defRPr sz="1800" kern="1200">
+                <a:solidFill>
+                  <a:schemeClr val="tx1"/>
+                </a:solidFill>
+                <a:latin typeface="+mn-lt"/>
+                <a:ea typeface="+mn-ea"/>
+                <a:cs typeface="+mn-cs"/>
+              </a:defRPr>
+            </a:lvl2pPr>
+            <a:lvl3pPr marL="914400" algn="l" defTabSz="457200" rtl="0" eaLnBrk="1" latinLnBrk="0" hangingPunct="1">
+              <a:defRPr sz="1800" kern="1200">
+                <a:solidFill>
+                  <a:schemeClr val="tx1"/>
+                </a:solidFill>
+                <a:latin typeface="+mn-lt"/>
+                <a:ea typeface="+mn-ea"/>
+                <a:cs typeface="+mn-cs"/>
+              </a:defRPr>
+            </a:lvl3pPr>
+            <a:lvl4pPr marL="1371600" algn="l" defTabSz="457200" rtl="0" eaLnBrk="1" latinLnBrk="0" hangingPunct="1">
+              <a:defRPr sz="1800" kern="1200">
+                <a:solidFill>
+                  <a:schemeClr val="tx1"/>
+                </a:solidFill>
+                <a:latin typeface="+mn-lt"/>
+                <a:ea typeface="+mn-ea"/>
+                <a:cs typeface="+mn-cs"/>
+              </a:defRPr>
+            </a:lvl4pPr>
+            <a:lvl5pPr marL="1828800" algn="l" defTabSz="457200" rtl="0" eaLnBrk="1" latinLnBrk="0" hangingPunct="1">
+              <a:defRPr sz="1800" kern="1200">
+                <a:solidFill>
+                  <a:schemeClr val="tx1"/>
+                </a:solidFill>
+                <a:latin typeface="+mn-lt"/>
+                <a:ea typeface="+mn-ea"/>
+                <a:cs typeface="+mn-cs"/>
+              </a:defRPr>
+            </a:lvl5pPr>
+            <a:lvl6pPr marL="2286000" algn="l" defTabSz="457200" rtl="0" eaLnBrk="1" latinLnBrk="0" hangingPunct="1">
+              <a:defRPr sz="1800" kern="1200">
+                <a:solidFill>
+                  <a:schemeClr val="tx1"/>
+                </a:solidFill>
+                <a:latin typeface="+mn-lt"/>
+                <a:ea typeface="+mn-ea"/>
+                <a:cs typeface="+mn-cs"/>
+              </a:defRPr>
+            </a:lvl6pPr>
+            <a:lvl7pPr marL="2743200" algn="l" defTabSz="457200" rtl="0" eaLnBrk="1" latinLnBrk="0" hangingPunct="1">
+              <a:defRPr sz="1800" kern="1200">
+                <a:solidFill>
+                  <a:schemeClr val="tx1"/>
+                </a:solidFill>
+                <a:latin typeface="+mn-lt"/>
+                <a:ea typeface="+mn-ea"/>
+                <a:cs typeface="+mn-cs"/>
+              </a:defRPr>
+            </a:lvl7pPr>
+            <a:lvl8pPr marL="3200400" algn="l" defTabSz="457200" rtl="0" eaLnBrk="1" latinLnBrk="0" hangingPunct="1">
+              <a:defRPr sz="1800" kern="1200">
+                <a:solidFill>
+                  <a:schemeClr val="tx1"/>
+                </a:solidFill>
+                <a:latin typeface="+mn-lt"/>
+                <a:ea typeface="+mn-ea"/>
+                <a:cs typeface="+mn-cs"/>
+              </a:defRPr>
+            </a:lvl8pPr>
+            <a:lvl9pPr marL="3657600" algn="l" defTabSz="457200" rtl="0" eaLnBrk="1" latinLnBrk="0" hangingPunct="1">
+              <a:defRPr sz="1800" kern="1200">
+                <a:solidFill>
+                  <a:schemeClr val="tx1"/>
+                </a:solidFill>
+                <a:latin typeface="+mn-lt"/>
+                <a:ea typeface="+mn-ea"/>
+                <a:cs typeface="+mn-cs"/>
+              </a:defRPr>
+            </a:lvl9pPr>
+          </a:lstStyle>
           <a:p>
             <a:fld id="{FEDBE076-7370-4F39-B8CE-D2BB33626AF3}" type="slidenum">
-              <a:rPr lang="he-IL" smtClean="0"/>
+              <a:rPr lang="he-IL" sz="1200" smtClean="0">
+                <a:latin typeface="Arial" panose="020B0604020202020204" pitchFamily="34" charset="0"/>
+                <a:cs typeface="Arial" panose="020B0604020202020204" pitchFamily="34" charset="0"/>
+              </a:rPr>
+              <a:pPr/>
               <a:t>7</a:t>
             </a:fld>
-            <a:endParaRPr lang="he-IL"/>
+            <a:endParaRPr lang="he-IL" sz="1000" dirty="0">
+              <a:latin typeface="Arial" panose="020B0604020202020204" pitchFamily="34" charset="0"/>
+              <a:cs typeface="Arial" panose="020B0604020202020204" pitchFamily="34" charset="0"/>
+            </a:endParaRPr>
           </a:p>
         </p:txBody>
       </p:sp>
@@ -15266,7 +16049,7 @@
         </p:nvSpPr>
         <p:spPr>
           <a:xfrm>
-            <a:off x="1202558" y="1529366"/>
+            <a:off x="1142306" y="1529366"/>
             <a:ext cx="10180748" cy="5396248"/>
           </a:xfrm>
         </p:spPr>
@@ -15280,55 +16063,147 @@
               <a:buNone/>
             </a:pPr>
             <a:r>
-              <a:rPr lang="en-US" sz="2000" dirty="0">
+              <a:rPr lang="en-US" sz="2000" dirty="0" err="1">
                 <a:solidFill>
                   <a:schemeClr val="tx1"/>
                 </a:solidFill>
                 <a:latin typeface="Arial" panose="020B0604020202020204" pitchFamily="34" charset="0"/>
                 <a:cs typeface="Arial" panose="020B0604020202020204" pitchFamily="34" charset="0"/>
               </a:rPr>
-              <a:t>The problems arise with CNNs when they go deeper. This is because the path for information from the input layer until the output layer (and for the gradient in the opposite direction) becomes so big, that they can get vanished before reaching the other side and here is where the DenseNet have the edge and overcome this problem.                                                                                                            DenseNet is a type of convolutional neural network (CNN) that utilizes dense connections between layers, through Dense Blocks, where we connect all layers (with matching feature-map sizes) directly with each other in order to preserve the feed-forward nature, each layer obtains additional inputs from all preceding layers and passes on its own feature-maps to all subsequent layers. In order to gain maximum information and gradient flow, so each layer has direct access to the gradients from the loss. these connections patterns will decrease the vanishing of the gradient.                                      </a:t>
-            </a:r>
-            <a:r>
-              <a:rPr lang="en-US" sz="2000" u="sng" dirty="0">
+              <a:t>DenseNet</a:t>
+            </a:r>
+            <a:r>
+              <a:rPr lang="en-US" sz="2000" dirty="0">
                 <a:solidFill>
                   <a:schemeClr val="tx1"/>
                 </a:solidFill>
                 <a:latin typeface="Arial" panose="020B0604020202020204" pitchFamily="34" charset="0"/>
                 <a:cs typeface="Arial" panose="020B0604020202020204" pitchFamily="34" charset="0"/>
               </a:rPr>
-              <a:t>In short:</a:t>
-            </a:r>
-            <a:r>
-              <a:rPr lang="en-US" sz="2000" dirty="0">
+              <a:t> is a convolutional neural network architecture that connects each layer to every other layer in a feed-forward fashion.                                                                     This architecture is designed to alleviate the vanishing-gradient problem encountered in traditional deep neural networks, by using direct connections between layers, rather than stacking layers sequentially.   </a:t>
+            </a:r>
+          </a:p>
+          <a:p>
+            <a:pPr marL="0" indent="0" algn="l" rtl="0">
+              <a:buNone/>
+            </a:pPr>
+            <a:r>
+              <a:rPr lang="en-US" sz="2000" dirty="0" err="1">
                 <a:solidFill>
                   <a:schemeClr val="tx1"/>
                 </a:solidFill>
                 <a:latin typeface="Arial" panose="020B0604020202020204" pitchFamily="34" charset="0"/>
                 <a:cs typeface="Arial" panose="020B0604020202020204" pitchFamily="34" charset="0"/>
               </a:rPr>
-              <a:t> </a:t>
-            </a:r>
-            <a:r>
-              <a:rPr lang="en-US" sz="2000" dirty="0" err="1">
+              <a:t>DenseNet</a:t>
+            </a:r>
+            <a:r>
+              <a:rPr lang="en-US" sz="2000" dirty="0">
                 <a:solidFill>
                   <a:schemeClr val="tx1"/>
                 </a:solidFill>
                 <a:latin typeface="Arial" panose="020B0604020202020204" pitchFamily="34" charset="0"/>
                 <a:cs typeface="Arial" panose="020B0604020202020204" pitchFamily="34" charset="0"/>
               </a:rPr>
-              <a:t>Densenet</a:t>
-            </a:r>
-            <a:r>
-              <a:rPr lang="en-US" sz="2000" dirty="0">
+              <a:t> can be very deep, with hundreds of layers, and still be able to train effectively, We will use the </a:t>
+            </a:r>
+            <a:r>
+              <a:rPr lang="en-US" sz="2000" dirty="0" err="1">
                 <a:solidFill>
                   <a:schemeClr val="tx1"/>
                 </a:solidFill>
                 <a:latin typeface="Arial" panose="020B0604020202020204" pitchFamily="34" charset="0"/>
                 <a:cs typeface="Arial" panose="020B0604020202020204" pitchFamily="34" charset="0"/>
               </a:rPr>
-              <a:t> is a CNN that can get much deeper than other CNN's without decreasing its accuracy.</a:t>
-            </a:r>
+              <a:t>DensenNet</a:t>
+            </a:r>
+            <a:r>
+              <a:rPr lang="en-US" sz="2000" dirty="0">
+                <a:solidFill>
+                  <a:schemeClr val="tx1"/>
+                </a:solidFill>
+                <a:latin typeface="Arial" panose="020B0604020202020204" pitchFamily="34" charset="0"/>
+                <a:cs typeface="Arial" panose="020B0604020202020204" pitchFamily="34" charset="0"/>
+              </a:rPr>
+              <a:t> 121 which is one of the smaller </a:t>
+            </a:r>
+            <a:r>
+              <a:rPr lang="en-US" sz="2000" dirty="0" err="1">
+                <a:solidFill>
+                  <a:schemeClr val="tx1"/>
+                </a:solidFill>
+                <a:latin typeface="Arial" panose="020B0604020202020204" pitchFamily="34" charset="0"/>
+                <a:cs typeface="Arial" panose="020B0604020202020204" pitchFamily="34" charset="0"/>
+              </a:rPr>
+              <a:t>DenseNet</a:t>
+            </a:r>
+            <a:r>
+              <a:rPr lang="en-US" sz="2000" dirty="0">
+                <a:solidFill>
+                  <a:schemeClr val="tx1"/>
+                </a:solidFill>
+                <a:latin typeface="Arial" panose="020B0604020202020204" pitchFamily="34" charset="0"/>
+                <a:cs typeface="Arial" panose="020B0604020202020204" pitchFamily="34" charset="0"/>
+              </a:rPr>
+              <a:t> architectures contains 4 dense blocks each containing a fixed number of layers.</a:t>
+            </a:r>
+          </a:p>
+          <a:p>
+            <a:pPr marL="0" indent="0" algn="l" rtl="0">
+              <a:buNone/>
+            </a:pPr>
+            <a:r>
+              <a:rPr lang="en-US" sz="2000" dirty="0" err="1">
+                <a:solidFill>
+                  <a:schemeClr val="tx1"/>
+                </a:solidFill>
+                <a:latin typeface="Arial" panose="020B0604020202020204" pitchFamily="34" charset="0"/>
+                <a:cs typeface="Arial" panose="020B0604020202020204" pitchFamily="34" charset="0"/>
+              </a:rPr>
+              <a:t>DenseNet</a:t>
+            </a:r>
+            <a:r>
+              <a:rPr lang="en-US" sz="2000" dirty="0">
+                <a:solidFill>
+                  <a:schemeClr val="tx1"/>
+                </a:solidFill>
+                <a:latin typeface="Arial" panose="020B0604020202020204" pitchFamily="34" charset="0"/>
+                <a:cs typeface="Arial" panose="020B0604020202020204" pitchFamily="34" charset="0"/>
+              </a:rPr>
+              <a:t> 121 was introduced in the original </a:t>
+            </a:r>
+            <a:r>
+              <a:rPr lang="en-US" sz="2000" dirty="0" err="1">
+                <a:solidFill>
+                  <a:schemeClr val="tx1"/>
+                </a:solidFill>
+                <a:latin typeface="Arial" panose="020B0604020202020204" pitchFamily="34" charset="0"/>
+                <a:cs typeface="Arial" panose="020B0604020202020204" pitchFamily="34" charset="0"/>
+              </a:rPr>
+              <a:t>DenseNet</a:t>
+            </a:r>
+            <a:r>
+              <a:rPr lang="en-US" sz="2000" dirty="0">
+                <a:solidFill>
+                  <a:schemeClr val="tx1"/>
+                </a:solidFill>
+                <a:latin typeface="Arial" panose="020B0604020202020204" pitchFamily="34" charset="0"/>
+                <a:cs typeface="Arial" panose="020B0604020202020204" pitchFamily="34" charset="0"/>
+              </a:rPr>
+              <a:t> paper and has been shown to achieve good performance on several benchmark datasets and is a good way to do tasks where computational resources are limited.</a:t>
+            </a:r>
+          </a:p>
+          <a:p>
+            <a:pPr marL="0" indent="0" algn="l" rtl="0">
+              <a:buNone/>
+            </a:pPr>
+            <a:endParaRPr lang="en-US" sz="2000" dirty="0">
+              <a:solidFill>
+                <a:schemeClr val="tx1"/>
+              </a:solidFill>
+              <a:latin typeface="Arial" panose="020B0604020202020204" pitchFamily="34" charset="0"/>
+              <a:cs typeface="Arial" panose="020B0604020202020204" pitchFamily="34" charset="0"/>
+            </a:endParaRPr>
           </a:p>
         </p:txBody>
       </p:sp>
@@ -15392,30 +16267,207 @@
       </p:sp>
       <p:sp>
         <p:nvSpPr>
-          <p:cNvPr id="4" name="מציין מיקום של מספר שקופית 3">
+          <p:cNvPr id="5" name="מציין מיקום של מספר שקופית 1">
             <a:extLst>
               <a:ext uri="{FF2B5EF4-FFF2-40B4-BE49-F238E27FC236}">
-                <a16:creationId xmlns:a16="http://schemas.microsoft.com/office/drawing/2014/main" id="{E08D9FF5-3076-5FBA-B169-E2E181138E7A}"/>
+                <a16:creationId xmlns:a16="http://schemas.microsoft.com/office/drawing/2014/main" id="{5088E16D-986C-963F-043A-CF6E0F8516F4}"/>
               </a:ext>
             </a:extLst>
           </p:cNvPr>
-          <p:cNvSpPr>
-            <a:spLocks noGrp="1"/>
-          </p:cNvSpPr>
-          <p:nvPr>
-            <p:ph type="sldNum" sz="quarter" idx="12"/>
-          </p:nvPr>
-        </p:nvSpPr>
-        <p:spPr/>
+          <p:cNvSpPr txBox="1">
+            <a:spLocks/>
+          </p:cNvSpPr>
+          <p:nvPr/>
+        </p:nvSpPr>
+        <p:spPr>
+          <a:xfrm>
+            <a:off x="11049694" y="6526682"/>
+            <a:ext cx="683339" cy="365125"/>
+          </a:xfrm>
+          <a:prstGeom prst="rect">
+            <a:avLst/>
+          </a:prstGeom>
+        </p:spPr>
         <p:txBody>
-          <a:bodyPr/>
-          <a:lstStyle/>
+          <a:bodyPr vert="horz" lIns="91440" tIns="45720" rIns="91440" bIns="45720" rtlCol="0" anchor="ctr"/>
+          <a:lstStyle>
+            <a:defPPr>
+              <a:defRPr lang="en-US"/>
+            </a:defPPr>
+            <a:lvl1pPr marL="0" algn="r" defTabSz="457200" rtl="0" eaLnBrk="1" latinLnBrk="0" hangingPunct="1">
+              <a:defRPr sz="900" kern="1200">
+                <a:solidFill>
+                  <a:schemeClr val="accent1"/>
+                </a:solidFill>
+                <a:latin typeface="+mn-lt"/>
+                <a:ea typeface="+mn-ea"/>
+                <a:cs typeface="+mn-cs"/>
+              </a:defRPr>
+            </a:lvl1pPr>
+            <a:lvl2pPr marL="457200" algn="l" defTabSz="457200" rtl="0" eaLnBrk="1" latinLnBrk="0" hangingPunct="1">
+              <a:defRPr sz="1800" kern="1200">
+                <a:solidFill>
+                  <a:schemeClr val="tx1"/>
+                </a:solidFill>
+                <a:latin typeface="+mn-lt"/>
+                <a:ea typeface="+mn-ea"/>
+                <a:cs typeface="+mn-cs"/>
+              </a:defRPr>
+            </a:lvl2pPr>
+            <a:lvl3pPr marL="914400" algn="l" defTabSz="457200" rtl="0" eaLnBrk="1" latinLnBrk="0" hangingPunct="1">
+              <a:defRPr sz="1800" kern="1200">
+                <a:solidFill>
+                  <a:schemeClr val="tx1"/>
+                </a:solidFill>
+                <a:latin typeface="+mn-lt"/>
+                <a:ea typeface="+mn-ea"/>
+                <a:cs typeface="+mn-cs"/>
+              </a:defRPr>
+            </a:lvl3pPr>
+            <a:lvl4pPr marL="1371600" algn="l" defTabSz="457200" rtl="0" eaLnBrk="1" latinLnBrk="0" hangingPunct="1">
+              <a:defRPr sz="1800" kern="1200">
+                <a:solidFill>
+                  <a:schemeClr val="tx1"/>
+                </a:solidFill>
+                <a:latin typeface="+mn-lt"/>
+                <a:ea typeface="+mn-ea"/>
+                <a:cs typeface="+mn-cs"/>
+              </a:defRPr>
+            </a:lvl4pPr>
+            <a:lvl5pPr marL="1828800" algn="l" defTabSz="457200" rtl="0" eaLnBrk="1" latinLnBrk="0" hangingPunct="1">
+              <a:defRPr sz="1800" kern="1200">
+                <a:solidFill>
+                  <a:schemeClr val="tx1"/>
+                </a:solidFill>
+                <a:latin typeface="+mn-lt"/>
+                <a:ea typeface="+mn-ea"/>
+                <a:cs typeface="+mn-cs"/>
+              </a:defRPr>
+            </a:lvl5pPr>
+            <a:lvl6pPr marL="2286000" algn="l" defTabSz="457200" rtl="0" eaLnBrk="1" latinLnBrk="0" hangingPunct="1">
+              <a:defRPr sz="1800" kern="1200">
+                <a:solidFill>
+                  <a:schemeClr val="tx1"/>
+                </a:solidFill>
+                <a:latin typeface="+mn-lt"/>
+                <a:ea typeface="+mn-ea"/>
+                <a:cs typeface="+mn-cs"/>
+              </a:defRPr>
+            </a:lvl6pPr>
+            <a:lvl7pPr marL="2743200" algn="l" defTabSz="457200" rtl="0" eaLnBrk="1" latinLnBrk="0" hangingPunct="1">
+              <a:defRPr sz="1800" kern="1200">
+                <a:solidFill>
+                  <a:schemeClr val="tx1"/>
+                </a:solidFill>
+                <a:latin typeface="+mn-lt"/>
+                <a:ea typeface="+mn-ea"/>
+                <a:cs typeface="+mn-cs"/>
+              </a:defRPr>
+            </a:lvl7pPr>
+            <a:lvl8pPr marL="3200400" algn="l" defTabSz="457200" rtl="0" eaLnBrk="1" latinLnBrk="0" hangingPunct="1">
+              <a:defRPr sz="1800" kern="1200">
+                <a:solidFill>
+                  <a:schemeClr val="tx1"/>
+                </a:solidFill>
+                <a:latin typeface="+mn-lt"/>
+                <a:ea typeface="+mn-ea"/>
+                <a:cs typeface="+mn-cs"/>
+              </a:defRPr>
+            </a:lvl8pPr>
+            <a:lvl9pPr marL="3657600" algn="l" defTabSz="457200" rtl="0" eaLnBrk="1" latinLnBrk="0" hangingPunct="1">
+              <a:defRPr sz="1800" kern="1200">
+                <a:solidFill>
+                  <a:schemeClr val="tx1"/>
+                </a:solidFill>
+                <a:latin typeface="+mn-lt"/>
+                <a:ea typeface="+mn-ea"/>
+                <a:cs typeface="+mn-cs"/>
+              </a:defRPr>
+            </a:lvl9pPr>
+          </a:lstStyle>
           <a:p>
             <a:fld id="{FEDBE076-7370-4F39-B8CE-D2BB33626AF3}" type="slidenum">
-              <a:rPr lang="he-IL" smtClean="0"/>
+              <a:rPr lang="he-IL" sz="1200" smtClean="0">
+                <a:latin typeface="Arial" panose="020B0604020202020204" pitchFamily="34" charset="0"/>
+                <a:cs typeface="Arial" panose="020B0604020202020204" pitchFamily="34" charset="0"/>
+              </a:rPr>
+              <a:pPr/>
               <a:t>8</a:t>
             </a:fld>
-            <a:endParaRPr lang="he-IL"/>
+            <a:endParaRPr lang="he-IL" sz="1000" dirty="0">
+              <a:latin typeface="Arial" panose="020B0604020202020204" pitchFamily="34" charset="0"/>
+              <a:cs typeface="Arial" panose="020B0604020202020204" pitchFamily="34" charset="0"/>
+            </a:endParaRPr>
+          </a:p>
+        </p:txBody>
+      </p:sp>
+      <p:pic>
+        <p:nvPicPr>
+          <p:cNvPr id="4" name="Content Placeholder 4">
+            <a:extLst>
+              <a:ext uri="{FF2B5EF4-FFF2-40B4-BE49-F238E27FC236}">
+                <a16:creationId xmlns:a16="http://schemas.microsoft.com/office/drawing/2014/main" id="{3026FBE0-9116-C7AC-D540-4FAD07F4980A}"/>
+              </a:ext>
+            </a:extLst>
+          </p:cNvPr>
+          <p:cNvPicPr>
+            <a:picLocks noChangeAspect="1"/>
+          </p:cNvPicPr>
+          <p:nvPr/>
+        </p:nvPicPr>
+        <p:blipFill>
+          <a:blip r:embed="rId2"/>
+          <a:stretch>
+            <a:fillRect/>
+          </a:stretch>
+        </p:blipFill>
+        <p:spPr>
+          <a:xfrm>
+            <a:off x="1061818" y="5386095"/>
+            <a:ext cx="8964468" cy="1190509"/>
+          </a:xfrm>
+          <a:prstGeom prst="rect">
+            <a:avLst/>
+          </a:prstGeom>
+        </p:spPr>
+      </p:pic>
+      <p:sp>
+        <p:nvSpPr>
+          <p:cNvPr id="6" name="TextBox 5">
+            <a:extLst>
+              <a:ext uri="{FF2B5EF4-FFF2-40B4-BE49-F238E27FC236}">
+                <a16:creationId xmlns:a16="http://schemas.microsoft.com/office/drawing/2014/main" id="{B1C54BD0-F77C-712C-0850-DF0604DD500E}"/>
+              </a:ext>
+            </a:extLst>
+          </p:cNvPr>
+          <p:cNvSpPr txBox="1"/>
+          <p:nvPr/>
+        </p:nvSpPr>
+        <p:spPr>
+          <a:xfrm>
+            <a:off x="1061818" y="6471912"/>
+            <a:ext cx="4670190" cy="261610"/>
+          </a:xfrm>
+          <a:prstGeom prst="rect">
+            <a:avLst/>
+          </a:prstGeom>
+          <a:noFill/>
+        </p:spPr>
+        <p:txBody>
+          <a:bodyPr wrap="square" rtlCol="1">
+            <a:spAutoFit/>
+          </a:bodyPr>
+          <a:lstStyle/>
+          <a:p>
+            <a:r>
+              <a:rPr lang="en-US" sz="1100" dirty="0">
+                <a:cs typeface="+mj-cs"/>
+              </a:rPr>
+              <a:t>Source: Densely Connected Convolutional Networks original paper.</a:t>
+            </a:r>
+            <a:endParaRPr lang="he-IL" sz="1100" dirty="0">
+              <a:cs typeface="+mj-cs"/>
+            </a:endParaRPr>
           </a:p>
         </p:txBody>
       </p:sp>
@@ -15575,35 +16627,6 @@
           </a:fontRef>
         </p:style>
       </p:sp>
-      <p:pic>
-        <p:nvPicPr>
-          <p:cNvPr id="5" name="Content Placeholder 4">
-            <a:extLst>
-              <a:ext uri="{FF2B5EF4-FFF2-40B4-BE49-F238E27FC236}">
-                <a16:creationId xmlns:a16="http://schemas.microsoft.com/office/drawing/2014/main" id="{49958D58-9181-D98A-A0F1-7C2BD705D196}"/>
-              </a:ext>
-            </a:extLst>
-          </p:cNvPr>
-          <p:cNvPicPr>
-            <a:picLocks noGrp="1" noChangeAspect="1"/>
-          </p:cNvPicPr>
-          <p:nvPr>
-            <p:ph idx="1"/>
-          </p:nvPr>
-        </p:nvPicPr>
-        <p:blipFill>
-          <a:blip r:embed="rId2"/>
-          <a:stretch>
-            <a:fillRect/>
-          </a:stretch>
-        </p:blipFill>
-        <p:spPr>
-          <a:xfrm>
-            <a:off x="989604" y="4743635"/>
-            <a:ext cx="10420909" cy="1383929"/>
-          </a:xfrm>
-        </p:spPr>
-      </p:pic>
       <p:sp>
         <p:nvSpPr>
           <p:cNvPr id="37" name="Isosceles Triangle 36">
@@ -15678,8 +16701,8 @@
         </p:nvSpPr>
         <p:spPr>
           <a:xfrm>
-            <a:off x="1175351" y="589208"/>
-            <a:ext cx="10273124" cy="4154427"/>
+            <a:off x="1063496" y="1496180"/>
+            <a:ext cx="10273124" cy="2200058"/>
           </a:xfrm>
           <a:prstGeom prst="rect">
             <a:avLst/>
@@ -15922,92 +16945,34 @@
               <a:buNone/>
             </a:pPr>
             <a:r>
-              <a:rPr lang="en-US" sz="2000" dirty="0" err="1">
-                <a:solidFill>
-                  <a:schemeClr val="accent5"/>
+              <a:rPr lang="en-US" sz="2000" dirty="0">
+                <a:solidFill>
+                  <a:schemeClr val="tx1"/>
                 </a:solidFill>
                 <a:latin typeface="Arial" panose="020B0604020202020204" pitchFamily="34" charset="0"/>
                 <a:cs typeface="Arial" panose="020B0604020202020204" pitchFamily="34" charset="0"/>
               </a:rPr>
-              <a:t>DenseNets</a:t>
-            </a:r>
-            <a:r>
-              <a:rPr lang="en-US" sz="2000" dirty="0">
-                <a:solidFill>
-                  <a:schemeClr val="accent5"/>
+              <a:t>The inception network which was introduced as </a:t>
+            </a:r>
+            <a:r>
+              <a:rPr lang="en-US" sz="2000" dirty="0" err="1">
+                <a:solidFill>
+                  <a:schemeClr val="tx1"/>
                 </a:solidFill>
                 <a:latin typeface="Arial" panose="020B0604020202020204" pitchFamily="34" charset="0"/>
                 <a:cs typeface="Arial" panose="020B0604020202020204" pitchFamily="34" charset="0"/>
               </a:rPr>
-              <a:t> are composed from Dense Blocks, the dimensions of the feature maps remains the same within a block, but the number of filters changes between them.</a:t>
-            </a:r>
-          </a:p>
-          <a:p>
-            <a:pPr marL="0" indent="0" algn="l" rtl="0">
-              <a:buFont typeface="Wingdings 3" charset="2"/>
-              <a:buNone/>
-            </a:pPr>
+              <a:t>Googlenet</a:t>
+            </a:r>
             <a:r>
               <a:rPr lang="en-US" sz="2000" dirty="0">
                 <a:solidFill>
-                  <a:schemeClr val="accent5"/>
+                  <a:schemeClr val="tx1"/>
                 </a:solidFill>
                 <a:latin typeface="Arial" panose="020B0604020202020204" pitchFamily="34" charset="0"/>
                 <a:cs typeface="Arial" panose="020B0604020202020204" pitchFamily="34" charset="0"/>
               </a:rPr>
-              <a:t> The L </a:t>
-            </a:r>
-            <a:r>
-              <a:rPr lang="en-US" sz="2000" dirty="0" err="1">
-                <a:solidFill>
-                  <a:schemeClr val="accent5"/>
-                </a:solidFill>
-                <a:latin typeface="Arial" panose="020B0604020202020204" pitchFamily="34" charset="0"/>
-                <a:cs typeface="Arial" panose="020B0604020202020204" pitchFamily="34" charset="0"/>
-              </a:rPr>
-              <a:t>th</a:t>
-            </a:r>
-            <a:r>
-              <a:rPr lang="en-US" sz="2000" dirty="0">
-                <a:solidFill>
-                  <a:schemeClr val="accent5"/>
-                </a:solidFill>
-                <a:latin typeface="Arial" panose="020B0604020202020204" pitchFamily="34" charset="0"/>
-                <a:cs typeface="Arial" panose="020B0604020202020204" pitchFamily="34" charset="0"/>
-              </a:rPr>
-              <a:t> layer has L inputs,  consisting of the feature-maps of all preceding convolutional blocks. Its own feature-maps are passed on to all subsequent layers.</a:t>
-            </a:r>
-          </a:p>
-          <a:p>
-            <a:pPr marL="0" indent="0" algn="l" rtl="0">
-              <a:buFont typeface="Wingdings 3" charset="2"/>
-              <a:buNone/>
-            </a:pPr>
-            <a:r>
-              <a:rPr lang="en-US" sz="2000" dirty="0">
-                <a:solidFill>
-                  <a:schemeClr val="accent5"/>
-                </a:solidFill>
-                <a:latin typeface="Arial" panose="020B0604020202020204" pitchFamily="34" charset="0"/>
-                <a:cs typeface="Arial" panose="020B0604020202020204" pitchFamily="34" charset="0"/>
-              </a:rPr>
-              <a:t>DenseNet layers are very narrow, adding only a small set of feature-maps to the “collective knowledge”.</a:t>
-            </a:r>
-          </a:p>
-          <a:p>
-            <a:pPr marL="0" indent="0" algn="l" rtl="0">
-              <a:buFont typeface="Wingdings 3" charset="2"/>
-              <a:buNone/>
-            </a:pPr>
-            <a:r>
-              <a:rPr lang="en-US" sz="2000" dirty="0">
-                <a:solidFill>
-                  <a:schemeClr val="accent5"/>
-                </a:solidFill>
-                <a:latin typeface="Arial" panose="020B0604020202020204" pitchFamily="34" charset="0"/>
-                <a:cs typeface="Arial" panose="020B0604020202020204" pitchFamily="34" charset="0"/>
-              </a:rPr>
-              <a:t>Dense connectivity pattern requires fewer parameters, as there is no need to relearn unnecessary feature-maps.</a:t>
+              <a:t> in 2014 takes a new approach to deep layers models where before different types of convolutions and pooling layers were stacked upon each other but now in an inception module we combine within the same layer different convolutions and a pooling operation which all produces at the layer level an output with same dimensions only different depths which are than concatenated  as an output of the layer and passed on unto the next.</a:t>
             </a:r>
           </a:p>
           <a:p>
@@ -16027,10 +16992,10 @@
       </p:sp>
       <p:sp>
         <p:nvSpPr>
-          <p:cNvPr id="2" name="מציין מיקום של מספר שקופית 1">
+          <p:cNvPr id="2" name="כותרת 1">
             <a:extLst>
               <a:ext uri="{FF2B5EF4-FFF2-40B4-BE49-F238E27FC236}">
-                <a16:creationId xmlns:a16="http://schemas.microsoft.com/office/drawing/2014/main" id="{86100EE3-4864-8A62-2A1C-D3003F65B321}"/>
+                <a16:creationId xmlns:a16="http://schemas.microsoft.com/office/drawing/2014/main" id="{4A834D02-D58D-B4E3-F567-967483BA00F8}"/>
               </a:ext>
             </a:extLst>
           </p:cNvPr>
@@ -16038,26 +17003,247 @@
             <a:spLocks noGrp="1"/>
           </p:cNvSpPr>
           <p:nvPr>
-            <p:ph type="sldNum" sz="quarter" idx="12"/>
-          </p:nvPr>
-        </p:nvSpPr>
-        <p:spPr/>
+            <p:ph type="title"/>
+          </p:nvPr>
+        </p:nvSpPr>
+        <p:spPr>
+          <a:xfrm>
+            <a:off x="1681231" y="407466"/>
+            <a:ext cx="8596668" cy="1177085"/>
+          </a:xfrm>
+        </p:spPr>
         <p:txBody>
-          <a:bodyPr/>
+          <a:bodyPr>
+            <a:normAutofit/>
+          </a:bodyPr>
           <a:lstStyle/>
           <a:p>
+            <a:pPr algn="ctr" rtl="0"/>
+            <a:r>
+              <a:rPr lang="en-US" sz="4000" dirty="0">
+                <a:latin typeface="Arial" panose="020B0604020202020204" pitchFamily="34" charset="0"/>
+                <a:cs typeface="Arial" panose="020B0604020202020204" pitchFamily="34" charset="0"/>
+              </a:rPr>
+              <a:t>Inception V4</a:t>
+            </a:r>
+            <a:endParaRPr lang="he-IL" sz="4000" dirty="0">
+              <a:latin typeface="Arial" panose="020B0604020202020204" pitchFamily="34" charset="0"/>
+              <a:cs typeface="Arial" panose="020B0604020202020204" pitchFamily="34" charset="0"/>
+            </a:endParaRPr>
+          </a:p>
+        </p:txBody>
+      </p:sp>
+      <p:pic>
+        <p:nvPicPr>
+          <p:cNvPr id="7" name="תמונה 3">
+            <a:extLst>
+              <a:ext uri="{FF2B5EF4-FFF2-40B4-BE49-F238E27FC236}">
+                <a16:creationId xmlns:a16="http://schemas.microsoft.com/office/drawing/2014/main" id="{75F36A9B-487A-03BB-B9F3-74178B948A20}"/>
+              </a:ext>
+            </a:extLst>
+          </p:cNvPr>
+          <p:cNvPicPr>
+            <a:picLocks noChangeAspect="1"/>
+          </p:cNvPicPr>
+          <p:nvPr/>
+        </p:nvPicPr>
+        <p:blipFill>
+          <a:blip r:embed="rId2"/>
+          <a:stretch>
+            <a:fillRect/>
+          </a:stretch>
+        </p:blipFill>
+        <p:spPr>
+          <a:xfrm>
+            <a:off x="1170261" y="3621808"/>
+            <a:ext cx="4925739" cy="2792321"/>
+          </a:xfrm>
+          <a:prstGeom prst="rect">
+            <a:avLst/>
+          </a:prstGeom>
+        </p:spPr>
+      </p:pic>
+      <p:pic>
+        <p:nvPicPr>
+          <p:cNvPr id="8" name="תמונה 4">
+            <a:extLst>
+              <a:ext uri="{FF2B5EF4-FFF2-40B4-BE49-F238E27FC236}">
+                <a16:creationId xmlns:a16="http://schemas.microsoft.com/office/drawing/2014/main" id="{332A766A-4017-982F-6300-1E432CDC12D6}"/>
+              </a:ext>
+            </a:extLst>
+          </p:cNvPr>
+          <p:cNvPicPr>
+            <a:picLocks noChangeAspect="1"/>
+          </p:cNvPicPr>
+          <p:nvPr/>
+        </p:nvPicPr>
+        <p:blipFill>
+          <a:blip r:embed="rId3" cstate="print">
+            <a:extLst>
+              <a:ext uri="{28A0092B-C50C-407E-A947-70E740481C1C}">
+                <a14:useLocalDpi xmlns:a14="http://schemas.microsoft.com/office/drawing/2010/main" val="0"/>
+              </a:ext>
+            </a:extLst>
+          </a:blip>
+          <a:srcRect/>
+          <a:stretch>
+            <a:fillRect/>
+          </a:stretch>
+        </p:blipFill>
+        <p:spPr bwMode="auto">
+          <a:xfrm>
+            <a:off x="6200058" y="4224613"/>
+            <a:ext cx="4925740" cy="1935610"/>
+          </a:xfrm>
+          <a:prstGeom prst="rect">
+            <a:avLst/>
+          </a:prstGeom>
+          <a:noFill/>
+          <a:ln>
+            <a:noFill/>
+          </a:ln>
+        </p:spPr>
+      </p:pic>
+      <p:sp>
+        <p:nvSpPr>
+          <p:cNvPr id="4" name="מציין מיקום של מספר שקופית 1">
+            <a:extLst>
+              <a:ext uri="{FF2B5EF4-FFF2-40B4-BE49-F238E27FC236}">
+                <a16:creationId xmlns:a16="http://schemas.microsoft.com/office/drawing/2014/main" id="{E371C45A-03D2-C51D-03C1-1BFEB9A96412}"/>
+              </a:ext>
+            </a:extLst>
+          </p:cNvPr>
+          <p:cNvSpPr txBox="1">
+            <a:spLocks/>
+          </p:cNvSpPr>
+          <p:nvPr/>
+        </p:nvSpPr>
+        <p:spPr>
+          <a:xfrm>
+            <a:off x="11059927" y="6506035"/>
+            <a:ext cx="683339" cy="365125"/>
+          </a:xfrm>
+          <a:prstGeom prst="rect">
+            <a:avLst/>
+          </a:prstGeom>
+        </p:spPr>
+        <p:txBody>
+          <a:bodyPr vert="horz" lIns="91440" tIns="45720" rIns="91440" bIns="45720" rtlCol="0" anchor="ctr"/>
+          <a:lstStyle>
+            <a:defPPr>
+              <a:defRPr lang="en-US"/>
+            </a:defPPr>
+            <a:lvl1pPr marL="0" algn="r" defTabSz="457200" rtl="0" eaLnBrk="1" latinLnBrk="0" hangingPunct="1">
+              <a:defRPr sz="900" kern="1200">
+                <a:solidFill>
+                  <a:schemeClr val="accent1"/>
+                </a:solidFill>
+                <a:latin typeface="+mn-lt"/>
+                <a:ea typeface="+mn-ea"/>
+                <a:cs typeface="+mn-cs"/>
+              </a:defRPr>
+            </a:lvl1pPr>
+            <a:lvl2pPr marL="457200" algn="l" defTabSz="457200" rtl="0" eaLnBrk="1" latinLnBrk="0" hangingPunct="1">
+              <a:defRPr sz="1800" kern="1200">
+                <a:solidFill>
+                  <a:schemeClr val="tx1"/>
+                </a:solidFill>
+                <a:latin typeface="+mn-lt"/>
+                <a:ea typeface="+mn-ea"/>
+                <a:cs typeface="+mn-cs"/>
+              </a:defRPr>
+            </a:lvl2pPr>
+            <a:lvl3pPr marL="914400" algn="l" defTabSz="457200" rtl="0" eaLnBrk="1" latinLnBrk="0" hangingPunct="1">
+              <a:defRPr sz="1800" kern="1200">
+                <a:solidFill>
+                  <a:schemeClr val="tx1"/>
+                </a:solidFill>
+                <a:latin typeface="+mn-lt"/>
+                <a:ea typeface="+mn-ea"/>
+                <a:cs typeface="+mn-cs"/>
+              </a:defRPr>
+            </a:lvl3pPr>
+            <a:lvl4pPr marL="1371600" algn="l" defTabSz="457200" rtl="0" eaLnBrk="1" latinLnBrk="0" hangingPunct="1">
+              <a:defRPr sz="1800" kern="1200">
+                <a:solidFill>
+                  <a:schemeClr val="tx1"/>
+                </a:solidFill>
+                <a:latin typeface="+mn-lt"/>
+                <a:ea typeface="+mn-ea"/>
+                <a:cs typeface="+mn-cs"/>
+              </a:defRPr>
+            </a:lvl4pPr>
+            <a:lvl5pPr marL="1828800" algn="l" defTabSz="457200" rtl="0" eaLnBrk="1" latinLnBrk="0" hangingPunct="1">
+              <a:defRPr sz="1800" kern="1200">
+                <a:solidFill>
+                  <a:schemeClr val="tx1"/>
+                </a:solidFill>
+                <a:latin typeface="+mn-lt"/>
+                <a:ea typeface="+mn-ea"/>
+                <a:cs typeface="+mn-cs"/>
+              </a:defRPr>
+            </a:lvl5pPr>
+            <a:lvl6pPr marL="2286000" algn="l" defTabSz="457200" rtl="0" eaLnBrk="1" latinLnBrk="0" hangingPunct="1">
+              <a:defRPr sz="1800" kern="1200">
+                <a:solidFill>
+                  <a:schemeClr val="tx1"/>
+                </a:solidFill>
+                <a:latin typeface="+mn-lt"/>
+                <a:ea typeface="+mn-ea"/>
+                <a:cs typeface="+mn-cs"/>
+              </a:defRPr>
+            </a:lvl6pPr>
+            <a:lvl7pPr marL="2743200" algn="l" defTabSz="457200" rtl="0" eaLnBrk="1" latinLnBrk="0" hangingPunct="1">
+              <a:defRPr sz="1800" kern="1200">
+                <a:solidFill>
+                  <a:schemeClr val="tx1"/>
+                </a:solidFill>
+                <a:latin typeface="+mn-lt"/>
+                <a:ea typeface="+mn-ea"/>
+                <a:cs typeface="+mn-cs"/>
+              </a:defRPr>
+            </a:lvl7pPr>
+            <a:lvl8pPr marL="3200400" algn="l" defTabSz="457200" rtl="0" eaLnBrk="1" latinLnBrk="0" hangingPunct="1">
+              <a:defRPr sz="1800" kern="1200">
+                <a:solidFill>
+                  <a:schemeClr val="tx1"/>
+                </a:solidFill>
+                <a:latin typeface="+mn-lt"/>
+                <a:ea typeface="+mn-ea"/>
+                <a:cs typeface="+mn-cs"/>
+              </a:defRPr>
+            </a:lvl8pPr>
+            <a:lvl9pPr marL="3657600" algn="l" defTabSz="457200" rtl="0" eaLnBrk="1" latinLnBrk="0" hangingPunct="1">
+              <a:defRPr sz="1800" kern="1200">
+                <a:solidFill>
+                  <a:schemeClr val="tx1"/>
+                </a:solidFill>
+                <a:latin typeface="+mn-lt"/>
+                <a:ea typeface="+mn-ea"/>
+                <a:cs typeface="+mn-cs"/>
+              </a:defRPr>
+            </a:lvl9pPr>
+          </a:lstStyle>
+          <a:p>
             <a:fld id="{FEDBE076-7370-4F39-B8CE-D2BB33626AF3}" type="slidenum">
-              <a:rPr lang="he-IL" smtClean="0"/>
+              <a:rPr lang="he-IL" sz="1200" smtClean="0">
+                <a:latin typeface="Arial" panose="020B0604020202020204" pitchFamily="34" charset="0"/>
+                <a:cs typeface="Arial" panose="020B0604020202020204" pitchFamily="34" charset="0"/>
+              </a:rPr>
+              <a:pPr/>
               <a:t>9</a:t>
             </a:fld>
-            <a:endParaRPr lang="he-IL"/>
+            <a:endParaRPr lang="he-IL" sz="1000" dirty="0">
+              <a:latin typeface="Arial" panose="020B0604020202020204" pitchFamily="34" charset="0"/>
+              <a:cs typeface="Arial" panose="020B0604020202020204" pitchFamily="34" charset="0"/>
+            </a:endParaRPr>
           </a:p>
         </p:txBody>
       </p:sp>
     </p:spTree>
     <p:extLst>
       <p:ext uri="{BB962C8B-B14F-4D97-AF65-F5344CB8AC3E}">
-        <p14:creationId xmlns:p14="http://schemas.microsoft.com/office/powerpoint/2010/main" val="4039894696"/>
+        <p14:creationId xmlns:p14="http://schemas.microsoft.com/office/powerpoint/2010/main" val="1705670930"/>
       </p:ext>
     </p:extLst>
   </p:cSld>

--- a/capstone project phase A.pptx
+++ b/capstone project phase A.pptx
@@ -131,6 +131,9 @@
     <p:ext uri="{EFAFB233-063F-42B5-8137-9DF3F51BA10A}">
       <p15:sldGuideLst xmlns:p15="http://schemas.microsoft.com/office/powerpoint/2012/main"/>
     </p:ext>
+    <p:ext uri="{2D200454-40CA-4A62-9FC3-DE9A4176ACB9}">
+      <p15:notesGuideLst xmlns:p15="http://schemas.microsoft.com/office/powerpoint/2012/main"/>
+    </p:ext>
   </p:extLst>
 </p:presentation>
 </file>
@@ -229,7 +232,7 @@
           <a:p>
             <a:fld id="{1B09FBF7-821B-46D9-A9CC-2AA9EB732F83}" type="datetimeFigureOut">
               <a:rPr lang="he-IL" smtClean="0"/>
-              <a:t>כ"א/טבת/תשפ"ג</a:t>
+              <a:t>כ"ב/טבת/תשפ"ג</a:t>
             </a:fld>
             <a:endParaRPr lang="he-IL"/>
           </a:p>
@@ -407,7 +410,7 @@
           <a:p>
             <a:fld id="{BA9A9A6A-E7C7-479C-A1C1-73E20B5013D8}" type="datetimeFigureOut">
               <a:rPr lang="he-IL" smtClean="0"/>
-              <a:t>כ"א/טבת/תשפ"ג</a:t>
+              <a:t>כ"ב/טבת/תשפ"ג</a:t>
             </a:fld>
             <a:endParaRPr lang="he-IL"/>
           </a:p>
@@ -1481,7 +1484,7 @@
           <a:p>
             <a:fld id="{BC4B8964-0C60-42F0-8A7B-39789F9CAB98}" type="datetime8">
               <a:rPr lang="he-IL" smtClean="0"/>
-              <a:t>14 ינואר 23</a:t>
+              <a:t>15 ינואר 23</a:t>
             </a:fld>
             <a:endParaRPr lang="he-IL"/>
           </a:p>
@@ -1732,7 +1735,7 @@
           <a:p>
             <a:fld id="{44492D5F-5C5A-4427-A4A4-F7086FB0D825}" type="datetime8">
               <a:rPr lang="he-IL" smtClean="0"/>
-              <a:t>14 ינואר 23</a:t>
+              <a:t>15 ינואר 23</a:t>
             </a:fld>
             <a:endParaRPr lang="he-IL"/>
           </a:p>
@@ -2046,7 +2049,7 @@
           <a:p>
             <a:fld id="{2F3682EE-130E-4230-AB1E-CAE76CFF0C5F}" type="datetime8">
               <a:rPr lang="he-IL" smtClean="0"/>
-              <a:t>14 ינואר 23</a:t>
+              <a:t>15 ינואר 23</a:t>
             </a:fld>
             <a:endParaRPr lang="he-IL"/>
           </a:p>
@@ -2387,7 +2390,7 @@
           <a:p>
             <a:fld id="{5124BDF2-CCB8-42F8-9C06-6D4E7BD012F8}" type="datetime8">
               <a:rPr lang="he-IL" smtClean="0"/>
-              <a:t>14 ינואר 23</a:t>
+              <a:t>15 ינואר 23</a:t>
             </a:fld>
             <a:endParaRPr lang="he-IL"/>
           </a:p>
@@ -2701,7 +2704,7 @@
           <a:p>
             <a:fld id="{B6002D6A-E79A-4FA0-941C-54C7EBE39EDF}" type="datetime8">
               <a:rPr lang="he-IL" smtClean="0"/>
-              <a:t>14 ינואר 23</a:t>
+              <a:t>15 ינואר 23</a:t>
             </a:fld>
             <a:endParaRPr lang="he-IL"/>
           </a:p>
@@ -3094,7 +3097,7 @@
           <a:p>
             <a:fld id="{A564A717-DCE1-439A-9B67-7D7188204F6F}" type="datetime8">
               <a:rPr lang="he-IL" smtClean="0"/>
-              <a:t>14 ינואר 23</a:t>
+              <a:t>15 ינואר 23</a:t>
             </a:fld>
             <a:endParaRPr lang="he-IL"/>
           </a:p>
@@ -3264,7 +3267,7 @@
           <a:p>
             <a:fld id="{4478F9B6-294E-4621-AF80-B31B71B8B72B}" type="datetime8">
               <a:rPr lang="he-IL" smtClean="0"/>
-              <a:t>14 ינואר 23</a:t>
+              <a:t>15 ינואר 23</a:t>
             </a:fld>
             <a:endParaRPr lang="he-IL"/>
           </a:p>
@@ -3444,7 +3447,7 @@
           <a:p>
             <a:fld id="{A01D7BAB-3B1F-4321-BAE3-D9738DD3E45D}" type="datetime8">
               <a:rPr lang="he-IL" smtClean="0"/>
-              <a:t>14 ינואר 23</a:t>
+              <a:t>15 ינואר 23</a:t>
             </a:fld>
             <a:endParaRPr lang="he-IL"/>
           </a:p>
@@ -3620,7 +3623,7 @@
           <a:p>
             <a:fld id="{49A70225-B891-41BC-B1EB-C74B0A90B821}" type="datetime8">
               <a:rPr lang="he-IL" smtClean="0"/>
-              <a:t>14 ינואר 23</a:t>
+              <a:t>15 ינואר 23</a:t>
             </a:fld>
             <a:endParaRPr lang="he-IL"/>
           </a:p>
@@ -3867,7 +3870,7 @@
           <a:p>
             <a:fld id="{68354EA6-AE6A-40B6-9859-42518146A42A}" type="datetime8">
               <a:rPr lang="he-IL" smtClean="0"/>
-              <a:t>14 ינואר 23</a:t>
+              <a:t>15 ינואר 23</a:t>
             </a:fld>
             <a:endParaRPr lang="he-IL"/>
           </a:p>
@@ -4099,7 +4102,7 @@
           <a:p>
             <a:fld id="{1BC7F4CD-58D3-4335-B5D5-C38391E20D3C}" type="datetime8">
               <a:rPr lang="he-IL" smtClean="0"/>
-              <a:t>14 ינואר 23</a:t>
+              <a:t>15 ינואר 23</a:t>
             </a:fld>
             <a:endParaRPr lang="he-IL"/>
           </a:p>
@@ -4473,7 +4476,7 @@
           <a:p>
             <a:fld id="{61465D9B-820F-435A-B19E-D10F7B776F41}" type="datetime8">
               <a:rPr lang="he-IL" smtClean="0"/>
-              <a:t>14 ינואר 23</a:t>
+              <a:t>15 ינואר 23</a:t>
             </a:fld>
             <a:endParaRPr lang="he-IL"/>
           </a:p>
@@ -4596,7 +4599,7 @@
           <a:p>
             <a:fld id="{F35B8C53-FDF9-43B8-816B-448B03198626}" type="datetime8">
               <a:rPr lang="he-IL" smtClean="0"/>
-              <a:t>14 ינואר 23</a:t>
+              <a:t>15 ינואר 23</a:t>
             </a:fld>
             <a:endParaRPr lang="he-IL"/>
           </a:p>
@@ -4691,7 +4694,7 @@
           <a:p>
             <a:fld id="{EF2DC438-7C71-453E-A629-9248B1F5CE1F}" type="datetime8">
               <a:rPr lang="he-IL" smtClean="0"/>
-              <a:t>14 ינואר 23</a:t>
+              <a:t>15 ינואר 23</a:t>
             </a:fld>
             <a:endParaRPr lang="he-IL"/>
           </a:p>
@@ -4946,7 +4949,7 @@
           <a:p>
             <a:fld id="{0BD847BE-56B8-411B-A53F-42E7F389BB4A}" type="datetime8">
               <a:rPr lang="he-IL" smtClean="0"/>
-              <a:t>14 ינואר 23</a:t>
+              <a:t>15 ינואר 23</a:t>
             </a:fld>
             <a:endParaRPr lang="he-IL"/>
           </a:p>
@@ -5209,7 +5212,7 @@
           <a:p>
             <a:fld id="{FF59ECC8-B340-430C-BECB-9DB381B79EEB}" type="datetime8">
               <a:rPr lang="he-IL" smtClean="0"/>
-              <a:t>14 ינואר 23</a:t>
+              <a:t>15 ינואר 23</a:t>
             </a:fld>
             <a:endParaRPr lang="he-IL"/>
           </a:p>
@@ -5952,7 +5955,7 @@
           <a:p>
             <a:fld id="{E6DCC100-7695-42DC-BE2A-28A81F3C7902}" type="datetime8">
               <a:rPr lang="he-IL" smtClean="0"/>
-              <a:t>14 ינואר 23</a:t>
+              <a:t>15 ינואר 23</a:t>
             </a:fld>
             <a:endParaRPr lang="he-IL"/>
           </a:p>
@@ -7323,16 +7326,6 @@
               <a:buFont typeface="Wingdings 3" charset="2"/>
               <a:buNone/>
             </a:pPr>
-            <a:r>
-              <a:rPr lang="en-US" sz="2000" dirty="0">
-                <a:solidFill>
-                  <a:schemeClr val="tx1"/>
-                </a:solidFill>
-                <a:latin typeface="Arial" panose="020B0604020202020204" pitchFamily="34" charset="0"/>
-                <a:cs typeface="Arial" panose="020B0604020202020204" pitchFamily="34" charset="0"/>
-              </a:rPr>
-              <a:t>Inception v3 is also introduced in the same paper with v2 and is a variation of v2 with batch normalization on the auxiliary classifiers and not just on convolutions.</a:t>
-            </a:r>
             <a:br>
               <a:rPr lang="en-US" sz="2000" dirty="0">
                 <a:solidFill>
@@ -7350,7 +7343,7 @@
                 <a:latin typeface="Arial" panose="020B0604020202020204" pitchFamily="34" charset="0"/>
                 <a:cs typeface="Arial" panose="020B0604020202020204" pitchFamily="34" charset="0"/>
               </a:rPr>
-              <a:t>the Inception architecture is highly tunable, meaning that there are a lot of possible changes to the number of filters in the various layers that do not affect the quality of the fully trained network.</a:t>
+              <a:t>inception v4 is an updated and fined tuned version of inception.</a:t>
             </a:r>
             <a:br>
               <a:rPr lang="en-US" sz="2000" dirty="0">
@@ -7361,35 +7354,13 @@
                 <a:cs typeface="Arial" panose="020B0604020202020204" pitchFamily="34" charset="0"/>
               </a:rPr>
             </a:br>
-            <a:r>
-              <a:rPr lang="en-US" sz="2000" dirty="0">
-                <a:solidFill>
-                  <a:schemeClr val="tx1"/>
-                </a:solidFill>
-                <a:latin typeface="Arial" panose="020B0604020202020204" pitchFamily="34" charset="0"/>
-                <a:cs typeface="Arial" panose="020B0604020202020204" pitchFamily="34" charset="0"/>
-              </a:rPr>
-              <a:t>inception v4 is an updated version of inception which made use of advancements and newer tools from when v3 was published.</a:t>
-            </a:r>
-            <a:br>
-              <a:rPr lang="en-US" sz="2000" dirty="0">
-                <a:solidFill>
-                  <a:schemeClr val="tx1"/>
-                </a:solidFill>
-                <a:latin typeface="Arial" panose="020B0604020202020204" pitchFamily="34" charset="0"/>
-                <a:cs typeface="Arial" panose="020B0604020202020204" pitchFamily="34" charset="0"/>
-              </a:rPr>
-            </a:br>
-            <a:r>
-              <a:rPr lang="en-US" sz="2000" dirty="0">
-                <a:solidFill>
-                  <a:schemeClr val="tx1"/>
-                </a:solidFill>
-                <a:latin typeface="Arial" panose="020B0604020202020204" pitchFamily="34" charset="0"/>
-                <a:cs typeface="Arial" panose="020B0604020202020204" pitchFamily="34" charset="0"/>
-              </a:rPr>
-              <a:t>researchers note not simplifying earlier choices in the architecture resulted in networks that looked more complicated than they needed to be and made changes </a:t>
-            </a:r>
+            <a:endParaRPr lang="en-US" sz="2000" dirty="0">
+              <a:solidFill>
+                <a:schemeClr val="tx1"/>
+              </a:solidFill>
+              <a:latin typeface="Arial" panose="020B0604020202020204" pitchFamily="34" charset="0"/>
+              <a:cs typeface="Arial" panose="020B0604020202020204" pitchFamily="34" charset="0"/>
+            </a:endParaRPr>
           </a:p>
           <a:p>
             <a:pPr marL="0" indent="0" algn="l" rtl="0">
@@ -7430,8 +7401,8 @@
         </p:blipFill>
         <p:spPr>
           <a:xfrm>
-            <a:off x="4551340" y="3215048"/>
-            <a:ext cx="2544919" cy="3533548"/>
+            <a:off x="4463564" y="972334"/>
+            <a:ext cx="4107468" cy="5703103"/>
           </a:xfrm>
           <a:prstGeom prst="rect">
             <a:avLst/>
@@ -16972,7 +16943,7 @@
                 <a:latin typeface="Arial" panose="020B0604020202020204" pitchFamily="34" charset="0"/>
                 <a:cs typeface="Arial" panose="020B0604020202020204" pitchFamily="34" charset="0"/>
               </a:rPr>
-              <a:t> in 2014 takes a new approach to deep layers models where before different types of convolutions and pooling layers were stacked upon each other but now in an inception module we combine within the same layer different convolutions and a pooling operation which all produces at the layer level an output with same dimensions only different depths which are than concatenated  as an output of the layer and passed on unto the next.</a:t>
+              <a:t> in 2014 takes a new approach to deep layers models where before different types of convolutions and pooling layers were stacked upon each other but now in an inception module we combine within the same layer different convolutions and a pooling.</a:t>
             </a:r>
           </a:p>
           <a:p>

--- a/capstone project phase A.pptx
+++ b/capstone project phase A.pptx
@@ -5,30 +5,33 @@
     <p:sldMasterId id="2147483708" r:id="rId1"/>
   </p:sldMasterIdLst>
   <p:notesMasterIdLst>
-    <p:notesMasterId r:id="rId20"/>
+    <p:notesMasterId r:id="rId23"/>
   </p:notesMasterIdLst>
   <p:handoutMasterIdLst>
-    <p:handoutMasterId r:id="rId21"/>
+    <p:handoutMasterId r:id="rId24"/>
   </p:handoutMasterIdLst>
   <p:sldIdLst>
     <p:sldId id="259" r:id="rId2"/>
     <p:sldId id="258" r:id="rId3"/>
     <p:sldId id="260" r:id="rId4"/>
-    <p:sldId id="261" r:id="rId5"/>
-    <p:sldId id="262" r:id="rId6"/>
-    <p:sldId id="277" r:id="rId7"/>
-    <p:sldId id="263" r:id="rId8"/>
-    <p:sldId id="264" r:id="rId9"/>
-    <p:sldId id="267" r:id="rId10"/>
-    <p:sldId id="268" r:id="rId11"/>
-    <p:sldId id="272" r:id="rId12"/>
-    <p:sldId id="278" r:id="rId13"/>
-    <p:sldId id="271" r:id="rId14"/>
-    <p:sldId id="279" r:id="rId15"/>
-    <p:sldId id="276" r:id="rId16"/>
-    <p:sldId id="273" r:id="rId17"/>
-    <p:sldId id="274" r:id="rId18"/>
-    <p:sldId id="275" r:id="rId19"/>
+    <p:sldId id="281" r:id="rId5"/>
+    <p:sldId id="261" r:id="rId6"/>
+    <p:sldId id="262" r:id="rId7"/>
+    <p:sldId id="277" r:id="rId8"/>
+    <p:sldId id="263" r:id="rId9"/>
+    <p:sldId id="264" r:id="rId10"/>
+    <p:sldId id="283" r:id="rId11"/>
+    <p:sldId id="267" r:id="rId12"/>
+    <p:sldId id="268" r:id="rId13"/>
+    <p:sldId id="272" r:id="rId14"/>
+    <p:sldId id="278" r:id="rId15"/>
+    <p:sldId id="271" r:id="rId16"/>
+    <p:sldId id="279" r:id="rId17"/>
+    <p:sldId id="276" r:id="rId18"/>
+    <p:sldId id="273" r:id="rId19"/>
+    <p:sldId id="274" r:id="rId20"/>
+    <p:sldId id="275" r:id="rId21"/>
+    <p:sldId id="282" r:id="rId22"/>
   </p:sldIdLst>
   <p:sldSz cx="12192000" cy="6858000"/>
   <p:notesSz cx="6858000" cy="9144000"/>
@@ -138,6 +141,46 @@
 </p:presentation>
 </file>
 
+<file path=ppt/commentAuthors.xml><?xml version="1.0" encoding="utf-8"?>
+<p:cmAuthorLst xmlns:a="http://schemas.openxmlformats.org/drawingml/2006/main" xmlns:r="http://schemas.openxmlformats.org/officeDocument/2006/relationships" xmlns:p="http://schemas.openxmlformats.org/presentationml/2006/main">
+  <p:cmAuthor id="1" name="ronen zilber" initials="rz" lastIdx="9" clrIdx="0">
+    <p:extLst>
+      <p:ext uri="{19B8F6BF-5375-455C-9EA6-DF929625EA0E}">
+        <p15:presenceInfo xmlns:p15="http://schemas.microsoft.com/office/powerpoint/2012/main" userId="d3a79df29daf3183" providerId="Windows Live"/>
+      </p:ext>
+    </p:extLst>
+  </p:cmAuthor>
+</p:cmAuthorLst>
+</file>
+
+<file path=ppt/comments/comment1.xml><?xml version="1.0" encoding="utf-8"?>
+<p:cmLst xmlns:a="http://schemas.openxmlformats.org/drawingml/2006/main" xmlns:r="http://schemas.openxmlformats.org/officeDocument/2006/relationships" xmlns:p="http://schemas.openxmlformats.org/presentationml/2006/main">
+  <p:cm authorId="1" dt="2023-01-15T20:36:41.325" idx="6">
+    <p:pos x="7670" y="10"/>
+    <p:text>לתמצת</p:text>
+    <p:extLst>
+      <p:ext uri="{C676402C-5697-4E1C-873F-D02D1690AC5C}">
+        <p15:threadingInfo xmlns:p15="http://schemas.microsoft.com/office/powerpoint/2012/main" timeZoneBias="-120"/>
+      </p:ext>
+    </p:extLst>
+  </p:cm>
+</p:cmLst>
+</file>
+
+<file path=ppt/comments/comment2.xml><?xml version="1.0" encoding="utf-8"?>
+<p:cmLst xmlns:a="http://schemas.openxmlformats.org/drawingml/2006/main" xmlns:r="http://schemas.openxmlformats.org/officeDocument/2006/relationships" xmlns:p="http://schemas.openxmlformats.org/presentationml/2006/main">
+  <p:cm authorId="1" dt="2023-01-15T20:47:09.261" idx="9">
+    <p:pos x="7670" y="10"/>
+    <p:text>לא ברור</p:text>
+    <p:extLst>
+      <p:ext uri="{C676402C-5697-4E1C-873F-D02D1690AC5C}">
+        <p15:threadingInfo xmlns:p15="http://schemas.microsoft.com/office/powerpoint/2012/main" timeZoneBias="-120"/>
+      </p:ext>
+    </p:extLst>
+  </p:cm>
+</p:cmLst>
+</file>
+
 <file path=ppt/handoutMasters/handoutMaster1.xml><?xml version="1.0" encoding="utf-8"?>
 <p:handoutMaster xmlns:a="http://schemas.openxmlformats.org/drawingml/2006/main" xmlns:r="http://schemas.openxmlformats.org/officeDocument/2006/relationships" xmlns:p="http://schemas.openxmlformats.org/presentationml/2006/main">
   <p:cSld>
@@ -232,7 +275,7 @@
           <a:p>
             <a:fld id="{1B09FBF7-821B-46D9-A9CC-2AA9EB732F83}" type="datetimeFigureOut">
               <a:rPr lang="he-IL" smtClean="0"/>
-              <a:t>כ"ב/טבת/תשפ"ג</a:t>
+              <a:t>כ"ה/טבת/תשפ"ג</a:t>
             </a:fld>
             <a:endParaRPr lang="he-IL"/>
           </a:p>
@@ -410,7 +453,7 @@
           <a:p>
             <a:fld id="{BA9A9A6A-E7C7-479C-A1C1-73E20B5013D8}" type="datetimeFigureOut">
               <a:rPr lang="he-IL" smtClean="0"/>
-              <a:t>כ"ב/טבת/תשפ"ג</a:t>
+              <a:t>כ"ה/טבת/תשפ"ג</a:t>
             </a:fld>
             <a:endParaRPr lang="he-IL"/>
           </a:p>
@@ -722,7 +765,7 @@
           <a:bodyPr/>
           <a:lstStyle/>
           <a:p>
-            <a:endParaRPr lang="he-IL"/>
+            <a:endParaRPr lang="he-IL" dirty="0"/>
           </a:p>
         </p:txBody>
       </p:sp>
@@ -753,6 +796,275 @@
     <p:extLst>
       <p:ext uri="{BB962C8B-B14F-4D97-AF65-F5344CB8AC3E}">
         <p14:creationId xmlns:p14="http://schemas.microsoft.com/office/powerpoint/2010/main" val="1778811442"/>
+      </p:ext>
+    </p:extLst>
+  </p:cSld>
+  <p:clrMapOvr>
+    <a:masterClrMapping/>
+  </p:clrMapOvr>
+</p:notes>
+</file>
+
+<file path=ppt/notesSlides/notesSlide2.xml><?xml version="1.0" encoding="utf-8"?>
+<p:notes xmlns:a="http://schemas.openxmlformats.org/drawingml/2006/main" xmlns:r="http://schemas.openxmlformats.org/officeDocument/2006/relationships" xmlns:p="http://schemas.openxmlformats.org/presentationml/2006/main">
+  <p:cSld>
+    <p:spTree>
+      <p:nvGrpSpPr>
+        <p:cNvPr id="1" name=""/>
+        <p:cNvGrpSpPr/>
+        <p:nvPr/>
+      </p:nvGrpSpPr>
+      <p:grpSpPr>
+        <a:xfrm>
+          <a:off x="0" y="0"/>
+          <a:ext cx="0" cy="0"/>
+          <a:chOff x="0" y="0"/>
+          <a:chExt cx="0" cy="0"/>
+        </a:xfrm>
+      </p:grpSpPr>
+      <p:sp>
+        <p:nvSpPr>
+          <p:cNvPr id="2" name="Slide Image Placeholder 1"/>
+          <p:cNvSpPr>
+            <a:spLocks noGrp="1" noRot="1" noChangeAspect="1"/>
+          </p:cNvSpPr>
+          <p:nvPr>
+            <p:ph type="sldImg"/>
+          </p:nvPr>
+        </p:nvSpPr>
+        <p:spPr/>
+      </p:sp>
+      <p:sp>
+        <p:nvSpPr>
+          <p:cNvPr id="3" name="Notes Placeholder 2"/>
+          <p:cNvSpPr>
+            <a:spLocks noGrp="1"/>
+          </p:cNvSpPr>
+          <p:nvPr>
+            <p:ph type="body" idx="1"/>
+          </p:nvPr>
+        </p:nvSpPr>
+        <p:spPr/>
+        <p:txBody>
+          <a:bodyPr/>
+          <a:lstStyle/>
+          <a:p>
+            <a:pPr marL="0" marR="0" lvl="0" indent="0" algn="l" defTabSz="914400" rtl="0" eaLnBrk="1" fontAlgn="auto" latinLnBrk="0" hangingPunct="1">
+              <a:lnSpc>
+                <a:spcPct val="100000"/>
+              </a:lnSpc>
+              <a:spcBef>
+                <a:spcPts val="0"/>
+              </a:spcBef>
+              <a:spcAft>
+                <a:spcPts val="0"/>
+              </a:spcAft>
+              <a:buClrTx/>
+              <a:buSzTx/>
+              <a:buFontTx/>
+              <a:buNone/>
+              <a:tabLst/>
+              <a:defRPr/>
+            </a:pPr>
+            <a:r>
+              <a:rPr lang="en-US" sz="1200" dirty="0">
+                <a:solidFill>
+                  <a:schemeClr val="tx1"/>
+                </a:solidFill>
+                <a:effectLst/>
+                <a:latin typeface="Arial" panose="020B0604020202020204" pitchFamily="34" charset="0"/>
+                <a:ea typeface="Calibri" panose="020F0502020204030204" pitchFamily="34" charset="0"/>
+                <a:cs typeface="Arial" panose="020B0604020202020204" pitchFamily="34" charset="0"/>
+              </a:rPr>
+              <a:t>In places where there is shortage of specialist doctors, our system classify both on  mammography and histopathology as at risk for cancer, and the patient will be considered more urgent for diagnose of a specialist doctor.</a:t>
+            </a:r>
+          </a:p>
+          <a:p>
+            <a:pPr marL="0" marR="0" lvl="0" indent="0" algn="l" defTabSz="914400" rtl="0" eaLnBrk="1" fontAlgn="auto" latinLnBrk="0" hangingPunct="1">
+              <a:lnSpc>
+                <a:spcPct val="100000"/>
+              </a:lnSpc>
+              <a:spcBef>
+                <a:spcPts val="0"/>
+              </a:spcBef>
+              <a:spcAft>
+                <a:spcPts val="0"/>
+              </a:spcAft>
+              <a:buClrTx/>
+              <a:buSzTx/>
+              <a:buFontTx/>
+              <a:buNone/>
+              <a:tabLst/>
+              <a:defRPr/>
+            </a:pPr>
+            <a:endParaRPr lang="en-US" sz="1200" dirty="0">
+              <a:solidFill>
+                <a:schemeClr val="tx1"/>
+              </a:solidFill>
+              <a:effectLst/>
+              <a:latin typeface="Arial" panose="020B0604020202020204" pitchFamily="34" charset="0"/>
+              <a:ea typeface="Calibri" panose="020F0502020204030204" pitchFamily="34" charset="0"/>
+              <a:cs typeface="Arial" panose="020B0604020202020204" pitchFamily="34" charset="0"/>
+            </a:endParaRPr>
+          </a:p>
+          <a:p>
+            <a:pPr marL="0" marR="0" lvl="0" indent="0" algn="l" defTabSz="914400" rtl="0" eaLnBrk="1" fontAlgn="auto" latinLnBrk="0" hangingPunct="1">
+              <a:lnSpc>
+                <a:spcPct val="100000"/>
+              </a:lnSpc>
+              <a:spcBef>
+                <a:spcPts val="0"/>
+              </a:spcBef>
+              <a:spcAft>
+                <a:spcPts val="0"/>
+              </a:spcAft>
+              <a:buClrTx/>
+              <a:buSzTx/>
+              <a:buFontTx/>
+              <a:buNone/>
+              <a:tabLst/>
+              <a:defRPr/>
+            </a:pPr>
+            <a:r>
+              <a:rPr lang="en-US" sz="1200" dirty="0">
+                <a:solidFill>
+                  <a:schemeClr val="tx1"/>
+                </a:solidFill>
+                <a:latin typeface="Arial" panose="020B0604020202020204" pitchFamily="34" charset="0"/>
+                <a:cs typeface="Arial" panose="020B0604020202020204" pitchFamily="34" charset="0"/>
+              </a:rPr>
+              <a:t>We will use the </a:t>
+            </a:r>
+            <a:r>
+              <a:rPr lang="en-US" sz="1200" dirty="0" err="1">
+                <a:solidFill>
+                  <a:schemeClr val="tx1"/>
+                </a:solidFill>
+                <a:latin typeface="Arial" panose="020B0604020202020204" pitchFamily="34" charset="0"/>
+                <a:cs typeface="Arial" panose="020B0604020202020204" pitchFamily="34" charset="0"/>
+              </a:rPr>
+              <a:t>BreakHis</a:t>
+            </a:r>
+            <a:r>
+              <a:rPr lang="en-US" sz="1200" dirty="0">
+                <a:solidFill>
+                  <a:schemeClr val="tx1"/>
+                </a:solidFill>
+                <a:latin typeface="Arial" panose="020B0604020202020204" pitchFamily="34" charset="0"/>
+                <a:cs typeface="Arial" panose="020B0604020202020204" pitchFamily="34" charset="0"/>
+              </a:rPr>
+              <a:t> (Histopathology) and RSNA Screening mammography dataset to research 2 CNN architectures (</a:t>
+            </a:r>
+            <a:r>
+              <a:rPr lang="en-US" sz="1200" dirty="0" err="1">
+                <a:solidFill>
+                  <a:schemeClr val="tx1"/>
+                </a:solidFill>
+                <a:latin typeface="Arial" panose="020B0604020202020204" pitchFamily="34" charset="0"/>
+                <a:cs typeface="Arial" panose="020B0604020202020204" pitchFamily="34" charset="0"/>
+              </a:rPr>
+              <a:t>DenseNet</a:t>
+            </a:r>
+            <a:r>
+              <a:rPr lang="en-US" sz="1200" dirty="0">
+                <a:solidFill>
+                  <a:schemeClr val="tx1"/>
+                </a:solidFill>
+                <a:latin typeface="Arial" panose="020B0604020202020204" pitchFamily="34" charset="0"/>
+                <a:cs typeface="Arial" panose="020B0604020202020204" pitchFamily="34" charset="0"/>
+              </a:rPr>
+              <a:t>, Inception V4) while testing different hyperparameters to maximize our accuracy of breast cancer detection.</a:t>
+            </a:r>
+          </a:p>
+          <a:p>
+            <a:pPr marL="0" marR="0" lvl="0" indent="0" algn="l" defTabSz="914400" rtl="0" eaLnBrk="1" fontAlgn="auto" latinLnBrk="0" hangingPunct="1">
+              <a:lnSpc>
+                <a:spcPct val="100000"/>
+              </a:lnSpc>
+              <a:spcBef>
+                <a:spcPts val="0"/>
+              </a:spcBef>
+              <a:spcAft>
+                <a:spcPts val="0"/>
+              </a:spcAft>
+              <a:buClrTx/>
+              <a:buSzTx/>
+              <a:buFontTx/>
+              <a:buNone/>
+              <a:tabLst/>
+              <a:defRPr/>
+            </a:pPr>
+            <a:endParaRPr lang="en-US" sz="1200" dirty="0">
+              <a:solidFill>
+                <a:schemeClr val="tx1"/>
+              </a:solidFill>
+              <a:effectLst/>
+              <a:latin typeface="Arial" panose="020B0604020202020204" pitchFamily="34" charset="0"/>
+              <a:ea typeface="Calibri" panose="020F0502020204030204" pitchFamily="34" charset="0"/>
+              <a:cs typeface="Arial" panose="020B0604020202020204" pitchFamily="34" charset="0"/>
+            </a:endParaRPr>
+          </a:p>
+          <a:p>
+            <a:pPr marL="0" marR="0" lvl="0" indent="0" algn="l" defTabSz="914400" rtl="0" eaLnBrk="1" fontAlgn="auto" latinLnBrk="0" hangingPunct="1">
+              <a:lnSpc>
+                <a:spcPct val="100000"/>
+              </a:lnSpc>
+              <a:spcBef>
+                <a:spcPts val="0"/>
+              </a:spcBef>
+              <a:spcAft>
+                <a:spcPts val="0"/>
+              </a:spcAft>
+              <a:buClrTx/>
+              <a:buSzTx/>
+              <a:buFontTx/>
+              <a:buNone/>
+              <a:tabLst/>
+              <a:defRPr/>
+            </a:pPr>
+            <a:endParaRPr lang="en-US" sz="1200" dirty="0">
+              <a:solidFill>
+                <a:schemeClr val="tx1"/>
+              </a:solidFill>
+              <a:effectLst/>
+              <a:latin typeface="Arial" panose="020B0604020202020204" pitchFamily="34" charset="0"/>
+              <a:ea typeface="Calibri" panose="020F0502020204030204" pitchFamily="34" charset="0"/>
+              <a:cs typeface="Arial" panose="020B0604020202020204" pitchFamily="34" charset="0"/>
+            </a:endParaRPr>
+          </a:p>
+          <a:p>
+            <a:pPr algn="l" rtl="0"/>
+            <a:endParaRPr lang="he-IL" dirty="0"/>
+          </a:p>
+        </p:txBody>
+      </p:sp>
+      <p:sp>
+        <p:nvSpPr>
+          <p:cNvPr id="4" name="Slide Number Placeholder 3"/>
+          <p:cNvSpPr>
+            <a:spLocks noGrp="1"/>
+          </p:cNvSpPr>
+          <p:nvPr>
+            <p:ph type="sldNum" sz="quarter" idx="5"/>
+          </p:nvPr>
+        </p:nvSpPr>
+        <p:spPr/>
+        <p:txBody>
+          <a:bodyPr/>
+          <a:lstStyle/>
+          <a:p>
+            <a:fld id="{398D4DB8-10DC-431A-A77D-587759D9D9E5}" type="slidenum">
+              <a:rPr lang="he-IL" smtClean="0"/>
+              <a:t>7</a:t>
+            </a:fld>
+            <a:endParaRPr lang="he-IL"/>
+          </a:p>
+        </p:txBody>
+      </p:sp>
+    </p:spTree>
+    <p:extLst>
+      <p:ext uri="{BB962C8B-B14F-4D97-AF65-F5344CB8AC3E}">
+        <p14:creationId xmlns:p14="http://schemas.microsoft.com/office/powerpoint/2010/main" val="1673397452"/>
       </p:ext>
     </p:extLst>
   </p:cSld>
@@ -1484,7 +1796,7 @@
           <a:p>
             <a:fld id="{BC4B8964-0C60-42F0-8A7B-39789F9CAB98}" type="datetime8">
               <a:rPr lang="he-IL" smtClean="0"/>
-              <a:t>15 ינואר 23</a:t>
+              <a:t>18 ינואר 23</a:t>
             </a:fld>
             <a:endParaRPr lang="he-IL"/>
           </a:p>
@@ -1735,7 +2047,7 @@
           <a:p>
             <a:fld id="{44492D5F-5C5A-4427-A4A4-F7086FB0D825}" type="datetime8">
               <a:rPr lang="he-IL" smtClean="0"/>
-              <a:t>15 ינואר 23</a:t>
+              <a:t>18 ינואר 23</a:t>
             </a:fld>
             <a:endParaRPr lang="he-IL"/>
           </a:p>
@@ -2049,7 +2361,7 @@
           <a:p>
             <a:fld id="{2F3682EE-130E-4230-AB1E-CAE76CFF0C5F}" type="datetime8">
               <a:rPr lang="he-IL" smtClean="0"/>
-              <a:t>15 ינואר 23</a:t>
+              <a:t>18 ינואר 23</a:t>
             </a:fld>
             <a:endParaRPr lang="he-IL"/>
           </a:p>
@@ -2390,7 +2702,7 @@
           <a:p>
             <a:fld id="{5124BDF2-CCB8-42F8-9C06-6D4E7BD012F8}" type="datetime8">
               <a:rPr lang="he-IL" smtClean="0"/>
-              <a:t>15 ינואר 23</a:t>
+              <a:t>18 ינואר 23</a:t>
             </a:fld>
             <a:endParaRPr lang="he-IL"/>
           </a:p>
@@ -2704,7 +3016,7 @@
           <a:p>
             <a:fld id="{B6002D6A-E79A-4FA0-941C-54C7EBE39EDF}" type="datetime8">
               <a:rPr lang="he-IL" smtClean="0"/>
-              <a:t>15 ינואר 23</a:t>
+              <a:t>18 ינואר 23</a:t>
             </a:fld>
             <a:endParaRPr lang="he-IL"/>
           </a:p>
@@ -3097,7 +3409,7 @@
           <a:p>
             <a:fld id="{A564A717-DCE1-439A-9B67-7D7188204F6F}" type="datetime8">
               <a:rPr lang="he-IL" smtClean="0"/>
-              <a:t>15 ינואר 23</a:t>
+              <a:t>18 ינואר 23</a:t>
             </a:fld>
             <a:endParaRPr lang="he-IL"/>
           </a:p>
@@ -3267,7 +3579,7 @@
           <a:p>
             <a:fld id="{4478F9B6-294E-4621-AF80-B31B71B8B72B}" type="datetime8">
               <a:rPr lang="he-IL" smtClean="0"/>
-              <a:t>15 ינואר 23</a:t>
+              <a:t>18 ינואר 23</a:t>
             </a:fld>
             <a:endParaRPr lang="he-IL"/>
           </a:p>
@@ -3447,7 +3759,7 @@
           <a:p>
             <a:fld id="{A01D7BAB-3B1F-4321-BAE3-D9738DD3E45D}" type="datetime8">
               <a:rPr lang="he-IL" smtClean="0"/>
-              <a:t>15 ינואר 23</a:t>
+              <a:t>18 ינואר 23</a:t>
             </a:fld>
             <a:endParaRPr lang="he-IL"/>
           </a:p>
@@ -3623,7 +3935,7 @@
           <a:p>
             <a:fld id="{49A70225-B891-41BC-B1EB-C74B0A90B821}" type="datetime8">
               <a:rPr lang="he-IL" smtClean="0"/>
-              <a:t>15 ינואר 23</a:t>
+              <a:t>18 ינואר 23</a:t>
             </a:fld>
             <a:endParaRPr lang="he-IL"/>
           </a:p>
@@ -3870,7 +4182,7 @@
           <a:p>
             <a:fld id="{68354EA6-AE6A-40B6-9859-42518146A42A}" type="datetime8">
               <a:rPr lang="he-IL" smtClean="0"/>
-              <a:t>15 ינואר 23</a:t>
+              <a:t>18 ינואר 23</a:t>
             </a:fld>
             <a:endParaRPr lang="he-IL"/>
           </a:p>
@@ -4102,7 +4414,7 @@
           <a:p>
             <a:fld id="{1BC7F4CD-58D3-4335-B5D5-C38391E20D3C}" type="datetime8">
               <a:rPr lang="he-IL" smtClean="0"/>
-              <a:t>15 ינואר 23</a:t>
+              <a:t>18 ינואר 23</a:t>
             </a:fld>
             <a:endParaRPr lang="he-IL"/>
           </a:p>
@@ -4476,7 +4788,7 @@
           <a:p>
             <a:fld id="{61465D9B-820F-435A-B19E-D10F7B776F41}" type="datetime8">
               <a:rPr lang="he-IL" smtClean="0"/>
-              <a:t>15 ינואר 23</a:t>
+              <a:t>18 ינואר 23</a:t>
             </a:fld>
             <a:endParaRPr lang="he-IL"/>
           </a:p>
@@ -4599,7 +4911,7 @@
           <a:p>
             <a:fld id="{F35B8C53-FDF9-43B8-816B-448B03198626}" type="datetime8">
               <a:rPr lang="he-IL" smtClean="0"/>
-              <a:t>15 ינואר 23</a:t>
+              <a:t>18 ינואר 23</a:t>
             </a:fld>
             <a:endParaRPr lang="he-IL"/>
           </a:p>
@@ -4694,7 +5006,7 @@
           <a:p>
             <a:fld id="{EF2DC438-7C71-453E-A629-9248B1F5CE1F}" type="datetime8">
               <a:rPr lang="he-IL" smtClean="0"/>
-              <a:t>15 ינואר 23</a:t>
+              <a:t>18 ינואר 23</a:t>
             </a:fld>
             <a:endParaRPr lang="he-IL"/>
           </a:p>
@@ -4949,7 +5261,7 @@
           <a:p>
             <a:fld id="{0BD847BE-56B8-411B-A53F-42E7F389BB4A}" type="datetime8">
               <a:rPr lang="he-IL" smtClean="0"/>
-              <a:t>15 ינואר 23</a:t>
+              <a:t>18 ינואר 23</a:t>
             </a:fld>
             <a:endParaRPr lang="he-IL"/>
           </a:p>
@@ -5212,7 +5524,7 @@
           <a:p>
             <a:fld id="{FF59ECC8-B340-430C-BECB-9DB381B79EEB}" type="datetime8">
               <a:rPr lang="he-IL" smtClean="0"/>
-              <a:t>15 ינואר 23</a:t>
+              <a:t>18 ינואר 23</a:t>
             </a:fld>
             <a:endParaRPr lang="he-IL"/>
           </a:p>
@@ -5955,7 +6267,7 @@
           <a:p>
             <a:fld id="{E6DCC100-7695-42DC-BE2A-28A81F3C7902}" type="datetime8">
               <a:rPr lang="he-IL" smtClean="0"/>
-              <a:t>15 ינואר 23</a:t>
+              <a:t>18 ינואר 23</a:t>
             </a:fld>
             <a:endParaRPr lang="he-IL"/>
           </a:p>
@@ -6745,7 +7057,7 @@
                 <a:latin typeface="Arial" panose="020B0604020202020204" pitchFamily="34" charset="0"/>
                 <a:cs typeface="Arial" panose="020B0604020202020204" pitchFamily="34" charset="0"/>
               </a:rPr>
-              <a:t>breast cancer cells classification using CNN</a:t>
+              <a:t>Breast cancer cells classification using CNN</a:t>
             </a:r>
             <a:br>
               <a:rPr lang="en-US" sz="3200" dirty="0">
@@ -6953,6 +7265,63 @@
       </p:sp>
       <p:sp>
         <p:nvSpPr>
+          <p:cNvPr id="2" name="כותרת 1">
+            <a:extLst>
+              <a:ext uri="{FF2B5EF4-FFF2-40B4-BE49-F238E27FC236}">
+                <a16:creationId xmlns:a16="http://schemas.microsoft.com/office/drawing/2014/main" id="{1ACC9094-DF10-FE2C-933F-47FB37C8A6AB}"/>
+              </a:ext>
+            </a:extLst>
+          </p:cNvPr>
+          <p:cNvSpPr>
+            <a:spLocks noGrp="1"/>
+          </p:cNvSpPr>
+          <p:nvPr>
+            <p:ph type="title"/>
+          </p:nvPr>
+        </p:nvSpPr>
+        <p:spPr>
+          <a:xfrm>
+            <a:off x="1681231" y="419895"/>
+            <a:ext cx="8596668" cy="1177085"/>
+          </a:xfrm>
+        </p:spPr>
+        <p:txBody>
+          <a:bodyPr>
+            <a:normAutofit/>
+          </a:bodyPr>
+          <a:lstStyle/>
+          <a:p>
+            <a:pPr algn="ctr" rtl="0"/>
+            <a:r>
+              <a:rPr lang="en-US" sz="4000" dirty="0">
+                <a:latin typeface="Arial" panose="020B0604020202020204" pitchFamily="34" charset="0"/>
+                <a:cs typeface="Arial" panose="020B0604020202020204" pitchFamily="34" charset="0"/>
+              </a:rPr>
+              <a:t>Uses of the </a:t>
+            </a:r>
+            <a:r>
+              <a:rPr lang="en-US" sz="4000" dirty="0" err="1">
+                <a:latin typeface="Arial" panose="020B0604020202020204" pitchFamily="34" charset="0"/>
+                <a:cs typeface="Arial" panose="020B0604020202020204" pitchFamily="34" charset="0"/>
+              </a:rPr>
+              <a:t>DenseNet</a:t>
+            </a:r>
+            <a:r>
+              <a:rPr lang="en-US" sz="4000" dirty="0">
+                <a:latin typeface="Arial" panose="020B0604020202020204" pitchFamily="34" charset="0"/>
+                <a:cs typeface="Arial" panose="020B0604020202020204" pitchFamily="34" charset="0"/>
+              </a:rPr>
+              <a:t> today</a:t>
+            </a:r>
+            <a:endParaRPr lang="he-IL" sz="4000" dirty="0">
+              <a:latin typeface="Arial" panose="020B0604020202020204" pitchFamily="34" charset="0"/>
+              <a:cs typeface="Arial" panose="020B0604020202020204" pitchFamily="34" charset="0"/>
+            </a:endParaRPr>
+          </a:p>
+        </p:txBody>
+      </p:sp>
+      <p:sp>
+        <p:nvSpPr>
           <p:cNvPr id="35" name="Isosceles Triangle 34">
             <a:extLst>
               <a:ext uri="{FF2B5EF4-FFF2-40B4-BE49-F238E27FC236}">
@@ -7011,6 +7380,92 @@
       </p:sp>
       <p:sp>
         <p:nvSpPr>
+          <p:cNvPr id="3" name="מציין מיקום תוכן 2">
+            <a:extLst>
+              <a:ext uri="{FF2B5EF4-FFF2-40B4-BE49-F238E27FC236}">
+                <a16:creationId xmlns:a16="http://schemas.microsoft.com/office/drawing/2014/main" id="{E63CB9F7-1BEA-5E29-A0FC-A93719833515}"/>
+              </a:ext>
+            </a:extLst>
+          </p:cNvPr>
+          <p:cNvSpPr>
+            <a:spLocks noGrp="1"/>
+          </p:cNvSpPr>
+          <p:nvPr>
+            <p:ph idx="1"/>
+          </p:nvPr>
+        </p:nvSpPr>
+        <p:spPr>
+          <a:xfrm>
+            <a:off x="1202558" y="1315076"/>
+            <a:ext cx="10180748" cy="5396248"/>
+          </a:xfrm>
+        </p:spPr>
+        <p:txBody>
+          <a:bodyPr>
+            <a:normAutofit/>
+          </a:bodyPr>
+          <a:lstStyle/>
+          <a:p>
+            <a:pPr marL="0" indent="0" algn="l" rtl="0">
+              <a:buNone/>
+            </a:pPr>
+            <a:r>
+              <a:rPr lang="en-US" sz="2000" dirty="0" err="1">
+                <a:solidFill>
+                  <a:schemeClr val="tx1"/>
+                </a:solidFill>
+                <a:latin typeface="Arial" panose="020B0604020202020204" pitchFamily="34" charset="0"/>
+                <a:cs typeface="Arial" panose="020B0604020202020204" pitchFamily="34" charset="0"/>
+              </a:rPr>
+              <a:t>DenseNet</a:t>
+            </a:r>
+            <a:r>
+              <a:rPr lang="en-US" sz="2000" dirty="0">
+                <a:solidFill>
+                  <a:schemeClr val="tx1"/>
+                </a:solidFill>
+                <a:latin typeface="Arial" panose="020B0604020202020204" pitchFamily="34" charset="0"/>
+                <a:cs typeface="Arial" panose="020B0604020202020204" pitchFamily="34" charset="0"/>
+              </a:rPr>
+              <a:t> 121 was introduced in the original </a:t>
+            </a:r>
+            <a:r>
+              <a:rPr lang="en-US" sz="2000" dirty="0" err="1">
+                <a:solidFill>
+                  <a:schemeClr val="tx1"/>
+                </a:solidFill>
+                <a:latin typeface="Arial" panose="020B0604020202020204" pitchFamily="34" charset="0"/>
+                <a:cs typeface="Arial" panose="020B0604020202020204" pitchFamily="34" charset="0"/>
+              </a:rPr>
+              <a:t>DenseNet</a:t>
+            </a:r>
+            <a:r>
+              <a:rPr lang="en-US" sz="2000" dirty="0">
+                <a:solidFill>
+                  <a:schemeClr val="tx1"/>
+                </a:solidFill>
+                <a:latin typeface="Arial" panose="020B0604020202020204" pitchFamily="34" charset="0"/>
+                <a:cs typeface="Arial" panose="020B0604020202020204" pitchFamily="34" charset="0"/>
+              </a:rPr>
+              <a:t> paper and has been shown to achieve good performance on several benchmark datasets and is a good way to do tasks where computational resources are limited.</a:t>
+            </a:r>
+          </a:p>
+          <a:p>
+            <a:pPr marL="0" indent="0" algn="l" rtl="0">
+              <a:buNone/>
+            </a:pPr>
+            <a:endParaRPr lang="en-US" sz="2000" dirty="0">
+              <a:solidFill>
+                <a:schemeClr val="tx1"/>
+              </a:solidFill>
+              <a:latin typeface="Arial" panose="020B0604020202020204" pitchFamily="34" charset="0"/>
+              <a:cs typeface="Arial" panose="020B0604020202020204" pitchFamily="34" charset="0"/>
+            </a:endParaRPr>
+          </a:p>
+        </p:txBody>
+      </p:sp>
+      <p:sp>
+        <p:nvSpPr>
           <p:cNvPr id="37" name="Isosceles Triangle 36">
             <a:extLst>
               <a:ext uri="{FF2B5EF4-FFF2-40B4-BE49-F238E27FC236}">
@@ -7069,10 +7524,10 @@
       </p:sp>
       <p:sp>
         <p:nvSpPr>
-          <p:cNvPr id="6" name="מציין מיקום תוכן 2">
+          <p:cNvPr id="5" name="מציין מיקום של מספר שקופית 1">
             <a:extLst>
               <a:ext uri="{FF2B5EF4-FFF2-40B4-BE49-F238E27FC236}">
-                <a16:creationId xmlns:a16="http://schemas.microsoft.com/office/drawing/2014/main" id="{91E00044-A01A-C55E-CB95-201D0795360D}"/>
+                <a16:creationId xmlns:a16="http://schemas.microsoft.com/office/drawing/2014/main" id="{5088E16D-986C-963F-043A-CF6E0F8516F4}"/>
               </a:ext>
             </a:extLst>
           </p:cNvPr>
@@ -7083,349 +7538,7 @@
         </p:nvSpPr>
         <p:spPr>
           <a:xfrm>
-            <a:off x="1092368" y="310979"/>
-            <a:ext cx="10333996" cy="3340181"/>
-          </a:xfrm>
-          <a:prstGeom prst="rect">
-            <a:avLst/>
-          </a:prstGeom>
-        </p:spPr>
-        <p:txBody>
-          <a:bodyPr vert="horz" lIns="91440" tIns="45720" rIns="91440" bIns="45720" rtlCol="0">
-            <a:normAutofit/>
-          </a:bodyPr>
-          <a:lstStyle>
-            <a:lvl1pPr marL="342900" indent="-342900" algn="r" defTabSz="457200" rtl="1" eaLnBrk="1" latinLnBrk="0" hangingPunct="1">
-              <a:spcBef>
-                <a:spcPts val="1000"/>
-              </a:spcBef>
-              <a:spcAft>
-                <a:spcPts val="0"/>
-              </a:spcAft>
-              <a:buClr>
-                <a:schemeClr val="accent1"/>
-              </a:buClr>
-              <a:buSzPct val="80000"/>
-              <a:buFont typeface="Wingdings 3" charset="2"/>
-              <a:buChar char=""/>
-              <a:defRPr sz="1800" kern="1200">
-                <a:solidFill>
-                  <a:schemeClr val="tx1">
-                    <a:lumMod val="75000"/>
-                    <a:lumOff val="25000"/>
-                  </a:schemeClr>
-                </a:solidFill>
-                <a:latin typeface="+mn-lt"/>
-                <a:ea typeface="+mn-ea"/>
-                <a:cs typeface="+mn-cs"/>
-              </a:defRPr>
-            </a:lvl1pPr>
-            <a:lvl2pPr marL="742950" indent="-285750" algn="r" defTabSz="457200" rtl="1" eaLnBrk="1" latinLnBrk="0" hangingPunct="1">
-              <a:spcBef>
-                <a:spcPts val="1000"/>
-              </a:spcBef>
-              <a:spcAft>
-                <a:spcPts val="0"/>
-              </a:spcAft>
-              <a:buClr>
-                <a:schemeClr val="accent1"/>
-              </a:buClr>
-              <a:buSzPct val="80000"/>
-              <a:buFont typeface="Wingdings 3" charset="2"/>
-              <a:buChar char=""/>
-              <a:defRPr sz="1600" kern="1200">
-                <a:solidFill>
-                  <a:schemeClr val="tx1">
-                    <a:lumMod val="75000"/>
-                    <a:lumOff val="25000"/>
-                  </a:schemeClr>
-                </a:solidFill>
-                <a:latin typeface="+mn-lt"/>
-                <a:ea typeface="+mn-ea"/>
-                <a:cs typeface="+mn-cs"/>
-              </a:defRPr>
-            </a:lvl2pPr>
-            <a:lvl3pPr marL="1143000" indent="-228600" algn="r" defTabSz="457200" rtl="1" eaLnBrk="1" latinLnBrk="0" hangingPunct="1">
-              <a:spcBef>
-                <a:spcPts val="1000"/>
-              </a:spcBef>
-              <a:spcAft>
-                <a:spcPts val="0"/>
-              </a:spcAft>
-              <a:buClr>
-                <a:schemeClr val="accent1"/>
-              </a:buClr>
-              <a:buSzPct val="80000"/>
-              <a:buFont typeface="Wingdings 3" charset="2"/>
-              <a:buChar char=""/>
-              <a:defRPr sz="1400" kern="1200">
-                <a:solidFill>
-                  <a:schemeClr val="tx1">
-                    <a:lumMod val="75000"/>
-                    <a:lumOff val="25000"/>
-                  </a:schemeClr>
-                </a:solidFill>
-                <a:latin typeface="+mn-lt"/>
-                <a:ea typeface="+mn-ea"/>
-                <a:cs typeface="+mn-cs"/>
-              </a:defRPr>
-            </a:lvl3pPr>
-            <a:lvl4pPr marL="1600200" indent="-228600" algn="r" defTabSz="457200" rtl="1" eaLnBrk="1" latinLnBrk="0" hangingPunct="1">
-              <a:spcBef>
-                <a:spcPts val="1000"/>
-              </a:spcBef>
-              <a:spcAft>
-                <a:spcPts val="0"/>
-              </a:spcAft>
-              <a:buClr>
-                <a:schemeClr val="accent1"/>
-              </a:buClr>
-              <a:buSzPct val="80000"/>
-              <a:buFont typeface="Wingdings 3" charset="2"/>
-              <a:buChar char=""/>
-              <a:defRPr sz="1200" kern="1200">
-                <a:solidFill>
-                  <a:schemeClr val="tx1">
-                    <a:lumMod val="75000"/>
-                    <a:lumOff val="25000"/>
-                  </a:schemeClr>
-                </a:solidFill>
-                <a:latin typeface="+mn-lt"/>
-                <a:ea typeface="+mn-ea"/>
-                <a:cs typeface="+mn-cs"/>
-              </a:defRPr>
-            </a:lvl4pPr>
-            <a:lvl5pPr marL="2057400" indent="-228600" algn="r" defTabSz="457200" rtl="1" eaLnBrk="1" latinLnBrk="0" hangingPunct="1">
-              <a:spcBef>
-                <a:spcPts val="1000"/>
-              </a:spcBef>
-              <a:spcAft>
-                <a:spcPts val="0"/>
-              </a:spcAft>
-              <a:buClr>
-                <a:schemeClr val="accent1"/>
-              </a:buClr>
-              <a:buSzPct val="80000"/>
-              <a:buFont typeface="Wingdings 3" charset="2"/>
-              <a:buChar char=""/>
-              <a:defRPr sz="1200" kern="1200">
-                <a:solidFill>
-                  <a:schemeClr val="tx1">
-                    <a:lumMod val="75000"/>
-                    <a:lumOff val="25000"/>
-                  </a:schemeClr>
-                </a:solidFill>
-                <a:latin typeface="+mn-lt"/>
-                <a:ea typeface="+mn-ea"/>
-                <a:cs typeface="+mn-cs"/>
-              </a:defRPr>
-            </a:lvl5pPr>
-            <a:lvl6pPr marL="2514600" indent="-228600" algn="r" defTabSz="457200" rtl="1" eaLnBrk="1" latinLnBrk="0" hangingPunct="1">
-              <a:spcBef>
-                <a:spcPts val="1000"/>
-              </a:spcBef>
-              <a:spcAft>
-                <a:spcPts val="0"/>
-              </a:spcAft>
-              <a:buClr>
-                <a:schemeClr val="accent1"/>
-              </a:buClr>
-              <a:buSzPct val="80000"/>
-              <a:buFont typeface="Wingdings 3" charset="2"/>
-              <a:buChar char=""/>
-              <a:defRPr sz="1200" kern="1200">
-                <a:solidFill>
-                  <a:schemeClr val="tx1">
-                    <a:lumMod val="75000"/>
-                    <a:lumOff val="25000"/>
-                  </a:schemeClr>
-                </a:solidFill>
-                <a:latin typeface="+mn-lt"/>
-                <a:ea typeface="+mn-ea"/>
-                <a:cs typeface="+mn-cs"/>
-              </a:defRPr>
-            </a:lvl6pPr>
-            <a:lvl7pPr marL="2971800" indent="-228600" algn="r" defTabSz="457200" rtl="1" eaLnBrk="1" latinLnBrk="0" hangingPunct="1">
-              <a:spcBef>
-                <a:spcPts val="1000"/>
-              </a:spcBef>
-              <a:spcAft>
-                <a:spcPts val="0"/>
-              </a:spcAft>
-              <a:buClr>
-                <a:schemeClr val="accent1"/>
-              </a:buClr>
-              <a:buSzPct val="80000"/>
-              <a:buFont typeface="Wingdings 3" charset="2"/>
-              <a:buChar char=""/>
-              <a:defRPr sz="1200" kern="1200">
-                <a:solidFill>
-                  <a:schemeClr val="tx1">
-                    <a:lumMod val="75000"/>
-                    <a:lumOff val="25000"/>
-                  </a:schemeClr>
-                </a:solidFill>
-                <a:latin typeface="+mn-lt"/>
-                <a:ea typeface="+mn-ea"/>
-                <a:cs typeface="+mn-cs"/>
-              </a:defRPr>
-            </a:lvl7pPr>
-            <a:lvl8pPr marL="3429000" indent="-228600" algn="r" defTabSz="457200" rtl="1" eaLnBrk="1" latinLnBrk="0" hangingPunct="1">
-              <a:spcBef>
-                <a:spcPts val="1000"/>
-              </a:spcBef>
-              <a:spcAft>
-                <a:spcPts val="0"/>
-              </a:spcAft>
-              <a:buClr>
-                <a:schemeClr val="accent1"/>
-              </a:buClr>
-              <a:buSzPct val="80000"/>
-              <a:buFont typeface="Wingdings 3" charset="2"/>
-              <a:buChar char=""/>
-              <a:defRPr sz="1200" kern="1200">
-                <a:solidFill>
-                  <a:schemeClr val="tx1">
-                    <a:lumMod val="75000"/>
-                    <a:lumOff val="25000"/>
-                  </a:schemeClr>
-                </a:solidFill>
-                <a:latin typeface="+mn-lt"/>
-                <a:ea typeface="+mn-ea"/>
-                <a:cs typeface="+mn-cs"/>
-              </a:defRPr>
-            </a:lvl8pPr>
-            <a:lvl9pPr marL="3886200" indent="-228600" algn="r" defTabSz="457200" rtl="1" eaLnBrk="1" latinLnBrk="0" hangingPunct="1">
-              <a:spcBef>
-                <a:spcPts val="1000"/>
-              </a:spcBef>
-              <a:spcAft>
-                <a:spcPts val="0"/>
-              </a:spcAft>
-              <a:buClr>
-                <a:schemeClr val="accent1"/>
-              </a:buClr>
-              <a:buSzPct val="80000"/>
-              <a:buFont typeface="Wingdings 3" charset="2"/>
-              <a:buChar char=""/>
-              <a:defRPr sz="1200" kern="1200">
-                <a:solidFill>
-                  <a:schemeClr val="tx1">
-                    <a:lumMod val="75000"/>
-                    <a:lumOff val="25000"/>
-                  </a:schemeClr>
-                </a:solidFill>
-                <a:latin typeface="+mn-lt"/>
-                <a:ea typeface="+mn-ea"/>
-                <a:cs typeface="+mn-cs"/>
-              </a:defRPr>
-            </a:lvl9pPr>
-          </a:lstStyle>
-          <a:p>
-            <a:pPr marL="0" indent="0" algn="l" rtl="0">
-              <a:buFont typeface="Wingdings 3" charset="2"/>
-              <a:buNone/>
-            </a:pPr>
-            <a:br>
-              <a:rPr lang="en-US" sz="2000" dirty="0">
-                <a:solidFill>
-                  <a:schemeClr val="tx1"/>
-                </a:solidFill>
-                <a:latin typeface="Arial" panose="020B0604020202020204" pitchFamily="34" charset="0"/>
-                <a:cs typeface="Arial" panose="020B0604020202020204" pitchFamily="34" charset="0"/>
-              </a:rPr>
-            </a:br>
-            <a:r>
-              <a:rPr lang="en-US" sz="2000" dirty="0">
-                <a:solidFill>
-                  <a:schemeClr val="tx1"/>
-                </a:solidFill>
-                <a:latin typeface="Arial" panose="020B0604020202020204" pitchFamily="34" charset="0"/>
-                <a:cs typeface="Arial" panose="020B0604020202020204" pitchFamily="34" charset="0"/>
-              </a:rPr>
-              <a:t>inception v4 is an updated and fined tuned version of inception.</a:t>
-            </a:r>
-            <a:br>
-              <a:rPr lang="en-US" sz="2000" dirty="0">
-                <a:solidFill>
-                  <a:schemeClr val="tx1"/>
-                </a:solidFill>
-                <a:latin typeface="Arial" panose="020B0604020202020204" pitchFamily="34" charset="0"/>
-                <a:cs typeface="Arial" panose="020B0604020202020204" pitchFamily="34" charset="0"/>
-              </a:rPr>
-            </a:br>
-            <a:endParaRPr lang="en-US" sz="2000" dirty="0">
-              <a:solidFill>
-                <a:schemeClr val="tx1"/>
-              </a:solidFill>
-              <a:latin typeface="Arial" panose="020B0604020202020204" pitchFamily="34" charset="0"/>
-              <a:cs typeface="Arial" panose="020B0604020202020204" pitchFamily="34" charset="0"/>
-            </a:endParaRPr>
-          </a:p>
-          <a:p>
-            <a:pPr marL="0" indent="0" algn="l" rtl="0">
-              <a:buFont typeface="Wingdings 3" charset="2"/>
-              <a:buNone/>
-            </a:pPr>
-            <a:endParaRPr lang="en-US" sz="2000" dirty="0">
-              <a:solidFill>
-                <a:schemeClr val="tx1"/>
-              </a:solidFill>
-              <a:latin typeface="Arial" panose="020B0604020202020204" pitchFamily="34" charset="0"/>
-              <a:cs typeface="Arial" panose="020B0604020202020204" pitchFamily="34" charset="0"/>
-            </a:endParaRPr>
-          </a:p>
-        </p:txBody>
-      </p:sp>
-      <p:pic>
-        <p:nvPicPr>
-          <p:cNvPr id="3" name="מציין מיקום תוכן 3">
-            <a:extLst>
-              <a:ext uri="{FF2B5EF4-FFF2-40B4-BE49-F238E27FC236}">
-                <a16:creationId xmlns:a16="http://schemas.microsoft.com/office/drawing/2014/main" id="{5CA90DAF-8ECA-48B2-381C-3CE976BAACE4}"/>
-              </a:ext>
-            </a:extLst>
-          </p:cNvPr>
-          <p:cNvPicPr>
-            <a:picLocks noGrp="1" noChangeAspect="1"/>
-          </p:cNvPicPr>
-          <p:nvPr>
-            <p:ph idx="1"/>
-          </p:nvPr>
-        </p:nvPicPr>
-        <p:blipFill>
-          <a:blip r:embed="rId2"/>
-          <a:stretch>
-            <a:fillRect/>
-          </a:stretch>
-        </p:blipFill>
-        <p:spPr>
-          <a:xfrm>
-            <a:off x="4463564" y="972334"/>
-            <a:ext cx="4107468" cy="5703103"/>
-          </a:xfrm>
-          <a:prstGeom prst="rect">
-            <a:avLst/>
-          </a:prstGeom>
-        </p:spPr>
-      </p:pic>
-      <p:sp>
-        <p:nvSpPr>
-          <p:cNvPr id="4" name="מציין מיקום של מספר שקופית 1">
-            <a:extLst>
-              <a:ext uri="{FF2B5EF4-FFF2-40B4-BE49-F238E27FC236}">
-                <a16:creationId xmlns:a16="http://schemas.microsoft.com/office/drawing/2014/main" id="{3BC6E009-71C6-4A3E-0A77-394F6846E564}"/>
-              </a:ext>
-            </a:extLst>
-          </p:cNvPr>
-          <p:cNvSpPr txBox="1">
-            <a:spLocks/>
-          </p:cNvSpPr>
-          <p:nvPr/>
-        </p:nvSpPr>
-        <p:spPr>
-          <a:xfrm>
-            <a:off x="11059928" y="6492875"/>
+            <a:off x="11049694" y="6526682"/>
             <a:ext cx="683339" cy="365125"/>
           </a:xfrm>
           <a:prstGeom prst="rect">
@@ -7545,10 +7658,80 @@
           </a:p>
         </p:txBody>
       </p:sp>
+      <p:pic>
+        <p:nvPicPr>
+          <p:cNvPr id="4" name="Content Placeholder 4">
+            <a:extLst>
+              <a:ext uri="{FF2B5EF4-FFF2-40B4-BE49-F238E27FC236}">
+                <a16:creationId xmlns:a16="http://schemas.microsoft.com/office/drawing/2014/main" id="{3026FBE0-9116-C7AC-D540-4FAD07F4980A}"/>
+              </a:ext>
+            </a:extLst>
+          </p:cNvPr>
+          <p:cNvPicPr>
+            <a:picLocks noChangeAspect="1"/>
+          </p:cNvPicPr>
+          <p:nvPr/>
+        </p:nvPicPr>
+        <p:blipFill>
+          <a:blip r:embed="rId2"/>
+          <a:stretch>
+            <a:fillRect/>
+          </a:stretch>
+        </p:blipFill>
+        <p:spPr>
+          <a:xfrm>
+            <a:off x="1141366" y="4626396"/>
+            <a:ext cx="8964468" cy="1190509"/>
+          </a:xfrm>
+          <a:prstGeom prst="rect">
+            <a:avLst/>
+          </a:prstGeom>
+        </p:spPr>
+      </p:pic>
+      <p:sp>
+        <p:nvSpPr>
+          <p:cNvPr id="6" name="TextBox 5">
+            <a:extLst>
+              <a:ext uri="{FF2B5EF4-FFF2-40B4-BE49-F238E27FC236}">
+                <a16:creationId xmlns:a16="http://schemas.microsoft.com/office/drawing/2014/main" id="{B1C54BD0-F77C-712C-0850-DF0604DD500E}"/>
+              </a:ext>
+            </a:extLst>
+          </p:cNvPr>
+          <p:cNvSpPr txBox="1"/>
+          <p:nvPr/>
+        </p:nvSpPr>
+        <p:spPr>
+          <a:xfrm>
+            <a:off x="1090393" y="5727566"/>
+            <a:ext cx="4670190" cy="261610"/>
+          </a:xfrm>
+          <a:prstGeom prst="rect">
+            <a:avLst/>
+          </a:prstGeom>
+          <a:noFill/>
+        </p:spPr>
+        <p:txBody>
+          <a:bodyPr wrap="square" rtlCol="1">
+            <a:spAutoFit/>
+          </a:bodyPr>
+          <a:lstStyle/>
+          <a:p>
+            <a:r>
+              <a:rPr lang="en-US" sz="1100" dirty="0">
+                <a:cs typeface="+mj-cs"/>
+              </a:rPr>
+              <a:t>Source: Densely Connected Convolutional Networks original paper.</a:t>
+            </a:r>
+            <a:endParaRPr lang="he-IL" sz="1100" dirty="0">
+              <a:cs typeface="+mj-cs"/>
+            </a:endParaRPr>
+          </a:p>
+        </p:txBody>
+      </p:sp>
     </p:spTree>
     <p:extLst>
       <p:ext uri="{BB962C8B-B14F-4D97-AF65-F5344CB8AC3E}">
-        <p14:creationId xmlns:p14="http://schemas.microsoft.com/office/powerpoint/2010/main" val="2466653760"/>
+        <p14:creationId xmlns:p14="http://schemas.microsoft.com/office/powerpoint/2010/main" val="4195553271"/>
       </p:ext>
     </p:extLst>
   </p:cSld>
@@ -7638,80 +7821,8 @@
           <a:bodyPr rtlCol="0" anchor="ctr"/>
           <a:lstStyle/>
           <a:p>
-            <a:pPr marL="0" marR="0" lvl="0" indent="0" algn="ctr" defTabSz="457200" rtl="0" eaLnBrk="1" fontAlgn="auto" latinLnBrk="0" hangingPunct="1">
-              <a:lnSpc>
-                <a:spcPct val="100000"/>
-              </a:lnSpc>
-              <a:spcBef>
-                <a:spcPts val="0"/>
-              </a:spcBef>
-              <a:spcAft>
-                <a:spcPts val="0"/>
-              </a:spcAft>
-              <a:buClrTx/>
-              <a:buSzTx/>
-              <a:buFontTx/>
-              <a:buNone/>
-              <a:tabLst/>
-              <a:defRPr/>
-            </a:pPr>
-            <a:endParaRPr kumimoji="0" lang="en-US" sz="1800" b="0" i="0" u="none" strike="noStrike" kern="1200" cap="none" spc="0" normalizeH="0" baseline="0" noProof="0">
-              <a:ln>
-                <a:noFill/>
-              </a:ln>
-              <a:solidFill>
-                <a:prstClr val="white"/>
-              </a:solidFill>
-              <a:effectLst/>
-              <a:uLnTx/>
-              <a:uFillTx/>
-              <a:latin typeface="Trebuchet MS" panose="020B0603020202020204"/>
-              <a:ea typeface="+mn-ea"/>
-              <a:cs typeface="+mn-cs"/>
-            </a:endParaRPr>
-          </a:p>
-        </p:txBody>
-      </p:sp>
-      <p:sp>
-        <p:nvSpPr>
-          <p:cNvPr id="2" name="כותרת 1">
-            <a:extLst>
-              <a:ext uri="{FF2B5EF4-FFF2-40B4-BE49-F238E27FC236}">
-                <a16:creationId xmlns:a16="http://schemas.microsoft.com/office/drawing/2014/main" id="{1ACC9094-DF10-FE2C-933F-47FB37C8A6AB}"/>
-              </a:ext>
-            </a:extLst>
-          </p:cNvPr>
-          <p:cNvSpPr>
-            <a:spLocks noGrp="1"/>
-          </p:cNvSpPr>
-          <p:nvPr>
-            <p:ph type="title"/>
-          </p:nvPr>
-        </p:nvSpPr>
-        <p:spPr>
-          <a:xfrm>
-            <a:off x="1694111" y="316864"/>
-            <a:ext cx="8596668" cy="1320800"/>
-          </a:xfrm>
-        </p:spPr>
-        <p:txBody>
-          <a:bodyPr>
-            <a:normAutofit/>
-          </a:bodyPr>
-          <a:lstStyle/>
-          <a:p>
-            <a:pPr algn="ctr" rtl="0"/>
-            <a:r>
-              <a:rPr lang="en-US" sz="4000" dirty="0">
-                <a:latin typeface="Arial" panose="020B0604020202020204" pitchFamily="34" charset="0"/>
-                <a:cs typeface="Arial" panose="020B0604020202020204" pitchFamily="34" charset="0"/>
-              </a:rPr>
-              <a:t>BreakHis</a:t>
-            </a:r>
-            <a:endParaRPr lang="he-IL" sz="4000" dirty="0">
-              <a:latin typeface="Arial" panose="020B0604020202020204" pitchFamily="34" charset="0"/>
-              <a:cs typeface="Arial" panose="020B0604020202020204" pitchFamily="34" charset="0"/>
-            </a:endParaRPr>
+            <a:pPr algn="ctr"/>
+            <a:endParaRPr lang="en-US"/>
           </a:p>
         </p:txBody>
       </p:sp>
@@ -7775,138 +7886,6 @@
       </p:sp>
       <p:sp>
         <p:nvSpPr>
-          <p:cNvPr id="3" name="מציין מיקום תוכן 2">
-            <a:extLst>
-              <a:ext uri="{FF2B5EF4-FFF2-40B4-BE49-F238E27FC236}">
-                <a16:creationId xmlns:a16="http://schemas.microsoft.com/office/drawing/2014/main" id="{E63CB9F7-1BEA-5E29-A0FC-A93719833515}"/>
-              </a:ext>
-            </a:extLst>
-          </p:cNvPr>
-          <p:cNvSpPr>
-            <a:spLocks noGrp="1"/>
-          </p:cNvSpPr>
-          <p:nvPr>
-            <p:ph idx="1"/>
-          </p:nvPr>
-        </p:nvSpPr>
-        <p:spPr>
-          <a:xfrm>
-            <a:off x="1383130" y="1038210"/>
-            <a:ext cx="9819603" cy="4781579"/>
-          </a:xfrm>
-        </p:spPr>
-        <p:txBody>
-          <a:bodyPr>
-            <a:normAutofit/>
-          </a:bodyPr>
-          <a:lstStyle/>
-          <a:p>
-            <a:pPr marL="0" indent="0" algn="l" rtl="0">
-              <a:buNone/>
-            </a:pPr>
-            <a:r>
-              <a:rPr lang="en-US" sz="1800" dirty="0">
-                <a:solidFill>
-                  <a:srgbClr val="000000"/>
-                </a:solidFill>
-                <a:effectLst/>
-                <a:latin typeface="Arial" panose="020B0604020202020204" pitchFamily="34" charset="0"/>
-                <a:ea typeface="Calibri" panose="020F0502020204030204" pitchFamily="34" charset="0"/>
-              </a:rPr>
-              <a:t>The Breast Cancer Histopathological Image Classification (BreakHis) composed of:</a:t>
-            </a:r>
-          </a:p>
-          <a:p>
-            <a:pPr algn="l" rtl="0">
-              <a:buSzPct val="140000"/>
-              <a:buFont typeface="Arial" panose="020B0604020202020204" pitchFamily="34" charset="0"/>
-              <a:buChar char="•"/>
-            </a:pPr>
-            <a:r>
-              <a:rPr lang="en-US" sz="2000" dirty="0">
-                <a:solidFill>
-                  <a:schemeClr val="tx1"/>
-                </a:solidFill>
-                <a:latin typeface="Arial" panose="020B0604020202020204" pitchFamily="34" charset="0"/>
-                <a:cs typeface="Arial" panose="020B0604020202020204" pitchFamily="34" charset="0"/>
-              </a:rPr>
-              <a:t>7,909 microscopic images of breast tumor tissue collected from 82 patients using different magnifying factors (40X, 100X, 200X, and 400X).  </a:t>
-            </a:r>
-          </a:p>
-          <a:p>
-            <a:pPr algn="l" rtl="0">
-              <a:buSzPct val="140000"/>
-              <a:buFont typeface="Arial" panose="020B0604020202020204" pitchFamily="34" charset="0"/>
-              <a:buChar char="•"/>
-            </a:pPr>
-            <a:r>
-              <a:rPr lang="en-US" sz="2000" dirty="0">
-                <a:solidFill>
-                  <a:schemeClr val="tx1"/>
-                </a:solidFill>
-                <a:latin typeface="Arial" panose="020B0604020202020204" pitchFamily="34" charset="0"/>
-                <a:cs typeface="Arial" panose="020B0604020202020204" pitchFamily="34" charset="0"/>
-              </a:rPr>
-              <a:t>2,480 benign </a:t>
-            </a:r>
-          </a:p>
-          <a:p>
-            <a:pPr algn="l" rtl="0">
-              <a:buSzPct val="140000"/>
-              <a:buFont typeface="Arial" panose="020B0604020202020204" pitchFamily="34" charset="0"/>
-              <a:buChar char="•"/>
-            </a:pPr>
-            <a:r>
-              <a:rPr lang="en-US" sz="2000" dirty="0">
-                <a:solidFill>
-                  <a:schemeClr val="tx1"/>
-                </a:solidFill>
-                <a:latin typeface="Arial" panose="020B0604020202020204" pitchFamily="34" charset="0"/>
-                <a:cs typeface="Arial" panose="020B0604020202020204" pitchFamily="34" charset="0"/>
-              </a:rPr>
-              <a:t>5,429 malignant samples (700X460 pixels, 3-channel RGB, 8-bit depth in each channel, PNG format for both benign and malignant images). </a:t>
-            </a:r>
-          </a:p>
-          <a:p>
-            <a:pPr marL="0" indent="0" algn="l" rtl="0">
-              <a:buSzPct val="140000"/>
-              <a:buNone/>
-            </a:pPr>
-            <a:r>
-              <a:rPr lang="en-US" sz="2000" dirty="0">
-                <a:solidFill>
-                  <a:schemeClr val="tx1"/>
-                </a:solidFill>
-                <a:latin typeface="Arial" panose="020B0604020202020204" pitchFamily="34" charset="0"/>
-                <a:cs typeface="Arial" panose="020B0604020202020204" pitchFamily="34" charset="0"/>
-              </a:rPr>
-              <a:t>The </a:t>
-            </a:r>
-            <a:r>
-              <a:rPr lang="en-US" sz="2000" dirty="0" err="1">
-                <a:solidFill>
-                  <a:schemeClr val="tx1"/>
-                </a:solidFill>
-                <a:latin typeface="Arial" panose="020B0604020202020204" pitchFamily="34" charset="0"/>
-                <a:cs typeface="Arial" panose="020B0604020202020204" pitchFamily="34" charset="0"/>
-              </a:rPr>
-              <a:t>BreaKHis</a:t>
-            </a:r>
-            <a:r>
-              <a:rPr lang="en-US" sz="2000" dirty="0">
-                <a:solidFill>
-                  <a:schemeClr val="tx1"/>
-                </a:solidFill>
-                <a:latin typeface="Arial" panose="020B0604020202020204" pitchFamily="34" charset="0"/>
-                <a:cs typeface="Arial" panose="020B0604020202020204" pitchFamily="34" charset="0"/>
-              </a:rPr>
-              <a:t> is structured as follows:</a:t>
-            </a:r>
-          </a:p>
-        </p:txBody>
-      </p:sp>
-      <p:sp>
-        <p:nvSpPr>
           <p:cNvPr id="37" name="Isosceles Triangle 36">
             <a:extLst>
               <a:ext uri="{FF2B5EF4-FFF2-40B4-BE49-F238E27FC236}">
@@ -7963,12 +7942,360 @@
           </a:fontRef>
         </p:style>
       </p:sp>
+      <p:sp>
+        <p:nvSpPr>
+          <p:cNvPr id="6" name="מציין מיקום תוכן 2">
+            <a:extLst>
+              <a:ext uri="{FF2B5EF4-FFF2-40B4-BE49-F238E27FC236}">
+                <a16:creationId xmlns:a16="http://schemas.microsoft.com/office/drawing/2014/main" id="{91E00044-A01A-C55E-CB95-201D0795360D}"/>
+              </a:ext>
+            </a:extLst>
+          </p:cNvPr>
+          <p:cNvSpPr txBox="1">
+            <a:spLocks/>
+          </p:cNvSpPr>
+          <p:nvPr/>
+        </p:nvSpPr>
+        <p:spPr>
+          <a:xfrm>
+            <a:off x="1063496" y="1496180"/>
+            <a:ext cx="10273124" cy="2200058"/>
+          </a:xfrm>
+          <a:prstGeom prst="rect">
+            <a:avLst/>
+          </a:prstGeom>
+        </p:spPr>
+        <p:txBody>
+          <a:bodyPr vert="horz" lIns="91440" tIns="45720" rIns="91440" bIns="45720" rtlCol="0">
+            <a:normAutofit/>
+          </a:bodyPr>
+          <a:lstStyle>
+            <a:lvl1pPr marL="342900" indent="-342900" algn="r" defTabSz="457200" rtl="1" eaLnBrk="1" latinLnBrk="0" hangingPunct="1">
+              <a:spcBef>
+                <a:spcPts val="1000"/>
+              </a:spcBef>
+              <a:spcAft>
+                <a:spcPts val="0"/>
+              </a:spcAft>
+              <a:buClr>
+                <a:schemeClr val="accent1"/>
+              </a:buClr>
+              <a:buSzPct val="80000"/>
+              <a:buFont typeface="Wingdings 3" charset="2"/>
+              <a:buChar char=""/>
+              <a:defRPr sz="1800" kern="1200">
+                <a:solidFill>
+                  <a:schemeClr val="tx1">
+                    <a:lumMod val="75000"/>
+                    <a:lumOff val="25000"/>
+                  </a:schemeClr>
+                </a:solidFill>
+                <a:latin typeface="+mn-lt"/>
+                <a:ea typeface="+mn-ea"/>
+                <a:cs typeface="+mn-cs"/>
+              </a:defRPr>
+            </a:lvl1pPr>
+            <a:lvl2pPr marL="742950" indent="-285750" algn="r" defTabSz="457200" rtl="1" eaLnBrk="1" latinLnBrk="0" hangingPunct="1">
+              <a:spcBef>
+                <a:spcPts val="1000"/>
+              </a:spcBef>
+              <a:spcAft>
+                <a:spcPts val="0"/>
+              </a:spcAft>
+              <a:buClr>
+                <a:schemeClr val="accent1"/>
+              </a:buClr>
+              <a:buSzPct val="80000"/>
+              <a:buFont typeface="Wingdings 3" charset="2"/>
+              <a:buChar char=""/>
+              <a:defRPr sz="1600" kern="1200">
+                <a:solidFill>
+                  <a:schemeClr val="tx1">
+                    <a:lumMod val="75000"/>
+                    <a:lumOff val="25000"/>
+                  </a:schemeClr>
+                </a:solidFill>
+                <a:latin typeface="+mn-lt"/>
+                <a:ea typeface="+mn-ea"/>
+                <a:cs typeface="+mn-cs"/>
+              </a:defRPr>
+            </a:lvl2pPr>
+            <a:lvl3pPr marL="1143000" indent="-228600" algn="r" defTabSz="457200" rtl="1" eaLnBrk="1" latinLnBrk="0" hangingPunct="1">
+              <a:spcBef>
+                <a:spcPts val="1000"/>
+              </a:spcBef>
+              <a:spcAft>
+                <a:spcPts val="0"/>
+              </a:spcAft>
+              <a:buClr>
+                <a:schemeClr val="accent1"/>
+              </a:buClr>
+              <a:buSzPct val="80000"/>
+              <a:buFont typeface="Wingdings 3" charset="2"/>
+              <a:buChar char=""/>
+              <a:defRPr sz="1400" kern="1200">
+                <a:solidFill>
+                  <a:schemeClr val="tx1">
+                    <a:lumMod val="75000"/>
+                    <a:lumOff val="25000"/>
+                  </a:schemeClr>
+                </a:solidFill>
+                <a:latin typeface="+mn-lt"/>
+                <a:ea typeface="+mn-ea"/>
+                <a:cs typeface="+mn-cs"/>
+              </a:defRPr>
+            </a:lvl3pPr>
+            <a:lvl4pPr marL="1600200" indent="-228600" algn="r" defTabSz="457200" rtl="1" eaLnBrk="1" latinLnBrk="0" hangingPunct="1">
+              <a:spcBef>
+                <a:spcPts val="1000"/>
+              </a:spcBef>
+              <a:spcAft>
+                <a:spcPts val="0"/>
+              </a:spcAft>
+              <a:buClr>
+                <a:schemeClr val="accent1"/>
+              </a:buClr>
+              <a:buSzPct val="80000"/>
+              <a:buFont typeface="Wingdings 3" charset="2"/>
+              <a:buChar char=""/>
+              <a:defRPr sz="1200" kern="1200">
+                <a:solidFill>
+                  <a:schemeClr val="tx1">
+                    <a:lumMod val="75000"/>
+                    <a:lumOff val="25000"/>
+                  </a:schemeClr>
+                </a:solidFill>
+                <a:latin typeface="+mn-lt"/>
+                <a:ea typeface="+mn-ea"/>
+                <a:cs typeface="+mn-cs"/>
+              </a:defRPr>
+            </a:lvl4pPr>
+            <a:lvl5pPr marL="2057400" indent="-228600" algn="r" defTabSz="457200" rtl="1" eaLnBrk="1" latinLnBrk="0" hangingPunct="1">
+              <a:spcBef>
+                <a:spcPts val="1000"/>
+              </a:spcBef>
+              <a:spcAft>
+                <a:spcPts val="0"/>
+              </a:spcAft>
+              <a:buClr>
+                <a:schemeClr val="accent1"/>
+              </a:buClr>
+              <a:buSzPct val="80000"/>
+              <a:buFont typeface="Wingdings 3" charset="2"/>
+              <a:buChar char=""/>
+              <a:defRPr sz="1200" kern="1200">
+                <a:solidFill>
+                  <a:schemeClr val="tx1">
+                    <a:lumMod val="75000"/>
+                    <a:lumOff val="25000"/>
+                  </a:schemeClr>
+                </a:solidFill>
+                <a:latin typeface="+mn-lt"/>
+                <a:ea typeface="+mn-ea"/>
+                <a:cs typeface="+mn-cs"/>
+              </a:defRPr>
+            </a:lvl5pPr>
+            <a:lvl6pPr marL="2514600" indent="-228600" algn="r" defTabSz="457200" rtl="1" eaLnBrk="1" latinLnBrk="0" hangingPunct="1">
+              <a:spcBef>
+                <a:spcPts val="1000"/>
+              </a:spcBef>
+              <a:spcAft>
+                <a:spcPts val="0"/>
+              </a:spcAft>
+              <a:buClr>
+                <a:schemeClr val="accent1"/>
+              </a:buClr>
+              <a:buSzPct val="80000"/>
+              <a:buFont typeface="Wingdings 3" charset="2"/>
+              <a:buChar char=""/>
+              <a:defRPr sz="1200" kern="1200">
+                <a:solidFill>
+                  <a:schemeClr val="tx1">
+                    <a:lumMod val="75000"/>
+                    <a:lumOff val="25000"/>
+                  </a:schemeClr>
+                </a:solidFill>
+                <a:latin typeface="+mn-lt"/>
+                <a:ea typeface="+mn-ea"/>
+                <a:cs typeface="+mn-cs"/>
+              </a:defRPr>
+            </a:lvl6pPr>
+            <a:lvl7pPr marL="2971800" indent="-228600" algn="r" defTabSz="457200" rtl="1" eaLnBrk="1" latinLnBrk="0" hangingPunct="1">
+              <a:spcBef>
+                <a:spcPts val="1000"/>
+              </a:spcBef>
+              <a:spcAft>
+                <a:spcPts val="0"/>
+              </a:spcAft>
+              <a:buClr>
+                <a:schemeClr val="accent1"/>
+              </a:buClr>
+              <a:buSzPct val="80000"/>
+              <a:buFont typeface="Wingdings 3" charset="2"/>
+              <a:buChar char=""/>
+              <a:defRPr sz="1200" kern="1200">
+                <a:solidFill>
+                  <a:schemeClr val="tx1">
+                    <a:lumMod val="75000"/>
+                    <a:lumOff val="25000"/>
+                  </a:schemeClr>
+                </a:solidFill>
+                <a:latin typeface="+mn-lt"/>
+                <a:ea typeface="+mn-ea"/>
+                <a:cs typeface="+mn-cs"/>
+              </a:defRPr>
+            </a:lvl7pPr>
+            <a:lvl8pPr marL="3429000" indent="-228600" algn="r" defTabSz="457200" rtl="1" eaLnBrk="1" latinLnBrk="0" hangingPunct="1">
+              <a:spcBef>
+                <a:spcPts val="1000"/>
+              </a:spcBef>
+              <a:spcAft>
+                <a:spcPts val="0"/>
+              </a:spcAft>
+              <a:buClr>
+                <a:schemeClr val="accent1"/>
+              </a:buClr>
+              <a:buSzPct val="80000"/>
+              <a:buFont typeface="Wingdings 3" charset="2"/>
+              <a:buChar char=""/>
+              <a:defRPr sz="1200" kern="1200">
+                <a:solidFill>
+                  <a:schemeClr val="tx1">
+                    <a:lumMod val="75000"/>
+                    <a:lumOff val="25000"/>
+                  </a:schemeClr>
+                </a:solidFill>
+                <a:latin typeface="+mn-lt"/>
+                <a:ea typeface="+mn-ea"/>
+                <a:cs typeface="+mn-cs"/>
+              </a:defRPr>
+            </a:lvl8pPr>
+            <a:lvl9pPr marL="3886200" indent="-228600" algn="r" defTabSz="457200" rtl="1" eaLnBrk="1" latinLnBrk="0" hangingPunct="1">
+              <a:spcBef>
+                <a:spcPts val="1000"/>
+              </a:spcBef>
+              <a:spcAft>
+                <a:spcPts val="0"/>
+              </a:spcAft>
+              <a:buClr>
+                <a:schemeClr val="accent1"/>
+              </a:buClr>
+              <a:buSzPct val="80000"/>
+              <a:buFont typeface="Wingdings 3" charset="2"/>
+              <a:buChar char=""/>
+              <a:defRPr sz="1200" kern="1200">
+                <a:solidFill>
+                  <a:schemeClr val="tx1">
+                    <a:lumMod val="75000"/>
+                    <a:lumOff val="25000"/>
+                  </a:schemeClr>
+                </a:solidFill>
+                <a:latin typeface="+mn-lt"/>
+                <a:ea typeface="+mn-ea"/>
+                <a:cs typeface="+mn-cs"/>
+              </a:defRPr>
+            </a:lvl9pPr>
+          </a:lstStyle>
+          <a:p>
+            <a:pPr marL="0" indent="0" algn="l" rtl="0">
+              <a:buFont typeface="Wingdings 3" charset="2"/>
+              <a:buNone/>
+            </a:pPr>
+            <a:r>
+              <a:rPr lang="en-US" sz="2000" dirty="0">
+                <a:solidFill>
+                  <a:schemeClr val="tx1"/>
+                </a:solidFill>
+                <a:latin typeface="Arial" panose="020B0604020202020204" pitchFamily="34" charset="0"/>
+                <a:cs typeface="Arial" panose="020B0604020202020204" pitchFamily="34" charset="0"/>
+              </a:rPr>
+              <a:t>The inception network which was introduced as </a:t>
+            </a:r>
+            <a:r>
+              <a:rPr lang="en-US" sz="2000" dirty="0" err="1">
+                <a:solidFill>
+                  <a:schemeClr val="tx1"/>
+                </a:solidFill>
+                <a:latin typeface="Arial" panose="020B0604020202020204" pitchFamily="34" charset="0"/>
+                <a:cs typeface="Arial" panose="020B0604020202020204" pitchFamily="34" charset="0"/>
+              </a:rPr>
+              <a:t>Googlenet</a:t>
+            </a:r>
+            <a:r>
+              <a:rPr lang="en-US" sz="2000" dirty="0">
+                <a:solidFill>
+                  <a:schemeClr val="tx1"/>
+                </a:solidFill>
+                <a:latin typeface="Arial" panose="020B0604020202020204" pitchFamily="34" charset="0"/>
+                <a:cs typeface="Arial" panose="020B0604020202020204" pitchFamily="34" charset="0"/>
+              </a:rPr>
+              <a:t> in 2014 takes a new approach to deep layers models where before different types of convolutions and pooling layers were stacked upon each other but now in an inception module we combine within the same layer different convolutions and a pooling.</a:t>
+            </a:r>
+          </a:p>
+          <a:p>
+            <a:pPr marL="0" indent="0" algn="l" rtl="0">
+              <a:buFont typeface="Wingdings 3" charset="2"/>
+              <a:buNone/>
+            </a:pPr>
+            <a:endParaRPr lang="en-US" sz="2000" dirty="0">
+              <a:solidFill>
+                <a:schemeClr val="tx1"/>
+              </a:solidFill>
+              <a:latin typeface="Arial" panose="020B0604020202020204" pitchFamily="34" charset="0"/>
+              <a:cs typeface="Arial" panose="020B0604020202020204" pitchFamily="34" charset="0"/>
+            </a:endParaRPr>
+          </a:p>
+        </p:txBody>
+      </p:sp>
+      <p:sp>
+        <p:nvSpPr>
+          <p:cNvPr id="2" name="כותרת 1">
+            <a:extLst>
+              <a:ext uri="{FF2B5EF4-FFF2-40B4-BE49-F238E27FC236}">
+                <a16:creationId xmlns:a16="http://schemas.microsoft.com/office/drawing/2014/main" id="{4A834D02-D58D-B4E3-F567-967483BA00F8}"/>
+              </a:ext>
+            </a:extLst>
+          </p:cNvPr>
+          <p:cNvSpPr>
+            <a:spLocks noGrp="1"/>
+          </p:cNvSpPr>
+          <p:nvPr>
+            <p:ph type="title"/>
+          </p:nvPr>
+        </p:nvSpPr>
+        <p:spPr>
+          <a:xfrm>
+            <a:off x="1681231" y="407466"/>
+            <a:ext cx="8596668" cy="1177085"/>
+          </a:xfrm>
+        </p:spPr>
+        <p:txBody>
+          <a:bodyPr>
+            <a:normAutofit/>
+          </a:bodyPr>
+          <a:lstStyle/>
+          <a:p>
+            <a:pPr algn="ctr" rtl="0"/>
+            <a:r>
+              <a:rPr lang="en-US" sz="4000" dirty="0">
+                <a:latin typeface="Arial" panose="020B0604020202020204" pitchFamily="34" charset="0"/>
+                <a:cs typeface="Arial" panose="020B0604020202020204" pitchFamily="34" charset="0"/>
+              </a:rPr>
+              <a:t>Inception V4</a:t>
+            </a:r>
+            <a:endParaRPr lang="he-IL" sz="4000" dirty="0">
+              <a:latin typeface="Arial" panose="020B0604020202020204" pitchFamily="34" charset="0"/>
+              <a:cs typeface="Arial" panose="020B0604020202020204" pitchFamily="34" charset="0"/>
+            </a:endParaRPr>
+          </a:p>
+        </p:txBody>
+      </p:sp>
       <p:pic>
         <p:nvPicPr>
-          <p:cNvPr id="5" name="Picture 4">
+          <p:cNvPr id="7" name="תמונה 3">
             <a:extLst>
               <a:ext uri="{FF2B5EF4-FFF2-40B4-BE49-F238E27FC236}">
-                <a16:creationId xmlns:a16="http://schemas.microsoft.com/office/drawing/2014/main" id="{42577583-DC8D-C895-24EE-3F57A59E92F4}"/>
+                <a16:creationId xmlns:a16="http://schemas.microsoft.com/office/drawing/2014/main" id="{75F36A9B-487A-03BB-B9F3-74178B948A20}"/>
               </a:ext>
             </a:extLst>
           </p:cNvPr>
@@ -7977,52 +8304,190 @@
           </p:cNvPicPr>
           <p:nvPr/>
         </p:nvPicPr>
-        <p:blipFill rotWithShape="1">
+        <p:blipFill>
           <a:blip r:embed="rId2"/>
-          <a:srcRect t="1953"/>
-          <a:stretch/>
+          <a:stretch>
+            <a:fillRect/>
+          </a:stretch>
         </p:blipFill>
         <p:spPr>
           <a:xfrm>
-            <a:off x="627066" y="3798922"/>
-            <a:ext cx="10937868" cy="2463155"/>
+            <a:off x="1170261" y="3621808"/>
+            <a:ext cx="4925739" cy="2792321"/>
           </a:xfrm>
           <a:prstGeom prst="rect">
             <a:avLst/>
           </a:prstGeom>
         </p:spPr>
       </p:pic>
-      <p:sp>
-        <p:nvSpPr>
-          <p:cNvPr id="6" name="מציין מיקום של מספר שקופית 1">
+      <p:pic>
+        <p:nvPicPr>
+          <p:cNvPr id="8" name="תמונה 4">
             <a:extLst>
               <a:ext uri="{FF2B5EF4-FFF2-40B4-BE49-F238E27FC236}">
-                <a16:creationId xmlns:a16="http://schemas.microsoft.com/office/drawing/2014/main" id="{67DB4948-AE9D-F19C-8B0C-E4554E340F9B}"/>
+                <a16:creationId xmlns:a16="http://schemas.microsoft.com/office/drawing/2014/main" id="{332A766A-4017-982F-6300-1E432CDC12D6}"/>
               </a:ext>
             </a:extLst>
           </p:cNvPr>
-          <p:cNvSpPr>
-            <a:spLocks noGrp="1"/>
-          </p:cNvSpPr>
-          <p:nvPr>
-            <p:ph type="sldNum" sz="quarter" idx="12"/>
-          </p:nvPr>
+          <p:cNvPicPr>
+            <a:picLocks noChangeAspect="1"/>
+          </p:cNvPicPr>
+          <p:nvPr/>
+        </p:nvPicPr>
+        <p:blipFill>
+          <a:blip r:embed="rId3" cstate="print">
+            <a:extLst>
+              <a:ext uri="{28A0092B-C50C-407E-A947-70E740481C1C}">
+                <a14:useLocalDpi xmlns:a14="http://schemas.microsoft.com/office/drawing/2010/main" val="0"/>
+              </a:ext>
+            </a:extLst>
+          </a:blip>
+          <a:srcRect/>
+          <a:stretch>
+            <a:fillRect/>
+          </a:stretch>
+        </p:blipFill>
+        <p:spPr bwMode="auto">
+          <a:xfrm>
+            <a:off x="6200058" y="4224613"/>
+            <a:ext cx="4925740" cy="1935610"/>
+          </a:xfrm>
+          <a:prstGeom prst="rect">
+            <a:avLst/>
+          </a:prstGeom>
+          <a:noFill/>
+          <a:ln>
+            <a:noFill/>
+          </a:ln>
+        </p:spPr>
+      </p:pic>
+      <p:sp>
+        <p:nvSpPr>
+          <p:cNvPr id="4" name="מציין מיקום של מספר שקופית 1">
+            <a:extLst>
+              <a:ext uri="{FF2B5EF4-FFF2-40B4-BE49-F238E27FC236}">
+                <a16:creationId xmlns:a16="http://schemas.microsoft.com/office/drawing/2014/main" id="{E371C45A-03D2-C51D-03C1-1BFEB9A96412}"/>
+              </a:ext>
+            </a:extLst>
+          </p:cNvPr>
+          <p:cNvSpPr txBox="1">
+            <a:spLocks/>
+          </p:cNvSpPr>
+          <p:nvPr/>
         </p:nvSpPr>
         <p:spPr>
           <a:xfrm>
-            <a:off x="11059928" y="6531456"/>
+            <a:off x="11059927" y="6506035"/>
             <a:ext cx="683339" cy="365125"/>
           </a:xfrm>
+          <a:prstGeom prst="rect">
+            <a:avLst/>
+          </a:prstGeom>
         </p:spPr>
         <p:txBody>
-          <a:bodyPr/>
-          <a:lstStyle/>
+          <a:bodyPr vert="horz" lIns="91440" tIns="45720" rIns="91440" bIns="45720" rtlCol="0" anchor="ctr"/>
+          <a:lstStyle>
+            <a:defPPr>
+              <a:defRPr lang="en-US"/>
+            </a:defPPr>
+            <a:lvl1pPr marL="0" algn="r" defTabSz="457200" rtl="0" eaLnBrk="1" latinLnBrk="0" hangingPunct="1">
+              <a:defRPr sz="900" kern="1200">
+                <a:solidFill>
+                  <a:schemeClr val="accent1"/>
+                </a:solidFill>
+                <a:latin typeface="+mn-lt"/>
+                <a:ea typeface="+mn-ea"/>
+                <a:cs typeface="+mn-cs"/>
+              </a:defRPr>
+            </a:lvl1pPr>
+            <a:lvl2pPr marL="457200" algn="l" defTabSz="457200" rtl="0" eaLnBrk="1" latinLnBrk="0" hangingPunct="1">
+              <a:defRPr sz="1800" kern="1200">
+                <a:solidFill>
+                  <a:schemeClr val="tx1"/>
+                </a:solidFill>
+                <a:latin typeface="+mn-lt"/>
+                <a:ea typeface="+mn-ea"/>
+                <a:cs typeface="+mn-cs"/>
+              </a:defRPr>
+            </a:lvl2pPr>
+            <a:lvl3pPr marL="914400" algn="l" defTabSz="457200" rtl="0" eaLnBrk="1" latinLnBrk="0" hangingPunct="1">
+              <a:defRPr sz="1800" kern="1200">
+                <a:solidFill>
+                  <a:schemeClr val="tx1"/>
+                </a:solidFill>
+                <a:latin typeface="+mn-lt"/>
+                <a:ea typeface="+mn-ea"/>
+                <a:cs typeface="+mn-cs"/>
+              </a:defRPr>
+            </a:lvl3pPr>
+            <a:lvl4pPr marL="1371600" algn="l" defTabSz="457200" rtl="0" eaLnBrk="1" latinLnBrk="0" hangingPunct="1">
+              <a:defRPr sz="1800" kern="1200">
+                <a:solidFill>
+                  <a:schemeClr val="tx1"/>
+                </a:solidFill>
+                <a:latin typeface="+mn-lt"/>
+                <a:ea typeface="+mn-ea"/>
+                <a:cs typeface="+mn-cs"/>
+              </a:defRPr>
+            </a:lvl4pPr>
+            <a:lvl5pPr marL="1828800" algn="l" defTabSz="457200" rtl="0" eaLnBrk="1" latinLnBrk="0" hangingPunct="1">
+              <a:defRPr sz="1800" kern="1200">
+                <a:solidFill>
+                  <a:schemeClr val="tx1"/>
+                </a:solidFill>
+                <a:latin typeface="+mn-lt"/>
+                <a:ea typeface="+mn-ea"/>
+                <a:cs typeface="+mn-cs"/>
+              </a:defRPr>
+            </a:lvl5pPr>
+            <a:lvl6pPr marL="2286000" algn="l" defTabSz="457200" rtl="0" eaLnBrk="1" latinLnBrk="0" hangingPunct="1">
+              <a:defRPr sz="1800" kern="1200">
+                <a:solidFill>
+                  <a:schemeClr val="tx1"/>
+                </a:solidFill>
+                <a:latin typeface="+mn-lt"/>
+                <a:ea typeface="+mn-ea"/>
+                <a:cs typeface="+mn-cs"/>
+              </a:defRPr>
+            </a:lvl6pPr>
+            <a:lvl7pPr marL="2743200" algn="l" defTabSz="457200" rtl="0" eaLnBrk="1" latinLnBrk="0" hangingPunct="1">
+              <a:defRPr sz="1800" kern="1200">
+                <a:solidFill>
+                  <a:schemeClr val="tx1"/>
+                </a:solidFill>
+                <a:latin typeface="+mn-lt"/>
+                <a:ea typeface="+mn-ea"/>
+                <a:cs typeface="+mn-cs"/>
+              </a:defRPr>
+            </a:lvl7pPr>
+            <a:lvl8pPr marL="3200400" algn="l" defTabSz="457200" rtl="0" eaLnBrk="1" latinLnBrk="0" hangingPunct="1">
+              <a:defRPr sz="1800" kern="1200">
+                <a:solidFill>
+                  <a:schemeClr val="tx1"/>
+                </a:solidFill>
+                <a:latin typeface="+mn-lt"/>
+                <a:ea typeface="+mn-ea"/>
+                <a:cs typeface="+mn-cs"/>
+              </a:defRPr>
+            </a:lvl8pPr>
+            <a:lvl9pPr marL="3657600" algn="l" defTabSz="457200" rtl="0" eaLnBrk="1" latinLnBrk="0" hangingPunct="1">
+              <a:defRPr sz="1800" kern="1200">
+                <a:solidFill>
+                  <a:schemeClr val="tx1"/>
+                </a:solidFill>
+                <a:latin typeface="+mn-lt"/>
+                <a:ea typeface="+mn-ea"/>
+                <a:cs typeface="+mn-cs"/>
+              </a:defRPr>
+            </a:lvl9pPr>
+          </a:lstStyle>
           <a:p>
             <a:fld id="{FEDBE076-7370-4F39-B8CE-D2BB33626AF3}" type="slidenum">
               <a:rPr lang="he-IL" sz="1200" smtClean="0">
                 <a:latin typeface="Arial" panose="020B0604020202020204" pitchFamily="34" charset="0"/>
                 <a:cs typeface="Arial" panose="020B0604020202020204" pitchFamily="34" charset="0"/>
               </a:rPr>
+              <a:pPr/>
               <a:t>11</a:t>
             </a:fld>
             <a:endParaRPr lang="he-IL" sz="1000" dirty="0">
@@ -8035,7 +8500,7 @@
     </p:spTree>
     <p:extLst>
       <p:ext uri="{BB962C8B-B14F-4D97-AF65-F5344CB8AC3E}">
-        <p14:creationId xmlns:p14="http://schemas.microsoft.com/office/powerpoint/2010/main" val="2751241329"/>
+        <p14:creationId xmlns:p14="http://schemas.microsoft.com/office/powerpoint/2010/main" val="1705670930"/>
       </p:ext>
     </p:extLst>
   </p:cSld>
@@ -8125,80 +8590,8 @@
           <a:bodyPr rtlCol="0" anchor="ctr"/>
           <a:lstStyle/>
           <a:p>
-            <a:pPr marL="0" marR="0" lvl="0" indent="0" algn="ctr" defTabSz="457200" rtl="0" eaLnBrk="1" fontAlgn="auto" latinLnBrk="0" hangingPunct="1">
-              <a:lnSpc>
-                <a:spcPct val="100000"/>
-              </a:lnSpc>
-              <a:spcBef>
-                <a:spcPts val="0"/>
-              </a:spcBef>
-              <a:spcAft>
-                <a:spcPts val="0"/>
-              </a:spcAft>
-              <a:buClrTx/>
-              <a:buSzTx/>
-              <a:buFontTx/>
-              <a:buNone/>
-              <a:tabLst/>
-              <a:defRPr/>
-            </a:pPr>
-            <a:endParaRPr kumimoji="0" lang="en-US" sz="1800" b="0" i="0" u="none" strike="noStrike" kern="1200" cap="none" spc="0" normalizeH="0" baseline="0" noProof="0">
-              <a:ln>
-                <a:noFill/>
-              </a:ln>
-              <a:solidFill>
-                <a:prstClr val="white"/>
-              </a:solidFill>
-              <a:effectLst/>
-              <a:uLnTx/>
-              <a:uFillTx/>
-              <a:latin typeface="Trebuchet MS" panose="020B0603020202020204"/>
-              <a:ea typeface="+mn-ea"/>
-              <a:cs typeface="+mn-cs"/>
-            </a:endParaRPr>
-          </a:p>
-        </p:txBody>
-      </p:sp>
-      <p:sp>
-        <p:nvSpPr>
-          <p:cNvPr id="2" name="כותרת 1">
-            <a:extLst>
-              <a:ext uri="{FF2B5EF4-FFF2-40B4-BE49-F238E27FC236}">
-                <a16:creationId xmlns:a16="http://schemas.microsoft.com/office/drawing/2014/main" id="{1ACC9094-DF10-FE2C-933F-47FB37C8A6AB}"/>
-              </a:ext>
-            </a:extLst>
-          </p:cNvPr>
-          <p:cNvSpPr>
-            <a:spLocks noGrp="1"/>
-          </p:cNvSpPr>
-          <p:nvPr>
-            <p:ph type="title"/>
-          </p:nvPr>
-        </p:nvSpPr>
-        <p:spPr>
-          <a:xfrm>
-            <a:off x="1694111" y="316864"/>
-            <a:ext cx="8596668" cy="1320800"/>
-          </a:xfrm>
-        </p:spPr>
-        <p:txBody>
-          <a:bodyPr>
-            <a:normAutofit/>
-          </a:bodyPr>
-          <a:lstStyle/>
-          <a:p>
-            <a:pPr algn="ctr" rtl="0"/>
-            <a:r>
-              <a:rPr lang="en-US" sz="4000" dirty="0">
-                <a:latin typeface="Arial" panose="020B0604020202020204" pitchFamily="34" charset="0"/>
-                <a:cs typeface="Arial" panose="020B0604020202020204" pitchFamily="34" charset="0"/>
-              </a:rPr>
-              <a:t>BreakHis</a:t>
-            </a:r>
-            <a:endParaRPr lang="he-IL" sz="4000" dirty="0">
-              <a:latin typeface="Arial" panose="020B0604020202020204" pitchFamily="34" charset="0"/>
-              <a:cs typeface="Arial" panose="020B0604020202020204" pitchFamily="34" charset="0"/>
-            </a:endParaRPr>
+            <a:pPr algn="ctr"/>
+            <a:endParaRPr lang="en-US"/>
           </a:p>
         </p:txBody>
       </p:sp>
@@ -8320,65 +8713,329 @@
       </p:sp>
       <p:sp>
         <p:nvSpPr>
-          <p:cNvPr id="4" name="מציין מיקום תוכן 3">
+          <p:cNvPr id="6" name="מציין מיקום תוכן 2">
             <a:extLst>
               <a:ext uri="{FF2B5EF4-FFF2-40B4-BE49-F238E27FC236}">
-                <a16:creationId xmlns:a16="http://schemas.microsoft.com/office/drawing/2014/main" id="{B3681D86-2FDA-A3CF-6691-6FED8DEA93CE}"/>
+                <a16:creationId xmlns:a16="http://schemas.microsoft.com/office/drawing/2014/main" id="{91E00044-A01A-C55E-CB95-201D0795360D}"/>
               </a:ext>
             </a:extLst>
           </p:cNvPr>
-          <p:cNvSpPr>
-            <a:spLocks noGrp="1"/>
-          </p:cNvSpPr>
-          <p:nvPr>
-            <p:ph idx="1"/>
-          </p:nvPr>
+          <p:cNvSpPr txBox="1">
+            <a:spLocks/>
+          </p:cNvSpPr>
+          <p:nvPr/>
         </p:nvSpPr>
         <p:spPr>
           <a:xfrm>
-            <a:off x="1694111" y="5043949"/>
-            <a:ext cx="8596668" cy="1076072"/>
+            <a:off x="1067601" y="634245"/>
+            <a:ext cx="10333996" cy="798870"/>
           </a:xfrm>
+          <a:prstGeom prst="rect">
+            <a:avLst/>
+          </a:prstGeom>
         </p:spPr>
         <p:txBody>
-          <a:bodyPr>
-            <a:normAutofit fontScale="92500"/>
+          <a:bodyPr vert="horz" lIns="91440" tIns="45720" rIns="91440" bIns="45720" rtlCol="0">
+            <a:normAutofit fontScale="92500" lnSpcReduction="20000"/>
           </a:bodyPr>
-          <a:lstStyle/>
+          <a:lstStyle>
+            <a:lvl1pPr marL="342900" indent="-342900" algn="r" defTabSz="457200" rtl="1" eaLnBrk="1" latinLnBrk="0" hangingPunct="1">
+              <a:spcBef>
+                <a:spcPts val="1000"/>
+              </a:spcBef>
+              <a:spcAft>
+                <a:spcPts val="0"/>
+              </a:spcAft>
+              <a:buClr>
+                <a:schemeClr val="accent1"/>
+              </a:buClr>
+              <a:buSzPct val="80000"/>
+              <a:buFont typeface="Wingdings 3" charset="2"/>
+              <a:buChar char=""/>
+              <a:defRPr sz="1800" kern="1200">
+                <a:solidFill>
+                  <a:schemeClr val="tx1">
+                    <a:lumMod val="75000"/>
+                    <a:lumOff val="25000"/>
+                  </a:schemeClr>
+                </a:solidFill>
+                <a:latin typeface="+mn-lt"/>
+                <a:ea typeface="+mn-ea"/>
+                <a:cs typeface="+mn-cs"/>
+              </a:defRPr>
+            </a:lvl1pPr>
+            <a:lvl2pPr marL="742950" indent="-285750" algn="r" defTabSz="457200" rtl="1" eaLnBrk="1" latinLnBrk="0" hangingPunct="1">
+              <a:spcBef>
+                <a:spcPts val="1000"/>
+              </a:spcBef>
+              <a:spcAft>
+                <a:spcPts val="0"/>
+              </a:spcAft>
+              <a:buClr>
+                <a:schemeClr val="accent1"/>
+              </a:buClr>
+              <a:buSzPct val="80000"/>
+              <a:buFont typeface="Wingdings 3" charset="2"/>
+              <a:buChar char=""/>
+              <a:defRPr sz="1600" kern="1200">
+                <a:solidFill>
+                  <a:schemeClr val="tx1">
+                    <a:lumMod val="75000"/>
+                    <a:lumOff val="25000"/>
+                  </a:schemeClr>
+                </a:solidFill>
+                <a:latin typeface="+mn-lt"/>
+                <a:ea typeface="+mn-ea"/>
+                <a:cs typeface="+mn-cs"/>
+              </a:defRPr>
+            </a:lvl2pPr>
+            <a:lvl3pPr marL="1143000" indent="-228600" algn="r" defTabSz="457200" rtl="1" eaLnBrk="1" latinLnBrk="0" hangingPunct="1">
+              <a:spcBef>
+                <a:spcPts val="1000"/>
+              </a:spcBef>
+              <a:spcAft>
+                <a:spcPts val="0"/>
+              </a:spcAft>
+              <a:buClr>
+                <a:schemeClr val="accent1"/>
+              </a:buClr>
+              <a:buSzPct val="80000"/>
+              <a:buFont typeface="Wingdings 3" charset="2"/>
+              <a:buChar char=""/>
+              <a:defRPr sz="1400" kern="1200">
+                <a:solidFill>
+                  <a:schemeClr val="tx1">
+                    <a:lumMod val="75000"/>
+                    <a:lumOff val="25000"/>
+                  </a:schemeClr>
+                </a:solidFill>
+                <a:latin typeface="+mn-lt"/>
+                <a:ea typeface="+mn-ea"/>
+                <a:cs typeface="+mn-cs"/>
+              </a:defRPr>
+            </a:lvl3pPr>
+            <a:lvl4pPr marL="1600200" indent="-228600" algn="r" defTabSz="457200" rtl="1" eaLnBrk="1" latinLnBrk="0" hangingPunct="1">
+              <a:spcBef>
+                <a:spcPts val="1000"/>
+              </a:spcBef>
+              <a:spcAft>
+                <a:spcPts val="0"/>
+              </a:spcAft>
+              <a:buClr>
+                <a:schemeClr val="accent1"/>
+              </a:buClr>
+              <a:buSzPct val="80000"/>
+              <a:buFont typeface="Wingdings 3" charset="2"/>
+              <a:buChar char=""/>
+              <a:defRPr sz="1200" kern="1200">
+                <a:solidFill>
+                  <a:schemeClr val="tx1">
+                    <a:lumMod val="75000"/>
+                    <a:lumOff val="25000"/>
+                  </a:schemeClr>
+                </a:solidFill>
+                <a:latin typeface="+mn-lt"/>
+                <a:ea typeface="+mn-ea"/>
+                <a:cs typeface="+mn-cs"/>
+              </a:defRPr>
+            </a:lvl4pPr>
+            <a:lvl5pPr marL="2057400" indent="-228600" algn="r" defTabSz="457200" rtl="1" eaLnBrk="1" latinLnBrk="0" hangingPunct="1">
+              <a:spcBef>
+                <a:spcPts val="1000"/>
+              </a:spcBef>
+              <a:spcAft>
+                <a:spcPts val="0"/>
+              </a:spcAft>
+              <a:buClr>
+                <a:schemeClr val="accent1"/>
+              </a:buClr>
+              <a:buSzPct val="80000"/>
+              <a:buFont typeface="Wingdings 3" charset="2"/>
+              <a:buChar char=""/>
+              <a:defRPr sz="1200" kern="1200">
+                <a:solidFill>
+                  <a:schemeClr val="tx1">
+                    <a:lumMod val="75000"/>
+                    <a:lumOff val="25000"/>
+                  </a:schemeClr>
+                </a:solidFill>
+                <a:latin typeface="+mn-lt"/>
+                <a:ea typeface="+mn-ea"/>
+                <a:cs typeface="+mn-cs"/>
+              </a:defRPr>
+            </a:lvl5pPr>
+            <a:lvl6pPr marL="2514600" indent="-228600" algn="r" defTabSz="457200" rtl="1" eaLnBrk="1" latinLnBrk="0" hangingPunct="1">
+              <a:spcBef>
+                <a:spcPts val="1000"/>
+              </a:spcBef>
+              <a:spcAft>
+                <a:spcPts val="0"/>
+              </a:spcAft>
+              <a:buClr>
+                <a:schemeClr val="accent1"/>
+              </a:buClr>
+              <a:buSzPct val="80000"/>
+              <a:buFont typeface="Wingdings 3" charset="2"/>
+              <a:buChar char=""/>
+              <a:defRPr sz="1200" kern="1200">
+                <a:solidFill>
+                  <a:schemeClr val="tx1">
+                    <a:lumMod val="75000"/>
+                    <a:lumOff val="25000"/>
+                  </a:schemeClr>
+                </a:solidFill>
+                <a:latin typeface="+mn-lt"/>
+                <a:ea typeface="+mn-ea"/>
+                <a:cs typeface="+mn-cs"/>
+              </a:defRPr>
+            </a:lvl6pPr>
+            <a:lvl7pPr marL="2971800" indent="-228600" algn="r" defTabSz="457200" rtl="1" eaLnBrk="1" latinLnBrk="0" hangingPunct="1">
+              <a:spcBef>
+                <a:spcPts val="1000"/>
+              </a:spcBef>
+              <a:spcAft>
+                <a:spcPts val="0"/>
+              </a:spcAft>
+              <a:buClr>
+                <a:schemeClr val="accent1"/>
+              </a:buClr>
+              <a:buSzPct val="80000"/>
+              <a:buFont typeface="Wingdings 3" charset="2"/>
+              <a:buChar char=""/>
+              <a:defRPr sz="1200" kern="1200">
+                <a:solidFill>
+                  <a:schemeClr val="tx1">
+                    <a:lumMod val="75000"/>
+                    <a:lumOff val="25000"/>
+                  </a:schemeClr>
+                </a:solidFill>
+                <a:latin typeface="+mn-lt"/>
+                <a:ea typeface="+mn-ea"/>
+                <a:cs typeface="+mn-cs"/>
+              </a:defRPr>
+            </a:lvl7pPr>
+            <a:lvl8pPr marL="3429000" indent="-228600" algn="r" defTabSz="457200" rtl="1" eaLnBrk="1" latinLnBrk="0" hangingPunct="1">
+              <a:spcBef>
+                <a:spcPts val="1000"/>
+              </a:spcBef>
+              <a:spcAft>
+                <a:spcPts val="0"/>
+              </a:spcAft>
+              <a:buClr>
+                <a:schemeClr val="accent1"/>
+              </a:buClr>
+              <a:buSzPct val="80000"/>
+              <a:buFont typeface="Wingdings 3" charset="2"/>
+              <a:buChar char=""/>
+              <a:defRPr sz="1200" kern="1200">
+                <a:solidFill>
+                  <a:schemeClr val="tx1">
+                    <a:lumMod val="75000"/>
+                    <a:lumOff val="25000"/>
+                  </a:schemeClr>
+                </a:solidFill>
+                <a:latin typeface="+mn-lt"/>
+                <a:ea typeface="+mn-ea"/>
+                <a:cs typeface="+mn-cs"/>
+              </a:defRPr>
+            </a:lvl8pPr>
+            <a:lvl9pPr marL="3886200" indent="-228600" algn="r" defTabSz="457200" rtl="1" eaLnBrk="1" latinLnBrk="0" hangingPunct="1">
+              <a:spcBef>
+                <a:spcPts val="1000"/>
+              </a:spcBef>
+              <a:spcAft>
+                <a:spcPts val="0"/>
+              </a:spcAft>
+              <a:buClr>
+                <a:schemeClr val="accent1"/>
+              </a:buClr>
+              <a:buSzPct val="80000"/>
+              <a:buFont typeface="Wingdings 3" charset="2"/>
+              <a:buChar char=""/>
+              <a:defRPr sz="1200" kern="1200">
+                <a:solidFill>
+                  <a:schemeClr val="tx1">
+                    <a:lumMod val="75000"/>
+                    <a:lumOff val="25000"/>
+                  </a:schemeClr>
+                </a:solidFill>
+                <a:latin typeface="+mn-lt"/>
+                <a:ea typeface="+mn-ea"/>
+                <a:cs typeface="+mn-cs"/>
+              </a:defRPr>
+            </a:lvl9pPr>
+          </a:lstStyle>
           <a:p>
             <a:pPr marL="0" indent="0" algn="l" rtl="0">
+              <a:buFont typeface="Wingdings 3" charset="2"/>
               <a:buNone/>
             </a:pPr>
-            <a:r>
-              <a:rPr lang="en-US" b="0" i="0" dirty="0">
-                <a:solidFill>
-                  <a:srgbClr val="111111"/>
-                </a:solidFill>
-                <a:effectLst/>
-                <a:latin typeface="Roboto" panose="02000000000000000000" pitchFamily="2" charset="0"/>
+            <a:br>
+              <a:rPr lang="en-US" sz="2000" dirty="0">
+                <a:solidFill>
+                  <a:schemeClr val="tx1"/>
+                </a:solidFill>
+                <a:latin typeface="Arial" panose="020B0604020202020204" pitchFamily="34" charset="0"/>
+                <a:cs typeface="Arial" panose="020B0604020202020204" pitchFamily="34" charset="0"/>
               </a:rPr>
-              <a:t>BreakHis dataset composed of benign and malignant images : benign [(a) : adenosis, (b) : fibroadenoma, (c) : phyllodes tumor, (d) : tubular adenoma], malignant [(e) : ductal carcinoma, (f) : lobular carcinoma, (g) : mucinous carcinoma, (h) : papillary carcinoma]</a:t>
-            </a:r>
-          </a:p>
-          <a:p>
-            <a:pPr algn="l" rtl="0"/>
-            <a:endParaRPr lang="he-IL" dirty="0"/>
+            </a:br>
+            <a:r>
+              <a:rPr lang="en-US" sz="2000" dirty="0">
+                <a:solidFill>
+                  <a:schemeClr val="tx1"/>
+                </a:solidFill>
+                <a:latin typeface="Arial" panose="020B0604020202020204" pitchFamily="34" charset="0"/>
+                <a:cs typeface="Arial" panose="020B0604020202020204" pitchFamily="34" charset="0"/>
+              </a:rPr>
+              <a:t>inception v4 is an updated and fined tuned version of inception.</a:t>
+            </a:r>
+            <a:br>
+              <a:rPr lang="en-US" sz="2000" dirty="0">
+                <a:solidFill>
+                  <a:schemeClr val="tx1"/>
+                </a:solidFill>
+                <a:latin typeface="Arial" panose="020B0604020202020204" pitchFamily="34" charset="0"/>
+                <a:cs typeface="Arial" panose="020B0604020202020204" pitchFamily="34" charset="0"/>
+              </a:rPr>
+            </a:br>
+            <a:endParaRPr lang="en-US" sz="2000" dirty="0">
+              <a:solidFill>
+                <a:schemeClr val="tx1"/>
+              </a:solidFill>
+              <a:latin typeface="Arial" panose="020B0604020202020204" pitchFamily="34" charset="0"/>
+              <a:cs typeface="Arial" panose="020B0604020202020204" pitchFamily="34" charset="0"/>
+            </a:endParaRPr>
+          </a:p>
+          <a:p>
+            <a:pPr marL="0" indent="0" algn="l" rtl="0">
+              <a:buFont typeface="Wingdings 3" charset="2"/>
+              <a:buNone/>
+            </a:pPr>
+            <a:endParaRPr lang="en-US" sz="2000" dirty="0">
+              <a:solidFill>
+                <a:schemeClr val="tx1"/>
+              </a:solidFill>
+              <a:latin typeface="Arial" panose="020B0604020202020204" pitchFamily="34" charset="0"/>
+              <a:cs typeface="Arial" panose="020B0604020202020204" pitchFamily="34" charset="0"/>
+            </a:endParaRPr>
           </a:p>
         </p:txBody>
       </p:sp>
       <p:pic>
         <p:nvPicPr>
-          <p:cNvPr id="7" name="תמונה 6">
+          <p:cNvPr id="3" name="מציין מיקום תוכן 3">
             <a:extLst>
               <a:ext uri="{FF2B5EF4-FFF2-40B4-BE49-F238E27FC236}">
-                <a16:creationId xmlns:a16="http://schemas.microsoft.com/office/drawing/2014/main" id="{720EDC13-972D-5F68-DC23-E8CB64DF68C3}"/>
+                <a16:creationId xmlns:a16="http://schemas.microsoft.com/office/drawing/2014/main" id="{5CA90DAF-8ECA-48B2-381C-3CE976BAACE4}"/>
               </a:ext>
             </a:extLst>
           </p:cNvPr>
           <p:cNvPicPr>
-            <a:picLocks noChangeAspect="1"/>
+            <a:picLocks noGrp="1" noChangeAspect="1"/>
           </p:cNvPicPr>
-          <p:nvPr/>
+          <p:nvPr>
+            <p:ph idx="1"/>
+          </p:nvPr>
         </p:nvPicPr>
         <p:blipFill>
           <a:blip r:embed="rId2"/>
@@ -8388,8 +9045,8 @@
         </p:blipFill>
         <p:spPr>
           <a:xfrm>
-            <a:off x="1594134" y="977264"/>
-            <a:ext cx="8169299" cy="3837801"/>
+            <a:off x="4494977" y="1205264"/>
+            <a:ext cx="4044642" cy="5615871"/>
           </a:xfrm>
           <a:prstGeom prst="rect">
             <a:avLst/>
@@ -8398,46 +9055,10 @@
       </p:pic>
       <p:sp>
         <p:nvSpPr>
-          <p:cNvPr id="8" name="תיבת טקסט 7">
+          <p:cNvPr id="4" name="מציין מיקום של מספר שקופית 1">
             <a:extLst>
               <a:ext uri="{FF2B5EF4-FFF2-40B4-BE49-F238E27FC236}">
-                <a16:creationId xmlns:a16="http://schemas.microsoft.com/office/drawing/2014/main" id="{4167358B-6C4E-6F5F-A490-534C10963D0A}"/>
-              </a:ext>
-            </a:extLst>
-          </p:cNvPr>
-          <p:cNvSpPr txBox="1"/>
-          <p:nvPr/>
-        </p:nvSpPr>
-        <p:spPr>
-          <a:xfrm>
-            <a:off x="511565" y="6131272"/>
-            <a:ext cx="11562735" cy="261610"/>
-          </a:xfrm>
-          <a:prstGeom prst="rect">
-            <a:avLst/>
-          </a:prstGeom>
-          <a:noFill/>
-        </p:spPr>
-        <p:txBody>
-          <a:bodyPr wrap="square" rtlCol="1">
-            <a:spAutoFit/>
-          </a:bodyPr>
-          <a:lstStyle/>
-          <a:p>
-            <a:r>
-              <a:rPr lang="en-US" sz="1100" dirty="0"/>
-              <a:t>Source: https://www.researchgate.net/figure/BreakHis-dataset-composed-of-benign-and-malignant-images-benign-a-adenosis-b_fig2_327528970</a:t>
-            </a:r>
-            <a:endParaRPr lang="he-IL" sz="1100" dirty="0"/>
-          </a:p>
-        </p:txBody>
-      </p:sp>
-      <p:sp>
-        <p:nvSpPr>
-          <p:cNvPr id="3" name="מציין מיקום של מספר שקופית 1">
-            <a:extLst>
-              <a:ext uri="{FF2B5EF4-FFF2-40B4-BE49-F238E27FC236}">
-                <a16:creationId xmlns:a16="http://schemas.microsoft.com/office/drawing/2014/main" id="{87CC7790-BF8D-CF93-74A2-129934C84B4B}"/>
+                <a16:creationId xmlns:a16="http://schemas.microsoft.com/office/drawing/2014/main" id="{3BC6E009-71C6-4A3E-0A77-394F6846E564}"/>
               </a:ext>
             </a:extLst>
           </p:cNvPr>
@@ -8448,7 +9069,7 @@
         </p:nvSpPr>
         <p:spPr>
           <a:xfrm>
-            <a:off x="11059928" y="6504126"/>
+            <a:off x="11059928" y="6492875"/>
             <a:ext cx="683339" cy="365125"/>
           </a:xfrm>
           <a:prstGeom prst="rect">
@@ -8568,10 +9189,60 @@
           </a:p>
         </p:txBody>
       </p:sp>
+      <p:sp>
+        <p:nvSpPr>
+          <p:cNvPr id="5" name="TextBox 4">
+            <a:extLst>
+              <a:ext uri="{FF2B5EF4-FFF2-40B4-BE49-F238E27FC236}">
+                <a16:creationId xmlns:a16="http://schemas.microsoft.com/office/drawing/2014/main" id="{3620EA32-FC5F-E956-B0DE-B0C613EB8D69}"/>
+              </a:ext>
+            </a:extLst>
+          </p:cNvPr>
+          <p:cNvSpPr txBox="1"/>
+          <p:nvPr/>
+        </p:nvSpPr>
+        <p:spPr>
+          <a:xfrm>
+            <a:off x="4773811" y="112896"/>
+            <a:ext cx="6097190" cy="707886"/>
+          </a:xfrm>
+          <a:prstGeom prst="rect">
+            <a:avLst/>
+          </a:prstGeom>
+          <a:noFill/>
+        </p:spPr>
+        <p:txBody>
+          <a:bodyPr wrap="square">
+            <a:spAutoFit/>
+          </a:bodyPr>
+          <a:lstStyle/>
+          <a:p>
+            <a:r>
+              <a:rPr lang="en-US" sz="4000" dirty="0">
+                <a:solidFill>
+                  <a:schemeClr val="accent1"/>
+                </a:solidFill>
+                <a:latin typeface="Arial" panose="020B0604020202020204" pitchFamily="34" charset="0"/>
+                <a:ea typeface="+mj-ea"/>
+                <a:cs typeface="Arial" panose="020B0604020202020204" pitchFamily="34" charset="0"/>
+              </a:rPr>
+              <a:t>Inception V4</a:t>
+            </a:r>
+            <a:endParaRPr lang="he-IL" sz="4000" dirty="0">
+              <a:solidFill>
+                <a:schemeClr val="accent1"/>
+              </a:solidFill>
+              <a:latin typeface="Arial" panose="020B0604020202020204" pitchFamily="34" charset="0"/>
+              <a:ea typeface="+mj-ea"/>
+              <a:cs typeface="Arial" panose="020B0604020202020204" pitchFamily="34" charset="0"/>
+            </a:endParaRPr>
+          </a:p>
+        </p:txBody>
+      </p:sp>
     </p:spTree>
     <p:extLst>
       <p:ext uri="{BB962C8B-B14F-4D97-AF65-F5344CB8AC3E}">
-        <p14:creationId xmlns:p14="http://schemas.microsoft.com/office/powerpoint/2010/main" val="3418183966"/>
+        <p14:creationId xmlns:p14="http://schemas.microsoft.com/office/powerpoint/2010/main" val="2466653760"/>
       </p:ext>
     </p:extLst>
   </p:cSld>
@@ -8729,7 +9400,7 @@
                 <a:latin typeface="Arial" panose="020B0604020202020204" pitchFamily="34" charset="0"/>
                 <a:cs typeface="Arial" panose="020B0604020202020204" pitchFamily="34" charset="0"/>
               </a:rPr>
-              <a:t>RSNA</a:t>
+              <a:t>BreakHis</a:t>
             </a:r>
             <a:endParaRPr lang="he-IL" sz="4000" dirty="0">
               <a:latin typeface="Arial" panose="020B0604020202020204" pitchFamily="34" charset="0"/>
@@ -8814,13 +9485,13 @@
         </p:nvSpPr>
         <p:spPr>
           <a:xfrm>
-            <a:off x="1318735" y="1295786"/>
+            <a:off x="1383130" y="1038210"/>
             <a:ext cx="9819603" cy="4781579"/>
           </a:xfrm>
         </p:spPr>
         <p:txBody>
           <a:bodyPr>
-            <a:normAutofit fontScale="92500" lnSpcReduction="10000"/>
+            <a:normAutofit/>
           </a:bodyPr>
           <a:lstStyle/>
           <a:p>
@@ -8828,104 +9499,19 @@
               <a:buNone/>
             </a:pPr>
             <a:r>
-              <a:rPr lang="en-US" sz="2000" dirty="0">
-                <a:solidFill>
-                  <a:schemeClr val="tx1"/>
-                </a:solidFill>
-                <a:latin typeface="Arial" panose="020B0604020202020204" pitchFamily="34" charset="0"/>
-                <a:cs typeface="Arial" panose="020B0604020202020204" pitchFamily="34" charset="0"/>
-              </a:rPr>
-              <a:t>Radiological Society of North America (RSNA)</a:t>
-            </a:r>
-            <a:r>
-              <a:rPr lang="en-US" sz="2000" dirty="0">
+              <a:rPr lang="en-US" sz="1800" b="1" dirty="0">
+                <a:solidFill>
+                  <a:srgbClr val="000000"/>
+                </a:solidFill>
                 <a:effectLst/>
                 <a:latin typeface="Arial" panose="020B0604020202020204" pitchFamily="34" charset="0"/>
-                <a:ea typeface="Times New Roman" panose="02020603050405020304" pitchFamily="18" charset="0"/>
+                <a:ea typeface="Calibri" panose="020F0502020204030204" pitchFamily="34" charset="0"/>
               </a:rPr>
-              <a:t> </a:t>
-            </a:r>
-            <a:r>
-              <a:rPr lang="en-US" sz="2000" dirty="0">
-                <a:solidFill>
-                  <a:schemeClr val="tx1"/>
-                </a:solidFill>
-                <a:latin typeface="Arial" panose="020B0604020202020204" pitchFamily="34" charset="0"/>
-                <a:cs typeface="Arial" panose="020B0604020202020204" pitchFamily="34" charset="0"/>
-              </a:rPr>
-              <a:t>Screening mammography breast cancer detection dataset composed of: </a:t>
-            </a:r>
-          </a:p>
-          <a:p>
-            <a:pPr marL="742950" lvl="2" indent="-342900" algn="l" rtl="0">
-              <a:buSzPct val="160000"/>
-              <a:buFont typeface="Arial" panose="020B0604020202020204" pitchFamily="34" charset="0"/>
-              <a:buChar char="•"/>
-            </a:pPr>
-            <a:r>
-              <a:rPr lang="en-US" sz="2000" dirty="0">
-                <a:solidFill>
-                  <a:schemeClr val="tx1"/>
-                </a:solidFill>
-                <a:latin typeface="Arial" panose="020B0604020202020204" pitchFamily="34" charset="0"/>
-                <a:cs typeface="Arial" panose="020B0604020202020204" pitchFamily="34" charset="0"/>
-              </a:rPr>
-              <a:t>54713 files    </a:t>
-            </a:r>
-          </a:p>
-          <a:p>
-            <a:pPr marL="742950" lvl="2" indent="-342900" algn="l" rtl="0">
-              <a:buSzPct val="160000"/>
-              <a:buFont typeface="Arial" panose="020B0604020202020204" pitchFamily="34" charset="0"/>
-              <a:buChar char="•"/>
-            </a:pPr>
-            <a:r>
-              <a:rPr lang="en-US" sz="2000" dirty="0">
-                <a:solidFill>
-                  <a:schemeClr val="tx1"/>
-                </a:solidFill>
-                <a:latin typeface="Arial" panose="020B0604020202020204" pitchFamily="34" charset="0"/>
-                <a:cs typeface="Arial" panose="020B0604020202020204" pitchFamily="34" charset="0"/>
-              </a:rPr>
-              <a:t>size of 314.72gb </a:t>
-            </a:r>
-          </a:p>
-          <a:p>
-            <a:pPr marL="742950" lvl="2" indent="-342900" algn="l" rtl="0">
-              <a:buSzPct val="160000"/>
-              <a:buFont typeface="Arial" panose="020B0604020202020204" pitchFamily="34" charset="0"/>
-              <a:buChar char="•"/>
-            </a:pPr>
-            <a:r>
-              <a:rPr lang="en-US" sz="2000" dirty="0">
-                <a:solidFill>
-                  <a:schemeClr val="tx1"/>
-                </a:solidFill>
-                <a:latin typeface="Arial" panose="020B0604020202020204" pitchFamily="34" charset="0"/>
-                <a:cs typeface="Arial" panose="020B0604020202020204" pitchFamily="34" charset="0"/>
-              </a:rPr>
-              <a:t>roughly 8,000 patients in the hidden test set (there are usually but not always 4 images per patient).</a:t>
-            </a:r>
-          </a:p>
-          <a:p>
-            <a:pPr marL="742950" lvl="2" indent="-342900" algn="l" rtl="0">
-              <a:buSzPct val="160000"/>
-              <a:buFont typeface="Arial" panose="020B0604020202020204" pitchFamily="34" charset="0"/>
-              <a:buChar char="•"/>
-            </a:pPr>
-            <a:r>
-              <a:rPr lang="en-US" sz="2000" dirty="0">
-                <a:solidFill>
-                  <a:schemeClr val="tx1"/>
-                </a:solidFill>
-                <a:latin typeface="Arial" panose="020B0604020202020204" pitchFamily="34" charset="0"/>
-                <a:cs typeface="Arial" panose="020B0604020202020204" pitchFamily="34" charset="0"/>
-              </a:rPr>
-              <a:t>Contains the following labels:</a:t>
-            </a:r>
-          </a:p>
-          <a:p>
-            <a:pPr lvl="2" algn="l" rtl="0">
+              <a:t>The Breast Cancer Histopathological Image Classification (BreakHis) composed of:</a:t>
+            </a:r>
+          </a:p>
+          <a:p>
+            <a:pPr algn="l" rtl="0">
               <a:buSzPct val="140000"/>
               <a:buFont typeface="Arial" panose="020B0604020202020204" pitchFamily="34" charset="0"/>
               <a:buChar char="•"/>
@@ -8938,11 +9524,11 @@
                 <a:latin typeface="Arial" panose="020B0604020202020204" pitchFamily="34" charset="0"/>
                 <a:cs typeface="Arial" panose="020B0604020202020204" pitchFamily="34" charset="0"/>
               </a:rPr>
-              <a:t>cancer - Whether or not the breast was positive for malignant cancer.</a:t>
-            </a:r>
-          </a:p>
-          <a:p>
-            <a:pPr lvl="2" algn="l" rtl="0">
+              <a:t>7,909 microscopic images of breast tumor tissue collected from 82 patients using different magnifying factors (40X, 100X, 200X, and 400X).  </a:t>
+            </a:r>
+          </a:p>
+          <a:p>
+            <a:pPr algn="l" rtl="0">
               <a:buSzPct val="140000"/>
               <a:buFont typeface="Arial" panose="020B0604020202020204" pitchFamily="34" charset="0"/>
               <a:buChar char="•"/>
@@ -8955,11 +9541,11 @@
                 <a:latin typeface="Arial" panose="020B0604020202020204" pitchFamily="34" charset="0"/>
                 <a:cs typeface="Arial" panose="020B0604020202020204" pitchFamily="34" charset="0"/>
               </a:rPr>
-              <a:t>BIRADS - 0 if the breast required follow-up, 1 if the breast was rated as negative for cancer, and 2 if the breast was rated as normal. Only provided for train.</a:t>
-            </a:r>
-          </a:p>
-          <a:p>
-            <a:pPr lvl="2" algn="l" rtl="0">
+              <a:t>2,480 benign </a:t>
+            </a:r>
+          </a:p>
+          <a:p>
+            <a:pPr algn="l" rtl="0">
               <a:buSzPct val="140000"/>
               <a:buFont typeface="Arial" panose="020B0604020202020204" pitchFamily="34" charset="0"/>
               <a:buChar char="•"/>
@@ -8972,9 +9558,15 @@
                 <a:latin typeface="Arial" panose="020B0604020202020204" pitchFamily="34" charset="0"/>
                 <a:cs typeface="Arial" panose="020B0604020202020204" pitchFamily="34" charset="0"/>
               </a:rPr>
-              <a:t>invasive - If the breast is positive for cancer, whether or not the cancer proved to be invasive. </a:t>
-            </a:r>
-            <a:br>
+              <a:t>5,429 malignant samples (700X460 pixels, 3-channel RGB, 8-bit depth in each channel, PNG format for both benign and malignant images). </a:t>
+            </a:r>
+          </a:p>
+          <a:p>
+            <a:pPr marL="0" indent="0" algn="l" rtl="0">
+              <a:buSzPct val="140000"/>
+              <a:buNone/>
+            </a:pPr>
+            <a:r>
               <a:rPr lang="en-US" sz="2000" dirty="0">
                 <a:solidFill>
                   <a:schemeClr val="tx1"/>
@@ -8982,14 +9574,28 @@
                 <a:latin typeface="Arial" panose="020B0604020202020204" pitchFamily="34" charset="0"/>
                 <a:cs typeface="Arial" panose="020B0604020202020204" pitchFamily="34" charset="0"/>
               </a:rPr>
-            </a:br>
-            <a:endParaRPr lang="en-US" sz="2000" dirty="0">
-              <a:solidFill>
-                <a:schemeClr val="tx1"/>
-              </a:solidFill>
-              <a:latin typeface="Arial" panose="020B0604020202020204" pitchFamily="34" charset="0"/>
-              <a:cs typeface="Arial" panose="020B0604020202020204" pitchFamily="34" charset="0"/>
-            </a:endParaRPr>
+              <a:t>The </a:t>
+            </a:r>
+            <a:r>
+              <a:rPr lang="en-US" sz="2000" dirty="0" err="1">
+                <a:solidFill>
+                  <a:schemeClr val="tx1"/>
+                </a:solidFill>
+                <a:latin typeface="Arial" panose="020B0604020202020204" pitchFamily="34" charset="0"/>
+                <a:cs typeface="Arial" panose="020B0604020202020204" pitchFamily="34" charset="0"/>
+              </a:rPr>
+              <a:t>BreaKHis</a:t>
+            </a:r>
+            <a:r>
+              <a:rPr lang="en-US" sz="2000" dirty="0">
+                <a:solidFill>
+                  <a:schemeClr val="tx1"/>
+                </a:solidFill>
+                <a:latin typeface="Arial" panose="020B0604020202020204" pitchFamily="34" charset="0"/>
+                <a:cs typeface="Arial" panose="020B0604020202020204" pitchFamily="34" charset="0"/>
+              </a:rPr>
+              <a:t> is structured as follows:</a:t>
+            </a:r>
           </a:p>
         </p:txBody>
       </p:sp>
@@ -9051,133 +9657,66 @@
           </a:fontRef>
         </p:style>
       </p:sp>
-      <p:sp>
-        <p:nvSpPr>
-          <p:cNvPr id="5" name="מציין מיקום של מספר שקופית 1">
+      <p:pic>
+        <p:nvPicPr>
+          <p:cNvPr id="5" name="Picture 4">
             <a:extLst>
               <a:ext uri="{FF2B5EF4-FFF2-40B4-BE49-F238E27FC236}">
-                <a16:creationId xmlns:a16="http://schemas.microsoft.com/office/drawing/2014/main" id="{E1D72B9D-6FC6-6019-2A48-7B9DC1534D5F}"/>
+                <a16:creationId xmlns:a16="http://schemas.microsoft.com/office/drawing/2014/main" id="{42577583-DC8D-C895-24EE-3F57A59E92F4}"/>
               </a:ext>
             </a:extLst>
           </p:cNvPr>
-          <p:cNvSpPr txBox="1">
-            <a:spLocks/>
-          </p:cNvSpPr>
+          <p:cNvPicPr>
+            <a:picLocks noChangeAspect="1"/>
+          </p:cNvPicPr>
           <p:nvPr/>
-        </p:nvSpPr>
+        </p:nvPicPr>
+        <p:blipFill rotWithShape="1">
+          <a:blip r:embed="rId2"/>
+          <a:srcRect t="1953"/>
+          <a:stretch/>
+        </p:blipFill>
         <p:spPr>
           <a:xfrm>
-            <a:off x="11059928" y="6498581"/>
-            <a:ext cx="683339" cy="359419"/>
+            <a:off x="627066" y="3798922"/>
+            <a:ext cx="10937868" cy="2463155"/>
           </a:xfrm>
           <a:prstGeom prst="rect">
             <a:avLst/>
           </a:prstGeom>
         </p:spPr>
+      </p:pic>
+      <p:sp>
+        <p:nvSpPr>
+          <p:cNvPr id="6" name="מציין מיקום של מספר שקופית 1">
+            <a:extLst>
+              <a:ext uri="{FF2B5EF4-FFF2-40B4-BE49-F238E27FC236}">
+                <a16:creationId xmlns:a16="http://schemas.microsoft.com/office/drawing/2014/main" id="{67DB4948-AE9D-F19C-8B0C-E4554E340F9B}"/>
+              </a:ext>
+            </a:extLst>
+          </p:cNvPr>
+          <p:cNvSpPr>
+            <a:spLocks noGrp="1"/>
+          </p:cNvSpPr>
+          <p:nvPr>
+            <p:ph type="sldNum" sz="quarter" idx="12"/>
+          </p:nvPr>
+        </p:nvSpPr>
+        <p:spPr>
+          <a:xfrm>
+            <a:off x="11059928" y="6531456"/>
+            <a:ext cx="683339" cy="365125"/>
+          </a:xfrm>
+        </p:spPr>
         <p:txBody>
-          <a:bodyPr vert="horz" lIns="91440" tIns="45720" rIns="91440" bIns="45720" rtlCol="0" anchor="ctr"/>
-          <a:lstStyle>
-            <a:defPPr>
-              <a:defRPr lang="en-US"/>
-            </a:defPPr>
-            <a:lvl1pPr marL="0" algn="r" defTabSz="457200" rtl="0" eaLnBrk="1" latinLnBrk="0" hangingPunct="1">
-              <a:defRPr sz="900" kern="1200">
-                <a:solidFill>
-                  <a:schemeClr val="accent1"/>
-                </a:solidFill>
-                <a:latin typeface="+mn-lt"/>
-                <a:ea typeface="+mn-ea"/>
-                <a:cs typeface="+mn-cs"/>
-              </a:defRPr>
-            </a:lvl1pPr>
-            <a:lvl2pPr marL="457200" algn="l" defTabSz="457200" rtl="0" eaLnBrk="1" latinLnBrk="0" hangingPunct="1">
-              <a:defRPr sz="1800" kern="1200">
-                <a:solidFill>
-                  <a:schemeClr val="tx1"/>
-                </a:solidFill>
-                <a:latin typeface="+mn-lt"/>
-                <a:ea typeface="+mn-ea"/>
-                <a:cs typeface="+mn-cs"/>
-              </a:defRPr>
-            </a:lvl2pPr>
-            <a:lvl3pPr marL="914400" algn="l" defTabSz="457200" rtl="0" eaLnBrk="1" latinLnBrk="0" hangingPunct="1">
-              <a:defRPr sz="1800" kern="1200">
-                <a:solidFill>
-                  <a:schemeClr val="tx1"/>
-                </a:solidFill>
-                <a:latin typeface="+mn-lt"/>
-                <a:ea typeface="+mn-ea"/>
-                <a:cs typeface="+mn-cs"/>
-              </a:defRPr>
-            </a:lvl3pPr>
-            <a:lvl4pPr marL="1371600" algn="l" defTabSz="457200" rtl="0" eaLnBrk="1" latinLnBrk="0" hangingPunct="1">
-              <a:defRPr sz="1800" kern="1200">
-                <a:solidFill>
-                  <a:schemeClr val="tx1"/>
-                </a:solidFill>
-                <a:latin typeface="+mn-lt"/>
-                <a:ea typeface="+mn-ea"/>
-                <a:cs typeface="+mn-cs"/>
-              </a:defRPr>
-            </a:lvl4pPr>
-            <a:lvl5pPr marL="1828800" algn="l" defTabSz="457200" rtl="0" eaLnBrk="1" latinLnBrk="0" hangingPunct="1">
-              <a:defRPr sz="1800" kern="1200">
-                <a:solidFill>
-                  <a:schemeClr val="tx1"/>
-                </a:solidFill>
-                <a:latin typeface="+mn-lt"/>
-                <a:ea typeface="+mn-ea"/>
-                <a:cs typeface="+mn-cs"/>
-              </a:defRPr>
-            </a:lvl5pPr>
-            <a:lvl6pPr marL="2286000" algn="l" defTabSz="457200" rtl="0" eaLnBrk="1" latinLnBrk="0" hangingPunct="1">
-              <a:defRPr sz="1800" kern="1200">
-                <a:solidFill>
-                  <a:schemeClr val="tx1"/>
-                </a:solidFill>
-                <a:latin typeface="+mn-lt"/>
-                <a:ea typeface="+mn-ea"/>
-                <a:cs typeface="+mn-cs"/>
-              </a:defRPr>
-            </a:lvl6pPr>
-            <a:lvl7pPr marL="2743200" algn="l" defTabSz="457200" rtl="0" eaLnBrk="1" latinLnBrk="0" hangingPunct="1">
-              <a:defRPr sz="1800" kern="1200">
-                <a:solidFill>
-                  <a:schemeClr val="tx1"/>
-                </a:solidFill>
-                <a:latin typeface="+mn-lt"/>
-                <a:ea typeface="+mn-ea"/>
-                <a:cs typeface="+mn-cs"/>
-              </a:defRPr>
-            </a:lvl7pPr>
-            <a:lvl8pPr marL="3200400" algn="l" defTabSz="457200" rtl="0" eaLnBrk="1" latinLnBrk="0" hangingPunct="1">
-              <a:defRPr sz="1800" kern="1200">
-                <a:solidFill>
-                  <a:schemeClr val="tx1"/>
-                </a:solidFill>
-                <a:latin typeface="+mn-lt"/>
-                <a:ea typeface="+mn-ea"/>
-                <a:cs typeface="+mn-cs"/>
-              </a:defRPr>
-            </a:lvl8pPr>
-            <a:lvl9pPr marL="3657600" algn="l" defTabSz="457200" rtl="0" eaLnBrk="1" latinLnBrk="0" hangingPunct="1">
-              <a:defRPr sz="1800" kern="1200">
-                <a:solidFill>
-                  <a:schemeClr val="tx1"/>
-                </a:solidFill>
-                <a:latin typeface="+mn-lt"/>
-                <a:ea typeface="+mn-ea"/>
-                <a:cs typeface="+mn-cs"/>
-              </a:defRPr>
-            </a:lvl9pPr>
-          </a:lstStyle>
+          <a:bodyPr/>
+          <a:lstStyle/>
           <a:p>
             <a:fld id="{FEDBE076-7370-4F39-B8CE-D2BB33626AF3}" type="slidenum">
               <a:rPr lang="he-IL" sz="1200" smtClean="0">
                 <a:latin typeface="Arial" panose="020B0604020202020204" pitchFamily="34" charset="0"/>
                 <a:cs typeface="Arial" panose="020B0604020202020204" pitchFamily="34" charset="0"/>
               </a:rPr>
-              <a:pPr/>
               <a:t>13</a:t>
             </a:fld>
             <a:endParaRPr lang="he-IL" sz="1000" dirty="0">
@@ -9190,7 +9729,7 @@
     </p:spTree>
     <p:extLst>
       <p:ext uri="{BB962C8B-B14F-4D97-AF65-F5344CB8AC3E}">
-        <p14:creationId xmlns:p14="http://schemas.microsoft.com/office/powerpoint/2010/main" val="796343532"/>
+        <p14:creationId xmlns:p14="http://schemas.microsoft.com/office/powerpoint/2010/main" val="2751241329"/>
       </p:ext>
     </p:extLst>
   </p:cSld>
@@ -9348,7 +9887,7 @@
                 <a:latin typeface="Arial" panose="020B0604020202020204" pitchFamily="34" charset="0"/>
                 <a:cs typeface="Arial" panose="020B0604020202020204" pitchFamily="34" charset="0"/>
               </a:rPr>
-              <a:t>RSNA</a:t>
+              <a:t>BreakHis</a:t>
             </a:r>
             <a:endParaRPr lang="he-IL" sz="4000" dirty="0">
               <a:latin typeface="Arial" panose="020B0604020202020204" pitchFamily="34" charset="0"/>
@@ -9473,21 +10012,67 @@
           </a:fontRef>
         </p:style>
       </p:sp>
+      <p:sp>
+        <p:nvSpPr>
+          <p:cNvPr id="4" name="מציין מיקום תוכן 3">
+            <a:extLst>
+              <a:ext uri="{FF2B5EF4-FFF2-40B4-BE49-F238E27FC236}">
+                <a16:creationId xmlns:a16="http://schemas.microsoft.com/office/drawing/2014/main" id="{B3681D86-2FDA-A3CF-6691-6FED8DEA93CE}"/>
+              </a:ext>
+            </a:extLst>
+          </p:cNvPr>
+          <p:cNvSpPr>
+            <a:spLocks noGrp="1"/>
+          </p:cNvSpPr>
+          <p:nvPr>
+            <p:ph idx="1"/>
+          </p:nvPr>
+        </p:nvSpPr>
+        <p:spPr>
+          <a:xfrm>
+            <a:off x="1694111" y="5043949"/>
+            <a:ext cx="8596668" cy="1076072"/>
+          </a:xfrm>
+        </p:spPr>
+        <p:txBody>
+          <a:bodyPr>
+            <a:normAutofit fontScale="92500"/>
+          </a:bodyPr>
+          <a:lstStyle/>
+          <a:p>
+            <a:pPr marL="0" indent="0" algn="l" rtl="0">
+              <a:buNone/>
+            </a:pPr>
+            <a:r>
+              <a:rPr lang="en-US" b="0" i="0" dirty="0">
+                <a:solidFill>
+                  <a:srgbClr val="111111"/>
+                </a:solidFill>
+                <a:effectLst/>
+                <a:latin typeface="Roboto" panose="02000000000000000000" pitchFamily="2" charset="0"/>
+              </a:rPr>
+              <a:t>BreakHis dataset composed of benign and malignant images : benign [(a) : adenosis, (b) : fibroadenoma, (c) : phyllodes tumor, (d) : tubular adenoma], malignant [(e) : ductal carcinoma, (f) : lobular carcinoma, (g) : mucinous carcinoma, (h) : papillary carcinoma]</a:t>
+            </a:r>
+          </a:p>
+          <a:p>
+            <a:pPr algn="l" rtl="0"/>
+            <a:endParaRPr lang="he-IL" dirty="0"/>
+          </a:p>
+        </p:txBody>
+      </p:sp>
       <p:pic>
         <p:nvPicPr>
-          <p:cNvPr id="9" name="מציין מיקום תוכן 8">
+          <p:cNvPr id="7" name="תמונה 6">
             <a:extLst>
               <a:ext uri="{FF2B5EF4-FFF2-40B4-BE49-F238E27FC236}">
-                <a16:creationId xmlns:a16="http://schemas.microsoft.com/office/drawing/2014/main" id="{9747C6C9-4DC3-A104-9E09-E34F6EE79369}"/>
+                <a16:creationId xmlns:a16="http://schemas.microsoft.com/office/drawing/2014/main" id="{720EDC13-972D-5F68-DC23-E8CB64DF68C3}"/>
               </a:ext>
             </a:extLst>
           </p:cNvPr>
           <p:cNvPicPr>
-            <a:picLocks noGrp="1" noChangeAspect="1"/>
+            <a:picLocks noChangeAspect="1"/>
           </p:cNvPicPr>
-          <p:nvPr>
-            <p:ph idx="1"/>
-          </p:nvPr>
+          <p:nvPr/>
         </p:nvPicPr>
         <p:blipFill>
           <a:blip r:embed="rId2"/>
@@ -9497,17 +10082,56 @@
         </p:blipFill>
         <p:spPr>
           <a:xfrm>
-            <a:off x="1479319" y="1170792"/>
-            <a:ext cx="9359697" cy="5116106"/>
+            <a:off x="1594134" y="977264"/>
+            <a:ext cx="8169299" cy="3837801"/>
           </a:xfrm>
+          <a:prstGeom prst="rect">
+            <a:avLst/>
+          </a:prstGeom>
         </p:spPr>
       </p:pic>
+      <p:sp>
+        <p:nvSpPr>
+          <p:cNvPr id="8" name="תיבת טקסט 7">
+            <a:extLst>
+              <a:ext uri="{FF2B5EF4-FFF2-40B4-BE49-F238E27FC236}">
+                <a16:creationId xmlns:a16="http://schemas.microsoft.com/office/drawing/2014/main" id="{4167358B-6C4E-6F5F-A490-534C10963D0A}"/>
+              </a:ext>
+            </a:extLst>
+          </p:cNvPr>
+          <p:cNvSpPr txBox="1"/>
+          <p:nvPr/>
+        </p:nvSpPr>
+        <p:spPr>
+          <a:xfrm>
+            <a:off x="511565" y="6131272"/>
+            <a:ext cx="11562735" cy="261610"/>
+          </a:xfrm>
+          <a:prstGeom prst="rect">
+            <a:avLst/>
+          </a:prstGeom>
+          <a:noFill/>
+        </p:spPr>
+        <p:txBody>
+          <a:bodyPr wrap="square" rtlCol="1">
+            <a:spAutoFit/>
+          </a:bodyPr>
+          <a:lstStyle/>
+          <a:p>
+            <a:r>
+              <a:rPr lang="en-US" sz="1100" dirty="0"/>
+              <a:t>Source: https://www.researchgate.net/figure/BreakHis-dataset-composed-of-benign-and-malignant-images-benign-a-adenosis-b_fig2_327528970</a:t>
+            </a:r>
+            <a:endParaRPr lang="he-IL" sz="1100" dirty="0"/>
+          </a:p>
+        </p:txBody>
+      </p:sp>
       <p:sp>
         <p:nvSpPr>
           <p:cNvPr id="3" name="מציין מיקום של מספר שקופית 1">
             <a:extLst>
               <a:ext uri="{FF2B5EF4-FFF2-40B4-BE49-F238E27FC236}">
-                <a16:creationId xmlns:a16="http://schemas.microsoft.com/office/drawing/2014/main" id="{356378E0-FDA0-D3BF-7139-5E61EC8138ED}"/>
+                <a16:creationId xmlns:a16="http://schemas.microsoft.com/office/drawing/2014/main" id="{87CC7790-BF8D-CF93-74A2-129934C84B4B}"/>
               </a:ext>
             </a:extLst>
           </p:cNvPr>
@@ -9518,7 +10142,7 @@
         </p:nvSpPr>
         <p:spPr>
           <a:xfrm>
-            <a:off x="11059927" y="6492875"/>
+            <a:off x="11059928" y="6504126"/>
             <a:ext cx="683339" cy="365125"/>
           </a:xfrm>
           <a:prstGeom prst="rect">
@@ -9641,7 +10265,7 @@
     </p:spTree>
     <p:extLst>
       <p:ext uri="{BB962C8B-B14F-4D97-AF65-F5344CB8AC3E}">
-        <p14:creationId xmlns:p14="http://schemas.microsoft.com/office/powerpoint/2010/main" val="2359142417"/>
+        <p14:creationId xmlns:p14="http://schemas.microsoft.com/office/powerpoint/2010/main" val="3418183966"/>
       </p:ext>
     </p:extLst>
   </p:cSld>
@@ -9799,8 +10423,12 @@
                 <a:latin typeface="Arial" panose="020B0604020202020204" pitchFamily="34" charset="0"/>
                 <a:cs typeface="Arial" panose="020B0604020202020204" pitchFamily="34" charset="0"/>
               </a:rPr>
-              <a:t>Researched hyperparameters</a:t>
-            </a:r>
+              <a:t>RSNA</a:t>
+            </a:r>
+            <a:endParaRPr lang="he-IL" sz="4000" dirty="0">
+              <a:latin typeface="Arial" panose="020B0604020202020204" pitchFamily="34" charset="0"/>
+              <a:cs typeface="Arial" panose="020B0604020202020204" pitchFamily="34" charset="0"/>
+            </a:endParaRPr>
           </a:p>
         </p:txBody>
       </p:sp>
@@ -9894,34 +10522,39 @@
               <a:buNone/>
             </a:pPr>
             <a:r>
-              <a:rPr lang="en-US" sz="2000" dirty="0">
+              <a:rPr lang="en-US" sz="2000" b="1" dirty="0">
                 <a:solidFill>
                   <a:schemeClr val="tx1"/>
                 </a:solidFill>
                 <a:latin typeface="Arial" panose="020B0604020202020204" pitchFamily="34" charset="0"/>
                 <a:cs typeface="Arial" panose="020B0604020202020204" pitchFamily="34" charset="0"/>
               </a:rPr>
-              <a:t>Learning rate {0.1 – 0.000001}, learning rate determines the step size at each iteration while moving toward a minimum of a loss function.</a:t>
-            </a:r>
-          </a:p>
-          <a:p>
-            <a:pPr marL="0" indent="0" algn="l" rtl="0">
-              <a:buNone/>
-            </a:pPr>
-            <a:r>
-              <a:rPr lang="en-US" sz="2000" dirty="0">
+              <a:t>Radiological Society of North America (RSNA)</a:t>
+            </a:r>
+            <a:r>
+              <a:rPr lang="en-US" sz="2000" b="1" dirty="0">
+                <a:effectLst/>
+                <a:latin typeface="Arial" panose="020B0604020202020204" pitchFamily="34" charset="0"/>
+                <a:ea typeface="Times New Roman" panose="02020603050405020304" pitchFamily="18" charset="0"/>
+              </a:rPr>
+              <a:t> </a:t>
+            </a:r>
+            <a:r>
+              <a:rPr lang="en-US" sz="2000" b="1" dirty="0">
                 <a:solidFill>
                   <a:schemeClr val="tx1"/>
                 </a:solidFill>
                 <a:latin typeface="Arial" panose="020B0604020202020204" pitchFamily="34" charset="0"/>
                 <a:cs typeface="Arial" panose="020B0604020202020204" pitchFamily="34" charset="0"/>
               </a:rPr>
-              <a:t>Epochs {10, 50, 250},  specifies the number of epochs or full passes of the entire training dataset through the algorithm’s training or learning process.</a:t>
-            </a:r>
-          </a:p>
-          <a:p>
-            <a:pPr marL="0" indent="0" algn="l" rtl="0">
-              <a:buNone/>
+              <a:t>Screening mammography breast cancer detection dataset composed of: </a:t>
+            </a:r>
+          </a:p>
+          <a:p>
+            <a:pPr marL="742950" lvl="2" indent="-342900" algn="l" rtl="0">
+              <a:buSzPct val="160000"/>
+              <a:buFont typeface="Arial" panose="020B0604020202020204" pitchFamily="34" charset="0"/>
+              <a:buChar char="•"/>
             </a:pPr>
             <a:r>
               <a:rPr lang="en-US" sz="2000" dirty="0">
@@ -9931,12 +10564,14 @@
                 <a:latin typeface="Arial" panose="020B0604020202020204" pitchFamily="34" charset="0"/>
                 <a:cs typeface="Arial" panose="020B0604020202020204" pitchFamily="34" charset="0"/>
               </a:rPr>
-              <a:t>Batch size {32, 64}, batch size is the number of samples that are passed through the model before the model is updated. The size of a batch must be less than the number of samples in the training dataset.</a:t>
-            </a:r>
-          </a:p>
-          <a:p>
-            <a:pPr marL="0" indent="0" algn="l" rtl="0">
-              <a:buNone/>
+              <a:t>54713 files    </a:t>
+            </a:r>
+          </a:p>
+          <a:p>
+            <a:pPr marL="742950" lvl="2" indent="-342900" algn="l" rtl="0">
+              <a:buSzPct val="160000"/>
+              <a:buFont typeface="Arial" panose="020B0604020202020204" pitchFamily="34" charset="0"/>
+              <a:buChar char="•"/>
             </a:pPr>
             <a:r>
               <a:rPr lang="en-US" sz="2000" dirty="0">
@@ -9946,7 +10581,75 @@
                 <a:latin typeface="Arial" panose="020B0604020202020204" pitchFamily="34" charset="0"/>
                 <a:cs typeface="Arial" panose="020B0604020202020204" pitchFamily="34" charset="0"/>
               </a:rPr>
-              <a:t>Dropout {0.2-0.5} Dropout is a technique where randomly selected neurons are ignored during training. They are “dropped out” randomly. Dropout helps combat overfitting of the model</a:t>
+              <a:t>size of 314.72gb </a:t>
+            </a:r>
+          </a:p>
+          <a:p>
+            <a:pPr marL="742950" lvl="2" indent="-342900" algn="l" rtl="0">
+              <a:buSzPct val="160000"/>
+              <a:buFont typeface="Arial" panose="020B0604020202020204" pitchFamily="34" charset="0"/>
+              <a:buChar char="•"/>
+            </a:pPr>
+            <a:r>
+              <a:rPr lang="en-US" sz="2000" dirty="0">
+                <a:solidFill>
+                  <a:schemeClr val="tx1"/>
+                </a:solidFill>
+                <a:latin typeface="Arial" panose="020B0604020202020204" pitchFamily="34" charset="0"/>
+                <a:cs typeface="Arial" panose="020B0604020202020204" pitchFamily="34" charset="0"/>
+              </a:rPr>
+              <a:t>roughly 8,000 patients in the hidden test set (there are usually but not always 4 images per patient).</a:t>
+            </a:r>
+          </a:p>
+          <a:p>
+            <a:pPr marL="742950" lvl="2" indent="-342900" algn="l" rtl="0">
+              <a:buSzPct val="160000"/>
+              <a:buFont typeface="Arial" panose="020B0604020202020204" pitchFamily="34" charset="0"/>
+              <a:buChar char="•"/>
+            </a:pPr>
+            <a:r>
+              <a:rPr lang="en-US" sz="2000" dirty="0">
+                <a:solidFill>
+                  <a:schemeClr val="tx1"/>
+                </a:solidFill>
+                <a:latin typeface="Arial" panose="020B0604020202020204" pitchFamily="34" charset="0"/>
+                <a:cs typeface="Arial" panose="020B0604020202020204" pitchFamily="34" charset="0"/>
+              </a:rPr>
+              <a:t>Contains the following labels:</a:t>
+            </a:r>
+          </a:p>
+          <a:p>
+            <a:pPr lvl="2" algn="l" rtl="0">
+              <a:buSzPct val="100000"/>
+              <a:buFont typeface="Arial" panose="020B0604020202020204" pitchFamily="34" charset="0"/>
+              <a:buChar char="•"/>
+            </a:pPr>
+            <a:r>
+              <a:rPr lang="en-US" sz="2000" dirty="0">
+                <a:solidFill>
+                  <a:schemeClr val="tx1"/>
+                </a:solidFill>
+                <a:latin typeface="Arial" panose="020B0604020202020204" pitchFamily="34" charset="0"/>
+                <a:cs typeface="Arial" panose="020B0604020202020204" pitchFamily="34" charset="0"/>
+              </a:rPr>
+              <a:t>cancer - Whether or not the breast was positive for malignant cancer.</a:t>
+            </a:r>
+          </a:p>
+          <a:p>
+            <a:pPr lvl="2" algn="l" rtl="0">
+              <a:buSzPct val="100000"/>
+              <a:buFont typeface="Arial" panose="020B0604020202020204" pitchFamily="34" charset="0"/>
+              <a:buChar char="•"/>
+            </a:pPr>
+            <a:r>
+              <a:rPr lang="en-US" sz="2000" dirty="0">
+                <a:solidFill>
+                  <a:schemeClr val="tx1"/>
+                </a:solidFill>
+                <a:latin typeface="Arial" panose="020B0604020202020204" pitchFamily="34" charset="0"/>
+                <a:cs typeface="Arial" panose="020B0604020202020204" pitchFamily="34" charset="0"/>
+              </a:rPr>
+              <a:t>invasive - If the breast is positive for cancer, whether or not the cancer proved to be invasive. </a:t>
             </a:r>
             <a:br>
               <a:rPr lang="en-US" sz="2000" dirty="0">
@@ -10030,7 +10733,7 @@
           <p:cNvPr id="5" name="מציין מיקום של מספר שקופית 1">
             <a:extLst>
               <a:ext uri="{FF2B5EF4-FFF2-40B4-BE49-F238E27FC236}">
-                <a16:creationId xmlns:a16="http://schemas.microsoft.com/office/drawing/2014/main" id="{26183483-AE2E-7DA4-F844-431F2B8F2832}"/>
+                <a16:creationId xmlns:a16="http://schemas.microsoft.com/office/drawing/2014/main" id="{E1D72B9D-6FC6-6019-2A48-7B9DC1534D5F}"/>
               </a:ext>
             </a:extLst>
           </p:cNvPr>
@@ -10041,8 +10744,8 @@
         </p:nvSpPr>
         <p:spPr>
           <a:xfrm>
-            <a:off x="11059927" y="6492875"/>
-            <a:ext cx="683339" cy="365125"/>
+            <a:off x="11059928" y="6498581"/>
+            <a:ext cx="683339" cy="359419"/>
           </a:xfrm>
           <a:prstGeom prst="rect">
             <a:avLst/>
@@ -10164,7 +10867,7 @@
     </p:spTree>
     <p:extLst>
       <p:ext uri="{BB962C8B-B14F-4D97-AF65-F5344CB8AC3E}">
-        <p14:creationId xmlns:p14="http://schemas.microsoft.com/office/powerpoint/2010/main" val="3199272465"/>
+        <p14:creationId xmlns:p14="http://schemas.microsoft.com/office/powerpoint/2010/main" val="796343532"/>
       </p:ext>
     </p:extLst>
   </p:cSld>
@@ -10322,7 +11025,7 @@
                 <a:latin typeface="Arial" panose="020B0604020202020204" pitchFamily="34" charset="0"/>
                 <a:cs typeface="Arial" panose="020B0604020202020204" pitchFamily="34" charset="0"/>
               </a:rPr>
-              <a:t>Diagrams</a:t>
+              <a:t>RSNA</a:t>
             </a:r>
             <a:endParaRPr lang="he-IL" sz="4000" dirty="0">
               <a:latin typeface="Arial" panose="020B0604020202020204" pitchFamily="34" charset="0"/>
@@ -10449,10 +11152,10 @@
       </p:sp>
       <p:pic>
         <p:nvPicPr>
-          <p:cNvPr id="4" name="Content Placeholder 3">
+          <p:cNvPr id="9" name="מציין מיקום תוכן 8">
             <a:extLst>
               <a:ext uri="{FF2B5EF4-FFF2-40B4-BE49-F238E27FC236}">
-                <a16:creationId xmlns:a16="http://schemas.microsoft.com/office/drawing/2014/main" id="{809E897D-B03D-6F2E-2224-1A10EB4A0B3E}"/>
+                <a16:creationId xmlns:a16="http://schemas.microsoft.com/office/drawing/2014/main" id="{9747C6C9-4DC3-A104-9E09-E34F6EE79369}"/>
               </a:ext>
             </a:extLst>
           </p:cNvPr>
@@ -10464,153 +11167,24 @@
           </p:nvPr>
         </p:nvPicPr>
         <p:blipFill>
-          <a:blip r:embed="rId2">
-            <a:extLst>
-              <a:ext uri="{28A0092B-C50C-407E-A947-70E740481C1C}">
-                <a14:useLocalDpi xmlns:a14="http://schemas.microsoft.com/office/drawing/2010/main" val="0"/>
-              </a:ext>
-            </a:extLst>
-          </a:blip>
+          <a:blip r:embed="rId2"/>
           <a:stretch>
             <a:fillRect/>
           </a:stretch>
         </p:blipFill>
         <p:spPr>
           <a:xfrm>
-            <a:off x="5601253" y="2046377"/>
-            <a:ext cx="6142014" cy="4781550"/>
+            <a:off x="1479319" y="1170792"/>
+            <a:ext cx="9359697" cy="5116106"/>
           </a:xfrm>
-          <a:prstGeom prst="rect">
-            <a:avLst/>
-          </a:prstGeom>
         </p:spPr>
       </p:pic>
-      <p:pic>
-        <p:nvPicPr>
-          <p:cNvPr id="5" name="Picture 4">
+      <p:sp>
+        <p:nvSpPr>
+          <p:cNvPr id="3" name="מציין מיקום של מספר שקופית 1">
             <a:extLst>
               <a:ext uri="{FF2B5EF4-FFF2-40B4-BE49-F238E27FC236}">
-                <a16:creationId xmlns:a16="http://schemas.microsoft.com/office/drawing/2014/main" id="{79073C6F-B326-E14D-0AA2-F0C25740C0A8}"/>
-              </a:ext>
-            </a:extLst>
-          </p:cNvPr>
-          <p:cNvPicPr>
-            <a:picLocks noChangeAspect="1"/>
-          </p:cNvPicPr>
-          <p:nvPr/>
-        </p:nvPicPr>
-        <p:blipFill>
-          <a:blip r:embed="rId3">
-            <a:extLst>
-              <a:ext uri="{28A0092B-C50C-407E-A947-70E740481C1C}">
-                <a14:useLocalDpi xmlns:a14="http://schemas.microsoft.com/office/drawing/2010/main" val="0"/>
-              </a:ext>
-            </a:extLst>
-          </a:blip>
-          <a:stretch>
-            <a:fillRect/>
-          </a:stretch>
-        </p:blipFill>
-        <p:spPr>
-          <a:xfrm>
-            <a:off x="1369221" y="2452460"/>
-            <a:ext cx="3057525" cy="3969385"/>
-          </a:xfrm>
-          <a:prstGeom prst="rect">
-            <a:avLst/>
-          </a:prstGeom>
-        </p:spPr>
-      </p:pic>
-      <p:sp>
-        <p:nvSpPr>
-          <p:cNvPr id="6" name="TextBox 5">
-            <a:extLst>
-              <a:ext uri="{FF2B5EF4-FFF2-40B4-BE49-F238E27FC236}">
-                <a16:creationId xmlns:a16="http://schemas.microsoft.com/office/drawing/2014/main" id="{4AB84E7F-073E-4B15-BC83-DDA0EE333F04}"/>
-              </a:ext>
-            </a:extLst>
-          </p:cNvPr>
-          <p:cNvSpPr txBox="1"/>
-          <p:nvPr/>
-        </p:nvSpPr>
-        <p:spPr>
-          <a:xfrm>
-            <a:off x="936964" y="1616196"/>
-            <a:ext cx="3773510" cy="400110"/>
-          </a:xfrm>
-          <a:prstGeom prst="rect">
-            <a:avLst/>
-          </a:prstGeom>
-          <a:noFill/>
-        </p:spPr>
-        <p:txBody>
-          <a:bodyPr wrap="square" rtlCol="1">
-            <a:spAutoFit/>
-          </a:bodyPr>
-          <a:lstStyle/>
-          <a:p>
-            <a:r>
-              <a:rPr lang="en-US" sz="2000" dirty="0">
-                <a:latin typeface="Arial" panose="020B0604020202020204" pitchFamily="34" charset="0"/>
-                <a:cs typeface="Arial" panose="020B0604020202020204" pitchFamily="34" charset="0"/>
-              </a:rPr>
-              <a:t>      Flowchart diagram:</a:t>
-            </a:r>
-            <a:endParaRPr lang="he-IL" sz="2000" dirty="0">
-              <a:latin typeface="Arial" panose="020B0604020202020204" pitchFamily="34" charset="0"/>
-              <a:cs typeface="Arial" panose="020B0604020202020204" pitchFamily="34" charset="0"/>
-            </a:endParaRPr>
-          </a:p>
-        </p:txBody>
-      </p:sp>
-      <p:sp>
-        <p:nvSpPr>
-          <p:cNvPr id="8" name="TextBox 7">
-            <a:extLst>
-              <a:ext uri="{FF2B5EF4-FFF2-40B4-BE49-F238E27FC236}">
-                <a16:creationId xmlns:a16="http://schemas.microsoft.com/office/drawing/2014/main" id="{2AE0A272-21DA-E1AC-76FB-7E6607441349}"/>
-              </a:ext>
-            </a:extLst>
-          </p:cNvPr>
-          <p:cNvSpPr txBox="1"/>
-          <p:nvPr/>
-        </p:nvSpPr>
-        <p:spPr>
-          <a:xfrm>
-            <a:off x="7551311" y="1612854"/>
-            <a:ext cx="3773510" cy="400110"/>
-          </a:xfrm>
-          <a:prstGeom prst="rect">
-            <a:avLst/>
-          </a:prstGeom>
-          <a:noFill/>
-        </p:spPr>
-        <p:txBody>
-          <a:bodyPr wrap="square" rtlCol="1">
-            <a:spAutoFit/>
-          </a:bodyPr>
-          <a:lstStyle/>
-          <a:p>
-            <a:r>
-              <a:rPr lang="en-US" sz="2000" dirty="0">
-                <a:latin typeface="Arial" panose="020B0604020202020204" pitchFamily="34" charset="0"/>
-                <a:cs typeface="Arial" panose="020B0604020202020204" pitchFamily="34" charset="0"/>
-              </a:rPr>
-              <a:t>Sequence diagram:</a:t>
-            </a:r>
-            <a:endParaRPr lang="he-IL" sz="2000" dirty="0">
-              <a:latin typeface="Arial" panose="020B0604020202020204" pitchFamily="34" charset="0"/>
-              <a:cs typeface="Arial" panose="020B0604020202020204" pitchFamily="34" charset="0"/>
-            </a:endParaRPr>
-          </a:p>
-        </p:txBody>
-      </p:sp>
-      <p:sp>
-        <p:nvSpPr>
-          <p:cNvPr id="7" name="מציין מיקום של מספר שקופית 1">
-            <a:extLst>
-              <a:ext uri="{FF2B5EF4-FFF2-40B4-BE49-F238E27FC236}">
-                <a16:creationId xmlns:a16="http://schemas.microsoft.com/office/drawing/2014/main" id="{FABBD92E-9872-BF6C-18A4-42B53AFE63B3}"/>
+                <a16:creationId xmlns:a16="http://schemas.microsoft.com/office/drawing/2014/main" id="{356378E0-FDA0-D3BF-7139-5E61EC8138ED}"/>
               </a:ext>
             </a:extLst>
           </p:cNvPr>
@@ -10621,7 +11195,7 @@
         </p:nvSpPr>
         <p:spPr>
           <a:xfrm>
-            <a:off x="10983151" y="6492875"/>
+            <a:off x="11059927" y="6492875"/>
             <a:ext cx="683339" cy="365125"/>
           </a:xfrm>
           <a:prstGeom prst="rect">
@@ -10744,7 +11318,7 @@
     </p:spTree>
     <p:extLst>
       <p:ext uri="{BB962C8B-B14F-4D97-AF65-F5344CB8AC3E}">
-        <p14:creationId xmlns:p14="http://schemas.microsoft.com/office/powerpoint/2010/main" val="2422609937"/>
+        <p14:creationId xmlns:p14="http://schemas.microsoft.com/office/powerpoint/2010/main" val="2359142417"/>
       </p:ext>
     </p:extLst>
   </p:cSld>
@@ -10902,12 +11476,8 @@
                 <a:latin typeface="Arial" panose="020B0604020202020204" pitchFamily="34" charset="0"/>
                 <a:cs typeface="Arial" panose="020B0604020202020204" pitchFamily="34" charset="0"/>
               </a:rPr>
-              <a:t>GUI </a:t>
-            </a:r>
-            <a:endParaRPr lang="he-IL" sz="4000" dirty="0">
-              <a:latin typeface="Arial" panose="020B0604020202020204" pitchFamily="34" charset="0"/>
-              <a:cs typeface="Arial" panose="020B0604020202020204" pitchFamily="34" charset="0"/>
-            </a:endParaRPr>
+              <a:t>Researched hyperparameters</a:t>
+            </a:r>
           </a:p>
         </p:txBody>
       </p:sp>
@@ -10971,6 +11541,198 @@
       </p:sp>
       <p:sp>
         <p:nvSpPr>
+          <p:cNvPr id="3" name="מציין מיקום תוכן 2">
+            <a:extLst>
+              <a:ext uri="{FF2B5EF4-FFF2-40B4-BE49-F238E27FC236}">
+                <a16:creationId xmlns:a16="http://schemas.microsoft.com/office/drawing/2014/main" id="{E63CB9F7-1BEA-5E29-A0FC-A93719833515}"/>
+              </a:ext>
+            </a:extLst>
+          </p:cNvPr>
+          <p:cNvSpPr>
+            <a:spLocks noGrp="1"/>
+          </p:cNvSpPr>
+          <p:nvPr>
+            <p:ph idx="1"/>
+          </p:nvPr>
+        </p:nvSpPr>
+        <p:spPr>
+          <a:xfrm>
+            <a:off x="1304447" y="1360080"/>
+            <a:ext cx="9819603" cy="4833552"/>
+          </a:xfrm>
+        </p:spPr>
+        <p:txBody>
+          <a:bodyPr>
+            <a:normAutofit lnSpcReduction="10000"/>
+          </a:bodyPr>
+          <a:lstStyle/>
+          <a:p>
+            <a:pPr algn="l" rtl="0">
+              <a:buSzPct val="120000"/>
+              <a:buFont typeface="Arial" panose="020B0604020202020204" pitchFamily="34" charset="0"/>
+              <a:buChar char="•"/>
+            </a:pPr>
+            <a:r>
+              <a:rPr lang="en-US" sz="2000" b="1" dirty="0">
+                <a:solidFill>
+                  <a:schemeClr val="tx1"/>
+                </a:solidFill>
+                <a:latin typeface="Arial" panose="020B0604020202020204" pitchFamily="34" charset="0"/>
+                <a:cs typeface="Arial" panose="020B0604020202020204" pitchFamily="34" charset="0"/>
+              </a:rPr>
+              <a:t>Learning rate </a:t>
+            </a:r>
+            <a:r>
+              <a:rPr lang="en-US" sz="2000" dirty="0">
+                <a:solidFill>
+                  <a:schemeClr val="tx1"/>
+                </a:solidFill>
+                <a:latin typeface="Arial" panose="020B0604020202020204" pitchFamily="34" charset="0"/>
+                <a:cs typeface="Arial" panose="020B0604020202020204" pitchFamily="34" charset="0"/>
+              </a:rPr>
+              <a:t>{0.1 – 0.000001}, learning rate determines the step size at each iteration while moving toward a minimum of a loss function.</a:t>
+            </a:r>
+          </a:p>
+          <a:p>
+            <a:pPr marL="0" indent="0" algn="l" rtl="0">
+              <a:buSzPct val="120000"/>
+              <a:buNone/>
+            </a:pPr>
+            <a:endParaRPr lang="en-US" sz="2000" dirty="0">
+              <a:solidFill>
+                <a:schemeClr val="tx1"/>
+              </a:solidFill>
+              <a:latin typeface="Arial" panose="020B0604020202020204" pitchFamily="34" charset="0"/>
+              <a:cs typeface="Arial" panose="020B0604020202020204" pitchFamily="34" charset="0"/>
+            </a:endParaRPr>
+          </a:p>
+          <a:p>
+            <a:pPr algn="l" rtl="0">
+              <a:buSzPct val="120000"/>
+              <a:buFont typeface="Arial" panose="020B0604020202020204" pitchFamily="34" charset="0"/>
+              <a:buChar char="•"/>
+            </a:pPr>
+            <a:r>
+              <a:rPr lang="en-US" sz="2000" b="1" dirty="0">
+                <a:solidFill>
+                  <a:schemeClr val="tx1"/>
+                </a:solidFill>
+                <a:latin typeface="Arial" panose="020B0604020202020204" pitchFamily="34" charset="0"/>
+                <a:cs typeface="Arial" panose="020B0604020202020204" pitchFamily="34" charset="0"/>
+              </a:rPr>
+              <a:t>Epochs</a:t>
+            </a:r>
+            <a:r>
+              <a:rPr lang="en-US" sz="2000" dirty="0">
+                <a:solidFill>
+                  <a:schemeClr val="tx1"/>
+                </a:solidFill>
+                <a:latin typeface="Arial" panose="020B0604020202020204" pitchFamily="34" charset="0"/>
+                <a:cs typeface="Arial" panose="020B0604020202020204" pitchFamily="34" charset="0"/>
+              </a:rPr>
+              <a:t> {10, 50, 250},  specifies the number of epochs or full passes of the entire training dataset through the algorithm’s training or learning process.</a:t>
+            </a:r>
+          </a:p>
+          <a:p>
+            <a:pPr marL="0" indent="0" algn="l" rtl="0">
+              <a:buSzPct val="120000"/>
+              <a:buNone/>
+            </a:pPr>
+            <a:endParaRPr lang="en-US" sz="2000" dirty="0">
+              <a:solidFill>
+                <a:schemeClr val="tx1"/>
+              </a:solidFill>
+              <a:latin typeface="Arial" panose="020B0604020202020204" pitchFamily="34" charset="0"/>
+              <a:cs typeface="Arial" panose="020B0604020202020204" pitchFamily="34" charset="0"/>
+            </a:endParaRPr>
+          </a:p>
+          <a:p>
+            <a:pPr algn="l" rtl="0">
+              <a:buSzPct val="120000"/>
+              <a:buFont typeface="Arial" panose="020B0604020202020204" pitchFamily="34" charset="0"/>
+              <a:buChar char="•"/>
+            </a:pPr>
+            <a:r>
+              <a:rPr lang="en-US" sz="2000" b="1" dirty="0">
+                <a:solidFill>
+                  <a:schemeClr val="tx1"/>
+                </a:solidFill>
+                <a:latin typeface="Arial" panose="020B0604020202020204" pitchFamily="34" charset="0"/>
+                <a:cs typeface="Arial" panose="020B0604020202020204" pitchFamily="34" charset="0"/>
+              </a:rPr>
+              <a:t>Batch size </a:t>
+            </a:r>
+            <a:r>
+              <a:rPr lang="en-US" sz="2000" dirty="0">
+                <a:solidFill>
+                  <a:schemeClr val="tx1"/>
+                </a:solidFill>
+                <a:latin typeface="Arial" panose="020B0604020202020204" pitchFamily="34" charset="0"/>
+                <a:cs typeface="Arial" panose="020B0604020202020204" pitchFamily="34" charset="0"/>
+              </a:rPr>
+              <a:t>{32, 64}, batch size is the number of samples that are passed through the model before the model is updated. The size of a batch must be less than the number of samples in the training dataset.</a:t>
+            </a:r>
+          </a:p>
+          <a:p>
+            <a:pPr marL="0" indent="0" algn="l" rtl="0">
+              <a:buSzPct val="120000"/>
+              <a:buNone/>
+            </a:pPr>
+            <a:endParaRPr lang="en-US" sz="2000" dirty="0">
+              <a:solidFill>
+                <a:schemeClr val="tx1"/>
+              </a:solidFill>
+              <a:latin typeface="Arial" panose="020B0604020202020204" pitchFamily="34" charset="0"/>
+              <a:cs typeface="Arial" panose="020B0604020202020204" pitchFamily="34" charset="0"/>
+            </a:endParaRPr>
+          </a:p>
+          <a:p>
+            <a:pPr algn="l" rtl="0">
+              <a:buSzPct val="120000"/>
+              <a:buFont typeface="Arial" panose="020B0604020202020204" pitchFamily="34" charset="0"/>
+              <a:buChar char="•"/>
+            </a:pPr>
+            <a:r>
+              <a:rPr lang="en-US" sz="2000" b="1" dirty="0">
+                <a:solidFill>
+                  <a:schemeClr val="tx1"/>
+                </a:solidFill>
+                <a:latin typeface="Arial" panose="020B0604020202020204" pitchFamily="34" charset="0"/>
+                <a:cs typeface="Arial" panose="020B0604020202020204" pitchFamily="34" charset="0"/>
+              </a:rPr>
+              <a:t>Dropout</a:t>
+            </a:r>
+            <a:r>
+              <a:rPr lang="en-US" sz="2000" dirty="0">
+                <a:solidFill>
+                  <a:schemeClr val="tx1"/>
+                </a:solidFill>
+                <a:latin typeface="Arial" panose="020B0604020202020204" pitchFamily="34" charset="0"/>
+                <a:cs typeface="Arial" panose="020B0604020202020204" pitchFamily="34" charset="0"/>
+              </a:rPr>
+              <a:t> {0.2-0.5} Dropout is a technique where randomly selected neurons are ignored during training. They are “dropped out” randomly. Dropout helps combat overfitting of the model</a:t>
+            </a:r>
+            <a:br>
+              <a:rPr lang="en-US" sz="2000" dirty="0">
+                <a:solidFill>
+                  <a:schemeClr val="tx1"/>
+                </a:solidFill>
+                <a:latin typeface="Arial" panose="020B0604020202020204" pitchFamily="34" charset="0"/>
+                <a:cs typeface="Arial" panose="020B0604020202020204" pitchFamily="34" charset="0"/>
+              </a:rPr>
+            </a:br>
+            <a:endParaRPr lang="en-US" sz="2000" dirty="0">
+              <a:solidFill>
+                <a:schemeClr val="tx1"/>
+              </a:solidFill>
+              <a:latin typeface="Arial" panose="020B0604020202020204" pitchFamily="34" charset="0"/>
+              <a:cs typeface="Arial" panose="020B0604020202020204" pitchFamily="34" charset="0"/>
+            </a:endParaRPr>
+          </a:p>
+        </p:txBody>
+      </p:sp>
+      <p:sp>
+        <p:nvSpPr>
           <p:cNvPr id="37" name="Isosceles Triangle 36">
             <a:extLst>
               <a:ext uri="{FF2B5EF4-FFF2-40B4-BE49-F238E27FC236}">
@@ -11027,53 +11789,12 @@
           </a:fontRef>
         </p:style>
       </p:sp>
-      <p:pic>
-        <p:nvPicPr>
-          <p:cNvPr id="9" name="Picture 8">
+      <p:sp>
+        <p:nvSpPr>
+          <p:cNvPr id="5" name="מציין מיקום של מספר שקופית 1">
             <a:extLst>
               <a:ext uri="{FF2B5EF4-FFF2-40B4-BE49-F238E27FC236}">
-                <a16:creationId xmlns:a16="http://schemas.microsoft.com/office/drawing/2014/main" id="{F925EFE4-BC37-B878-83A7-877CCA701E51}"/>
-              </a:ext>
-            </a:extLst>
-          </p:cNvPr>
-          <p:cNvPicPr>
-            <a:picLocks noChangeAspect="1"/>
-          </p:cNvPicPr>
-          <p:nvPr/>
-        </p:nvPicPr>
-        <p:blipFill>
-          <a:blip r:embed="rId2" cstate="print">
-            <a:extLst>
-              <a:ext uri="{28A0092B-C50C-407E-A947-70E740481C1C}">
-                <a14:useLocalDpi xmlns:a14="http://schemas.microsoft.com/office/drawing/2010/main" val="0"/>
-              </a:ext>
-            </a:extLst>
-          </a:blip>
-          <a:srcRect/>
-          <a:stretch>
-            <a:fillRect/>
-          </a:stretch>
-        </p:blipFill>
-        <p:spPr bwMode="auto">
-          <a:xfrm>
-            <a:off x="2142791" y="1136053"/>
-            <a:ext cx="7555001" cy="5422202"/>
-          </a:xfrm>
-          <a:prstGeom prst="rect">
-            <a:avLst/>
-          </a:prstGeom>
-          <a:noFill/>
-          <a:ln>
-            <a:noFill/>
-          </a:ln>
-        </p:spPr>
-      </p:pic>
-      <p:sp>
-        <p:nvSpPr>
-          <p:cNvPr id="4" name="מציין מיקום של מספר שקופית 1">
-            <a:extLst>
-              <a:ext uri="{FF2B5EF4-FFF2-40B4-BE49-F238E27FC236}">
-                <a16:creationId xmlns:a16="http://schemas.microsoft.com/office/drawing/2014/main" id="{31BF610A-6ED5-07A8-EA45-FFCEB86310E6}"/>
+                <a16:creationId xmlns:a16="http://schemas.microsoft.com/office/drawing/2014/main" id="{26183483-AE2E-7DA4-F844-431F2B8F2832}"/>
               </a:ext>
             </a:extLst>
           </p:cNvPr>
@@ -11084,7 +11805,7 @@
         </p:nvSpPr>
         <p:spPr>
           <a:xfrm>
-            <a:off x="10949096" y="6492875"/>
+            <a:off x="11059927" y="6492875"/>
             <a:ext cx="683339" cy="365125"/>
           </a:xfrm>
           <a:prstGeom prst="rect">
@@ -11207,7 +11928,7 @@
     </p:spTree>
     <p:extLst>
       <p:ext uri="{BB962C8B-B14F-4D97-AF65-F5344CB8AC3E}">
-        <p14:creationId xmlns:p14="http://schemas.microsoft.com/office/powerpoint/2010/main" val="619100196"/>
+        <p14:creationId xmlns:p14="http://schemas.microsoft.com/office/powerpoint/2010/main" val="3199272465"/>
       </p:ext>
     </p:extLst>
   </p:cSld>
@@ -11349,7 +12070,7 @@
         </p:nvSpPr>
         <p:spPr>
           <a:xfrm>
-            <a:off x="1726308" y="310425"/>
+            <a:off x="1694111" y="316864"/>
             <a:ext cx="8596668" cy="1320800"/>
           </a:xfrm>
         </p:spPr>
@@ -11365,7 +12086,7 @@
                 <a:latin typeface="Arial" panose="020B0604020202020204" pitchFamily="34" charset="0"/>
                 <a:cs typeface="Arial" panose="020B0604020202020204" pitchFamily="34" charset="0"/>
               </a:rPr>
-              <a:t>Evaluation </a:t>
+              <a:t>Diagrams</a:t>
             </a:r>
             <a:endParaRPr lang="he-IL" sz="4000" dirty="0">
               <a:latin typeface="Arial" panose="020B0604020202020204" pitchFamily="34" charset="0"/>
@@ -11490,6 +12211,1696 @@
           </a:fontRef>
         </p:style>
       </p:sp>
+      <p:pic>
+        <p:nvPicPr>
+          <p:cNvPr id="4" name="Content Placeholder 3">
+            <a:extLst>
+              <a:ext uri="{FF2B5EF4-FFF2-40B4-BE49-F238E27FC236}">
+                <a16:creationId xmlns:a16="http://schemas.microsoft.com/office/drawing/2014/main" id="{809E897D-B03D-6F2E-2224-1A10EB4A0B3E}"/>
+              </a:ext>
+            </a:extLst>
+          </p:cNvPr>
+          <p:cNvPicPr>
+            <a:picLocks noGrp="1" noChangeAspect="1"/>
+          </p:cNvPicPr>
+          <p:nvPr>
+            <p:ph idx="1"/>
+          </p:nvPr>
+        </p:nvPicPr>
+        <p:blipFill>
+          <a:blip r:embed="rId2">
+            <a:extLst>
+              <a:ext uri="{28A0092B-C50C-407E-A947-70E740481C1C}">
+                <a14:useLocalDpi xmlns:a14="http://schemas.microsoft.com/office/drawing/2010/main" val="0"/>
+              </a:ext>
+            </a:extLst>
+          </a:blip>
+          <a:stretch>
+            <a:fillRect/>
+          </a:stretch>
+        </p:blipFill>
+        <p:spPr>
+          <a:xfrm>
+            <a:off x="5601253" y="2046377"/>
+            <a:ext cx="6142014" cy="4781550"/>
+          </a:xfrm>
+          <a:prstGeom prst="rect">
+            <a:avLst/>
+          </a:prstGeom>
+        </p:spPr>
+      </p:pic>
+      <p:pic>
+        <p:nvPicPr>
+          <p:cNvPr id="5" name="Picture 4">
+            <a:extLst>
+              <a:ext uri="{FF2B5EF4-FFF2-40B4-BE49-F238E27FC236}">
+                <a16:creationId xmlns:a16="http://schemas.microsoft.com/office/drawing/2014/main" id="{79073C6F-B326-E14D-0AA2-F0C25740C0A8}"/>
+              </a:ext>
+            </a:extLst>
+          </p:cNvPr>
+          <p:cNvPicPr>
+            <a:picLocks noChangeAspect="1"/>
+          </p:cNvPicPr>
+          <p:nvPr/>
+        </p:nvPicPr>
+        <p:blipFill>
+          <a:blip r:embed="rId3">
+            <a:extLst>
+              <a:ext uri="{28A0092B-C50C-407E-A947-70E740481C1C}">
+                <a14:useLocalDpi xmlns:a14="http://schemas.microsoft.com/office/drawing/2010/main" val="0"/>
+              </a:ext>
+            </a:extLst>
+          </a:blip>
+          <a:stretch>
+            <a:fillRect/>
+          </a:stretch>
+        </p:blipFill>
+        <p:spPr>
+          <a:xfrm>
+            <a:off x="1369221" y="2452460"/>
+            <a:ext cx="3057525" cy="3969385"/>
+          </a:xfrm>
+          <a:prstGeom prst="rect">
+            <a:avLst/>
+          </a:prstGeom>
+        </p:spPr>
+      </p:pic>
+      <p:sp>
+        <p:nvSpPr>
+          <p:cNvPr id="6" name="TextBox 5">
+            <a:extLst>
+              <a:ext uri="{FF2B5EF4-FFF2-40B4-BE49-F238E27FC236}">
+                <a16:creationId xmlns:a16="http://schemas.microsoft.com/office/drawing/2014/main" id="{4AB84E7F-073E-4B15-BC83-DDA0EE333F04}"/>
+              </a:ext>
+            </a:extLst>
+          </p:cNvPr>
+          <p:cNvSpPr txBox="1"/>
+          <p:nvPr/>
+        </p:nvSpPr>
+        <p:spPr>
+          <a:xfrm>
+            <a:off x="936964" y="1616196"/>
+            <a:ext cx="3773510" cy="400110"/>
+          </a:xfrm>
+          <a:prstGeom prst="rect">
+            <a:avLst/>
+          </a:prstGeom>
+          <a:noFill/>
+        </p:spPr>
+        <p:txBody>
+          <a:bodyPr wrap="square" rtlCol="1">
+            <a:spAutoFit/>
+          </a:bodyPr>
+          <a:lstStyle/>
+          <a:p>
+            <a:r>
+              <a:rPr lang="en-US" sz="2000" dirty="0">
+                <a:latin typeface="Arial" panose="020B0604020202020204" pitchFamily="34" charset="0"/>
+                <a:cs typeface="Arial" panose="020B0604020202020204" pitchFamily="34" charset="0"/>
+              </a:rPr>
+              <a:t>      Flowchart diagram:</a:t>
+            </a:r>
+            <a:endParaRPr lang="he-IL" sz="2000" dirty="0">
+              <a:latin typeface="Arial" panose="020B0604020202020204" pitchFamily="34" charset="0"/>
+              <a:cs typeface="Arial" panose="020B0604020202020204" pitchFamily="34" charset="0"/>
+            </a:endParaRPr>
+          </a:p>
+        </p:txBody>
+      </p:sp>
+      <p:sp>
+        <p:nvSpPr>
+          <p:cNvPr id="8" name="TextBox 7">
+            <a:extLst>
+              <a:ext uri="{FF2B5EF4-FFF2-40B4-BE49-F238E27FC236}">
+                <a16:creationId xmlns:a16="http://schemas.microsoft.com/office/drawing/2014/main" id="{2AE0A272-21DA-E1AC-76FB-7E6607441349}"/>
+              </a:ext>
+            </a:extLst>
+          </p:cNvPr>
+          <p:cNvSpPr txBox="1"/>
+          <p:nvPr/>
+        </p:nvSpPr>
+        <p:spPr>
+          <a:xfrm>
+            <a:off x="7551311" y="1612854"/>
+            <a:ext cx="3773510" cy="400110"/>
+          </a:xfrm>
+          <a:prstGeom prst="rect">
+            <a:avLst/>
+          </a:prstGeom>
+          <a:noFill/>
+        </p:spPr>
+        <p:txBody>
+          <a:bodyPr wrap="square" rtlCol="1">
+            <a:spAutoFit/>
+          </a:bodyPr>
+          <a:lstStyle/>
+          <a:p>
+            <a:r>
+              <a:rPr lang="en-US" sz="2000" dirty="0">
+                <a:latin typeface="Arial" panose="020B0604020202020204" pitchFamily="34" charset="0"/>
+                <a:cs typeface="Arial" panose="020B0604020202020204" pitchFamily="34" charset="0"/>
+              </a:rPr>
+              <a:t>Sequence diagram:</a:t>
+            </a:r>
+            <a:endParaRPr lang="he-IL" sz="2000" dirty="0">
+              <a:latin typeface="Arial" panose="020B0604020202020204" pitchFamily="34" charset="0"/>
+              <a:cs typeface="Arial" panose="020B0604020202020204" pitchFamily="34" charset="0"/>
+            </a:endParaRPr>
+          </a:p>
+        </p:txBody>
+      </p:sp>
+      <p:sp>
+        <p:nvSpPr>
+          <p:cNvPr id="7" name="מציין מיקום של מספר שקופית 1">
+            <a:extLst>
+              <a:ext uri="{FF2B5EF4-FFF2-40B4-BE49-F238E27FC236}">
+                <a16:creationId xmlns:a16="http://schemas.microsoft.com/office/drawing/2014/main" id="{FABBD92E-9872-BF6C-18A4-42B53AFE63B3}"/>
+              </a:ext>
+            </a:extLst>
+          </p:cNvPr>
+          <p:cNvSpPr txBox="1">
+            <a:spLocks/>
+          </p:cNvSpPr>
+          <p:nvPr/>
+        </p:nvSpPr>
+        <p:spPr>
+          <a:xfrm>
+            <a:off x="10983151" y="6492875"/>
+            <a:ext cx="683339" cy="365125"/>
+          </a:xfrm>
+          <a:prstGeom prst="rect">
+            <a:avLst/>
+          </a:prstGeom>
+        </p:spPr>
+        <p:txBody>
+          <a:bodyPr vert="horz" lIns="91440" tIns="45720" rIns="91440" bIns="45720" rtlCol="0" anchor="ctr"/>
+          <a:lstStyle>
+            <a:defPPr>
+              <a:defRPr lang="en-US"/>
+            </a:defPPr>
+            <a:lvl1pPr marL="0" algn="r" defTabSz="457200" rtl="0" eaLnBrk="1" latinLnBrk="0" hangingPunct="1">
+              <a:defRPr sz="900" kern="1200">
+                <a:solidFill>
+                  <a:schemeClr val="accent1"/>
+                </a:solidFill>
+                <a:latin typeface="+mn-lt"/>
+                <a:ea typeface="+mn-ea"/>
+                <a:cs typeface="+mn-cs"/>
+              </a:defRPr>
+            </a:lvl1pPr>
+            <a:lvl2pPr marL="457200" algn="l" defTabSz="457200" rtl="0" eaLnBrk="1" latinLnBrk="0" hangingPunct="1">
+              <a:defRPr sz="1800" kern="1200">
+                <a:solidFill>
+                  <a:schemeClr val="tx1"/>
+                </a:solidFill>
+                <a:latin typeface="+mn-lt"/>
+                <a:ea typeface="+mn-ea"/>
+                <a:cs typeface="+mn-cs"/>
+              </a:defRPr>
+            </a:lvl2pPr>
+            <a:lvl3pPr marL="914400" algn="l" defTabSz="457200" rtl="0" eaLnBrk="1" latinLnBrk="0" hangingPunct="1">
+              <a:defRPr sz="1800" kern="1200">
+                <a:solidFill>
+                  <a:schemeClr val="tx1"/>
+                </a:solidFill>
+                <a:latin typeface="+mn-lt"/>
+                <a:ea typeface="+mn-ea"/>
+                <a:cs typeface="+mn-cs"/>
+              </a:defRPr>
+            </a:lvl3pPr>
+            <a:lvl4pPr marL="1371600" algn="l" defTabSz="457200" rtl="0" eaLnBrk="1" latinLnBrk="0" hangingPunct="1">
+              <a:defRPr sz="1800" kern="1200">
+                <a:solidFill>
+                  <a:schemeClr val="tx1"/>
+                </a:solidFill>
+                <a:latin typeface="+mn-lt"/>
+                <a:ea typeface="+mn-ea"/>
+                <a:cs typeface="+mn-cs"/>
+              </a:defRPr>
+            </a:lvl4pPr>
+            <a:lvl5pPr marL="1828800" algn="l" defTabSz="457200" rtl="0" eaLnBrk="1" latinLnBrk="0" hangingPunct="1">
+              <a:defRPr sz="1800" kern="1200">
+                <a:solidFill>
+                  <a:schemeClr val="tx1"/>
+                </a:solidFill>
+                <a:latin typeface="+mn-lt"/>
+                <a:ea typeface="+mn-ea"/>
+                <a:cs typeface="+mn-cs"/>
+              </a:defRPr>
+            </a:lvl5pPr>
+            <a:lvl6pPr marL="2286000" algn="l" defTabSz="457200" rtl="0" eaLnBrk="1" latinLnBrk="0" hangingPunct="1">
+              <a:defRPr sz="1800" kern="1200">
+                <a:solidFill>
+                  <a:schemeClr val="tx1"/>
+                </a:solidFill>
+                <a:latin typeface="+mn-lt"/>
+                <a:ea typeface="+mn-ea"/>
+                <a:cs typeface="+mn-cs"/>
+              </a:defRPr>
+            </a:lvl6pPr>
+            <a:lvl7pPr marL="2743200" algn="l" defTabSz="457200" rtl="0" eaLnBrk="1" latinLnBrk="0" hangingPunct="1">
+              <a:defRPr sz="1800" kern="1200">
+                <a:solidFill>
+                  <a:schemeClr val="tx1"/>
+                </a:solidFill>
+                <a:latin typeface="+mn-lt"/>
+                <a:ea typeface="+mn-ea"/>
+                <a:cs typeface="+mn-cs"/>
+              </a:defRPr>
+            </a:lvl7pPr>
+            <a:lvl8pPr marL="3200400" algn="l" defTabSz="457200" rtl="0" eaLnBrk="1" latinLnBrk="0" hangingPunct="1">
+              <a:defRPr sz="1800" kern="1200">
+                <a:solidFill>
+                  <a:schemeClr val="tx1"/>
+                </a:solidFill>
+                <a:latin typeface="+mn-lt"/>
+                <a:ea typeface="+mn-ea"/>
+                <a:cs typeface="+mn-cs"/>
+              </a:defRPr>
+            </a:lvl8pPr>
+            <a:lvl9pPr marL="3657600" algn="l" defTabSz="457200" rtl="0" eaLnBrk="1" latinLnBrk="0" hangingPunct="1">
+              <a:defRPr sz="1800" kern="1200">
+                <a:solidFill>
+                  <a:schemeClr val="tx1"/>
+                </a:solidFill>
+                <a:latin typeface="+mn-lt"/>
+                <a:ea typeface="+mn-ea"/>
+                <a:cs typeface="+mn-cs"/>
+              </a:defRPr>
+            </a:lvl9pPr>
+          </a:lstStyle>
+          <a:p>
+            <a:fld id="{FEDBE076-7370-4F39-B8CE-D2BB33626AF3}" type="slidenum">
+              <a:rPr lang="he-IL" sz="1200" smtClean="0">
+                <a:latin typeface="Arial" panose="020B0604020202020204" pitchFamily="34" charset="0"/>
+                <a:cs typeface="Arial" panose="020B0604020202020204" pitchFamily="34" charset="0"/>
+              </a:rPr>
+              <a:pPr/>
+              <a:t>18</a:t>
+            </a:fld>
+            <a:endParaRPr lang="he-IL" sz="1000" dirty="0">
+              <a:latin typeface="Arial" panose="020B0604020202020204" pitchFamily="34" charset="0"/>
+              <a:cs typeface="Arial" panose="020B0604020202020204" pitchFamily="34" charset="0"/>
+            </a:endParaRPr>
+          </a:p>
+        </p:txBody>
+      </p:sp>
+    </p:spTree>
+    <p:extLst>
+      <p:ext uri="{BB962C8B-B14F-4D97-AF65-F5344CB8AC3E}">
+        <p14:creationId xmlns:p14="http://schemas.microsoft.com/office/powerpoint/2010/main" val="2422609937"/>
+      </p:ext>
+    </p:extLst>
+  </p:cSld>
+  <p:clrMapOvr>
+    <a:masterClrMapping/>
+  </p:clrMapOvr>
+</p:sld>
+</file>
+
+<file path=ppt/slides/slide19.xml><?xml version="1.0" encoding="utf-8"?>
+<p:sld xmlns:a="http://schemas.openxmlformats.org/drawingml/2006/main" xmlns:r="http://schemas.openxmlformats.org/officeDocument/2006/relationships" xmlns:p="http://schemas.openxmlformats.org/presentationml/2006/main">
+  <p:cSld>
+    <p:bg>
+      <p:bgPr>
+        <a:solidFill>
+          <a:schemeClr val="bg1"/>
+        </a:solidFill>
+        <a:effectLst/>
+      </p:bgPr>
+    </p:bg>
+    <p:spTree>
+      <p:nvGrpSpPr>
+        <p:cNvPr id="1" name=""/>
+        <p:cNvGrpSpPr/>
+        <p:nvPr/>
+      </p:nvGrpSpPr>
+      <p:grpSpPr>
+        <a:xfrm>
+          <a:off x="0" y="0"/>
+          <a:ext cx="0" cy="0"/>
+          <a:chOff x="0" y="0"/>
+          <a:chExt cx="0" cy="0"/>
+        </a:xfrm>
+      </p:grpSpPr>
+      <p:sp useBgFill="1">
+        <p:nvSpPr>
+          <p:cNvPr id="33" name="Rectangle 32">
+            <a:extLst>
+              <a:ext uri="{FF2B5EF4-FFF2-40B4-BE49-F238E27FC236}">
+                <a16:creationId xmlns:a16="http://schemas.microsoft.com/office/drawing/2014/main" id="{E80B86A7-A1EC-475B-9166-88902B033A38}"/>
+              </a:ext>
+              <a:ext uri="{C183D7F6-B498-43B3-948B-1728B52AA6E4}">
+                <adec:decorative xmlns:adec="http://schemas.microsoft.com/office/drawing/2017/decorative" val="1"/>
+              </a:ext>
+            </a:extLst>
+          </p:cNvPr>
+          <p:cNvSpPr>
+            <a:spLocks noGrp="1" noRot="1" noChangeAspect="1" noMove="1" noResize="1" noEditPoints="1" noAdjustHandles="1" noChangeArrowheads="1" noChangeShapeType="1" noTextEdit="1"/>
+          </p:cNvSpPr>
+          <p:nvPr>
+            <p:extLst>
+              <p:ext uri="{386F3935-93C4-4BCD-93E2-E3B085C9AB24}">
+                <p16:designElem xmlns:p16="http://schemas.microsoft.com/office/powerpoint/2015/main" val="1"/>
+              </p:ext>
+            </p:extLst>
+          </p:nvPr>
+        </p:nvSpPr>
+        <p:spPr>
+          <a:xfrm>
+            <a:off x="0" y="0"/>
+            <a:ext cx="12192000" cy="6858000"/>
+          </a:xfrm>
+          <a:prstGeom prst="rect">
+            <a:avLst/>
+          </a:prstGeom>
+          <a:ln>
+            <a:noFill/>
+          </a:ln>
+        </p:spPr>
+        <p:style>
+          <a:lnRef idx="2">
+            <a:schemeClr val="accent1">
+              <a:shade val="50000"/>
+            </a:schemeClr>
+          </a:lnRef>
+          <a:fillRef idx="1">
+            <a:schemeClr val="accent1"/>
+          </a:fillRef>
+          <a:effectRef idx="0">
+            <a:schemeClr val="accent1"/>
+          </a:effectRef>
+          <a:fontRef idx="minor">
+            <a:schemeClr val="lt1"/>
+          </a:fontRef>
+        </p:style>
+        <p:txBody>
+          <a:bodyPr rtlCol="0" anchor="ctr"/>
+          <a:lstStyle/>
+          <a:p>
+            <a:pPr marL="0" marR="0" lvl="0" indent="0" algn="ctr" defTabSz="457200" rtl="0" eaLnBrk="1" fontAlgn="auto" latinLnBrk="0" hangingPunct="1">
+              <a:lnSpc>
+                <a:spcPct val="100000"/>
+              </a:lnSpc>
+              <a:spcBef>
+                <a:spcPts val="0"/>
+              </a:spcBef>
+              <a:spcAft>
+                <a:spcPts val="0"/>
+              </a:spcAft>
+              <a:buClrTx/>
+              <a:buSzTx/>
+              <a:buFontTx/>
+              <a:buNone/>
+              <a:tabLst/>
+              <a:defRPr/>
+            </a:pPr>
+            <a:endParaRPr kumimoji="0" lang="en-US" sz="1800" b="0" i="0" u="none" strike="noStrike" kern="1200" cap="none" spc="0" normalizeH="0" baseline="0" noProof="0">
+              <a:ln>
+                <a:noFill/>
+              </a:ln>
+              <a:solidFill>
+                <a:prstClr val="white"/>
+              </a:solidFill>
+              <a:effectLst/>
+              <a:uLnTx/>
+              <a:uFillTx/>
+              <a:latin typeface="Trebuchet MS" panose="020B0603020202020204"/>
+              <a:ea typeface="+mn-ea"/>
+              <a:cs typeface="+mn-cs"/>
+            </a:endParaRPr>
+          </a:p>
+        </p:txBody>
+      </p:sp>
+      <p:sp>
+        <p:nvSpPr>
+          <p:cNvPr id="2" name="כותרת 1">
+            <a:extLst>
+              <a:ext uri="{FF2B5EF4-FFF2-40B4-BE49-F238E27FC236}">
+                <a16:creationId xmlns:a16="http://schemas.microsoft.com/office/drawing/2014/main" id="{1ACC9094-DF10-FE2C-933F-47FB37C8A6AB}"/>
+              </a:ext>
+            </a:extLst>
+          </p:cNvPr>
+          <p:cNvSpPr>
+            <a:spLocks noGrp="1"/>
+          </p:cNvSpPr>
+          <p:nvPr>
+            <p:ph type="title"/>
+          </p:nvPr>
+        </p:nvSpPr>
+        <p:spPr>
+          <a:xfrm>
+            <a:off x="1694111" y="316864"/>
+            <a:ext cx="8596668" cy="1320800"/>
+          </a:xfrm>
+        </p:spPr>
+        <p:txBody>
+          <a:bodyPr>
+            <a:normAutofit/>
+          </a:bodyPr>
+          <a:lstStyle/>
+          <a:p>
+            <a:pPr algn="ctr" rtl="0"/>
+            <a:r>
+              <a:rPr lang="en-US" sz="4000" dirty="0">
+                <a:latin typeface="Arial" panose="020B0604020202020204" pitchFamily="34" charset="0"/>
+                <a:cs typeface="Arial" panose="020B0604020202020204" pitchFamily="34" charset="0"/>
+              </a:rPr>
+              <a:t>GUI </a:t>
+            </a:r>
+            <a:endParaRPr lang="he-IL" sz="4000" dirty="0">
+              <a:latin typeface="Arial" panose="020B0604020202020204" pitchFamily="34" charset="0"/>
+              <a:cs typeface="Arial" panose="020B0604020202020204" pitchFamily="34" charset="0"/>
+            </a:endParaRPr>
+          </a:p>
+        </p:txBody>
+      </p:sp>
+      <p:sp>
+        <p:nvSpPr>
+          <p:cNvPr id="35" name="Isosceles Triangle 34">
+            <a:extLst>
+              <a:ext uri="{FF2B5EF4-FFF2-40B4-BE49-F238E27FC236}">
+                <a16:creationId xmlns:a16="http://schemas.microsoft.com/office/drawing/2014/main" id="{C2C29CB1-9F74-4879-A6AF-AEA67B6F1F4D}"/>
+              </a:ext>
+              <a:ext uri="{C183D7F6-B498-43B3-948B-1728B52AA6E4}">
+                <adec:decorative xmlns:adec="http://schemas.microsoft.com/office/drawing/2017/decorative" val="1"/>
+              </a:ext>
+            </a:extLst>
+          </p:cNvPr>
+          <p:cNvSpPr>
+            <a:spLocks noGrp="1" noRot="1" noChangeAspect="1" noMove="1" noResize="1" noEditPoints="1" noAdjustHandles="1" noChangeArrowheads="1" noChangeShapeType="1" noTextEdit="1"/>
+          </p:cNvSpPr>
+          <p:nvPr>
+            <p:extLst>
+              <p:ext uri="{386F3935-93C4-4BCD-93E2-E3B085C9AB24}">
+                <p16:designElem xmlns:p16="http://schemas.microsoft.com/office/powerpoint/2015/main" val="1"/>
+              </p:ext>
+            </p:extLst>
+          </p:nvPr>
+        </p:nvSpPr>
+        <p:spPr>
+          <a:xfrm rot="10800000">
+            <a:off x="0" y="0"/>
+            <a:ext cx="842596" cy="5666154"/>
+          </a:xfrm>
+          <a:prstGeom prst="triangle">
+            <a:avLst>
+              <a:gd name="adj" fmla="val 100000"/>
+            </a:avLst>
+          </a:prstGeom>
+          <a:solidFill>
+            <a:schemeClr val="accent1">
+              <a:alpha val="85000"/>
+            </a:schemeClr>
+          </a:solidFill>
+          <a:ln>
+            <a:noFill/>
+          </a:ln>
+          <a:effectLst/>
+        </p:spPr>
+        <p:style>
+          <a:lnRef idx="1">
+            <a:schemeClr val="accent1"/>
+          </a:lnRef>
+          <a:fillRef idx="3">
+            <a:schemeClr val="accent1"/>
+          </a:fillRef>
+          <a:effectRef idx="2">
+            <a:schemeClr val="accent1"/>
+          </a:effectRef>
+          <a:fontRef idx="minor">
+            <a:schemeClr val="lt1"/>
+          </a:fontRef>
+        </p:style>
+      </p:sp>
+      <p:sp>
+        <p:nvSpPr>
+          <p:cNvPr id="37" name="Isosceles Triangle 36">
+            <a:extLst>
+              <a:ext uri="{FF2B5EF4-FFF2-40B4-BE49-F238E27FC236}">
+                <a16:creationId xmlns:a16="http://schemas.microsoft.com/office/drawing/2014/main" id="{7E2C7115-5336-410C-AD71-0F0952A2E5A7}"/>
+              </a:ext>
+              <a:ext uri="{C183D7F6-B498-43B3-948B-1728B52AA6E4}">
+                <adec:decorative xmlns:adec="http://schemas.microsoft.com/office/drawing/2017/decorative" val="1"/>
+              </a:ext>
+            </a:extLst>
+          </p:cNvPr>
+          <p:cNvSpPr>
+            <a:spLocks noGrp="1" noRot="1" noChangeAspect="1" noMove="1" noResize="1" noEditPoints="1" noAdjustHandles="1" noChangeArrowheads="1" noChangeShapeType="1" noTextEdit="1"/>
+          </p:cNvSpPr>
+          <p:nvPr>
+            <p:extLst>
+              <p:ext uri="{386F3935-93C4-4BCD-93E2-E3B085C9AB24}">
+                <p16:designElem xmlns:p16="http://schemas.microsoft.com/office/powerpoint/2015/main" val="1"/>
+              </p:ext>
+            </p:extLst>
+          </p:nvPr>
+        </p:nvSpPr>
+        <p:spPr>
+          <a:xfrm flipH="1">
+            <a:off x="11743267" y="4013200"/>
+            <a:ext cx="448733" cy="2844800"/>
+          </a:xfrm>
+          <a:prstGeom prst="triangle">
+            <a:avLst>
+              <a:gd name="adj" fmla="val 0"/>
+            </a:avLst>
+          </a:prstGeom>
+          <a:solidFill>
+            <a:schemeClr val="accent1">
+              <a:alpha val="85000"/>
+            </a:schemeClr>
+          </a:solidFill>
+          <a:ln>
+            <a:noFill/>
+          </a:ln>
+          <a:effectLst/>
+        </p:spPr>
+        <p:style>
+          <a:lnRef idx="1">
+            <a:schemeClr val="accent1"/>
+          </a:lnRef>
+          <a:fillRef idx="3">
+            <a:schemeClr val="accent1"/>
+          </a:fillRef>
+          <a:effectRef idx="2">
+            <a:schemeClr val="accent1"/>
+          </a:effectRef>
+          <a:fontRef idx="minor">
+            <a:schemeClr val="lt1"/>
+          </a:fontRef>
+        </p:style>
+      </p:sp>
+      <p:pic>
+        <p:nvPicPr>
+          <p:cNvPr id="9" name="Picture 8">
+            <a:extLst>
+              <a:ext uri="{FF2B5EF4-FFF2-40B4-BE49-F238E27FC236}">
+                <a16:creationId xmlns:a16="http://schemas.microsoft.com/office/drawing/2014/main" id="{F925EFE4-BC37-B878-83A7-877CCA701E51}"/>
+              </a:ext>
+            </a:extLst>
+          </p:cNvPr>
+          <p:cNvPicPr>
+            <a:picLocks noChangeAspect="1"/>
+          </p:cNvPicPr>
+          <p:nvPr/>
+        </p:nvPicPr>
+        <p:blipFill>
+          <a:blip r:embed="rId2" cstate="print">
+            <a:extLst>
+              <a:ext uri="{28A0092B-C50C-407E-A947-70E740481C1C}">
+                <a14:useLocalDpi xmlns:a14="http://schemas.microsoft.com/office/drawing/2010/main" val="0"/>
+              </a:ext>
+            </a:extLst>
+          </a:blip>
+          <a:srcRect/>
+          <a:stretch>
+            <a:fillRect/>
+          </a:stretch>
+        </p:blipFill>
+        <p:spPr bwMode="auto">
+          <a:xfrm>
+            <a:off x="2142791" y="1136053"/>
+            <a:ext cx="7555001" cy="5422202"/>
+          </a:xfrm>
+          <a:prstGeom prst="rect">
+            <a:avLst/>
+          </a:prstGeom>
+          <a:noFill/>
+          <a:ln>
+            <a:noFill/>
+          </a:ln>
+        </p:spPr>
+      </p:pic>
+      <p:sp>
+        <p:nvSpPr>
+          <p:cNvPr id="4" name="מציין מיקום של מספר שקופית 1">
+            <a:extLst>
+              <a:ext uri="{FF2B5EF4-FFF2-40B4-BE49-F238E27FC236}">
+                <a16:creationId xmlns:a16="http://schemas.microsoft.com/office/drawing/2014/main" id="{31BF610A-6ED5-07A8-EA45-FFCEB86310E6}"/>
+              </a:ext>
+            </a:extLst>
+          </p:cNvPr>
+          <p:cNvSpPr txBox="1">
+            <a:spLocks/>
+          </p:cNvSpPr>
+          <p:nvPr/>
+        </p:nvSpPr>
+        <p:spPr>
+          <a:xfrm>
+            <a:off x="10949096" y="6492875"/>
+            <a:ext cx="683339" cy="365125"/>
+          </a:xfrm>
+          <a:prstGeom prst="rect">
+            <a:avLst/>
+          </a:prstGeom>
+        </p:spPr>
+        <p:txBody>
+          <a:bodyPr vert="horz" lIns="91440" tIns="45720" rIns="91440" bIns="45720" rtlCol="0" anchor="ctr"/>
+          <a:lstStyle>
+            <a:defPPr>
+              <a:defRPr lang="en-US"/>
+            </a:defPPr>
+            <a:lvl1pPr marL="0" algn="r" defTabSz="457200" rtl="0" eaLnBrk="1" latinLnBrk="0" hangingPunct="1">
+              <a:defRPr sz="900" kern="1200">
+                <a:solidFill>
+                  <a:schemeClr val="accent1"/>
+                </a:solidFill>
+                <a:latin typeface="+mn-lt"/>
+                <a:ea typeface="+mn-ea"/>
+                <a:cs typeface="+mn-cs"/>
+              </a:defRPr>
+            </a:lvl1pPr>
+            <a:lvl2pPr marL="457200" algn="l" defTabSz="457200" rtl="0" eaLnBrk="1" latinLnBrk="0" hangingPunct="1">
+              <a:defRPr sz="1800" kern="1200">
+                <a:solidFill>
+                  <a:schemeClr val="tx1"/>
+                </a:solidFill>
+                <a:latin typeface="+mn-lt"/>
+                <a:ea typeface="+mn-ea"/>
+                <a:cs typeface="+mn-cs"/>
+              </a:defRPr>
+            </a:lvl2pPr>
+            <a:lvl3pPr marL="914400" algn="l" defTabSz="457200" rtl="0" eaLnBrk="1" latinLnBrk="0" hangingPunct="1">
+              <a:defRPr sz="1800" kern="1200">
+                <a:solidFill>
+                  <a:schemeClr val="tx1"/>
+                </a:solidFill>
+                <a:latin typeface="+mn-lt"/>
+                <a:ea typeface="+mn-ea"/>
+                <a:cs typeface="+mn-cs"/>
+              </a:defRPr>
+            </a:lvl3pPr>
+            <a:lvl4pPr marL="1371600" algn="l" defTabSz="457200" rtl="0" eaLnBrk="1" latinLnBrk="0" hangingPunct="1">
+              <a:defRPr sz="1800" kern="1200">
+                <a:solidFill>
+                  <a:schemeClr val="tx1"/>
+                </a:solidFill>
+                <a:latin typeface="+mn-lt"/>
+                <a:ea typeface="+mn-ea"/>
+                <a:cs typeface="+mn-cs"/>
+              </a:defRPr>
+            </a:lvl4pPr>
+            <a:lvl5pPr marL="1828800" algn="l" defTabSz="457200" rtl="0" eaLnBrk="1" latinLnBrk="0" hangingPunct="1">
+              <a:defRPr sz="1800" kern="1200">
+                <a:solidFill>
+                  <a:schemeClr val="tx1"/>
+                </a:solidFill>
+                <a:latin typeface="+mn-lt"/>
+                <a:ea typeface="+mn-ea"/>
+                <a:cs typeface="+mn-cs"/>
+              </a:defRPr>
+            </a:lvl5pPr>
+            <a:lvl6pPr marL="2286000" algn="l" defTabSz="457200" rtl="0" eaLnBrk="1" latinLnBrk="0" hangingPunct="1">
+              <a:defRPr sz="1800" kern="1200">
+                <a:solidFill>
+                  <a:schemeClr val="tx1"/>
+                </a:solidFill>
+                <a:latin typeface="+mn-lt"/>
+                <a:ea typeface="+mn-ea"/>
+                <a:cs typeface="+mn-cs"/>
+              </a:defRPr>
+            </a:lvl6pPr>
+            <a:lvl7pPr marL="2743200" algn="l" defTabSz="457200" rtl="0" eaLnBrk="1" latinLnBrk="0" hangingPunct="1">
+              <a:defRPr sz="1800" kern="1200">
+                <a:solidFill>
+                  <a:schemeClr val="tx1"/>
+                </a:solidFill>
+                <a:latin typeface="+mn-lt"/>
+                <a:ea typeface="+mn-ea"/>
+                <a:cs typeface="+mn-cs"/>
+              </a:defRPr>
+            </a:lvl7pPr>
+            <a:lvl8pPr marL="3200400" algn="l" defTabSz="457200" rtl="0" eaLnBrk="1" latinLnBrk="0" hangingPunct="1">
+              <a:defRPr sz="1800" kern="1200">
+                <a:solidFill>
+                  <a:schemeClr val="tx1"/>
+                </a:solidFill>
+                <a:latin typeface="+mn-lt"/>
+                <a:ea typeface="+mn-ea"/>
+                <a:cs typeface="+mn-cs"/>
+              </a:defRPr>
+            </a:lvl8pPr>
+            <a:lvl9pPr marL="3657600" algn="l" defTabSz="457200" rtl="0" eaLnBrk="1" latinLnBrk="0" hangingPunct="1">
+              <a:defRPr sz="1800" kern="1200">
+                <a:solidFill>
+                  <a:schemeClr val="tx1"/>
+                </a:solidFill>
+                <a:latin typeface="+mn-lt"/>
+                <a:ea typeface="+mn-ea"/>
+                <a:cs typeface="+mn-cs"/>
+              </a:defRPr>
+            </a:lvl9pPr>
+          </a:lstStyle>
+          <a:p>
+            <a:fld id="{FEDBE076-7370-4F39-B8CE-D2BB33626AF3}" type="slidenum">
+              <a:rPr lang="he-IL" sz="1200" smtClean="0">
+                <a:latin typeface="Arial" panose="020B0604020202020204" pitchFamily="34" charset="0"/>
+                <a:cs typeface="Arial" panose="020B0604020202020204" pitchFamily="34" charset="0"/>
+              </a:rPr>
+              <a:pPr/>
+              <a:t>19</a:t>
+            </a:fld>
+            <a:endParaRPr lang="he-IL" sz="1000" dirty="0">
+              <a:latin typeface="Arial" panose="020B0604020202020204" pitchFamily="34" charset="0"/>
+              <a:cs typeface="Arial" panose="020B0604020202020204" pitchFamily="34" charset="0"/>
+            </a:endParaRPr>
+          </a:p>
+        </p:txBody>
+      </p:sp>
+    </p:spTree>
+    <p:extLst>
+      <p:ext uri="{BB962C8B-B14F-4D97-AF65-F5344CB8AC3E}">
+        <p14:creationId xmlns:p14="http://schemas.microsoft.com/office/powerpoint/2010/main" val="619100196"/>
+      </p:ext>
+    </p:extLst>
+  </p:cSld>
+  <p:clrMapOvr>
+    <a:masterClrMapping/>
+  </p:clrMapOvr>
+</p:sld>
+</file>
+
+<file path=ppt/slides/slide2.xml><?xml version="1.0" encoding="utf-8"?>
+<p:sld xmlns:a="http://schemas.openxmlformats.org/drawingml/2006/main" xmlns:r="http://schemas.openxmlformats.org/officeDocument/2006/relationships" xmlns:p="http://schemas.openxmlformats.org/presentationml/2006/main">
+  <p:cSld>
+    <p:bg>
+      <p:bgPr>
+        <a:solidFill>
+          <a:schemeClr val="bg1"/>
+        </a:solidFill>
+        <a:effectLst/>
+      </p:bgPr>
+    </p:bg>
+    <p:spTree>
+      <p:nvGrpSpPr>
+        <p:cNvPr id="1" name=""/>
+        <p:cNvGrpSpPr/>
+        <p:nvPr/>
+      </p:nvGrpSpPr>
+      <p:grpSpPr>
+        <a:xfrm>
+          <a:off x="0" y="0"/>
+          <a:ext cx="0" cy="0"/>
+          <a:chOff x="0" y="0"/>
+          <a:chExt cx="0" cy="0"/>
+        </a:xfrm>
+      </p:grpSpPr>
+      <p:sp useBgFill="1">
+        <p:nvSpPr>
+          <p:cNvPr id="33" name="Rectangle 32">
+            <a:extLst>
+              <a:ext uri="{FF2B5EF4-FFF2-40B4-BE49-F238E27FC236}">
+                <a16:creationId xmlns:a16="http://schemas.microsoft.com/office/drawing/2014/main" id="{E80B86A7-A1EC-475B-9166-88902B033A38}"/>
+              </a:ext>
+              <a:ext uri="{C183D7F6-B498-43B3-948B-1728B52AA6E4}">
+                <adec:decorative xmlns:adec="http://schemas.microsoft.com/office/drawing/2017/decorative" val="1"/>
+              </a:ext>
+            </a:extLst>
+          </p:cNvPr>
+          <p:cNvSpPr>
+            <a:spLocks noGrp="1" noRot="1" noChangeAspect="1" noMove="1" noResize="1" noEditPoints="1" noAdjustHandles="1" noChangeArrowheads="1" noChangeShapeType="1" noTextEdit="1"/>
+          </p:cNvSpPr>
+          <p:nvPr>
+            <p:extLst>
+              <p:ext uri="{386F3935-93C4-4BCD-93E2-E3B085C9AB24}">
+                <p16:designElem xmlns:p16="http://schemas.microsoft.com/office/powerpoint/2015/main" val="1"/>
+              </p:ext>
+            </p:extLst>
+          </p:nvPr>
+        </p:nvSpPr>
+        <p:spPr>
+          <a:xfrm>
+            <a:off x="0" y="0"/>
+            <a:ext cx="12192000" cy="6858000"/>
+          </a:xfrm>
+          <a:prstGeom prst="rect">
+            <a:avLst/>
+          </a:prstGeom>
+          <a:ln>
+            <a:noFill/>
+          </a:ln>
+        </p:spPr>
+        <p:style>
+          <a:lnRef idx="2">
+            <a:schemeClr val="accent1">
+              <a:shade val="50000"/>
+            </a:schemeClr>
+          </a:lnRef>
+          <a:fillRef idx="1">
+            <a:schemeClr val="accent1"/>
+          </a:fillRef>
+          <a:effectRef idx="0">
+            <a:schemeClr val="accent1"/>
+          </a:effectRef>
+          <a:fontRef idx="minor">
+            <a:schemeClr val="lt1"/>
+          </a:fontRef>
+        </p:style>
+        <p:txBody>
+          <a:bodyPr rtlCol="0" anchor="ctr"/>
+          <a:lstStyle/>
+          <a:p>
+            <a:pPr algn="ctr"/>
+            <a:endParaRPr lang="en-US"/>
+          </a:p>
+        </p:txBody>
+      </p:sp>
+      <p:sp>
+        <p:nvSpPr>
+          <p:cNvPr id="2" name="כותרת 1">
+            <a:extLst>
+              <a:ext uri="{FF2B5EF4-FFF2-40B4-BE49-F238E27FC236}">
+                <a16:creationId xmlns:a16="http://schemas.microsoft.com/office/drawing/2014/main" id="{1ACC9094-DF10-FE2C-933F-47FB37C8A6AB}"/>
+              </a:ext>
+            </a:extLst>
+          </p:cNvPr>
+          <p:cNvSpPr>
+            <a:spLocks noGrp="1"/>
+          </p:cNvSpPr>
+          <p:nvPr>
+            <p:ph type="title"/>
+          </p:nvPr>
+        </p:nvSpPr>
+        <p:spPr>
+          <a:xfrm>
+            <a:off x="1565322" y="467932"/>
+            <a:ext cx="8596668" cy="1320800"/>
+          </a:xfrm>
+        </p:spPr>
+        <p:txBody>
+          <a:bodyPr>
+            <a:normAutofit/>
+          </a:bodyPr>
+          <a:lstStyle/>
+          <a:p>
+            <a:pPr algn="ctr" rtl="0"/>
+            <a:r>
+              <a:rPr lang="en-US" sz="4000" dirty="0">
+                <a:latin typeface="Arial" panose="020B0604020202020204" pitchFamily="34" charset="0"/>
+                <a:cs typeface="Arial" panose="020B0604020202020204" pitchFamily="34" charset="0"/>
+              </a:rPr>
+              <a:t>Table of Contents</a:t>
+            </a:r>
+            <a:endParaRPr lang="he-IL" sz="4000" dirty="0">
+              <a:latin typeface="Arial" panose="020B0604020202020204" pitchFamily="34" charset="0"/>
+              <a:cs typeface="Arial" panose="020B0604020202020204" pitchFamily="34" charset="0"/>
+            </a:endParaRPr>
+          </a:p>
+        </p:txBody>
+      </p:sp>
+      <p:sp>
+        <p:nvSpPr>
+          <p:cNvPr id="35" name="Isosceles Triangle 34">
+            <a:extLst>
+              <a:ext uri="{FF2B5EF4-FFF2-40B4-BE49-F238E27FC236}">
+                <a16:creationId xmlns:a16="http://schemas.microsoft.com/office/drawing/2014/main" id="{C2C29CB1-9F74-4879-A6AF-AEA67B6F1F4D}"/>
+              </a:ext>
+              <a:ext uri="{C183D7F6-B498-43B3-948B-1728B52AA6E4}">
+                <adec:decorative xmlns:adec="http://schemas.microsoft.com/office/drawing/2017/decorative" val="1"/>
+              </a:ext>
+            </a:extLst>
+          </p:cNvPr>
+          <p:cNvSpPr>
+            <a:spLocks noGrp="1" noRot="1" noChangeAspect="1" noMove="1" noResize="1" noEditPoints="1" noAdjustHandles="1" noChangeArrowheads="1" noChangeShapeType="1" noTextEdit="1"/>
+          </p:cNvSpPr>
+          <p:nvPr>
+            <p:extLst>
+              <p:ext uri="{386F3935-93C4-4BCD-93E2-E3B085C9AB24}">
+                <p16:designElem xmlns:p16="http://schemas.microsoft.com/office/powerpoint/2015/main" val="1"/>
+              </p:ext>
+            </p:extLst>
+          </p:nvPr>
+        </p:nvSpPr>
+        <p:spPr>
+          <a:xfrm rot="10800000">
+            <a:off x="0" y="0"/>
+            <a:ext cx="842596" cy="5666154"/>
+          </a:xfrm>
+          <a:prstGeom prst="triangle">
+            <a:avLst>
+              <a:gd name="adj" fmla="val 100000"/>
+            </a:avLst>
+          </a:prstGeom>
+          <a:solidFill>
+            <a:schemeClr val="accent1">
+              <a:alpha val="85000"/>
+            </a:schemeClr>
+          </a:solidFill>
+          <a:ln>
+            <a:noFill/>
+          </a:ln>
+          <a:effectLst/>
+        </p:spPr>
+        <p:style>
+          <a:lnRef idx="1">
+            <a:schemeClr val="accent1"/>
+          </a:lnRef>
+          <a:fillRef idx="3">
+            <a:schemeClr val="accent1"/>
+          </a:fillRef>
+          <a:effectRef idx="2">
+            <a:schemeClr val="accent1"/>
+          </a:effectRef>
+          <a:fontRef idx="minor">
+            <a:schemeClr val="lt1"/>
+          </a:fontRef>
+        </p:style>
+      </p:sp>
+      <p:sp>
+        <p:nvSpPr>
+          <p:cNvPr id="3" name="מציין מיקום תוכן 2">
+            <a:extLst>
+              <a:ext uri="{FF2B5EF4-FFF2-40B4-BE49-F238E27FC236}">
+                <a16:creationId xmlns:a16="http://schemas.microsoft.com/office/drawing/2014/main" id="{E63CB9F7-1BEA-5E29-A0FC-A93719833515}"/>
+              </a:ext>
+            </a:extLst>
+          </p:cNvPr>
+          <p:cNvSpPr>
+            <a:spLocks noGrp="1"/>
+          </p:cNvSpPr>
+          <p:nvPr>
+            <p:ph idx="1"/>
+          </p:nvPr>
+        </p:nvSpPr>
+        <p:spPr>
+          <a:xfrm>
+            <a:off x="1277677" y="1511909"/>
+            <a:ext cx="9624915" cy="5185925"/>
+          </a:xfrm>
+        </p:spPr>
+        <p:txBody>
+          <a:bodyPr numCol="1">
+            <a:normAutofit fontScale="92500" lnSpcReduction="20000"/>
+          </a:bodyPr>
+          <a:lstStyle/>
+          <a:p>
+            <a:pPr algn="l" rtl="0">
+              <a:buFont typeface="+mj-lt"/>
+              <a:buAutoNum type="arabicPeriod"/>
+            </a:pPr>
+            <a:r>
+              <a:rPr lang="en-US" sz="1700" b="1" dirty="0">
+                <a:latin typeface="Arial" panose="020B0604020202020204" pitchFamily="34" charset="0"/>
+                <a:cs typeface="Arial" panose="020B0604020202020204" pitchFamily="34" charset="0"/>
+              </a:rPr>
+              <a:t>Introduction</a:t>
+            </a:r>
+          </a:p>
+          <a:p>
+            <a:pPr algn="l" rtl="0">
+              <a:buFont typeface="+mj-lt"/>
+              <a:buAutoNum type="arabicPeriod"/>
+            </a:pPr>
+            <a:r>
+              <a:rPr lang="en-US" sz="1700" b="1" dirty="0">
+                <a:latin typeface="Arial" panose="020B0604020202020204" pitchFamily="34" charset="0"/>
+                <a:cs typeface="Arial" panose="020B0604020202020204" pitchFamily="34" charset="0"/>
+              </a:rPr>
+              <a:t>Breast cancer as of today</a:t>
+            </a:r>
+          </a:p>
+          <a:p>
+            <a:pPr algn="l" rtl="0">
+              <a:buFont typeface="+mj-lt"/>
+              <a:buAutoNum type="arabicPeriod"/>
+            </a:pPr>
+            <a:r>
+              <a:rPr lang="en-US" sz="1700" b="1" dirty="0">
+                <a:latin typeface="Arial" panose="020B0604020202020204" pitchFamily="34" charset="0"/>
+                <a:cs typeface="Arial" panose="020B0604020202020204" pitchFamily="34" charset="0"/>
+                <a:sym typeface="Arial"/>
+              </a:rPr>
+              <a:t>Motivation</a:t>
+            </a:r>
+          </a:p>
+          <a:p>
+            <a:pPr algn="l" rtl="0">
+              <a:buFont typeface="+mj-lt"/>
+              <a:buAutoNum type="arabicPeriod"/>
+            </a:pPr>
+            <a:r>
+              <a:rPr lang="en-US" sz="1700" b="1" dirty="0">
+                <a:latin typeface="Arial" panose="020B0604020202020204" pitchFamily="34" charset="0"/>
+                <a:cs typeface="Arial" panose="020B0604020202020204" pitchFamily="34" charset="0"/>
+                <a:sym typeface="Arial"/>
+              </a:rPr>
+              <a:t>Approach to solution</a:t>
+            </a:r>
+          </a:p>
+          <a:p>
+            <a:pPr algn="l" rtl="0">
+              <a:buFont typeface="+mj-lt"/>
+              <a:buAutoNum type="arabicPeriod"/>
+            </a:pPr>
+            <a:r>
+              <a:rPr lang="en-US" sz="1700" b="1" dirty="0">
+                <a:latin typeface="Arial" panose="020B0604020202020204" pitchFamily="34" charset="0"/>
+                <a:cs typeface="Arial" panose="020B0604020202020204" pitchFamily="34" charset="0"/>
+              </a:rPr>
+              <a:t>CNN</a:t>
+            </a:r>
+          </a:p>
+          <a:p>
+            <a:pPr algn="l" rtl="0">
+              <a:buFont typeface="+mj-lt"/>
+              <a:buAutoNum type="arabicPeriod"/>
+            </a:pPr>
+            <a:r>
+              <a:rPr lang="en-US" sz="1700" b="1" dirty="0">
+                <a:latin typeface="Arial" panose="020B0604020202020204" pitchFamily="34" charset="0"/>
+                <a:cs typeface="Arial" panose="020B0604020202020204" pitchFamily="34" charset="0"/>
+              </a:rPr>
+              <a:t>DenseNet</a:t>
+            </a:r>
+          </a:p>
+          <a:p>
+            <a:pPr algn="l" rtl="0">
+              <a:buFont typeface="+mj-lt"/>
+              <a:buAutoNum type="arabicPeriod"/>
+            </a:pPr>
+            <a:r>
+              <a:rPr lang="en-US" sz="1700" b="1" dirty="0">
+                <a:latin typeface="Arial" panose="020B0604020202020204" pitchFamily="34" charset="0"/>
+                <a:cs typeface="Arial" panose="020B0604020202020204" pitchFamily="34" charset="0"/>
+              </a:rPr>
+              <a:t>Inception V4</a:t>
+            </a:r>
+          </a:p>
+          <a:p>
+            <a:pPr algn="l" rtl="0">
+              <a:lnSpc>
+                <a:spcPct val="120000"/>
+              </a:lnSpc>
+              <a:buFont typeface="+mj-lt"/>
+              <a:buAutoNum type="arabicPeriod"/>
+            </a:pPr>
+            <a:r>
+              <a:rPr lang="en-US" sz="1700" b="1" dirty="0">
+                <a:latin typeface="Arial" panose="020B0604020202020204" pitchFamily="34" charset="0"/>
+                <a:cs typeface="Arial" panose="020B0604020202020204" pitchFamily="34" charset="0"/>
+              </a:rPr>
+              <a:t>Datasets:  </a:t>
+            </a:r>
+          </a:p>
+          <a:p>
+            <a:pPr lvl="1" algn="l" rtl="0">
+              <a:lnSpc>
+                <a:spcPct val="120000"/>
+              </a:lnSpc>
+              <a:buSzPct val="120000"/>
+              <a:buFont typeface="Arial" panose="020B0604020202020204" pitchFamily="34" charset="0"/>
+              <a:buChar char="•"/>
+            </a:pPr>
+            <a:r>
+              <a:rPr lang="en-US" sz="1300" b="1" dirty="0" err="1">
+                <a:latin typeface="Arial" panose="020B0604020202020204" pitchFamily="34" charset="0"/>
+                <a:cs typeface="Arial" panose="020B0604020202020204" pitchFamily="34" charset="0"/>
+              </a:rPr>
+              <a:t>BreakHis</a:t>
+            </a:r>
+            <a:endParaRPr lang="en-US" sz="1300" b="1" dirty="0">
+              <a:latin typeface="Arial" panose="020B0604020202020204" pitchFamily="34" charset="0"/>
+              <a:cs typeface="Arial" panose="020B0604020202020204" pitchFamily="34" charset="0"/>
+            </a:endParaRPr>
+          </a:p>
+          <a:p>
+            <a:pPr lvl="1" algn="l" rtl="0">
+              <a:lnSpc>
+                <a:spcPct val="120000"/>
+              </a:lnSpc>
+              <a:buSzPct val="120000"/>
+              <a:buFont typeface="Arial" panose="020B0604020202020204" pitchFamily="34" charset="0"/>
+              <a:buChar char="•"/>
+            </a:pPr>
+            <a:r>
+              <a:rPr lang="en-US" sz="1300" b="1" dirty="0">
+                <a:latin typeface="Arial" panose="020B0604020202020204" pitchFamily="34" charset="0"/>
+                <a:cs typeface="Arial" panose="020B0604020202020204" pitchFamily="34" charset="0"/>
+              </a:rPr>
+              <a:t>RSNA</a:t>
+            </a:r>
+          </a:p>
+          <a:p>
+            <a:pPr algn="l" rtl="0">
+              <a:lnSpc>
+                <a:spcPct val="120000"/>
+              </a:lnSpc>
+              <a:buFont typeface="+mj-lt"/>
+              <a:buAutoNum type="arabicPeriod"/>
+            </a:pPr>
+            <a:r>
+              <a:rPr lang="en-US" sz="1700" b="1" dirty="0">
+                <a:latin typeface="Arial" panose="020B0604020202020204" pitchFamily="34" charset="0"/>
+                <a:cs typeface="Arial" panose="020B0604020202020204" pitchFamily="34" charset="0"/>
+              </a:rPr>
+              <a:t>Researched hyperparameters</a:t>
+            </a:r>
+          </a:p>
+          <a:p>
+            <a:pPr algn="l" rtl="0">
+              <a:buFont typeface="+mj-lt"/>
+              <a:buAutoNum type="arabicPeriod"/>
+            </a:pPr>
+            <a:r>
+              <a:rPr lang="en-US" sz="1700" b="1" dirty="0">
+                <a:latin typeface="Arial" panose="020B0604020202020204" pitchFamily="34" charset="0"/>
+                <a:cs typeface="Arial" panose="020B0604020202020204" pitchFamily="34" charset="0"/>
+              </a:rPr>
+              <a:t>Diagrams</a:t>
+            </a:r>
+          </a:p>
+          <a:p>
+            <a:pPr algn="l" rtl="0">
+              <a:buFont typeface="+mj-lt"/>
+              <a:buAutoNum type="arabicPeriod"/>
+            </a:pPr>
+            <a:r>
+              <a:rPr lang="en-US" sz="1700" b="1" dirty="0">
+                <a:latin typeface="Arial" panose="020B0604020202020204" pitchFamily="34" charset="0"/>
+                <a:cs typeface="Arial" panose="020B0604020202020204" pitchFamily="34" charset="0"/>
+              </a:rPr>
+              <a:t>GUI</a:t>
+            </a:r>
+          </a:p>
+          <a:p>
+            <a:pPr algn="l" rtl="0">
+              <a:buFont typeface="+mj-lt"/>
+              <a:buAutoNum type="arabicPeriod"/>
+            </a:pPr>
+            <a:r>
+              <a:rPr lang="en-US" sz="1700" b="1" dirty="0">
+                <a:latin typeface="Arial" panose="020B0604020202020204" pitchFamily="34" charset="0"/>
+                <a:cs typeface="Arial" panose="020B0604020202020204" pitchFamily="34" charset="0"/>
+              </a:rPr>
+              <a:t>Evaluation</a:t>
+            </a:r>
+            <a:br>
+              <a:rPr lang="en-US" sz="1700" b="1" dirty="0">
+                <a:latin typeface="Arial" panose="020B0604020202020204" pitchFamily="34" charset="0"/>
+                <a:cs typeface="Arial" panose="020B0604020202020204" pitchFamily="34" charset="0"/>
+              </a:rPr>
+            </a:br>
+            <a:br>
+              <a:rPr lang="en-US" sz="1700" b="1" dirty="0">
+                <a:latin typeface="Arial" panose="020B0604020202020204" pitchFamily="34" charset="0"/>
+                <a:cs typeface="Arial" panose="020B0604020202020204" pitchFamily="34" charset="0"/>
+              </a:rPr>
+            </a:br>
+            <a:endParaRPr lang="en-US" sz="1700" b="1" dirty="0">
+              <a:latin typeface="Arial" panose="020B0604020202020204" pitchFamily="34" charset="0"/>
+              <a:cs typeface="Arial" panose="020B0604020202020204" pitchFamily="34" charset="0"/>
+            </a:endParaRPr>
+          </a:p>
+          <a:p>
+            <a:pPr algn="l" rtl="0">
+              <a:buFont typeface="+mj-lt"/>
+              <a:buAutoNum type="arabicPeriod"/>
+            </a:pPr>
+            <a:endParaRPr lang="he-IL" dirty="0"/>
+          </a:p>
+        </p:txBody>
+      </p:sp>
+      <p:sp>
+        <p:nvSpPr>
+          <p:cNvPr id="37" name="Isosceles Triangle 36">
+            <a:extLst>
+              <a:ext uri="{FF2B5EF4-FFF2-40B4-BE49-F238E27FC236}">
+                <a16:creationId xmlns:a16="http://schemas.microsoft.com/office/drawing/2014/main" id="{7E2C7115-5336-410C-AD71-0F0952A2E5A7}"/>
+              </a:ext>
+              <a:ext uri="{C183D7F6-B498-43B3-948B-1728B52AA6E4}">
+                <adec:decorative xmlns:adec="http://schemas.microsoft.com/office/drawing/2017/decorative" val="1"/>
+              </a:ext>
+            </a:extLst>
+          </p:cNvPr>
+          <p:cNvSpPr>
+            <a:spLocks noGrp="1" noRot="1" noChangeAspect="1" noMove="1" noResize="1" noEditPoints="1" noAdjustHandles="1" noChangeArrowheads="1" noChangeShapeType="1" noTextEdit="1"/>
+          </p:cNvSpPr>
+          <p:nvPr>
+            <p:extLst>
+              <p:ext uri="{386F3935-93C4-4BCD-93E2-E3B085C9AB24}">
+                <p16:designElem xmlns:p16="http://schemas.microsoft.com/office/powerpoint/2015/main" val="1"/>
+              </p:ext>
+            </p:extLst>
+          </p:nvPr>
+        </p:nvSpPr>
+        <p:spPr>
+          <a:xfrm flipH="1">
+            <a:off x="11743267" y="4013200"/>
+            <a:ext cx="448733" cy="2844800"/>
+          </a:xfrm>
+          <a:prstGeom prst="triangle">
+            <a:avLst>
+              <a:gd name="adj" fmla="val 0"/>
+            </a:avLst>
+          </a:prstGeom>
+          <a:solidFill>
+            <a:schemeClr val="accent1">
+              <a:alpha val="85000"/>
+            </a:schemeClr>
+          </a:solidFill>
+          <a:ln>
+            <a:noFill/>
+          </a:ln>
+          <a:effectLst/>
+        </p:spPr>
+        <p:style>
+          <a:lnRef idx="1">
+            <a:schemeClr val="accent1"/>
+          </a:lnRef>
+          <a:fillRef idx="3">
+            <a:schemeClr val="accent1"/>
+          </a:fillRef>
+          <a:effectRef idx="2">
+            <a:schemeClr val="accent1"/>
+          </a:effectRef>
+          <a:fontRef idx="minor">
+            <a:schemeClr val="lt1"/>
+          </a:fontRef>
+        </p:style>
+      </p:sp>
+      <p:sp>
+        <p:nvSpPr>
+          <p:cNvPr id="5" name="מציין מיקום של מספר שקופית 1">
+            <a:extLst>
+              <a:ext uri="{FF2B5EF4-FFF2-40B4-BE49-F238E27FC236}">
+                <a16:creationId xmlns:a16="http://schemas.microsoft.com/office/drawing/2014/main" id="{BD522F67-9129-1815-52B0-D4FA9E0B791E}"/>
+              </a:ext>
+            </a:extLst>
+          </p:cNvPr>
+          <p:cNvSpPr txBox="1">
+            <a:spLocks/>
+          </p:cNvSpPr>
+          <p:nvPr/>
+        </p:nvSpPr>
+        <p:spPr>
+          <a:xfrm>
+            <a:off x="10981260" y="6515271"/>
+            <a:ext cx="683339" cy="365125"/>
+          </a:xfrm>
+          <a:prstGeom prst="rect">
+            <a:avLst/>
+          </a:prstGeom>
+        </p:spPr>
+        <p:txBody>
+          <a:bodyPr vert="horz" lIns="91440" tIns="45720" rIns="91440" bIns="45720" rtlCol="0" anchor="ctr"/>
+          <a:lstStyle>
+            <a:defPPr>
+              <a:defRPr lang="en-US"/>
+            </a:defPPr>
+            <a:lvl1pPr marL="0" algn="r" defTabSz="457200" rtl="0" eaLnBrk="1" latinLnBrk="0" hangingPunct="1">
+              <a:defRPr sz="900" kern="1200">
+                <a:solidFill>
+                  <a:schemeClr val="accent1"/>
+                </a:solidFill>
+                <a:latin typeface="+mn-lt"/>
+                <a:ea typeface="+mn-ea"/>
+                <a:cs typeface="+mn-cs"/>
+              </a:defRPr>
+            </a:lvl1pPr>
+            <a:lvl2pPr marL="457200" algn="l" defTabSz="457200" rtl="0" eaLnBrk="1" latinLnBrk="0" hangingPunct="1">
+              <a:defRPr sz="1800" kern="1200">
+                <a:solidFill>
+                  <a:schemeClr val="tx1"/>
+                </a:solidFill>
+                <a:latin typeface="+mn-lt"/>
+                <a:ea typeface="+mn-ea"/>
+                <a:cs typeface="+mn-cs"/>
+              </a:defRPr>
+            </a:lvl2pPr>
+            <a:lvl3pPr marL="914400" algn="l" defTabSz="457200" rtl="0" eaLnBrk="1" latinLnBrk="0" hangingPunct="1">
+              <a:defRPr sz="1800" kern="1200">
+                <a:solidFill>
+                  <a:schemeClr val="tx1"/>
+                </a:solidFill>
+                <a:latin typeface="+mn-lt"/>
+                <a:ea typeface="+mn-ea"/>
+                <a:cs typeface="+mn-cs"/>
+              </a:defRPr>
+            </a:lvl3pPr>
+            <a:lvl4pPr marL="1371600" algn="l" defTabSz="457200" rtl="0" eaLnBrk="1" latinLnBrk="0" hangingPunct="1">
+              <a:defRPr sz="1800" kern="1200">
+                <a:solidFill>
+                  <a:schemeClr val="tx1"/>
+                </a:solidFill>
+                <a:latin typeface="+mn-lt"/>
+                <a:ea typeface="+mn-ea"/>
+                <a:cs typeface="+mn-cs"/>
+              </a:defRPr>
+            </a:lvl4pPr>
+            <a:lvl5pPr marL="1828800" algn="l" defTabSz="457200" rtl="0" eaLnBrk="1" latinLnBrk="0" hangingPunct="1">
+              <a:defRPr sz="1800" kern="1200">
+                <a:solidFill>
+                  <a:schemeClr val="tx1"/>
+                </a:solidFill>
+                <a:latin typeface="+mn-lt"/>
+                <a:ea typeface="+mn-ea"/>
+                <a:cs typeface="+mn-cs"/>
+              </a:defRPr>
+            </a:lvl5pPr>
+            <a:lvl6pPr marL="2286000" algn="l" defTabSz="457200" rtl="0" eaLnBrk="1" latinLnBrk="0" hangingPunct="1">
+              <a:defRPr sz="1800" kern="1200">
+                <a:solidFill>
+                  <a:schemeClr val="tx1"/>
+                </a:solidFill>
+                <a:latin typeface="+mn-lt"/>
+                <a:ea typeface="+mn-ea"/>
+                <a:cs typeface="+mn-cs"/>
+              </a:defRPr>
+            </a:lvl6pPr>
+            <a:lvl7pPr marL="2743200" algn="l" defTabSz="457200" rtl="0" eaLnBrk="1" latinLnBrk="0" hangingPunct="1">
+              <a:defRPr sz="1800" kern="1200">
+                <a:solidFill>
+                  <a:schemeClr val="tx1"/>
+                </a:solidFill>
+                <a:latin typeface="+mn-lt"/>
+                <a:ea typeface="+mn-ea"/>
+                <a:cs typeface="+mn-cs"/>
+              </a:defRPr>
+            </a:lvl7pPr>
+            <a:lvl8pPr marL="3200400" algn="l" defTabSz="457200" rtl="0" eaLnBrk="1" latinLnBrk="0" hangingPunct="1">
+              <a:defRPr sz="1800" kern="1200">
+                <a:solidFill>
+                  <a:schemeClr val="tx1"/>
+                </a:solidFill>
+                <a:latin typeface="+mn-lt"/>
+                <a:ea typeface="+mn-ea"/>
+                <a:cs typeface="+mn-cs"/>
+              </a:defRPr>
+            </a:lvl8pPr>
+            <a:lvl9pPr marL="3657600" algn="l" defTabSz="457200" rtl="0" eaLnBrk="1" latinLnBrk="0" hangingPunct="1">
+              <a:defRPr sz="1800" kern="1200">
+                <a:solidFill>
+                  <a:schemeClr val="tx1"/>
+                </a:solidFill>
+                <a:latin typeface="+mn-lt"/>
+                <a:ea typeface="+mn-ea"/>
+                <a:cs typeface="+mn-cs"/>
+              </a:defRPr>
+            </a:lvl9pPr>
+          </a:lstStyle>
+          <a:p>
+            <a:fld id="{FEDBE076-7370-4F39-B8CE-D2BB33626AF3}" type="slidenum">
+              <a:rPr lang="he-IL" sz="1200" smtClean="0">
+                <a:latin typeface="Arial" panose="020B0604020202020204" pitchFamily="34" charset="0"/>
+                <a:cs typeface="Arial" panose="020B0604020202020204" pitchFamily="34" charset="0"/>
+              </a:rPr>
+              <a:pPr/>
+              <a:t>2</a:t>
+            </a:fld>
+            <a:endParaRPr lang="he-IL" sz="1000" dirty="0">
+              <a:latin typeface="Arial" panose="020B0604020202020204" pitchFamily="34" charset="0"/>
+              <a:cs typeface="Arial" panose="020B0604020202020204" pitchFamily="34" charset="0"/>
+            </a:endParaRPr>
+          </a:p>
+        </p:txBody>
+      </p:sp>
+    </p:spTree>
+    <p:extLst>
+      <p:ext uri="{BB962C8B-B14F-4D97-AF65-F5344CB8AC3E}">
+        <p14:creationId xmlns:p14="http://schemas.microsoft.com/office/powerpoint/2010/main" val="2269262315"/>
+      </p:ext>
+    </p:extLst>
+  </p:cSld>
+  <p:clrMapOvr>
+    <a:masterClrMapping/>
+  </p:clrMapOvr>
+</p:sld>
+</file>
+
+<file path=ppt/slides/slide20.xml><?xml version="1.0" encoding="utf-8"?>
+<p:sld xmlns:a="http://schemas.openxmlformats.org/drawingml/2006/main" xmlns:r="http://schemas.openxmlformats.org/officeDocument/2006/relationships" xmlns:p="http://schemas.openxmlformats.org/presentationml/2006/main">
+  <p:cSld>
+    <p:bg>
+      <p:bgPr>
+        <a:solidFill>
+          <a:schemeClr val="bg1"/>
+        </a:solidFill>
+        <a:effectLst/>
+      </p:bgPr>
+    </p:bg>
+    <p:spTree>
+      <p:nvGrpSpPr>
+        <p:cNvPr id="1" name=""/>
+        <p:cNvGrpSpPr/>
+        <p:nvPr/>
+      </p:nvGrpSpPr>
+      <p:grpSpPr>
+        <a:xfrm>
+          <a:off x="0" y="0"/>
+          <a:ext cx="0" cy="0"/>
+          <a:chOff x="0" y="0"/>
+          <a:chExt cx="0" cy="0"/>
+        </a:xfrm>
+      </p:grpSpPr>
+      <p:sp useBgFill="1">
+        <p:nvSpPr>
+          <p:cNvPr id="33" name="Rectangle 32">
+            <a:extLst>
+              <a:ext uri="{FF2B5EF4-FFF2-40B4-BE49-F238E27FC236}">
+                <a16:creationId xmlns:a16="http://schemas.microsoft.com/office/drawing/2014/main" id="{E80B86A7-A1EC-475B-9166-88902B033A38}"/>
+              </a:ext>
+              <a:ext uri="{C183D7F6-B498-43B3-948B-1728B52AA6E4}">
+                <adec:decorative xmlns:adec="http://schemas.microsoft.com/office/drawing/2017/decorative" val="1"/>
+              </a:ext>
+            </a:extLst>
+          </p:cNvPr>
+          <p:cNvSpPr>
+            <a:spLocks noGrp="1" noRot="1" noChangeAspect="1" noMove="1" noResize="1" noEditPoints="1" noAdjustHandles="1" noChangeArrowheads="1" noChangeShapeType="1" noTextEdit="1"/>
+          </p:cNvSpPr>
+          <p:nvPr>
+            <p:extLst>
+              <p:ext uri="{386F3935-93C4-4BCD-93E2-E3B085C9AB24}">
+                <p16:designElem xmlns:p16="http://schemas.microsoft.com/office/powerpoint/2015/main" val="1"/>
+              </p:ext>
+            </p:extLst>
+          </p:nvPr>
+        </p:nvSpPr>
+        <p:spPr>
+          <a:xfrm>
+            <a:off x="0" y="0"/>
+            <a:ext cx="12192000" cy="6858000"/>
+          </a:xfrm>
+          <a:prstGeom prst="rect">
+            <a:avLst/>
+          </a:prstGeom>
+          <a:ln>
+            <a:noFill/>
+          </a:ln>
+        </p:spPr>
+        <p:style>
+          <a:lnRef idx="2">
+            <a:schemeClr val="accent1">
+              <a:shade val="50000"/>
+            </a:schemeClr>
+          </a:lnRef>
+          <a:fillRef idx="1">
+            <a:schemeClr val="accent1"/>
+          </a:fillRef>
+          <a:effectRef idx="0">
+            <a:schemeClr val="accent1"/>
+          </a:effectRef>
+          <a:fontRef idx="minor">
+            <a:schemeClr val="lt1"/>
+          </a:fontRef>
+        </p:style>
+        <p:txBody>
+          <a:bodyPr rtlCol="0" anchor="ctr"/>
+          <a:lstStyle/>
+          <a:p>
+            <a:pPr marL="0" marR="0" lvl="0" indent="0" algn="ctr" defTabSz="457200" rtl="0" eaLnBrk="1" fontAlgn="auto" latinLnBrk="0" hangingPunct="1">
+              <a:lnSpc>
+                <a:spcPct val="100000"/>
+              </a:lnSpc>
+              <a:spcBef>
+                <a:spcPts val="0"/>
+              </a:spcBef>
+              <a:spcAft>
+                <a:spcPts val="0"/>
+              </a:spcAft>
+              <a:buClrTx/>
+              <a:buSzTx/>
+              <a:buFontTx/>
+              <a:buNone/>
+              <a:tabLst/>
+              <a:defRPr/>
+            </a:pPr>
+            <a:endParaRPr kumimoji="0" lang="en-US" sz="1800" b="0" i="0" u="none" strike="noStrike" kern="1200" cap="none" spc="0" normalizeH="0" baseline="0" noProof="0">
+              <a:ln>
+                <a:noFill/>
+              </a:ln>
+              <a:solidFill>
+                <a:prstClr val="white"/>
+              </a:solidFill>
+              <a:effectLst/>
+              <a:uLnTx/>
+              <a:uFillTx/>
+              <a:latin typeface="Trebuchet MS" panose="020B0603020202020204"/>
+              <a:ea typeface="+mn-ea"/>
+              <a:cs typeface="+mn-cs"/>
+            </a:endParaRPr>
+          </a:p>
+        </p:txBody>
+      </p:sp>
+      <p:sp>
+        <p:nvSpPr>
+          <p:cNvPr id="2" name="כותרת 1">
+            <a:extLst>
+              <a:ext uri="{FF2B5EF4-FFF2-40B4-BE49-F238E27FC236}">
+                <a16:creationId xmlns:a16="http://schemas.microsoft.com/office/drawing/2014/main" id="{1ACC9094-DF10-FE2C-933F-47FB37C8A6AB}"/>
+              </a:ext>
+            </a:extLst>
+          </p:cNvPr>
+          <p:cNvSpPr>
+            <a:spLocks noGrp="1"/>
+          </p:cNvSpPr>
+          <p:nvPr>
+            <p:ph type="title"/>
+          </p:nvPr>
+        </p:nvSpPr>
+        <p:spPr>
+          <a:xfrm>
+            <a:off x="1726308" y="310425"/>
+            <a:ext cx="8596668" cy="1320800"/>
+          </a:xfrm>
+        </p:spPr>
+        <p:txBody>
+          <a:bodyPr>
+            <a:normAutofit/>
+          </a:bodyPr>
+          <a:lstStyle/>
+          <a:p>
+            <a:pPr algn="ctr" rtl="0"/>
+            <a:r>
+              <a:rPr lang="en-US" sz="4000" dirty="0">
+                <a:latin typeface="Arial" panose="020B0604020202020204" pitchFamily="34" charset="0"/>
+                <a:cs typeface="Arial" panose="020B0604020202020204" pitchFamily="34" charset="0"/>
+              </a:rPr>
+              <a:t>Evaluation </a:t>
+            </a:r>
+            <a:endParaRPr lang="he-IL" sz="4000" dirty="0">
+              <a:latin typeface="Arial" panose="020B0604020202020204" pitchFamily="34" charset="0"/>
+              <a:cs typeface="Arial" panose="020B0604020202020204" pitchFamily="34" charset="0"/>
+            </a:endParaRPr>
+          </a:p>
+        </p:txBody>
+      </p:sp>
+      <p:sp>
+        <p:nvSpPr>
+          <p:cNvPr id="35" name="Isosceles Triangle 34">
+            <a:extLst>
+              <a:ext uri="{FF2B5EF4-FFF2-40B4-BE49-F238E27FC236}">
+                <a16:creationId xmlns:a16="http://schemas.microsoft.com/office/drawing/2014/main" id="{C2C29CB1-9F74-4879-A6AF-AEA67B6F1F4D}"/>
+              </a:ext>
+              <a:ext uri="{C183D7F6-B498-43B3-948B-1728B52AA6E4}">
+                <adec:decorative xmlns:adec="http://schemas.microsoft.com/office/drawing/2017/decorative" val="1"/>
+              </a:ext>
+            </a:extLst>
+          </p:cNvPr>
+          <p:cNvSpPr>
+            <a:spLocks noGrp="1" noRot="1" noChangeAspect="1" noMove="1" noResize="1" noEditPoints="1" noAdjustHandles="1" noChangeArrowheads="1" noChangeShapeType="1" noTextEdit="1"/>
+          </p:cNvSpPr>
+          <p:nvPr>
+            <p:extLst>
+              <p:ext uri="{386F3935-93C4-4BCD-93E2-E3B085C9AB24}">
+                <p16:designElem xmlns:p16="http://schemas.microsoft.com/office/powerpoint/2015/main" val="1"/>
+              </p:ext>
+            </p:extLst>
+          </p:nvPr>
+        </p:nvSpPr>
+        <p:spPr>
+          <a:xfrm rot="10800000">
+            <a:off x="0" y="0"/>
+            <a:ext cx="842596" cy="5666154"/>
+          </a:xfrm>
+          <a:prstGeom prst="triangle">
+            <a:avLst>
+              <a:gd name="adj" fmla="val 100000"/>
+            </a:avLst>
+          </a:prstGeom>
+          <a:solidFill>
+            <a:schemeClr val="accent1">
+              <a:alpha val="85000"/>
+            </a:schemeClr>
+          </a:solidFill>
+          <a:ln>
+            <a:noFill/>
+          </a:ln>
+          <a:effectLst/>
+        </p:spPr>
+        <p:style>
+          <a:lnRef idx="1">
+            <a:schemeClr val="accent1"/>
+          </a:lnRef>
+          <a:fillRef idx="3">
+            <a:schemeClr val="accent1"/>
+          </a:fillRef>
+          <a:effectRef idx="2">
+            <a:schemeClr val="accent1"/>
+          </a:effectRef>
+          <a:fontRef idx="minor">
+            <a:schemeClr val="lt1"/>
+          </a:fontRef>
+        </p:style>
+      </p:sp>
+      <p:sp>
+        <p:nvSpPr>
+          <p:cNvPr id="37" name="Isosceles Triangle 36">
+            <a:extLst>
+              <a:ext uri="{FF2B5EF4-FFF2-40B4-BE49-F238E27FC236}">
+                <a16:creationId xmlns:a16="http://schemas.microsoft.com/office/drawing/2014/main" id="{7E2C7115-5336-410C-AD71-0F0952A2E5A7}"/>
+              </a:ext>
+              <a:ext uri="{C183D7F6-B498-43B3-948B-1728B52AA6E4}">
+                <adec:decorative xmlns:adec="http://schemas.microsoft.com/office/drawing/2017/decorative" val="1"/>
+              </a:ext>
+            </a:extLst>
+          </p:cNvPr>
+          <p:cNvSpPr>
+            <a:spLocks noGrp="1" noRot="1" noChangeAspect="1" noMove="1" noResize="1" noEditPoints="1" noAdjustHandles="1" noChangeArrowheads="1" noChangeShapeType="1" noTextEdit="1"/>
+          </p:cNvSpPr>
+          <p:nvPr>
+            <p:extLst>
+              <p:ext uri="{386F3935-93C4-4BCD-93E2-E3B085C9AB24}">
+                <p16:designElem xmlns:p16="http://schemas.microsoft.com/office/powerpoint/2015/main" val="1"/>
+              </p:ext>
+            </p:extLst>
+          </p:nvPr>
+        </p:nvSpPr>
+        <p:spPr>
+          <a:xfrm flipH="1">
+            <a:off x="11743267" y="4013200"/>
+            <a:ext cx="448733" cy="2844800"/>
+          </a:xfrm>
+          <a:prstGeom prst="triangle">
+            <a:avLst>
+              <a:gd name="adj" fmla="val 0"/>
+            </a:avLst>
+          </a:prstGeom>
+          <a:solidFill>
+            <a:schemeClr val="accent1">
+              <a:alpha val="85000"/>
+            </a:schemeClr>
+          </a:solidFill>
+          <a:ln>
+            <a:noFill/>
+          </a:ln>
+          <a:effectLst/>
+        </p:spPr>
+        <p:style>
+          <a:lnRef idx="1">
+            <a:schemeClr val="accent1"/>
+          </a:lnRef>
+          <a:fillRef idx="3">
+            <a:schemeClr val="accent1"/>
+          </a:fillRef>
+          <a:effectRef idx="2">
+            <a:schemeClr val="accent1"/>
+          </a:effectRef>
+          <a:fontRef idx="minor">
+            <a:schemeClr val="lt1"/>
+          </a:fontRef>
+        </p:style>
+      </p:sp>
       <p:graphicFrame>
         <p:nvGraphicFramePr>
           <p:cNvPr id="4" name="Table 3">
@@ -11505,14 +13916,14 @@
           <p:nvPr>
             <p:extLst>
               <p:ext uri="{D42A27DB-BD31-4B8C-83A1-F6EECF244321}">
-                <p14:modId xmlns:p14="http://schemas.microsoft.com/office/powerpoint/2010/main" val="4037275447"/>
+                <p14:modId xmlns:p14="http://schemas.microsoft.com/office/powerpoint/2010/main" val="933541714"/>
               </p:ext>
             </p:extLst>
           </p:nvPr>
         </p:nvGraphicFramePr>
         <p:xfrm>
           <a:off x="2096625" y="1026403"/>
-          <a:ext cx="7998750" cy="5682216"/>
+          <a:ext cx="7998750" cy="5049827"/>
         </p:xfrm>
         <a:graphic>
           <a:graphicData uri="http://schemas.openxmlformats.org/drawingml/2006/table">
@@ -12023,34 +14434,7 @@
                   </a:ext>
                 </a:extLst>
               </a:tr>
-              <a:tr h="632389">
-                <a:tc>
-                  <a:txBody>
-                    <a:bodyPr/>
-                    <a:lstStyle/>
-                    <a:p>
-                      <a:pPr algn="l" fontAlgn="base">
-                        <a:lnSpc>
-                          <a:spcPct val="150000"/>
-                        </a:lnSpc>
-                      </a:pPr>
-                      <a:r>
-                        <a:rPr lang="en-US" sz="1200" b="1">
-                          <a:effectLst/>
-                          <a:cs typeface="+mj-cs"/>
-                        </a:rPr>
-                        <a:t>5</a:t>
-                      </a:r>
-                      <a:endParaRPr lang="en-US" sz="1200" b="1">
-                        <a:effectLst/>
-                        <a:latin typeface="Calibri" panose="020F0502020204030204" pitchFamily="34" charset="0"/>
-                        <a:ea typeface="Times New Roman" panose="02020603050405020304" pitchFamily="18" charset="0"/>
-                        <a:cs typeface="+mj-cs"/>
-                      </a:endParaRPr>
-                    </a:p>
-                  </a:txBody>
-                  <a:tcPr marL="48283" marR="48283" marT="0" marB="0"/>
-                </a:tc>
+              <a:tr h="516013">
                 <a:tc>
                   <a:txBody>
                     <a:bodyPr/>
@@ -12066,83 +14450,9 @@
                           <a:effectLst/>
                           <a:cs typeface="+mj-cs"/>
                         </a:rPr>
-                        <a:t>Try to submit image without choosing architecture </a:t>
+                        <a:t>5</a:t>
                       </a:r>
                       <a:endParaRPr lang="en-US" sz="1200" b="1" dirty="0">
-                        <a:effectLst/>
-                        <a:latin typeface="Calibri" panose="020F0502020204030204" pitchFamily="34" charset="0"/>
-                        <a:ea typeface="Times New Roman" panose="02020603050405020304" pitchFamily="18" charset="0"/>
-                        <a:cs typeface="+mj-cs"/>
-                      </a:endParaRPr>
-                    </a:p>
-                  </a:txBody>
-                  <a:tcPr marL="48283" marR="48283" marT="0" marB="0"/>
-                </a:tc>
-                <a:tc>
-                  <a:txBody>
-                    <a:bodyPr/>
-                    <a:lstStyle/>
-                    <a:p>
-                      <a:pPr algn="l" fontAlgn="base">
-                        <a:lnSpc>
-                          <a:spcPct val="150000"/>
-                        </a:lnSpc>
-                      </a:pPr>
-                      <a:r>
-                        <a:rPr lang="en-US" sz="1200" b="1">
-                          <a:effectLst/>
-                          <a:cs typeface="+mj-cs"/>
-                        </a:rPr>
-                        <a:t>Error message:</a:t>
-                      </a:r>
-                      <a:br>
-                        <a:rPr lang="en-US" sz="1200" b="1">
-                          <a:effectLst/>
-                          <a:cs typeface="+mj-cs"/>
-                        </a:rPr>
-                      </a:br>
-                      <a:r>
-                        <a:rPr lang="en-US" sz="1200" b="1">
-                          <a:effectLst/>
-                          <a:cs typeface="+mj-cs"/>
-                        </a:rPr>
-                        <a:t>please choose architecture</a:t>
-                      </a:r>
-                      <a:endParaRPr lang="en-US" sz="1200" b="1">
-                        <a:effectLst/>
-                        <a:latin typeface="Calibri" panose="020F0502020204030204" pitchFamily="34" charset="0"/>
-                        <a:ea typeface="Times New Roman" panose="02020603050405020304" pitchFamily="18" charset="0"/>
-                        <a:cs typeface="+mj-cs"/>
-                      </a:endParaRPr>
-                    </a:p>
-                  </a:txBody>
-                  <a:tcPr marL="48283" marR="48283" marT="0" marB="0"/>
-                </a:tc>
-                <a:extLst>
-                  <a:ext uri="{0D108BD9-81ED-4DB2-BD59-A6C34878D82A}">
-                    <a16:rowId xmlns:a16="http://schemas.microsoft.com/office/drawing/2014/main" val="1260293656"/>
-                  </a:ext>
-                </a:extLst>
-              </a:tr>
-              <a:tr h="516013">
-                <a:tc>
-                  <a:txBody>
-                    <a:bodyPr/>
-                    <a:lstStyle/>
-                    <a:p>
-                      <a:pPr algn="l" fontAlgn="base">
-                        <a:lnSpc>
-                          <a:spcPct val="150000"/>
-                        </a:lnSpc>
-                      </a:pPr>
-                      <a:r>
-                        <a:rPr lang="en-US" sz="1200" b="1">
-                          <a:effectLst/>
-                          <a:cs typeface="+mj-cs"/>
-                        </a:rPr>
-                        <a:t>6</a:t>
-                      </a:r>
-                      <a:endParaRPr lang="en-US" sz="1200" b="1">
                         <a:effectLst/>
                         <a:latin typeface="Calibri" panose="020F0502020204030204" pitchFamily="34" charset="0"/>
                         <a:ea typeface="Times New Roman" panose="02020603050405020304" pitchFamily="18" charset="0"/>
@@ -12190,13 +14500,13 @@
                         </a:lnSpc>
                       </a:pPr>
                       <a:r>
-                        <a:rPr lang="en-US" sz="1200" b="1">
+                        <a:rPr lang="en-US" sz="1200" b="1" dirty="0">
                           <a:effectLst/>
                           <a:cs typeface="+mj-cs"/>
                         </a:rPr>
                         <a:t>Result message will appear on screen</a:t>
                       </a:r>
-                      <a:endParaRPr lang="en-US" sz="1200" b="1">
+                      <a:endParaRPr lang="en-US" sz="1200" b="1" dirty="0">
                         <a:effectLst/>
                         <a:latin typeface="Calibri" panose="020F0502020204030204" pitchFamily="34" charset="0"/>
                         <a:ea typeface="Times New Roman" panose="02020603050405020304" pitchFamily="18" charset="0"/>
@@ -12224,18 +14534,14 @@
                         </a:lnSpc>
                       </a:pPr>
                       <a:r>
-                        <a:rPr lang="en-US" sz="1200" b="1">
+                        <a:rPr lang="en-US" sz="1200" b="1" dirty="0">
                           <a:effectLst/>
+                          <a:latin typeface="Calibri" panose="020F0502020204030204" pitchFamily="34" charset="0"/>
+                          <a:ea typeface="Times New Roman" panose="02020603050405020304" pitchFamily="18" charset="0"/>
                           <a:cs typeface="+mj-cs"/>
                         </a:rPr>
-                        <a:t>7</a:t>
+                        <a:t>6</a:t>
                       </a:r>
-                      <a:endParaRPr lang="en-US" sz="1200" b="1">
-                        <a:effectLst/>
-                        <a:latin typeface="Calibri" panose="020F0502020204030204" pitchFamily="34" charset="0"/>
-                        <a:ea typeface="Times New Roman" panose="02020603050405020304" pitchFamily="18" charset="0"/>
-                        <a:cs typeface="+mj-cs"/>
-                      </a:endParaRPr>
                     </a:p>
                   </a:txBody>
                   <a:tcPr marL="48283" marR="48283" marT="0" marB="0"/>
@@ -12312,18 +14618,14 @@
                         </a:lnSpc>
                       </a:pPr>
                       <a:r>
-                        <a:rPr lang="en-US" sz="1200" b="1">
+                        <a:rPr lang="en-US" sz="1200" b="1" dirty="0">
                           <a:effectLst/>
+                          <a:latin typeface="Calibri" panose="020F0502020204030204" pitchFamily="34" charset="0"/>
+                          <a:ea typeface="Times New Roman" panose="02020603050405020304" pitchFamily="18" charset="0"/>
                           <a:cs typeface="+mj-cs"/>
                         </a:rPr>
-                        <a:t>8</a:t>
+                        <a:t>7</a:t>
                       </a:r>
-                      <a:endParaRPr lang="en-US" sz="1200" b="1">
-                        <a:effectLst/>
-                        <a:latin typeface="Calibri" panose="020F0502020204030204" pitchFamily="34" charset="0"/>
-                        <a:ea typeface="Times New Roman" panose="02020603050405020304" pitchFamily="18" charset="0"/>
-                        <a:cs typeface="+mj-cs"/>
-                      </a:endParaRPr>
                     </a:p>
                   </a:txBody>
                   <a:tcPr marL="48283" marR="48283" marT="0" marB="0"/>
@@ -12366,7 +14668,7 @@
                         </a:lnSpc>
                       </a:pPr>
                       <a:r>
-                        <a:rPr lang="en-US" sz="1200" b="1">
+                        <a:rPr lang="en-US" sz="1200" b="1" dirty="0">
                           <a:effectLst/>
                           <a:cs typeface="+mj-cs"/>
                         </a:rPr>
@@ -12380,7 +14682,7 @@
                         </a:lnSpc>
                       </a:pPr>
                       <a:r>
-                        <a:rPr lang="en-US" sz="1200" b="1">
+                        <a:rPr lang="en-US" sz="1200" b="1" dirty="0">
                           <a:effectLst/>
                           <a:cs typeface="+mj-cs"/>
                         </a:rPr>
@@ -12394,13 +14696,13 @@
                         </a:lnSpc>
                       </a:pPr>
                       <a:r>
-                        <a:rPr lang="en-US" sz="1200" b="1">
+                        <a:rPr lang="en-US" sz="1200" b="1" dirty="0">
                           <a:effectLst/>
                           <a:cs typeface="+mj-cs"/>
                         </a:rPr>
                         <a:t>please try again</a:t>
                       </a:r>
-                      <a:endParaRPr lang="en-US" sz="1200" b="1">
+                      <a:endParaRPr lang="en-US" sz="1200" b="1" dirty="0">
                         <a:effectLst/>
                         <a:latin typeface="Calibri" panose="020F0502020204030204" pitchFamily="34" charset="0"/>
                         <a:ea typeface="Times New Roman" panose="02020603050405020304" pitchFamily="18" charset="0"/>
@@ -12428,18 +14730,14 @@
                         </a:lnSpc>
                       </a:pPr>
                       <a:r>
-                        <a:rPr lang="en-US" sz="1200" b="1">
+                        <a:rPr lang="en-US" sz="1200" b="1" dirty="0">
                           <a:effectLst/>
+                          <a:latin typeface="Calibri" panose="020F0502020204030204" pitchFamily="34" charset="0"/>
+                          <a:ea typeface="Times New Roman" panose="02020603050405020304" pitchFamily="18" charset="0"/>
                           <a:cs typeface="+mj-cs"/>
                         </a:rPr>
-                        <a:t>9</a:t>
+                        <a:t>8</a:t>
                       </a:r>
-                      <a:endParaRPr lang="en-US" sz="1200" b="1">
-                        <a:effectLst/>
-                        <a:latin typeface="Calibri" panose="020F0502020204030204" pitchFamily="34" charset="0"/>
-                        <a:ea typeface="Times New Roman" panose="02020603050405020304" pitchFamily="18" charset="0"/>
-                        <a:cs typeface="+mj-cs"/>
-                      </a:endParaRPr>
                     </a:p>
                   </a:txBody>
                   <a:tcPr marL="48283" marR="48283" marT="0" marB="0"/>
@@ -12455,13 +14753,13 @@
                         </a:lnSpc>
                       </a:pPr>
                       <a:r>
-                        <a:rPr lang="en-US" sz="1200" b="1">
+                        <a:rPr lang="en-US" sz="1200" b="1" dirty="0">
                           <a:effectLst/>
                           <a:cs typeface="+mj-cs"/>
                         </a:rPr>
-                        <a:t>Low predict percentage (96%&lt;)</a:t>
+                        <a:t>Low predict percentage (93%&lt;)</a:t>
                       </a:r>
-                      <a:endParaRPr lang="en-US" sz="1200" b="1">
+                      <a:endParaRPr lang="en-US" sz="1200" b="1" dirty="0">
                         <a:effectLst/>
                         <a:latin typeface="Calibri" panose="020F0502020204030204" pitchFamily="34" charset="0"/>
                         <a:ea typeface="Times New Roman" panose="02020603050405020304" pitchFamily="18" charset="0"/>
@@ -12649,7 +14947,7 @@
                 <a:cs typeface="Arial" panose="020B0604020202020204" pitchFamily="34" charset="0"/>
               </a:rPr>
               <a:pPr/>
-              <a:t>18</a:t>
+              <a:t>20</a:t>
             </a:fld>
             <a:endParaRPr lang="he-IL" sz="1000" dirty="0">
               <a:latin typeface="Arial" panose="020B0604020202020204" pitchFamily="34" charset="0"/>
@@ -12671,7 +14969,7 @@
 </p:sld>
 </file>
 
-<file path=ppt/slides/slide2.xml><?xml version="1.0" encoding="utf-8"?>
+<file path=ppt/slides/slide21.xml><?xml version="1.0" encoding="utf-8"?>
 <p:sld xmlns:a="http://schemas.openxmlformats.org/drawingml/2006/main" xmlns:r="http://schemas.openxmlformats.org/officeDocument/2006/relationships" xmlns:p="http://schemas.openxmlformats.org/presentationml/2006/main">
   <p:cSld>
     <p:bg>
@@ -12751,50 +15049,36 @@
           <a:bodyPr rtlCol="0" anchor="ctr"/>
           <a:lstStyle/>
           <a:p>
-            <a:pPr algn="ctr"/>
-            <a:endParaRPr lang="en-US"/>
-          </a:p>
-        </p:txBody>
-      </p:sp>
-      <p:sp>
-        <p:nvSpPr>
-          <p:cNvPr id="2" name="כותרת 1">
-            <a:extLst>
-              <a:ext uri="{FF2B5EF4-FFF2-40B4-BE49-F238E27FC236}">
-                <a16:creationId xmlns:a16="http://schemas.microsoft.com/office/drawing/2014/main" id="{1ACC9094-DF10-FE2C-933F-47FB37C8A6AB}"/>
-              </a:ext>
-            </a:extLst>
-          </p:cNvPr>
-          <p:cNvSpPr>
-            <a:spLocks noGrp="1"/>
-          </p:cNvSpPr>
-          <p:nvPr>
-            <p:ph type="title"/>
-          </p:nvPr>
-        </p:nvSpPr>
-        <p:spPr>
-          <a:xfrm>
-            <a:off x="1565322" y="467932"/>
-            <a:ext cx="8596668" cy="1320800"/>
-          </a:xfrm>
-        </p:spPr>
-        <p:txBody>
-          <a:bodyPr>
-            <a:normAutofit/>
-          </a:bodyPr>
-          <a:lstStyle/>
-          <a:p>
-            <a:pPr algn="ctr" rtl="0"/>
-            <a:r>
-              <a:rPr lang="en-US" sz="4000" dirty="0">
-                <a:latin typeface="Arial" panose="020B0604020202020204" pitchFamily="34" charset="0"/>
-                <a:cs typeface="Arial" panose="020B0604020202020204" pitchFamily="34" charset="0"/>
-              </a:rPr>
-              <a:t>Table of Contents</a:t>
-            </a:r>
-            <a:endParaRPr lang="he-IL" sz="4000" dirty="0">
-              <a:latin typeface="Arial" panose="020B0604020202020204" pitchFamily="34" charset="0"/>
-              <a:cs typeface="Arial" panose="020B0604020202020204" pitchFamily="34" charset="0"/>
+            <a:pPr marL="0" marR="0" lvl="0" indent="0" algn="ctr" defTabSz="457200" rtl="0" eaLnBrk="1" fontAlgn="auto" latinLnBrk="0" hangingPunct="1">
+              <a:lnSpc>
+                <a:spcPct val="100000"/>
+              </a:lnSpc>
+              <a:spcBef>
+                <a:spcPts val="0"/>
+              </a:spcBef>
+              <a:spcAft>
+                <a:spcPts val="0"/>
+              </a:spcAft>
+              <a:buClrTx/>
+              <a:buSzTx/>
+              <a:buFontTx/>
+              <a:buNone/>
+              <a:tabLst/>
+              <a:defRPr/>
+            </a:pPr>
+            <a:endParaRPr kumimoji="0" lang="en-US" sz="1800" b="0" i="0" u="none" strike="noStrike" kern="1200" cap="none" spc="0" normalizeH="0" baseline="0" noProof="0">
+              <a:ln>
+                <a:noFill/>
+              </a:ln>
+              <a:solidFill>
+                <a:prstClr val="white"/>
+              </a:solidFill>
+              <a:effectLst/>
+              <a:uLnTx/>
+              <a:uFillTx/>
+              <a:latin typeface="Trebuchet MS" panose="020B0603020202020204"/>
+              <a:ea typeface="+mn-ea"/>
+              <a:cs typeface="+mn-cs"/>
             </a:endParaRPr>
           </a:p>
         </p:txBody>
@@ -12859,260 +15143,6 @@
       </p:sp>
       <p:sp>
         <p:nvSpPr>
-          <p:cNvPr id="3" name="מציין מיקום תוכן 2">
-            <a:extLst>
-              <a:ext uri="{FF2B5EF4-FFF2-40B4-BE49-F238E27FC236}">
-                <a16:creationId xmlns:a16="http://schemas.microsoft.com/office/drawing/2014/main" id="{E63CB9F7-1BEA-5E29-A0FC-A93719833515}"/>
-              </a:ext>
-            </a:extLst>
-          </p:cNvPr>
-          <p:cNvSpPr>
-            <a:spLocks noGrp="1"/>
-          </p:cNvSpPr>
-          <p:nvPr>
-            <p:ph idx="1"/>
-          </p:nvPr>
-        </p:nvSpPr>
-        <p:spPr>
-          <a:xfrm>
-            <a:off x="1277677" y="1511909"/>
-            <a:ext cx="9624915" cy="5185925"/>
-          </a:xfrm>
-        </p:spPr>
-        <p:txBody>
-          <a:bodyPr numCol="1">
-            <a:normAutofit fontScale="92500" lnSpcReduction="20000"/>
-          </a:bodyPr>
-          <a:lstStyle/>
-          <a:p>
-            <a:pPr algn="l" rtl="0">
-              <a:buFont typeface="+mj-lt"/>
-              <a:buAutoNum type="arabicPeriod"/>
-            </a:pPr>
-            <a:r>
-              <a:rPr lang="en-US" sz="1700" b="1" dirty="0">
-                <a:latin typeface="Arial" panose="020B0604020202020204" pitchFamily="34" charset="0"/>
-                <a:cs typeface="Arial" panose="020B0604020202020204" pitchFamily="34" charset="0"/>
-              </a:rPr>
-              <a:t>Introduction</a:t>
-            </a:r>
-          </a:p>
-          <a:p>
-            <a:pPr algn="l" rtl="0">
-              <a:buFont typeface="+mj-lt"/>
-              <a:buAutoNum type="arabicPeriod"/>
-            </a:pPr>
-            <a:r>
-              <a:rPr lang="en-US" sz="1700" b="1" dirty="0">
-                <a:latin typeface="Arial" panose="020B0604020202020204" pitchFamily="34" charset="0"/>
-                <a:cs typeface="Arial" panose="020B0604020202020204" pitchFamily="34" charset="0"/>
-              </a:rPr>
-              <a:t>Breast cancer as of today</a:t>
-            </a:r>
-          </a:p>
-          <a:p>
-            <a:pPr algn="l" rtl="0">
-              <a:buFont typeface="+mj-lt"/>
-              <a:buAutoNum type="arabicPeriod"/>
-            </a:pPr>
-            <a:r>
-              <a:rPr lang="en-US" sz="1700" b="1" dirty="0">
-                <a:latin typeface="Arial" panose="020B0604020202020204" pitchFamily="34" charset="0"/>
-                <a:cs typeface="Arial" panose="020B0604020202020204" pitchFamily="34" charset="0"/>
-                <a:sym typeface="Arial"/>
-              </a:rPr>
-              <a:t>Motivation</a:t>
-            </a:r>
-          </a:p>
-          <a:p>
-            <a:pPr algn="l" rtl="0">
-              <a:buFont typeface="+mj-lt"/>
-              <a:buAutoNum type="arabicPeriod"/>
-            </a:pPr>
-            <a:r>
-              <a:rPr lang="en-US" sz="1700" b="1" dirty="0">
-                <a:latin typeface="Arial" panose="020B0604020202020204" pitchFamily="34" charset="0"/>
-                <a:cs typeface="Arial" panose="020B0604020202020204" pitchFamily="34" charset="0"/>
-                <a:sym typeface="Arial"/>
-              </a:rPr>
-              <a:t>Approach to solution</a:t>
-            </a:r>
-          </a:p>
-          <a:p>
-            <a:pPr algn="l" rtl="0">
-              <a:buFont typeface="+mj-lt"/>
-              <a:buAutoNum type="arabicPeriod"/>
-            </a:pPr>
-            <a:r>
-              <a:rPr lang="en-US" sz="1700" b="1" dirty="0">
-                <a:latin typeface="Arial" panose="020B0604020202020204" pitchFamily="34" charset="0"/>
-                <a:cs typeface="Arial" panose="020B0604020202020204" pitchFamily="34" charset="0"/>
-              </a:rPr>
-              <a:t>CNN</a:t>
-            </a:r>
-          </a:p>
-          <a:p>
-            <a:pPr algn="l" rtl="0">
-              <a:buFont typeface="+mj-lt"/>
-              <a:buAutoNum type="arabicPeriod"/>
-            </a:pPr>
-            <a:r>
-              <a:rPr lang="en-US" sz="1700" b="1" dirty="0">
-                <a:latin typeface="Arial" panose="020B0604020202020204" pitchFamily="34" charset="0"/>
-                <a:cs typeface="Arial" panose="020B0604020202020204" pitchFamily="34" charset="0"/>
-              </a:rPr>
-              <a:t>DenseNet</a:t>
-            </a:r>
-          </a:p>
-          <a:p>
-            <a:pPr algn="l" rtl="0">
-              <a:buFont typeface="+mj-lt"/>
-              <a:buAutoNum type="arabicPeriod"/>
-            </a:pPr>
-            <a:r>
-              <a:rPr lang="en-US" sz="1700" b="1" dirty="0">
-                <a:latin typeface="Arial" panose="020B0604020202020204" pitchFamily="34" charset="0"/>
-                <a:cs typeface="Arial" panose="020B0604020202020204" pitchFamily="34" charset="0"/>
-              </a:rPr>
-              <a:t>Inception V4</a:t>
-            </a:r>
-          </a:p>
-          <a:p>
-            <a:pPr algn="l" rtl="0">
-              <a:lnSpc>
-                <a:spcPct val="120000"/>
-              </a:lnSpc>
-              <a:buFont typeface="+mj-lt"/>
-              <a:buAutoNum type="arabicPeriod"/>
-            </a:pPr>
-            <a:r>
-              <a:rPr lang="en-US" sz="1700" b="1" dirty="0">
-                <a:latin typeface="Arial" panose="020B0604020202020204" pitchFamily="34" charset="0"/>
-                <a:cs typeface="Arial" panose="020B0604020202020204" pitchFamily="34" charset="0"/>
-              </a:rPr>
-              <a:t>Datasets:  </a:t>
-            </a:r>
-          </a:p>
-          <a:p>
-            <a:pPr lvl="1" algn="l" rtl="0">
-              <a:lnSpc>
-                <a:spcPct val="120000"/>
-              </a:lnSpc>
-              <a:buSzPct val="120000"/>
-              <a:buFont typeface="Arial" panose="020B0604020202020204" pitchFamily="34" charset="0"/>
-              <a:buChar char="•"/>
-            </a:pPr>
-            <a:r>
-              <a:rPr lang="en-US" sz="1300" b="1" dirty="0" err="1">
-                <a:latin typeface="Arial" panose="020B0604020202020204" pitchFamily="34" charset="0"/>
-                <a:cs typeface="Arial" panose="020B0604020202020204" pitchFamily="34" charset="0"/>
-              </a:rPr>
-              <a:t>BreakHis</a:t>
-            </a:r>
-            <a:endParaRPr lang="en-US" sz="1300" b="1" dirty="0">
-              <a:latin typeface="Arial" panose="020B0604020202020204" pitchFamily="34" charset="0"/>
-              <a:cs typeface="Arial" panose="020B0604020202020204" pitchFamily="34" charset="0"/>
-            </a:endParaRPr>
-          </a:p>
-          <a:p>
-            <a:pPr lvl="1" algn="l" rtl="0">
-              <a:lnSpc>
-                <a:spcPct val="120000"/>
-              </a:lnSpc>
-              <a:buSzPct val="120000"/>
-              <a:buFont typeface="Arial" panose="020B0604020202020204" pitchFamily="34" charset="0"/>
-              <a:buChar char="•"/>
-            </a:pPr>
-            <a:r>
-              <a:rPr lang="en-US" sz="1300" b="1" dirty="0">
-                <a:latin typeface="Arial" panose="020B0604020202020204" pitchFamily="34" charset="0"/>
-                <a:cs typeface="Arial" panose="020B0604020202020204" pitchFamily="34" charset="0"/>
-              </a:rPr>
-              <a:t>RSNA</a:t>
-            </a:r>
-          </a:p>
-          <a:p>
-            <a:pPr algn="l" rtl="0">
-              <a:lnSpc>
-                <a:spcPct val="120000"/>
-              </a:lnSpc>
-              <a:buFont typeface="+mj-lt"/>
-              <a:buAutoNum type="arabicPeriod"/>
-            </a:pPr>
-            <a:r>
-              <a:rPr lang="en-US" sz="1700" b="1" dirty="0">
-                <a:latin typeface="Arial" panose="020B0604020202020204" pitchFamily="34" charset="0"/>
-                <a:cs typeface="Arial" panose="020B0604020202020204" pitchFamily="34" charset="0"/>
-              </a:rPr>
-              <a:t>Researched hyperparameters</a:t>
-            </a:r>
-          </a:p>
-          <a:p>
-            <a:pPr algn="l" rtl="0">
-              <a:buFont typeface="+mj-lt"/>
-              <a:buAutoNum type="arabicPeriod"/>
-            </a:pPr>
-            <a:r>
-              <a:rPr lang="en-US" sz="1700" b="1" dirty="0">
-                <a:latin typeface="Arial" panose="020B0604020202020204" pitchFamily="34" charset="0"/>
-                <a:cs typeface="Arial" panose="020B0604020202020204" pitchFamily="34" charset="0"/>
-              </a:rPr>
-              <a:t>Diagrams</a:t>
-            </a:r>
-          </a:p>
-          <a:p>
-            <a:pPr algn="l" rtl="0">
-              <a:buFont typeface="+mj-lt"/>
-              <a:buAutoNum type="arabicPeriod"/>
-            </a:pPr>
-            <a:r>
-              <a:rPr lang="en-US" sz="1700" b="1" dirty="0">
-                <a:latin typeface="Arial" panose="020B0604020202020204" pitchFamily="34" charset="0"/>
-                <a:cs typeface="Arial" panose="020B0604020202020204" pitchFamily="34" charset="0"/>
-              </a:rPr>
-              <a:t>GUI</a:t>
-            </a:r>
-          </a:p>
-          <a:p>
-            <a:pPr algn="l" rtl="0">
-              <a:buFont typeface="+mj-lt"/>
-              <a:buAutoNum type="arabicPeriod"/>
-            </a:pPr>
-            <a:r>
-              <a:rPr lang="en-US" sz="1700" b="1" dirty="0">
-                <a:latin typeface="Arial" panose="020B0604020202020204" pitchFamily="34" charset="0"/>
-                <a:cs typeface="Arial" panose="020B0604020202020204" pitchFamily="34" charset="0"/>
-              </a:rPr>
-              <a:t>Evaluation</a:t>
-            </a:r>
-            <a:br>
-              <a:rPr lang="en-US" sz="1700" b="1" dirty="0">
-                <a:latin typeface="Arial" panose="020B0604020202020204" pitchFamily="34" charset="0"/>
-                <a:cs typeface="Arial" panose="020B0604020202020204" pitchFamily="34" charset="0"/>
-              </a:rPr>
-            </a:br>
-            <a:br>
-              <a:rPr lang="en-US" sz="1700" b="1" dirty="0">
-                <a:latin typeface="Arial" panose="020B0604020202020204" pitchFamily="34" charset="0"/>
-                <a:cs typeface="Arial" panose="020B0604020202020204" pitchFamily="34" charset="0"/>
-              </a:rPr>
-            </a:br>
-            <a:endParaRPr lang="en-US" sz="1700" b="1" dirty="0">
-              <a:latin typeface="Arial" panose="020B0604020202020204" pitchFamily="34" charset="0"/>
-              <a:cs typeface="Arial" panose="020B0604020202020204" pitchFamily="34" charset="0"/>
-            </a:endParaRPr>
-          </a:p>
-          <a:p>
-            <a:pPr algn="l" rtl="0">
-              <a:buFont typeface="+mj-lt"/>
-              <a:buAutoNum type="arabicPeriod"/>
-            </a:pPr>
-            <a:endParaRPr lang="he-IL" dirty="0"/>
-          </a:p>
-        </p:txBody>
-      </p:sp>
-      <p:sp>
-        <p:nvSpPr>
           <p:cNvPr id="37" name="Isosceles Triangle 36">
             <a:extLst>
               <a:ext uri="{FF2B5EF4-FFF2-40B4-BE49-F238E27FC236}">
@@ -13174,7 +15204,7 @@
           <p:cNvPr id="5" name="מציין מיקום של מספר שקופית 1">
             <a:extLst>
               <a:ext uri="{FF2B5EF4-FFF2-40B4-BE49-F238E27FC236}">
-                <a16:creationId xmlns:a16="http://schemas.microsoft.com/office/drawing/2014/main" id="{BD522F67-9129-1815-52B0-D4FA9E0B791E}"/>
+                <a16:creationId xmlns:a16="http://schemas.microsoft.com/office/drawing/2014/main" id="{16580572-979A-EE00-FA1C-EAF9FED6E1E1}"/>
               </a:ext>
             </a:extLst>
           </p:cNvPr>
@@ -13185,7 +15215,7 @@
         </p:nvSpPr>
         <p:spPr>
           <a:xfrm>
-            <a:off x="10981260" y="6515271"/>
+            <a:off x="10962277" y="6492875"/>
             <a:ext cx="683339" cy="365125"/>
           </a:xfrm>
           <a:prstGeom prst="rect">
@@ -13296,7 +15326,7 @@
                 <a:cs typeface="Arial" panose="020B0604020202020204" pitchFamily="34" charset="0"/>
               </a:rPr>
               <a:pPr/>
-              <a:t>2</a:t>
+              <a:t>21</a:t>
             </a:fld>
             <a:endParaRPr lang="he-IL" sz="1000" dirty="0">
               <a:latin typeface="Arial" panose="020B0604020202020204" pitchFamily="34" charset="0"/>
@@ -13305,10 +15335,40 @@
           </a:p>
         </p:txBody>
       </p:sp>
+      <p:pic>
+        <p:nvPicPr>
+          <p:cNvPr id="8" name="Picture 7">
+            <a:extLst>
+              <a:ext uri="{FF2B5EF4-FFF2-40B4-BE49-F238E27FC236}">
+                <a16:creationId xmlns:a16="http://schemas.microsoft.com/office/drawing/2014/main" id="{92A82912-0FB4-7C5C-28CC-9996A0AE8804}"/>
+              </a:ext>
+            </a:extLst>
+          </p:cNvPr>
+          <p:cNvPicPr>
+            <a:picLocks noChangeAspect="1"/>
+          </p:cNvPicPr>
+          <p:nvPr/>
+        </p:nvPicPr>
+        <p:blipFill>
+          <a:blip r:embed="rId2"/>
+          <a:stretch>
+            <a:fillRect/>
+          </a:stretch>
+        </p:blipFill>
+        <p:spPr>
+          <a:xfrm>
+            <a:off x="940247" y="735806"/>
+            <a:ext cx="10760493" cy="5487797"/>
+          </a:xfrm>
+          <a:prstGeom prst="rect">
+            <a:avLst/>
+          </a:prstGeom>
+        </p:spPr>
+      </p:pic>
     </p:spTree>
     <p:extLst>
       <p:ext uri="{BB962C8B-B14F-4D97-AF65-F5344CB8AC3E}">
-        <p14:creationId xmlns:p14="http://schemas.microsoft.com/office/powerpoint/2010/main" val="2269262315"/>
+        <p14:creationId xmlns:p14="http://schemas.microsoft.com/office/powerpoint/2010/main" val="3240258499"/>
       </p:ext>
     </p:extLst>
   </p:cSld>
@@ -13599,55 +15659,6 @@
             <a:pPr marL="0" indent="0" algn="l" rtl="0">
               <a:buNone/>
             </a:pPr>
-            <a:r>
-              <a:rPr lang="en-US" sz="2000" b="1" dirty="0">
-                <a:solidFill>
-                  <a:schemeClr val="tx1"/>
-                </a:solidFill>
-                <a:latin typeface="Arial" panose="020B0604020202020204" pitchFamily="34" charset="0"/>
-                <a:cs typeface="Arial" panose="020B0604020202020204" pitchFamily="34" charset="0"/>
-              </a:rPr>
-              <a:t>Breast cancer can be diagnosed using several approaches, two of them:</a:t>
-            </a:r>
-          </a:p>
-          <a:p>
-            <a:pPr algn="l" rtl="0">
-              <a:buSzPct val="120000"/>
-              <a:buFont typeface="Arial" panose="020B0604020202020204" pitchFamily="34" charset="0"/>
-              <a:buChar char="•"/>
-            </a:pPr>
-            <a:r>
-              <a:rPr lang="en-US" sz="2000" dirty="0">
-                <a:solidFill>
-                  <a:schemeClr val="tx1"/>
-                </a:solidFill>
-                <a:latin typeface="Arial" panose="020B0604020202020204" pitchFamily="34" charset="0"/>
-                <a:cs typeface="Arial" panose="020B0604020202020204" pitchFamily="34" charset="0"/>
-              </a:rPr>
-              <a:t>Histopathology images, which are microscopic images of breast tissue that are extremely useful in early treatment of the cancer.                                                                                                               </a:t>
-            </a:r>
-          </a:p>
-          <a:p>
-            <a:pPr algn="l" rtl="0">
-              <a:buSzPct val="120000"/>
-              <a:buFont typeface="Arial" panose="020B0604020202020204" pitchFamily="34" charset="0"/>
-              <a:buChar char="•"/>
-            </a:pPr>
-            <a:r>
-              <a:rPr lang="en-US" sz="2000" dirty="0">
-                <a:solidFill>
-                  <a:schemeClr val="tx1"/>
-                </a:solidFill>
-                <a:latin typeface="Arial" panose="020B0604020202020204" pitchFamily="34" charset="0"/>
-                <a:cs typeface="Arial" panose="020B0604020202020204" pitchFamily="34" charset="0"/>
-              </a:rPr>
-              <a:t>Mammography which is specialized medical imaging that uses a low-dose x-ray system to see inside the breasts. A mammography exam, called a mammogram, aids in the early detection and diagnosis of breast diseases in women.</a:t>
-            </a:r>
-          </a:p>
-          <a:p>
-            <a:pPr marL="0" indent="0" algn="l" rtl="0">
-              <a:buNone/>
-            </a:pPr>
             <a:endParaRPr lang="he-IL" dirty="0">
               <a:solidFill>
                 <a:schemeClr val="tx1"/>
@@ -13754,6 +15765,42 @@
           </a:p>
         </p:txBody>
       </p:sp>
+      <p:pic>
+        <p:nvPicPr>
+          <p:cNvPr id="4" name="Picture 3">
+            <a:extLst>
+              <a:ext uri="{FF2B5EF4-FFF2-40B4-BE49-F238E27FC236}">
+                <a16:creationId xmlns:a16="http://schemas.microsoft.com/office/drawing/2014/main" id="{6D0C9643-665E-F2B1-3D4F-95B0ABE9DE0F}"/>
+              </a:ext>
+            </a:extLst>
+          </p:cNvPr>
+          <p:cNvPicPr>
+            <a:picLocks noChangeAspect="1"/>
+          </p:cNvPicPr>
+          <p:nvPr/>
+        </p:nvPicPr>
+        <p:blipFill>
+          <a:blip r:embed="rId2">
+            <a:extLst>
+              <a:ext uri="{28A0092B-C50C-407E-A947-70E740481C1C}">
+                <a14:useLocalDpi xmlns:a14="http://schemas.microsoft.com/office/drawing/2010/main" val="0"/>
+              </a:ext>
+            </a:extLst>
+          </a:blip>
+          <a:stretch>
+            <a:fillRect/>
+          </a:stretch>
+        </p:blipFill>
+        <p:spPr>
+          <a:xfrm>
+            <a:off x="3111967" y="3228975"/>
+            <a:ext cx="5968065" cy="3360020"/>
+          </a:xfrm>
+          <a:prstGeom prst="rect">
+            <a:avLst/>
+          </a:prstGeom>
+        </p:spPr>
+      </p:pic>
     </p:spTree>
     <p:extLst>
       <p:ext uri="{BB962C8B-B14F-4D97-AF65-F5344CB8AC3E}">
@@ -13870,13 +15917,13 @@
         </p:nvSpPr>
         <p:spPr>
           <a:xfrm>
-            <a:off x="1655474" y="467932"/>
-            <a:ext cx="8596668" cy="1320800"/>
+            <a:off x="1797665" y="209947"/>
+            <a:ext cx="9776551" cy="1738689"/>
           </a:xfrm>
         </p:spPr>
         <p:txBody>
           <a:bodyPr>
-            <a:normAutofit/>
+            <a:normAutofit fontScale="90000"/>
           </a:bodyPr>
           <a:lstStyle/>
           <a:p>
@@ -13886,7 +15933,21 @@
                 <a:latin typeface="Arial" panose="020B0604020202020204" pitchFamily="34" charset="0"/>
                 <a:cs typeface="Arial" panose="020B0604020202020204" pitchFamily="34" charset="0"/>
               </a:rPr>
-              <a:t>Breast cancer as of today</a:t>
+              <a:t>breast cancer cells classification using CNN on histopathology and mammography imaging </a:t>
+            </a:r>
+            <a:r>
+              <a:rPr lang="en-US" sz="4000" b="1" dirty="0">
+                <a:latin typeface="Arial" panose="020B0604020202020204" pitchFamily="34" charset="0"/>
+                <a:cs typeface="Arial" panose="020B0604020202020204" pitchFamily="34" charset="0"/>
+              </a:rPr>
+              <a:t>- </a:t>
+            </a:r>
+            <a:r>
+              <a:rPr lang="en-US" sz="4000" dirty="0">
+                <a:latin typeface="Arial" panose="020B0604020202020204" pitchFamily="34" charset="0"/>
+                <a:cs typeface="Arial" panose="020B0604020202020204" pitchFamily="34" charset="0"/>
+              </a:rPr>
+              <a:t>Introduction</a:t>
             </a:r>
             <a:endParaRPr lang="he-IL" sz="4000" dirty="0">
               <a:latin typeface="Arial" panose="020B0604020202020204" pitchFamily="34" charset="0"/>
@@ -13971,8 +16032,8 @@
         </p:nvSpPr>
         <p:spPr>
           <a:xfrm>
-            <a:off x="1475669" y="1788732"/>
-            <a:ext cx="9529828" cy="4311045"/>
+            <a:off x="1383130" y="1830331"/>
+            <a:ext cx="9819603" cy="4365738"/>
           </a:xfrm>
         </p:spPr>
         <p:txBody>
@@ -13984,7 +16045,7 @@
             <a:pPr marL="0" indent="0" algn="l" rtl="0">
               <a:buNone/>
             </a:pPr>
-            <a:r>
+            <a:br>
               <a:rPr lang="en-US" sz="2000" dirty="0">
                 <a:solidFill>
                   <a:schemeClr val="tx1"/>
@@ -13992,28 +16053,48 @@
                 <a:latin typeface="Arial" panose="020B0604020202020204" pitchFamily="34" charset="0"/>
                 <a:cs typeface="Arial" panose="020B0604020202020204" pitchFamily="34" charset="0"/>
               </a:rPr>
-              <a:t>In 2022, an estimated 287,500 new cases of invasive breast cancer will be diagnosed in women in the U.S. as well as 51,400 new cases of non-invasive (in situ) breast cancer.                                                                                                 </a:t>
-            </a:r>
+            </a:br>
+            <a:endParaRPr lang="en-US" sz="2000" dirty="0">
+              <a:solidFill>
+                <a:schemeClr val="tx1"/>
+              </a:solidFill>
+              <a:latin typeface="Arial" panose="020B0604020202020204" pitchFamily="34" charset="0"/>
+              <a:cs typeface="Arial" panose="020B0604020202020204" pitchFamily="34" charset="0"/>
+            </a:endParaRPr>
           </a:p>
           <a:p>
             <a:pPr marL="0" indent="0" algn="l" rtl="0">
               <a:buNone/>
             </a:pPr>
             <a:r>
-              <a:rPr lang="en-US" sz="2000" dirty="0">
+              <a:rPr lang="en-US" sz="2000" b="1" dirty="0">
                 <a:solidFill>
                   <a:schemeClr val="tx1"/>
                 </a:solidFill>
                 <a:latin typeface="Arial" panose="020B0604020202020204" pitchFamily="34" charset="0"/>
                 <a:cs typeface="Arial" panose="020B0604020202020204" pitchFamily="34" charset="0"/>
               </a:rPr>
-              <a:t>65% of breast cancer cases are diagnosed at a localized stage, for which the 5-year relative survival rate is 99%. </a:t>
+              <a:t>Breast cancer can be diagnosed using several approaches, two of them:</a:t>
             </a:r>
           </a:p>
           <a:p>
             <a:pPr marL="0" indent="0" algn="l" rtl="0">
               <a:buNone/>
             </a:pPr>
+            <a:endParaRPr lang="en-US" sz="2000" b="1" dirty="0">
+              <a:solidFill>
+                <a:schemeClr val="tx1"/>
+              </a:solidFill>
+              <a:latin typeface="Arial" panose="020B0604020202020204" pitchFamily="34" charset="0"/>
+              <a:cs typeface="Arial" panose="020B0604020202020204" pitchFamily="34" charset="0"/>
+            </a:endParaRPr>
+          </a:p>
+          <a:p>
+            <a:pPr algn="l" rtl="0">
+              <a:buSzPct val="120000"/>
+              <a:buFont typeface="Arial" panose="020B0604020202020204" pitchFamily="34" charset="0"/>
+              <a:buChar char="•"/>
+            </a:pPr>
             <a:r>
               <a:rPr lang="en-US" sz="2000" dirty="0">
                 <a:solidFill>
@@ -14022,7 +16103,40 @@
                 <a:latin typeface="Arial" panose="020B0604020202020204" pitchFamily="34" charset="0"/>
                 <a:cs typeface="Arial" panose="020B0604020202020204" pitchFamily="34" charset="0"/>
               </a:rPr>
-              <a:t>Breast cancer is the most common cancer in American women, except for skin cancers. It is estimated that in 2022, approximately 30% of all new women cancer diagnoses will be breast cancer.</a:t>
+              <a:t>Histopathology images, which are microscopic images of breast tissue that are extremely useful in early treatment of the cancer.  </a:t>
+            </a:r>
+          </a:p>
+          <a:p>
+            <a:pPr marL="0" indent="0" algn="l" rtl="0">
+              <a:buSzPct val="120000"/>
+              <a:buNone/>
+            </a:pPr>
+            <a:r>
+              <a:rPr lang="en-US" sz="2000" dirty="0">
+                <a:solidFill>
+                  <a:schemeClr val="tx1"/>
+                </a:solidFill>
+                <a:latin typeface="Arial" panose="020B0604020202020204" pitchFamily="34" charset="0"/>
+                <a:cs typeface="Arial" panose="020B0604020202020204" pitchFamily="34" charset="0"/>
+              </a:rPr>
+              <a:t>                                                                                                             </a:t>
+            </a:r>
+          </a:p>
+          <a:p>
+            <a:pPr algn="l" rtl="0">
+              <a:buSzPct val="120000"/>
+              <a:buFont typeface="Arial" panose="020B0604020202020204" pitchFamily="34" charset="0"/>
+              <a:buChar char="•"/>
+            </a:pPr>
+            <a:r>
+              <a:rPr lang="en-US" sz="2000" dirty="0">
+                <a:solidFill>
+                  <a:schemeClr val="tx1"/>
+                </a:solidFill>
+                <a:latin typeface="Arial" panose="020B0604020202020204" pitchFamily="34" charset="0"/>
+                <a:cs typeface="Arial" panose="020B0604020202020204" pitchFamily="34" charset="0"/>
+              </a:rPr>
+              <a:t>Mammography which is specialized medical imaging that uses a low-dose x-ray system to see inside the breasts. A mammography exam, called a mammogram, aids in the early detection and diagnosis of breast diseases in women.</a:t>
             </a:r>
           </a:p>
           <a:p>
@@ -14100,7 +16214,7 @@
           <p:cNvPr id="5" name="מציין מיקום של מספר שקופית 1">
             <a:extLst>
               <a:ext uri="{FF2B5EF4-FFF2-40B4-BE49-F238E27FC236}">
-                <a16:creationId xmlns:a16="http://schemas.microsoft.com/office/drawing/2014/main" id="{BC8F6398-4BCC-76A8-754F-3394D5F9B978}"/>
+                <a16:creationId xmlns:a16="http://schemas.microsoft.com/office/drawing/2014/main" id="{B6C48F98-D4E0-F6B7-FC6F-78BA25EE1922}"/>
               </a:ext>
             </a:extLst>
           </p:cNvPr>
@@ -14113,7 +16227,7 @@
         </p:nvSpPr>
         <p:spPr>
           <a:xfrm>
-            <a:off x="11032713" y="6492875"/>
+            <a:off x="11014027" y="6477152"/>
             <a:ext cx="683339" cy="365125"/>
           </a:xfrm>
         </p:spPr>
@@ -14138,7 +16252,7 @@
     </p:spTree>
     <p:extLst>
       <p:ext uri="{BB962C8B-B14F-4D97-AF65-F5344CB8AC3E}">
-        <p14:creationId xmlns:p14="http://schemas.microsoft.com/office/powerpoint/2010/main" val="3809761881"/>
+        <p14:creationId xmlns:p14="http://schemas.microsoft.com/office/powerpoint/2010/main" val="1964009306"/>
       </p:ext>
     </p:extLst>
   </p:cSld>
@@ -14251,7 +16365,7 @@
         </p:nvSpPr>
         <p:spPr>
           <a:xfrm>
-            <a:off x="1661912" y="377780"/>
+            <a:off x="1655474" y="467932"/>
             <a:ext cx="8596668" cy="1320800"/>
           </a:xfrm>
         </p:spPr>
@@ -14261,24 +16375,15 @@
           </a:bodyPr>
           <a:lstStyle/>
           <a:p>
-            <a:pPr marL="0" marR="0" lvl="0" indent="0" algn="ctr" rtl="0">
-              <a:spcBef>
-                <a:spcPts val="0"/>
-              </a:spcBef>
-              <a:spcAft>
-                <a:spcPts val="0"/>
-              </a:spcAft>
-              <a:buNone/>
-            </a:pPr>
+            <a:pPr algn="ctr" rtl="0"/>
             <a:r>
               <a:rPr lang="en-US" sz="4000" dirty="0">
                 <a:latin typeface="Arial" panose="020B0604020202020204" pitchFamily="34" charset="0"/>
                 <a:cs typeface="Arial" panose="020B0604020202020204" pitchFamily="34" charset="0"/>
-                <a:sym typeface="Arial"/>
               </a:rPr>
-              <a:t>Motivation</a:t>
-            </a:r>
-            <a:endParaRPr lang="en-US" sz="4000" dirty="0">
+              <a:t>Breast cancer as of today</a:t>
+            </a:r>
+            <a:endParaRPr lang="he-IL" sz="4000" dirty="0">
               <a:latin typeface="Arial" panose="020B0604020202020204" pitchFamily="34" charset="0"/>
               <a:cs typeface="Arial" panose="020B0604020202020204" pitchFamily="34" charset="0"/>
             </a:endParaRPr>
@@ -14345,194 +16450,6 @@
       </p:sp>
       <p:sp>
         <p:nvSpPr>
-          <p:cNvPr id="3" name="מציין מיקום תוכן 2">
-            <a:extLst>
-              <a:ext uri="{FF2B5EF4-FFF2-40B4-BE49-F238E27FC236}">
-                <a16:creationId xmlns:a16="http://schemas.microsoft.com/office/drawing/2014/main" id="{E63CB9F7-1BEA-5E29-A0FC-A93719833515}"/>
-              </a:ext>
-            </a:extLst>
-          </p:cNvPr>
-          <p:cNvSpPr>
-            <a:spLocks noGrp="1"/>
-          </p:cNvSpPr>
-          <p:nvPr>
-            <p:ph idx="1"/>
-          </p:nvPr>
-        </p:nvSpPr>
-        <p:spPr>
-          <a:xfrm>
-            <a:off x="1050157" y="1401932"/>
-            <a:ext cx="10485550" cy="5544355"/>
-          </a:xfrm>
-        </p:spPr>
-        <p:txBody>
-          <a:bodyPr>
-            <a:noAutofit/>
-          </a:bodyPr>
-          <a:lstStyle/>
-          <a:p>
-            <a:pPr marL="0" indent="0" algn="l" rtl="0">
-              <a:buNone/>
-            </a:pPr>
-            <a:r>
-              <a:rPr lang="en-US" sz="2000" dirty="0">
-                <a:solidFill>
-                  <a:schemeClr val="tx1"/>
-                </a:solidFill>
-                <a:effectLst/>
-                <a:latin typeface="Arial" panose="020B0604020202020204" pitchFamily="34" charset="0"/>
-                <a:ea typeface="Calibri" panose="020F0502020204030204" pitchFamily="34" charset="0"/>
-                <a:cs typeface="Arial" panose="020B0604020202020204" pitchFamily="34" charset="0"/>
-              </a:rPr>
-              <a:t>There are places and countries where there is shortage of specialist doctors, and patients cannot get results of test to find whether they have breast cancer quickly enough which can worsen survivability rates for them.</a:t>
-            </a:r>
-            <a:br>
-              <a:rPr lang="en-US" sz="2000" dirty="0">
-                <a:solidFill>
-                  <a:schemeClr val="tx1"/>
-                </a:solidFill>
-                <a:effectLst/>
-                <a:latin typeface="Arial" panose="020B0604020202020204" pitchFamily="34" charset="0"/>
-                <a:ea typeface="Calibri" panose="020F0502020204030204" pitchFamily="34" charset="0"/>
-                <a:cs typeface="Arial" panose="020B0604020202020204" pitchFamily="34" charset="0"/>
-              </a:rPr>
-            </a:br>
-            <a:br>
-              <a:rPr lang="en-US" sz="2000" dirty="0">
-                <a:solidFill>
-                  <a:schemeClr val="tx1"/>
-                </a:solidFill>
-                <a:effectLst/>
-                <a:latin typeface="Arial" panose="020B0604020202020204" pitchFamily="34" charset="0"/>
-                <a:ea typeface="Calibri" panose="020F0502020204030204" pitchFamily="34" charset="0"/>
-                <a:cs typeface="Arial" panose="020B0604020202020204" pitchFamily="34" charset="0"/>
-              </a:rPr>
-            </a:br>
-            <a:r>
-              <a:rPr lang="en-US" sz="2000" b="1" dirty="0">
-                <a:solidFill>
-                  <a:schemeClr val="tx1"/>
-                </a:solidFill>
-                <a:effectLst/>
-                <a:latin typeface="Arial" panose="020B0604020202020204" pitchFamily="34" charset="0"/>
-                <a:ea typeface="Calibri" panose="020F0502020204030204" pitchFamily="34" charset="0"/>
-                <a:cs typeface="Arial" panose="020B0604020202020204" pitchFamily="34" charset="0"/>
-              </a:rPr>
-              <a:t>Early detection using automated classification tool can bring about these aspects:</a:t>
-            </a:r>
-            <a:endParaRPr lang="en-US" sz="2000" dirty="0">
-              <a:solidFill>
-                <a:schemeClr val="tx1"/>
-              </a:solidFill>
-              <a:latin typeface="Arial" panose="020B0604020202020204" pitchFamily="34" charset="0"/>
-              <a:ea typeface="Calibri" panose="020F0502020204030204" pitchFamily="34" charset="0"/>
-              <a:cs typeface="Arial" panose="020B0604020202020204" pitchFamily="34" charset="0"/>
-            </a:endParaRPr>
-          </a:p>
-          <a:p>
-            <a:pPr algn="l" rtl="0">
-              <a:buSzPct val="140000"/>
-              <a:buFont typeface="Arial" panose="020B0604020202020204" pitchFamily="34" charset="0"/>
-              <a:buChar char="•"/>
-            </a:pPr>
-            <a:r>
-              <a:rPr lang="en-US" sz="2000" dirty="0">
-                <a:solidFill>
-                  <a:schemeClr val="tx1"/>
-                </a:solidFill>
-                <a:effectLst/>
-                <a:latin typeface="Arial" panose="020B0604020202020204" pitchFamily="34" charset="0"/>
-                <a:ea typeface="Calibri" panose="020F0502020204030204" pitchFamily="34" charset="0"/>
-                <a:cs typeface="Arial" panose="020B0604020202020204" pitchFamily="34" charset="0"/>
-              </a:rPr>
-              <a:t>earlier detection can drastically improv the patient's survival chances.</a:t>
-            </a:r>
-          </a:p>
-          <a:p>
-            <a:pPr algn="l" rtl="0">
-              <a:buSzPct val="140000"/>
-              <a:buFont typeface="Arial" panose="020B0604020202020204" pitchFamily="34" charset="0"/>
-              <a:buChar char="•"/>
-            </a:pPr>
-            <a:r>
-              <a:rPr lang="en-US" sz="2000" dirty="0">
-                <a:solidFill>
-                  <a:schemeClr val="tx1"/>
-                </a:solidFill>
-                <a:effectLst/>
-                <a:latin typeface="Arial" panose="020B0604020202020204" pitchFamily="34" charset="0"/>
-                <a:ea typeface="Calibri" panose="020F0502020204030204" pitchFamily="34" charset="0"/>
-                <a:cs typeface="Arial" panose="020B0604020202020204" pitchFamily="34" charset="0"/>
-              </a:rPr>
-              <a:t>waiting time for a diagnosis will be reduced and patient can get treatment earlier.</a:t>
-            </a:r>
-          </a:p>
-          <a:p>
-            <a:pPr algn="l" rtl="0">
-              <a:buSzPct val="140000"/>
-              <a:buFont typeface="Arial" panose="020B0604020202020204" pitchFamily="34" charset="0"/>
-              <a:buChar char="•"/>
-            </a:pPr>
-            <a:r>
-              <a:rPr lang="en-US" sz="2000" dirty="0">
-                <a:solidFill>
-                  <a:schemeClr val="tx1"/>
-                </a:solidFill>
-                <a:latin typeface="Arial" panose="020B0604020202020204" pitchFamily="34" charset="0"/>
-                <a:ea typeface="Calibri" panose="020F0502020204030204" pitchFamily="34" charset="0"/>
-                <a:cs typeface="Arial" panose="020B0604020202020204" pitchFamily="34" charset="0"/>
-              </a:rPr>
-              <a:t>When there is lack of specialist doctors, these tools can help serve as secondary opinions </a:t>
-            </a:r>
-            <a:endParaRPr lang="en-US" sz="2000" dirty="0">
-              <a:solidFill>
-                <a:schemeClr val="tx1"/>
-              </a:solidFill>
-              <a:effectLst/>
-              <a:latin typeface="Arial" panose="020B0604020202020204" pitchFamily="34" charset="0"/>
-              <a:ea typeface="Calibri" panose="020F0502020204030204" pitchFamily="34" charset="0"/>
-              <a:cs typeface="Arial" panose="020B0604020202020204" pitchFamily="34" charset="0"/>
-            </a:endParaRPr>
-          </a:p>
-          <a:p>
-            <a:pPr marL="0" indent="0" algn="l" rtl="0">
-              <a:buSzPct val="140000"/>
-              <a:buNone/>
-            </a:pPr>
-            <a:br>
-              <a:rPr lang="en-US" sz="2000" dirty="0">
-                <a:solidFill>
-                  <a:schemeClr val="tx1"/>
-                </a:solidFill>
-                <a:effectLst/>
-                <a:latin typeface="Arial" panose="020B0604020202020204" pitchFamily="34" charset="0"/>
-                <a:ea typeface="Calibri" panose="020F0502020204030204" pitchFamily="34" charset="0"/>
-                <a:cs typeface="Arial" panose="020B0604020202020204" pitchFamily="34" charset="0"/>
-              </a:rPr>
-            </a:br>
-            <a:endParaRPr lang="en-US" sz="2000" dirty="0">
-              <a:solidFill>
-                <a:schemeClr val="tx1"/>
-              </a:solidFill>
-              <a:effectLst/>
-              <a:latin typeface="Arial" panose="020B0604020202020204" pitchFamily="34" charset="0"/>
-              <a:ea typeface="Calibri" panose="020F0502020204030204" pitchFamily="34" charset="0"/>
-            </a:endParaRPr>
-          </a:p>
-          <a:p>
-            <a:pPr marL="0" indent="0" algn="l" rtl="0">
-              <a:buNone/>
-            </a:pPr>
-            <a:endParaRPr lang="he-IL" sz="2000" dirty="0">
-              <a:solidFill>
-                <a:schemeClr val="tx1"/>
-              </a:solidFill>
-            </a:endParaRPr>
-          </a:p>
-        </p:txBody>
-      </p:sp>
-      <p:sp>
-        <p:nvSpPr>
           <p:cNvPr id="37" name="Isosceles Triangle 36">
             <a:extLst>
               <a:ext uri="{FF2B5EF4-FFF2-40B4-BE49-F238E27FC236}">
@@ -14594,128 +16511,32 @@
           <p:cNvPr id="5" name="מציין מיקום של מספר שקופית 1">
             <a:extLst>
               <a:ext uri="{FF2B5EF4-FFF2-40B4-BE49-F238E27FC236}">
-                <a16:creationId xmlns:a16="http://schemas.microsoft.com/office/drawing/2014/main" id="{D97A153C-E38E-40E3-D83C-A8030D5D8966}"/>
+                <a16:creationId xmlns:a16="http://schemas.microsoft.com/office/drawing/2014/main" id="{BC8F6398-4BCC-76A8-754F-3394D5F9B978}"/>
               </a:ext>
             </a:extLst>
           </p:cNvPr>
-          <p:cNvSpPr txBox="1">
-            <a:spLocks/>
-          </p:cNvSpPr>
-          <p:nvPr/>
+          <p:cNvSpPr>
+            <a:spLocks noGrp="1"/>
+          </p:cNvSpPr>
+          <p:nvPr>
+            <p:ph type="sldNum" sz="quarter" idx="12"/>
+          </p:nvPr>
         </p:nvSpPr>
         <p:spPr>
           <a:xfrm>
-            <a:off x="11041698" y="6513364"/>
+            <a:off x="11032713" y="6492875"/>
             <a:ext cx="683339" cy="365125"/>
           </a:xfrm>
-          <a:prstGeom prst="rect">
-            <a:avLst/>
-          </a:prstGeom>
         </p:spPr>
         <p:txBody>
-          <a:bodyPr vert="horz" lIns="91440" tIns="45720" rIns="91440" bIns="45720" rtlCol="0" anchor="ctr"/>
-          <a:lstStyle>
-            <a:defPPr>
-              <a:defRPr lang="en-US"/>
-            </a:defPPr>
-            <a:lvl1pPr marL="0" algn="r" defTabSz="457200" rtl="0" eaLnBrk="1" latinLnBrk="0" hangingPunct="1">
-              <a:defRPr sz="900" kern="1200">
-                <a:solidFill>
-                  <a:schemeClr val="accent1"/>
-                </a:solidFill>
-                <a:latin typeface="+mn-lt"/>
-                <a:ea typeface="+mn-ea"/>
-                <a:cs typeface="+mn-cs"/>
-              </a:defRPr>
-            </a:lvl1pPr>
-            <a:lvl2pPr marL="457200" algn="l" defTabSz="457200" rtl="0" eaLnBrk="1" latinLnBrk="0" hangingPunct="1">
-              <a:defRPr sz="1800" kern="1200">
-                <a:solidFill>
-                  <a:schemeClr val="tx1"/>
-                </a:solidFill>
-                <a:latin typeface="+mn-lt"/>
-                <a:ea typeface="+mn-ea"/>
-                <a:cs typeface="+mn-cs"/>
-              </a:defRPr>
-            </a:lvl2pPr>
-            <a:lvl3pPr marL="914400" algn="l" defTabSz="457200" rtl="0" eaLnBrk="1" latinLnBrk="0" hangingPunct="1">
-              <a:defRPr sz="1800" kern="1200">
-                <a:solidFill>
-                  <a:schemeClr val="tx1"/>
-                </a:solidFill>
-                <a:latin typeface="+mn-lt"/>
-                <a:ea typeface="+mn-ea"/>
-                <a:cs typeface="+mn-cs"/>
-              </a:defRPr>
-            </a:lvl3pPr>
-            <a:lvl4pPr marL="1371600" algn="l" defTabSz="457200" rtl="0" eaLnBrk="1" latinLnBrk="0" hangingPunct="1">
-              <a:defRPr sz="1800" kern="1200">
-                <a:solidFill>
-                  <a:schemeClr val="tx1"/>
-                </a:solidFill>
-                <a:latin typeface="+mn-lt"/>
-                <a:ea typeface="+mn-ea"/>
-                <a:cs typeface="+mn-cs"/>
-              </a:defRPr>
-            </a:lvl4pPr>
-            <a:lvl5pPr marL="1828800" algn="l" defTabSz="457200" rtl="0" eaLnBrk="1" latinLnBrk="0" hangingPunct="1">
-              <a:defRPr sz="1800" kern="1200">
-                <a:solidFill>
-                  <a:schemeClr val="tx1"/>
-                </a:solidFill>
-                <a:latin typeface="+mn-lt"/>
-                <a:ea typeface="+mn-ea"/>
-                <a:cs typeface="+mn-cs"/>
-              </a:defRPr>
-            </a:lvl5pPr>
-            <a:lvl6pPr marL="2286000" algn="l" defTabSz="457200" rtl="0" eaLnBrk="1" latinLnBrk="0" hangingPunct="1">
-              <a:defRPr sz="1800" kern="1200">
-                <a:solidFill>
-                  <a:schemeClr val="tx1"/>
-                </a:solidFill>
-                <a:latin typeface="+mn-lt"/>
-                <a:ea typeface="+mn-ea"/>
-                <a:cs typeface="+mn-cs"/>
-              </a:defRPr>
-            </a:lvl6pPr>
-            <a:lvl7pPr marL="2743200" algn="l" defTabSz="457200" rtl="0" eaLnBrk="1" latinLnBrk="0" hangingPunct="1">
-              <a:defRPr sz="1800" kern="1200">
-                <a:solidFill>
-                  <a:schemeClr val="tx1"/>
-                </a:solidFill>
-                <a:latin typeface="+mn-lt"/>
-                <a:ea typeface="+mn-ea"/>
-                <a:cs typeface="+mn-cs"/>
-              </a:defRPr>
-            </a:lvl7pPr>
-            <a:lvl8pPr marL="3200400" algn="l" defTabSz="457200" rtl="0" eaLnBrk="1" latinLnBrk="0" hangingPunct="1">
-              <a:defRPr sz="1800" kern="1200">
-                <a:solidFill>
-                  <a:schemeClr val="tx1"/>
-                </a:solidFill>
-                <a:latin typeface="+mn-lt"/>
-                <a:ea typeface="+mn-ea"/>
-                <a:cs typeface="+mn-cs"/>
-              </a:defRPr>
-            </a:lvl8pPr>
-            <a:lvl9pPr marL="3657600" algn="l" defTabSz="457200" rtl="0" eaLnBrk="1" latinLnBrk="0" hangingPunct="1">
-              <a:defRPr sz="1800" kern="1200">
-                <a:solidFill>
-                  <a:schemeClr val="tx1"/>
-                </a:solidFill>
-                <a:latin typeface="+mn-lt"/>
-                <a:ea typeface="+mn-ea"/>
-                <a:cs typeface="+mn-cs"/>
-              </a:defRPr>
-            </a:lvl9pPr>
-          </a:lstStyle>
+          <a:bodyPr/>
+          <a:lstStyle/>
           <a:p>
             <a:fld id="{FEDBE076-7370-4F39-B8CE-D2BB33626AF3}" type="slidenum">
               <a:rPr lang="he-IL" sz="1200" smtClean="0">
                 <a:latin typeface="Arial" panose="020B0604020202020204" pitchFamily="34" charset="0"/>
                 <a:cs typeface="Arial" panose="020B0604020202020204" pitchFamily="34" charset="0"/>
               </a:rPr>
-              <a:pPr/>
               <a:t>5</a:t>
             </a:fld>
             <a:endParaRPr lang="he-IL" sz="1000" dirty="0">
@@ -14725,10 +16546,159 @@
           </a:p>
         </p:txBody>
       </p:sp>
+      <p:pic>
+        <p:nvPicPr>
+          <p:cNvPr id="6" name="Picture 5">
+            <a:extLst>
+              <a:ext uri="{FF2B5EF4-FFF2-40B4-BE49-F238E27FC236}">
+                <a16:creationId xmlns:a16="http://schemas.microsoft.com/office/drawing/2014/main" id="{495D8785-4D34-7720-3450-8557FE6FEDCD}"/>
+              </a:ext>
+            </a:extLst>
+          </p:cNvPr>
+          <p:cNvPicPr>
+            <a:picLocks noChangeAspect="1"/>
+          </p:cNvPicPr>
+          <p:nvPr/>
+        </p:nvPicPr>
+        <p:blipFill rotWithShape="1">
+          <a:blip r:embed="rId2"/>
+          <a:srcRect b="2317"/>
+          <a:stretch/>
+        </p:blipFill>
+        <p:spPr>
+          <a:xfrm>
+            <a:off x="1511907" y="1372562"/>
+            <a:ext cx="2612740" cy="2587158"/>
+          </a:xfrm>
+          <a:prstGeom prst="rect">
+            <a:avLst/>
+          </a:prstGeom>
+        </p:spPr>
+      </p:pic>
+      <p:pic>
+        <p:nvPicPr>
+          <p:cNvPr id="8" name="Picture 7">
+            <a:extLst>
+              <a:ext uri="{FF2B5EF4-FFF2-40B4-BE49-F238E27FC236}">
+                <a16:creationId xmlns:a16="http://schemas.microsoft.com/office/drawing/2014/main" id="{CC73B7F4-7F46-DBF1-57DF-822D102ACCEE}"/>
+              </a:ext>
+            </a:extLst>
+          </p:cNvPr>
+          <p:cNvPicPr>
+            <a:picLocks noChangeAspect="1"/>
+          </p:cNvPicPr>
+          <p:nvPr/>
+        </p:nvPicPr>
+        <p:blipFill>
+          <a:blip r:embed="rId3"/>
+          <a:stretch>
+            <a:fillRect/>
+          </a:stretch>
+        </p:blipFill>
+        <p:spPr>
+          <a:xfrm>
+            <a:off x="8731718" y="1373339"/>
+            <a:ext cx="2612739" cy="2639861"/>
+          </a:xfrm>
+          <a:prstGeom prst="rect">
+            <a:avLst/>
+          </a:prstGeom>
+        </p:spPr>
+      </p:pic>
+      <p:pic>
+        <p:nvPicPr>
+          <p:cNvPr id="10" name="Picture 9">
+            <a:extLst>
+              <a:ext uri="{FF2B5EF4-FFF2-40B4-BE49-F238E27FC236}">
+                <a16:creationId xmlns:a16="http://schemas.microsoft.com/office/drawing/2014/main" id="{75C78006-8D4C-F45B-B03A-EB7AD4CE54B0}"/>
+              </a:ext>
+            </a:extLst>
+          </p:cNvPr>
+          <p:cNvPicPr>
+            <a:picLocks noChangeAspect="1"/>
+          </p:cNvPicPr>
+          <p:nvPr/>
+        </p:nvPicPr>
+        <p:blipFill>
+          <a:blip r:embed="rId4"/>
+          <a:stretch>
+            <a:fillRect/>
+          </a:stretch>
+        </p:blipFill>
+        <p:spPr>
+          <a:xfrm>
+            <a:off x="5193626" y="1372562"/>
+            <a:ext cx="2612739" cy="2648902"/>
+          </a:xfrm>
+          <a:prstGeom prst="rect">
+            <a:avLst/>
+          </a:prstGeom>
+        </p:spPr>
+      </p:pic>
+      <p:pic>
+        <p:nvPicPr>
+          <p:cNvPr id="12" name="Picture 11">
+            <a:extLst>
+              <a:ext uri="{FF2B5EF4-FFF2-40B4-BE49-F238E27FC236}">
+                <a16:creationId xmlns:a16="http://schemas.microsoft.com/office/drawing/2014/main" id="{FE4E2BC0-01DE-583A-6A77-042712FF56A4}"/>
+              </a:ext>
+            </a:extLst>
+          </p:cNvPr>
+          <p:cNvPicPr>
+            <a:picLocks noChangeAspect="1"/>
+          </p:cNvPicPr>
+          <p:nvPr/>
+        </p:nvPicPr>
+        <p:blipFill>
+          <a:blip r:embed="rId5"/>
+          <a:stretch>
+            <a:fillRect/>
+          </a:stretch>
+        </p:blipFill>
+        <p:spPr>
+          <a:xfrm>
+            <a:off x="6924756" y="4227529"/>
+            <a:ext cx="2443162" cy="2512472"/>
+          </a:xfrm>
+          <a:prstGeom prst="rect">
+            <a:avLst/>
+          </a:prstGeom>
+        </p:spPr>
+      </p:pic>
+      <p:pic>
+        <p:nvPicPr>
+          <p:cNvPr id="14" name="Picture 13">
+            <a:extLst>
+              <a:ext uri="{FF2B5EF4-FFF2-40B4-BE49-F238E27FC236}">
+                <a16:creationId xmlns:a16="http://schemas.microsoft.com/office/drawing/2014/main" id="{873D952F-83FF-1207-8000-0B0298895CCD}"/>
+              </a:ext>
+            </a:extLst>
+          </p:cNvPr>
+          <p:cNvPicPr>
+            <a:picLocks noChangeAspect="1"/>
+          </p:cNvPicPr>
+          <p:nvPr/>
+        </p:nvPicPr>
+        <p:blipFill>
+          <a:blip r:embed="rId6"/>
+          <a:stretch>
+            <a:fillRect/>
+          </a:stretch>
+        </p:blipFill>
+        <p:spPr>
+          <a:xfrm>
+            <a:off x="3548062" y="4227529"/>
+            <a:ext cx="2486117" cy="2512472"/>
+          </a:xfrm>
+          <a:prstGeom prst="rect">
+            <a:avLst/>
+          </a:prstGeom>
+        </p:spPr>
+      </p:pic>
     </p:spTree>
     <p:extLst>
       <p:ext uri="{BB962C8B-B14F-4D97-AF65-F5344CB8AC3E}">
-        <p14:creationId xmlns:p14="http://schemas.microsoft.com/office/powerpoint/2010/main" val="3600252326"/>
+        <p14:creationId xmlns:p14="http://schemas.microsoft.com/office/powerpoint/2010/main" val="3809761881"/>
       </p:ext>
     </p:extLst>
   </p:cSld>
@@ -14866,7 +16836,7 @@
                 <a:cs typeface="Arial" panose="020B0604020202020204" pitchFamily="34" charset="0"/>
                 <a:sym typeface="Arial"/>
               </a:rPr>
-              <a:t>Approach to solution</a:t>
+              <a:t>Motivation</a:t>
             </a:r>
             <a:endParaRPr lang="en-US" sz="4000" dirty="0">
               <a:latin typeface="Arial" panose="020B0604020202020204" pitchFamily="34" charset="0"/>
@@ -14951,7 +16921,7 @@
         </p:nvSpPr>
         <p:spPr>
           <a:xfrm>
-            <a:off x="1050157" y="1370401"/>
+            <a:off x="1050157" y="1401932"/>
             <a:ext cx="10485550" cy="5544355"/>
           </a:xfrm>
         </p:spPr>
@@ -14974,8 +16944,121 @@
                 <a:ea typeface="Calibri" panose="020F0502020204030204" pitchFamily="34" charset="0"/>
                 <a:cs typeface="Arial" panose="020B0604020202020204" pitchFamily="34" charset="0"/>
               </a:rPr>
-              <a:t>we expect to build a system that classify if a patient has breast cancer based on mammography and histopathological imaging with higher accuracy than the automatic classifications of today.</a:t>
-            </a:r>
+              <a:t>There are places and countries where there is shortage of specialist doctors, and patients cannot get results of test to find whether they have breast cancer quickly enough which can worsen survivability rates for them.</a:t>
+            </a:r>
+            <a:br>
+              <a:rPr lang="en-US" sz="2000" dirty="0">
+                <a:solidFill>
+                  <a:schemeClr val="tx1"/>
+                </a:solidFill>
+                <a:effectLst/>
+                <a:latin typeface="Arial" panose="020B0604020202020204" pitchFamily="34" charset="0"/>
+                <a:ea typeface="Calibri" panose="020F0502020204030204" pitchFamily="34" charset="0"/>
+                <a:cs typeface="Arial" panose="020B0604020202020204" pitchFamily="34" charset="0"/>
+              </a:rPr>
+            </a:br>
+            <a:br>
+              <a:rPr lang="en-US" sz="2000" dirty="0">
+                <a:solidFill>
+                  <a:schemeClr val="tx1"/>
+                </a:solidFill>
+                <a:effectLst/>
+                <a:latin typeface="Arial" panose="020B0604020202020204" pitchFamily="34" charset="0"/>
+                <a:ea typeface="Calibri" panose="020F0502020204030204" pitchFamily="34" charset="0"/>
+                <a:cs typeface="Arial" panose="020B0604020202020204" pitchFamily="34" charset="0"/>
+              </a:rPr>
+            </a:br>
+            <a:r>
+              <a:rPr lang="en-US" sz="2000" b="1" dirty="0">
+                <a:solidFill>
+                  <a:schemeClr val="tx1"/>
+                </a:solidFill>
+                <a:effectLst/>
+                <a:latin typeface="Arial" panose="020B0604020202020204" pitchFamily="34" charset="0"/>
+                <a:ea typeface="Calibri" panose="020F0502020204030204" pitchFamily="34" charset="0"/>
+                <a:cs typeface="Arial" panose="020B0604020202020204" pitchFamily="34" charset="0"/>
+              </a:rPr>
+              <a:t>Early detection using automated classification tool can bring about these aspects:</a:t>
+            </a:r>
+            <a:endParaRPr lang="en-US" sz="2000" dirty="0">
+              <a:solidFill>
+                <a:schemeClr val="tx1"/>
+              </a:solidFill>
+              <a:latin typeface="Arial" panose="020B0604020202020204" pitchFamily="34" charset="0"/>
+              <a:ea typeface="Calibri" panose="020F0502020204030204" pitchFamily="34" charset="0"/>
+              <a:cs typeface="Arial" panose="020B0604020202020204" pitchFamily="34" charset="0"/>
+            </a:endParaRPr>
+          </a:p>
+          <a:p>
+            <a:pPr algn="l" rtl="0">
+              <a:buSzPct val="140000"/>
+              <a:buFont typeface="Arial" panose="020B0604020202020204" pitchFamily="34" charset="0"/>
+              <a:buChar char="•"/>
+            </a:pPr>
+            <a:r>
+              <a:rPr lang="en-US" sz="2000" dirty="0">
+                <a:solidFill>
+                  <a:schemeClr val="tx1"/>
+                </a:solidFill>
+                <a:effectLst/>
+                <a:latin typeface="Arial" panose="020B0604020202020204" pitchFamily="34" charset="0"/>
+                <a:ea typeface="Calibri" panose="020F0502020204030204" pitchFamily="34" charset="0"/>
+                <a:cs typeface="Arial" panose="020B0604020202020204" pitchFamily="34" charset="0"/>
+              </a:rPr>
+              <a:t>earlier detection can drastically improve the patient's survival chances.</a:t>
+            </a:r>
+          </a:p>
+          <a:p>
+            <a:pPr algn="l" rtl="0">
+              <a:buSzPct val="140000"/>
+              <a:buFont typeface="Arial" panose="020B0604020202020204" pitchFamily="34" charset="0"/>
+              <a:buChar char="•"/>
+            </a:pPr>
+            <a:r>
+              <a:rPr lang="en-US" sz="2000" dirty="0">
+                <a:solidFill>
+                  <a:schemeClr val="tx1"/>
+                </a:solidFill>
+                <a:effectLst/>
+                <a:latin typeface="Arial" panose="020B0604020202020204" pitchFamily="34" charset="0"/>
+                <a:ea typeface="Calibri" panose="020F0502020204030204" pitchFamily="34" charset="0"/>
+                <a:cs typeface="Arial" panose="020B0604020202020204" pitchFamily="34" charset="0"/>
+              </a:rPr>
+              <a:t>waiting time for a diagnosis will be reduced and patient can get treatment earlier.</a:t>
+            </a:r>
+          </a:p>
+          <a:p>
+            <a:pPr algn="l" rtl="0">
+              <a:buSzPct val="140000"/>
+              <a:buFont typeface="Arial" panose="020B0604020202020204" pitchFamily="34" charset="0"/>
+              <a:buChar char="•"/>
+            </a:pPr>
+            <a:r>
+              <a:rPr lang="en-US" sz="2000" dirty="0">
+                <a:solidFill>
+                  <a:schemeClr val="tx1"/>
+                </a:solidFill>
+                <a:latin typeface="Arial" panose="020B0604020202020204" pitchFamily="34" charset="0"/>
+                <a:ea typeface="Calibri" panose="020F0502020204030204" pitchFamily="34" charset="0"/>
+                <a:cs typeface="Arial" panose="020B0604020202020204" pitchFamily="34" charset="0"/>
+              </a:rPr>
+              <a:t>When there is lack of specialist doctors, these tools can help serve as secondary opinions </a:t>
+            </a:r>
+            <a:endParaRPr lang="en-US" sz="2000" dirty="0">
+              <a:solidFill>
+                <a:schemeClr val="tx1"/>
+              </a:solidFill>
+              <a:effectLst/>
+              <a:latin typeface="Arial" panose="020B0604020202020204" pitchFamily="34" charset="0"/>
+              <a:ea typeface="Calibri" panose="020F0502020204030204" pitchFamily="34" charset="0"/>
+              <a:cs typeface="Arial" panose="020B0604020202020204" pitchFamily="34" charset="0"/>
+            </a:endParaRPr>
+          </a:p>
+          <a:p>
+            <a:pPr marL="0" indent="0" algn="l" rtl="0">
+              <a:buSzPct val="140000"/>
+              <a:buNone/>
+            </a:pPr>
             <a:br>
               <a:rPr lang="en-US" sz="2000" dirty="0">
                 <a:solidFill>
@@ -14994,63 +17077,16 @@
               <a:effectLst/>
               <a:latin typeface="Arial" panose="020B0604020202020204" pitchFamily="34" charset="0"/>
               <a:ea typeface="Calibri" panose="020F0502020204030204" pitchFamily="34" charset="0"/>
-              <a:cs typeface="Arial" panose="020B0604020202020204" pitchFamily="34" charset="0"/>
             </a:endParaRPr>
           </a:p>
           <a:p>
             <a:pPr marL="0" indent="0" algn="l" rtl="0">
               <a:buNone/>
             </a:pPr>
-            <a:r>
-              <a:rPr lang="en-US" sz="2000" dirty="0">
-                <a:solidFill>
-                  <a:schemeClr val="tx1"/>
-                </a:solidFill>
-                <a:effectLst/>
-                <a:latin typeface="Arial" panose="020B0604020202020204" pitchFamily="34" charset="0"/>
-                <a:ea typeface="Calibri" panose="020F0502020204030204" pitchFamily="34" charset="0"/>
-                <a:cs typeface="Arial" panose="020B0604020202020204" pitchFamily="34" charset="0"/>
-              </a:rPr>
-              <a:t>in places where there is shortage of specialist doctors, our system classify both on  mammography and histopathology as at risk for cancer, and the patient will be considered more urgent for diagnose of a specialist doctor.</a:t>
-            </a:r>
-          </a:p>
-          <a:p>
-            <a:pPr marL="0" indent="0" algn="l" rtl="0">
-              <a:buNone/>
-            </a:pPr>
-            <a:br>
-              <a:rPr lang="en-US" sz="2000" dirty="0">
-                <a:solidFill>
-                  <a:schemeClr val="tx1"/>
-                </a:solidFill>
-                <a:effectLst/>
-                <a:latin typeface="Arial" panose="020B0604020202020204" pitchFamily="34" charset="0"/>
-                <a:ea typeface="Calibri" panose="020F0502020204030204" pitchFamily="34" charset="0"/>
-                <a:cs typeface="Arial" panose="020B0604020202020204" pitchFamily="34" charset="0"/>
-              </a:rPr>
-            </a:br>
-            <a:r>
-              <a:rPr lang="en-US" sz="2000" dirty="0">
-                <a:solidFill>
-                  <a:schemeClr val="tx1"/>
-                </a:solidFill>
-                <a:latin typeface="Arial" panose="020B0604020202020204" pitchFamily="34" charset="0"/>
-                <a:cs typeface="Arial" panose="020B0604020202020204" pitchFamily="34" charset="0"/>
-              </a:rPr>
-              <a:t>We will use the BreakHis (Histopathology) and RSNA Screening mammography dataset to research 2 CNN architectures (DenseNet, Inception V4) while testing different hyperparameters to maximize our accuracy of breast cancer detection.</a:t>
-            </a:r>
-          </a:p>
-          <a:p>
-            <a:pPr marL="0" indent="0" algn="l" rtl="0">
-              <a:buNone/>
-            </a:pPr>
-            <a:endParaRPr lang="en-US" sz="2000" dirty="0">
+            <a:endParaRPr lang="he-IL" sz="2000" dirty="0">
               <a:solidFill>
                 <a:schemeClr val="tx1"/>
               </a:solidFill>
-              <a:effectLst/>
-              <a:latin typeface="Arial" panose="020B0604020202020204" pitchFamily="34" charset="0"/>
-              <a:ea typeface="Calibri" panose="020F0502020204030204" pitchFamily="34" charset="0"/>
             </a:endParaRPr>
           </a:p>
         </p:txBody>
@@ -15118,7 +17154,7 @@
           <p:cNvPr id="5" name="מציין מיקום של מספר שקופית 1">
             <a:extLst>
               <a:ext uri="{FF2B5EF4-FFF2-40B4-BE49-F238E27FC236}">
-                <a16:creationId xmlns:a16="http://schemas.microsoft.com/office/drawing/2014/main" id="{043B0C4A-0CA5-E0E0-5D69-7B2626E352FA}"/>
+                <a16:creationId xmlns:a16="http://schemas.microsoft.com/office/drawing/2014/main" id="{D97A153C-E38E-40E3-D83C-A8030D5D8966}"/>
               </a:ext>
             </a:extLst>
           </p:cNvPr>
@@ -15129,7 +17165,7 @@
         </p:nvSpPr>
         <p:spPr>
           <a:xfrm>
-            <a:off x="11059927" y="6492875"/>
+            <a:off x="11041698" y="6513364"/>
             <a:ext cx="683339" cy="365125"/>
           </a:xfrm>
           <a:prstGeom prst="rect">
@@ -15252,7 +17288,7 @@
     </p:spTree>
     <p:extLst>
       <p:ext uri="{BB962C8B-B14F-4D97-AF65-F5344CB8AC3E}">
-        <p14:creationId xmlns:p14="http://schemas.microsoft.com/office/powerpoint/2010/main" val="2377847693"/>
+        <p14:creationId xmlns:p14="http://schemas.microsoft.com/office/powerpoint/2010/main" val="3600252326"/>
       </p:ext>
     </p:extLst>
   </p:cSld>
@@ -15365,8 +17401,8 @@
         </p:nvSpPr>
         <p:spPr>
           <a:xfrm>
-            <a:off x="1681231" y="419895"/>
-            <a:ext cx="8596668" cy="1177085"/>
+            <a:off x="1661912" y="377780"/>
+            <a:ext cx="8596668" cy="1320800"/>
           </a:xfrm>
         </p:spPr>
         <p:txBody>
@@ -15375,15 +17411,24 @@
           </a:bodyPr>
           <a:lstStyle/>
           <a:p>
-            <a:pPr algn="ctr" rtl="0"/>
+            <a:pPr marL="0" marR="0" lvl="0" indent="0" algn="ctr" rtl="0">
+              <a:spcBef>
+                <a:spcPts val="0"/>
+              </a:spcBef>
+              <a:spcAft>
+                <a:spcPts val="0"/>
+              </a:spcAft>
+              <a:buNone/>
+            </a:pPr>
             <a:r>
               <a:rPr lang="en-US" sz="4000" dirty="0">
                 <a:latin typeface="Arial" panose="020B0604020202020204" pitchFamily="34" charset="0"/>
                 <a:cs typeface="Arial" panose="020B0604020202020204" pitchFamily="34" charset="0"/>
+                <a:sym typeface="Arial"/>
               </a:rPr>
-              <a:t>CNN</a:t>
-            </a:r>
-            <a:endParaRPr lang="he-IL" sz="4000" dirty="0">
+              <a:t>Approach to solution</a:t>
+            </a:r>
+            <a:endParaRPr lang="en-US" sz="4000" dirty="0">
               <a:latin typeface="Arial" panose="020B0604020202020204" pitchFamily="34" charset="0"/>
               <a:cs typeface="Arial" panose="020B0604020202020204" pitchFamily="34" charset="0"/>
             </a:endParaRPr>
@@ -15466,13 +17511,13 @@
         </p:nvSpPr>
         <p:spPr>
           <a:xfrm>
-            <a:off x="1249788" y="1357209"/>
-            <a:ext cx="9954831" cy="5215943"/>
+            <a:off x="1050157" y="1313645"/>
+            <a:ext cx="10485550" cy="5544355"/>
           </a:xfrm>
         </p:spPr>
         <p:txBody>
           <a:bodyPr>
-            <a:normAutofit/>
+            <a:noAutofit/>
           </a:bodyPr>
           <a:lstStyle/>
           <a:p>
@@ -15489,7 +17534,7 @@
                 <a:ea typeface="Calibri" panose="020F0502020204030204" pitchFamily="34" charset="0"/>
                 <a:cs typeface="Arial" panose="020B0604020202020204" pitchFamily="34" charset="0"/>
               </a:rPr>
-              <a:t>Convolutional neural networks are a specialized type of artificial neural networks that use a mathematical operation called convolution. </a:t>
+              <a:t>we expect to build a system that classify if a patient has breast cancer based on mammography and histopathological imaging with higher accuracy than the automatic classifications of today.</a:t>
             </a:r>
             <a:br>
               <a:rPr lang="en-US" sz="2000" dirty="0">
@@ -15516,6 +17561,64 @@
             <a:pPr marL="0" indent="0" algn="l" rtl="0">
               <a:buNone/>
             </a:pPr>
+            <a:endParaRPr lang="en-US" sz="2000" b="1" dirty="0">
+              <a:solidFill>
+                <a:schemeClr val="tx1"/>
+              </a:solidFill>
+              <a:latin typeface="Arial" panose="020B0604020202020204" pitchFamily="34" charset="0"/>
+              <a:ea typeface="Calibri" panose="020F0502020204030204" pitchFamily="34" charset="0"/>
+              <a:cs typeface="Arial" panose="020B0604020202020204" pitchFamily="34" charset="0"/>
+            </a:endParaRPr>
+          </a:p>
+          <a:p>
+            <a:pPr algn="l" rtl="0">
+              <a:buSzPct val="120000"/>
+              <a:buFont typeface="Arial" panose="020B0604020202020204" pitchFamily="34" charset="0"/>
+              <a:buChar char="•"/>
+            </a:pPr>
+            <a:r>
+              <a:rPr lang="en-US" sz="2000" b="1" dirty="0">
+                <a:solidFill>
+                  <a:schemeClr val="tx1"/>
+                </a:solidFill>
+                <a:effectLst/>
+                <a:latin typeface="Arial" panose="020B0604020202020204" pitchFamily="34" charset="0"/>
+                <a:ea typeface="Calibri" panose="020F0502020204030204" pitchFamily="34" charset="0"/>
+                <a:cs typeface="Arial" panose="020B0604020202020204" pitchFamily="34" charset="0"/>
+              </a:rPr>
+              <a:t>System of urgency </a:t>
+            </a:r>
+            <a:r>
+              <a:rPr lang="en-US" sz="2000" b="1" dirty="0">
+                <a:solidFill>
+                  <a:schemeClr val="tx1"/>
+                </a:solidFill>
+                <a:latin typeface="Arial" panose="020B0604020202020204" pitchFamily="34" charset="0"/>
+                <a:ea typeface="Calibri" panose="020F0502020204030204" pitchFamily="34" charset="0"/>
+                <a:cs typeface="Arial" panose="020B0604020202020204" pitchFamily="34" charset="0"/>
+              </a:rPr>
+              <a:t>in patients using our system.</a:t>
+            </a:r>
+          </a:p>
+          <a:p>
+            <a:pPr marL="0" indent="0" algn="l" rtl="0">
+              <a:buSzPct val="120000"/>
+              <a:buNone/>
+            </a:pPr>
+            <a:endParaRPr lang="en-US" sz="2000" b="1" dirty="0">
+              <a:solidFill>
+                <a:schemeClr val="tx1"/>
+              </a:solidFill>
+              <a:latin typeface="Arial" panose="020B0604020202020204" pitchFamily="34" charset="0"/>
+              <a:cs typeface="Arial" panose="020B0604020202020204" pitchFamily="34" charset="0"/>
+            </a:endParaRPr>
+          </a:p>
+          <a:p>
+            <a:pPr algn="l" rtl="0">
+              <a:buSzPct val="120000"/>
+              <a:buFont typeface="Arial" panose="020B0604020202020204" pitchFamily="34" charset="0"/>
+              <a:buChar char="•"/>
+            </a:pPr>
             <a:r>
               <a:rPr lang="en-US" sz="2000" b="1" dirty="0">
                 <a:solidFill>
@@ -15524,87 +17627,20 @@
                 <a:latin typeface="Arial" panose="020B0604020202020204" pitchFamily="34" charset="0"/>
                 <a:cs typeface="Arial" panose="020B0604020202020204" pitchFamily="34" charset="0"/>
               </a:rPr>
-              <a:t>There are usually 3 types of layers  in CNNs:</a:t>
-            </a:r>
-          </a:p>
-          <a:p>
-            <a:pPr algn="l" rtl="0">
-              <a:buSzPct val="140000"/>
-              <a:buFont typeface="Arial" panose="020B0604020202020204" pitchFamily="34" charset="0"/>
-              <a:buChar char="•"/>
-            </a:pPr>
-            <a:r>
-              <a:rPr lang="en-US" sz="2000" dirty="0">
-                <a:solidFill>
-                  <a:schemeClr val="tx1"/>
-                </a:solidFill>
-                <a:latin typeface="Arial" panose="020B0604020202020204" pitchFamily="34" charset="0"/>
-                <a:cs typeface="Arial" panose="020B0604020202020204" pitchFamily="34" charset="0"/>
-              </a:rPr>
-              <a:t>convolution layer -  Its purpose is to extract features from the image.</a:t>
-            </a:r>
-            <a:br>
-              <a:rPr lang="en-US" sz="2000" dirty="0">
-                <a:solidFill>
-                  <a:schemeClr val="tx1"/>
-                </a:solidFill>
-                <a:latin typeface="Arial" panose="020B0604020202020204" pitchFamily="34" charset="0"/>
-                <a:cs typeface="Arial" panose="020B0604020202020204" pitchFamily="34" charset="0"/>
-              </a:rPr>
-            </a:br>
-            <a:r>
-              <a:rPr lang="en-US" sz="2000" dirty="0">
-                <a:solidFill>
-                  <a:schemeClr val="tx1"/>
-                </a:solidFill>
-                <a:latin typeface="Arial" panose="020B0604020202020204" pitchFamily="34" charset="0"/>
-                <a:cs typeface="Arial" panose="020B0604020202020204" pitchFamily="34" charset="0"/>
-              </a:rPr>
-              <a:t>applying a filter on an input, passing the result to the next layer (feature maps).</a:t>
-            </a:r>
-          </a:p>
-          <a:p>
-            <a:pPr algn="l" rtl="0">
-              <a:buSzPct val="140000"/>
-              <a:buFont typeface="Arial" panose="020B0604020202020204" pitchFamily="34" charset="0"/>
-              <a:buChar char="•"/>
-            </a:pPr>
-            <a:r>
-              <a:rPr lang="en-US" sz="2000" dirty="0">
-                <a:solidFill>
-                  <a:schemeClr val="tx1"/>
-                </a:solidFill>
-                <a:latin typeface="Arial" panose="020B0604020202020204" pitchFamily="34" charset="0"/>
-                <a:cs typeface="Arial" panose="020B0604020202020204" pitchFamily="34" charset="0"/>
-              </a:rPr>
-              <a:t>pooling layers – Pooling layers reduce the dimensions of data by combining the outputs of neuron clusters at one layer into a single neuron in the next layer.?  </a:t>
-            </a:r>
-          </a:p>
-          <a:p>
-            <a:pPr algn="l" rtl="0">
-              <a:buSzPct val="140000"/>
-              <a:buFont typeface="Arial" panose="020B0604020202020204" pitchFamily="34" charset="0"/>
-              <a:buChar char="•"/>
-            </a:pPr>
-            <a:r>
-              <a:rPr lang="en-US" sz="2000" dirty="0">
-                <a:solidFill>
-                  <a:schemeClr val="tx1"/>
-                </a:solidFill>
-                <a:latin typeface="Arial" panose="020B0604020202020204" pitchFamily="34" charset="0"/>
-                <a:cs typeface="Arial" panose="020B0604020202020204" pitchFamily="34" charset="0"/>
-              </a:rPr>
-              <a:t>fully connected layer - maps the extracted features into final output, They come as the last layers after convolution and pooling and these layers take the output of previous layers to classify the output.?</a:t>
+              <a:t>Our technology.</a:t>
             </a:r>
           </a:p>
           <a:p>
             <a:pPr marL="0" indent="0" algn="l" rtl="0">
               <a:buNone/>
             </a:pPr>
-            <a:endParaRPr lang="he-IL" dirty="0">
+            <a:endParaRPr lang="en-US" sz="2000" dirty="0">
               <a:solidFill>
                 <a:schemeClr val="tx1"/>
               </a:solidFill>
+              <a:effectLst/>
+              <a:latin typeface="Arial" panose="020B0604020202020204" pitchFamily="34" charset="0"/>
+              <a:ea typeface="Calibri" panose="020F0502020204030204" pitchFamily="34" charset="0"/>
             </a:endParaRPr>
           </a:p>
         </p:txBody>
@@ -15672,7 +17708,7 @@
           <p:cNvPr id="5" name="מציין מיקום של מספר שקופית 1">
             <a:extLst>
               <a:ext uri="{FF2B5EF4-FFF2-40B4-BE49-F238E27FC236}">
-                <a16:creationId xmlns:a16="http://schemas.microsoft.com/office/drawing/2014/main" id="{B7CAE51E-CB33-8EAB-B824-BAAC3774DE18}"/>
+                <a16:creationId xmlns:a16="http://schemas.microsoft.com/office/drawing/2014/main" id="{043B0C4A-0CA5-E0E0-5D69-7B2626E352FA}"/>
               </a:ext>
             </a:extLst>
           </p:cNvPr>
@@ -15683,7 +17719,7 @@
         </p:nvSpPr>
         <p:spPr>
           <a:xfrm>
-            <a:off x="11014970" y="6533014"/>
+            <a:off x="11059927" y="6492875"/>
             <a:ext cx="683339" cy="365125"/>
           </a:xfrm>
           <a:prstGeom prst="rect">
@@ -15806,7 +17842,7 @@
     </p:spTree>
     <p:extLst>
       <p:ext uri="{BB962C8B-B14F-4D97-AF65-F5344CB8AC3E}">
-        <p14:creationId xmlns:p14="http://schemas.microsoft.com/office/powerpoint/2010/main" val="3060536788"/>
+        <p14:creationId xmlns:p14="http://schemas.microsoft.com/office/powerpoint/2010/main" val="2377847693"/>
       </p:ext>
     </p:extLst>
   </p:cSld>
@@ -15935,7 +17971,7 @@
                 <a:latin typeface="Arial" panose="020B0604020202020204" pitchFamily="34" charset="0"/>
                 <a:cs typeface="Arial" panose="020B0604020202020204" pitchFamily="34" charset="0"/>
               </a:rPr>
-              <a:t>DenseNet</a:t>
+              <a:t>CNN</a:t>
             </a:r>
             <a:endParaRPr lang="he-IL" sz="4000" dirty="0">
               <a:latin typeface="Arial" panose="020B0604020202020204" pitchFamily="34" charset="0"/>
@@ -16020,8 +18056,8 @@
         </p:nvSpPr>
         <p:spPr>
           <a:xfrm>
-            <a:off x="1142306" y="1529366"/>
-            <a:ext cx="10180748" cy="5396248"/>
+            <a:off x="1249788" y="1357209"/>
+            <a:ext cx="9954831" cy="5215943"/>
           </a:xfrm>
         </p:spPr>
         <p:txBody>
@@ -16034,15 +18070,59 @@
               <a:buNone/>
             </a:pPr>
             <a:r>
-              <a:rPr lang="en-US" sz="2000" dirty="0" err="1">
+              <a:rPr lang="en-US" sz="2000" dirty="0">
+                <a:solidFill>
+                  <a:schemeClr val="tx1"/>
+                </a:solidFill>
+                <a:effectLst/>
+                <a:latin typeface="Arial" panose="020B0604020202020204" pitchFamily="34" charset="0"/>
+                <a:ea typeface="Calibri" panose="020F0502020204030204" pitchFamily="34" charset="0"/>
+                <a:cs typeface="Arial" panose="020B0604020202020204" pitchFamily="34" charset="0"/>
+              </a:rPr>
+              <a:t>Convolutional neural networks are a specialized type of artificial neural networks that use a mathematical operation called convolution. </a:t>
+            </a:r>
+            <a:br>
+              <a:rPr lang="en-US" sz="2000" dirty="0">
+                <a:solidFill>
+                  <a:schemeClr val="tx1"/>
+                </a:solidFill>
+                <a:effectLst/>
+                <a:latin typeface="Arial" panose="020B0604020202020204" pitchFamily="34" charset="0"/>
+                <a:ea typeface="Calibri" panose="020F0502020204030204" pitchFamily="34" charset="0"/>
+                <a:cs typeface="Arial" panose="020B0604020202020204" pitchFamily="34" charset="0"/>
+              </a:rPr>
+            </a:br>
+            <a:endParaRPr lang="en-US" sz="2000" dirty="0">
+              <a:solidFill>
+                <a:schemeClr val="tx1"/>
+              </a:solidFill>
+              <a:effectLst/>
+              <a:latin typeface="Arial" panose="020B0604020202020204" pitchFamily="34" charset="0"/>
+              <a:ea typeface="Calibri" panose="020F0502020204030204" pitchFamily="34" charset="0"/>
+              <a:cs typeface="Arial" panose="020B0604020202020204" pitchFamily="34" charset="0"/>
+            </a:endParaRPr>
+          </a:p>
+          <a:p>
+            <a:pPr marL="0" indent="0" algn="l" rtl="0">
+              <a:buNone/>
+            </a:pPr>
+            <a:r>
+              <a:rPr lang="en-US" sz="2000" b="1" dirty="0">
                 <a:solidFill>
                   <a:schemeClr val="tx1"/>
                 </a:solidFill>
                 <a:latin typeface="Arial" panose="020B0604020202020204" pitchFamily="34" charset="0"/>
                 <a:cs typeface="Arial" panose="020B0604020202020204" pitchFamily="34" charset="0"/>
               </a:rPr>
-              <a:t>DenseNet</a:t>
-            </a:r>
+              <a:t>There are usually 3 types of layers  in CNNs:</a:t>
+            </a:r>
+          </a:p>
+          <a:p>
+            <a:pPr algn="l" rtl="0">
+              <a:buSzPct val="140000"/>
+              <a:buFont typeface="Arial" panose="020B0604020202020204" pitchFamily="34" charset="0"/>
+              <a:buChar char="•"/>
+            </a:pPr>
             <a:r>
               <a:rPr lang="en-US" sz="2000" dirty="0">
                 <a:solidFill>
@@ -16051,23 +18131,17 @@
                 <a:latin typeface="Arial" panose="020B0604020202020204" pitchFamily="34" charset="0"/>
                 <a:cs typeface="Arial" panose="020B0604020202020204" pitchFamily="34" charset="0"/>
               </a:rPr>
-              <a:t> is a convolutional neural network architecture that connects each layer to every other layer in a feed-forward fashion.                                                                     This architecture is designed to alleviate the vanishing-gradient problem encountered in traditional deep neural networks, by using direct connections between layers, rather than stacking layers sequentially.   </a:t>
-            </a:r>
-          </a:p>
-          <a:p>
-            <a:pPr marL="0" indent="0" algn="l" rtl="0">
-              <a:buNone/>
-            </a:pPr>
-            <a:r>
-              <a:rPr lang="en-US" sz="2000" dirty="0" err="1">
+              <a:t>convolution layer -  Its purpose is to extract features from the image.</a:t>
+            </a:r>
+            <a:br>
+              <a:rPr lang="en-US" sz="2000" dirty="0">
                 <a:solidFill>
                   <a:schemeClr val="tx1"/>
                 </a:solidFill>
                 <a:latin typeface="Arial" panose="020B0604020202020204" pitchFamily="34" charset="0"/>
                 <a:cs typeface="Arial" panose="020B0604020202020204" pitchFamily="34" charset="0"/>
               </a:rPr>
-              <a:t>DenseNet</a:t>
-            </a:r>
+            </a:br>
             <a:r>
               <a:rPr lang="en-US" sz="2000" dirty="0">
                 <a:solidFill>
@@ -16076,96 +18150,12 @@
                 <a:latin typeface="Arial" panose="020B0604020202020204" pitchFamily="34" charset="0"/>
                 <a:cs typeface="Arial" panose="020B0604020202020204" pitchFamily="34" charset="0"/>
               </a:rPr>
-              <a:t> can be very deep, with hundreds of layers, and still be able to train effectively, We will use the </a:t>
-            </a:r>
-            <a:r>
-              <a:rPr lang="en-US" sz="2000" dirty="0" err="1">
-                <a:solidFill>
-                  <a:schemeClr val="tx1"/>
-                </a:solidFill>
-                <a:latin typeface="Arial" panose="020B0604020202020204" pitchFamily="34" charset="0"/>
-                <a:cs typeface="Arial" panose="020B0604020202020204" pitchFamily="34" charset="0"/>
-              </a:rPr>
-              <a:t>DensenNet</a:t>
-            </a:r>
-            <a:r>
-              <a:rPr lang="en-US" sz="2000" dirty="0">
-                <a:solidFill>
-                  <a:schemeClr val="tx1"/>
-                </a:solidFill>
-                <a:latin typeface="Arial" panose="020B0604020202020204" pitchFamily="34" charset="0"/>
-                <a:cs typeface="Arial" panose="020B0604020202020204" pitchFamily="34" charset="0"/>
-              </a:rPr>
-              <a:t> 121 which is one of the smaller </a:t>
-            </a:r>
-            <a:r>
-              <a:rPr lang="en-US" sz="2000" dirty="0" err="1">
-                <a:solidFill>
-                  <a:schemeClr val="tx1"/>
-                </a:solidFill>
-                <a:latin typeface="Arial" panose="020B0604020202020204" pitchFamily="34" charset="0"/>
-                <a:cs typeface="Arial" panose="020B0604020202020204" pitchFamily="34" charset="0"/>
-              </a:rPr>
-              <a:t>DenseNet</a:t>
-            </a:r>
-            <a:r>
-              <a:rPr lang="en-US" sz="2000" dirty="0">
-                <a:solidFill>
-                  <a:schemeClr val="tx1"/>
-                </a:solidFill>
-                <a:latin typeface="Arial" panose="020B0604020202020204" pitchFamily="34" charset="0"/>
-                <a:cs typeface="Arial" panose="020B0604020202020204" pitchFamily="34" charset="0"/>
-              </a:rPr>
-              <a:t> architectures contains 4 dense blocks each containing a fixed number of layers.</a:t>
+              <a:t>applying a filter on an input, passing the result to the next layer (feature maps).</a:t>
             </a:r>
           </a:p>
           <a:p>
             <a:pPr marL="0" indent="0" algn="l" rtl="0">
-              <a:buNone/>
-            </a:pPr>
-            <a:r>
-              <a:rPr lang="en-US" sz="2000" dirty="0" err="1">
-                <a:solidFill>
-                  <a:schemeClr val="tx1"/>
-                </a:solidFill>
-                <a:latin typeface="Arial" panose="020B0604020202020204" pitchFamily="34" charset="0"/>
-                <a:cs typeface="Arial" panose="020B0604020202020204" pitchFamily="34" charset="0"/>
-              </a:rPr>
-              <a:t>DenseNet</a:t>
-            </a:r>
-            <a:r>
-              <a:rPr lang="en-US" sz="2000" dirty="0">
-                <a:solidFill>
-                  <a:schemeClr val="tx1"/>
-                </a:solidFill>
-                <a:latin typeface="Arial" panose="020B0604020202020204" pitchFamily="34" charset="0"/>
-                <a:cs typeface="Arial" panose="020B0604020202020204" pitchFamily="34" charset="0"/>
-              </a:rPr>
-              <a:t> 121 was introduced in the original </a:t>
-            </a:r>
-            <a:r>
-              <a:rPr lang="en-US" sz="2000" dirty="0" err="1">
-                <a:solidFill>
-                  <a:schemeClr val="tx1"/>
-                </a:solidFill>
-                <a:latin typeface="Arial" panose="020B0604020202020204" pitchFamily="34" charset="0"/>
-                <a:cs typeface="Arial" panose="020B0604020202020204" pitchFamily="34" charset="0"/>
-              </a:rPr>
-              <a:t>DenseNet</a:t>
-            </a:r>
-            <a:r>
-              <a:rPr lang="en-US" sz="2000" dirty="0">
-                <a:solidFill>
-                  <a:schemeClr val="tx1"/>
-                </a:solidFill>
-                <a:latin typeface="Arial" panose="020B0604020202020204" pitchFamily="34" charset="0"/>
-                <a:cs typeface="Arial" panose="020B0604020202020204" pitchFamily="34" charset="0"/>
-              </a:rPr>
-              <a:t> paper and has been shown to achieve good performance on several benchmark datasets and is a good way to do tasks where computational resources are limited.</a:t>
-            </a:r>
-          </a:p>
-          <a:p>
-            <a:pPr marL="0" indent="0" algn="l" rtl="0">
+              <a:buSzPct val="140000"/>
               <a:buNone/>
             </a:pPr>
             <a:endParaRPr lang="en-US" sz="2000" dirty="0">
@@ -16174,6 +18164,66 @@
               </a:solidFill>
               <a:latin typeface="Arial" panose="020B0604020202020204" pitchFamily="34" charset="0"/>
               <a:cs typeface="Arial" panose="020B0604020202020204" pitchFamily="34" charset="0"/>
+            </a:endParaRPr>
+          </a:p>
+          <a:p>
+            <a:pPr algn="l" rtl="0">
+              <a:buSzPct val="140000"/>
+              <a:buFont typeface="Arial" panose="020B0604020202020204" pitchFamily="34" charset="0"/>
+              <a:buChar char="•"/>
+            </a:pPr>
+            <a:r>
+              <a:rPr lang="en-US" sz="2000" dirty="0">
+                <a:solidFill>
+                  <a:schemeClr val="tx1"/>
+                </a:solidFill>
+                <a:latin typeface="Arial" panose="020B0604020202020204" pitchFamily="34" charset="0"/>
+                <a:cs typeface="Arial" panose="020B0604020202020204" pitchFamily="34" charset="0"/>
+              </a:rPr>
+              <a:t>pooling layers – Pooling layers reduce the dimensions of data by combining the outputs of neuron clusters at one layer into a single neuron in the next layer. </a:t>
+            </a:r>
+          </a:p>
+          <a:p>
+            <a:pPr marL="0" indent="0" algn="l" rtl="0">
+              <a:buSzPct val="140000"/>
+              <a:buNone/>
+            </a:pPr>
+            <a:r>
+              <a:rPr lang="en-US" sz="2000" dirty="0">
+                <a:solidFill>
+                  <a:schemeClr val="tx1"/>
+                </a:solidFill>
+                <a:latin typeface="Arial" panose="020B0604020202020204" pitchFamily="34" charset="0"/>
+                <a:cs typeface="Arial" panose="020B0604020202020204" pitchFamily="34" charset="0"/>
+              </a:rPr>
+              <a:t> </a:t>
+            </a:r>
+          </a:p>
+          <a:p>
+            <a:pPr algn="l" rtl="0">
+              <a:buSzPct val="140000"/>
+              <a:buFont typeface="Arial" panose="020B0604020202020204" pitchFamily="34" charset="0"/>
+              <a:buChar char="•"/>
+            </a:pPr>
+            <a:r>
+              <a:rPr lang="en-US" sz="2000" dirty="0">
+                <a:solidFill>
+                  <a:schemeClr val="tx1"/>
+                </a:solidFill>
+                <a:latin typeface="Arial" panose="020B0604020202020204" pitchFamily="34" charset="0"/>
+                <a:cs typeface="Arial" panose="020B0604020202020204" pitchFamily="34" charset="0"/>
+              </a:rPr>
+              <a:t>fully connected layer - maps the extracted features into final output, They come as the last layers after convolution and pooling and these layers take the output of previous layers to classify the output.</a:t>
+            </a:r>
+          </a:p>
+          <a:p>
+            <a:pPr marL="0" indent="0" algn="l" rtl="0">
+              <a:buNone/>
+            </a:pPr>
+            <a:endParaRPr lang="he-IL" dirty="0">
+              <a:solidFill>
+                <a:schemeClr val="tx1"/>
+              </a:solidFill>
             </a:endParaRPr>
           </a:p>
         </p:txBody>
@@ -16241,7 +18291,7 @@
           <p:cNvPr id="5" name="מציין מיקום של מספר שקופית 1">
             <a:extLst>
               <a:ext uri="{FF2B5EF4-FFF2-40B4-BE49-F238E27FC236}">
-                <a16:creationId xmlns:a16="http://schemas.microsoft.com/office/drawing/2014/main" id="{5088E16D-986C-963F-043A-CF6E0F8516F4}"/>
+                <a16:creationId xmlns:a16="http://schemas.microsoft.com/office/drawing/2014/main" id="{B7CAE51E-CB33-8EAB-B824-BAAC3774DE18}"/>
               </a:ext>
             </a:extLst>
           </p:cNvPr>
@@ -16252,7 +18302,7 @@
         </p:nvSpPr>
         <p:spPr>
           <a:xfrm>
-            <a:off x="11049694" y="6526682"/>
+            <a:off x="11014970" y="6533014"/>
             <a:ext cx="683339" cy="365125"/>
           </a:xfrm>
           <a:prstGeom prst="rect">
@@ -16372,80 +18422,10 @@
           </a:p>
         </p:txBody>
       </p:sp>
-      <p:pic>
-        <p:nvPicPr>
-          <p:cNvPr id="4" name="Content Placeholder 4">
-            <a:extLst>
-              <a:ext uri="{FF2B5EF4-FFF2-40B4-BE49-F238E27FC236}">
-                <a16:creationId xmlns:a16="http://schemas.microsoft.com/office/drawing/2014/main" id="{3026FBE0-9116-C7AC-D540-4FAD07F4980A}"/>
-              </a:ext>
-            </a:extLst>
-          </p:cNvPr>
-          <p:cNvPicPr>
-            <a:picLocks noChangeAspect="1"/>
-          </p:cNvPicPr>
-          <p:nvPr/>
-        </p:nvPicPr>
-        <p:blipFill>
-          <a:blip r:embed="rId2"/>
-          <a:stretch>
-            <a:fillRect/>
-          </a:stretch>
-        </p:blipFill>
-        <p:spPr>
-          <a:xfrm>
-            <a:off x="1061818" y="5386095"/>
-            <a:ext cx="8964468" cy="1190509"/>
-          </a:xfrm>
-          <a:prstGeom prst="rect">
-            <a:avLst/>
-          </a:prstGeom>
-        </p:spPr>
-      </p:pic>
-      <p:sp>
-        <p:nvSpPr>
-          <p:cNvPr id="6" name="TextBox 5">
-            <a:extLst>
-              <a:ext uri="{FF2B5EF4-FFF2-40B4-BE49-F238E27FC236}">
-                <a16:creationId xmlns:a16="http://schemas.microsoft.com/office/drawing/2014/main" id="{B1C54BD0-F77C-712C-0850-DF0604DD500E}"/>
-              </a:ext>
-            </a:extLst>
-          </p:cNvPr>
-          <p:cNvSpPr txBox="1"/>
-          <p:nvPr/>
-        </p:nvSpPr>
-        <p:spPr>
-          <a:xfrm>
-            <a:off x="1061818" y="6471912"/>
-            <a:ext cx="4670190" cy="261610"/>
-          </a:xfrm>
-          <a:prstGeom prst="rect">
-            <a:avLst/>
-          </a:prstGeom>
-          <a:noFill/>
-        </p:spPr>
-        <p:txBody>
-          <a:bodyPr wrap="square" rtlCol="1">
-            <a:spAutoFit/>
-          </a:bodyPr>
-          <a:lstStyle/>
-          <a:p>
-            <a:r>
-              <a:rPr lang="en-US" sz="1100" dirty="0">
-                <a:cs typeface="+mj-cs"/>
-              </a:rPr>
-              <a:t>Source: Densely Connected Convolutional Networks original paper.</a:t>
-            </a:r>
-            <a:endParaRPr lang="he-IL" sz="1100" dirty="0">
-              <a:cs typeface="+mj-cs"/>
-            </a:endParaRPr>
-          </a:p>
-        </p:txBody>
-      </p:sp>
     </p:spTree>
     <p:extLst>
       <p:ext uri="{BB962C8B-B14F-4D97-AF65-F5344CB8AC3E}">
-        <p14:creationId xmlns:p14="http://schemas.microsoft.com/office/powerpoint/2010/main" val="3741545148"/>
+        <p14:creationId xmlns:p14="http://schemas.microsoft.com/office/powerpoint/2010/main" val="3060536788"/>
       </p:ext>
     </p:extLst>
   </p:cSld>
@@ -16542,6 +18522,49 @@
       </p:sp>
       <p:sp>
         <p:nvSpPr>
+          <p:cNvPr id="2" name="כותרת 1">
+            <a:extLst>
+              <a:ext uri="{FF2B5EF4-FFF2-40B4-BE49-F238E27FC236}">
+                <a16:creationId xmlns:a16="http://schemas.microsoft.com/office/drawing/2014/main" id="{1ACC9094-DF10-FE2C-933F-47FB37C8A6AB}"/>
+              </a:ext>
+            </a:extLst>
+          </p:cNvPr>
+          <p:cNvSpPr>
+            <a:spLocks noGrp="1"/>
+          </p:cNvSpPr>
+          <p:nvPr>
+            <p:ph type="title"/>
+          </p:nvPr>
+        </p:nvSpPr>
+        <p:spPr>
+          <a:xfrm>
+            <a:off x="1681231" y="419895"/>
+            <a:ext cx="8596668" cy="1177085"/>
+          </a:xfrm>
+        </p:spPr>
+        <p:txBody>
+          <a:bodyPr>
+            <a:normAutofit/>
+          </a:bodyPr>
+          <a:lstStyle/>
+          <a:p>
+            <a:pPr algn="ctr" rtl="0"/>
+            <a:r>
+              <a:rPr lang="en-US" sz="4000" dirty="0">
+                <a:latin typeface="Arial" panose="020B0604020202020204" pitchFamily="34" charset="0"/>
+                <a:cs typeface="Arial" panose="020B0604020202020204" pitchFamily="34" charset="0"/>
+              </a:rPr>
+              <a:t>DenseNet</a:t>
+            </a:r>
+            <a:endParaRPr lang="he-IL" sz="4000" dirty="0">
+              <a:latin typeface="Arial" panose="020B0604020202020204" pitchFamily="34" charset="0"/>
+              <a:cs typeface="Arial" panose="020B0604020202020204" pitchFamily="34" charset="0"/>
+            </a:endParaRPr>
+          </a:p>
+        </p:txBody>
+      </p:sp>
+      <p:sp>
+        <p:nvSpPr>
           <p:cNvPr id="35" name="Isosceles Triangle 34">
             <a:extLst>
               <a:ext uri="{FF2B5EF4-FFF2-40B4-BE49-F238E27FC236}">
@@ -16600,6 +18623,140 @@
       </p:sp>
       <p:sp>
         <p:nvSpPr>
+          <p:cNvPr id="3" name="מציין מיקום תוכן 2">
+            <a:extLst>
+              <a:ext uri="{FF2B5EF4-FFF2-40B4-BE49-F238E27FC236}">
+                <a16:creationId xmlns:a16="http://schemas.microsoft.com/office/drawing/2014/main" id="{E63CB9F7-1BEA-5E29-A0FC-A93719833515}"/>
+              </a:ext>
+            </a:extLst>
+          </p:cNvPr>
+          <p:cNvSpPr>
+            <a:spLocks noGrp="1"/>
+          </p:cNvSpPr>
+          <p:nvPr>
+            <p:ph idx="1"/>
+          </p:nvPr>
+        </p:nvSpPr>
+        <p:spPr>
+          <a:xfrm>
+            <a:off x="1202558" y="1478656"/>
+            <a:ext cx="10180748" cy="5396248"/>
+          </a:xfrm>
+        </p:spPr>
+        <p:txBody>
+          <a:bodyPr>
+            <a:normAutofit/>
+          </a:bodyPr>
+          <a:lstStyle/>
+          <a:p>
+            <a:pPr marL="0" indent="0" algn="l" rtl="0">
+              <a:buNone/>
+            </a:pPr>
+            <a:r>
+              <a:rPr lang="en-US" sz="2000" dirty="0" err="1">
+                <a:solidFill>
+                  <a:schemeClr val="tx1"/>
+                </a:solidFill>
+                <a:latin typeface="Arial" panose="020B0604020202020204" pitchFamily="34" charset="0"/>
+                <a:cs typeface="Arial" panose="020B0604020202020204" pitchFamily="34" charset="0"/>
+              </a:rPr>
+              <a:t>DenseNet</a:t>
+            </a:r>
+            <a:r>
+              <a:rPr lang="en-US" sz="2000" dirty="0">
+                <a:solidFill>
+                  <a:schemeClr val="tx1"/>
+                </a:solidFill>
+                <a:latin typeface="Arial" panose="020B0604020202020204" pitchFamily="34" charset="0"/>
+                <a:cs typeface="Arial" panose="020B0604020202020204" pitchFamily="34" charset="0"/>
+              </a:rPr>
+              <a:t> is a convolutional neural network architecture that connects each layer to every other layer in a feed-forward fashion.                                                                     This architecture is designed to alleviate the vanishing-gradient problem encountered in traditional deep neural networks, by using direct connections between layers, rather than stacking layers sequentially.  </a:t>
+            </a:r>
+          </a:p>
+          <a:p>
+            <a:pPr marL="0" indent="0" algn="l" rtl="0">
+              <a:buNone/>
+            </a:pPr>
+            <a:r>
+              <a:rPr lang="en-US" sz="2000" dirty="0">
+                <a:solidFill>
+                  <a:schemeClr val="tx1"/>
+                </a:solidFill>
+                <a:latin typeface="Arial" panose="020B0604020202020204" pitchFamily="34" charset="0"/>
+                <a:cs typeface="Arial" panose="020B0604020202020204" pitchFamily="34" charset="0"/>
+              </a:rPr>
+              <a:t> </a:t>
+            </a:r>
+          </a:p>
+          <a:p>
+            <a:pPr marL="0" indent="0" algn="l" rtl="0">
+              <a:buNone/>
+            </a:pPr>
+            <a:r>
+              <a:rPr lang="en-US" sz="2000" dirty="0" err="1">
+                <a:solidFill>
+                  <a:schemeClr val="tx1"/>
+                </a:solidFill>
+                <a:latin typeface="Arial" panose="020B0604020202020204" pitchFamily="34" charset="0"/>
+                <a:cs typeface="Arial" panose="020B0604020202020204" pitchFamily="34" charset="0"/>
+              </a:rPr>
+              <a:t>DenseNet</a:t>
+            </a:r>
+            <a:r>
+              <a:rPr lang="en-US" sz="2000" dirty="0">
+                <a:solidFill>
+                  <a:schemeClr val="tx1"/>
+                </a:solidFill>
+                <a:latin typeface="Arial" panose="020B0604020202020204" pitchFamily="34" charset="0"/>
+                <a:cs typeface="Arial" panose="020B0604020202020204" pitchFamily="34" charset="0"/>
+              </a:rPr>
+              <a:t> can be very deep, with hundreds of layers, and still be able to train effectively, We will use the </a:t>
+            </a:r>
+            <a:r>
+              <a:rPr lang="en-US" sz="2000" dirty="0" err="1">
+                <a:solidFill>
+                  <a:schemeClr val="tx1"/>
+                </a:solidFill>
+                <a:latin typeface="Arial" panose="020B0604020202020204" pitchFamily="34" charset="0"/>
+                <a:cs typeface="Arial" panose="020B0604020202020204" pitchFamily="34" charset="0"/>
+              </a:rPr>
+              <a:t>DensenNet</a:t>
+            </a:r>
+            <a:r>
+              <a:rPr lang="en-US" sz="2000" dirty="0">
+                <a:solidFill>
+                  <a:schemeClr val="tx1"/>
+                </a:solidFill>
+                <a:latin typeface="Arial" panose="020B0604020202020204" pitchFamily="34" charset="0"/>
+                <a:cs typeface="Arial" panose="020B0604020202020204" pitchFamily="34" charset="0"/>
+              </a:rPr>
+              <a:t> 121 which is one of the smaller </a:t>
+            </a:r>
+            <a:r>
+              <a:rPr lang="en-US" sz="2000" dirty="0" err="1">
+                <a:solidFill>
+                  <a:schemeClr val="tx1"/>
+                </a:solidFill>
+                <a:latin typeface="Arial" panose="020B0604020202020204" pitchFamily="34" charset="0"/>
+                <a:cs typeface="Arial" panose="020B0604020202020204" pitchFamily="34" charset="0"/>
+              </a:rPr>
+              <a:t>DenseNet</a:t>
+            </a:r>
+            <a:r>
+              <a:rPr lang="en-US" sz="2000" dirty="0">
+                <a:solidFill>
+                  <a:schemeClr val="tx1"/>
+                </a:solidFill>
+                <a:latin typeface="Arial" panose="020B0604020202020204" pitchFamily="34" charset="0"/>
+                <a:cs typeface="Arial" panose="020B0604020202020204" pitchFamily="34" charset="0"/>
+              </a:rPr>
+              <a:t> architectures contains 4 dense blocks each containing a fixed number of layers.</a:t>
+            </a:r>
+          </a:p>
+        </p:txBody>
+      </p:sp>
+      <p:sp>
+        <p:nvSpPr>
           <p:cNvPr id="37" name="Isosceles Triangle 36">
             <a:extLst>
               <a:ext uri="{FF2B5EF4-FFF2-40B4-BE49-F238E27FC236}">
@@ -16658,10 +18815,10 @@
       </p:sp>
       <p:sp>
         <p:nvSpPr>
-          <p:cNvPr id="6" name="מציין מיקום תוכן 2">
+          <p:cNvPr id="5" name="מציין מיקום של מספר שקופית 1">
             <a:extLst>
               <a:ext uri="{FF2B5EF4-FFF2-40B4-BE49-F238E27FC236}">
-                <a16:creationId xmlns:a16="http://schemas.microsoft.com/office/drawing/2014/main" id="{91E00044-A01A-C55E-CB95-201D0795360D}"/>
+                <a16:creationId xmlns:a16="http://schemas.microsoft.com/office/drawing/2014/main" id="{5088E16D-986C-963F-043A-CF6E0F8516F4}"/>
               </a:ext>
             </a:extLst>
           </p:cNvPr>
@@ -16672,426 +18829,7 @@
         </p:nvSpPr>
         <p:spPr>
           <a:xfrm>
-            <a:off x="1063496" y="1496180"/>
-            <a:ext cx="10273124" cy="2200058"/>
-          </a:xfrm>
-          <a:prstGeom prst="rect">
-            <a:avLst/>
-          </a:prstGeom>
-        </p:spPr>
-        <p:txBody>
-          <a:bodyPr vert="horz" lIns="91440" tIns="45720" rIns="91440" bIns="45720" rtlCol="0">
-            <a:normAutofit/>
-          </a:bodyPr>
-          <a:lstStyle>
-            <a:lvl1pPr marL="342900" indent="-342900" algn="r" defTabSz="457200" rtl="1" eaLnBrk="1" latinLnBrk="0" hangingPunct="1">
-              <a:spcBef>
-                <a:spcPts val="1000"/>
-              </a:spcBef>
-              <a:spcAft>
-                <a:spcPts val="0"/>
-              </a:spcAft>
-              <a:buClr>
-                <a:schemeClr val="accent1"/>
-              </a:buClr>
-              <a:buSzPct val="80000"/>
-              <a:buFont typeface="Wingdings 3" charset="2"/>
-              <a:buChar char=""/>
-              <a:defRPr sz="1800" kern="1200">
-                <a:solidFill>
-                  <a:schemeClr val="tx1">
-                    <a:lumMod val="75000"/>
-                    <a:lumOff val="25000"/>
-                  </a:schemeClr>
-                </a:solidFill>
-                <a:latin typeface="+mn-lt"/>
-                <a:ea typeface="+mn-ea"/>
-                <a:cs typeface="+mn-cs"/>
-              </a:defRPr>
-            </a:lvl1pPr>
-            <a:lvl2pPr marL="742950" indent="-285750" algn="r" defTabSz="457200" rtl="1" eaLnBrk="1" latinLnBrk="0" hangingPunct="1">
-              <a:spcBef>
-                <a:spcPts val="1000"/>
-              </a:spcBef>
-              <a:spcAft>
-                <a:spcPts val="0"/>
-              </a:spcAft>
-              <a:buClr>
-                <a:schemeClr val="accent1"/>
-              </a:buClr>
-              <a:buSzPct val="80000"/>
-              <a:buFont typeface="Wingdings 3" charset="2"/>
-              <a:buChar char=""/>
-              <a:defRPr sz="1600" kern="1200">
-                <a:solidFill>
-                  <a:schemeClr val="tx1">
-                    <a:lumMod val="75000"/>
-                    <a:lumOff val="25000"/>
-                  </a:schemeClr>
-                </a:solidFill>
-                <a:latin typeface="+mn-lt"/>
-                <a:ea typeface="+mn-ea"/>
-                <a:cs typeface="+mn-cs"/>
-              </a:defRPr>
-            </a:lvl2pPr>
-            <a:lvl3pPr marL="1143000" indent="-228600" algn="r" defTabSz="457200" rtl="1" eaLnBrk="1" latinLnBrk="0" hangingPunct="1">
-              <a:spcBef>
-                <a:spcPts val="1000"/>
-              </a:spcBef>
-              <a:spcAft>
-                <a:spcPts val="0"/>
-              </a:spcAft>
-              <a:buClr>
-                <a:schemeClr val="accent1"/>
-              </a:buClr>
-              <a:buSzPct val="80000"/>
-              <a:buFont typeface="Wingdings 3" charset="2"/>
-              <a:buChar char=""/>
-              <a:defRPr sz="1400" kern="1200">
-                <a:solidFill>
-                  <a:schemeClr val="tx1">
-                    <a:lumMod val="75000"/>
-                    <a:lumOff val="25000"/>
-                  </a:schemeClr>
-                </a:solidFill>
-                <a:latin typeface="+mn-lt"/>
-                <a:ea typeface="+mn-ea"/>
-                <a:cs typeface="+mn-cs"/>
-              </a:defRPr>
-            </a:lvl3pPr>
-            <a:lvl4pPr marL="1600200" indent="-228600" algn="r" defTabSz="457200" rtl="1" eaLnBrk="1" latinLnBrk="0" hangingPunct="1">
-              <a:spcBef>
-                <a:spcPts val="1000"/>
-              </a:spcBef>
-              <a:spcAft>
-                <a:spcPts val="0"/>
-              </a:spcAft>
-              <a:buClr>
-                <a:schemeClr val="accent1"/>
-              </a:buClr>
-              <a:buSzPct val="80000"/>
-              <a:buFont typeface="Wingdings 3" charset="2"/>
-              <a:buChar char=""/>
-              <a:defRPr sz="1200" kern="1200">
-                <a:solidFill>
-                  <a:schemeClr val="tx1">
-                    <a:lumMod val="75000"/>
-                    <a:lumOff val="25000"/>
-                  </a:schemeClr>
-                </a:solidFill>
-                <a:latin typeface="+mn-lt"/>
-                <a:ea typeface="+mn-ea"/>
-                <a:cs typeface="+mn-cs"/>
-              </a:defRPr>
-            </a:lvl4pPr>
-            <a:lvl5pPr marL="2057400" indent="-228600" algn="r" defTabSz="457200" rtl="1" eaLnBrk="1" latinLnBrk="0" hangingPunct="1">
-              <a:spcBef>
-                <a:spcPts val="1000"/>
-              </a:spcBef>
-              <a:spcAft>
-                <a:spcPts val="0"/>
-              </a:spcAft>
-              <a:buClr>
-                <a:schemeClr val="accent1"/>
-              </a:buClr>
-              <a:buSzPct val="80000"/>
-              <a:buFont typeface="Wingdings 3" charset="2"/>
-              <a:buChar char=""/>
-              <a:defRPr sz="1200" kern="1200">
-                <a:solidFill>
-                  <a:schemeClr val="tx1">
-                    <a:lumMod val="75000"/>
-                    <a:lumOff val="25000"/>
-                  </a:schemeClr>
-                </a:solidFill>
-                <a:latin typeface="+mn-lt"/>
-                <a:ea typeface="+mn-ea"/>
-                <a:cs typeface="+mn-cs"/>
-              </a:defRPr>
-            </a:lvl5pPr>
-            <a:lvl6pPr marL="2514600" indent="-228600" algn="r" defTabSz="457200" rtl="1" eaLnBrk="1" latinLnBrk="0" hangingPunct="1">
-              <a:spcBef>
-                <a:spcPts val="1000"/>
-              </a:spcBef>
-              <a:spcAft>
-                <a:spcPts val="0"/>
-              </a:spcAft>
-              <a:buClr>
-                <a:schemeClr val="accent1"/>
-              </a:buClr>
-              <a:buSzPct val="80000"/>
-              <a:buFont typeface="Wingdings 3" charset="2"/>
-              <a:buChar char=""/>
-              <a:defRPr sz="1200" kern="1200">
-                <a:solidFill>
-                  <a:schemeClr val="tx1">
-                    <a:lumMod val="75000"/>
-                    <a:lumOff val="25000"/>
-                  </a:schemeClr>
-                </a:solidFill>
-                <a:latin typeface="+mn-lt"/>
-                <a:ea typeface="+mn-ea"/>
-                <a:cs typeface="+mn-cs"/>
-              </a:defRPr>
-            </a:lvl6pPr>
-            <a:lvl7pPr marL="2971800" indent="-228600" algn="r" defTabSz="457200" rtl="1" eaLnBrk="1" latinLnBrk="0" hangingPunct="1">
-              <a:spcBef>
-                <a:spcPts val="1000"/>
-              </a:spcBef>
-              <a:spcAft>
-                <a:spcPts val="0"/>
-              </a:spcAft>
-              <a:buClr>
-                <a:schemeClr val="accent1"/>
-              </a:buClr>
-              <a:buSzPct val="80000"/>
-              <a:buFont typeface="Wingdings 3" charset="2"/>
-              <a:buChar char=""/>
-              <a:defRPr sz="1200" kern="1200">
-                <a:solidFill>
-                  <a:schemeClr val="tx1">
-                    <a:lumMod val="75000"/>
-                    <a:lumOff val="25000"/>
-                  </a:schemeClr>
-                </a:solidFill>
-                <a:latin typeface="+mn-lt"/>
-                <a:ea typeface="+mn-ea"/>
-                <a:cs typeface="+mn-cs"/>
-              </a:defRPr>
-            </a:lvl7pPr>
-            <a:lvl8pPr marL="3429000" indent="-228600" algn="r" defTabSz="457200" rtl="1" eaLnBrk="1" latinLnBrk="0" hangingPunct="1">
-              <a:spcBef>
-                <a:spcPts val="1000"/>
-              </a:spcBef>
-              <a:spcAft>
-                <a:spcPts val="0"/>
-              </a:spcAft>
-              <a:buClr>
-                <a:schemeClr val="accent1"/>
-              </a:buClr>
-              <a:buSzPct val="80000"/>
-              <a:buFont typeface="Wingdings 3" charset="2"/>
-              <a:buChar char=""/>
-              <a:defRPr sz="1200" kern="1200">
-                <a:solidFill>
-                  <a:schemeClr val="tx1">
-                    <a:lumMod val="75000"/>
-                    <a:lumOff val="25000"/>
-                  </a:schemeClr>
-                </a:solidFill>
-                <a:latin typeface="+mn-lt"/>
-                <a:ea typeface="+mn-ea"/>
-                <a:cs typeface="+mn-cs"/>
-              </a:defRPr>
-            </a:lvl8pPr>
-            <a:lvl9pPr marL="3886200" indent="-228600" algn="r" defTabSz="457200" rtl="1" eaLnBrk="1" latinLnBrk="0" hangingPunct="1">
-              <a:spcBef>
-                <a:spcPts val="1000"/>
-              </a:spcBef>
-              <a:spcAft>
-                <a:spcPts val="0"/>
-              </a:spcAft>
-              <a:buClr>
-                <a:schemeClr val="accent1"/>
-              </a:buClr>
-              <a:buSzPct val="80000"/>
-              <a:buFont typeface="Wingdings 3" charset="2"/>
-              <a:buChar char=""/>
-              <a:defRPr sz="1200" kern="1200">
-                <a:solidFill>
-                  <a:schemeClr val="tx1">
-                    <a:lumMod val="75000"/>
-                    <a:lumOff val="25000"/>
-                  </a:schemeClr>
-                </a:solidFill>
-                <a:latin typeface="+mn-lt"/>
-                <a:ea typeface="+mn-ea"/>
-                <a:cs typeface="+mn-cs"/>
-              </a:defRPr>
-            </a:lvl9pPr>
-          </a:lstStyle>
-          <a:p>
-            <a:pPr marL="0" indent="0" algn="l" rtl="0">
-              <a:buFont typeface="Wingdings 3" charset="2"/>
-              <a:buNone/>
-            </a:pPr>
-            <a:r>
-              <a:rPr lang="en-US" sz="2000" dirty="0">
-                <a:solidFill>
-                  <a:schemeClr val="tx1"/>
-                </a:solidFill>
-                <a:latin typeface="Arial" panose="020B0604020202020204" pitchFamily="34" charset="0"/>
-                <a:cs typeface="Arial" panose="020B0604020202020204" pitchFamily="34" charset="0"/>
-              </a:rPr>
-              <a:t>The inception network which was introduced as </a:t>
-            </a:r>
-            <a:r>
-              <a:rPr lang="en-US" sz="2000" dirty="0" err="1">
-                <a:solidFill>
-                  <a:schemeClr val="tx1"/>
-                </a:solidFill>
-                <a:latin typeface="Arial" panose="020B0604020202020204" pitchFamily="34" charset="0"/>
-                <a:cs typeface="Arial" panose="020B0604020202020204" pitchFamily="34" charset="0"/>
-              </a:rPr>
-              <a:t>Googlenet</a:t>
-            </a:r>
-            <a:r>
-              <a:rPr lang="en-US" sz="2000" dirty="0">
-                <a:solidFill>
-                  <a:schemeClr val="tx1"/>
-                </a:solidFill>
-                <a:latin typeface="Arial" panose="020B0604020202020204" pitchFamily="34" charset="0"/>
-                <a:cs typeface="Arial" panose="020B0604020202020204" pitchFamily="34" charset="0"/>
-              </a:rPr>
-              <a:t> in 2014 takes a new approach to deep layers models where before different types of convolutions and pooling layers were stacked upon each other but now in an inception module we combine within the same layer different convolutions and a pooling.</a:t>
-            </a:r>
-          </a:p>
-          <a:p>
-            <a:pPr marL="0" indent="0" algn="l" rtl="0">
-              <a:buFont typeface="Wingdings 3" charset="2"/>
-              <a:buNone/>
-            </a:pPr>
-            <a:endParaRPr lang="en-US" sz="2000" dirty="0">
-              <a:solidFill>
-                <a:schemeClr val="tx1"/>
-              </a:solidFill>
-              <a:latin typeface="Arial" panose="020B0604020202020204" pitchFamily="34" charset="0"/>
-              <a:cs typeface="Arial" panose="020B0604020202020204" pitchFamily="34" charset="0"/>
-            </a:endParaRPr>
-          </a:p>
-        </p:txBody>
-      </p:sp>
-      <p:sp>
-        <p:nvSpPr>
-          <p:cNvPr id="2" name="כותרת 1">
-            <a:extLst>
-              <a:ext uri="{FF2B5EF4-FFF2-40B4-BE49-F238E27FC236}">
-                <a16:creationId xmlns:a16="http://schemas.microsoft.com/office/drawing/2014/main" id="{4A834D02-D58D-B4E3-F567-967483BA00F8}"/>
-              </a:ext>
-            </a:extLst>
-          </p:cNvPr>
-          <p:cNvSpPr>
-            <a:spLocks noGrp="1"/>
-          </p:cNvSpPr>
-          <p:nvPr>
-            <p:ph type="title"/>
-          </p:nvPr>
-        </p:nvSpPr>
-        <p:spPr>
-          <a:xfrm>
-            <a:off x="1681231" y="407466"/>
-            <a:ext cx="8596668" cy="1177085"/>
-          </a:xfrm>
-        </p:spPr>
-        <p:txBody>
-          <a:bodyPr>
-            <a:normAutofit/>
-          </a:bodyPr>
-          <a:lstStyle/>
-          <a:p>
-            <a:pPr algn="ctr" rtl="0"/>
-            <a:r>
-              <a:rPr lang="en-US" sz="4000" dirty="0">
-                <a:latin typeface="Arial" panose="020B0604020202020204" pitchFamily="34" charset="0"/>
-                <a:cs typeface="Arial" panose="020B0604020202020204" pitchFamily="34" charset="0"/>
-              </a:rPr>
-              <a:t>Inception V4</a:t>
-            </a:r>
-            <a:endParaRPr lang="he-IL" sz="4000" dirty="0">
-              <a:latin typeface="Arial" panose="020B0604020202020204" pitchFamily="34" charset="0"/>
-              <a:cs typeface="Arial" panose="020B0604020202020204" pitchFamily="34" charset="0"/>
-            </a:endParaRPr>
-          </a:p>
-        </p:txBody>
-      </p:sp>
-      <p:pic>
-        <p:nvPicPr>
-          <p:cNvPr id="7" name="תמונה 3">
-            <a:extLst>
-              <a:ext uri="{FF2B5EF4-FFF2-40B4-BE49-F238E27FC236}">
-                <a16:creationId xmlns:a16="http://schemas.microsoft.com/office/drawing/2014/main" id="{75F36A9B-487A-03BB-B9F3-74178B948A20}"/>
-              </a:ext>
-            </a:extLst>
-          </p:cNvPr>
-          <p:cNvPicPr>
-            <a:picLocks noChangeAspect="1"/>
-          </p:cNvPicPr>
-          <p:nvPr/>
-        </p:nvPicPr>
-        <p:blipFill>
-          <a:blip r:embed="rId2"/>
-          <a:stretch>
-            <a:fillRect/>
-          </a:stretch>
-        </p:blipFill>
-        <p:spPr>
-          <a:xfrm>
-            <a:off x="1170261" y="3621808"/>
-            <a:ext cx="4925739" cy="2792321"/>
-          </a:xfrm>
-          <a:prstGeom prst="rect">
-            <a:avLst/>
-          </a:prstGeom>
-        </p:spPr>
-      </p:pic>
-      <p:pic>
-        <p:nvPicPr>
-          <p:cNvPr id="8" name="תמונה 4">
-            <a:extLst>
-              <a:ext uri="{FF2B5EF4-FFF2-40B4-BE49-F238E27FC236}">
-                <a16:creationId xmlns:a16="http://schemas.microsoft.com/office/drawing/2014/main" id="{332A766A-4017-982F-6300-1E432CDC12D6}"/>
-              </a:ext>
-            </a:extLst>
-          </p:cNvPr>
-          <p:cNvPicPr>
-            <a:picLocks noChangeAspect="1"/>
-          </p:cNvPicPr>
-          <p:nvPr/>
-        </p:nvPicPr>
-        <p:blipFill>
-          <a:blip r:embed="rId3" cstate="print">
-            <a:extLst>
-              <a:ext uri="{28A0092B-C50C-407E-A947-70E740481C1C}">
-                <a14:useLocalDpi xmlns:a14="http://schemas.microsoft.com/office/drawing/2010/main" val="0"/>
-              </a:ext>
-            </a:extLst>
-          </a:blip>
-          <a:srcRect/>
-          <a:stretch>
-            <a:fillRect/>
-          </a:stretch>
-        </p:blipFill>
-        <p:spPr bwMode="auto">
-          <a:xfrm>
-            <a:off x="6200058" y="4224613"/>
-            <a:ext cx="4925740" cy="1935610"/>
-          </a:xfrm>
-          <a:prstGeom prst="rect">
-            <a:avLst/>
-          </a:prstGeom>
-          <a:noFill/>
-          <a:ln>
-            <a:noFill/>
-          </a:ln>
-        </p:spPr>
-      </p:pic>
-      <p:sp>
-        <p:nvSpPr>
-          <p:cNvPr id="4" name="מציין מיקום של מספר שקופית 1">
-            <a:extLst>
-              <a:ext uri="{FF2B5EF4-FFF2-40B4-BE49-F238E27FC236}">
-                <a16:creationId xmlns:a16="http://schemas.microsoft.com/office/drawing/2014/main" id="{E371C45A-03D2-C51D-03C1-1BFEB9A96412}"/>
-              </a:ext>
-            </a:extLst>
-          </p:cNvPr>
-          <p:cNvSpPr txBox="1">
-            <a:spLocks/>
-          </p:cNvSpPr>
-          <p:nvPr/>
-        </p:nvSpPr>
-        <p:spPr>
-          <a:xfrm>
-            <a:off x="11059927" y="6506035"/>
+            <a:off x="11049694" y="6526682"/>
             <a:ext cx="683339" cy="365125"/>
           </a:xfrm>
           <a:prstGeom prst="rect">
@@ -17214,7 +18952,7 @@
     </p:spTree>
     <p:extLst>
       <p:ext uri="{BB962C8B-B14F-4D97-AF65-F5344CB8AC3E}">
-        <p14:creationId xmlns:p14="http://schemas.microsoft.com/office/powerpoint/2010/main" val="1705670930"/>
+        <p14:creationId xmlns:p14="http://schemas.microsoft.com/office/powerpoint/2010/main" val="3741545148"/>
       </p:ext>
     </p:extLst>
   </p:cSld>

--- a/capstone project phase A.pptx
+++ b/capstone project phase A.pptx
@@ -153,34 +153,6 @@
 </p:cmAuthorLst>
 </file>
 
-<file path=ppt/comments/comment1.xml><?xml version="1.0" encoding="utf-8"?>
-<p:cmLst xmlns:a="http://schemas.openxmlformats.org/drawingml/2006/main" xmlns:r="http://schemas.openxmlformats.org/officeDocument/2006/relationships" xmlns:p="http://schemas.openxmlformats.org/presentationml/2006/main">
-  <p:cm authorId="1" dt="2023-01-15T20:36:41.325" idx="6">
-    <p:pos x="7670" y="10"/>
-    <p:text>לתמצת</p:text>
-    <p:extLst>
-      <p:ext uri="{C676402C-5697-4E1C-873F-D02D1690AC5C}">
-        <p15:threadingInfo xmlns:p15="http://schemas.microsoft.com/office/powerpoint/2012/main" timeZoneBias="-120"/>
-      </p:ext>
-    </p:extLst>
-  </p:cm>
-</p:cmLst>
-</file>
-
-<file path=ppt/comments/comment2.xml><?xml version="1.0" encoding="utf-8"?>
-<p:cmLst xmlns:a="http://schemas.openxmlformats.org/drawingml/2006/main" xmlns:r="http://schemas.openxmlformats.org/officeDocument/2006/relationships" xmlns:p="http://schemas.openxmlformats.org/presentationml/2006/main">
-  <p:cm authorId="1" dt="2023-01-15T20:47:09.261" idx="9">
-    <p:pos x="7670" y="10"/>
-    <p:text>לא ברור</p:text>
-    <p:extLst>
-      <p:ext uri="{C676402C-5697-4E1C-873F-D02D1690AC5C}">
-        <p15:threadingInfo xmlns:p15="http://schemas.microsoft.com/office/powerpoint/2012/main" timeZoneBias="-120"/>
-      </p:ext>
-    </p:extLst>
-  </p:cm>
-</p:cmLst>
-</file>
-
 <file path=ppt/handoutMasters/handoutMaster1.xml><?xml version="1.0" encoding="utf-8"?>
 <p:handoutMaster xmlns:a="http://schemas.openxmlformats.org/drawingml/2006/main" xmlns:r="http://schemas.openxmlformats.org/officeDocument/2006/relationships" xmlns:p="http://schemas.openxmlformats.org/presentationml/2006/main">
   <p:cSld>
@@ -275,7 +247,7 @@
           <a:p>
             <a:fld id="{1B09FBF7-821B-46D9-A9CC-2AA9EB732F83}" type="datetimeFigureOut">
               <a:rPr lang="he-IL" smtClean="0"/>
-              <a:t>כ"ה/טבת/תשפ"ג</a:t>
+              <a:t>כ"ו/טבת/תשפ"ג</a:t>
             </a:fld>
             <a:endParaRPr lang="he-IL"/>
           </a:p>
@@ -453,7 +425,7 @@
           <a:p>
             <a:fld id="{BA9A9A6A-E7C7-479C-A1C1-73E20B5013D8}" type="datetimeFigureOut">
               <a:rPr lang="he-IL" smtClean="0"/>
-              <a:t>כ"ה/טבת/תשפ"ג</a:t>
+              <a:t>כ"ו/טבת/תשפ"ג</a:t>
             </a:fld>
             <a:endParaRPr lang="he-IL"/>
           </a:p>
@@ -849,6 +821,119 @@
           <a:bodyPr/>
           <a:lstStyle/>
           <a:p>
+            <a:pPr algn="l" rtl="0"/>
+            <a:r>
+              <a:rPr lang="en-US" dirty="0"/>
+              <a:t>Benign = not danger but have a chance in future to be a breast cancer. </a:t>
+            </a:r>
+          </a:p>
+          <a:p>
+            <a:pPr algn="l" rtl="0"/>
+            <a:r>
+              <a:rPr lang="en-US" dirty="0"/>
+              <a:t>In-situ cancer = </a:t>
+            </a:r>
+            <a:r>
+              <a:rPr lang="en-US" sz="1200" kern="1200" dirty="0">
+                <a:solidFill>
+                  <a:schemeClr val="tx1"/>
+                </a:solidFill>
+                <a:latin typeface="+mn-lt"/>
+                <a:ea typeface="+mn-ea"/>
+                <a:cs typeface="+mn-cs"/>
+              </a:rPr>
+              <a:t>cancer cells that not spread out yet.</a:t>
+            </a:r>
+          </a:p>
+          <a:p>
+            <a:pPr algn="l" rtl="0"/>
+            <a:r>
+              <a:rPr lang="en-US" dirty="0"/>
+              <a:t>Invasive carcinoma = cancer cells which spread out to another parts of the breasts.</a:t>
+            </a:r>
+          </a:p>
+        </p:txBody>
+      </p:sp>
+      <p:sp>
+        <p:nvSpPr>
+          <p:cNvPr id="4" name="Slide Number Placeholder 3"/>
+          <p:cNvSpPr>
+            <a:spLocks noGrp="1"/>
+          </p:cNvSpPr>
+          <p:nvPr>
+            <p:ph type="sldNum" sz="quarter" idx="5"/>
+          </p:nvPr>
+        </p:nvSpPr>
+        <p:spPr/>
+        <p:txBody>
+          <a:bodyPr/>
+          <a:lstStyle/>
+          <a:p>
+            <a:fld id="{398D4DB8-10DC-431A-A77D-587759D9D9E5}" type="slidenum">
+              <a:rPr lang="he-IL" smtClean="0"/>
+              <a:t>3</a:t>
+            </a:fld>
+            <a:endParaRPr lang="he-IL"/>
+          </a:p>
+        </p:txBody>
+      </p:sp>
+    </p:spTree>
+    <p:extLst>
+      <p:ext uri="{BB962C8B-B14F-4D97-AF65-F5344CB8AC3E}">
+        <p14:creationId xmlns:p14="http://schemas.microsoft.com/office/powerpoint/2010/main" val="1546364218"/>
+      </p:ext>
+    </p:extLst>
+  </p:cSld>
+  <p:clrMapOvr>
+    <a:masterClrMapping/>
+  </p:clrMapOvr>
+</p:notes>
+</file>
+
+<file path=ppt/notesSlides/notesSlide3.xml><?xml version="1.0" encoding="utf-8"?>
+<p:notes xmlns:a="http://schemas.openxmlformats.org/drawingml/2006/main" xmlns:r="http://schemas.openxmlformats.org/officeDocument/2006/relationships" xmlns:p="http://schemas.openxmlformats.org/presentationml/2006/main">
+  <p:cSld>
+    <p:spTree>
+      <p:nvGrpSpPr>
+        <p:cNvPr id="1" name=""/>
+        <p:cNvGrpSpPr/>
+        <p:nvPr/>
+      </p:nvGrpSpPr>
+      <p:grpSpPr>
+        <a:xfrm>
+          <a:off x="0" y="0"/>
+          <a:ext cx="0" cy="0"/>
+          <a:chOff x="0" y="0"/>
+          <a:chExt cx="0" cy="0"/>
+        </a:xfrm>
+      </p:grpSpPr>
+      <p:sp>
+        <p:nvSpPr>
+          <p:cNvPr id="2" name="Slide Image Placeholder 1"/>
+          <p:cNvSpPr>
+            <a:spLocks noGrp="1" noRot="1" noChangeAspect="1"/>
+          </p:cNvSpPr>
+          <p:nvPr>
+            <p:ph type="sldImg"/>
+          </p:nvPr>
+        </p:nvSpPr>
+        <p:spPr/>
+      </p:sp>
+      <p:sp>
+        <p:nvSpPr>
+          <p:cNvPr id="3" name="Notes Placeholder 2"/>
+          <p:cNvSpPr>
+            <a:spLocks noGrp="1"/>
+          </p:cNvSpPr>
+          <p:nvPr>
+            <p:ph type="body" idx="1"/>
+          </p:nvPr>
+        </p:nvSpPr>
+        <p:spPr/>
+        <p:txBody>
+          <a:bodyPr/>
+          <a:lstStyle/>
+          <a:p>
             <a:pPr marL="0" marR="0" lvl="0" indent="0" algn="l" defTabSz="914400" rtl="0" eaLnBrk="1" fontAlgn="auto" latinLnBrk="0" hangingPunct="1">
               <a:lnSpc>
                 <a:spcPct val="100000"/>
@@ -1065,6 +1150,452 @@
     <p:extLst>
       <p:ext uri="{BB962C8B-B14F-4D97-AF65-F5344CB8AC3E}">
         <p14:creationId xmlns:p14="http://schemas.microsoft.com/office/powerpoint/2010/main" val="1673397452"/>
+      </p:ext>
+    </p:extLst>
+  </p:cSld>
+  <p:clrMapOvr>
+    <a:masterClrMapping/>
+  </p:clrMapOvr>
+</p:notes>
+</file>
+
+<file path=ppt/notesSlides/notesSlide4.xml><?xml version="1.0" encoding="utf-8"?>
+<p:notes xmlns:a="http://schemas.openxmlformats.org/drawingml/2006/main" xmlns:r="http://schemas.openxmlformats.org/officeDocument/2006/relationships" xmlns:p="http://schemas.openxmlformats.org/presentationml/2006/main">
+  <p:cSld>
+    <p:spTree>
+      <p:nvGrpSpPr>
+        <p:cNvPr id="1" name=""/>
+        <p:cNvGrpSpPr/>
+        <p:nvPr/>
+      </p:nvGrpSpPr>
+      <p:grpSpPr>
+        <a:xfrm>
+          <a:off x="0" y="0"/>
+          <a:ext cx="0" cy="0"/>
+          <a:chOff x="0" y="0"/>
+          <a:chExt cx="0" cy="0"/>
+        </a:xfrm>
+      </p:grpSpPr>
+      <p:sp>
+        <p:nvSpPr>
+          <p:cNvPr id="2" name="Slide Image Placeholder 1"/>
+          <p:cNvSpPr>
+            <a:spLocks noGrp="1" noRot="1" noChangeAspect="1"/>
+          </p:cNvSpPr>
+          <p:nvPr>
+            <p:ph type="sldImg"/>
+          </p:nvPr>
+        </p:nvSpPr>
+        <p:spPr/>
+      </p:sp>
+      <p:sp>
+        <p:nvSpPr>
+          <p:cNvPr id="3" name="Notes Placeholder 2"/>
+          <p:cNvSpPr>
+            <a:spLocks noGrp="1"/>
+          </p:cNvSpPr>
+          <p:nvPr>
+            <p:ph type="body" idx="1"/>
+          </p:nvPr>
+        </p:nvSpPr>
+        <p:spPr/>
+        <p:txBody>
+          <a:bodyPr/>
+          <a:lstStyle/>
+          <a:p>
+            <a:pPr algn="l" rtl="0">
+              <a:buSzPct val="140000"/>
+              <a:buFont typeface="Arial" panose="020B0604020202020204" pitchFamily="34" charset="0"/>
+              <a:buChar char="•"/>
+            </a:pPr>
+            <a:r>
+              <a:rPr lang="en-US" sz="1200" dirty="0">
+                <a:solidFill>
+                  <a:schemeClr val="tx1"/>
+                </a:solidFill>
+                <a:latin typeface="Arial" panose="020B0604020202020204" pitchFamily="34" charset="0"/>
+                <a:cs typeface="Arial" panose="020B0604020202020204" pitchFamily="34" charset="0"/>
+              </a:rPr>
+              <a:t>convolution layer -  Its purpose is to extract features from the image.</a:t>
+            </a:r>
+            <a:br>
+              <a:rPr lang="en-US" sz="1200" dirty="0">
+                <a:solidFill>
+                  <a:schemeClr val="tx1"/>
+                </a:solidFill>
+                <a:latin typeface="Arial" panose="020B0604020202020204" pitchFamily="34" charset="0"/>
+                <a:cs typeface="Arial" panose="020B0604020202020204" pitchFamily="34" charset="0"/>
+              </a:rPr>
+            </a:br>
+            <a:r>
+              <a:rPr lang="en-US" sz="1200" dirty="0">
+                <a:solidFill>
+                  <a:schemeClr val="tx1"/>
+                </a:solidFill>
+                <a:latin typeface="Arial" panose="020B0604020202020204" pitchFamily="34" charset="0"/>
+                <a:cs typeface="Arial" panose="020B0604020202020204" pitchFamily="34" charset="0"/>
+              </a:rPr>
+              <a:t>applying a filter on an input, passing the result to the next layer (feature maps).</a:t>
+            </a:r>
+          </a:p>
+          <a:p>
+            <a:pPr marL="0" indent="0" algn="l" rtl="0">
+              <a:buSzPct val="140000"/>
+              <a:buNone/>
+            </a:pPr>
+            <a:endParaRPr lang="en-US" sz="1200" dirty="0">
+              <a:solidFill>
+                <a:schemeClr val="tx1"/>
+              </a:solidFill>
+              <a:latin typeface="Arial" panose="020B0604020202020204" pitchFamily="34" charset="0"/>
+              <a:cs typeface="Arial" panose="020B0604020202020204" pitchFamily="34" charset="0"/>
+            </a:endParaRPr>
+          </a:p>
+          <a:p>
+            <a:pPr algn="l" rtl="0">
+              <a:buSzPct val="140000"/>
+              <a:buFont typeface="Arial" panose="020B0604020202020204" pitchFamily="34" charset="0"/>
+              <a:buChar char="•"/>
+            </a:pPr>
+            <a:r>
+              <a:rPr lang="en-US" sz="1200" dirty="0">
+                <a:solidFill>
+                  <a:schemeClr val="tx1"/>
+                </a:solidFill>
+                <a:latin typeface="Arial" panose="020B0604020202020204" pitchFamily="34" charset="0"/>
+                <a:cs typeface="Arial" panose="020B0604020202020204" pitchFamily="34" charset="0"/>
+              </a:rPr>
+              <a:t>pooling layers – Pooling layers reduce the dimensions of data by combining the outputs of neuron clusters at one layer into a single neuron in the next layer. </a:t>
+            </a:r>
+          </a:p>
+          <a:p>
+            <a:pPr marL="0" indent="0" algn="l" rtl="0">
+              <a:buSzPct val="140000"/>
+              <a:buNone/>
+            </a:pPr>
+            <a:r>
+              <a:rPr lang="en-US" sz="1200" dirty="0">
+                <a:solidFill>
+                  <a:schemeClr val="tx1"/>
+                </a:solidFill>
+                <a:latin typeface="Arial" panose="020B0604020202020204" pitchFamily="34" charset="0"/>
+                <a:cs typeface="Arial" panose="020B0604020202020204" pitchFamily="34" charset="0"/>
+              </a:rPr>
+              <a:t> </a:t>
+            </a:r>
+          </a:p>
+          <a:p>
+            <a:pPr algn="l" rtl="0">
+              <a:buSzPct val="140000"/>
+              <a:buFont typeface="Arial" panose="020B0604020202020204" pitchFamily="34" charset="0"/>
+              <a:buChar char="•"/>
+            </a:pPr>
+            <a:r>
+              <a:rPr lang="en-US" sz="1200" dirty="0">
+                <a:solidFill>
+                  <a:schemeClr val="tx1"/>
+                </a:solidFill>
+                <a:latin typeface="Arial" panose="020B0604020202020204" pitchFamily="34" charset="0"/>
+                <a:cs typeface="Arial" panose="020B0604020202020204" pitchFamily="34" charset="0"/>
+              </a:rPr>
+              <a:t>fully connected layer - maps the extracted features into final output, They come as the last layers after convolution and pooling and these layers take the output of previous layers to classify the output.</a:t>
+            </a:r>
+          </a:p>
+          <a:p>
+            <a:endParaRPr lang="he-IL" dirty="0"/>
+          </a:p>
+        </p:txBody>
+      </p:sp>
+      <p:sp>
+        <p:nvSpPr>
+          <p:cNvPr id="4" name="Slide Number Placeholder 3"/>
+          <p:cNvSpPr>
+            <a:spLocks noGrp="1"/>
+          </p:cNvSpPr>
+          <p:nvPr>
+            <p:ph type="sldNum" sz="quarter" idx="5"/>
+          </p:nvPr>
+        </p:nvSpPr>
+        <p:spPr/>
+        <p:txBody>
+          <a:bodyPr/>
+          <a:lstStyle/>
+          <a:p>
+            <a:fld id="{398D4DB8-10DC-431A-A77D-587759D9D9E5}" type="slidenum">
+              <a:rPr lang="he-IL" smtClean="0"/>
+              <a:t>8</a:t>
+            </a:fld>
+            <a:endParaRPr lang="he-IL"/>
+          </a:p>
+        </p:txBody>
+      </p:sp>
+    </p:spTree>
+    <p:extLst>
+      <p:ext uri="{BB962C8B-B14F-4D97-AF65-F5344CB8AC3E}">
+        <p14:creationId xmlns:p14="http://schemas.microsoft.com/office/powerpoint/2010/main" val="3598590567"/>
+      </p:ext>
+    </p:extLst>
+  </p:cSld>
+  <p:clrMapOvr>
+    <a:masterClrMapping/>
+  </p:clrMapOvr>
+</p:notes>
+</file>
+
+<file path=ppt/notesSlides/notesSlide5.xml><?xml version="1.0" encoding="utf-8"?>
+<p:notes xmlns:a="http://schemas.openxmlformats.org/drawingml/2006/main" xmlns:r="http://schemas.openxmlformats.org/officeDocument/2006/relationships" xmlns:p="http://schemas.openxmlformats.org/presentationml/2006/main">
+  <p:cSld>
+    <p:spTree>
+      <p:nvGrpSpPr>
+        <p:cNvPr id="1" name=""/>
+        <p:cNvGrpSpPr/>
+        <p:nvPr/>
+      </p:nvGrpSpPr>
+      <p:grpSpPr>
+        <a:xfrm>
+          <a:off x="0" y="0"/>
+          <a:ext cx="0" cy="0"/>
+          <a:chOff x="0" y="0"/>
+          <a:chExt cx="0" cy="0"/>
+        </a:xfrm>
+      </p:grpSpPr>
+      <p:sp>
+        <p:nvSpPr>
+          <p:cNvPr id="2" name="Slide Image Placeholder 1"/>
+          <p:cNvSpPr>
+            <a:spLocks noGrp="1" noRot="1" noChangeAspect="1"/>
+          </p:cNvSpPr>
+          <p:nvPr>
+            <p:ph type="sldImg"/>
+          </p:nvPr>
+        </p:nvSpPr>
+        <p:spPr/>
+      </p:sp>
+      <p:sp>
+        <p:nvSpPr>
+          <p:cNvPr id="3" name="Notes Placeholder 2"/>
+          <p:cNvSpPr>
+            <a:spLocks noGrp="1"/>
+          </p:cNvSpPr>
+          <p:nvPr>
+            <p:ph type="body" idx="1"/>
+          </p:nvPr>
+        </p:nvSpPr>
+        <p:spPr/>
+        <p:txBody>
+          <a:bodyPr/>
+          <a:lstStyle/>
+          <a:p>
+            <a:pPr marL="0" indent="0" algn="l" rtl="0">
+              <a:buNone/>
+            </a:pPr>
+            <a:r>
+              <a:rPr lang="en-US" sz="1200" dirty="0">
+                <a:solidFill>
+                  <a:schemeClr val="tx1"/>
+                </a:solidFill>
+                <a:latin typeface="Arial" panose="020B0604020202020204" pitchFamily="34" charset="0"/>
+                <a:cs typeface="Arial" panose="020B0604020202020204" pitchFamily="34" charset="0"/>
+              </a:rPr>
+              <a:t>This architecture is designed to alleviate the vanishing-gradient problem encountered in traditional deep neural networks, by using direct connections between layers, rather than stacking layers sequentially.  </a:t>
+            </a:r>
+          </a:p>
+          <a:p>
+            <a:pPr marL="0" indent="0" algn="l" rtl="0">
+              <a:buNone/>
+            </a:pPr>
+            <a:r>
+              <a:rPr lang="en-US" sz="1200" dirty="0">
+                <a:solidFill>
+                  <a:schemeClr val="tx1"/>
+                </a:solidFill>
+                <a:latin typeface="Arial" panose="020B0604020202020204" pitchFamily="34" charset="0"/>
+                <a:cs typeface="Arial" panose="020B0604020202020204" pitchFamily="34" charset="0"/>
+              </a:rPr>
+              <a:t> </a:t>
+            </a:r>
+          </a:p>
+          <a:p>
+            <a:pPr marL="0" indent="0" algn="l" rtl="0">
+              <a:buNone/>
+            </a:pPr>
+            <a:r>
+              <a:rPr lang="en-US" sz="1200" dirty="0" err="1">
+                <a:solidFill>
+                  <a:schemeClr val="tx1"/>
+                </a:solidFill>
+                <a:latin typeface="Arial" panose="020B0604020202020204" pitchFamily="34" charset="0"/>
+                <a:cs typeface="Arial" panose="020B0604020202020204" pitchFamily="34" charset="0"/>
+              </a:rPr>
+              <a:t>DenseNet</a:t>
+            </a:r>
+            <a:r>
+              <a:rPr lang="en-US" sz="1200" dirty="0">
+                <a:solidFill>
+                  <a:schemeClr val="tx1"/>
+                </a:solidFill>
+                <a:latin typeface="Arial" panose="020B0604020202020204" pitchFamily="34" charset="0"/>
+                <a:cs typeface="Arial" panose="020B0604020202020204" pitchFamily="34" charset="0"/>
+              </a:rPr>
+              <a:t> can be very deep, with hundreds of layers, and still be able to train effectively, We will use the </a:t>
+            </a:r>
+            <a:r>
+              <a:rPr lang="en-US" sz="1200" dirty="0" err="1">
+                <a:solidFill>
+                  <a:schemeClr val="tx1"/>
+                </a:solidFill>
+                <a:latin typeface="Arial" panose="020B0604020202020204" pitchFamily="34" charset="0"/>
+                <a:cs typeface="Arial" panose="020B0604020202020204" pitchFamily="34" charset="0"/>
+              </a:rPr>
+              <a:t>DensenNet</a:t>
+            </a:r>
+            <a:r>
+              <a:rPr lang="en-US" sz="1200" dirty="0">
+                <a:solidFill>
+                  <a:schemeClr val="tx1"/>
+                </a:solidFill>
+                <a:latin typeface="Arial" panose="020B0604020202020204" pitchFamily="34" charset="0"/>
+                <a:cs typeface="Arial" panose="020B0604020202020204" pitchFamily="34" charset="0"/>
+              </a:rPr>
+              <a:t> 121 which is one of the smaller </a:t>
+            </a:r>
+            <a:r>
+              <a:rPr lang="en-US" sz="1200" dirty="0" err="1">
+                <a:solidFill>
+                  <a:schemeClr val="tx1"/>
+                </a:solidFill>
+                <a:latin typeface="Arial" panose="020B0604020202020204" pitchFamily="34" charset="0"/>
+                <a:cs typeface="Arial" panose="020B0604020202020204" pitchFamily="34" charset="0"/>
+              </a:rPr>
+              <a:t>DenseNet</a:t>
+            </a:r>
+            <a:r>
+              <a:rPr lang="en-US" sz="1200" dirty="0">
+                <a:solidFill>
+                  <a:schemeClr val="tx1"/>
+                </a:solidFill>
+                <a:latin typeface="Arial" panose="020B0604020202020204" pitchFamily="34" charset="0"/>
+                <a:cs typeface="Arial" panose="020B0604020202020204" pitchFamily="34" charset="0"/>
+              </a:rPr>
+              <a:t> architectures contains 4 dense blocks each containing a fixed number of layers.</a:t>
+            </a:r>
+          </a:p>
+          <a:p>
+            <a:endParaRPr lang="he-IL" dirty="0"/>
+          </a:p>
+        </p:txBody>
+      </p:sp>
+      <p:sp>
+        <p:nvSpPr>
+          <p:cNvPr id="4" name="Slide Number Placeholder 3"/>
+          <p:cNvSpPr>
+            <a:spLocks noGrp="1"/>
+          </p:cNvSpPr>
+          <p:nvPr>
+            <p:ph type="sldNum" sz="quarter" idx="5"/>
+          </p:nvPr>
+        </p:nvSpPr>
+        <p:spPr/>
+        <p:txBody>
+          <a:bodyPr/>
+          <a:lstStyle/>
+          <a:p>
+            <a:fld id="{398D4DB8-10DC-431A-A77D-587759D9D9E5}" type="slidenum">
+              <a:rPr lang="he-IL" smtClean="0"/>
+              <a:t>9</a:t>
+            </a:fld>
+            <a:endParaRPr lang="he-IL"/>
+          </a:p>
+        </p:txBody>
+      </p:sp>
+    </p:spTree>
+    <p:extLst>
+      <p:ext uri="{BB962C8B-B14F-4D97-AF65-F5344CB8AC3E}">
+        <p14:creationId xmlns:p14="http://schemas.microsoft.com/office/powerpoint/2010/main" val="3237946355"/>
+      </p:ext>
+    </p:extLst>
+  </p:cSld>
+  <p:clrMapOvr>
+    <a:masterClrMapping/>
+  </p:clrMapOvr>
+</p:notes>
+</file>
+
+<file path=ppt/notesSlides/notesSlide6.xml><?xml version="1.0" encoding="utf-8"?>
+<p:notes xmlns:a="http://schemas.openxmlformats.org/drawingml/2006/main" xmlns:r="http://schemas.openxmlformats.org/officeDocument/2006/relationships" xmlns:p="http://schemas.openxmlformats.org/presentationml/2006/main">
+  <p:cSld>
+    <p:spTree>
+      <p:nvGrpSpPr>
+        <p:cNvPr id="1" name=""/>
+        <p:cNvGrpSpPr/>
+        <p:nvPr/>
+      </p:nvGrpSpPr>
+      <p:grpSpPr>
+        <a:xfrm>
+          <a:off x="0" y="0"/>
+          <a:ext cx="0" cy="0"/>
+          <a:chOff x="0" y="0"/>
+          <a:chExt cx="0" cy="0"/>
+        </a:xfrm>
+      </p:grpSpPr>
+      <p:sp>
+        <p:nvSpPr>
+          <p:cNvPr id="2" name="Slide Image Placeholder 1"/>
+          <p:cNvSpPr>
+            <a:spLocks noGrp="1" noRot="1" noChangeAspect="1"/>
+          </p:cNvSpPr>
+          <p:nvPr>
+            <p:ph type="sldImg"/>
+          </p:nvPr>
+        </p:nvSpPr>
+        <p:spPr/>
+      </p:sp>
+      <p:sp>
+        <p:nvSpPr>
+          <p:cNvPr id="3" name="Notes Placeholder 2"/>
+          <p:cNvSpPr>
+            <a:spLocks noGrp="1"/>
+          </p:cNvSpPr>
+          <p:nvPr>
+            <p:ph type="body" idx="1"/>
+          </p:nvPr>
+        </p:nvSpPr>
+        <p:spPr/>
+        <p:txBody>
+          <a:bodyPr/>
+          <a:lstStyle/>
+          <a:p>
+            <a:endParaRPr lang="he-IL" dirty="0"/>
+          </a:p>
+        </p:txBody>
+      </p:sp>
+      <p:sp>
+        <p:nvSpPr>
+          <p:cNvPr id="4" name="Slide Number Placeholder 3"/>
+          <p:cNvSpPr>
+            <a:spLocks noGrp="1"/>
+          </p:cNvSpPr>
+          <p:nvPr>
+            <p:ph type="sldNum" sz="quarter" idx="5"/>
+          </p:nvPr>
+        </p:nvSpPr>
+        <p:spPr/>
+        <p:txBody>
+          <a:bodyPr/>
+          <a:lstStyle/>
+          <a:p>
+            <a:fld id="{398D4DB8-10DC-431A-A77D-587759D9D9E5}" type="slidenum">
+              <a:rPr lang="he-IL" smtClean="0"/>
+              <a:t>10</a:t>
+            </a:fld>
+            <a:endParaRPr lang="he-IL"/>
+          </a:p>
+        </p:txBody>
+      </p:sp>
+    </p:spTree>
+    <p:extLst>
+      <p:ext uri="{BB962C8B-B14F-4D97-AF65-F5344CB8AC3E}">
+        <p14:creationId xmlns:p14="http://schemas.microsoft.com/office/powerpoint/2010/main" val="605986473"/>
       </p:ext>
     </p:extLst>
   </p:cSld>
@@ -1796,7 +2327,7 @@
           <a:p>
             <a:fld id="{BC4B8964-0C60-42F0-8A7B-39789F9CAB98}" type="datetime8">
               <a:rPr lang="he-IL" smtClean="0"/>
-              <a:t>18 ינואר 23</a:t>
+              <a:t>19 ינואר 23</a:t>
             </a:fld>
             <a:endParaRPr lang="he-IL"/>
           </a:p>
@@ -2047,7 +2578,7 @@
           <a:p>
             <a:fld id="{44492D5F-5C5A-4427-A4A4-F7086FB0D825}" type="datetime8">
               <a:rPr lang="he-IL" smtClean="0"/>
-              <a:t>18 ינואר 23</a:t>
+              <a:t>19 ינואר 23</a:t>
             </a:fld>
             <a:endParaRPr lang="he-IL"/>
           </a:p>
@@ -2361,7 +2892,7 @@
           <a:p>
             <a:fld id="{2F3682EE-130E-4230-AB1E-CAE76CFF0C5F}" type="datetime8">
               <a:rPr lang="he-IL" smtClean="0"/>
-              <a:t>18 ינואר 23</a:t>
+              <a:t>19 ינואר 23</a:t>
             </a:fld>
             <a:endParaRPr lang="he-IL"/>
           </a:p>
@@ -2702,7 +3233,7 @@
           <a:p>
             <a:fld id="{5124BDF2-CCB8-42F8-9C06-6D4E7BD012F8}" type="datetime8">
               <a:rPr lang="he-IL" smtClean="0"/>
-              <a:t>18 ינואר 23</a:t>
+              <a:t>19 ינואר 23</a:t>
             </a:fld>
             <a:endParaRPr lang="he-IL"/>
           </a:p>
@@ -3016,7 +3547,7 @@
           <a:p>
             <a:fld id="{B6002D6A-E79A-4FA0-941C-54C7EBE39EDF}" type="datetime8">
               <a:rPr lang="he-IL" smtClean="0"/>
-              <a:t>18 ינואר 23</a:t>
+              <a:t>19 ינואר 23</a:t>
             </a:fld>
             <a:endParaRPr lang="he-IL"/>
           </a:p>
@@ -3409,7 +3940,7 @@
           <a:p>
             <a:fld id="{A564A717-DCE1-439A-9B67-7D7188204F6F}" type="datetime8">
               <a:rPr lang="he-IL" smtClean="0"/>
-              <a:t>18 ינואר 23</a:t>
+              <a:t>19 ינואר 23</a:t>
             </a:fld>
             <a:endParaRPr lang="he-IL"/>
           </a:p>
@@ -3579,7 +4110,7 @@
           <a:p>
             <a:fld id="{4478F9B6-294E-4621-AF80-B31B71B8B72B}" type="datetime8">
               <a:rPr lang="he-IL" smtClean="0"/>
-              <a:t>18 ינואר 23</a:t>
+              <a:t>19 ינואר 23</a:t>
             </a:fld>
             <a:endParaRPr lang="he-IL"/>
           </a:p>
@@ -3759,7 +4290,7 @@
           <a:p>
             <a:fld id="{A01D7BAB-3B1F-4321-BAE3-D9738DD3E45D}" type="datetime8">
               <a:rPr lang="he-IL" smtClean="0"/>
-              <a:t>18 ינואר 23</a:t>
+              <a:t>19 ינואר 23</a:t>
             </a:fld>
             <a:endParaRPr lang="he-IL"/>
           </a:p>
@@ -3935,7 +4466,7 @@
           <a:p>
             <a:fld id="{49A70225-B891-41BC-B1EB-C74B0A90B821}" type="datetime8">
               <a:rPr lang="he-IL" smtClean="0"/>
-              <a:t>18 ינואר 23</a:t>
+              <a:t>19 ינואר 23</a:t>
             </a:fld>
             <a:endParaRPr lang="he-IL"/>
           </a:p>
@@ -4182,7 +4713,7 @@
           <a:p>
             <a:fld id="{68354EA6-AE6A-40B6-9859-42518146A42A}" type="datetime8">
               <a:rPr lang="he-IL" smtClean="0"/>
-              <a:t>18 ינואר 23</a:t>
+              <a:t>19 ינואר 23</a:t>
             </a:fld>
             <a:endParaRPr lang="he-IL"/>
           </a:p>
@@ -4414,7 +4945,7 @@
           <a:p>
             <a:fld id="{1BC7F4CD-58D3-4335-B5D5-C38391E20D3C}" type="datetime8">
               <a:rPr lang="he-IL" smtClean="0"/>
-              <a:t>18 ינואר 23</a:t>
+              <a:t>19 ינואר 23</a:t>
             </a:fld>
             <a:endParaRPr lang="he-IL"/>
           </a:p>
@@ -4788,7 +5319,7 @@
           <a:p>
             <a:fld id="{61465D9B-820F-435A-B19E-D10F7B776F41}" type="datetime8">
               <a:rPr lang="he-IL" smtClean="0"/>
-              <a:t>18 ינואר 23</a:t>
+              <a:t>19 ינואר 23</a:t>
             </a:fld>
             <a:endParaRPr lang="he-IL"/>
           </a:p>
@@ -4911,7 +5442,7 @@
           <a:p>
             <a:fld id="{F35B8C53-FDF9-43B8-816B-448B03198626}" type="datetime8">
               <a:rPr lang="he-IL" smtClean="0"/>
-              <a:t>18 ינואר 23</a:t>
+              <a:t>19 ינואר 23</a:t>
             </a:fld>
             <a:endParaRPr lang="he-IL"/>
           </a:p>
@@ -5006,7 +5537,7 @@
           <a:p>
             <a:fld id="{EF2DC438-7C71-453E-A629-9248B1F5CE1F}" type="datetime8">
               <a:rPr lang="he-IL" smtClean="0"/>
-              <a:t>18 ינואר 23</a:t>
+              <a:t>19 ינואר 23</a:t>
             </a:fld>
             <a:endParaRPr lang="he-IL"/>
           </a:p>
@@ -5261,7 +5792,7 @@
           <a:p>
             <a:fld id="{0BD847BE-56B8-411B-A53F-42E7F389BB4A}" type="datetime8">
               <a:rPr lang="he-IL" smtClean="0"/>
-              <a:t>18 ינואר 23</a:t>
+              <a:t>19 ינואר 23</a:t>
             </a:fld>
             <a:endParaRPr lang="he-IL"/>
           </a:p>
@@ -5524,7 +6055,7 @@
           <a:p>
             <a:fld id="{FF59ECC8-B340-430C-BECB-9DB381B79EEB}" type="datetime8">
               <a:rPr lang="he-IL" smtClean="0"/>
-              <a:t>18 ינואר 23</a:t>
+              <a:t>19 ינואר 23</a:t>
             </a:fld>
             <a:endParaRPr lang="he-IL"/>
           </a:p>
@@ -6267,7 +6798,7 @@
           <a:p>
             <a:fld id="{E6DCC100-7695-42DC-BE2A-28A81F3C7902}" type="datetime8">
               <a:rPr lang="he-IL" smtClean="0"/>
-              <a:t>18 ינואר 23</a:t>
+              <a:t>19 ינואר 23</a:t>
             </a:fld>
             <a:endParaRPr lang="he-IL"/>
           </a:p>
@@ -7658,12 +8189,103 @@
           </a:p>
         </p:txBody>
       </p:sp>
+      <p:grpSp>
+        <p:nvGrpSpPr>
+          <p:cNvPr id="9" name="Group 8">
+            <a:extLst>
+              <a:ext uri="{FF2B5EF4-FFF2-40B4-BE49-F238E27FC236}">
+                <a16:creationId xmlns:a16="http://schemas.microsoft.com/office/drawing/2014/main" id="{0AF9B4D1-23C0-05ED-82D6-F53E17B23BAC}"/>
+              </a:ext>
+            </a:extLst>
+          </p:cNvPr>
+          <p:cNvGrpSpPr/>
+          <p:nvPr/>
+        </p:nvGrpSpPr>
+        <p:grpSpPr>
+          <a:xfrm>
+            <a:off x="1597124" y="5306597"/>
+            <a:ext cx="8964468" cy="1321314"/>
+            <a:chOff x="1090393" y="4667862"/>
+            <a:chExt cx="8964468" cy="1321314"/>
+          </a:xfrm>
+        </p:grpSpPr>
+        <p:pic>
+          <p:nvPicPr>
+            <p:cNvPr id="4" name="Content Placeholder 4">
+              <a:extLst>
+                <a:ext uri="{FF2B5EF4-FFF2-40B4-BE49-F238E27FC236}">
+                  <a16:creationId xmlns:a16="http://schemas.microsoft.com/office/drawing/2014/main" id="{3026FBE0-9116-C7AC-D540-4FAD07F4980A}"/>
+                </a:ext>
+              </a:extLst>
+            </p:cNvPr>
+            <p:cNvPicPr>
+              <a:picLocks noChangeAspect="1"/>
+            </p:cNvPicPr>
+            <p:nvPr/>
+          </p:nvPicPr>
+          <p:blipFill>
+            <a:blip r:embed="rId3"/>
+            <a:stretch>
+              <a:fillRect/>
+            </a:stretch>
+          </p:blipFill>
+          <p:spPr>
+            <a:xfrm>
+              <a:off x="1090393" y="4667862"/>
+              <a:ext cx="8964468" cy="1190509"/>
+            </a:xfrm>
+            <a:prstGeom prst="rect">
+              <a:avLst/>
+            </a:prstGeom>
+          </p:spPr>
+        </p:pic>
+        <p:sp>
+          <p:nvSpPr>
+            <p:cNvPr id="6" name="TextBox 5">
+              <a:extLst>
+                <a:ext uri="{FF2B5EF4-FFF2-40B4-BE49-F238E27FC236}">
+                  <a16:creationId xmlns:a16="http://schemas.microsoft.com/office/drawing/2014/main" id="{B1C54BD0-F77C-712C-0850-DF0604DD500E}"/>
+                </a:ext>
+              </a:extLst>
+            </p:cNvPr>
+            <p:cNvSpPr txBox="1"/>
+            <p:nvPr/>
+          </p:nvSpPr>
+          <p:spPr>
+            <a:xfrm>
+              <a:off x="1090393" y="5727566"/>
+              <a:ext cx="4670190" cy="261610"/>
+            </a:xfrm>
+            <a:prstGeom prst="rect">
+              <a:avLst/>
+            </a:prstGeom>
+            <a:noFill/>
+          </p:spPr>
+          <p:txBody>
+            <a:bodyPr wrap="square" rtlCol="1">
+              <a:spAutoFit/>
+            </a:bodyPr>
+            <a:lstStyle/>
+            <a:p>
+              <a:r>
+                <a:rPr lang="en-US" sz="1100" dirty="0">
+                  <a:cs typeface="+mj-cs"/>
+                </a:rPr>
+                <a:t>Source: Densely Connected Convolutional Networks original paper.</a:t>
+              </a:r>
+              <a:endParaRPr lang="he-IL" sz="1100" dirty="0">
+                <a:cs typeface="+mj-cs"/>
+              </a:endParaRPr>
+            </a:p>
+          </p:txBody>
+        </p:sp>
+      </p:grpSp>
       <p:pic>
         <p:nvPicPr>
-          <p:cNvPr id="4" name="Content Placeholder 4">
+          <p:cNvPr id="10" name="Picture 9">
             <a:extLst>
               <a:ext uri="{FF2B5EF4-FFF2-40B4-BE49-F238E27FC236}">
-                <a16:creationId xmlns:a16="http://schemas.microsoft.com/office/drawing/2014/main" id="{3026FBE0-9116-C7AC-D540-4FAD07F4980A}"/>
+                <a16:creationId xmlns:a16="http://schemas.microsoft.com/office/drawing/2014/main" id="{5FB93C16-3073-AB4C-7E6D-5C2E688433DC}"/>
               </a:ext>
             </a:extLst>
           </p:cNvPr>
@@ -7673,61 +8295,21 @@
           <p:nvPr/>
         </p:nvPicPr>
         <p:blipFill>
-          <a:blip r:embed="rId2"/>
+          <a:blip r:embed="rId4"/>
           <a:stretch>
             <a:fillRect/>
           </a:stretch>
         </p:blipFill>
         <p:spPr>
           <a:xfrm>
-            <a:off x="1141366" y="4626396"/>
-            <a:ext cx="8964468" cy="1190509"/>
+            <a:off x="3124201" y="2526122"/>
+            <a:ext cx="4650350" cy="2778128"/>
           </a:xfrm>
           <a:prstGeom prst="rect">
             <a:avLst/>
           </a:prstGeom>
         </p:spPr>
       </p:pic>
-      <p:sp>
-        <p:nvSpPr>
-          <p:cNvPr id="6" name="TextBox 5">
-            <a:extLst>
-              <a:ext uri="{FF2B5EF4-FFF2-40B4-BE49-F238E27FC236}">
-                <a16:creationId xmlns:a16="http://schemas.microsoft.com/office/drawing/2014/main" id="{B1C54BD0-F77C-712C-0850-DF0604DD500E}"/>
-              </a:ext>
-            </a:extLst>
-          </p:cNvPr>
-          <p:cNvSpPr txBox="1"/>
-          <p:nvPr/>
-        </p:nvSpPr>
-        <p:spPr>
-          <a:xfrm>
-            <a:off x="1090393" y="5727566"/>
-            <a:ext cx="4670190" cy="261610"/>
-          </a:xfrm>
-          <a:prstGeom prst="rect">
-            <a:avLst/>
-          </a:prstGeom>
-          <a:noFill/>
-        </p:spPr>
-        <p:txBody>
-          <a:bodyPr wrap="square" rtlCol="1">
-            <a:spAutoFit/>
-          </a:bodyPr>
-          <a:lstStyle/>
-          <a:p>
-            <a:r>
-              <a:rPr lang="en-US" sz="1100" dirty="0">
-                <a:cs typeface="+mj-cs"/>
-              </a:rPr>
-              <a:t>Source: Densely Connected Convolutional Networks original paper.</a:t>
-            </a:r>
-            <a:endParaRPr lang="he-IL" sz="1100" dirty="0">
-              <a:cs typeface="+mj-cs"/>
-            </a:endParaRPr>
-          </a:p>
-        </p:txBody>
-      </p:sp>
     </p:spTree>
     <p:extLst>
       <p:ext uri="{BB962C8B-B14F-4D97-AF65-F5344CB8AC3E}">
@@ -8292,10 +8874,10 @@
       </p:sp>
       <p:pic>
         <p:nvPicPr>
-          <p:cNvPr id="7" name="תמונה 3">
+          <p:cNvPr id="8" name="תמונה 4">
             <a:extLst>
               <a:ext uri="{FF2B5EF4-FFF2-40B4-BE49-F238E27FC236}">
-                <a16:creationId xmlns:a16="http://schemas.microsoft.com/office/drawing/2014/main" id="{75F36A9B-487A-03BB-B9F3-74178B948A20}"/>
+                <a16:creationId xmlns:a16="http://schemas.microsoft.com/office/drawing/2014/main" id="{332A766A-4017-982F-6300-1E432CDC12D6}"/>
               </a:ext>
             </a:extLst>
           </p:cNvPr>
@@ -8305,37 +8887,7 @@
           <p:nvPr/>
         </p:nvPicPr>
         <p:blipFill>
-          <a:blip r:embed="rId2"/>
-          <a:stretch>
-            <a:fillRect/>
-          </a:stretch>
-        </p:blipFill>
-        <p:spPr>
-          <a:xfrm>
-            <a:off x="1170261" y="3621808"/>
-            <a:ext cx="4925739" cy="2792321"/>
-          </a:xfrm>
-          <a:prstGeom prst="rect">
-            <a:avLst/>
-          </a:prstGeom>
-        </p:spPr>
-      </p:pic>
-      <p:pic>
-        <p:nvPicPr>
-          <p:cNvPr id="8" name="תמונה 4">
-            <a:extLst>
-              <a:ext uri="{FF2B5EF4-FFF2-40B4-BE49-F238E27FC236}">
-                <a16:creationId xmlns:a16="http://schemas.microsoft.com/office/drawing/2014/main" id="{332A766A-4017-982F-6300-1E432CDC12D6}"/>
-              </a:ext>
-            </a:extLst>
-          </p:cNvPr>
-          <p:cNvPicPr>
-            <a:picLocks noChangeAspect="1"/>
-          </p:cNvPicPr>
-          <p:nvPr/>
-        </p:nvPicPr>
-        <p:blipFill>
-          <a:blip r:embed="rId3" cstate="print">
+          <a:blip r:embed="rId2" cstate="print">
             <a:extLst>
               <a:ext uri="{28A0092B-C50C-407E-A947-70E740481C1C}">
                 <a14:useLocalDpi xmlns:a14="http://schemas.microsoft.com/office/drawing/2010/main" val="0"/>
@@ -8349,8 +8901,8 @@
         </p:blipFill>
         <p:spPr bwMode="auto">
           <a:xfrm>
-            <a:off x="6200058" y="4224613"/>
-            <a:ext cx="4925740" cy="1935610"/>
+            <a:off x="6113530" y="4461848"/>
+            <a:ext cx="5629736" cy="2212251"/>
           </a:xfrm>
           <a:prstGeom prst="rect">
             <a:avLst/>
@@ -8497,6 +9049,36 @@
           </a:p>
         </p:txBody>
       </p:sp>
+      <p:pic>
+        <p:nvPicPr>
+          <p:cNvPr id="5" name="Picture 4">
+            <a:extLst>
+              <a:ext uri="{FF2B5EF4-FFF2-40B4-BE49-F238E27FC236}">
+                <a16:creationId xmlns:a16="http://schemas.microsoft.com/office/drawing/2014/main" id="{A4AD37DC-9646-CD92-4275-655005D86445}"/>
+              </a:ext>
+            </a:extLst>
+          </p:cNvPr>
+          <p:cNvPicPr>
+            <a:picLocks noChangeAspect="1"/>
+          </p:cNvPicPr>
+          <p:nvPr/>
+        </p:nvPicPr>
+        <p:blipFill>
+          <a:blip r:embed="rId3"/>
+          <a:stretch>
+            <a:fillRect/>
+          </a:stretch>
+        </p:blipFill>
+        <p:spPr>
+          <a:xfrm>
+            <a:off x="363854" y="3228536"/>
+            <a:ext cx="5795215" cy="3467408"/>
+          </a:xfrm>
+          <a:prstGeom prst="rect">
+            <a:avLst/>
+          </a:prstGeom>
+        </p:spPr>
+      </p:pic>
     </p:spTree>
     <p:extLst>
       <p:ext uri="{BB962C8B-B14F-4D97-AF65-F5344CB8AC3E}">
@@ -12241,8 +12823,8 @@
         </p:blipFill>
         <p:spPr>
           <a:xfrm>
-            <a:off x="5601253" y="2046377"/>
-            <a:ext cx="6142014" cy="4781550"/>
+            <a:off x="5179768" y="1532965"/>
+            <a:ext cx="6723775" cy="5234450"/>
           </a:xfrm>
           <a:prstGeom prst="rect">
             <a:avLst/>
@@ -12277,8 +12859,8 @@
         </p:blipFill>
         <p:spPr>
           <a:xfrm>
-            <a:off x="1369221" y="2452460"/>
-            <a:ext cx="3057525" cy="3969385"/>
+            <a:off x="1273795" y="1598821"/>
+            <a:ext cx="4031070" cy="4823025"/>
           </a:xfrm>
           <a:prstGeom prst="rect">
             <a:avLst/>
@@ -12299,7 +12881,7 @@
         </p:nvSpPr>
         <p:spPr>
           <a:xfrm>
-            <a:off x="936964" y="1616196"/>
+            <a:off x="980501" y="1198711"/>
             <a:ext cx="3773510" cy="400110"/>
           </a:xfrm>
           <a:prstGeom prst="rect">
@@ -12314,13 +12896,13 @@
           <a:lstStyle/>
           <a:p>
             <a:r>
-              <a:rPr lang="en-US" sz="2000" dirty="0">
+              <a:rPr lang="en-US" sz="2000" b="1" dirty="0">
                 <a:latin typeface="Arial" panose="020B0604020202020204" pitchFamily="34" charset="0"/>
                 <a:cs typeface="Arial" panose="020B0604020202020204" pitchFamily="34" charset="0"/>
               </a:rPr>
               <a:t>      Flowchart diagram:</a:t>
             </a:r>
-            <a:endParaRPr lang="he-IL" sz="2000" dirty="0">
+            <a:endParaRPr lang="he-IL" sz="2000" b="1" dirty="0">
               <a:latin typeface="Arial" panose="020B0604020202020204" pitchFamily="34" charset="0"/>
               <a:cs typeface="Arial" panose="020B0604020202020204" pitchFamily="34" charset="0"/>
             </a:endParaRPr>
@@ -12341,7 +12923,7 @@
         </p:nvSpPr>
         <p:spPr>
           <a:xfrm>
-            <a:off x="7551311" y="1612854"/>
+            <a:off x="7699283" y="1199153"/>
             <a:ext cx="3773510" cy="400110"/>
           </a:xfrm>
           <a:prstGeom prst="rect">
@@ -12356,13 +12938,13 @@
           <a:lstStyle/>
           <a:p>
             <a:r>
-              <a:rPr lang="en-US" sz="2000" dirty="0">
+              <a:rPr lang="en-US" sz="2000" b="1" dirty="0">
                 <a:latin typeface="Arial" panose="020B0604020202020204" pitchFamily="34" charset="0"/>
                 <a:cs typeface="Arial" panose="020B0604020202020204" pitchFamily="34" charset="0"/>
               </a:rPr>
               <a:t>Sequence diagram:</a:t>
             </a:r>
-            <a:endParaRPr lang="he-IL" sz="2000" dirty="0">
+            <a:endParaRPr lang="he-IL" sz="2000" b="1" dirty="0">
               <a:latin typeface="Arial" panose="020B0604020202020204" pitchFamily="34" charset="0"/>
               <a:cs typeface="Arial" panose="020B0604020202020204" pitchFamily="34" charset="0"/>
             </a:endParaRPr>
@@ -13916,13 +14498,13 @@
           <p:nvPr>
             <p:extLst>
               <p:ext uri="{D42A27DB-BD31-4B8C-83A1-F6EECF244321}">
-                <p14:modId xmlns:p14="http://schemas.microsoft.com/office/powerpoint/2010/main" val="933541714"/>
+                <p14:modId xmlns:p14="http://schemas.microsoft.com/office/powerpoint/2010/main" val="1912686403"/>
               </p:ext>
             </p:extLst>
           </p:nvPr>
         </p:nvGraphicFramePr>
         <p:xfrm>
-          <a:off x="2096625" y="1026403"/>
+          <a:off x="2096625" y="1054539"/>
           <a:ext cx="7998750" cy="5049827"/>
         </p:xfrm>
         <a:graphic>
@@ -14121,11 +14703,18 @@
                         </a:rPr>
                       </a:br>
                       <a:r>
+                        <a:rPr lang="en-US" sz="1200" b="1">
+                          <a:effectLst/>
+                          <a:cs typeface="+mj-cs"/>
+                        </a:rPr>
+                        <a:t>please load </a:t>
+                      </a:r>
+                      <a:r>
                         <a:rPr lang="en-US" sz="1200" b="1" dirty="0">
                           <a:effectLst/>
                           <a:cs typeface="+mj-cs"/>
                         </a:rPr>
-                        <a:t>please lode image</a:t>
+                        <a:t>image</a:t>
                       </a:r>
                       <a:endParaRPr lang="en-US" sz="1200" b="1" dirty="0">
                         <a:effectLst/>
@@ -15596,7 +16185,7 @@
         </p:nvSpPr>
         <p:spPr>
           <a:xfrm>
-            <a:off x="1438362" y="2111414"/>
+            <a:off x="1438362" y="2030025"/>
             <a:ext cx="9819603" cy="4365738"/>
           </a:xfrm>
         </p:spPr>
@@ -15607,6 +16196,9 @@
           <a:lstStyle/>
           <a:p>
             <a:pPr marL="0" indent="0" algn="l" rtl="0">
+              <a:lnSpc>
+                <a:spcPct val="150000"/>
+              </a:lnSpc>
               <a:buNone/>
             </a:pPr>
             <a:r>
@@ -15636,7 +16228,7 @@
                 <a:latin typeface="Arial" panose="020B0604020202020204" pitchFamily="34" charset="0"/>
                 <a:cs typeface="Arial" panose="020B0604020202020204" pitchFamily="34" charset="0"/>
               </a:rPr>
-              <a:t>Breast cancer occurs in four main types: normal, benign, in-situ carcinoma and invasive carcinoma. </a:t>
+              <a:t>Breast cancer occurs in four main types: normal, benign, in-situ cancer and invasive cancer. </a:t>
             </a:r>
             <a:br>
               <a:rPr lang="en-US" sz="2000" dirty="0">
@@ -15780,7 +16372,7 @@
           <p:nvPr/>
         </p:nvPicPr>
         <p:blipFill>
-          <a:blip r:embed="rId2">
+          <a:blip r:embed="rId3">
             <a:extLst>
               <a:ext uri="{28A0092B-C50C-407E-A947-70E740481C1C}">
                 <a14:useLocalDpi xmlns:a14="http://schemas.microsoft.com/office/drawing/2010/main" val="0"/>
@@ -15793,7 +16385,7 @@
         </p:blipFill>
         <p:spPr>
           <a:xfrm>
-            <a:off x="3111967" y="3228975"/>
+            <a:off x="2887601" y="3303602"/>
             <a:ext cx="5968065" cy="3360020"/>
           </a:xfrm>
           <a:prstGeom prst="rect">
@@ -18123,6 +18715,20 @@
               <a:buFont typeface="Arial" panose="020B0604020202020204" pitchFamily="34" charset="0"/>
               <a:buChar char="•"/>
             </a:pPr>
+            <a:endParaRPr lang="en-US" sz="2000" dirty="0">
+              <a:solidFill>
+                <a:schemeClr val="tx1"/>
+              </a:solidFill>
+              <a:latin typeface="Arial" panose="020B0604020202020204" pitchFamily="34" charset="0"/>
+              <a:cs typeface="Arial" panose="020B0604020202020204" pitchFamily="34" charset="0"/>
+            </a:endParaRPr>
+          </a:p>
+          <a:p>
+            <a:pPr algn="l" rtl="0">
+              <a:buSzPct val="140000"/>
+              <a:buFont typeface="Arial" panose="020B0604020202020204" pitchFamily="34" charset="0"/>
+              <a:buChar char="•"/>
+            </a:pPr>
             <a:r>
               <a:rPr lang="en-US" sz="2000" dirty="0">
                 <a:solidFill>
@@ -18131,32 +18737,14 @@
                 <a:latin typeface="Arial" panose="020B0604020202020204" pitchFamily="34" charset="0"/>
                 <a:cs typeface="Arial" panose="020B0604020202020204" pitchFamily="34" charset="0"/>
               </a:rPr>
-              <a:t>convolution layer -  Its purpose is to extract features from the image.</a:t>
-            </a:r>
-            <a:br>
-              <a:rPr lang="en-US" sz="2000" dirty="0">
-                <a:solidFill>
-                  <a:schemeClr val="tx1"/>
-                </a:solidFill>
-                <a:latin typeface="Arial" panose="020B0604020202020204" pitchFamily="34" charset="0"/>
-                <a:cs typeface="Arial" panose="020B0604020202020204" pitchFamily="34" charset="0"/>
-              </a:rPr>
-            </a:br>
-            <a:r>
-              <a:rPr lang="en-US" sz="2000" dirty="0">
-                <a:solidFill>
-                  <a:schemeClr val="tx1"/>
-                </a:solidFill>
-                <a:latin typeface="Arial" panose="020B0604020202020204" pitchFamily="34" charset="0"/>
-                <a:cs typeface="Arial" panose="020B0604020202020204" pitchFamily="34" charset="0"/>
-              </a:rPr>
-              <a:t>applying a filter on an input, passing the result to the next layer (feature maps).</a:t>
-            </a:r>
-          </a:p>
-          <a:p>
-            <a:pPr marL="0" indent="0" algn="l" rtl="0">
+              <a:t>convolution layer</a:t>
+            </a:r>
+          </a:p>
+          <a:p>
+            <a:pPr algn="l" rtl="0">
               <a:buSzPct val="140000"/>
-              <a:buNone/>
+              <a:buFont typeface="Arial" panose="020B0604020202020204" pitchFamily="34" charset="0"/>
+              <a:buChar char="•"/>
             </a:pPr>
             <a:endParaRPr lang="en-US" sz="2000" dirty="0">
               <a:solidFill>
@@ -18180,23 +18768,7 @@
                 <a:latin typeface="Arial" panose="020B0604020202020204" pitchFamily="34" charset="0"/>
                 <a:cs typeface="Arial" panose="020B0604020202020204" pitchFamily="34" charset="0"/>
               </a:rPr>
-              <a:t>pooling layers – Pooling layers reduce the dimensions of data by combining the outputs of neuron clusters at one layer into a single neuron in the next layer. </a:t>
-            </a:r>
-          </a:p>
-          <a:p>
-            <a:pPr marL="0" indent="0" algn="l" rtl="0">
-              <a:buSzPct val="140000"/>
-              <a:buNone/>
-            </a:pPr>
-            <a:r>
-              <a:rPr lang="en-US" sz="2000" dirty="0">
-                <a:solidFill>
-                  <a:schemeClr val="tx1"/>
-                </a:solidFill>
-                <a:latin typeface="Arial" panose="020B0604020202020204" pitchFamily="34" charset="0"/>
-                <a:cs typeface="Arial" panose="020B0604020202020204" pitchFamily="34" charset="0"/>
-              </a:rPr>
-              <a:t> </a:t>
+              <a:t>pooling layers </a:t>
             </a:r>
           </a:p>
           <a:p>
@@ -18205,6 +18777,20 @@
               <a:buFont typeface="Arial" panose="020B0604020202020204" pitchFamily="34" charset="0"/>
               <a:buChar char="•"/>
             </a:pPr>
+            <a:endParaRPr lang="en-US" sz="2000" dirty="0">
+              <a:solidFill>
+                <a:schemeClr val="tx1"/>
+              </a:solidFill>
+              <a:latin typeface="Arial" panose="020B0604020202020204" pitchFamily="34" charset="0"/>
+              <a:cs typeface="Arial" panose="020B0604020202020204" pitchFamily="34" charset="0"/>
+            </a:endParaRPr>
+          </a:p>
+          <a:p>
+            <a:pPr algn="l" rtl="0">
+              <a:buSzPct val="140000"/>
+              <a:buFont typeface="Arial" panose="020B0604020202020204" pitchFamily="34" charset="0"/>
+              <a:buChar char="•"/>
+            </a:pPr>
             <a:r>
               <a:rPr lang="en-US" sz="2000" dirty="0">
                 <a:solidFill>
@@ -18213,11 +18799,12 @@
                 <a:latin typeface="Arial" panose="020B0604020202020204" pitchFamily="34" charset="0"/>
                 <a:cs typeface="Arial" panose="020B0604020202020204" pitchFamily="34" charset="0"/>
               </a:rPr>
-              <a:t>fully connected layer - maps the extracted features into final output, They come as the last layers after convolution and pooling and these layers take the output of previous layers to classify the output.</a:t>
+              <a:t>fully connected layer </a:t>
             </a:r>
           </a:p>
           <a:p>
             <a:pPr marL="0" indent="0" algn="l" rtl="0">
+              <a:buSzPct val="140000"/>
               <a:buNone/>
             </a:pPr>
             <a:endParaRPr lang="he-IL" dirty="0">
@@ -18422,6 +19009,36 @@
           </a:p>
         </p:txBody>
       </p:sp>
+      <p:pic>
+        <p:nvPicPr>
+          <p:cNvPr id="6" name="Picture 5">
+            <a:extLst>
+              <a:ext uri="{FF2B5EF4-FFF2-40B4-BE49-F238E27FC236}">
+                <a16:creationId xmlns:a16="http://schemas.microsoft.com/office/drawing/2014/main" id="{F60D0951-0148-01AF-5AC4-1A7729169A33}"/>
+              </a:ext>
+            </a:extLst>
+          </p:cNvPr>
+          <p:cNvPicPr>
+            <a:picLocks noChangeAspect="1"/>
+          </p:cNvPicPr>
+          <p:nvPr/>
+        </p:nvPicPr>
+        <p:blipFill>
+          <a:blip r:embed="rId3"/>
+          <a:stretch>
+            <a:fillRect/>
+          </a:stretch>
+        </p:blipFill>
+        <p:spPr>
+          <a:xfrm>
+            <a:off x="4199206" y="2954189"/>
+            <a:ext cx="7050371" cy="3761387"/>
+          </a:xfrm>
+          <a:prstGeom prst="rect">
+            <a:avLst/>
+          </a:prstGeom>
+        </p:spPr>
+      </p:pic>
     </p:spTree>
     <p:extLst>
       <p:ext uri="{BB962C8B-B14F-4D97-AF65-F5344CB8AC3E}">
@@ -18639,7 +19256,7 @@
         </p:nvSpPr>
         <p:spPr>
           <a:xfrm>
-            <a:off x="1202558" y="1478656"/>
+            <a:off x="1005626" y="1881647"/>
             <a:ext cx="10180748" cy="5396248"/>
           </a:xfrm>
         </p:spPr>
@@ -18649,8 +19266,10 @@
           </a:bodyPr>
           <a:lstStyle/>
           <a:p>
-            <a:pPr marL="0" indent="0" algn="l" rtl="0">
-              <a:buNone/>
+            <a:pPr algn="l" rtl="0">
+              <a:buSzPct val="120000"/>
+              <a:buFont typeface="Arial" panose="020B0604020202020204" pitchFamily="34" charset="0"/>
+              <a:buChar char="•"/>
             </a:pPr>
             <a:r>
               <a:rPr lang="en-US" sz="2000" dirty="0" err="1">
@@ -18670,12 +19289,28 @@
                 <a:latin typeface="Arial" panose="020B0604020202020204" pitchFamily="34" charset="0"/>
                 <a:cs typeface="Arial" panose="020B0604020202020204" pitchFamily="34" charset="0"/>
               </a:rPr>
-              <a:t> is a convolutional neural network architecture that connects each layer to every other layer in a feed-forward fashion.                                                                     This architecture is designed to alleviate the vanishing-gradient problem encountered in traditional deep neural networks, by using direct connections between layers, rather than stacking layers sequentially.  </a:t>
-            </a:r>
-          </a:p>
-          <a:p>
-            <a:pPr marL="0" indent="0" algn="l" rtl="0">
-              <a:buNone/>
+              <a:t> is a convolutional neural network architecture that connects each layer to every other layer in a feed-forward fashion.    </a:t>
+            </a:r>
+          </a:p>
+          <a:p>
+            <a:pPr algn="l" rtl="0">
+              <a:buSzPct val="120000"/>
+              <a:buFont typeface="Arial" panose="020B0604020202020204" pitchFamily="34" charset="0"/>
+              <a:buChar char="•"/>
+            </a:pPr>
+            <a:endParaRPr lang="en-US" sz="2000" dirty="0">
+              <a:solidFill>
+                <a:schemeClr val="tx1"/>
+              </a:solidFill>
+              <a:latin typeface="Arial" panose="020B0604020202020204" pitchFamily="34" charset="0"/>
+              <a:cs typeface="Arial" panose="020B0604020202020204" pitchFamily="34" charset="0"/>
+            </a:endParaRPr>
+          </a:p>
+          <a:p>
+            <a:pPr algn="l" rtl="0">
+              <a:buSzPct val="120000"/>
+              <a:buFont typeface="Arial" panose="020B0604020202020204" pitchFamily="34" charset="0"/>
+              <a:buChar char="•"/>
             </a:pPr>
             <a:r>
               <a:rPr lang="en-US" sz="2000" dirty="0">
@@ -18685,12 +19320,28 @@
                 <a:latin typeface="Arial" panose="020B0604020202020204" pitchFamily="34" charset="0"/>
                 <a:cs typeface="Arial" panose="020B0604020202020204" pitchFamily="34" charset="0"/>
               </a:rPr>
-              <a:t> </a:t>
-            </a:r>
-          </a:p>
-          <a:p>
-            <a:pPr marL="0" indent="0" algn="l" rtl="0">
-              <a:buNone/>
+              <a:t>This architecture is designed to alleviate the vanishing-gradient problem encountered in traditional deep neural networks.</a:t>
+            </a:r>
+          </a:p>
+          <a:p>
+            <a:pPr algn="l" rtl="0">
+              <a:buSzPct val="120000"/>
+              <a:buFont typeface="Arial" panose="020B0604020202020204" pitchFamily="34" charset="0"/>
+              <a:buChar char="•"/>
+            </a:pPr>
+            <a:endParaRPr lang="en-US" sz="2000" dirty="0">
+              <a:solidFill>
+                <a:schemeClr val="tx1"/>
+              </a:solidFill>
+              <a:latin typeface="Arial" panose="020B0604020202020204" pitchFamily="34" charset="0"/>
+              <a:cs typeface="Arial" panose="020B0604020202020204" pitchFamily="34" charset="0"/>
+            </a:endParaRPr>
+          </a:p>
+          <a:p>
+            <a:pPr algn="l" rtl="0">
+              <a:buSzPct val="120000"/>
+              <a:buFont typeface="Arial" panose="020B0604020202020204" pitchFamily="34" charset="0"/>
+              <a:buChar char="•"/>
             </a:pPr>
             <a:r>
               <a:rPr lang="en-US" sz="2000" dirty="0" err="1">
@@ -18710,47 +19361,7 @@
                 <a:latin typeface="Arial" panose="020B0604020202020204" pitchFamily="34" charset="0"/>
                 <a:cs typeface="Arial" panose="020B0604020202020204" pitchFamily="34" charset="0"/>
               </a:rPr>
-              <a:t> can be very deep, with hundreds of layers, and still be able to train effectively, We will use the </a:t>
-            </a:r>
-            <a:r>
-              <a:rPr lang="en-US" sz="2000" dirty="0" err="1">
-                <a:solidFill>
-                  <a:schemeClr val="tx1"/>
-                </a:solidFill>
-                <a:latin typeface="Arial" panose="020B0604020202020204" pitchFamily="34" charset="0"/>
-                <a:cs typeface="Arial" panose="020B0604020202020204" pitchFamily="34" charset="0"/>
-              </a:rPr>
-              <a:t>DensenNet</a:t>
-            </a:r>
-            <a:r>
-              <a:rPr lang="en-US" sz="2000" dirty="0">
-                <a:solidFill>
-                  <a:schemeClr val="tx1"/>
-                </a:solidFill>
-                <a:latin typeface="Arial" panose="020B0604020202020204" pitchFamily="34" charset="0"/>
-                <a:cs typeface="Arial" panose="020B0604020202020204" pitchFamily="34" charset="0"/>
-              </a:rPr>
-              <a:t> 121 which is one of the smaller </a:t>
-            </a:r>
-            <a:r>
-              <a:rPr lang="en-US" sz="2000" dirty="0" err="1">
-                <a:solidFill>
-                  <a:schemeClr val="tx1"/>
-                </a:solidFill>
-                <a:latin typeface="Arial" panose="020B0604020202020204" pitchFamily="34" charset="0"/>
-                <a:cs typeface="Arial" panose="020B0604020202020204" pitchFamily="34" charset="0"/>
-              </a:rPr>
-              <a:t>DenseNet</a:t>
-            </a:r>
-            <a:r>
-              <a:rPr lang="en-US" sz="2000" dirty="0">
-                <a:solidFill>
-                  <a:schemeClr val="tx1"/>
-                </a:solidFill>
-                <a:latin typeface="Arial" panose="020B0604020202020204" pitchFamily="34" charset="0"/>
-                <a:cs typeface="Arial" panose="020B0604020202020204" pitchFamily="34" charset="0"/>
-              </a:rPr>
-              <a:t> architectures contains 4 dense blocks each containing a fixed number of layers.</a:t>
+              <a:t> can be very deep, with hundreds of layers, and still be able to train effectively. </a:t>
             </a:r>
           </a:p>
         </p:txBody>
